--- a/doc/Icons-ResizeLab.pptx
+++ b/doc/Icons-ResizeLab.pptx
@@ -107,6 +107,22 @@
       </a:defRPr>
     </a:lvl9pPr>
   </p:defaultTextStyle>
+  <p:extLst>
+    <p:ext uri="{EFAFB233-063F-42B5-8137-9DF3F51BA10A}">
+      <p15:sldGuideLst xmlns:p15="http://schemas.microsoft.com/office/powerpoint/2012/main">
+        <p15:guide id="1" orient="horz" pos="2160">
+          <p15:clr>
+            <a:srgbClr val="A4A3A4"/>
+          </p15:clr>
+        </p15:guide>
+        <p15:guide id="2" pos="2880">
+          <p15:clr>
+            <a:srgbClr val="A4A3A4"/>
+          </p15:clr>
+        </p15:guide>
+      </p15:sldGuideLst>
+    </p:ext>
+  </p:extLst>
 </p:presentation>
 </file>
 
@@ -192,7 +208,7 @@
           <a:p>
             <a:fld id="{6699ACB9-486C-4D62-A3A7-AF98E13EFDA3}" type="datetimeFigureOut">
               <a:rPr lang="en-US" smtClean="0"/>
-              <a:t>2/6/2016</a:t>
+              <a:t>2/25/2016</a:t>
             </a:fld>
             <a:endParaRPr lang="en-US"/>
           </a:p>
@@ -642,7 +658,7 @@
             <a:fld id="{1D8BD707-D9CF-40AE-B4C6-C98DA3205C09}" type="datetimeFigureOut">
               <a:rPr lang="en-US" smtClean="0"/>
               <a:pPr/>
-              <a:t>2/6/2016</a:t>
+              <a:t>2/25/2016</a:t>
             </a:fld>
             <a:endParaRPr lang="en-US"/>
           </a:p>
@@ -809,7 +825,7 @@
             <a:fld id="{1D8BD707-D9CF-40AE-B4C6-C98DA3205C09}" type="datetimeFigureOut">
               <a:rPr lang="en-US" smtClean="0"/>
               <a:pPr/>
-              <a:t>2/6/2016</a:t>
+              <a:t>2/25/2016</a:t>
             </a:fld>
             <a:endParaRPr lang="en-US"/>
           </a:p>
@@ -986,7 +1002,7 @@
             <a:fld id="{1D8BD707-D9CF-40AE-B4C6-C98DA3205C09}" type="datetimeFigureOut">
               <a:rPr lang="en-US" smtClean="0"/>
               <a:pPr/>
-              <a:t>2/6/2016</a:t>
+              <a:t>2/25/2016</a:t>
             </a:fld>
             <a:endParaRPr lang="en-US"/>
           </a:p>
@@ -1153,7 +1169,7 @@
             <a:fld id="{1D8BD707-D9CF-40AE-B4C6-C98DA3205C09}" type="datetimeFigureOut">
               <a:rPr lang="en-US" smtClean="0"/>
               <a:pPr/>
-              <a:t>2/6/2016</a:t>
+              <a:t>2/25/2016</a:t>
             </a:fld>
             <a:endParaRPr lang="en-US"/>
           </a:p>
@@ -1396,7 +1412,7 @@
             <a:fld id="{1D8BD707-D9CF-40AE-B4C6-C98DA3205C09}" type="datetimeFigureOut">
               <a:rPr lang="en-US" smtClean="0"/>
               <a:pPr/>
-              <a:t>2/6/2016</a:t>
+              <a:t>2/25/2016</a:t>
             </a:fld>
             <a:endParaRPr lang="en-US"/>
           </a:p>
@@ -1681,7 +1697,7 @@
             <a:fld id="{1D8BD707-D9CF-40AE-B4C6-C98DA3205C09}" type="datetimeFigureOut">
               <a:rPr lang="en-US" smtClean="0"/>
               <a:pPr/>
-              <a:t>2/6/2016</a:t>
+              <a:t>2/25/2016</a:t>
             </a:fld>
             <a:endParaRPr lang="en-US"/>
           </a:p>
@@ -2100,7 +2116,7 @@
             <a:fld id="{1D8BD707-D9CF-40AE-B4C6-C98DA3205C09}" type="datetimeFigureOut">
               <a:rPr lang="en-US" smtClean="0"/>
               <a:pPr/>
-              <a:t>2/6/2016</a:t>
+              <a:t>2/25/2016</a:t>
             </a:fld>
             <a:endParaRPr lang="en-US"/>
           </a:p>
@@ -2215,7 +2231,7 @@
             <a:fld id="{1D8BD707-D9CF-40AE-B4C6-C98DA3205C09}" type="datetimeFigureOut">
               <a:rPr lang="en-US" smtClean="0"/>
               <a:pPr/>
-              <a:t>2/6/2016</a:t>
+              <a:t>2/25/2016</a:t>
             </a:fld>
             <a:endParaRPr lang="en-US"/>
           </a:p>
@@ -2307,7 +2323,7 @@
             <a:fld id="{1D8BD707-D9CF-40AE-B4C6-C98DA3205C09}" type="datetimeFigureOut">
               <a:rPr lang="en-US" smtClean="0"/>
               <a:pPr/>
-              <a:t>2/6/2016</a:t>
+              <a:t>2/25/2016</a:t>
             </a:fld>
             <a:endParaRPr lang="en-US"/>
           </a:p>
@@ -2581,7 +2597,7 @@
             <a:fld id="{1D8BD707-D9CF-40AE-B4C6-C98DA3205C09}" type="datetimeFigureOut">
               <a:rPr lang="en-US" smtClean="0"/>
               <a:pPr/>
-              <a:t>2/6/2016</a:t>
+              <a:t>2/25/2016</a:t>
             </a:fld>
             <a:endParaRPr lang="en-US"/>
           </a:p>
@@ -2831,7 +2847,7 @@
             <a:fld id="{1D8BD707-D9CF-40AE-B4C6-C98DA3205C09}" type="datetimeFigureOut">
               <a:rPr lang="en-US" smtClean="0"/>
               <a:pPr/>
-              <a:t>2/6/2016</a:t>
+              <a:t>2/25/2016</a:t>
             </a:fld>
             <a:endParaRPr lang="en-US"/>
           </a:p>
@@ -3041,7 +3057,7 @@
             <a:fld id="{1D8BD707-D9CF-40AE-B4C6-C98DA3205C09}" type="datetimeFigureOut">
               <a:rPr lang="en-US" smtClean="0"/>
               <a:pPr/>
-              <a:t>2/6/2016</a:t>
+              <a:t>2/25/2016</a:t>
             </a:fld>
             <a:endParaRPr lang="en-US"/>
           </a:p>
@@ -3700,6 +3716,249 @@
           </a:extLst>
         </p:spPr>
       </p:pic>
+      <p:grpSp>
+        <p:nvGrpSpPr>
+          <p:cNvPr id="7" name="Group 6"/>
+          <p:cNvGrpSpPr>
+            <a:grpSpLocks/>
+          </p:cNvGrpSpPr>
+          <p:nvPr/>
+        </p:nvGrpSpPr>
+        <p:grpSpPr>
+          <a:xfrm>
+            <a:off x="2802694" y="2980172"/>
+            <a:ext cx="838200" cy="838200"/>
+            <a:chOff x="375266" y="5397326"/>
+            <a:chExt cx="838200" cy="838200"/>
+          </a:xfrm>
+        </p:grpSpPr>
+        <p:sp>
+          <p:nvSpPr>
+            <p:cNvPr id="8" name="Rectangle 7"/>
+            <p:cNvSpPr/>
+            <p:nvPr/>
+          </p:nvSpPr>
+          <p:spPr>
+            <a:xfrm>
+              <a:off x="375266" y="5397326"/>
+              <a:ext cx="838200" cy="838200"/>
+            </a:xfrm>
+            <a:prstGeom prst="rect">
+              <a:avLst/>
+            </a:prstGeom>
+            <a:noFill/>
+            <a:ln>
+              <a:noFill/>
+            </a:ln>
+          </p:spPr>
+          <p:style>
+            <a:lnRef idx="2">
+              <a:schemeClr val="accent1">
+                <a:shade val="50000"/>
+              </a:schemeClr>
+            </a:lnRef>
+            <a:fillRef idx="1">
+              <a:schemeClr val="accent1"/>
+            </a:fillRef>
+            <a:effectRef idx="0">
+              <a:schemeClr val="accent1"/>
+            </a:effectRef>
+            <a:fontRef idx="minor">
+              <a:schemeClr val="lt1"/>
+            </a:fontRef>
+          </p:style>
+          <p:txBody>
+            <a:bodyPr rtlCol="0" anchor="ctr"/>
+            <a:lstStyle/>
+            <a:p>
+              <a:pPr algn="ctr"/>
+              <a:endParaRPr lang="en-SG"/>
+            </a:p>
+          </p:txBody>
+        </p:sp>
+        <p:sp>
+          <p:nvSpPr>
+            <p:cNvPr id="9" name="Rectangle 4"/>
+            <p:cNvSpPr/>
+            <p:nvPr/>
+          </p:nvSpPr>
+          <p:spPr>
+            <a:xfrm rot="16200000">
+              <a:off x="444221" y="5470529"/>
+              <a:ext cx="700291" cy="690781"/>
+            </a:xfrm>
+            <a:custGeom>
+              <a:avLst/>
+              <a:gdLst/>
+              <a:ahLst/>
+              <a:cxnLst/>
+              <a:rect l="l" t="t" r="r" b="b"/>
+              <a:pathLst>
+                <a:path w="1752603" h="1752600">
+                  <a:moveTo>
+                    <a:pt x="533400" y="0"/>
+                  </a:moveTo>
+                  <a:lnTo>
+                    <a:pt x="533403" y="0"/>
+                  </a:lnTo>
+                  <a:lnTo>
+                    <a:pt x="1066800" y="0"/>
+                  </a:lnTo>
+                  <a:lnTo>
+                    <a:pt x="1752603" y="0"/>
+                  </a:lnTo>
+                  <a:lnTo>
+                    <a:pt x="1752603" y="1752600"/>
+                  </a:lnTo>
+                  <a:lnTo>
+                    <a:pt x="1219203" y="1752600"/>
+                  </a:lnTo>
+                  <a:lnTo>
+                    <a:pt x="533403" y="1752600"/>
+                  </a:lnTo>
+                  <a:lnTo>
+                    <a:pt x="3" y="1752600"/>
+                  </a:lnTo>
+                  <a:lnTo>
+                    <a:pt x="3" y="533430"/>
+                  </a:lnTo>
+                  <a:cubicBezTo>
+                    <a:pt x="0" y="533420"/>
+                    <a:pt x="0" y="533410"/>
+                    <a:pt x="0" y="533400"/>
+                  </a:cubicBezTo>
+                  <a:cubicBezTo>
+                    <a:pt x="0" y="238811"/>
+                    <a:pt x="238811" y="0"/>
+                    <a:pt x="533400" y="0"/>
+                  </a:cubicBezTo>
+                  <a:close/>
+                </a:path>
+              </a:pathLst>
+            </a:custGeom>
+            <a:noFill/>
+            <a:ln w="76200" cmpd="sng">
+              <a:solidFill>
+                <a:srgbClr val="0070C0"/>
+              </a:solidFill>
+              <a:miter lim="800000"/>
+            </a:ln>
+          </p:spPr>
+          <p:style>
+            <a:lnRef idx="2">
+              <a:schemeClr val="accent1">
+                <a:shade val="50000"/>
+              </a:schemeClr>
+            </a:lnRef>
+            <a:fillRef idx="1">
+              <a:schemeClr val="accent1"/>
+            </a:fillRef>
+            <a:effectRef idx="0">
+              <a:schemeClr val="accent1"/>
+            </a:effectRef>
+            <a:fontRef idx="minor">
+              <a:schemeClr val="lt1"/>
+            </a:fontRef>
+          </p:style>
+          <p:txBody>
+            <a:bodyPr rtlCol="0" anchor="ctr"/>
+            <a:lstStyle/>
+            <a:p>
+              <a:pPr algn="ctr"/>
+              <a:endParaRPr lang="en-US"/>
+            </a:p>
+          </p:txBody>
+        </p:sp>
+      </p:grpSp>
+      <p:cxnSp>
+        <p:nvCxnSpPr>
+          <p:cNvPr id="10" name="Straight Arrow Connector 10"/>
+          <p:cNvCxnSpPr>
+            <a:cxnSpLocks/>
+          </p:cNvCxnSpPr>
+          <p:nvPr/>
+        </p:nvCxnSpPr>
+        <p:spPr>
+          <a:xfrm flipH="1">
+            <a:off x="2991473" y="3132483"/>
+            <a:ext cx="498742" cy="495478"/>
+          </a:xfrm>
+          <a:prstGeom prst="straightConnector1">
+            <a:avLst/>
+          </a:prstGeom>
+          <a:ln w="63500">
+            <a:solidFill>
+              <a:srgbClr val="E56C08"/>
+            </a:solidFill>
+            <a:headEnd type="triangle"/>
+            <a:tailEnd type="triangle"/>
+          </a:ln>
+        </p:spPr>
+        <p:style>
+          <a:lnRef idx="1">
+            <a:schemeClr val="accent1"/>
+          </a:lnRef>
+          <a:fillRef idx="0">
+            <a:schemeClr val="accent1"/>
+          </a:fillRef>
+          <a:effectRef idx="0">
+            <a:schemeClr val="accent1"/>
+          </a:effectRef>
+          <a:fontRef idx="minor">
+            <a:schemeClr val="tx1"/>
+          </a:fontRef>
+        </p:style>
+      </p:cxnSp>
+      <p:sp>
+        <p:nvSpPr>
+          <p:cNvPr id="11" name="Rectangle 10"/>
+          <p:cNvSpPr>
+            <a:spLocks/>
+          </p:cNvSpPr>
+          <p:nvPr/>
+        </p:nvSpPr>
+        <p:spPr>
+          <a:xfrm>
+            <a:off x="3160640" y="3299260"/>
+            <a:ext cx="169935" cy="171450"/>
+          </a:xfrm>
+          <a:prstGeom prst="rect">
+            <a:avLst/>
+          </a:prstGeom>
+          <a:solidFill>
+            <a:srgbClr val="0070C0"/>
+          </a:solidFill>
+          <a:ln>
+            <a:solidFill>
+              <a:srgbClr val="0070C0"/>
+            </a:solidFill>
+          </a:ln>
+        </p:spPr>
+        <p:style>
+          <a:lnRef idx="2">
+            <a:schemeClr val="accent1">
+              <a:shade val="50000"/>
+            </a:schemeClr>
+          </a:lnRef>
+          <a:fillRef idx="1">
+            <a:schemeClr val="accent1"/>
+          </a:fillRef>
+          <a:effectRef idx="0">
+            <a:schemeClr val="accent1"/>
+          </a:effectRef>
+          <a:fontRef idx="minor">
+            <a:schemeClr val="lt1"/>
+          </a:fontRef>
+        </p:style>
+        <p:txBody>
+          <a:bodyPr rtlCol="0" anchor="ctr"/>
+          <a:lstStyle/>
+          <a:p>
+            <a:pPr algn="ctr"/>
+            <a:endParaRPr lang="en-US"/>
+          </a:p>
+        </p:txBody>
+      </p:sp>
     </p:spTree>
     <p:extLst>
       <p:ext uri="{BB962C8B-B14F-4D97-AF65-F5344CB8AC3E}">

--- a/doc/Icons-ResizeLab.pptx
+++ b/doc/Icons-ResizeLab.pptx
@@ -5,10 +5,15 @@
     <p:sldMasterId id="2147483648" r:id="rId1"/>
   </p:sldMasterIdLst>
   <p:notesMasterIdLst>
-    <p:notesMasterId r:id="rId3"/>
+    <p:notesMasterId r:id="rId8"/>
   </p:notesMasterIdLst>
   <p:sldIdLst>
     <p:sldId id="269" r:id="rId2"/>
+    <p:sldId id="270" r:id="rId3"/>
+    <p:sldId id="271" r:id="rId4"/>
+    <p:sldId id="272" r:id="rId5"/>
+    <p:sldId id="273" r:id="rId6"/>
+    <p:sldId id="274" r:id="rId7"/>
   </p:sldIdLst>
   <p:sldSz cx="9144000" cy="6858000" type="screen4x3"/>
   <p:notesSz cx="6858000" cy="9144000"/>
@@ -208,7 +213,7 @@
           <a:p>
             <a:fld id="{6699ACB9-486C-4D62-A3A7-AF98E13EFDA3}" type="datetimeFigureOut">
               <a:rPr lang="en-US" smtClean="0"/>
-              <a:t>2/25/2016</a:t>
+              <a:t>3/7/2016</a:t>
             </a:fld>
             <a:endParaRPr lang="en-US"/>
           </a:p>
@@ -474,6 +479,90 @@
     </a:lvl9pPr>
   </p:notesStyle>
 </p:notesMaster>
+</file>
+
+<file path=ppt/notesSlides/notesSlide1.xml><?xml version="1.0" encoding="utf-8"?>
+<p:notes xmlns:a="http://schemas.openxmlformats.org/drawingml/2006/main" xmlns:r="http://schemas.openxmlformats.org/officeDocument/2006/relationships" xmlns:p="http://schemas.openxmlformats.org/presentationml/2006/main">
+  <p:cSld>
+    <p:spTree>
+      <p:nvGrpSpPr>
+        <p:cNvPr id="1" name=""/>
+        <p:cNvGrpSpPr/>
+        <p:nvPr/>
+      </p:nvGrpSpPr>
+      <p:grpSpPr>
+        <a:xfrm>
+          <a:off x="0" y="0"/>
+          <a:ext cx="0" cy="0"/>
+          <a:chOff x="0" y="0"/>
+          <a:chExt cx="0" cy="0"/>
+        </a:xfrm>
+      </p:grpSpPr>
+      <p:sp>
+        <p:nvSpPr>
+          <p:cNvPr id="2" name="Slide Image Placeholder 1"/>
+          <p:cNvSpPr>
+            <a:spLocks noGrp="1" noRot="1" noChangeAspect="1"/>
+          </p:cNvSpPr>
+          <p:nvPr>
+            <p:ph type="sldImg"/>
+          </p:nvPr>
+        </p:nvSpPr>
+        <p:spPr/>
+      </p:sp>
+      <p:sp>
+        <p:nvSpPr>
+          <p:cNvPr id="3" name="Notes Placeholder 2"/>
+          <p:cNvSpPr>
+            <a:spLocks noGrp="1"/>
+          </p:cNvSpPr>
+          <p:nvPr>
+            <p:ph type="body" idx="1"/>
+          </p:nvPr>
+        </p:nvSpPr>
+        <p:spPr/>
+        <p:txBody>
+          <a:bodyPr/>
+          <a:lstStyle/>
+          <a:p>
+            <a:endParaRPr lang="en-US" dirty="0"/>
+          </a:p>
+        </p:txBody>
+      </p:sp>
+      <p:sp>
+        <p:nvSpPr>
+          <p:cNvPr id="4" name="Slide Number Placeholder 3"/>
+          <p:cNvSpPr>
+            <a:spLocks noGrp="1"/>
+          </p:cNvSpPr>
+          <p:nvPr>
+            <p:ph type="sldNum" sz="quarter" idx="10"/>
+          </p:nvPr>
+        </p:nvSpPr>
+        <p:spPr/>
+        <p:txBody>
+          <a:bodyPr/>
+          <a:lstStyle/>
+          <a:p>
+            <a:fld id="{8EC77E60-82A0-4F8A-A861-433B3189FA8C}" type="slidenum">
+              <a:rPr lang="en-US" smtClean="0"/>
+              <a:t>2</a:t>
+            </a:fld>
+            <a:endParaRPr lang="en-US"/>
+          </a:p>
+        </p:txBody>
+      </p:sp>
+    </p:spTree>
+    <p:extLst>
+      <p:ext uri="{BB962C8B-B14F-4D97-AF65-F5344CB8AC3E}">
+        <p14:creationId xmlns:p14="http://schemas.microsoft.com/office/powerpoint/2010/main" val="1233713848"/>
+      </p:ext>
+    </p:extLst>
+  </p:cSld>
+  <p:clrMapOvr>
+    <a:masterClrMapping/>
+  </p:clrMapOvr>
+</p:notes>
 </file>
 
 <file path=ppt/slideLayouts/slideLayout1.xml><?xml version="1.0" encoding="utf-8"?>
@@ -658,7 +747,7 @@
             <a:fld id="{1D8BD707-D9CF-40AE-B4C6-C98DA3205C09}" type="datetimeFigureOut">
               <a:rPr lang="en-US" smtClean="0"/>
               <a:pPr/>
-              <a:t>2/25/2016</a:t>
+              <a:t>3/7/2016</a:t>
             </a:fld>
             <a:endParaRPr lang="en-US"/>
           </a:p>
@@ -825,7 +914,7 @@
             <a:fld id="{1D8BD707-D9CF-40AE-B4C6-C98DA3205C09}" type="datetimeFigureOut">
               <a:rPr lang="en-US" smtClean="0"/>
               <a:pPr/>
-              <a:t>2/25/2016</a:t>
+              <a:t>3/7/2016</a:t>
             </a:fld>
             <a:endParaRPr lang="en-US"/>
           </a:p>
@@ -1002,7 +1091,7 @@
             <a:fld id="{1D8BD707-D9CF-40AE-B4C6-C98DA3205C09}" type="datetimeFigureOut">
               <a:rPr lang="en-US" smtClean="0"/>
               <a:pPr/>
-              <a:t>2/25/2016</a:t>
+              <a:t>3/7/2016</a:t>
             </a:fld>
             <a:endParaRPr lang="en-US"/>
           </a:p>
@@ -1169,7 +1258,7 @@
             <a:fld id="{1D8BD707-D9CF-40AE-B4C6-C98DA3205C09}" type="datetimeFigureOut">
               <a:rPr lang="en-US" smtClean="0"/>
               <a:pPr/>
-              <a:t>2/25/2016</a:t>
+              <a:t>3/7/2016</a:t>
             </a:fld>
             <a:endParaRPr lang="en-US"/>
           </a:p>
@@ -1412,7 +1501,7 @@
             <a:fld id="{1D8BD707-D9CF-40AE-B4C6-C98DA3205C09}" type="datetimeFigureOut">
               <a:rPr lang="en-US" smtClean="0"/>
               <a:pPr/>
-              <a:t>2/25/2016</a:t>
+              <a:t>3/7/2016</a:t>
             </a:fld>
             <a:endParaRPr lang="en-US"/>
           </a:p>
@@ -1697,7 +1786,7 @@
             <a:fld id="{1D8BD707-D9CF-40AE-B4C6-C98DA3205C09}" type="datetimeFigureOut">
               <a:rPr lang="en-US" smtClean="0"/>
               <a:pPr/>
-              <a:t>2/25/2016</a:t>
+              <a:t>3/7/2016</a:t>
             </a:fld>
             <a:endParaRPr lang="en-US"/>
           </a:p>
@@ -2116,7 +2205,7 @@
             <a:fld id="{1D8BD707-D9CF-40AE-B4C6-C98DA3205C09}" type="datetimeFigureOut">
               <a:rPr lang="en-US" smtClean="0"/>
               <a:pPr/>
-              <a:t>2/25/2016</a:t>
+              <a:t>3/7/2016</a:t>
             </a:fld>
             <a:endParaRPr lang="en-US"/>
           </a:p>
@@ -2231,7 +2320,7 @@
             <a:fld id="{1D8BD707-D9CF-40AE-B4C6-C98DA3205C09}" type="datetimeFigureOut">
               <a:rPr lang="en-US" smtClean="0"/>
               <a:pPr/>
-              <a:t>2/25/2016</a:t>
+              <a:t>3/7/2016</a:t>
             </a:fld>
             <a:endParaRPr lang="en-US"/>
           </a:p>
@@ -2323,7 +2412,7 @@
             <a:fld id="{1D8BD707-D9CF-40AE-B4C6-C98DA3205C09}" type="datetimeFigureOut">
               <a:rPr lang="en-US" smtClean="0"/>
               <a:pPr/>
-              <a:t>2/25/2016</a:t>
+              <a:t>3/7/2016</a:t>
             </a:fld>
             <a:endParaRPr lang="en-US"/>
           </a:p>
@@ -2597,7 +2686,7 @@
             <a:fld id="{1D8BD707-D9CF-40AE-B4C6-C98DA3205C09}" type="datetimeFigureOut">
               <a:rPr lang="en-US" smtClean="0"/>
               <a:pPr/>
-              <a:t>2/25/2016</a:t>
+              <a:t>3/7/2016</a:t>
             </a:fld>
             <a:endParaRPr lang="en-US"/>
           </a:p>
@@ -2847,7 +2936,7 @@
             <a:fld id="{1D8BD707-D9CF-40AE-B4C6-C98DA3205C09}" type="datetimeFigureOut">
               <a:rPr lang="en-US" smtClean="0"/>
               <a:pPr/>
-              <a:t>2/25/2016</a:t>
+              <a:t>3/7/2016</a:t>
             </a:fld>
             <a:endParaRPr lang="en-US"/>
           </a:p>
@@ -3057,7 +3146,7 @@
             <a:fld id="{1D8BD707-D9CF-40AE-B4C6-C98DA3205C09}" type="datetimeFigureOut">
               <a:rPr lang="en-US" smtClean="0"/>
               <a:pPr/>
-              <a:t>2/25/2016</a:t>
+              <a:t>3/7/2016</a:t>
             </a:fld>
             <a:endParaRPr lang="en-US"/>
           </a:p>
@@ -3979,6 +4068,7109 @@
 </p:sld>
 </file>
 
+<file path=ppt/slides/slide2.xml><?xml version="1.0" encoding="utf-8"?>
+<p:sld xmlns:a="http://schemas.openxmlformats.org/drawingml/2006/main" xmlns:r="http://schemas.openxmlformats.org/officeDocument/2006/relationships" xmlns:p="http://schemas.openxmlformats.org/presentationml/2006/main">
+  <p:cSld>
+    <p:spTree>
+      <p:nvGrpSpPr>
+        <p:cNvPr id="1" name=""/>
+        <p:cNvGrpSpPr/>
+        <p:nvPr/>
+      </p:nvGrpSpPr>
+      <p:grpSpPr>
+        <a:xfrm>
+          <a:off x="0" y="0"/>
+          <a:ext cx="0" cy="0"/>
+          <a:chOff x="0" y="0"/>
+          <a:chExt cx="0" cy="0"/>
+        </a:xfrm>
+      </p:grpSpPr>
+      <p:sp>
+        <p:nvSpPr>
+          <p:cNvPr id="2" name="Title 1"/>
+          <p:cNvSpPr>
+            <a:spLocks noGrp="1"/>
+          </p:cNvSpPr>
+          <p:nvPr>
+            <p:ph type="title"/>
+          </p:nvPr>
+        </p:nvSpPr>
+        <p:spPr>
+          <a:xfrm>
+            <a:off x="461269" y="142900"/>
+            <a:ext cx="8229600" cy="1143000"/>
+          </a:xfrm>
+        </p:spPr>
+        <p:txBody>
+          <a:bodyPr/>
+          <a:lstStyle/>
+          <a:p>
+            <a:r>
+              <a:rPr lang="en-US" dirty="0" smtClean="0"/>
+              <a:t>Stretch / Shrink</a:t>
+            </a:r>
+            <a:endParaRPr lang="en-US" dirty="0"/>
+          </a:p>
+        </p:txBody>
+      </p:sp>
+      <p:sp>
+        <p:nvSpPr>
+          <p:cNvPr id="32" name="TextBox 31"/>
+          <p:cNvSpPr txBox="1"/>
+          <p:nvPr/>
+        </p:nvSpPr>
+        <p:spPr>
+          <a:xfrm>
+            <a:off x="827538" y="2572581"/>
+            <a:ext cx="1219116" cy="369332"/>
+          </a:xfrm>
+          <a:prstGeom prst="rect">
+            <a:avLst/>
+          </a:prstGeom>
+          <a:noFill/>
+        </p:spPr>
+        <p:txBody>
+          <a:bodyPr wrap="none" rtlCol="0">
+            <a:spAutoFit/>
+          </a:bodyPr>
+          <a:lstStyle/>
+          <a:p>
+            <a:r>
+              <a:rPr lang="en-US" dirty="0" smtClean="0"/>
+              <a:t>Stretch left</a:t>
+            </a:r>
+          </a:p>
+        </p:txBody>
+      </p:sp>
+      <p:sp>
+        <p:nvSpPr>
+          <p:cNvPr id="33" name="TextBox 32"/>
+          <p:cNvSpPr txBox="1"/>
+          <p:nvPr/>
+        </p:nvSpPr>
+        <p:spPr>
+          <a:xfrm>
+            <a:off x="944321" y="5977932"/>
+            <a:ext cx="1344086" cy="369332"/>
+          </a:xfrm>
+          <a:prstGeom prst="rect">
+            <a:avLst/>
+          </a:prstGeom>
+          <a:noFill/>
+        </p:spPr>
+        <p:txBody>
+          <a:bodyPr wrap="none" rtlCol="0">
+            <a:spAutoFit/>
+          </a:bodyPr>
+          <a:lstStyle/>
+          <a:p>
+            <a:r>
+              <a:rPr lang="en-US" dirty="0" smtClean="0"/>
+              <a:t>Stretch right</a:t>
+            </a:r>
+          </a:p>
+        </p:txBody>
+      </p:sp>
+      <p:sp>
+        <p:nvSpPr>
+          <p:cNvPr id="41" name="TextBox 40"/>
+          <p:cNvSpPr txBox="1"/>
+          <p:nvPr/>
+        </p:nvSpPr>
+        <p:spPr>
+          <a:xfrm>
+            <a:off x="4489438" y="2895605"/>
+            <a:ext cx="1223733" cy="369332"/>
+          </a:xfrm>
+          <a:prstGeom prst="rect">
+            <a:avLst/>
+          </a:prstGeom>
+          <a:noFill/>
+        </p:spPr>
+        <p:txBody>
+          <a:bodyPr wrap="none" rtlCol="0">
+            <a:spAutoFit/>
+          </a:bodyPr>
+          <a:lstStyle/>
+          <a:p>
+            <a:r>
+              <a:rPr lang="en-US" dirty="0" smtClean="0"/>
+              <a:t>Stretch top</a:t>
+            </a:r>
+          </a:p>
+        </p:txBody>
+      </p:sp>
+      <p:sp>
+        <p:nvSpPr>
+          <p:cNvPr id="56" name="TextBox 55"/>
+          <p:cNvSpPr txBox="1"/>
+          <p:nvPr/>
+        </p:nvSpPr>
+        <p:spPr>
+          <a:xfrm>
+            <a:off x="4518013" y="5972180"/>
+            <a:ext cx="1603581" cy="369332"/>
+          </a:xfrm>
+          <a:prstGeom prst="rect">
+            <a:avLst/>
+          </a:prstGeom>
+          <a:noFill/>
+        </p:spPr>
+        <p:txBody>
+          <a:bodyPr wrap="none" rtlCol="0">
+            <a:spAutoFit/>
+          </a:bodyPr>
+          <a:lstStyle/>
+          <a:p>
+            <a:r>
+              <a:rPr lang="en-US" dirty="0" smtClean="0"/>
+              <a:t>Stretch bottom</a:t>
+            </a:r>
+          </a:p>
+        </p:txBody>
+      </p:sp>
+      <p:grpSp>
+        <p:nvGrpSpPr>
+          <p:cNvPr id="5" name="Group 4"/>
+          <p:cNvGrpSpPr/>
+          <p:nvPr/>
+        </p:nvGrpSpPr>
+        <p:grpSpPr>
+          <a:xfrm>
+            <a:off x="1137758" y="2082163"/>
+            <a:ext cx="374400" cy="378000"/>
+            <a:chOff x="1137758" y="2082163"/>
+            <a:chExt cx="374400" cy="374400"/>
+          </a:xfrm>
+        </p:grpSpPr>
+        <p:sp>
+          <p:nvSpPr>
+            <p:cNvPr id="3" name="Rounded Rectangle 2"/>
+            <p:cNvSpPr>
+              <a:spLocks noChangeAspect="1"/>
+            </p:cNvSpPr>
+            <p:nvPr/>
+          </p:nvSpPr>
+          <p:spPr>
+            <a:xfrm>
+              <a:off x="1231359" y="2234027"/>
+              <a:ext cx="187199" cy="88949"/>
+            </a:xfrm>
+            <a:prstGeom prst="roundRect">
+              <a:avLst/>
+            </a:prstGeom>
+            <a:solidFill>
+              <a:srgbClr val="FFFFFF"/>
+            </a:solidFill>
+            <a:ln w="9525">
+              <a:solidFill>
+                <a:srgbClr val="0070C0"/>
+              </a:solidFill>
+            </a:ln>
+          </p:spPr>
+          <p:style>
+            <a:lnRef idx="2">
+              <a:schemeClr val="accent1">
+                <a:shade val="50000"/>
+              </a:schemeClr>
+            </a:lnRef>
+            <a:fillRef idx="1">
+              <a:schemeClr val="accent1"/>
+            </a:fillRef>
+            <a:effectRef idx="0">
+              <a:schemeClr val="accent1"/>
+            </a:effectRef>
+            <a:fontRef idx="minor">
+              <a:schemeClr val="lt1"/>
+            </a:fontRef>
+          </p:style>
+          <p:txBody>
+            <a:bodyPr tIns="25200" rtlCol="0" anchor="ctr" anchorCtr="0"/>
+            <a:lstStyle/>
+            <a:p>
+              <a:pPr algn="ctr"/>
+              <a:r>
+                <a:rPr lang="en-US" sz="800" dirty="0" smtClean="0">
+                  <a:solidFill>
+                    <a:srgbClr val="0070C0"/>
+                  </a:solidFill>
+                </a:rPr>
+                <a:t>▴</a:t>
+              </a:r>
+              <a:endParaRPr lang="en-US" sz="800" dirty="0">
+                <a:solidFill>
+                  <a:srgbClr val="0070C0"/>
+                </a:solidFill>
+              </a:endParaRPr>
+            </a:p>
+          </p:txBody>
+        </p:sp>
+        <p:sp>
+          <p:nvSpPr>
+            <p:cNvPr id="4" name="Rounded Rectangle 3"/>
+            <p:cNvSpPr>
+              <a:spLocks noChangeAspect="1"/>
+            </p:cNvSpPr>
+            <p:nvPr/>
+          </p:nvSpPr>
+          <p:spPr>
+            <a:xfrm>
+              <a:off x="1137758" y="2099486"/>
+              <a:ext cx="187199" cy="88949"/>
+            </a:xfrm>
+            <a:prstGeom prst="roundRect">
+              <a:avLst/>
+            </a:prstGeom>
+            <a:solidFill>
+              <a:srgbClr val="FFFFFF"/>
+            </a:solidFill>
+            <a:ln w="9525">
+              <a:solidFill>
+                <a:srgbClr val="0070C0"/>
+              </a:solidFill>
+            </a:ln>
+          </p:spPr>
+          <p:style>
+            <a:lnRef idx="2">
+              <a:schemeClr val="accent1">
+                <a:shade val="50000"/>
+              </a:schemeClr>
+            </a:lnRef>
+            <a:fillRef idx="1">
+              <a:schemeClr val="accent1"/>
+            </a:fillRef>
+            <a:effectRef idx="0">
+              <a:schemeClr val="accent1"/>
+            </a:effectRef>
+            <a:fontRef idx="minor">
+              <a:schemeClr val="lt1"/>
+            </a:fontRef>
+          </p:style>
+          <p:txBody>
+            <a:bodyPr rtlCol="0" anchor="ctr"/>
+            <a:lstStyle/>
+            <a:p>
+              <a:pPr algn="ctr"/>
+              <a:endParaRPr lang="en-US" dirty="0"/>
+            </a:p>
+          </p:txBody>
+        </p:sp>
+        <p:cxnSp>
+          <p:nvCxnSpPr>
+            <p:cNvPr id="10" name="Straight Connector 9"/>
+            <p:cNvCxnSpPr>
+              <a:cxnSpLocks/>
+            </p:cNvCxnSpPr>
+            <p:nvPr/>
+          </p:nvCxnSpPr>
+          <p:spPr>
+            <a:xfrm>
+              <a:off x="1418557" y="2412088"/>
+              <a:ext cx="93601" cy="0"/>
+            </a:xfrm>
+            <a:prstGeom prst="line">
+              <a:avLst/>
+            </a:prstGeom>
+            <a:ln>
+              <a:solidFill>
+                <a:srgbClr val="0070C0"/>
+              </a:solidFill>
+            </a:ln>
+          </p:spPr>
+          <p:style>
+            <a:lnRef idx="1">
+              <a:schemeClr val="accent1"/>
+            </a:lnRef>
+            <a:fillRef idx="0">
+              <a:schemeClr val="accent1"/>
+            </a:fillRef>
+            <a:effectRef idx="0">
+              <a:schemeClr val="accent1"/>
+            </a:effectRef>
+            <a:fontRef idx="minor">
+              <a:schemeClr val="tx1"/>
+            </a:fontRef>
+          </p:style>
+        </p:cxnSp>
+        <p:sp>
+          <p:nvSpPr>
+            <p:cNvPr id="11" name="Rounded Rectangle 10"/>
+            <p:cNvSpPr>
+              <a:spLocks noChangeAspect="1"/>
+            </p:cNvSpPr>
+            <p:nvPr/>
+          </p:nvSpPr>
+          <p:spPr>
+            <a:xfrm>
+              <a:off x="1324958" y="2367614"/>
+              <a:ext cx="187199" cy="88949"/>
+            </a:xfrm>
+            <a:prstGeom prst="roundRect">
+              <a:avLst/>
+            </a:prstGeom>
+            <a:solidFill>
+              <a:srgbClr val="FFFFFF"/>
+            </a:solidFill>
+            <a:ln w="9525">
+              <a:solidFill>
+                <a:srgbClr val="0070C0"/>
+              </a:solidFill>
+            </a:ln>
+          </p:spPr>
+          <p:style>
+            <a:lnRef idx="2">
+              <a:schemeClr val="accent1">
+                <a:shade val="50000"/>
+              </a:schemeClr>
+            </a:lnRef>
+            <a:fillRef idx="1">
+              <a:schemeClr val="accent1"/>
+            </a:fillRef>
+            <a:effectRef idx="0">
+              <a:schemeClr val="accent1"/>
+            </a:effectRef>
+            <a:fontRef idx="minor">
+              <a:schemeClr val="lt1"/>
+            </a:fontRef>
+          </p:style>
+          <p:txBody>
+            <a:bodyPr rtlCol="0" anchor="ctr"/>
+            <a:lstStyle/>
+            <a:p>
+              <a:pPr algn="ctr"/>
+              <a:endParaRPr lang="en-US" dirty="0"/>
+            </a:p>
+          </p:txBody>
+        </p:sp>
+        <p:cxnSp>
+          <p:nvCxnSpPr>
+            <p:cNvPr id="14" name="Straight Connector 13"/>
+            <p:cNvCxnSpPr>
+              <a:cxnSpLocks/>
+            </p:cNvCxnSpPr>
+            <p:nvPr/>
+          </p:nvCxnSpPr>
+          <p:spPr>
+            <a:xfrm>
+              <a:off x="1231359" y="2082163"/>
+              <a:ext cx="0" cy="374400"/>
+            </a:xfrm>
+            <a:prstGeom prst="line">
+              <a:avLst/>
+            </a:prstGeom>
+            <a:ln w="3175">
+              <a:solidFill>
+                <a:srgbClr val="0070C0"/>
+              </a:solidFill>
+              <a:prstDash val="dash"/>
+            </a:ln>
+          </p:spPr>
+          <p:style>
+            <a:lnRef idx="1">
+              <a:schemeClr val="accent1"/>
+            </a:lnRef>
+            <a:fillRef idx="0">
+              <a:schemeClr val="accent1"/>
+            </a:fillRef>
+            <a:effectRef idx="0">
+              <a:schemeClr val="accent1"/>
+            </a:effectRef>
+            <a:fontRef idx="minor">
+              <a:schemeClr val="tx1"/>
+            </a:fontRef>
+          </p:style>
+        </p:cxnSp>
+        <p:cxnSp>
+          <p:nvCxnSpPr>
+            <p:cNvPr id="7" name="Straight Arrow Connector 6"/>
+            <p:cNvCxnSpPr/>
+            <p:nvPr/>
+          </p:nvCxnSpPr>
+          <p:spPr>
+            <a:xfrm>
+              <a:off x="1137758" y="2140786"/>
+              <a:ext cx="100800" cy="0"/>
+            </a:xfrm>
+            <a:prstGeom prst="straightConnector1">
+              <a:avLst/>
+            </a:prstGeom>
+            <a:ln w="6985">
+              <a:round/>
+              <a:headEnd w="sm" len="sm"/>
+              <a:tailEnd type="stealth" w="sm" len="sm"/>
+            </a:ln>
+          </p:spPr>
+          <p:style>
+            <a:lnRef idx="1">
+              <a:schemeClr val="accent1"/>
+            </a:lnRef>
+            <a:fillRef idx="0">
+              <a:schemeClr val="accent1"/>
+            </a:fillRef>
+            <a:effectRef idx="0">
+              <a:schemeClr val="accent1"/>
+            </a:effectRef>
+            <a:fontRef idx="minor">
+              <a:schemeClr val="tx1"/>
+            </a:fontRef>
+          </p:style>
+        </p:cxnSp>
+        <p:cxnSp>
+          <p:nvCxnSpPr>
+            <p:cNvPr id="43" name="Straight Arrow Connector 42"/>
+            <p:cNvCxnSpPr/>
+            <p:nvPr/>
+          </p:nvCxnSpPr>
+          <p:spPr>
+            <a:xfrm flipH="1">
+              <a:off x="1227452" y="2408913"/>
+              <a:ext cx="90000" cy="0"/>
+            </a:xfrm>
+            <a:prstGeom prst="straightConnector1">
+              <a:avLst/>
+            </a:prstGeom>
+            <a:ln w="6985">
+              <a:round/>
+              <a:headEnd w="sm" len="sm"/>
+              <a:tailEnd type="stealth" w="sm" len="sm"/>
+            </a:ln>
+          </p:spPr>
+          <p:style>
+            <a:lnRef idx="1">
+              <a:schemeClr val="accent1"/>
+            </a:lnRef>
+            <a:fillRef idx="0">
+              <a:schemeClr val="accent1"/>
+            </a:fillRef>
+            <a:effectRef idx="0">
+              <a:schemeClr val="accent1"/>
+            </a:effectRef>
+            <a:fontRef idx="minor">
+              <a:schemeClr val="tx1"/>
+            </a:fontRef>
+          </p:style>
+        </p:cxnSp>
+      </p:grpSp>
+      <p:grpSp>
+        <p:nvGrpSpPr>
+          <p:cNvPr id="8" name="Group 7"/>
+          <p:cNvGrpSpPr/>
+          <p:nvPr/>
+        </p:nvGrpSpPr>
+        <p:grpSpPr>
+          <a:xfrm>
+            <a:off x="4846810" y="2393668"/>
+            <a:ext cx="370080" cy="378000"/>
+            <a:chOff x="4846810" y="2393668"/>
+            <a:chExt cx="370080" cy="374400"/>
+          </a:xfrm>
+        </p:grpSpPr>
+        <p:sp>
+          <p:nvSpPr>
+            <p:cNvPr id="42" name="Rounded Rectangle 41"/>
+            <p:cNvSpPr>
+              <a:spLocks noChangeAspect="1"/>
+            </p:cNvSpPr>
+            <p:nvPr/>
+          </p:nvSpPr>
+          <p:spPr>
+            <a:xfrm>
+              <a:off x="4939331" y="2534736"/>
+              <a:ext cx="185039" cy="93264"/>
+            </a:xfrm>
+            <a:prstGeom prst="roundRect">
+              <a:avLst/>
+            </a:prstGeom>
+            <a:solidFill>
+              <a:srgbClr val="FFFFFF"/>
+            </a:solidFill>
+            <a:ln w="9525">
+              <a:solidFill>
+                <a:srgbClr val="0070C0"/>
+              </a:solidFill>
+            </a:ln>
+          </p:spPr>
+          <p:style>
+            <a:lnRef idx="2">
+              <a:schemeClr val="accent1">
+                <a:shade val="50000"/>
+              </a:schemeClr>
+            </a:lnRef>
+            <a:fillRef idx="1">
+              <a:schemeClr val="accent1"/>
+            </a:fillRef>
+            <a:effectRef idx="0">
+              <a:schemeClr val="accent1"/>
+            </a:effectRef>
+            <a:fontRef idx="minor">
+              <a:schemeClr val="lt1"/>
+            </a:fontRef>
+          </p:style>
+          <p:txBody>
+            <a:bodyPr tIns="25200" rtlCol="0" anchor="ctr" anchorCtr="0"/>
+            <a:lstStyle/>
+            <a:p>
+              <a:pPr algn="ctr"/>
+              <a:r>
+                <a:rPr lang="en-US" sz="800" dirty="0" smtClean="0">
+                  <a:solidFill>
+                    <a:srgbClr val="0070C0"/>
+                  </a:solidFill>
+                </a:rPr>
+                <a:t>▴</a:t>
+              </a:r>
+              <a:endParaRPr lang="en-US" sz="800" dirty="0">
+                <a:solidFill>
+                  <a:srgbClr val="0070C0"/>
+                </a:solidFill>
+              </a:endParaRPr>
+            </a:p>
+          </p:txBody>
+        </p:sp>
+        <p:sp>
+          <p:nvSpPr>
+            <p:cNvPr id="44" name="Rounded Rectangle 43"/>
+            <p:cNvSpPr>
+              <a:spLocks noChangeAspect="1"/>
+            </p:cNvSpPr>
+            <p:nvPr/>
+          </p:nvSpPr>
+          <p:spPr>
+            <a:xfrm>
+              <a:off x="4846810" y="2393668"/>
+              <a:ext cx="185039" cy="93264"/>
+            </a:xfrm>
+            <a:prstGeom prst="roundRect">
+              <a:avLst/>
+            </a:prstGeom>
+            <a:solidFill>
+              <a:srgbClr val="FFFFFF"/>
+            </a:solidFill>
+            <a:ln w="9525">
+              <a:solidFill>
+                <a:srgbClr val="0070C0"/>
+              </a:solidFill>
+            </a:ln>
+          </p:spPr>
+          <p:style>
+            <a:lnRef idx="2">
+              <a:schemeClr val="accent1">
+                <a:shade val="50000"/>
+              </a:schemeClr>
+            </a:lnRef>
+            <a:fillRef idx="1">
+              <a:schemeClr val="accent1"/>
+            </a:fillRef>
+            <a:effectRef idx="0">
+              <a:schemeClr val="accent1"/>
+            </a:effectRef>
+            <a:fontRef idx="minor">
+              <a:schemeClr val="lt1"/>
+            </a:fontRef>
+          </p:style>
+          <p:txBody>
+            <a:bodyPr rtlCol="0" anchor="ctr"/>
+            <a:lstStyle/>
+            <a:p>
+              <a:pPr algn="ctr"/>
+              <a:endParaRPr lang="en-US" dirty="0"/>
+            </a:p>
+          </p:txBody>
+        </p:sp>
+        <p:cxnSp>
+          <p:nvCxnSpPr>
+            <p:cNvPr id="45" name="Straight Connector 44"/>
+            <p:cNvCxnSpPr>
+              <a:cxnSpLocks/>
+            </p:cNvCxnSpPr>
+            <p:nvPr/>
+          </p:nvCxnSpPr>
+          <p:spPr>
+            <a:xfrm>
+              <a:off x="5124369" y="2721435"/>
+              <a:ext cx="92521" cy="0"/>
+            </a:xfrm>
+            <a:prstGeom prst="line">
+              <a:avLst/>
+            </a:prstGeom>
+            <a:ln>
+              <a:solidFill>
+                <a:srgbClr val="0070C0"/>
+              </a:solidFill>
+            </a:ln>
+          </p:spPr>
+          <p:style>
+            <a:lnRef idx="1">
+              <a:schemeClr val="accent1"/>
+            </a:lnRef>
+            <a:fillRef idx="0">
+              <a:schemeClr val="accent1"/>
+            </a:fillRef>
+            <a:effectRef idx="0">
+              <a:schemeClr val="accent1"/>
+            </a:effectRef>
+            <a:fontRef idx="minor">
+              <a:schemeClr val="tx1"/>
+            </a:fontRef>
+          </p:style>
+        </p:cxnSp>
+        <p:sp>
+          <p:nvSpPr>
+            <p:cNvPr id="46" name="Rounded Rectangle 45"/>
+            <p:cNvSpPr>
+              <a:spLocks noChangeAspect="1"/>
+            </p:cNvSpPr>
+            <p:nvPr/>
+          </p:nvSpPr>
+          <p:spPr>
+            <a:xfrm>
+              <a:off x="5031850" y="2674804"/>
+              <a:ext cx="185039" cy="93264"/>
+            </a:xfrm>
+            <a:prstGeom prst="roundRect">
+              <a:avLst/>
+            </a:prstGeom>
+            <a:solidFill>
+              <a:srgbClr val="FFFFFF"/>
+            </a:solidFill>
+            <a:ln w="9525">
+              <a:solidFill>
+                <a:srgbClr val="0070C0"/>
+              </a:solidFill>
+            </a:ln>
+          </p:spPr>
+          <p:style>
+            <a:lnRef idx="2">
+              <a:schemeClr val="accent1">
+                <a:shade val="50000"/>
+              </a:schemeClr>
+            </a:lnRef>
+            <a:fillRef idx="1">
+              <a:schemeClr val="accent1"/>
+            </a:fillRef>
+            <a:effectRef idx="0">
+              <a:schemeClr val="accent1"/>
+            </a:effectRef>
+            <a:fontRef idx="minor">
+              <a:schemeClr val="lt1"/>
+            </a:fontRef>
+          </p:style>
+          <p:txBody>
+            <a:bodyPr rtlCol="0" anchor="ctr"/>
+            <a:lstStyle/>
+            <a:p>
+              <a:pPr algn="ctr"/>
+              <a:endParaRPr lang="en-US" dirty="0"/>
+            </a:p>
+          </p:txBody>
+        </p:sp>
+        <p:cxnSp>
+          <p:nvCxnSpPr>
+            <p:cNvPr id="47" name="Straight Connector 46"/>
+            <p:cNvCxnSpPr>
+              <a:cxnSpLocks/>
+            </p:cNvCxnSpPr>
+            <p:nvPr/>
+          </p:nvCxnSpPr>
+          <p:spPr>
+            <a:xfrm rot="5400000">
+              <a:off x="5031409" y="2347676"/>
+              <a:ext cx="0" cy="360000"/>
+            </a:xfrm>
+            <a:prstGeom prst="line">
+              <a:avLst/>
+            </a:prstGeom>
+            <a:ln w="3175">
+              <a:solidFill>
+                <a:srgbClr val="0070C0"/>
+              </a:solidFill>
+              <a:prstDash val="dash"/>
+            </a:ln>
+          </p:spPr>
+          <p:style>
+            <a:lnRef idx="1">
+              <a:schemeClr val="accent1"/>
+            </a:lnRef>
+            <a:fillRef idx="0">
+              <a:schemeClr val="accent1"/>
+            </a:fillRef>
+            <a:effectRef idx="0">
+              <a:schemeClr val="accent1"/>
+            </a:effectRef>
+            <a:fontRef idx="minor">
+              <a:schemeClr val="tx1"/>
+            </a:fontRef>
+          </p:style>
+        </p:cxnSp>
+        <p:cxnSp>
+          <p:nvCxnSpPr>
+            <p:cNvPr id="48" name="Straight Arrow Connector 47"/>
+            <p:cNvCxnSpPr>
+              <a:cxnSpLocks/>
+            </p:cNvCxnSpPr>
+            <p:nvPr/>
+          </p:nvCxnSpPr>
+          <p:spPr>
+            <a:xfrm flipH="1">
+              <a:off x="4896628" y="2486091"/>
+              <a:ext cx="824" cy="46800"/>
+            </a:xfrm>
+            <a:prstGeom prst="straightConnector1">
+              <a:avLst/>
+            </a:prstGeom>
+            <a:ln w="6985">
+              <a:round/>
+              <a:headEnd w="sm" len="sm"/>
+              <a:tailEnd type="stealth" w="sm" len="sm"/>
+            </a:ln>
+          </p:spPr>
+          <p:style>
+            <a:lnRef idx="1">
+              <a:schemeClr val="accent1"/>
+            </a:lnRef>
+            <a:fillRef idx="0">
+              <a:schemeClr val="accent1"/>
+            </a:fillRef>
+            <a:effectRef idx="0">
+              <a:schemeClr val="accent1"/>
+            </a:effectRef>
+            <a:fontRef idx="minor">
+              <a:schemeClr val="tx1"/>
+            </a:fontRef>
+          </p:style>
+        </p:cxnSp>
+        <p:cxnSp>
+          <p:nvCxnSpPr>
+            <p:cNvPr id="57" name="Straight Arrow Connector 56"/>
+            <p:cNvCxnSpPr/>
+            <p:nvPr/>
+          </p:nvCxnSpPr>
+          <p:spPr>
+            <a:xfrm flipV="1">
+              <a:off x="5171533" y="2526843"/>
+              <a:ext cx="4382" cy="150986"/>
+            </a:xfrm>
+            <a:prstGeom prst="straightConnector1">
+              <a:avLst/>
+            </a:prstGeom>
+            <a:ln w="6985">
+              <a:round/>
+              <a:headEnd w="sm" len="sm"/>
+              <a:tailEnd type="stealth" w="sm" len="sm"/>
+            </a:ln>
+          </p:spPr>
+          <p:style>
+            <a:lnRef idx="1">
+              <a:schemeClr val="accent1"/>
+            </a:lnRef>
+            <a:fillRef idx="0">
+              <a:schemeClr val="accent1"/>
+            </a:fillRef>
+            <a:effectRef idx="0">
+              <a:schemeClr val="accent1"/>
+            </a:effectRef>
+            <a:fontRef idx="minor">
+              <a:schemeClr val="tx1"/>
+            </a:fontRef>
+          </p:style>
+        </p:cxnSp>
+      </p:grpSp>
+      <p:grpSp>
+        <p:nvGrpSpPr>
+          <p:cNvPr id="6" name="Group 5"/>
+          <p:cNvGrpSpPr/>
+          <p:nvPr/>
+        </p:nvGrpSpPr>
+        <p:grpSpPr>
+          <a:xfrm>
+            <a:off x="1391185" y="5424346"/>
+            <a:ext cx="374400" cy="378000"/>
+            <a:chOff x="1391185" y="5424346"/>
+            <a:chExt cx="374400" cy="374400"/>
+          </a:xfrm>
+        </p:grpSpPr>
+        <p:sp>
+          <p:nvSpPr>
+            <p:cNvPr id="59" name="Rounded Rectangle 58"/>
+            <p:cNvSpPr>
+              <a:spLocks noChangeAspect="1"/>
+            </p:cNvSpPr>
+            <p:nvPr/>
+          </p:nvSpPr>
+          <p:spPr>
+            <a:xfrm>
+              <a:off x="1484786" y="5576210"/>
+              <a:ext cx="187199" cy="88949"/>
+            </a:xfrm>
+            <a:prstGeom prst="roundRect">
+              <a:avLst/>
+            </a:prstGeom>
+            <a:solidFill>
+              <a:srgbClr val="FFFFFF"/>
+            </a:solidFill>
+            <a:ln w="9525">
+              <a:solidFill>
+                <a:srgbClr val="0070C0"/>
+              </a:solidFill>
+            </a:ln>
+          </p:spPr>
+          <p:style>
+            <a:lnRef idx="2">
+              <a:schemeClr val="accent1">
+                <a:shade val="50000"/>
+              </a:schemeClr>
+            </a:lnRef>
+            <a:fillRef idx="1">
+              <a:schemeClr val="accent1"/>
+            </a:fillRef>
+            <a:effectRef idx="0">
+              <a:schemeClr val="accent1"/>
+            </a:effectRef>
+            <a:fontRef idx="minor">
+              <a:schemeClr val="lt1"/>
+            </a:fontRef>
+          </p:style>
+          <p:txBody>
+            <a:bodyPr tIns="25200" rtlCol="0" anchor="ctr" anchorCtr="0"/>
+            <a:lstStyle/>
+            <a:p>
+              <a:pPr algn="ctr"/>
+              <a:r>
+                <a:rPr lang="en-US" sz="800" dirty="0" smtClean="0">
+                  <a:solidFill>
+                    <a:srgbClr val="0070C0"/>
+                  </a:solidFill>
+                </a:rPr>
+                <a:t>▴</a:t>
+              </a:r>
+              <a:endParaRPr lang="en-US" sz="800" dirty="0">
+                <a:solidFill>
+                  <a:srgbClr val="0070C0"/>
+                </a:solidFill>
+              </a:endParaRPr>
+            </a:p>
+          </p:txBody>
+        </p:sp>
+        <p:sp>
+          <p:nvSpPr>
+            <p:cNvPr id="60" name="Rounded Rectangle 59"/>
+            <p:cNvSpPr>
+              <a:spLocks noChangeAspect="1"/>
+            </p:cNvSpPr>
+            <p:nvPr/>
+          </p:nvSpPr>
+          <p:spPr>
+            <a:xfrm>
+              <a:off x="1391185" y="5441669"/>
+              <a:ext cx="187199" cy="88949"/>
+            </a:xfrm>
+            <a:prstGeom prst="roundRect">
+              <a:avLst/>
+            </a:prstGeom>
+            <a:solidFill>
+              <a:srgbClr val="FFFFFF"/>
+            </a:solidFill>
+            <a:ln w="9525">
+              <a:solidFill>
+                <a:srgbClr val="0070C0"/>
+              </a:solidFill>
+            </a:ln>
+          </p:spPr>
+          <p:style>
+            <a:lnRef idx="2">
+              <a:schemeClr val="accent1">
+                <a:shade val="50000"/>
+              </a:schemeClr>
+            </a:lnRef>
+            <a:fillRef idx="1">
+              <a:schemeClr val="accent1"/>
+            </a:fillRef>
+            <a:effectRef idx="0">
+              <a:schemeClr val="accent1"/>
+            </a:effectRef>
+            <a:fontRef idx="minor">
+              <a:schemeClr val="lt1"/>
+            </a:fontRef>
+          </p:style>
+          <p:txBody>
+            <a:bodyPr rtlCol="0" anchor="ctr"/>
+            <a:lstStyle/>
+            <a:p>
+              <a:pPr algn="ctr"/>
+              <a:endParaRPr lang="en-US" dirty="0"/>
+            </a:p>
+          </p:txBody>
+        </p:sp>
+        <p:cxnSp>
+          <p:nvCxnSpPr>
+            <p:cNvPr id="61" name="Straight Connector 60"/>
+            <p:cNvCxnSpPr>
+              <a:cxnSpLocks/>
+            </p:cNvCxnSpPr>
+            <p:nvPr/>
+          </p:nvCxnSpPr>
+          <p:spPr>
+            <a:xfrm>
+              <a:off x="1671984" y="5754271"/>
+              <a:ext cx="93601" cy="0"/>
+            </a:xfrm>
+            <a:prstGeom prst="line">
+              <a:avLst/>
+            </a:prstGeom>
+            <a:ln>
+              <a:solidFill>
+                <a:srgbClr val="0070C0"/>
+              </a:solidFill>
+            </a:ln>
+          </p:spPr>
+          <p:style>
+            <a:lnRef idx="1">
+              <a:schemeClr val="accent1"/>
+            </a:lnRef>
+            <a:fillRef idx="0">
+              <a:schemeClr val="accent1"/>
+            </a:fillRef>
+            <a:effectRef idx="0">
+              <a:schemeClr val="accent1"/>
+            </a:effectRef>
+            <a:fontRef idx="minor">
+              <a:schemeClr val="tx1"/>
+            </a:fontRef>
+          </p:style>
+        </p:cxnSp>
+        <p:sp>
+          <p:nvSpPr>
+            <p:cNvPr id="62" name="Rounded Rectangle 61"/>
+            <p:cNvSpPr>
+              <a:spLocks noChangeAspect="1"/>
+            </p:cNvSpPr>
+            <p:nvPr/>
+          </p:nvSpPr>
+          <p:spPr>
+            <a:xfrm>
+              <a:off x="1578385" y="5709797"/>
+              <a:ext cx="187199" cy="88949"/>
+            </a:xfrm>
+            <a:prstGeom prst="roundRect">
+              <a:avLst/>
+            </a:prstGeom>
+            <a:solidFill>
+              <a:srgbClr val="FFFFFF"/>
+            </a:solidFill>
+            <a:ln w="9525">
+              <a:solidFill>
+                <a:srgbClr val="0070C0"/>
+              </a:solidFill>
+            </a:ln>
+          </p:spPr>
+          <p:style>
+            <a:lnRef idx="2">
+              <a:schemeClr val="accent1">
+                <a:shade val="50000"/>
+              </a:schemeClr>
+            </a:lnRef>
+            <a:fillRef idx="1">
+              <a:schemeClr val="accent1"/>
+            </a:fillRef>
+            <a:effectRef idx="0">
+              <a:schemeClr val="accent1"/>
+            </a:effectRef>
+            <a:fontRef idx="minor">
+              <a:schemeClr val="lt1"/>
+            </a:fontRef>
+          </p:style>
+          <p:txBody>
+            <a:bodyPr rtlCol="0" anchor="ctr"/>
+            <a:lstStyle/>
+            <a:p>
+              <a:pPr algn="ctr"/>
+              <a:endParaRPr lang="en-US" dirty="0"/>
+            </a:p>
+          </p:txBody>
+        </p:sp>
+        <p:cxnSp>
+          <p:nvCxnSpPr>
+            <p:cNvPr id="63" name="Straight Connector 62"/>
+            <p:cNvCxnSpPr>
+              <a:cxnSpLocks/>
+            </p:cNvCxnSpPr>
+            <p:nvPr/>
+          </p:nvCxnSpPr>
+          <p:spPr>
+            <a:xfrm>
+              <a:off x="1675290" y="5424346"/>
+              <a:ext cx="0" cy="374400"/>
+            </a:xfrm>
+            <a:prstGeom prst="line">
+              <a:avLst/>
+            </a:prstGeom>
+            <a:ln w="3175">
+              <a:solidFill>
+                <a:srgbClr val="0070C0"/>
+              </a:solidFill>
+              <a:prstDash val="dash"/>
+            </a:ln>
+          </p:spPr>
+          <p:style>
+            <a:lnRef idx="1">
+              <a:schemeClr val="accent1"/>
+            </a:lnRef>
+            <a:fillRef idx="0">
+              <a:schemeClr val="accent1"/>
+            </a:fillRef>
+            <a:effectRef idx="0">
+              <a:schemeClr val="accent1"/>
+            </a:effectRef>
+            <a:fontRef idx="minor">
+              <a:schemeClr val="tx1"/>
+            </a:fontRef>
+          </p:style>
+        </p:cxnSp>
+        <p:cxnSp>
+          <p:nvCxnSpPr>
+            <p:cNvPr id="64" name="Straight Arrow Connector 63"/>
+            <p:cNvCxnSpPr/>
+            <p:nvPr/>
+          </p:nvCxnSpPr>
+          <p:spPr>
+            <a:xfrm>
+              <a:off x="1574542" y="5482969"/>
+              <a:ext cx="100800" cy="0"/>
+            </a:xfrm>
+            <a:prstGeom prst="straightConnector1">
+              <a:avLst/>
+            </a:prstGeom>
+            <a:ln w="6985">
+              <a:round/>
+              <a:headEnd w="sm" len="sm"/>
+              <a:tailEnd type="stealth" w="sm" len="sm"/>
+            </a:ln>
+          </p:spPr>
+          <p:style>
+            <a:lnRef idx="1">
+              <a:schemeClr val="accent1"/>
+            </a:lnRef>
+            <a:fillRef idx="0">
+              <a:schemeClr val="accent1"/>
+            </a:fillRef>
+            <a:effectRef idx="0">
+              <a:schemeClr val="accent1"/>
+            </a:effectRef>
+            <a:fontRef idx="minor">
+              <a:schemeClr val="tx1"/>
+            </a:fontRef>
+          </p:style>
+        </p:cxnSp>
+        <p:cxnSp>
+          <p:nvCxnSpPr>
+            <p:cNvPr id="65" name="Straight Arrow Connector 64"/>
+            <p:cNvCxnSpPr/>
+            <p:nvPr/>
+          </p:nvCxnSpPr>
+          <p:spPr>
+            <a:xfrm flipH="1">
+              <a:off x="1673764" y="5751096"/>
+              <a:ext cx="90000" cy="0"/>
+            </a:xfrm>
+            <a:prstGeom prst="straightConnector1">
+              <a:avLst/>
+            </a:prstGeom>
+            <a:ln w="6985">
+              <a:round/>
+              <a:headEnd w="sm" len="sm"/>
+              <a:tailEnd type="stealth" w="sm" len="sm"/>
+            </a:ln>
+          </p:spPr>
+          <p:style>
+            <a:lnRef idx="1">
+              <a:schemeClr val="accent1"/>
+            </a:lnRef>
+            <a:fillRef idx="0">
+              <a:schemeClr val="accent1"/>
+            </a:fillRef>
+            <a:effectRef idx="0">
+              <a:schemeClr val="accent1"/>
+            </a:effectRef>
+            <a:fontRef idx="minor">
+              <a:schemeClr val="tx1"/>
+            </a:fontRef>
+          </p:style>
+        </p:cxnSp>
+      </p:grpSp>
+      <p:sp>
+        <p:nvSpPr>
+          <p:cNvPr id="80" name="Rounded Rectangle 79"/>
+          <p:cNvSpPr>
+            <a:spLocks noChangeAspect="1"/>
+          </p:cNvSpPr>
+          <p:nvPr/>
+        </p:nvSpPr>
+        <p:spPr>
+          <a:xfrm>
+            <a:off x="5155671" y="5447045"/>
+            <a:ext cx="185039" cy="93264"/>
+          </a:xfrm>
+          <a:prstGeom prst="roundRect">
+            <a:avLst/>
+          </a:prstGeom>
+          <a:solidFill>
+            <a:srgbClr val="FFFFFF"/>
+          </a:solidFill>
+          <a:ln w="9525">
+            <a:solidFill>
+              <a:srgbClr val="0070C0"/>
+            </a:solidFill>
+          </a:ln>
+        </p:spPr>
+        <p:style>
+          <a:lnRef idx="2">
+            <a:schemeClr val="accent1">
+              <a:shade val="50000"/>
+            </a:schemeClr>
+          </a:lnRef>
+          <a:fillRef idx="1">
+            <a:schemeClr val="accent1"/>
+          </a:fillRef>
+          <a:effectRef idx="0">
+            <a:schemeClr val="accent1"/>
+          </a:effectRef>
+          <a:fontRef idx="minor">
+            <a:schemeClr val="lt1"/>
+          </a:fontRef>
+        </p:style>
+        <p:txBody>
+          <a:bodyPr tIns="25200" rtlCol="0" anchor="ctr" anchorCtr="0"/>
+          <a:lstStyle/>
+          <a:p>
+            <a:pPr algn="ctr"/>
+            <a:r>
+              <a:rPr lang="en-US" sz="800" dirty="0" smtClean="0">
+                <a:solidFill>
+                  <a:srgbClr val="0070C0"/>
+                </a:solidFill>
+              </a:rPr>
+              <a:t>▴</a:t>
+            </a:r>
+            <a:endParaRPr lang="en-US" sz="800" dirty="0">
+              <a:solidFill>
+                <a:srgbClr val="0070C0"/>
+              </a:solidFill>
+            </a:endParaRPr>
+          </a:p>
+        </p:txBody>
+      </p:sp>
+      <p:sp>
+        <p:nvSpPr>
+          <p:cNvPr id="81" name="Rounded Rectangle 80"/>
+          <p:cNvSpPr>
+            <a:spLocks noChangeAspect="1"/>
+          </p:cNvSpPr>
+          <p:nvPr/>
+        </p:nvSpPr>
+        <p:spPr>
+          <a:xfrm>
+            <a:off x="5063150" y="5305977"/>
+            <a:ext cx="185039" cy="93264"/>
+          </a:xfrm>
+          <a:prstGeom prst="roundRect">
+            <a:avLst/>
+          </a:prstGeom>
+          <a:solidFill>
+            <a:srgbClr val="FFFFFF"/>
+          </a:solidFill>
+          <a:ln w="9525">
+            <a:solidFill>
+              <a:srgbClr val="0070C0"/>
+            </a:solidFill>
+          </a:ln>
+        </p:spPr>
+        <p:style>
+          <a:lnRef idx="2">
+            <a:schemeClr val="accent1">
+              <a:shade val="50000"/>
+            </a:schemeClr>
+          </a:lnRef>
+          <a:fillRef idx="1">
+            <a:schemeClr val="accent1"/>
+          </a:fillRef>
+          <a:effectRef idx="0">
+            <a:schemeClr val="accent1"/>
+          </a:effectRef>
+          <a:fontRef idx="minor">
+            <a:schemeClr val="lt1"/>
+          </a:fontRef>
+        </p:style>
+        <p:txBody>
+          <a:bodyPr rtlCol="0" anchor="ctr"/>
+          <a:lstStyle/>
+          <a:p>
+            <a:pPr algn="ctr"/>
+            <a:endParaRPr lang="en-US" dirty="0"/>
+          </a:p>
+        </p:txBody>
+      </p:sp>
+      <p:cxnSp>
+        <p:nvCxnSpPr>
+          <p:cNvPr id="82" name="Straight Connector 81"/>
+          <p:cNvCxnSpPr>
+            <a:cxnSpLocks/>
+          </p:cNvCxnSpPr>
+          <p:nvPr/>
+        </p:nvCxnSpPr>
+        <p:spPr>
+          <a:xfrm>
+            <a:off x="5340709" y="5633744"/>
+            <a:ext cx="92521" cy="0"/>
+          </a:xfrm>
+          <a:prstGeom prst="line">
+            <a:avLst/>
+          </a:prstGeom>
+          <a:ln>
+            <a:solidFill>
+              <a:srgbClr val="0070C0"/>
+            </a:solidFill>
+          </a:ln>
+        </p:spPr>
+        <p:style>
+          <a:lnRef idx="1">
+            <a:schemeClr val="accent1"/>
+          </a:lnRef>
+          <a:fillRef idx="0">
+            <a:schemeClr val="accent1"/>
+          </a:fillRef>
+          <a:effectRef idx="0">
+            <a:schemeClr val="accent1"/>
+          </a:effectRef>
+          <a:fontRef idx="minor">
+            <a:schemeClr val="tx1"/>
+          </a:fontRef>
+        </p:style>
+      </p:cxnSp>
+      <p:sp>
+        <p:nvSpPr>
+          <p:cNvPr id="83" name="Rounded Rectangle 82"/>
+          <p:cNvSpPr>
+            <a:spLocks noChangeAspect="1"/>
+          </p:cNvSpPr>
+          <p:nvPr/>
+        </p:nvSpPr>
+        <p:spPr>
+          <a:xfrm>
+            <a:off x="5248190" y="5587113"/>
+            <a:ext cx="185039" cy="93264"/>
+          </a:xfrm>
+          <a:prstGeom prst="roundRect">
+            <a:avLst/>
+          </a:prstGeom>
+          <a:solidFill>
+            <a:srgbClr val="FFFFFF"/>
+          </a:solidFill>
+          <a:ln w="9525">
+            <a:solidFill>
+              <a:srgbClr val="0070C0"/>
+            </a:solidFill>
+          </a:ln>
+        </p:spPr>
+        <p:style>
+          <a:lnRef idx="2">
+            <a:schemeClr val="accent1">
+              <a:shade val="50000"/>
+            </a:schemeClr>
+          </a:lnRef>
+          <a:fillRef idx="1">
+            <a:schemeClr val="accent1"/>
+          </a:fillRef>
+          <a:effectRef idx="0">
+            <a:schemeClr val="accent1"/>
+          </a:effectRef>
+          <a:fontRef idx="minor">
+            <a:schemeClr val="lt1"/>
+          </a:fontRef>
+        </p:style>
+        <p:txBody>
+          <a:bodyPr rtlCol="0" anchor="ctr"/>
+          <a:lstStyle/>
+          <a:p>
+            <a:pPr algn="ctr"/>
+            <a:endParaRPr lang="en-US" dirty="0"/>
+          </a:p>
+        </p:txBody>
+      </p:sp>
+      <p:cxnSp>
+        <p:nvCxnSpPr>
+          <p:cNvPr id="84" name="Straight Connector 83"/>
+          <p:cNvCxnSpPr>
+            <a:cxnSpLocks/>
+          </p:cNvCxnSpPr>
+          <p:nvPr/>
+        </p:nvCxnSpPr>
+        <p:spPr>
+          <a:xfrm rot="5400000">
+            <a:off x="5247749" y="5362379"/>
+            <a:ext cx="0" cy="360000"/>
+          </a:xfrm>
+          <a:prstGeom prst="line">
+            <a:avLst/>
+          </a:prstGeom>
+          <a:ln w="3175">
+            <a:solidFill>
+              <a:srgbClr val="0070C0"/>
+            </a:solidFill>
+            <a:prstDash val="dash"/>
+          </a:ln>
+        </p:spPr>
+        <p:style>
+          <a:lnRef idx="1">
+            <a:schemeClr val="accent1"/>
+          </a:lnRef>
+          <a:fillRef idx="0">
+            <a:schemeClr val="accent1"/>
+          </a:fillRef>
+          <a:effectRef idx="0">
+            <a:schemeClr val="accent1"/>
+          </a:effectRef>
+          <a:fontRef idx="minor">
+            <a:schemeClr val="tx1"/>
+          </a:fontRef>
+        </p:style>
+      </p:cxnSp>
+      <p:cxnSp>
+        <p:nvCxnSpPr>
+          <p:cNvPr id="85" name="Straight Arrow Connector 84"/>
+          <p:cNvCxnSpPr>
+            <a:cxnSpLocks/>
+          </p:cNvCxnSpPr>
+          <p:nvPr/>
+        </p:nvCxnSpPr>
+        <p:spPr>
+          <a:xfrm flipH="1">
+            <a:off x="5112968" y="5398400"/>
+            <a:ext cx="824" cy="144000"/>
+          </a:xfrm>
+          <a:prstGeom prst="straightConnector1">
+            <a:avLst/>
+          </a:prstGeom>
+          <a:ln w="6985">
+            <a:round/>
+            <a:headEnd w="sm" len="sm"/>
+            <a:tailEnd type="stealth" w="sm" len="sm"/>
+          </a:ln>
+        </p:spPr>
+        <p:style>
+          <a:lnRef idx="1">
+            <a:schemeClr val="accent1"/>
+          </a:lnRef>
+          <a:fillRef idx="0">
+            <a:schemeClr val="accent1"/>
+          </a:fillRef>
+          <a:effectRef idx="0">
+            <a:schemeClr val="accent1"/>
+          </a:effectRef>
+          <a:fontRef idx="minor">
+            <a:schemeClr val="tx1"/>
+          </a:fontRef>
+        </p:style>
+      </p:cxnSp>
+      <p:cxnSp>
+        <p:nvCxnSpPr>
+          <p:cNvPr id="86" name="Straight Arrow Connector 85"/>
+          <p:cNvCxnSpPr/>
+          <p:nvPr/>
+        </p:nvCxnSpPr>
+        <p:spPr>
+          <a:xfrm flipH="1" flipV="1">
+            <a:off x="5392255" y="5539163"/>
+            <a:ext cx="746" cy="47150"/>
+          </a:xfrm>
+          <a:prstGeom prst="straightConnector1">
+            <a:avLst/>
+          </a:prstGeom>
+          <a:ln w="6985">
+            <a:round/>
+            <a:headEnd w="sm" len="sm"/>
+            <a:tailEnd type="stealth" w="sm" len="sm"/>
+          </a:ln>
+        </p:spPr>
+        <p:style>
+          <a:lnRef idx="1">
+            <a:schemeClr val="accent1"/>
+          </a:lnRef>
+          <a:fillRef idx="0">
+            <a:schemeClr val="accent1"/>
+          </a:fillRef>
+          <a:effectRef idx="0">
+            <a:schemeClr val="accent1"/>
+          </a:effectRef>
+          <a:fontRef idx="minor">
+            <a:schemeClr val="tx1"/>
+          </a:fontRef>
+        </p:style>
+      </p:cxnSp>
+    </p:spTree>
+    <p:extLst>
+      <p:ext uri="{BB962C8B-B14F-4D97-AF65-F5344CB8AC3E}">
+        <p14:creationId xmlns:p14="http://schemas.microsoft.com/office/powerpoint/2010/main" val="923820191"/>
+      </p:ext>
+    </p:extLst>
+  </p:cSld>
+  <p:clrMapOvr>
+    <a:masterClrMapping/>
+  </p:clrMapOvr>
+</p:sld>
+</file>
+
+<file path=ppt/slides/slide3.xml><?xml version="1.0" encoding="utf-8"?>
+<p:sld xmlns:a="http://schemas.openxmlformats.org/drawingml/2006/main" xmlns:r="http://schemas.openxmlformats.org/officeDocument/2006/relationships" xmlns:p="http://schemas.openxmlformats.org/presentationml/2006/main">
+  <p:cSld>
+    <p:spTree>
+      <p:nvGrpSpPr>
+        <p:cNvPr id="1" name=""/>
+        <p:cNvGrpSpPr/>
+        <p:nvPr/>
+      </p:nvGrpSpPr>
+      <p:grpSpPr>
+        <a:xfrm>
+          <a:off x="0" y="0"/>
+          <a:ext cx="0" cy="0"/>
+          <a:chOff x="0" y="0"/>
+          <a:chExt cx="0" cy="0"/>
+        </a:xfrm>
+      </p:grpSpPr>
+      <p:sp>
+        <p:nvSpPr>
+          <p:cNvPr id="2" name="Title 1"/>
+          <p:cNvSpPr>
+            <a:spLocks noGrp="1"/>
+          </p:cNvSpPr>
+          <p:nvPr>
+            <p:ph type="title"/>
+          </p:nvPr>
+        </p:nvSpPr>
+        <p:spPr/>
+        <p:txBody>
+          <a:bodyPr/>
+          <a:lstStyle/>
+          <a:p>
+            <a:r>
+              <a:rPr lang="en-US" dirty="0" smtClean="0"/>
+              <a:t>Make Symmetric</a:t>
+            </a:r>
+            <a:endParaRPr lang="en-US" dirty="0"/>
+          </a:p>
+        </p:txBody>
+      </p:sp>
+      <p:sp>
+        <p:nvSpPr>
+          <p:cNvPr id="3" name="Oval 2"/>
+          <p:cNvSpPr>
+            <a:spLocks/>
+          </p:cNvSpPr>
+          <p:nvPr/>
+        </p:nvSpPr>
+        <p:spPr>
+          <a:xfrm>
+            <a:off x="1199139" y="2218885"/>
+            <a:ext cx="176903" cy="370800"/>
+          </a:xfrm>
+          <a:custGeom>
+            <a:avLst/>
+            <a:gdLst>
+              <a:gd name="connsiteX0" fmla="*/ 0 w 204716"/>
+              <a:gd name="connsiteY0" fmla="*/ 177421 h 354842"/>
+              <a:gd name="connsiteX1" fmla="*/ 102358 w 204716"/>
+              <a:gd name="connsiteY1" fmla="*/ 0 h 354842"/>
+              <a:gd name="connsiteX2" fmla="*/ 204716 w 204716"/>
+              <a:gd name="connsiteY2" fmla="*/ 177421 h 354842"/>
+              <a:gd name="connsiteX3" fmla="*/ 102358 w 204716"/>
+              <a:gd name="connsiteY3" fmla="*/ 354842 h 354842"/>
+              <a:gd name="connsiteX4" fmla="*/ 0 w 204716"/>
+              <a:gd name="connsiteY4" fmla="*/ 177421 h 354842"/>
+              <a:gd name="connsiteX0" fmla="*/ 1269243 w 1473959"/>
+              <a:gd name="connsiteY0" fmla="*/ 2388358 h 2565779"/>
+              <a:gd name="connsiteX1" fmla="*/ 0 w 1473959"/>
+              <a:gd name="connsiteY1" fmla="*/ 0 h 2565779"/>
+              <a:gd name="connsiteX2" fmla="*/ 1371601 w 1473959"/>
+              <a:gd name="connsiteY2" fmla="*/ 2210937 h 2565779"/>
+              <a:gd name="connsiteX3" fmla="*/ 1473959 w 1473959"/>
+              <a:gd name="connsiteY3" fmla="*/ 2388358 h 2565779"/>
+              <a:gd name="connsiteX4" fmla="*/ 1371601 w 1473959"/>
+              <a:gd name="connsiteY4" fmla="*/ 2565779 h 2565779"/>
+              <a:gd name="connsiteX5" fmla="*/ 1269243 w 1473959"/>
+              <a:gd name="connsiteY5" fmla="*/ 2388358 h 2565779"/>
+              <a:gd name="connsiteX0" fmla="*/ 0 w 204716"/>
+              <a:gd name="connsiteY0" fmla="*/ 177421 h 354842"/>
+              <a:gd name="connsiteX1" fmla="*/ 102358 w 204716"/>
+              <a:gd name="connsiteY1" fmla="*/ 0 h 354842"/>
+              <a:gd name="connsiteX2" fmla="*/ 204716 w 204716"/>
+              <a:gd name="connsiteY2" fmla="*/ 177421 h 354842"/>
+              <a:gd name="connsiteX3" fmla="*/ 102358 w 204716"/>
+              <a:gd name="connsiteY3" fmla="*/ 354842 h 354842"/>
+              <a:gd name="connsiteX4" fmla="*/ 0 w 204716"/>
+              <a:gd name="connsiteY4" fmla="*/ 177421 h 354842"/>
+              <a:gd name="connsiteX0" fmla="*/ 6989 w 204716"/>
+              <a:gd name="connsiteY0" fmla="*/ 140246 h 354842"/>
+              <a:gd name="connsiteX1" fmla="*/ 102358 w 204716"/>
+              <a:gd name="connsiteY1" fmla="*/ 0 h 354842"/>
+              <a:gd name="connsiteX2" fmla="*/ 204716 w 204716"/>
+              <a:gd name="connsiteY2" fmla="*/ 177421 h 354842"/>
+              <a:gd name="connsiteX3" fmla="*/ 102358 w 204716"/>
+              <a:gd name="connsiteY3" fmla="*/ 354842 h 354842"/>
+              <a:gd name="connsiteX4" fmla="*/ 0 w 204716"/>
+              <a:gd name="connsiteY4" fmla="*/ 177421 h 354842"/>
+              <a:gd name="connsiteX0" fmla="*/ 6989 w 204716"/>
+              <a:gd name="connsiteY0" fmla="*/ 140246 h 354842"/>
+              <a:gd name="connsiteX1" fmla="*/ 102358 w 204716"/>
+              <a:gd name="connsiteY1" fmla="*/ 0 h 354842"/>
+              <a:gd name="connsiteX2" fmla="*/ 204716 w 204716"/>
+              <a:gd name="connsiteY2" fmla="*/ 177421 h 354842"/>
+              <a:gd name="connsiteX3" fmla="*/ 102358 w 204716"/>
+              <a:gd name="connsiteY3" fmla="*/ 354842 h 354842"/>
+              <a:gd name="connsiteX4" fmla="*/ 0 w 204716"/>
+              <a:gd name="connsiteY4" fmla="*/ 177421 h 354842"/>
+              <a:gd name="connsiteX0" fmla="*/ 6989 w 204716"/>
+              <a:gd name="connsiteY0" fmla="*/ 141062 h 355658"/>
+              <a:gd name="connsiteX1" fmla="*/ 102358 w 204716"/>
+              <a:gd name="connsiteY1" fmla="*/ 816 h 355658"/>
+              <a:gd name="connsiteX2" fmla="*/ 204716 w 204716"/>
+              <a:gd name="connsiteY2" fmla="*/ 178237 h 355658"/>
+              <a:gd name="connsiteX3" fmla="*/ 102358 w 204716"/>
+              <a:gd name="connsiteY3" fmla="*/ 355658 h 355658"/>
+              <a:gd name="connsiteX4" fmla="*/ 0 w 204716"/>
+              <a:gd name="connsiteY4" fmla="*/ 178237 h 355658"/>
+              <a:gd name="connsiteX0" fmla="*/ 6989 w 204716"/>
+              <a:gd name="connsiteY0" fmla="*/ 132297 h 346893"/>
+              <a:gd name="connsiteX1" fmla="*/ 166795 w 204716"/>
+              <a:gd name="connsiteY1" fmla="*/ 4166 h 346893"/>
+              <a:gd name="connsiteX2" fmla="*/ 204716 w 204716"/>
+              <a:gd name="connsiteY2" fmla="*/ 169472 h 346893"/>
+              <a:gd name="connsiteX3" fmla="*/ 102358 w 204716"/>
+              <a:gd name="connsiteY3" fmla="*/ 346893 h 346893"/>
+              <a:gd name="connsiteX4" fmla="*/ 0 w 204716"/>
+              <a:gd name="connsiteY4" fmla="*/ 169472 h 346893"/>
+              <a:gd name="connsiteX0" fmla="*/ 6989 w 206617"/>
+              <a:gd name="connsiteY0" fmla="*/ 132297 h 346893"/>
+              <a:gd name="connsiteX1" fmla="*/ 166795 w 206617"/>
+              <a:gd name="connsiteY1" fmla="*/ 4166 h 346893"/>
+              <a:gd name="connsiteX2" fmla="*/ 204716 w 206617"/>
+              <a:gd name="connsiteY2" fmla="*/ 169472 h 346893"/>
+              <a:gd name="connsiteX3" fmla="*/ 102358 w 206617"/>
+              <a:gd name="connsiteY3" fmla="*/ 346893 h 346893"/>
+              <a:gd name="connsiteX4" fmla="*/ 0 w 206617"/>
+              <a:gd name="connsiteY4" fmla="*/ 169472 h 346893"/>
+              <a:gd name="connsiteX0" fmla="*/ 6989 w 219308"/>
+              <a:gd name="connsiteY0" fmla="*/ 132297 h 346893"/>
+              <a:gd name="connsiteX1" fmla="*/ 166795 w 219308"/>
+              <a:gd name="connsiteY1" fmla="*/ 4166 h 346893"/>
+              <a:gd name="connsiteX2" fmla="*/ 204716 w 219308"/>
+              <a:gd name="connsiteY2" fmla="*/ 169472 h 346893"/>
+              <a:gd name="connsiteX3" fmla="*/ 102358 w 219308"/>
+              <a:gd name="connsiteY3" fmla="*/ 346893 h 346893"/>
+              <a:gd name="connsiteX4" fmla="*/ 0 w 219308"/>
+              <a:gd name="connsiteY4" fmla="*/ 169472 h 346893"/>
+              <a:gd name="connsiteX0" fmla="*/ 6989 w 217466"/>
+              <a:gd name="connsiteY0" fmla="*/ 132297 h 346893"/>
+              <a:gd name="connsiteX1" fmla="*/ 166795 w 217466"/>
+              <a:gd name="connsiteY1" fmla="*/ 4166 h 346893"/>
+              <a:gd name="connsiteX2" fmla="*/ 197726 w 217466"/>
+              <a:gd name="connsiteY2" fmla="*/ 206647 h 346893"/>
+              <a:gd name="connsiteX3" fmla="*/ 102358 w 217466"/>
+              <a:gd name="connsiteY3" fmla="*/ 346893 h 346893"/>
+              <a:gd name="connsiteX4" fmla="*/ 0 w 217466"/>
+              <a:gd name="connsiteY4" fmla="*/ 169472 h 346893"/>
+              <a:gd name="connsiteX0" fmla="*/ 6989 w 217466"/>
+              <a:gd name="connsiteY0" fmla="*/ 132297 h 346893"/>
+              <a:gd name="connsiteX1" fmla="*/ 166795 w 217466"/>
+              <a:gd name="connsiteY1" fmla="*/ 4166 h 346893"/>
+              <a:gd name="connsiteX2" fmla="*/ 197726 w 217466"/>
+              <a:gd name="connsiteY2" fmla="*/ 206647 h 346893"/>
+              <a:gd name="connsiteX3" fmla="*/ 102358 w 217466"/>
+              <a:gd name="connsiteY3" fmla="*/ 346893 h 346893"/>
+              <a:gd name="connsiteX4" fmla="*/ 0 w 217466"/>
+              <a:gd name="connsiteY4" fmla="*/ 169472 h 346893"/>
+              <a:gd name="connsiteX0" fmla="*/ 6989 w 217466"/>
+              <a:gd name="connsiteY0" fmla="*/ 132297 h 347709"/>
+              <a:gd name="connsiteX1" fmla="*/ 166795 w 217466"/>
+              <a:gd name="connsiteY1" fmla="*/ 4166 h 347709"/>
+              <a:gd name="connsiteX2" fmla="*/ 197726 w 217466"/>
+              <a:gd name="connsiteY2" fmla="*/ 206647 h 347709"/>
+              <a:gd name="connsiteX3" fmla="*/ 102358 w 217466"/>
+              <a:gd name="connsiteY3" fmla="*/ 346893 h 347709"/>
+              <a:gd name="connsiteX4" fmla="*/ 0 w 217466"/>
+              <a:gd name="connsiteY4" fmla="*/ 169472 h 347709"/>
+              <a:gd name="connsiteX0" fmla="*/ 6989 w 217466"/>
+              <a:gd name="connsiteY0" fmla="*/ 132297 h 338943"/>
+              <a:gd name="connsiteX1" fmla="*/ 166795 w 217466"/>
+              <a:gd name="connsiteY1" fmla="*/ 4166 h 338943"/>
+              <a:gd name="connsiteX2" fmla="*/ 197726 w 217466"/>
+              <a:gd name="connsiteY2" fmla="*/ 206647 h 338943"/>
+              <a:gd name="connsiteX3" fmla="*/ 37920 w 217466"/>
+              <a:gd name="connsiteY3" fmla="*/ 334778 h 338943"/>
+              <a:gd name="connsiteX4" fmla="*/ 0 w 217466"/>
+              <a:gd name="connsiteY4" fmla="*/ 169472 h 338943"/>
+              <a:gd name="connsiteX0" fmla="*/ 8890 w 219367"/>
+              <a:gd name="connsiteY0" fmla="*/ 132297 h 338943"/>
+              <a:gd name="connsiteX1" fmla="*/ 168696 w 219367"/>
+              <a:gd name="connsiteY1" fmla="*/ 4166 h 338943"/>
+              <a:gd name="connsiteX2" fmla="*/ 199627 w 219367"/>
+              <a:gd name="connsiteY2" fmla="*/ 206647 h 338943"/>
+              <a:gd name="connsiteX3" fmla="*/ 39821 w 219367"/>
+              <a:gd name="connsiteY3" fmla="*/ 334778 h 338943"/>
+              <a:gd name="connsiteX4" fmla="*/ 1901 w 219367"/>
+              <a:gd name="connsiteY4" fmla="*/ 169472 h 338943"/>
+              <a:gd name="connsiteX0" fmla="*/ 21581 w 232058"/>
+              <a:gd name="connsiteY0" fmla="*/ 132297 h 338943"/>
+              <a:gd name="connsiteX1" fmla="*/ 181387 w 232058"/>
+              <a:gd name="connsiteY1" fmla="*/ 4166 h 338943"/>
+              <a:gd name="connsiteX2" fmla="*/ 212318 w 232058"/>
+              <a:gd name="connsiteY2" fmla="*/ 206647 h 338943"/>
+              <a:gd name="connsiteX3" fmla="*/ 52512 w 232058"/>
+              <a:gd name="connsiteY3" fmla="*/ 334778 h 338943"/>
+              <a:gd name="connsiteX4" fmla="*/ 14592 w 232058"/>
+              <a:gd name="connsiteY4" fmla="*/ 169472 h 338943"/>
+              <a:gd name="connsiteX0" fmla="*/ 19740 w 230217"/>
+              <a:gd name="connsiteY0" fmla="*/ 132297 h 338943"/>
+              <a:gd name="connsiteX1" fmla="*/ 179546 w 230217"/>
+              <a:gd name="connsiteY1" fmla="*/ 4166 h 338943"/>
+              <a:gd name="connsiteX2" fmla="*/ 210477 w 230217"/>
+              <a:gd name="connsiteY2" fmla="*/ 206647 h 338943"/>
+              <a:gd name="connsiteX3" fmla="*/ 50671 w 230217"/>
+              <a:gd name="connsiteY3" fmla="*/ 334778 h 338943"/>
+              <a:gd name="connsiteX4" fmla="*/ 19740 w 230217"/>
+              <a:gd name="connsiteY4" fmla="*/ 132297 h 338943"/>
+            </a:gdLst>
+            <a:ahLst/>
+            <a:cxnLst>
+              <a:cxn ang="0">
+                <a:pos x="connsiteX0" y="connsiteY0"/>
+              </a:cxn>
+              <a:cxn ang="0">
+                <a:pos x="connsiteX1" y="connsiteY1"/>
+              </a:cxn>
+              <a:cxn ang="0">
+                <a:pos x="connsiteX2" y="connsiteY2"/>
+              </a:cxn>
+              <a:cxn ang="0">
+                <a:pos x="connsiteX3" y="connsiteY3"/>
+              </a:cxn>
+              <a:cxn ang="0">
+                <a:pos x="connsiteX4" y="connsiteY4"/>
+              </a:cxn>
+            </a:cxnLst>
+            <a:rect l="l" t="t" r="r" b="b"/>
+            <a:pathLst>
+              <a:path w="230217" h="338943">
+                <a:moveTo>
+                  <a:pt x="19740" y="132297"/>
+                </a:moveTo>
+                <a:cubicBezTo>
+                  <a:pt x="55328" y="41001"/>
+                  <a:pt x="126876" y="-16365"/>
+                  <a:pt x="179546" y="4166"/>
+                </a:cubicBezTo>
+                <a:cubicBezTo>
+                  <a:pt x="232217" y="24698"/>
+                  <a:pt x="246065" y="115351"/>
+                  <a:pt x="210477" y="206647"/>
+                </a:cubicBezTo>
+                <a:cubicBezTo>
+                  <a:pt x="174889" y="297943"/>
+                  <a:pt x="103341" y="355309"/>
+                  <a:pt x="50671" y="334778"/>
+                </a:cubicBezTo>
+                <a:cubicBezTo>
+                  <a:pt x="-2000" y="314246"/>
+                  <a:pt x="-15847" y="223593"/>
+                  <a:pt x="19740" y="132297"/>
+                </a:cubicBezTo>
+                <a:close/>
+              </a:path>
+            </a:pathLst>
+          </a:custGeom>
+          <a:solidFill>
+            <a:srgbClr val="FFFFFF"/>
+          </a:solidFill>
+          <a:ln>
+            <a:solidFill>
+              <a:srgbClr val="0070C0"/>
+            </a:solidFill>
+          </a:ln>
+        </p:spPr>
+        <p:style>
+          <a:lnRef idx="2">
+            <a:schemeClr val="accent1">
+              <a:shade val="50000"/>
+            </a:schemeClr>
+          </a:lnRef>
+          <a:fillRef idx="1">
+            <a:schemeClr val="accent1"/>
+          </a:fillRef>
+          <a:effectRef idx="0">
+            <a:schemeClr val="accent1"/>
+          </a:effectRef>
+          <a:fontRef idx="minor">
+            <a:schemeClr val="lt1"/>
+          </a:fontRef>
+        </p:style>
+        <p:txBody>
+          <a:bodyPr rtlCol="0" anchor="ctr"/>
+          <a:lstStyle/>
+          <a:p>
+            <a:pPr algn="ctr"/>
+            <a:endParaRPr lang="en-US"/>
+          </a:p>
+        </p:txBody>
+      </p:sp>
+      <p:sp>
+        <p:nvSpPr>
+          <p:cNvPr id="5" name="Oval 2"/>
+          <p:cNvSpPr>
+            <a:spLocks/>
+          </p:cNvSpPr>
+          <p:nvPr/>
+        </p:nvSpPr>
+        <p:spPr>
+          <a:xfrm flipH="1">
+            <a:off x="1008842" y="2218885"/>
+            <a:ext cx="176903" cy="370800"/>
+          </a:xfrm>
+          <a:custGeom>
+            <a:avLst/>
+            <a:gdLst>
+              <a:gd name="connsiteX0" fmla="*/ 0 w 204716"/>
+              <a:gd name="connsiteY0" fmla="*/ 177421 h 354842"/>
+              <a:gd name="connsiteX1" fmla="*/ 102358 w 204716"/>
+              <a:gd name="connsiteY1" fmla="*/ 0 h 354842"/>
+              <a:gd name="connsiteX2" fmla="*/ 204716 w 204716"/>
+              <a:gd name="connsiteY2" fmla="*/ 177421 h 354842"/>
+              <a:gd name="connsiteX3" fmla="*/ 102358 w 204716"/>
+              <a:gd name="connsiteY3" fmla="*/ 354842 h 354842"/>
+              <a:gd name="connsiteX4" fmla="*/ 0 w 204716"/>
+              <a:gd name="connsiteY4" fmla="*/ 177421 h 354842"/>
+              <a:gd name="connsiteX0" fmla="*/ 1269243 w 1473959"/>
+              <a:gd name="connsiteY0" fmla="*/ 2388358 h 2565779"/>
+              <a:gd name="connsiteX1" fmla="*/ 0 w 1473959"/>
+              <a:gd name="connsiteY1" fmla="*/ 0 h 2565779"/>
+              <a:gd name="connsiteX2" fmla="*/ 1371601 w 1473959"/>
+              <a:gd name="connsiteY2" fmla="*/ 2210937 h 2565779"/>
+              <a:gd name="connsiteX3" fmla="*/ 1473959 w 1473959"/>
+              <a:gd name="connsiteY3" fmla="*/ 2388358 h 2565779"/>
+              <a:gd name="connsiteX4" fmla="*/ 1371601 w 1473959"/>
+              <a:gd name="connsiteY4" fmla="*/ 2565779 h 2565779"/>
+              <a:gd name="connsiteX5" fmla="*/ 1269243 w 1473959"/>
+              <a:gd name="connsiteY5" fmla="*/ 2388358 h 2565779"/>
+              <a:gd name="connsiteX0" fmla="*/ 0 w 204716"/>
+              <a:gd name="connsiteY0" fmla="*/ 177421 h 354842"/>
+              <a:gd name="connsiteX1" fmla="*/ 102358 w 204716"/>
+              <a:gd name="connsiteY1" fmla="*/ 0 h 354842"/>
+              <a:gd name="connsiteX2" fmla="*/ 204716 w 204716"/>
+              <a:gd name="connsiteY2" fmla="*/ 177421 h 354842"/>
+              <a:gd name="connsiteX3" fmla="*/ 102358 w 204716"/>
+              <a:gd name="connsiteY3" fmla="*/ 354842 h 354842"/>
+              <a:gd name="connsiteX4" fmla="*/ 0 w 204716"/>
+              <a:gd name="connsiteY4" fmla="*/ 177421 h 354842"/>
+              <a:gd name="connsiteX0" fmla="*/ 6989 w 204716"/>
+              <a:gd name="connsiteY0" fmla="*/ 140246 h 354842"/>
+              <a:gd name="connsiteX1" fmla="*/ 102358 w 204716"/>
+              <a:gd name="connsiteY1" fmla="*/ 0 h 354842"/>
+              <a:gd name="connsiteX2" fmla="*/ 204716 w 204716"/>
+              <a:gd name="connsiteY2" fmla="*/ 177421 h 354842"/>
+              <a:gd name="connsiteX3" fmla="*/ 102358 w 204716"/>
+              <a:gd name="connsiteY3" fmla="*/ 354842 h 354842"/>
+              <a:gd name="connsiteX4" fmla="*/ 0 w 204716"/>
+              <a:gd name="connsiteY4" fmla="*/ 177421 h 354842"/>
+              <a:gd name="connsiteX0" fmla="*/ 6989 w 204716"/>
+              <a:gd name="connsiteY0" fmla="*/ 140246 h 354842"/>
+              <a:gd name="connsiteX1" fmla="*/ 102358 w 204716"/>
+              <a:gd name="connsiteY1" fmla="*/ 0 h 354842"/>
+              <a:gd name="connsiteX2" fmla="*/ 204716 w 204716"/>
+              <a:gd name="connsiteY2" fmla="*/ 177421 h 354842"/>
+              <a:gd name="connsiteX3" fmla="*/ 102358 w 204716"/>
+              <a:gd name="connsiteY3" fmla="*/ 354842 h 354842"/>
+              <a:gd name="connsiteX4" fmla="*/ 0 w 204716"/>
+              <a:gd name="connsiteY4" fmla="*/ 177421 h 354842"/>
+              <a:gd name="connsiteX0" fmla="*/ 6989 w 204716"/>
+              <a:gd name="connsiteY0" fmla="*/ 141062 h 355658"/>
+              <a:gd name="connsiteX1" fmla="*/ 102358 w 204716"/>
+              <a:gd name="connsiteY1" fmla="*/ 816 h 355658"/>
+              <a:gd name="connsiteX2" fmla="*/ 204716 w 204716"/>
+              <a:gd name="connsiteY2" fmla="*/ 178237 h 355658"/>
+              <a:gd name="connsiteX3" fmla="*/ 102358 w 204716"/>
+              <a:gd name="connsiteY3" fmla="*/ 355658 h 355658"/>
+              <a:gd name="connsiteX4" fmla="*/ 0 w 204716"/>
+              <a:gd name="connsiteY4" fmla="*/ 178237 h 355658"/>
+              <a:gd name="connsiteX0" fmla="*/ 6989 w 204716"/>
+              <a:gd name="connsiteY0" fmla="*/ 132297 h 346893"/>
+              <a:gd name="connsiteX1" fmla="*/ 166795 w 204716"/>
+              <a:gd name="connsiteY1" fmla="*/ 4166 h 346893"/>
+              <a:gd name="connsiteX2" fmla="*/ 204716 w 204716"/>
+              <a:gd name="connsiteY2" fmla="*/ 169472 h 346893"/>
+              <a:gd name="connsiteX3" fmla="*/ 102358 w 204716"/>
+              <a:gd name="connsiteY3" fmla="*/ 346893 h 346893"/>
+              <a:gd name="connsiteX4" fmla="*/ 0 w 204716"/>
+              <a:gd name="connsiteY4" fmla="*/ 169472 h 346893"/>
+              <a:gd name="connsiteX0" fmla="*/ 6989 w 206617"/>
+              <a:gd name="connsiteY0" fmla="*/ 132297 h 346893"/>
+              <a:gd name="connsiteX1" fmla="*/ 166795 w 206617"/>
+              <a:gd name="connsiteY1" fmla="*/ 4166 h 346893"/>
+              <a:gd name="connsiteX2" fmla="*/ 204716 w 206617"/>
+              <a:gd name="connsiteY2" fmla="*/ 169472 h 346893"/>
+              <a:gd name="connsiteX3" fmla="*/ 102358 w 206617"/>
+              <a:gd name="connsiteY3" fmla="*/ 346893 h 346893"/>
+              <a:gd name="connsiteX4" fmla="*/ 0 w 206617"/>
+              <a:gd name="connsiteY4" fmla="*/ 169472 h 346893"/>
+              <a:gd name="connsiteX0" fmla="*/ 6989 w 219308"/>
+              <a:gd name="connsiteY0" fmla="*/ 132297 h 346893"/>
+              <a:gd name="connsiteX1" fmla="*/ 166795 w 219308"/>
+              <a:gd name="connsiteY1" fmla="*/ 4166 h 346893"/>
+              <a:gd name="connsiteX2" fmla="*/ 204716 w 219308"/>
+              <a:gd name="connsiteY2" fmla="*/ 169472 h 346893"/>
+              <a:gd name="connsiteX3" fmla="*/ 102358 w 219308"/>
+              <a:gd name="connsiteY3" fmla="*/ 346893 h 346893"/>
+              <a:gd name="connsiteX4" fmla="*/ 0 w 219308"/>
+              <a:gd name="connsiteY4" fmla="*/ 169472 h 346893"/>
+              <a:gd name="connsiteX0" fmla="*/ 6989 w 217466"/>
+              <a:gd name="connsiteY0" fmla="*/ 132297 h 346893"/>
+              <a:gd name="connsiteX1" fmla="*/ 166795 w 217466"/>
+              <a:gd name="connsiteY1" fmla="*/ 4166 h 346893"/>
+              <a:gd name="connsiteX2" fmla="*/ 197726 w 217466"/>
+              <a:gd name="connsiteY2" fmla="*/ 206647 h 346893"/>
+              <a:gd name="connsiteX3" fmla="*/ 102358 w 217466"/>
+              <a:gd name="connsiteY3" fmla="*/ 346893 h 346893"/>
+              <a:gd name="connsiteX4" fmla="*/ 0 w 217466"/>
+              <a:gd name="connsiteY4" fmla="*/ 169472 h 346893"/>
+              <a:gd name="connsiteX0" fmla="*/ 6989 w 217466"/>
+              <a:gd name="connsiteY0" fmla="*/ 132297 h 346893"/>
+              <a:gd name="connsiteX1" fmla="*/ 166795 w 217466"/>
+              <a:gd name="connsiteY1" fmla="*/ 4166 h 346893"/>
+              <a:gd name="connsiteX2" fmla="*/ 197726 w 217466"/>
+              <a:gd name="connsiteY2" fmla="*/ 206647 h 346893"/>
+              <a:gd name="connsiteX3" fmla="*/ 102358 w 217466"/>
+              <a:gd name="connsiteY3" fmla="*/ 346893 h 346893"/>
+              <a:gd name="connsiteX4" fmla="*/ 0 w 217466"/>
+              <a:gd name="connsiteY4" fmla="*/ 169472 h 346893"/>
+              <a:gd name="connsiteX0" fmla="*/ 6989 w 217466"/>
+              <a:gd name="connsiteY0" fmla="*/ 132297 h 347709"/>
+              <a:gd name="connsiteX1" fmla="*/ 166795 w 217466"/>
+              <a:gd name="connsiteY1" fmla="*/ 4166 h 347709"/>
+              <a:gd name="connsiteX2" fmla="*/ 197726 w 217466"/>
+              <a:gd name="connsiteY2" fmla="*/ 206647 h 347709"/>
+              <a:gd name="connsiteX3" fmla="*/ 102358 w 217466"/>
+              <a:gd name="connsiteY3" fmla="*/ 346893 h 347709"/>
+              <a:gd name="connsiteX4" fmla="*/ 0 w 217466"/>
+              <a:gd name="connsiteY4" fmla="*/ 169472 h 347709"/>
+              <a:gd name="connsiteX0" fmla="*/ 6989 w 217466"/>
+              <a:gd name="connsiteY0" fmla="*/ 132297 h 338943"/>
+              <a:gd name="connsiteX1" fmla="*/ 166795 w 217466"/>
+              <a:gd name="connsiteY1" fmla="*/ 4166 h 338943"/>
+              <a:gd name="connsiteX2" fmla="*/ 197726 w 217466"/>
+              <a:gd name="connsiteY2" fmla="*/ 206647 h 338943"/>
+              <a:gd name="connsiteX3" fmla="*/ 37920 w 217466"/>
+              <a:gd name="connsiteY3" fmla="*/ 334778 h 338943"/>
+              <a:gd name="connsiteX4" fmla="*/ 0 w 217466"/>
+              <a:gd name="connsiteY4" fmla="*/ 169472 h 338943"/>
+              <a:gd name="connsiteX0" fmla="*/ 8890 w 219367"/>
+              <a:gd name="connsiteY0" fmla="*/ 132297 h 338943"/>
+              <a:gd name="connsiteX1" fmla="*/ 168696 w 219367"/>
+              <a:gd name="connsiteY1" fmla="*/ 4166 h 338943"/>
+              <a:gd name="connsiteX2" fmla="*/ 199627 w 219367"/>
+              <a:gd name="connsiteY2" fmla="*/ 206647 h 338943"/>
+              <a:gd name="connsiteX3" fmla="*/ 39821 w 219367"/>
+              <a:gd name="connsiteY3" fmla="*/ 334778 h 338943"/>
+              <a:gd name="connsiteX4" fmla="*/ 1901 w 219367"/>
+              <a:gd name="connsiteY4" fmla="*/ 169472 h 338943"/>
+              <a:gd name="connsiteX0" fmla="*/ 21581 w 232058"/>
+              <a:gd name="connsiteY0" fmla="*/ 132297 h 338943"/>
+              <a:gd name="connsiteX1" fmla="*/ 181387 w 232058"/>
+              <a:gd name="connsiteY1" fmla="*/ 4166 h 338943"/>
+              <a:gd name="connsiteX2" fmla="*/ 212318 w 232058"/>
+              <a:gd name="connsiteY2" fmla="*/ 206647 h 338943"/>
+              <a:gd name="connsiteX3" fmla="*/ 52512 w 232058"/>
+              <a:gd name="connsiteY3" fmla="*/ 334778 h 338943"/>
+              <a:gd name="connsiteX4" fmla="*/ 14592 w 232058"/>
+              <a:gd name="connsiteY4" fmla="*/ 169472 h 338943"/>
+              <a:gd name="connsiteX0" fmla="*/ 19740 w 230217"/>
+              <a:gd name="connsiteY0" fmla="*/ 132297 h 338943"/>
+              <a:gd name="connsiteX1" fmla="*/ 179546 w 230217"/>
+              <a:gd name="connsiteY1" fmla="*/ 4166 h 338943"/>
+              <a:gd name="connsiteX2" fmla="*/ 210477 w 230217"/>
+              <a:gd name="connsiteY2" fmla="*/ 206647 h 338943"/>
+              <a:gd name="connsiteX3" fmla="*/ 50671 w 230217"/>
+              <a:gd name="connsiteY3" fmla="*/ 334778 h 338943"/>
+              <a:gd name="connsiteX4" fmla="*/ 19740 w 230217"/>
+              <a:gd name="connsiteY4" fmla="*/ 132297 h 338943"/>
+            </a:gdLst>
+            <a:ahLst/>
+            <a:cxnLst>
+              <a:cxn ang="0">
+                <a:pos x="connsiteX0" y="connsiteY0"/>
+              </a:cxn>
+              <a:cxn ang="0">
+                <a:pos x="connsiteX1" y="connsiteY1"/>
+              </a:cxn>
+              <a:cxn ang="0">
+                <a:pos x="connsiteX2" y="connsiteY2"/>
+              </a:cxn>
+              <a:cxn ang="0">
+                <a:pos x="connsiteX3" y="connsiteY3"/>
+              </a:cxn>
+              <a:cxn ang="0">
+                <a:pos x="connsiteX4" y="connsiteY4"/>
+              </a:cxn>
+            </a:cxnLst>
+            <a:rect l="l" t="t" r="r" b="b"/>
+            <a:pathLst>
+              <a:path w="230217" h="338943">
+                <a:moveTo>
+                  <a:pt x="19740" y="132297"/>
+                </a:moveTo>
+                <a:cubicBezTo>
+                  <a:pt x="55328" y="41001"/>
+                  <a:pt x="126876" y="-16365"/>
+                  <a:pt x="179546" y="4166"/>
+                </a:cubicBezTo>
+                <a:cubicBezTo>
+                  <a:pt x="232217" y="24698"/>
+                  <a:pt x="246065" y="115351"/>
+                  <a:pt x="210477" y="206647"/>
+                </a:cubicBezTo>
+                <a:cubicBezTo>
+                  <a:pt x="174889" y="297943"/>
+                  <a:pt x="103341" y="355309"/>
+                  <a:pt x="50671" y="334778"/>
+                </a:cubicBezTo>
+                <a:cubicBezTo>
+                  <a:pt x="-2000" y="314246"/>
+                  <a:pt x="-15847" y="223593"/>
+                  <a:pt x="19740" y="132297"/>
+                </a:cubicBezTo>
+                <a:close/>
+              </a:path>
+            </a:pathLst>
+          </a:custGeom>
+          <a:solidFill>
+            <a:srgbClr val="FFFFFF"/>
+          </a:solidFill>
+          <a:ln>
+            <a:solidFill>
+              <a:srgbClr val="0070C0"/>
+            </a:solidFill>
+          </a:ln>
+        </p:spPr>
+        <p:style>
+          <a:lnRef idx="2">
+            <a:schemeClr val="accent1">
+              <a:shade val="50000"/>
+            </a:schemeClr>
+          </a:lnRef>
+          <a:fillRef idx="1">
+            <a:schemeClr val="accent1"/>
+          </a:fillRef>
+          <a:effectRef idx="0">
+            <a:schemeClr val="accent1"/>
+          </a:effectRef>
+          <a:fontRef idx="minor">
+            <a:schemeClr val="lt1"/>
+          </a:fontRef>
+        </p:style>
+        <p:txBody>
+          <a:bodyPr rtlCol="0" anchor="ctr"/>
+          <a:lstStyle/>
+          <a:p>
+            <a:pPr algn="ctr"/>
+            <a:endParaRPr lang="en-US"/>
+          </a:p>
+        </p:txBody>
+      </p:sp>
+      <p:sp>
+        <p:nvSpPr>
+          <p:cNvPr id="7" name="TextBox 6"/>
+          <p:cNvSpPr txBox="1">
+            <a:spLocks/>
+          </p:cNvSpPr>
+          <p:nvPr/>
+        </p:nvSpPr>
+        <p:spPr>
+          <a:xfrm>
+            <a:off x="1243914" y="2329222"/>
+            <a:ext cx="45275" cy="146194"/>
+          </a:xfrm>
+          <a:prstGeom prst="rect">
+            <a:avLst/>
+          </a:prstGeom>
+          <a:noFill/>
+        </p:spPr>
+        <p:txBody>
+          <a:bodyPr wrap="square" lIns="0" tIns="0" rIns="0" bIns="0" rtlCol="0" anchor="b" anchorCtr="0">
+            <a:spAutoFit/>
+          </a:bodyPr>
+          <a:lstStyle/>
+          <a:p>
+            <a:r>
+              <a:rPr lang="en-US" sz="950" dirty="0">
+                <a:solidFill>
+                  <a:srgbClr val="0070C0"/>
+                </a:solidFill>
+              </a:rPr>
+              <a:t>▴</a:t>
+            </a:r>
+            <a:endParaRPr lang="en-US" sz="950" dirty="0"/>
+          </a:p>
+        </p:txBody>
+      </p:sp>
+      <p:sp>
+        <p:nvSpPr>
+          <p:cNvPr id="4" name="TextBox 3"/>
+          <p:cNvSpPr txBox="1"/>
+          <p:nvPr/>
+        </p:nvSpPr>
+        <p:spPr>
+          <a:xfrm>
+            <a:off x="668740" y="3002507"/>
+            <a:ext cx="1549142" cy="369332"/>
+          </a:xfrm>
+          <a:prstGeom prst="rect">
+            <a:avLst/>
+          </a:prstGeom>
+          <a:noFill/>
+        </p:spPr>
+        <p:txBody>
+          <a:bodyPr wrap="none" rtlCol="0">
+            <a:spAutoFit/>
+          </a:bodyPr>
+          <a:lstStyle/>
+          <a:p>
+            <a:r>
+              <a:rPr lang="en-US" dirty="0" smtClean="0"/>
+              <a:t>Symmetric left</a:t>
+            </a:r>
+          </a:p>
+        </p:txBody>
+      </p:sp>
+      <p:sp>
+        <p:nvSpPr>
+          <p:cNvPr id="8" name="Oval 2"/>
+          <p:cNvSpPr>
+            <a:spLocks/>
+          </p:cNvSpPr>
+          <p:nvPr/>
+        </p:nvSpPr>
+        <p:spPr>
+          <a:xfrm>
+            <a:off x="1187765" y="4773295"/>
+            <a:ext cx="176903" cy="370800"/>
+          </a:xfrm>
+          <a:custGeom>
+            <a:avLst/>
+            <a:gdLst>
+              <a:gd name="connsiteX0" fmla="*/ 0 w 204716"/>
+              <a:gd name="connsiteY0" fmla="*/ 177421 h 354842"/>
+              <a:gd name="connsiteX1" fmla="*/ 102358 w 204716"/>
+              <a:gd name="connsiteY1" fmla="*/ 0 h 354842"/>
+              <a:gd name="connsiteX2" fmla="*/ 204716 w 204716"/>
+              <a:gd name="connsiteY2" fmla="*/ 177421 h 354842"/>
+              <a:gd name="connsiteX3" fmla="*/ 102358 w 204716"/>
+              <a:gd name="connsiteY3" fmla="*/ 354842 h 354842"/>
+              <a:gd name="connsiteX4" fmla="*/ 0 w 204716"/>
+              <a:gd name="connsiteY4" fmla="*/ 177421 h 354842"/>
+              <a:gd name="connsiteX0" fmla="*/ 1269243 w 1473959"/>
+              <a:gd name="connsiteY0" fmla="*/ 2388358 h 2565779"/>
+              <a:gd name="connsiteX1" fmla="*/ 0 w 1473959"/>
+              <a:gd name="connsiteY1" fmla="*/ 0 h 2565779"/>
+              <a:gd name="connsiteX2" fmla="*/ 1371601 w 1473959"/>
+              <a:gd name="connsiteY2" fmla="*/ 2210937 h 2565779"/>
+              <a:gd name="connsiteX3" fmla="*/ 1473959 w 1473959"/>
+              <a:gd name="connsiteY3" fmla="*/ 2388358 h 2565779"/>
+              <a:gd name="connsiteX4" fmla="*/ 1371601 w 1473959"/>
+              <a:gd name="connsiteY4" fmla="*/ 2565779 h 2565779"/>
+              <a:gd name="connsiteX5" fmla="*/ 1269243 w 1473959"/>
+              <a:gd name="connsiteY5" fmla="*/ 2388358 h 2565779"/>
+              <a:gd name="connsiteX0" fmla="*/ 0 w 204716"/>
+              <a:gd name="connsiteY0" fmla="*/ 177421 h 354842"/>
+              <a:gd name="connsiteX1" fmla="*/ 102358 w 204716"/>
+              <a:gd name="connsiteY1" fmla="*/ 0 h 354842"/>
+              <a:gd name="connsiteX2" fmla="*/ 204716 w 204716"/>
+              <a:gd name="connsiteY2" fmla="*/ 177421 h 354842"/>
+              <a:gd name="connsiteX3" fmla="*/ 102358 w 204716"/>
+              <a:gd name="connsiteY3" fmla="*/ 354842 h 354842"/>
+              <a:gd name="connsiteX4" fmla="*/ 0 w 204716"/>
+              <a:gd name="connsiteY4" fmla="*/ 177421 h 354842"/>
+              <a:gd name="connsiteX0" fmla="*/ 6989 w 204716"/>
+              <a:gd name="connsiteY0" fmla="*/ 140246 h 354842"/>
+              <a:gd name="connsiteX1" fmla="*/ 102358 w 204716"/>
+              <a:gd name="connsiteY1" fmla="*/ 0 h 354842"/>
+              <a:gd name="connsiteX2" fmla="*/ 204716 w 204716"/>
+              <a:gd name="connsiteY2" fmla="*/ 177421 h 354842"/>
+              <a:gd name="connsiteX3" fmla="*/ 102358 w 204716"/>
+              <a:gd name="connsiteY3" fmla="*/ 354842 h 354842"/>
+              <a:gd name="connsiteX4" fmla="*/ 0 w 204716"/>
+              <a:gd name="connsiteY4" fmla="*/ 177421 h 354842"/>
+              <a:gd name="connsiteX0" fmla="*/ 6989 w 204716"/>
+              <a:gd name="connsiteY0" fmla="*/ 140246 h 354842"/>
+              <a:gd name="connsiteX1" fmla="*/ 102358 w 204716"/>
+              <a:gd name="connsiteY1" fmla="*/ 0 h 354842"/>
+              <a:gd name="connsiteX2" fmla="*/ 204716 w 204716"/>
+              <a:gd name="connsiteY2" fmla="*/ 177421 h 354842"/>
+              <a:gd name="connsiteX3" fmla="*/ 102358 w 204716"/>
+              <a:gd name="connsiteY3" fmla="*/ 354842 h 354842"/>
+              <a:gd name="connsiteX4" fmla="*/ 0 w 204716"/>
+              <a:gd name="connsiteY4" fmla="*/ 177421 h 354842"/>
+              <a:gd name="connsiteX0" fmla="*/ 6989 w 204716"/>
+              <a:gd name="connsiteY0" fmla="*/ 141062 h 355658"/>
+              <a:gd name="connsiteX1" fmla="*/ 102358 w 204716"/>
+              <a:gd name="connsiteY1" fmla="*/ 816 h 355658"/>
+              <a:gd name="connsiteX2" fmla="*/ 204716 w 204716"/>
+              <a:gd name="connsiteY2" fmla="*/ 178237 h 355658"/>
+              <a:gd name="connsiteX3" fmla="*/ 102358 w 204716"/>
+              <a:gd name="connsiteY3" fmla="*/ 355658 h 355658"/>
+              <a:gd name="connsiteX4" fmla="*/ 0 w 204716"/>
+              <a:gd name="connsiteY4" fmla="*/ 178237 h 355658"/>
+              <a:gd name="connsiteX0" fmla="*/ 6989 w 204716"/>
+              <a:gd name="connsiteY0" fmla="*/ 132297 h 346893"/>
+              <a:gd name="connsiteX1" fmla="*/ 166795 w 204716"/>
+              <a:gd name="connsiteY1" fmla="*/ 4166 h 346893"/>
+              <a:gd name="connsiteX2" fmla="*/ 204716 w 204716"/>
+              <a:gd name="connsiteY2" fmla="*/ 169472 h 346893"/>
+              <a:gd name="connsiteX3" fmla="*/ 102358 w 204716"/>
+              <a:gd name="connsiteY3" fmla="*/ 346893 h 346893"/>
+              <a:gd name="connsiteX4" fmla="*/ 0 w 204716"/>
+              <a:gd name="connsiteY4" fmla="*/ 169472 h 346893"/>
+              <a:gd name="connsiteX0" fmla="*/ 6989 w 206617"/>
+              <a:gd name="connsiteY0" fmla="*/ 132297 h 346893"/>
+              <a:gd name="connsiteX1" fmla="*/ 166795 w 206617"/>
+              <a:gd name="connsiteY1" fmla="*/ 4166 h 346893"/>
+              <a:gd name="connsiteX2" fmla="*/ 204716 w 206617"/>
+              <a:gd name="connsiteY2" fmla="*/ 169472 h 346893"/>
+              <a:gd name="connsiteX3" fmla="*/ 102358 w 206617"/>
+              <a:gd name="connsiteY3" fmla="*/ 346893 h 346893"/>
+              <a:gd name="connsiteX4" fmla="*/ 0 w 206617"/>
+              <a:gd name="connsiteY4" fmla="*/ 169472 h 346893"/>
+              <a:gd name="connsiteX0" fmla="*/ 6989 w 219308"/>
+              <a:gd name="connsiteY0" fmla="*/ 132297 h 346893"/>
+              <a:gd name="connsiteX1" fmla="*/ 166795 w 219308"/>
+              <a:gd name="connsiteY1" fmla="*/ 4166 h 346893"/>
+              <a:gd name="connsiteX2" fmla="*/ 204716 w 219308"/>
+              <a:gd name="connsiteY2" fmla="*/ 169472 h 346893"/>
+              <a:gd name="connsiteX3" fmla="*/ 102358 w 219308"/>
+              <a:gd name="connsiteY3" fmla="*/ 346893 h 346893"/>
+              <a:gd name="connsiteX4" fmla="*/ 0 w 219308"/>
+              <a:gd name="connsiteY4" fmla="*/ 169472 h 346893"/>
+              <a:gd name="connsiteX0" fmla="*/ 6989 w 217466"/>
+              <a:gd name="connsiteY0" fmla="*/ 132297 h 346893"/>
+              <a:gd name="connsiteX1" fmla="*/ 166795 w 217466"/>
+              <a:gd name="connsiteY1" fmla="*/ 4166 h 346893"/>
+              <a:gd name="connsiteX2" fmla="*/ 197726 w 217466"/>
+              <a:gd name="connsiteY2" fmla="*/ 206647 h 346893"/>
+              <a:gd name="connsiteX3" fmla="*/ 102358 w 217466"/>
+              <a:gd name="connsiteY3" fmla="*/ 346893 h 346893"/>
+              <a:gd name="connsiteX4" fmla="*/ 0 w 217466"/>
+              <a:gd name="connsiteY4" fmla="*/ 169472 h 346893"/>
+              <a:gd name="connsiteX0" fmla="*/ 6989 w 217466"/>
+              <a:gd name="connsiteY0" fmla="*/ 132297 h 346893"/>
+              <a:gd name="connsiteX1" fmla="*/ 166795 w 217466"/>
+              <a:gd name="connsiteY1" fmla="*/ 4166 h 346893"/>
+              <a:gd name="connsiteX2" fmla="*/ 197726 w 217466"/>
+              <a:gd name="connsiteY2" fmla="*/ 206647 h 346893"/>
+              <a:gd name="connsiteX3" fmla="*/ 102358 w 217466"/>
+              <a:gd name="connsiteY3" fmla="*/ 346893 h 346893"/>
+              <a:gd name="connsiteX4" fmla="*/ 0 w 217466"/>
+              <a:gd name="connsiteY4" fmla="*/ 169472 h 346893"/>
+              <a:gd name="connsiteX0" fmla="*/ 6989 w 217466"/>
+              <a:gd name="connsiteY0" fmla="*/ 132297 h 347709"/>
+              <a:gd name="connsiteX1" fmla="*/ 166795 w 217466"/>
+              <a:gd name="connsiteY1" fmla="*/ 4166 h 347709"/>
+              <a:gd name="connsiteX2" fmla="*/ 197726 w 217466"/>
+              <a:gd name="connsiteY2" fmla="*/ 206647 h 347709"/>
+              <a:gd name="connsiteX3" fmla="*/ 102358 w 217466"/>
+              <a:gd name="connsiteY3" fmla="*/ 346893 h 347709"/>
+              <a:gd name="connsiteX4" fmla="*/ 0 w 217466"/>
+              <a:gd name="connsiteY4" fmla="*/ 169472 h 347709"/>
+              <a:gd name="connsiteX0" fmla="*/ 6989 w 217466"/>
+              <a:gd name="connsiteY0" fmla="*/ 132297 h 338943"/>
+              <a:gd name="connsiteX1" fmla="*/ 166795 w 217466"/>
+              <a:gd name="connsiteY1" fmla="*/ 4166 h 338943"/>
+              <a:gd name="connsiteX2" fmla="*/ 197726 w 217466"/>
+              <a:gd name="connsiteY2" fmla="*/ 206647 h 338943"/>
+              <a:gd name="connsiteX3" fmla="*/ 37920 w 217466"/>
+              <a:gd name="connsiteY3" fmla="*/ 334778 h 338943"/>
+              <a:gd name="connsiteX4" fmla="*/ 0 w 217466"/>
+              <a:gd name="connsiteY4" fmla="*/ 169472 h 338943"/>
+              <a:gd name="connsiteX0" fmla="*/ 8890 w 219367"/>
+              <a:gd name="connsiteY0" fmla="*/ 132297 h 338943"/>
+              <a:gd name="connsiteX1" fmla="*/ 168696 w 219367"/>
+              <a:gd name="connsiteY1" fmla="*/ 4166 h 338943"/>
+              <a:gd name="connsiteX2" fmla="*/ 199627 w 219367"/>
+              <a:gd name="connsiteY2" fmla="*/ 206647 h 338943"/>
+              <a:gd name="connsiteX3" fmla="*/ 39821 w 219367"/>
+              <a:gd name="connsiteY3" fmla="*/ 334778 h 338943"/>
+              <a:gd name="connsiteX4" fmla="*/ 1901 w 219367"/>
+              <a:gd name="connsiteY4" fmla="*/ 169472 h 338943"/>
+              <a:gd name="connsiteX0" fmla="*/ 21581 w 232058"/>
+              <a:gd name="connsiteY0" fmla="*/ 132297 h 338943"/>
+              <a:gd name="connsiteX1" fmla="*/ 181387 w 232058"/>
+              <a:gd name="connsiteY1" fmla="*/ 4166 h 338943"/>
+              <a:gd name="connsiteX2" fmla="*/ 212318 w 232058"/>
+              <a:gd name="connsiteY2" fmla="*/ 206647 h 338943"/>
+              <a:gd name="connsiteX3" fmla="*/ 52512 w 232058"/>
+              <a:gd name="connsiteY3" fmla="*/ 334778 h 338943"/>
+              <a:gd name="connsiteX4" fmla="*/ 14592 w 232058"/>
+              <a:gd name="connsiteY4" fmla="*/ 169472 h 338943"/>
+              <a:gd name="connsiteX0" fmla="*/ 19740 w 230217"/>
+              <a:gd name="connsiteY0" fmla="*/ 132297 h 338943"/>
+              <a:gd name="connsiteX1" fmla="*/ 179546 w 230217"/>
+              <a:gd name="connsiteY1" fmla="*/ 4166 h 338943"/>
+              <a:gd name="connsiteX2" fmla="*/ 210477 w 230217"/>
+              <a:gd name="connsiteY2" fmla="*/ 206647 h 338943"/>
+              <a:gd name="connsiteX3" fmla="*/ 50671 w 230217"/>
+              <a:gd name="connsiteY3" fmla="*/ 334778 h 338943"/>
+              <a:gd name="connsiteX4" fmla="*/ 19740 w 230217"/>
+              <a:gd name="connsiteY4" fmla="*/ 132297 h 338943"/>
+            </a:gdLst>
+            <a:ahLst/>
+            <a:cxnLst>
+              <a:cxn ang="0">
+                <a:pos x="connsiteX0" y="connsiteY0"/>
+              </a:cxn>
+              <a:cxn ang="0">
+                <a:pos x="connsiteX1" y="connsiteY1"/>
+              </a:cxn>
+              <a:cxn ang="0">
+                <a:pos x="connsiteX2" y="connsiteY2"/>
+              </a:cxn>
+              <a:cxn ang="0">
+                <a:pos x="connsiteX3" y="connsiteY3"/>
+              </a:cxn>
+              <a:cxn ang="0">
+                <a:pos x="connsiteX4" y="connsiteY4"/>
+              </a:cxn>
+            </a:cxnLst>
+            <a:rect l="l" t="t" r="r" b="b"/>
+            <a:pathLst>
+              <a:path w="230217" h="338943">
+                <a:moveTo>
+                  <a:pt x="19740" y="132297"/>
+                </a:moveTo>
+                <a:cubicBezTo>
+                  <a:pt x="55328" y="41001"/>
+                  <a:pt x="126876" y="-16365"/>
+                  <a:pt x="179546" y="4166"/>
+                </a:cubicBezTo>
+                <a:cubicBezTo>
+                  <a:pt x="232217" y="24698"/>
+                  <a:pt x="246065" y="115351"/>
+                  <a:pt x="210477" y="206647"/>
+                </a:cubicBezTo>
+                <a:cubicBezTo>
+                  <a:pt x="174889" y="297943"/>
+                  <a:pt x="103341" y="355309"/>
+                  <a:pt x="50671" y="334778"/>
+                </a:cubicBezTo>
+                <a:cubicBezTo>
+                  <a:pt x="-2000" y="314246"/>
+                  <a:pt x="-15847" y="223593"/>
+                  <a:pt x="19740" y="132297"/>
+                </a:cubicBezTo>
+                <a:close/>
+              </a:path>
+            </a:pathLst>
+          </a:custGeom>
+          <a:solidFill>
+            <a:srgbClr val="FFFFFF"/>
+          </a:solidFill>
+          <a:ln>
+            <a:solidFill>
+              <a:srgbClr val="0070C0"/>
+            </a:solidFill>
+          </a:ln>
+        </p:spPr>
+        <p:style>
+          <a:lnRef idx="2">
+            <a:schemeClr val="accent1">
+              <a:shade val="50000"/>
+            </a:schemeClr>
+          </a:lnRef>
+          <a:fillRef idx="1">
+            <a:schemeClr val="accent1"/>
+          </a:fillRef>
+          <a:effectRef idx="0">
+            <a:schemeClr val="accent1"/>
+          </a:effectRef>
+          <a:fontRef idx="minor">
+            <a:schemeClr val="lt1"/>
+          </a:fontRef>
+        </p:style>
+        <p:txBody>
+          <a:bodyPr rtlCol="0" anchor="ctr"/>
+          <a:lstStyle/>
+          <a:p>
+            <a:pPr algn="ctr"/>
+            <a:endParaRPr lang="en-US"/>
+          </a:p>
+        </p:txBody>
+      </p:sp>
+      <p:sp>
+        <p:nvSpPr>
+          <p:cNvPr id="9" name="Oval 2"/>
+          <p:cNvSpPr>
+            <a:spLocks/>
+          </p:cNvSpPr>
+          <p:nvPr/>
+        </p:nvSpPr>
+        <p:spPr>
+          <a:xfrm flipH="1">
+            <a:off x="1378468" y="4773295"/>
+            <a:ext cx="176903" cy="370800"/>
+          </a:xfrm>
+          <a:custGeom>
+            <a:avLst/>
+            <a:gdLst>
+              <a:gd name="connsiteX0" fmla="*/ 0 w 204716"/>
+              <a:gd name="connsiteY0" fmla="*/ 177421 h 354842"/>
+              <a:gd name="connsiteX1" fmla="*/ 102358 w 204716"/>
+              <a:gd name="connsiteY1" fmla="*/ 0 h 354842"/>
+              <a:gd name="connsiteX2" fmla="*/ 204716 w 204716"/>
+              <a:gd name="connsiteY2" fmla="*/ 177421 h 354842"/>
+              <a:gd name="connsiteX3" fmla="*/ 102358 w 204716"/>
+              <a:gd name="connsiteY3" fmla="*/ 354842 h 354842"/>
+              <a:gd name="connsiteX4" fmla="*/ 0 w 204716"/>
+              <a:gd name="connsiteY4" fmla="*/ 177421 h 354842"/>
+              <a:gd name="connsiteX0" fmla="*/ 1269243 w 1473959"/>
+              <a:gd name="connsiteY0" fmla="*/ 2388358 h 2565779"/>
+              <a:gd name="connsiteX1" fmla="*/ 0 w 1473959"/>
+              <a:gd name="connsiteY1" fmla="*/ 0 h 2565779"/>
+              <a:gd name="connsiteX2" fmla="*/ 1371601 w 1473959"/>
+              <a:gd name="connsiteY2" fmla="*/ 2210937 h 2565779"/>
+              <a:gd name="connsiteX3" fmla="*/ 1473959 w 1473959"/>
+              <a:gd name="connsiteY3" fmla="*/ 2388358 h 2565779"/>
+              <a:gd name="connsiteX4" fmla="*/ 1371601 w 1473959"/>
+              <a:gd name="connsiteY4" fmla="*/ 2565779 h 2565779"/>
+              <a:gd name="connsiteX5" fmla="*/ 1269243 w 1473959"/>
+              <a:gd name="connsiteY5" fmla="*/ 2388358 h 2565779"/>
+              <a:gd name="connsiteX0" fmla="*/ 0 w 204716"/>
+              <a:gd name="connsiteY0" fmla="*/ 177421 h 354842"/>
+              <a:gd name="connsiteX1" fmla="*/ 102358 w 204716"/>
+              <a:gd name="connsiteY1" fmla="*/ 0 h 354842"/>
+              <a:gd name="connsiteX2" fmla="*/ 204716 w 204716"/>
+              <a:gd name="connsiteY2" fmla="*/ 177421 h 354842"/>
+              <a:gd name="connsiteX3" fmla="*/ 102358 w 204716"/>
+              <a:gd name="connsiteY3" fmla="*/ 354842 h 354842"/>
+              <a:gd name="connsiteX4" fmla="*/ 0 w 204716"/>
+              <a:gd name="connsiteY4" fmla="*/ 177421 h 354842"/>
+              <a:gd name="connsiteX0" fmla="*/ 6989 w 204716"/>
+              <a:gd name="connsiteY0" fmla="*/ 140246 h 354842"/>
+              <a:gd name="connsiteX1" fmla="*/ 102358 w 204716"/>
+              <a:gd name="connsiteY1" fmla="*/ 0 h 354842"/>
+              <a:gd name="connsiteX2" fmla="*/ 204716 w 204716"/>
+              <a:gd name="connsiteY2" fmla="*/ 177421 h 354842"/>
+              <a:gd name="connsiteX3" fmla="*/ 102358 w 204716"/>
+              <a:gd name="connsiteY3" fmla="*/ 354842 h 354842"/>
+              <a:gd name="connsiteX4" fmla="*/ 0 w 204716"/>
+              <a:gd name="connsiteY4" fmla="*/ 177421 h 354842"/>
+              <a:gd name="connsiteX0" fmla="*/ 6989 w 204716"/>
+              <a:gd name="connsiteY0" fmla="*/ 140246 h 354842"/>
+              <a:gd name="connsiteX1" fmla="*/ 102358 w 204716"/>
+              <a:gd name="connsiteY1" fmla="*/ 0 h 354842"/>
+              <a:gd name="connsiteX2" fmla="*/ 204716 w 204716"/>
+              <a:gd name="connsiteY2" fmla="*/ 177421 h 354842"/>
+              <a:gd name="connsiteX3" fmla="*/ 102358 w 204716"/>
+              <a:gd name="connsiteY3" fmla="*/ 354842 h 354842"/>
+              <a:gd name="connsiteX4" fmla="*/ 0 w 204716"/>
+              <a:gd name="connsiteY4" fmla="*/ 177421 h 354842"/>
+              <a:gd name="connsiteX0" fmla="*/ 6989 w 204716"/>
+              <a:gd name="connsiteY0" fmla="*/ 141062 h 355658"/>
+              <a:gd name="connsiteX1" fmla="*/ 102358 w 204716"/>
+              <a:gd name="connsiteY1" fmla="*/ 816 h 355658"/>
+              <a:gd name="connsiteX2" fmla="*/ 204716 w 204716"/>
+              <a:gd name="connsiteY2" fmla="*/ 178237 h 355658"/>
+              <a:gd name="connsiteX3" fmla="*/ 102358 w 204716"/>
+              <a:gd name="connsiteY3" fmla="*/ 355658 h 355658"/>
+              <a:gd name="connsiteX4" fmla="*/ 0 w 204716"/>
+              <a:gd name="connsiteY4" fmla="*/ 178237 h 355658"/>
+              <a:gd name="connsiteX0" fmla="*/ 6989 w 204716"/>
+              <a:gd name="connsiteY0" fmla="*/ 132297 h 346893"/>
+              <a:gd name="connsiteX1" fmla="*/ 166795 w 204716"/>
+              <a:gd name="connsiteY1" fmla="*/ 4166 h 346893"/>
+              <a:gd name="connsiteX2" fmla="*/ 204716 w 204716"/>
+              <a:gd name="connsiteY2" fmla="*/ 169472 h 346893"/>
+              <a:gd name="connsiteX3" fmla="*/ 102358 w 204716"/>
+              <a:gd name="connsiteY3" fmla="*/ 346893 h 346893"/>
+              <a:gd name="connsiteX4" fmla="*/ 0 w 204716"/>
+              <a:gd name="connsiteY4" fmla="*/ 169472 h 346893"/>
+              <a:gd name="connsiteX0" fmla="*/ 6989 w 206617"/>
+              <a:gd name="connsiteY0" fmla="*/ 132297 h 346893"/>
+              <a:gd name="connsiteX1" fmla="*/ 166795 w 206617"/>
+              <a:gd name="connsiteY1" fmla="*/ 4166 h 346893"/>
+              <a:gd name="connsiteX2" fmla="*/ 204716 w 206617"/>
+              <a:gd name="connsiteY2" fmla="*/ 169472 h 346893"/>
+              <a:gd name="connsiteX3" fmla="*/ 102358 w 206617"/>
+              <a:gd name="connsiteY3" fmla="*/ 346893 h 346893"/>
+              <a:gd name="connsiteX4" fmla="*/ 0 w 206617"/>
+              <a:gd name="connsiteY4" fmla="*/ 169472 h 346893"/>
+              <a:gd name="connsiteX0" fmla="*/ 6989 w 219308"/>
+              <a:gd name="connsiteY0" fmla="*/ 132297 h 346893"/>
+              <a:gd name="connsiteX1" fmla="*/ 166795 w 219308"/>
+              <a:gd name="connsiteY1" fmla="*/ 4166 h 346893"/>
+              <a:gd name="connsiteX2" fmla="*/ 204716 w 219308"/>
+              <a:gd name="connsiteY2" fmla="*/ 169472 h 346893"/>
+              <a:gd name="connsiteX3" fmla="*/ 102358 w 219308"/>
+              <a:gd name="connsiteY3" fmla="*/ 346893 h 346893"/>
+              <a:gd name="connsiteX4" fmla="*/ 0 w 219308"/>
+              <a:gd name="connsiteY4" fmla="*/ 169472 h 346893"/>
+              <a:gd name="connsiteX0" fmla="*/ 6989 w 217466"/>
+              <a:gd name="connsiteY0" fmla="*/ 132297 h 346893"/>
+              <a:gd name="connsiteX1" fmla="*/ 166795 w 217466"/>
+              <a:gd name="connsiteY1" fmla="*/ 4166 h 346893"/>
+              <a:gd name="connsiteX2" fmla="*/ 197726 w 217466"/>
+              <a:gd name="connsiteY2" fmla="*/ 206647 h 346893"/>
+              <a:gd name="connsiteX3" fmla="*/ 102358 w 217466"/>
+              <a:gd name="connsiteY3" fmla="*/ 346893 h 346893"/>
+              <a:gd name="connsiteX4" fmla="*/ 0 w 217466"/>
+              <a:gd name="connsiteY4" fmla="*/ 169472 h 346893"/>
+              <a:gd name="connsiteX0" fmla="*/ 6989 w 217466"/>
+              <a:gd name="connsiteY0" fmla="*/ 132297 h 346893"/>
+              <a:gd name="connsiteX1" fmla="*/ 166795 w 217466"/>
+              <a:gd name="connsiteY1" fmla="*/ 4166 h 346893"/>
+              <a:gd name="connsiteX2" fmla="*/ 197726 w 217466"/>
+              <a:gd name="connsiteY2" fmla="*/ 206647 h 346893"/>
+              <a:gd name="connsiteX3" fmla="*/ 102358 w 217466"/>
+              <a:gd name="connsiteY3" fmla="*/ 346893 h 346893"/>
+              <a:gd name="connsiteX4" fmla="*/ 0 w 217466"/>
+              <a:gd name="connsiteY4" fmla="*/ 169472 h 346893"/>
+              <a:gd name="connsiteX0" fmla="*/ 6989 w 217466"/>
+              <a:gd name="connsiteY0" fmla="*/ 132297 h 347709"/>
+              <a:gd name="connsiteX1" fmla="*/ 166795 w 217466"/>
+              <a:gd name="connsiteY1" fmla="*/ 4166 h 347709"/>
+              <a:gd name="connsiteX2" fmla="*/ 197726 w 217466"/>
+              <a:gd name="connsiteY2" fmla="*/ 206647 h 347709"/>
+              <a:gd name="connsiteX3" fmla="*/ 102358 w 217466"/>
+              <a:gd name="connsiteY3" fmla="*/ 346893 h 347709"/>
+              <a:gd name="connsiteX4" fmla="*/ 0 w 217466"/>
+              <a:gd name="connsiteY4" fmla="*/ 169472 h 347709"/>
+              <a:gd name="connsiteX0" fmla="*/ 6989 w 217466"/>
+              <a:gd name="connsiteY0" fmla="*/ 132297 h 338943"/>
+              <a:gd name="connsiteX1" fmla="*/ 166795 w 217466"/>
+              <a:gd name="connsiteY1" fmla="*/ 4166 h 338943"/>
+              <a:gd name="connsiteX2" fmla="*/ 197726 w 217466"/>
+              <a:gd name="connsiteY2" fmla="*/ 206647 h 338943"/>
+              <a:gd name="connsiteX3" fmla="*/ 37920 w 217466"/>
+              <a:gd name="connsiteY3" fmla="*/ 334778 h 338943"/>
+              <a:gd name="connsiteX4" fmla="*/ 0 w 217466"/>
+              <a:gd name="connsiteY4" fmla="*/ 169472 h 338943"/>
+              <a:gd name="connsiteX0" fmla="*/ 8890 w 219367"/>
+              <a:gd name="connsiteY0" fmla="*/ 132297 h 338943"/>
+              <a:gd name="connsiteX1" fmla="*/ 168696 w 219367"/>
+              <a:gd name="connsiteY1" fmla="*/ 4166 h 338943"/>
+              <a:gd name="connsiteX2" fmla="*/ 199627 w 219367"/>
+              <a:gd name="connsiteY2" fmla="*/ 206647 h 338943"/>
+              <a:gd name="connsiteX3" fmla="*/ 39821 w 219367"/>
+              <a:gd name="connsiteY3" fmla="*/ 334778 h 338943"/>
+              <a:gd name="connsiteX4" fmla="*/ 1901 w 219367"/>
+              <a:gd name="connsiteY4" fmla="*/ 169472 h 338943"/>
+              <a:gd name="connsiteX0" fmla="*/ 21581 w 232058"/>
+              <a:gd name="connsiteY0" fmla="*/ 132297 h 338943"/>
+              <a:gd name="connsiteX1" fmla="*/ 181387 w 232058"/>
+              <a:gd name="connsiteY1" fmla="*/ 4166 h 338943"/>
+              <a:gd name="connsiteX2" fmla="*/ 212318 w 232058"/>
+              <a:gd name="connsiteY2" fmla="*/ 206647 h 338943"/>
+              <a:gd name="connsiteX3" fmla="*/ 52512 w 232058"/>
+              <a:gd name="connsiteY3" fmla="*/ 334778 h 338943"/>
+              <a:gd name="connsiteX4" fmla="*/ 14592 w 232058"/>
+              <a:gd name="connsiteY4" fmla="*/ 169472 h 338943"/>
+              <a:gd name="connsiteX0" fmla="*/ 19740 w 230217"/>
+              <a:gd name="connsiteY0" fmla="*/ 132297 h 338943"/>
+              <a:gd name="connsiteX1" fmla="*/ 179546 w 230217"/>
+              <a:gd name="connsiteY1" fmla="*/ 4166 h 338943"/>
+              <a:gd name="connsiteX2" fmla="*/ 210477 w 230217"/>
+              <a:gd name="connsiteY2" fmla="*/ 206647 h 338943"/>
+              <a:gd name="connsiteX3" fmla="*/ 50671 w 230217"/>
+              <a:gd name="connsiteY3" fmla="*/ 334778 h 338943"/>
+              <a:gd name="connsiteX4" fmla="*/ 19740 w 230217"/>
+              <a:gd name="connsiteY4" fmla="*/ 132297 h 338943"/>
+            </a:gdLst>
+            <a:ahLst/>
+            <a:cxnLst>
+              <a:cxn ang="0">
+                <a:pos x="connsiteX0" y="connsiteY0"/>
+              </a:cxn>
+              <a:cxn ang="0">
+                <a:pos x="connsiteX1" y="connsiteY1"/>
+              </a:cxn>
+              <a:cxn ang="0">
+                <a:pos x="connsiteX2" y="connsiteY2"/>
+              </a:cxn>
+              <a:cxn ang="0">
+                <a:pos x="connsiteX3" y="connsiteY3"/>
+              </a:cxn>
+              <a:cxn ang="0">
+                <a:pos x="connsiteX4" y="connsiteY4"/>
+              </a:cxn>
+            </a:cxnLst>
+            <a:rect l="l" t="t" r="r" b="b"/>
+            <a:pathLst>
+              <a:path w="230217" h="338943">
+                <a:moveTo>
+                  <a:pt x="19740" y="132297"/>
+                </a:moveTo>
+                <a:cubicBezTo>
+                  <a:pt x="55328" y="41001"/>
+                  <a:pt x="126876" y="-16365"/>
+                  <a:pt x="179546" y="4166"/>
+                </a:cubicBezTo>
+                <a:cubicBezTo>
+                  <a:pt x="232217" y="24698"/>
+                  <a:pt x="246065" y="115351"/>
+                  <a:pt x="210477" y="206647"/>
+                </a:cubicBezTo>
+                <a:cubicBezTo>
+                  <a:pt x="174889" y="297943"/>
+                  <a:pt x="103341" y="355309"/>
+                  <a:pt x="50671" y="334778"/>
+                </a:cubicBezTo>
+                <a:cubicBezTo>
+                  <a:pt x="-2000" y="314246"/>
+                  <a:pt x="-15847" y="223593"/>
+                  <a:pt x="19740" y="132297"/>
+                </a:cubicBezTo>
+                <a:close/>
+              </a:path>
+            </a:pathLst>
+          </a:custGeom>
+          <a:solidFill>
+            <a:srgbClr val="FFFFFF"/>
+          </a:solidFill>
+          <a:ln>
+            <a:solidFill>
+              <a:srgbClr val="0070C0"/>
+            </a:solidFill>
+          </a:ln>
+        </p:spPr>
+        <p:style>
+          <a:lnRef idx="2">
+            <a:schemeClr val="accent1">
+              <a:shade val="50000"/>
+            </a:schemeClr>
+          </a:lnRef>
+          <a:fillRef idx="1">
+            <a:schemeClr val="accent1"/>
+          </a:fillRef>
+          <a:effectRef idx="0">
+            <a:schemeClr val="accent1"/>
+          </a:effectRef>
+          <a:fontRef idx="minor">
+            <a:schemeClr val="lt1"/>
+          </a:fontRef>
+        </p:style>
+        <p:txBody>
+          <a:bodyPr rtlCol="0" anchor="ctr"/>
+          <a:lstStyle/>
+          <a:p>
+            <a:pPr algn="ctr"/>
+            <a:endParaRPr lang="en-US"/>
+          </a:p>
+        </p:txBody>
+      </p:sp>
+      <p:sp>
+        <p:nvSpPr>
+          <p:cNvPr id="10" name="TextBox 9"/>
+          <p:cNvSpPr txBox="1">
+            <a:spLocks/>
+          </p:cNvSpPr>
+          <p:nvPr/>
+        </p:nvSpPr>
+        <p:spPr>
+          <a:xfrm>
+            <a:off x="1246829" y="4883632"/>
+            <a:ext cx="45275" cy="146194"/>
+          </a:xfrm>
+          <a:prstGeom prst="rect">
+            <a:avLst/>
+          </a:prstGeom>
+          <a:noFill/>
+        </p:spPr>
+        <p:txBody>
+          <a:bodyPr wrap="square" lIns="0" tIns="0" rIns="0" bIns="0" rtlCol="0" anchor="b" anchorCtr="0">
+            <a:spAutoFit/>
+          </a:bodyPr>
+          <a:lstStyle/>
+          <a:p>
+            <a:r>
+              <a:rPr lang="en-US" sz="950" dirty="0">
+                <a:solidFill>
+                  <a:srgbClr val="0070C0"/>
+                </a:solidFill>
+              </a:rPr>
+              <a:t>▴</a:t>
+            </a:r>
+            <a:endParaRPr lang="en-US" sz="950" dirty="0"/>
+          </a:p>
+        </p:txBody>
+      </p:sp>
+      <p:sp>
+        <p:nvSpPr>
+          <p:cNvPr id="11" name="TextBox 10"/>
+          <p:cNvSpPr txBox="1"/>
+          <p:nvPr/>
+        </p:nvSpPr>
+        <p:spPr>
+          <a:xfrm>
+            <a:off x="601471" y="5313907"/>
+            <a:ext cx="1674113" cy="369332"/>
+          </a:xfrm>
+          <a:prstGeom prst="rect">
+            <a:avLst/>
+          </a:prstGeom>
+          <a:noFill/>
+        </p:spPr>
+        <p:txBody>
+          <a:bodyPr wrap="none" rtlCol="0">
+            <a:spAutoFit/>
+          </a:bodyPr>
+          <a:lstStyle/>
+          <a:p>
+            <a:r>
+              <a:rPr lang="en-US" dirty="0" smtClean="0"/>
+              <a:t>Symmetric right</a:t>
+            </a:r>
+          </a:p>
+        </p:txBody>
+      </p:sp>
+      <p:sp>
+        <p:nvSpPr>
+          <p:cNvPr id="12" name="Oval 2"/>
+          <p:cNvSpPr>
+            <a:spLocks/>
+          </p:cNvSpPr>
+          <p:nvPr/>
+        </p:nvSpPr>
+        <p:spPr>
+          <a:xfrm>
+            <a:off x="4324079" y="2381541"/>
+            <a:ext cx="370800" cy="180406"/>
+          </a:xfrm>
+          <a:custGeom>
+            <a:avLst/>
+            <a:gdLst>
+              <a:gd name="connsiteX0" fmla="*/ 0 w 204716"/>
+              <a:gd name="connsiteY0" fmla="*/ 177421 h 354842"/>
+              <a:gd name="connsiteX1" fmla="*/ 102358 w 204716"/>
+              <a:gd name="connsiteY1" fmla="*/ 0 h 354842"/>
+              <a:gd name="connsiteX2" fmla="*/ 204716 w 204716"/>
+              <a:gd name="connsiteY2" fmla="*/ 177421 h 354842"/>
+              <a:gd name="connsiteX3" fmla="*/ 102358 w 204716"/>
+              <a:gd name="connsiteY3" fmla="*/ 354842 h 354842"/>
+              <a:gd name="connsiteX4" fmla="*/ 0 w 204716"/>
+              <a:gd name="connsiteY4" fmla="*/ 177421 h 354842"/>
+              <a:gd name="connsiteX0" fmla="*/ 1269243 w 1473959"/>
+              <a:gd name="connsiteY0" fmla="*/ 2388358 h 2565779"/>
+              <a:gd name="connsiteX1" fmla="*/ 0 w 1473959"/>
+              <a:gd name="connsiteY1" fmla="*/ 0 h 2565779"/>
+              <a:gd name="connsiteX2" fmla="*/ 1371601 w 1473959"/>
+              <a:gd name="connsiteY2" fmla="*/ 2210937 h 2565779"/>
+              <a:gd name="connsiteX3" fmla="*/ 1473959 w 1473959"/>
+              <a:gd name="connsiteY3" fmla="*/ 2388358 h 2565779"/>
+              <a:gd name="connsiteX4" fmla="*/ 1371601 w 1473959"/>
+              <a:gd name="connsiteY4" fmla="*/ 2565779 h 2565779"/>
+              <a:gd name="connsiteX5" fmla="*/ 1269243 w 1473959"/>
+              <a:gd name="connsiteY5" fmla="*/ 2388358 h 2565779"/>
+              <a:gd name="connsiteX0" fmla="*/ 0 w 204716"/>
+              <a:gd name="connsiteY0" fmla="*/ 177421 h 354842"/>
+              <a:gd name="connsiteX1" fmla="*/ 102358 w 204716"/>
+              <a:gd name="connsiteY1" fmla="*/ 0 h 354842"/>
+              <a:gd name="connsiteX2" fmla="*/ 204716 w 204716"/>
+              <a:gd name="connsiteY2" fmla="*/ 177421 h 354842"/>
+              <a:gd name="connsiteX3" fmla="*/ 102358 w 204716"/>
+              <a:gd name="connsiteY3" fmla="*/ 354842 h 354842"/>
+              <a:gd name="connsiteX4" fmla="*/ 0 w 204716"/>
+              <a:gd name="connsiteY4" fmla="*/ 177421 h 354842"/>
+              <a:gd name="connsiteX0" fmla="*/ 6989 w 204716"/>
+              <a:gd name="connsiteY0" fmla="*/ 140246 h 354842"/>
+              <a:gd name="connsiteX1" fmla="*/ 102358 w 204716"/>
+              <a:gd name="connsiteY1" fmla="*/ 0 h 354842"/>
+              <a:gd name="connsiteX2" fmla="*/ 204716 w 204716"/>
+              <a:gd name="connsiteY2" fmla="*/ 177421 h 354842"/>
+              <a:gd name="connsiteX3" fmla="*/ 102358 w 204716"/>
+              <a:gd name="connsiteY3" fmla="*/ 354842 h 354842"/>
+              <a:gd name="connsiteX4" fmla="*/ 0 w 204716"/>
+              <a:gd name="connsiteY4" fmla="*/ 177421 h 354842"/>
+              <a:gd name="connsiteX0" fmla="*/ 6989 w 204716"/>
+              <a:gd name="connsiteY0" fmla="*/ 140246 h 354842"/>
+              <a:gd name="connsiteX1" fmla="*/ 102358 w 204716"/>
+              <a:gd name="connsiteY1" fmla="*/ 0 h 354842"/>
+              <a:gd name="connsiteX2" fmla="*/ 204716 w 204716"/>
+              <a:gd name="connsiteY2" fmla="*/ 177421 h 354842"/>
+              <a:gd name="connsiteX3" fmla="*/ 102358 w 204716"/>
+              <a:gd name="connsiteY3" fmla="*/ 354842 h 354842"/>
+              <a:gd name="connsiteX4" fmla="*/ 0 w 204716"/>
+              <a:gd name="connsiteY4" fmla="*/ 177421 h 354842"/>
+              <a:gd name="connsiteX0" fmla="*/ 6989 w 204716"/>
+              <a:gd name="connsiteY0" fmla="*/ 141062 h 355658"/>
+              <a:gd name="connsiteX1" fmla="*/ 102358 w 204716"/>
+              <a:gd name="connsiteY1" fmla="*/ 816 h 355658"/>
+              <a:gd name="connsiteX2" fmla="*/ 204716 w 204716"/>
+              <a:gd name="connsiteY2" fmla="*/ 178237 h 355658"/>
+              <a:gd name="connsiteX3" fmla="*/ 102358 w 204716"/>
+              <a:gd name="connsiteY3" fmla="*/ 355658 h 355658"/>
+              <a:gd name="connsiteX4" fmla="*/ 0 w 204716"/>
+              <a:gd name="connsiteY4" fmla="*/ 178237 h 355658"/>
+              <a:gd name="connsiteX0" fmla="*/ 6989 w 204716"/>
+              <a:gd name="connsiteY0" fmla="*/ 132297 h 346893"/>
+              <a:gd name="connsiteX1" fmla="*/ 166795 w 204716"/>
+              <a:gd name="connsiteY1" fmla="*/ 4166 h 346893"/>
+              <a:gd name="connsiteX2" fmla="*/ 204716 w 204716"/>
+              <a:gd name="connsiteY2" fmla="*/ 169472 h 346893"/>
+              <a:gd name="connsiteX3" fmla="*/ 102358 w 204716"/>
+              <a:gd name="connsiteY3" fmla="*/ 346893 h 346893"/>
+              <a:gd name="connsiteX4" fmla="*/ 0 w 204716"/>
+              <a:gd name="connsiteY4" fmla="*/ 169472 h 346893"/>
+              <a:gd name="connsiteX0" fmla="*/ 6989 w 206617"/>
+              <a:gd name="connsiteY0" fmla="*/ 132297 h 346893"/>
+              <a:gd name="connsiteX1" fmla="*/ 166795 w 206617"/>
+              <a:gd name="connsiteY1" fmla="*/ 4166 h 346893"/>
+              <a:gd name="connsiteX2" fmla="*/ 204716 w 206617"/>
+              <a:gd name="connsiteY2" fmla="*/ 169472 h 346893"/>
+              <a:gd name="connsiteX3" fmla="*/ 102358 w 206617"/>
+              <a:gd name="connsiteY3" fmla="*/ 346893 h 346893"/>
+              <a:gd name="connsiteX4" fmla="*/ 0 w 206617"/>
+              <a:gd name="connsiteY4" fmla="*/ 169472 h 346893"/>
+              <a:gd name="connsiteX0" fmla="*/ 6989 w 219308"/>
+              <a:gd name="connsiteY0" fmla="*/ 132297 h 346893"/>
+              <a:gd name="connsiteX1" fmla="*/ 166795 w 219308"/>
+              <a:gd name="connsiteY1" fmla="*/ 4166 h 346893"/>
+              <a:gd name="connsiteX2" fmla="*/ 204716 w 219308"/>
+              <a:gd name="connsiteY2" fmla="*/ 169472 h 346893"/>
+              <a:gd name="connsiteX3" fmla="*/ 102358 w 219308"/>
+              <a:gd name="connsiteY3" fmla="*/ 346893 h 346893"/>
+              <a:gd name="connsiteX4" fmla="*/ 0 w 219308"/>
+              <a:gd name="connsiteY4" fmla="*/ 169472 h 346893"/>
+              <a:gd name="connsiteX0" fmla="*/ 6989 w 217466"/>
+              <a:gd name="connsiteY0" fmla="*/ 132297 h 346893"/>
+              <a:gd name="connsiteX1" fmla="*/ 166795 w 217466"/>
+              <a:gd name="connsiteY1" fmla="*/ 4166 h 346893"/>
+              <a:gd name="connsiteX2" fmla="*/ 197726 w 217466"/>
+              <a:gd name="connsiteY2" fmla="*/ 206647 h 346893"/>
+              <a:gd name="connsiteX3" fmla="*/ 102358 w 217466"/>
+              <a:gd name="connsiteY3" fmla="*/ 346893 h 346893"/>
+              <a:gd name="connsiteX4" fmla="*/ 0 w 217466"/>
+              <a:gd name="connsiteY4" fmla="*/ 169472 h 346893"/>
+              <a:gd name="connsiteX0" fmla="*/ 6989 w 217466"/>
+              <a:gd name="connsiteY0" fmla="*/ 132297 h 346893"/>
+              <a:gd name="connsiteX1" fmla="*/ 166795 w 217466"/>
+              <a:gd name="connsiteY1" fmla="*/ 4166 h 346893"/>
+              <a:gd name="connsiteX2" fmla="*/ 197726 w 217466"/>
+              <a:gd name="connsiteY2" fmla="*/ 206647 h 346893"/>
+              <a:gd name="connsiteX3" fmla="*/ 102358 w 217466"/>
+              <a:gd name="connsiteY3" fmla="*/ 346893 h 346893"/>
+              <a:gd name="connsiteX4" fmla="*/ 0 w 217466"/>
+              <a:gd name="connsiteY4" fmla="*/ 169472 h 346893"/>
+              <a:gd name="connsiteX0" fmla="*/ 6989 w 217466"/>
+              <a:gd name="connsiteY0" fmla="*/ 132297 h 347709"/>
+              <a:gd name="connsiteX1" fmla="*/ 166795 w 217466"/>
+              <a:gd name="connsiteY1" fmla="*/ 4166 h 347709"/>
+              <a:gd name="connsiteX2" fmla="*/ 197726 w 217466"/>
+              <a:gd name="connsiteY2" fmla="*/ 206647 h 347709"/>
+              <a:gd name="connsiteX3" fmla="*/ 102358 w 217466"/>
+              <a:gd name="connsiteY3" fmla="*/ 346893 h 347709"/>
+              <a:gd name="connsiteX4" fmla="*/ 0 w 217466"/>
+              <a:gd name="connsiteY4" fmla="*/ 169472 h 347709"/>
+              <a:gd name="connsiteX0" fmla="*/ 6989 w 217466"/>
+              <a:gd name="connsiteY0" fmla="*/ 132297 h 338943"/>
+              <a:gd name="connsiteX1" fmla="*/ 166795 w 217466"/>
+              <a:gd name="connsiteY1" fmla="*/ 4166 h 338943"/>
+              <a:gd name="connsiteX2" fmla="*/ 197726 w 217466"/>
+              <a:gd name="connsiteY2" fmla="*/ 206647 h 338943"/>
+              <a:gd name="connsiteX3" fmla="*/ 37920 w 217466"/>
+              <a:gd name="connsiteY3" fmla="*/ 334778 h 338943"/>
+              <a:gd name="connsiteX4" fmla="*/ 0 w 217466"/>
+              <a:gd name="connsiteY4" fmla="*/ 169472 h 338943"/>
+              <a:gd name="connsiteX0" fmla="*/ 8890 w 219367"/>
+              <a:gd name="connsiteY0" fmla="*/ 132297 h 338943"/>
+              <a:gd name="connsiteX1" fmla="*/ 168696 w 219367"/>
+              <a:gd name="connsiteY1" fmla="*/ 4166 h 338943"/>
+              <a:gd name="connsiteX2" fmla="*/ 199627 w 219367"/>
+              <a:gd name="connsiteY2" fmla="*/ 206647 h 338943"/>
+              <a:gd name="connsiteX3" fmla="*/ 39821 w 219367"/>
+              <a:gd name="connsiteY3" fmla="*/ 334778 h 338943"/>
+              <a:gd name="connsiteX4" fmla="*/ 1901 w 219367"/>
+              <a:gd name="connsiteY4" fmla="*/ 169472 h 338943"/>
+              <a:gd name="connsiteX0" fmla="*/ 21581 w 232058"/>
+              <a:gd name="connsiteY0" fmla="*/ 132297 h 338943"/>
+              <a:gd name="connsiteX1" fmla="*/ 181387 w 232058"/>
+              <a:gd name="connsiteY1" fmla="*/ 4166 h 338943"/>
+              <a:gd name="connsiteX2" fmla="*/ 212318 w 232058"/>
+              <a:gd name="connsiteY2" fmla="*/ 206647 h 338943"/>
+              <a:gd name="connsiteX3" fmla="*/ 52512 w 232058"/>
+              <a:gd name="connsiteY3" fmla="*/ 334778 h 338943"/>
+              <a:gd name="connsiteX4" fmla="*/ 14592 w 232058"/>
+              <a:gd name="connsiteY4" fmla="*/ 169472 h 338943"/>
+              <a:gd name="connsiteX0" fmla="*/ 19740 w 230217"/>
+              <a:gd name="connsiteY0" fmla="*/ 132297 h 338943"/>
+              <a:gd name="connsiteX1" fmla="*/ 179546 w 230217"/>
+              <a:gd name="connsiteY1" fmla="*/ 4166 h 338943"/>
+              <a:gd name="connsiteX2" fmla="*/ 210477 w 230217"/>
+              <a:gd name="connsiteY2" fmla="*/ 206647 h 338943"/>
+              <a:gd name="connsiteX3" fmla="*/ 50671 w 230217"/>
+              <a:gd name="connsiteY3" fmla="*/ 334778 h 338943"/>
+              <a:gd name="connsiteX4" fmla="*/ 19740 w 230217"/>
+              <a:gd name="connsiteY4" fmla="*/ 132297 h 338943"/>
+              <a:gd name="connsiteX0" fmla="*/ 87141 w 230217"/>
+              <a:gd name="connsiteY0" fmla="*/ 95521 h 339042"/>
+              <a:gd name="connsiteX1" fmla="*/ 179546 w 230217"/>
+              <a:gd name="connsiteY1" fmla="*/ 4265 h 339042"/>
+              <a:gd name="connsiteX2" fmla="*/ 210477 w 230217"/>
+              <a:gd name="connsiteY2" fmla="*/ 206746 h 339042"/>
+              <a:gd name="connsiteX3" fmla="*/ 50671 w 230217"/>
+              <a:gd name="connsiteY3" fmla="*/ 334877 h 339042"/>
+              <a:gd name="connsiteX4" fmla="*/ 19740 w 230217"/>
+              <a:gd name="connsiteY4" fmla="*/ 132396 h 339042"/>
+              <a:gd name="connsiteX0" fmla="*/ 87141 w 230217"/>
+              <a:gd name="connsiteY0" fmla="*/ 95089 h 338610"/>
+              <a:gd name="connsiteX1" fmla="*/ 179546 w 230217"/>
+              <a:gd name="connsiteY1" fmla="*/ 3833 h 338610"/>
+              <a:gd name="connsiteX2" fmla="*/ 210477 w 230217"/>
+              <a:gd name="connsiteY2" fmla="*/ 206314 h 338610"/>
+              <a:gd name="connsiteX3" fmla="*/ 50671 w 230217"/>
+              <a:gd name="connsiteY3" fmla="*/ 334445 h 338610"/>
+              <a:gd name="connsiteX4" fmla="*/ 19740 w 230217"/>
+              <a:gd name="connsiteY4" fmla="*/ 131964 h 338610"/>
+              <a:gd name="connsiteX0" fmla="*/ 87141 w 241635"/>
+              <a:gd name="connsiteY0" fmla="*/ 91256 h 334777"/>
+              <a:gd name="connsiteX1" fmla="*/ 179546 w 241635"/>
+              <a:gd name="connsiteY1" fmla="*/ 0 h 334777"/>
+              <a:gd name="connsiteX2" fmla="*/ 210477 w 241635"/>
+              <a:gd name="connsiteY2" fmla="*/ 202481 h 334777"/>
+              <a:gd name="connsiteX3" fmla="*/ 50671 w 241635"/>
+              <a:gd name="connsiteY3" fmla="*/ 330612 h 334777"/>
+              <a:gd name="connsiteX4" fmla="*/ 19740 w 241635"/>
+              <a:gd name="connsiteY4" fmla="*/ 128131 h 334777"/>
+              <a:gd name="connsiteX0" fmla="*/ 87141 w 329396"/>
+              <a:gd name="connsiteY0" fmla="*/ 36419 h 279940"/>
+              <a:gd name="connsiteX1" fmla="*/ 329396 w 329396"/>
+              <a:gd name="connsiteY1" fmla="*/ 28494 h 279940"/>
+              <a:gd name="connsiteX2" fmla="*/ 210477 w 329396"/>
+              <a:gd name="connsiteY2" fmla="*/ 147644 h 279940"/>
+              <a:gd name="connsiteX3" fmla="*/ 50671 w 329396"/>
+              <a:gd name="connsiteY3" fmla="*/ 275775 h 279940"/>
+              <a:gd name="connsiteX4" fmla="*/ 19740 w 329396"/>
+              <a:gd name="connsiteY4" fmla="*/ 73294 h 279940"/>
+              <a:gd name="connsiteX0" fmla="*/ 87141 w 331021"/>
+              <a:gd name="connsiteY0" fmla="*/ 36419 h 279940"/>
+              <a:gd name="connsiteX1" fmla="*/ 329396 w 331021"/>
+              <a:gd name="connsiteY1" fmla="*/ 28494 h 279940"/>
+              <a:gd name="connsiteX2" fmla="*/ 210477 w 331021"/>
+              <a:gd name="connsiteY2" fmla="*/ 147644 h 279940"/>
+              <a:gd name="connsiteX3" fmla="*/ 50671 w 331021"/>
+              <a:gd name="connsiteY3" fmla="*/ 275775 h 279940"/>
+              <a:gd name="connsiteX4" fmla="*/ 19740 w 331021"/>
+              <a:gd name="connsiteY4" fmla="*/ 73294 h 279940"/>
+              <a:gd name="connsiteX0" fmla="*/ 87141 w 331273"/>
+              <a:gd name="connsiteY0" fmla="*/ 36419 h 279940"/>
+              <a:gd name="connsiteX1" fmla="*/ 329396 w 331273"/>
+              <a:gd name="connsiteY1" fmla="*/ 28494 h 279940"/>
+              <a:gd name="connsiteX2" fmla="*/ 210477 w 331273"/>
+              <a:gd name="connsiteY2" fmla="*/ 147644 h 279940"/>
+              <a:gd name="connsiteX3" fmla="*/ 50671 w 331273"/>
+              <a:gd name="connsiteY3" fmla="*/ 275775 h 279940"/>
+              <a:gd name="connsiteX4" fmla="*/ 19740 w 331273"/>
+              <a:gd name="connsiteY4" fmla="*/ 73294 h 279940"/>
+              <a:gd name="connsiteX0" fmla="*/ 87141 w 331237"/>
+              <a:gd name="connsiteY0" fmla="*/ 36419 h 280040"/>
+              <a:gd name="connsiteX1" fmla="*/ 329396 w 331237"/>
+              <a:gd name="connsiteY1" fmla="*/ 28494 h 280040"/>
+              <a:gd name="connsiteX2" fmla="*/ 143073 w 331237"/>
+              <a:gd name="connsiteY2" fmla="*/ 184517 h 280040"/>
+              <a:gd name="connsiteX3" fmla="*/ 50671 w 331237"/>
+              <a:gd name="connsiteY3" fmla="*/ 275775 h 280040"/>
+              <a:gd name="connsiteX4" fmla="*/ 19740 w 331237"/>
+              <a:gd name="connsiteY4" fmla="*/ 73294 h 280040"/>
+              <a:gd name="connsiteX0" fmla="*/ 87141 w 331236"/>
+              <a:gd name="connsiteY0" fmla="*/ 36419 h 279607"/>
+              <a:gd name="connsiteX1" fmla="*/ 329396 w 331236"/>
+              <a:gd name="connsiteY1" fmla="*/ 28494 h 279607"/>
+              <a:gd name="connsiteX2" fmla="*/ 143073 w 331236"/>
+              <a:gd name="connsiteY2" fmla="*/ 184517 h 279607"/>
+              <a:gd name="connsiteX3" fmla="*/ 50671 w 331236"/>
+              <a:gd name="connsiteY3" fmla="*/ 275775 h 279607"/>
+              <a:gd name="connsiteX4" fmla="*/ 19740 w 331236"/>
+              <a:gd name="connsiteY4" fmla="*/ 73294 h 279607"/>
+              <a:gd name="connsiteX0" fmla="*/ 98561 w 342656"/>
+              <a:gd name="connsiteY0" fmla="*/ 36419 h 275775"/>
+              <a:gd name="connsiteX1" fmla="*/ 340816 w 342656"/>
+              <a:gd name="connsiteY1" fmla="*/ 28494 h 275775"/>
+              <a:gd name="connsiteX2" fmla="*/ 154493 w 342656"/>
+              <a:gd name="connsiteY2" fmla="*/ 184517 h 275775"/>
+              <a:gd name="connsiteX3" fmla="*/ 62091 w 342656"/>
+              <a:gd name="connsiteY3" fmla="*/ 275775 h 275775"/>
+              <a:gd name="connsiteX4" fmla="*/ 31160 w 342656"/>
+              <a:gd name="connsiteY4" fmla="*/ 73294 h 275775"/>
+              <a:gd name="connsiteX0" fmla="*/ 186322 w 430417"/>
+              <a:gd name="connsiteY0" fmla="*/ 36419 h 220934"/>
+              <a:gd name="connsiteX1" fmla="*/ 428577 w 430417"/>
+              <a:gd name="connsiteY1" fmla="*/ 28494 h 220934"/>
+              <a:gd name="connsiteX2" fmla="*/ 242254 w 430417"/>
+              <a:gd name="connsiteY2" fmla="*/ 184517 h 220934"/>
+              <a:gd name="connsiteX3" fmla="*/ 0 w 430417"/>
+              <a:gd name="connsiteY3" fmla="*/ 192440 h 220934"/>
+              <a:gd name="connsiteX4" fmla="*/ 118921 w 430417"/>
+              <a:gd name="connsiteY4" fmla="*/ 73294 h 220934"/>
+              <a:gd name="connsiteX0" fmla="*/ 187947 w 432042"/>
+              <a:gd name="connsiteY0" fmla="*/ 36419 h 220934"/>
+              <a:gd name="connsiteX1" fmla="*/ 430202 w 432042"/>
+              <a:gd name="connsiteY1" fmla="*/ 28494 h 220934"/>
+              <a:gd name="connsiteX2" fmla="*/ 243879 w 432042"/>
+              <a:gd name="connsiteY2" fmla="*/ 184517 h 220934"/>
+              <a:gd name="connsiteX3" fmla="*/ 1625 w 432042"/>
+              <a:gd name="connsiteY3" fmla="*/ 192440 h 220934"/>
+              <a:gd name="connsiteX4" fmla="*/ 120546 w 432042"/>
+              <a:gd name="connsiteY4" fmla="*/ 73294 h 220934"/>
+              <a:gd name="connsiteX0" fmla="*/ 188199 w 432294"/>
+              <a:gd name="connsiteY0" fmla="*/ 36419 h 220934"/>
+              <a:gd name="connsiteX1" fmla="*/ 430454 w 432294"/>
+              <a:gd name="connsiteY1" fmla="*/ 28494 h 220934"/>
+              <a:gd name="connsiteX2" fmla="*/ 244131 w 432294"/>
+              <a:gd name="connsiteY2" fmla="*/ 184517 h 220934"/>
+              <a:gd name="connsiteX3" fmla="*/ 1877 w 432294"/>
+              <a:gd name="connsiteY3" fmla="*/ 192440 h 220934"/>
+              <a:gd name="connsiteX4" fmla="*/ 120798 w 432294"/>
+              <a:gd name="connsiteY4" fmla="*/ 73294 h 220934"/>
+              <a:gd name="connsiteX0" fmla="*/ 188164 w 432259"/>
+              <a:gd name="connsiteY0" fmla="*/ 36419 h 220934"/>
+              <a:gd name="connsiteX1" fmla="*/ 430419 w 432259"/>
+              <a:gd name="connsiteY1" fmla="*/ 28494 h 220934"/>
+              <a:gd name="connsiteX2" fmla="*/ 244096 w 432259"/>
+              <a:gd name="connsiteY2" fmla="*/ 184517 h 220934"/>
+              <a:gd name="connsiteX3" fmla="*/ 1842 w 432259"/>
+              <a:gd name="connsiteY3" fmla="*/ 192440 h 220934"/>
+              <a:gd name="connsiteX4" fmla="*/ 188166 w 432259"/>
+              <a:gd name="connsiteY4" fmla="*/ 36418 h 220934"/>
+              <a:gd name="connsiteX0" fmla="*/ 215738 w 432259"/>
+              <a:gd name="connsiteY0" fmla="*/ 34124 h 221199"/>
+              <a:gd name="connsiteX1" fmla="*/ 430419 w 432259"/>
+              <a:gd name="connsiteY1" fmla="*/ 28759 h 221199"/>
+              <a:gd name="connsiteX2" fmla="*/ 244096 w 432259"/>
+              <a:gd name="connsiteY2" fmla="*/ 184782 h 221199"/>
+              <a:gd name="connsiteX3" fmla="*/ 1842 w 432259"/>
+              <a:gd name="connsiteY3" fmla="*/ 192705 h 221199"/>
+              <a:gd name="connsiteX4" fmla="*/ 188166 w 432259"/>
+              <a:gd name="connsiteY4" fmla="*/ 36683 h 221199"/>
+              <a:gd name="connsiteX0" fmla="*/ 215738 w 432259"/>
+              <a:gd name="connsiteY0" fmla="*/ 27704 h 214779"/>
+              <a:gd name="connsiteX1" fmla="*/ 430419 w 432259"/>
+              <a:gd name="connsiteY1" fmla="*/ 22339 h 214779"/>
+              <a:gd name="connsiteX2" fmla="*/ 244096 w 432259"/>
+              <a:gd name="connsiteY2" fmla="*/ 178362 h 214779"/>
+              <a:gd name="connsiteX3" fmla="*/ 1842 w 432259"/>
+              <a:gd name="connsiteY3" fmla="*/ 186285 h 214779"/>
+              <a:gd name="connsiteX4" fmla="*/ 188166 w 432259"/>
+              <a:gd name="connsiteY4" fmla="*/ 30263 h 214779"/>
+              <a:gd name="connsiteX0" fmla="*/ 215738 w 433402"/>
+              <a:gd name="connsiteY0" fmla="*/ 12187 h 199262"/>
+              <a:gd name="connsiteX1" fmla="*/ 430419 w 433402"/>
+              <a:gd name="connsiteY1" fmla="*/ 6822 h 199262"/>
+              <a:gd name="connsiteX2" fmla="*/ 244096 w 433402"/>
+              <a:gd name="connsiteY2" fmla="*/ 162845 h 199262"/>
+              <a:gd name="connsiteX3" fmla="*/ 1842 w 433402"/>
+              <a:gd name="connsiteY3" fmla="*/ 170768 h 199262"/>
+              <a:gd name="connsiteX4" fmla="*/ 188166 w 433402"/>
+              <a:gd name="connsiteY4" fmla="*/ 14746 h 199262"/>
+              <a:gd name="connsiteX0" fmla="*/ 215738 w 452969"/>
+              <a:gd name="connsiteY0" fmla="*/ 10412 h 197487"/>
+              <a:gd name="connsiteX1" fmla="*/ 452969 w 452969"/>
+              <a:gd name="connsiteY1" fmla="*/ 45783 h 197487"/>
+              <a:gd name="connsiteX2" fmla="*/ 244096 w 452969"/>
+              <a:gd name="connsiteY2" fmla="*/ 161070 h 197487"/>
+              <a:gd name="connsiteX3" fmla="*/ 1842 w 452969"/>
+              <a:gd name="connsiteY3" fmla="*/ 168993 h 197487"/>
+              <a:gd name="connsiteX4" fmla="*/ 188166 w 452969"/>
+              <a:gd name="connsiteY4" fmla="*/ 12971 h 197487"/>
+              <a:gd name="connsiteX0" fmla="*/ 215738 w 452969"/>
+              <a:gd name="connsiteY0" fmla="*/ 10412 h 197487"/>
+              <a:gd name="connsiteX1" fmla="*/ 452969 w 452969"/>
+              <a:gd name="connsiteY1" fmla="*/ 45783 h 197487"/>
+              <a:gd name="connsiteX2" fmla="*/ 244096 w 452969"/>
+              <a:gd name="connsiteY2" fmla="*/ 161070 h 197487"/>
+              <a:gd name="connsiteX3" fmla="*/ 1842 w 452969"/>
+              <a:gd name="connsiteY3" fmla="*/ 168993 h 197487"/>
+              <a:gd name="connsiteX4" fmla="*/ 188166 w 452969"/>
+              <a:gd name="connsiteY4" fmla="*/ 12971 h 197487"/>
+              <a:gd name="connsiteX0" fmla="*/ 215738 w 452969"/>
+              <a:gd name="connsiteY0" fmla="*/ 10412 h 197487"/>
+              <a:gd name="connsiteX1" fmla="*/ 452969 w 452969"/>
+              <a:gd name="connsiteY1" fmla="*/ 45783 h 197487"/>
+              <a:gd name="connsiteX2" fmla="*/ 244096 w 452969"/>
+              <a:gd name="connsiteY2" fmla="*/ 161070 h 197487"/>
+              <a:gd name="connsiteX3" fmla="*/ 1842 w 452969"/>
+              <a:gd name="connsiteY3" fmla="*/ 168993 h 197487"/>
+              <a:gd name="connsiteX4" fmla="*/ 188166 w 452969"/>
+              <a:gd name="connsiteY4" fmla="*/ 12971 h 197487"/>
+              <a:gd name="connsiteX0" fmla="*/ 215738 w 452969"/>
+              <a:gd name="connsiteY0" fmla="*/ 10412 h 197753"/>
+              <a:gd name="connsiteX1" fmla="*/ 452969 w 452969"/>
+              <a:gd name="connsiteY1" fmla="*/ 45783 h 197753"/>
+              <a:gd name="connsiteX2" fmla="*/ 216521 w 452969"/>
+              <a:gd name="connsiteY2" fmla="*/ 163630 h 197753"/>
+              <a:gd name="connsiteX3" fmla="*/ 1842 w 452969"/>
+              <a:gd name="connsiteY3" fmla="*/ 168993 h 197753"/>
+              <a:gd name="connsiteX4" fmla="*/ 188166 w 452969"/>
+              <a:gd name="connsiteY4" fmla="*/ 12971 h 197753"/>
+              <a:gd name="connsiteX0" fmla="*/ 215738 w 452969"/>
+              <a:gd name="connsiteY0" fmla="*/ 10412 h 191332"/>
+              <a:gd name="connsiteX1" fmla="*/ 452969 w 452969"/>
+              <a:gd name="connsiteY1" fmla="*/ 45783 h 191332"/>
+              <a:gd name="connsiteX2" fmla="*/ 216521 w 452969"/>
+              <a:gd name="connsiteY2" fmla="*/ 163630 h 191332"/>
+              <a:gd name="connsiteX3" fmla="*/ 1842 w 452969"/>
+              <a:gd name="connsiteY3" fmla="*/ 168993 h 191332"/>
+              <a:gd name="connsiteX4" fmla="*/ 188166 w 452969"/>
+              <a:gd name="connsiteY4" fmla="*/ 12971 h 191332"/>
+              <a:gd name="connsiteX0" fmla="*/ 216878 w 454109"/>
+              <a:gd name="connsiteY0" fmla="*/ 10412 h 175814"/>
+              <a:gd name="connsiteX1" fmla="*/ 454109 w 454109"/>
+              <a:gd name="connsiteY1" fmla="*/ 45783 h 175814"/>
+              <a:gd name="connsiteX2" fmla="*/ 217661 w 454109"/>
+              <a:gd name="connsiteY2" fmla="*/ 163630 h 175814"/>
+              <a:gd name="connsiteX3" fmla="*/ 2982 w 454109"/>
+              <a:gd name="connsiteY3" fmla="*/ 168993 h 175814"/>
+              <a:gd name="connsiteX4" fmla="*/ 189306 w 454109"/>
+              <a:gd name="connsiteY4" fmla="*/ 12971 h 175814"/>
+              <a:gd name="connsiteX0" fmla="*/ 236447 w 473678"/>
+              <a:gd name="connsiteY0" fmla="*/ 10412 h 174039"/>
+              <a:gd name="connsiteX1" fmla="*/ 473678 w 473678"/>
+              <a:gd name="connsiteY1" fmla="*/ 45783 h 174039"/>
+              <a:gd name="connsiteX2" fmla="*/ 237230 w 473678"/>
+              <a:gd name="connsiteY2" fmla="*/ 163630 h 174039"/>
+              <a:gd name="connsiteX3" fmla="*/ 0 w 473678"/>
+              <a:gd name="connsiteY3" fmla="*/ 128257 h 174039"/>
+              <a:gd name="connsiteX4" fmla="*/ 208875 w 473678"/>
+              <a:gd name="connsiteY4" fmla="*/ 12971 h 174039"/>
+              <a:gd name="connsiteX0" fmla="*/ 236447 w 473678"/>
+              <a:gd name="connsiteY0" fmla="*/ 10412 h 174039"/>
+              <a:gd name="connsiteX1" fmla="*/ 473678 w 473678"/>
+              <a:gd name="connsiteY1" fmla="*/ 45783 h 174039"/>
+              <a:gd name="connsiteX2" fmla="*/ 237230 w 473678"/>
+              <a:gd name="connsiteY2" fmla="*/ 163630 h 174039"/>
+              <a:gd name="connsiteX3" fmla="*/ 0 w 473678"/>
+              <a:gd name="connsiteY3" fmla="*/ 128257 h 174039"/>
+              <a:gd name="connsiteX4" fmla="*/ 208875 w 473678"/>
+              <a:gd name="connsiteY4" fmla="*/ 12971 h 174039"/>
+              <a:gd name="connsiteX0" fmla="*/ 236447 w 473678"/>
+              <a:gd name="connsiteY0" fmla="*/ 10412 h 174039"/>
+              <a:gd name="connsiteX1" fmla="*/ 473678 w 473678"/>
+              <a:gd name="connsiteY1" fmla="*/ 45783 h 174039"/>
+              <a:gd name="connsiteX2" fmla="*/ 237230 w 473678"/>
+              <a:gd name="connsiteY2" fmla="*/ 163630 h 174039"/>
+              <a:gd name="connsiteX3" fmla="*/ 0 w 473678"/>
+              <a:gd name="connsiteY3" fmla="*/ 128257 h 174039"/>
+              <a:gd name="connsiteX4" fmla="*/ 208875 w 473678"/>
+              <a:gd name="connsiteY4" fmla="*/ 12971 h 174039"/>
+              <a:gd name="connsiteX0" fmla="*/ 236447 w 473678"/>
+              <a:gd name="connsiteY0" fmla="*/ 10412 h 174039"/>
+              <a:gd name="connsiteX1" fmla="*/ 473678 w 473678"/>
+              <a:gd name="connsiteY1" fmla="*/ 45783 h 174039"/>
+              <a:gd name="connsiteX2" fmla="*/ 237230 w 473678"/>
+              <a:gd name="connsiteY2" fmla="*/ 163630 h 174039"/>
+              <a:gd name="connsiteX3" fmla="*/ 0 w 473678"/>
+              <a:gd name="connsiteY3" fmla="*/ 128257 h 174039"/>
+              <a:gd name="connsiteX4" fmla="*/ 236451 w 473678"/>
+              <a:gd name="connsiteY4" fmla="*/ 10411 h 174039"/>
+              <a:gd name="connsiteX0" fmla="*/ 252120 w 473678"/>
+              <a:gd name="connsiteY0" fmla="*/ 10922 h 173794"/>
+              <a:gd name="connsiteX1" fmla="*/ 473678 w 473678"/>
+              <a:gd name="connsiteY1" fmla="*/ 45538 h 173794"/>
+              <a:gd name="connsiteX2" fmla="*/ 237230 w 473678"/>
+              <a:gd name="connsiteY2" fmla="*/ 163385 h 173794"/>
+              <a:gd name="connsiteX3" fmla="*/ 0 w 473678"/>
+              <a:gd name="connsiteY3" fmla="*/ 128012 h 173794"/>
+              <a:gd name="connsiteX4" fmla="*/ 236451 w 473678"/>
+              <a:gd name="connsiteY4" fmla="*/ 10166 h 173794"/>
+              <a:gd name="connsiteX0" fmla="*/ 252120 w 473678"/>
+              <a:gd name="connsiteY0" fmla="*/ 4639 h 167511"/>
+              <a:gd name="connsiteX1" fmla="*/ 473678 w 473678"/>
+              <a:gd name="connsiteY1" fmla="*/ 39255 h 167511"/>
+              <a:gd name="connsiteX2" fmla="*/ 237230 w 473678"/>
+              <a:gd name="connsiteY2" fmla="*/ 157102 h 167511"/>
+              <a:gd name="connsiteX3" fmla="*/ 0 w 473678"/>
+              <a:gd name="connsiteY3" fmla="*/ 121729 h 167511"/>
+              <a:gd name="connsiteX4" fmla="*/ 236451 w 473678"/>
+              <a:gd name="connsiteY4" fmla="*/ 3883 h 167511"/>
+              <a:gd name="connsiteX0" fmla="*/ 252120 w 475039"/>
+              <a:gd name="connsiteY0" fmla="*/ 1946 h 164818"/>
+              <a:gd name="connsiteX1" fmla="*/ 473678 w 475039"/>
+              <a:gd name="connsiteY1" fmla="*/ 36562 h 164818"/>
+              <a:gd name="connsiteX2" fmla="*/ 237230 w 475039"/>
+              <a:gd name="connsiteY2" fmla="*/ 154409 h 164818"/>
+              <a:gd name="connsiteX3" fmla="*/ 0 w 475039"/>
+              <a:gd name="connsiteY3" fmla="*/ 119036 h 164818"/>
+              <a:gd name="connsiteX4" fmla="*/ 236451 w 475039"/>
+              <a:gd name="connsiteY4" fmla="*/ 1190 h 164818"/>
+              <a:gd name="connsiteX0" fmla="*/ 252120 w 480143"/>
+              <a:gd name="connsiteY0" fmla="*/ 1880 h 164752"/>
+              <a:gd name="connsiteX1" fmla="*/ 479655 w 480143"/>
+              <a:gd name="connsiteY1" fmla="*/ 60824 h 164752"/>
+              <a:gd name="connsiteX2" fmla="*/ 237230 w 480143"/>
+              <a:gd name="connsiteY2" fmla="*/ 154343 h 164752"/>
+              <a:gd name="connsiteX3" fmla="*/ 0 w 480143"/>
+              <a:gd name="connsiteY3" fmla="*/ 118970 h 164752"/>
+              <a:gd name="connsiteX4" fmla="*/ 236451 w 480143"/>
+              <a:gd name="connsiteY4" fmla="*/ 1124 h 164752"/>
+              <a:gd name="connsiteX0" fmla="*/ 252120 w 480143"/>
+              <a:gd name="connsiteY0" fmla="*/ 1880 h 164752"/>
+              <a:gd name="connsiteX1" fmla="*/ 479655 w 480143"/>
+              <a:gd name="connsiteY1" fmla="*/ 60824 h 164752"/>
+              <a:gd name="connsiteX2" fmla="*/ 237230 w 480143"/>
+              <a:gd name="connsiteY2" fmla="*/ 154343 h 164752"/>
+              <a:gd name="connsiteX3" fmla="*/ 0 w 480143"/>
+              <a:gd name="connsiteY3" fmla="*/ 118970 h 164752"/>
+              <a:gd name="connsiteX4" fmla="*/ 236451 w 480143"/>
+              <a:gd name="connsiteY4" fmla="*/ 1124 h 164752"/>
+              <a:gd name="connsiteX0" fmla="*/ 252120 w 480143"/>
+              <a:gd name="connsiteY0" fmla="*/ 1880 h 164752"/>
+              <a:gd name="connsiteX1" fmla="*/ 479655 w 480143"/>
+              <a:gd name="connsiteY1" fmla="*/ 60824 h 164752"/>
+              <a:gd name="connsiteX2" fmla="*/ 237230 w 480143"/>
+              <a:gd name="connsiteY2" fmla="*/ 154343 h 164752"/>
+              <a:gd name="connsiteX3" fmla="*/ 0 w 480143"/>
+              <a:gd name="connsiteY3" fmla="*/ 118970 h 164752"/>
+              <a:gd name="connsiteX4" fmla="*/ 236451 w 480143"/>
+              <a:gd name="connsiteY4" fmla="*/ 1124 h 164752"/>
+              <a:gd name="connsiteX0" fmla="*/ 252120 w 480143"/>
+              <a:gd name="connsiteY0" fmla="*/ 1880 h 164507"/>
+              <a:gd name="connsiteX1" fmla="*/ 479655 w 480143"/>
+              <a:gd name="connsiteY1" fmla="*/ 60824 h 164507"/>
+              <a:gd name="connsiteX2" fmla="*/ 221556 w 480143"/>
+              <a:gd name="connsiteY2" fmla="*/ 153587 h 164507"/>
+              <a:gd name="connsiteX3" fmla="*/ 0 w 480143"/>
+              <a:gd name="connsiteY3" fmla="*/ 118970 h 164507"/>
+              <a:gd name="connsiteX4" fmla="*/ 236451 w 480143"/>
+              <a:gd name="connsiteY4" fmla="*/ 1124 h 164507"/>
+              <a:gd name="connsiteX0" fmla="*/ 252120 w 480143"/>
+              <a:gd name="connsiteY0" fmla="*/ 1880 h 158224"/>
+              <a:gd name="connsiteX1" fmla="*/ 479655 w 480143"/>
+              <a:gd name="connsiteY1" fmla="*/ 60824 h 158224"/>
+              <a:gd name="connsiteX2" fmla="*/ 221556 w 480143"/>
+              <a:gd name="connsiteY2" fmla="*/ 153587 h 158224"/>
+              <a:gd name="connsiteX3" fmla="*/ 0 w 480143"/>
+              <a:gd name="connsiteY3" fmla="*/ 118970 h 158224"/>
+              <a:gd name="connsiteX4" fmla="*/ 236451 w 480143"/>
+              <a:gd name="connsiteY4" fmla="*/ 1124 h 158224"/>
+              <a:gd name="connsiteX0" fmla="*/ 253481 w 481504"/>
+              <a:gd name="connsiteY0" fmla="*/ 1880 h 155531"/>
+              <a:gd name="connsiteX1" fmla="*/ 481016 w 481504"/>
+              <a:gd name="connsiteY1" fmla="*/ 60824 h 155531"/>
+              <a:gd name="connsiteX2" fmla="*/ 222917 w 481504"/>
+              <a:gd name="connsiteY2" fmla="*/ 153587 h 155531"/>
+              <a:gd name="connsiteX3" fmla="*/ 1361 w 481504"/>
+              <a:gd name="connsiteY3" fmla="*/ 118970 h 155531"/>
+              <a:gd name="connsiteX4" fmla="*/ 237812 w 481504"/>
+              <a:gd name="connsiteY4" fmla="*/ 1124 h 155531"/>
+              <a:gd name="connsiteX0" fmla="*/ 258585 w 486608"/>
+              <a:gd name="connsiteY0" fmla="*/ 1880 h 155465"/>
+              <a:gd name="connsiteX1" fmla="*/ 486120 w 486608"/>
+              <a:gd name="connsiteY1" fmla="*/ 60824 h 155465"/>
+              <a:gd name="connsiteX2" fmla="*/ 228021 w 486608"/>
+              <a:gd name="connsiteY2" fmla="*/ 153587 h 155465"/>
+              <a:gd name="connsiteX3" fmla="*/ 488 w 486608"/>
+              <a:gd name="connsiteY3" fmla="*/ 94641 h 155465"/>
+              <a:gd name="connsiteX4" fmla="*/ 242916 w 486608"/>
+              <a:gd name="connsiteY4" fmla="*/ 1124 h 155465"/>
+              <a:gd name="connsiteX0" fmla="*/ 258585 w 486608"/>
+              <a:gd name="connsiteY0" fmla="*/ 1880 h 155465"/>
+              <a:gd name="connsiteX1" fmla="*/ 486120 w 486608"/>
+              <a:gd name="connsiteY1" fmla="*/ 60824 h 155465"/>
+              <a:gd name="connsiteX2" fmla="*/ 228021 w 486608"/>
+              <a:gd name="connsiteY2" fmla="*/ 153587 h 155465"/>
+              <a:gd name="connsiteX3" fmla="*/ 488 w 486608"/>
+              <a:gd name="connsiteY3" fmla="*/ 94641 h 155465"/>
+              <a:gd name="connsiteX4" fmla="*/ 242916 w 486608"/>
+              <a:gd name="connsiteY4" fmla="*/ 1124 h 155465"/>
+              <a:gd name="connsiteX0" fmla="*/ 258585 w 486608"/>
+              <a:gd name="connsiteY0" fmla="*/ 1880 h 155465"/>
+              <a:gd name="connsiteX1" fmla="*/ 486120 w 486608"/>
+              <a:gd name="connsiteY1" fmla="*/ 60824 h 155465"/>
+              <a:gd name="connsiteX2" fmla="*/ 228021 w 486608"/>
+              <a:gd name="connsiteY2" fmla="*/ 153587 h 155465"/>
+              <a:gd name="connsiteX3" fmla="*/ 488 w 486608"/>
+              <a:gd name="connsiteY3" fmla="*/ 94641 h 155465"/>
+              <a:gd name="connsiteX4" fmla="*/ 242916 w 486608"/>
+              <a:gd name="connsiteY4" fmla="*/ 1124 h 155465"/>
+              <a:gd name="connsiteX0" fmla="*/ 258585 w 486608"/>
+              <a:gd name="connsiteY0" fmla="*/ 1880 h 155465"/>
+              <a:gd name="connsiteX1" fmla="*/ 486120 w 486608"/>
+              <a:gd name="connsiteY1" fmla="*/ 60824 h 155465"/>
+              <a:gd name="connsiteX2" fmla="*/ 228021 w 486608"/>
+              <a:gd name="connsiteY2" fmla="*/ 153587 h 155465"/>
+              <a:gd name="connsiteX3" fmla="*/ 488 w 486608"/>
+              <a:gd name="connsiteY3" fmla="*/ 94641 h 155465"/>
+              <a:gd name="connsiteX4" fmla="*/ 258589 w 486608"/>
+              <a:gd name="connsiteY4" fmla="*/ 1879 h 155465"/>
+              <a:gd name="connsiteX0" fmla="*/ 243234 w 486608"/>
+              <a:gd name="connsiteY0" fmla="*/ 1618 h 155959"/>
+              <a:gd name="connsiteX1" fmla="*/ 486120 w 486608"/>
+              <a:gd name="connsiteY1" fmla="*/ 61318 h 155959"/>
+              <a:gd name="connsiteX2" fmla="*/ 228021 w 486608"/>
+              <a:gd name="connsiteY2" fmla="*/ 154081 h 155959"/>
+              <a:gd name="connsiteX3" fmla="*/ 488 w 486608"/>
+              <a:gd name="connsiteY3" fmla="*/ 95135 h 155959"/>
+              <a:gd name="connsiteX4" fmla="*/ 258589 w 486608"/>
+              <a:gd name="connsiteY4" fmla="*/ 2373 h 155959"/>
+              <a:gd name="connsiteX0" fmla="*/ 243234 w 486538"/>
+              <a:gd name="connsiteY0" fmla="*/ 6455 h 160796"/>
+              <a:gd name="connsiteX1" fmla="*/ 486120 w 486538"/>
+              <a:gd name="connsiteY1" fmla="*/ 66155 h 160796"/>
+              <a:gd name="connsiteX2" fmla="*/ 228021 w 486538"/>
+              <a:gd name="connsiteY2" fmla="*/ 158918 h 160796"/>
+              <a:gd name="connsiteX3" fmla="*/ 488 w 486538"/>
+              <a:gd name="connsiteY3" fmla="*/ 99972 h 160796"/>
+              <a:gd name="connsiteX4" fmla="*/ 258589 w 486538"/>
+              <a:gd name="connsiteY4" fmla="*/ 7210 h 160796"/>
+              <a:gd name="connsiteX0" fmla="*/ 243234 w 486120"/>
+              <a:gd name="connsiteY0" fmla="*/ 9581 h 163922"/>
+              <a:gd name="connsiteX1" fmla="*/ 486120 w 486120"/>
+              <a:gd name="connsiteY1" fmla="*/ 69281 h 163922"/>
+              <a:gd name="connsiteX2" fmla="*/ 228021 w 486120"/>
+              <a:gd name="connsiteY2" fmla="*/ 162044 h 163922"/>
+              <a:gd name="connsiteX3" fmla="*/ 488 w 486120"/>
+              <a:gd name="connsiteY3" fmla="*/ 103098 h 163922"/>
+              <a:gd name="connsiteX4" fmla="*/ 258589 w 486120"/>
+              <a:gd name="connsiteY4" fmla="*/ 10336 h 163922"/>
+              <a:gd name="connsiteX0" fmla="*/ 243234 w 480315"/>
+              <a:gd name="connsiteY0" fmla="*/ 10179 h 164520"/>
+              <a:gd name="connsiteX1" fmla="*/ 480315 w 480315"/>
+              <a:gd name="connsiteY1" fmla="*/ 46043 h 164520"/>
+              <a:gd name="connsiteX2" fmla="*/ 228021 w 480315"/>
+              <a:gd name="connsiteY2" fmla="*/ 162642 h 164520"/>
+              <a:gd name="connsiteX3" fmla="*/ 488 w 480315"/>
+              <a:gd name="connsiteY3" fmla="*/ 103696 h 164520"/>
+              <a:gd name="connsiteX4" fmla="*/ 258589 w 480315"/>
+              <a:gd name="connsiteY4" fmla="*/ 10934 h 164520"/>
+              <a:gd name="connsiteX0" fmla="*/ 243234 w 480315"/>
+              <a:gd name="connsiteY0" fmla="*/ 10179 h 164520"/>
+              <a:gd name="connsiteX1" fmla="*/ 480315 w 480315"/>
+              <a:gd name="connsiteY1" fmla="*/ 46043 h 164520"/>
+              <a:gd name="connsiteX2" fmla="*/ 228021 w 480315"/>
+              <a:gd name="connsiteY2" fmla="*/ 162642 h 164520"/>
+              <a:gd name="connsiteX3" fmla="*/ 488 w 480315"/>
+              <a:gd name="connsiteY3" fmla="*/ 103696 h 164520"/>
+              <a:gd name="connsiteX4" fmla="*/ 258589 w 480315"/>
+              <a:gd name="connsiteY4" fmla="*/ 10934 h 164520"/>
+              <a:gd name="connsiteX0" fmla="*/ 243234 w 480315"/>
+              <a:gd name="connsiteY0" fmla="*/ 10179 h 164520"/>
+              <a:gd name="connsiteX1" fmla="*/ 480315 w 480315"/>
+              <a:gd name="connsiteY1" fmla="*/ 46043 h 164520"/>
+              <a:gd name="connsiteX2" fmla="*/ 228021 w 480315"/>
+              <a:gd name="connsiteY2" fmla="*/ 162642 h 164520"/>
+              <a:gd name="connsiteX3" fmla="*/ 488 w 480315"/>
+              <a:gd name="connsiteY3" fmla="*/ 103696 h 164520"/>
+              <a:gd name="connsiteX4" fmla="*/ 258589 w 480315"/>
+              <a:gd name="connsiteY4" fmla="*/ 10934 h 164520"/>
+              <a:gd name="connsiteX0" fmla="*/ 243234 w 480315"/>
+              <a:gd name="connsiteY0" fmla="*/ 10179 h 165014"/>
+              <a:gd name="connsiteX1" fmla="*/ 480315 w 480315"/>
+              <a:gd name="connsiteY1" fmla="*/ 46043 h 165014"/>
+              <a:gd name="connsiteX2" fmla="*/ 243374 w 480315"/>
+              <a:gd name="connsiteY2" fmla="*/ 163397 h 165014"/>
+              <a:gd name="connsiteX3" fmla="*/ 488 w 480315"/>
+              <a:gd name="connsiteY3" fmla="*/ 103696 h 165014"/>
+              <a:gd name="connsiteX4" fmla="*/ 258589 w 480315"/>
+              <a:gd name="connsiteY4" fmla="*/ 10934 h 165014"/>
+              <a:gd name="connsiteX0" fmla="*/ 243165 w 480246"/>
+              <a:gd name="connsiteY0" fmla="*/ 10179 h 169851"/>
+              <a:gd name="connsiteX1" fmla="*/ 480246 w 480246"/>
+              <a:gd name="connsiteY1" fmla="*/ 46043 h 169851"/>
+              <a:gd name="connsiteX2" fmla="*/ 243305 w 480246"/>
+              <a:gd name="connsiteY2" fmla="*/ 163397 h 169851"/>
+              <a:gd name="connsiteX3" fmla="*/ 419 w 480246"/>
+              <a:gd name="connsiteY3" fmla="*/ 103696 h 169851"/>
+              <a:gd name="connsiteX4" fmla="*/ 258520 w 480246"/>
+              <a:gd name="connsiteY4" fmla="*/ 10934 h 169851"/>
+              <a:gd name="connsiteX0" fmla="*/ 242746 w 479827"/>
+              <a:gd name="connsiteY0" fmla="*/ 10179 h 172977"/>
+              <a:gd name="connsiteX1" fmla="*/ 479827 w 479827"/>
+              <a:gd name="connsiteY1" fmla="*/ 46043 h 172977"/>
+              <a:gd name="connsiteX2" fmla="*/ 242886 w 479827"/>
+              <a:gd name="connsiteY2" fmla="*/ 163397 h 172977"/>
+              <a:gd name="connsiteX3" fmla="*/ 0 w 479827"/>
+              <a:gd name="connsiteY3" fmla="*/ 103696 h 172977"/>
+              <a:gd name="connsiteX4" fmla="*/ 258101 w 479827"/>
+              <a:gd name="connsiteY4" fmla="*/ 10934 h 172977"/>
+              <a:gd name="connsiteX0" fmla="*/ 236941 w 474022"/>
+              <a:gd name="connsiteY0" fmla="*/ 10179 h 173576"/>
+              <a:gd name="connsiteX1" fmla="*/ 474022 w 474022"/>
+              <a:gd name="connsiteY1" fmla="*/ 46043 h 173576"/>
+              <a:gd name="connsiteX2" fmla="*/ 237081 w 474022"/>
+              <a:gd name="connsiteY2" fmla="*/ 163397 h 173576"/>
+              <a:gd name="connsiteX3" fmla="*/ 0 w 474022"/>
+              <a:gd name="connsiteY3" fmla="*/ 127532 h 173576"/>
+              <a:gd name="connsiteX4" fmla="*/ 252296 w 474022"/>
+              <a:gd name="connsiteY4" fmla="*/ 10934 h 173576"/>
+              <a:gd name="connsiteX0" fmla="*/ 236941 w 474022"/>
+              <a:gd name="connsiteY0" fmla="*/ 10179 h 173576"/>
+              <a:gd name="connsiteX1" fmla="*/ 474022 w 474022"/>
+              <a:gd name="connsiteY1" fmla="*/ 46043 h 173576"/>
+              <a:gd name="connsiteX2" fmla="*/ 237081 w 474022"/>
+              <a:gd name="connsiteY2" fmla="*/ 163397 h 173576"/>
+              <a:gd name="connsiteX3" fmla="*/ 0 w 474022"/>
+              <a:gd name="connsiteY3" fmla="*/ 127532 h 173576"/>
+              <a:gd name="connsiteX4" fmla="*/ 252296 w 474022"/>
+              <a:gd name="connsiteY4" fmla="*/ 10934 h 173576"/>
+              <a:gd name="connsiteX0" fmla="*/ 236941 w 474022"/>
+              <a:gd name="connsiteY0" fmla="*/ 10179 h 173576"/>
+              <a:gd name="connsiteX1" fmla="*/ 474022 w 474022"/>
+              <a:gd name="connsiteY1" fmla="*/ 46043 h 173576"/>
+              <a:gd name="connsiteX2" fmla="*/ 237081 w 474022"/>
+              <a:gd name="connsiteY2" fmla="*/ 163397 h 173576"/>
+              <a:gd name="connsiteX3" fmla="*/ 0 w 474022"/>
+              <a:gd name="connsiteY3" fmla="*/ 127532 h 173576"/>
+              <a:gd name="connsiteX4" fmla="*/ 252296 w 474022"/>
+              <a:gd name="connsiteY4" fmla="*/ 10934 h 173576"/>
+              <a:gd name="connsiteX0" fmla="*/ 236941 w 474022"/>
+              <a:gd name="connsiteY0" fmla="*/ 10179 h 173576"/>
+              <a:gd name="connsiteX1" fmla="*/ 474022 w 474022"/>
+              <a:gd name="connsiteY1" fmla="*/ 46043 h 173576"/>
+              <a:gd name="connsiteX2" fmla="*/ 237081 w 474022"/>
+              <a:gd name="connsiteY2" fmla="*/ 163397 h 173576"/>
+              <a:gd name="connsiteX3" fmla="*/ 0 w 474022"/>
+              <a:gd name="connsiteY3" fmla="*/ 127532 h 173576"/>
+              <a:gd name="connsiteX4" fmla="*/ 236945 w 474022"/>
+              <a:gd name="connsiteY4" fmla="*/ 10178 h 173576"/>
+              <a:gd name="connsiteX0" fmla="*/ 231601 w 474022"/>
+              <a:gd name="connsiteY0" fmla="*/ 10248 h 173544"/>
+              <a:gd name="connsiteX1" fmla="*/ 474022 w 474022"/>
+              <a:gd name="connsiteY1" fmla="*/ 46011 h 173544"/>
+              <a:gd name="connsiteX2" fmla="*/ 237081 w 474022"/>
+              <a:gd name="connsiteY2" fmla="*/ 163365 h 173544"/>
+              <a:gd name="connsiteX3" fmla="*/ 0 w 474022"/>
+              <a:gd name="connsiteY3" fmla="*/ 127500 h 173544"/>
+              <a:gd name="connsiteX4" fmla="*/ 236945 w 474022"/>
+              <a:gd name="connsiteY4" fmla="*/ 10146 h 173544"/>
+              <a:gd name="connsiteX0" fmla="*/ 231601 w 474022"/>
+              <a:gd name="connsiteY0" fmla="*/ 12322 h 175618"/>
+              <a:gd name="connsiteX1" fmla="*/ 474022 w 474022"/>
+              <a:gd name="connsiteY1" fmla="*/ 48085 h 175618"/>
+              <a:gd name="connsiteX2" fmla="*/ 237081 w 474022"/>
+              <a:gd name="connsiteY2" fmla="*/ 165439 h 175618"/>
+              <a:gd name="connsiteX3" fmla="*/ 0 w 474022"/>
+              <a:gd name="connsiteY3" fmla="*/ 129574 h 175618"/>
+              <a:gd name="connsiteX4" fmla="*/ 236945 w 474022"/>
+              <a:gd name="connsiteY4" fmla="*/ 12220 h 175618"/>
+              <a:gd name="connsiteX0" fmla="*/ 231601 w 474022"/>
+              <a:gd name="connsiteY0" fmla="*/ 14197 h 177493"/>
+              <a:gd name="connsiteX1" fmla="*/ 474022 w 474022"/>
+              <a:gd name="connsiteY1" fmla="*/ 49960 h 177493"/>
+              <a:gd name="connsiteX2" fmla="*/ 237081 w 474022"/>
+              <a:gd name="connsiteY2" fmla="*/ 167314 h 177493"/>
+              <a:gd name="connsiteX3" fmla="*/ 0 w 474022"/>
+              <a:gd name="connsiteY3" fmla="*/ 131449 h 177493"/>
+              <a:gd name="connsiteX4" fmla="*/ 236945 w 474022"/>
+              <a:gd name="connsiteY4" fmla="*/ 14095 h 177493"/>
+              <a:gd name="connsiteX0" fmla="*/ 231601 w 470946"/>
+              <a:gd name="connsiteY0" fmla="*/ 14582 h 177878"/>
+              <a:gd name="connsiteX1" fmla="*/ 470877 w 470946"/>
+              <a:gd name="connsiteY1" fmla="*/ 41677 h 177878"/>
+              <a:gd name="connsiteX2" fmla="*/ 237081 w 470946"/>
+              <a:gd name="connsiteY2" fmla="*/ 167699 h 177878"/>
+              <a:gd name="connsiteX3" fmla="*/ 0 w 470946"/>
+              <a:gd name="connsiteY3" fmla="*/ 131834 h 177878"/>
+              <a:gd name="connsiteX4" fmla="*/ 236945 w 470946"/>
+              <a:gd name="connsiteY4" fmla="*/ 14480 h 177878"/>
+              <a:gd name="connsiteX0" fmla="*/ 231601 w 470938"/>
+              <a:gd name="connsiteY0" fmla="*/ 14582 h 177878"/>
+              <a:gd name="connsiteX1" fmla="*/ 470877 w 470938"/>
+              <a:gd name="connsiteY1" fmla="*/ 41677 h 177878"/>
+              <a:gd name="connsiteX2" fmla="*/ 237081 w 470938"/>
+              <a:gd name="connsiteY2" fmla="*/ 167699 h 177878"/>
+              <a:gd name="connsiteX3" fmla="*/ 0 w 470938"/>
+              <a:gd name="connsiteY3" fmla="*/ 131834 h 177878"/>
+              <a:gd name="connsiteX4" fmla="*/ 236945 w 470938"/>
+              <a:gd name="connsiteY4" fmla="*/ 14480 h 177878"/>
+              <a:gd name="connsiteX0" fmla="*/ 231601 w 470941"/>
+              <a:gd name="connsiteY0" fmla="*/ 14582 h 177878"/>
+              <a:gd name="connsiteX1" fmla="*/ 470877 w 470941"/>
+              <a:gd name="connsiteY1" fmla="*/ 41677 h 177878"/>
+              <a:gd name="connsiteX2" fmla="*/ 237081 w 470941"/>
+              <a:gd name="connsiteY2" fmla="*/ 167699 h 177878"/>
+              <a:gd name="connsiteX3" fmla="*/ 0 w 470941"/>
+              <a:gd name="connsiteY3" fmla="*/ 131834 h 177878"/>
+              <a:gd name="connsiteX4" fmla="*/ 236945 w 470941"/>
+              <a:gd name="connsiteY4" fmla="*/ 14480 h 177878"/>
+              <a:gd name="connsiteX0" fmla="*/ 231601 w 470940"/>
+              <a:gd name="connsiteY0" fmla="*/ 14582 h 177844"/>
+              <a:gd name="connsiteX1" fmla="*/ 470877 w 470940"/>
+              <a:gd name="connsiteY1" fmla="*/ 41677 h 177844"/>
+              <a:gd name="connsiteX2" fmla="*/ 242422 w 470940"/>
+              <a:gd name="connsiteY2" fmla="*/ 167599 h 177844"/>
+              <a:gd name="connsiteX3" fmla="*/ 0 w 470940"/>
+              <a:gd name="connsiteY3" fmla="*/ 131834 h 177844"/>
+              <a:gd name="connsiteX4" fmla="*/ 236945 w 470940"/>
+              <a:gd name="connsiteY4" fmla="*/ 14480 h 177844"/>
+              <a:gd name="connsiteX0" fmla="*/ 231601 w 470940"/>
+              <a:gd name="connsiteY0" fmla="*/ 14582 h 179919"/>
+              <a:gd name="connsiteX1" fmla="*/ 470877 w 470940"/>
+              <a:gd name="connsiteY1" fmla="*/ 41677 h 179919"/>
+              <a:gd name="connsiteX2" fmla="*/ 242422 w 470940"/>
+              <a:gd name="connsiteY2" fmla="*/ 167599 h 179919"/>
+              <a:gd name="connsiteX3" fmla="*/ 0 w 470940"/>
+              <a:gd name="connsiteY3" fmla="*/ 131834 h 179919"/>
+              <a:gd name="connsiteX4" fmla="*/ 236945 w 470940"/>
+              <a:gd name="connsiteY4" fmla="*/ 14480 h 179919"/>
+              <a:gd name="connsiteX0" fmla="*/ 231601 w 470940"/>
+              <a:gd name="connsiteY0" fmla="*/ 14582 h 181795"/>
+              <a:gd name="connsiteX1" fmla="*/ 470877 w 470940"/>
+              <a:gd name="connsiteY1" fmla="*/ 41677 h 181795"/>
+              <a:gd name="connsiteX2" fmla="*/ 242422 w 470940"/>
+              <a:gd name="connsiteY2" fmla="*/ 167599 h 181795"/>
+              <a:gd name="connsiteX3" fmla="*/ 0 w 470940"/>
+              <a:gd name="connsiteY3" fmla="*/ 131834 h 181795"/>
+              <a:gd name="connsiteX4" fmla="*/ 236945 w 470940"/>
+              <a:gd name="connsiteY4" fmla="*/ 14480 h 181795"/>
+              <a:gd name="connsiteX0" fmla="*/ 228526 w 467865"/>
+              <a:gd name="connsiteY0" fmla="*/ 14582 h 182180"/>
+              <a:gd name="connsiteX1" fmla="*/ 467802 w 467865"/>
+              <a:gd name="connsiteY1" fmla="*/ 41677 h 182180"/>
+              <a:gd name="connsiteX2" fmla="*/ 239347 w 467865"/>
+              <a:gd name="connsiteY2" fmla="*/ 167599 h 182180"/>
+              <a:gd name="connsiteX3" fmla="*/ 70 w 467865"/>
+              <a:gd name="connsiteY3" fmla="*/ 140503 h 182180"/>
+              <a:gd name="connsiteX4" fmla="*/ 233870 w 467865"/>
+              <a:gd name="connsiteY4" fmla="*/ 14480 h 182180"/>
+              <a:gd name="connsiteX0" fmla="*/ 228518 w 467857"/>
+              <a:gd name="connsiteY0" fmla="*/ 14582 h 182180"/>
+              <a:gd name="connsiteX1" fmla="*/ 467794 w 467857"/>
+              <a:gd name="connsiteY1" fmla="*/ 41677 h 182180"/>
+              <a:gd name="connsiteX2" fmla="*/ 239339 w 467857"/>
+              <a:gd name="connsiteY2" fmla="*/ 167599 h 182180"/>
+              <a:gd name="connsiteX3" fmla="*/ 62 w 467857"/>
+              <a:gd name="connsiteY3" fmla="*/ 140503 h 182180"/>
+              <a:gd name="connsiteX4" fmla="*/ 233862 w 467857"/>
+              <a:gd name="connsiteY4" fmla="*/ 14480 h 182180"/>
+              <a:gd name="connsiteX0" fmla="*/ 228519 w 467858"/>
+              <a:gd name="connsiteY0" fmla="*/ 14582 h 182180"/>
+              <a:gd name="connsiteX1" fmla="*/ 467795 w 467858"/>
+              <a:gd name="connsiteY1" fmla="*/ 41677 h 182180"/>
+              <a:gd name="connsiteX2" fmla="*/ 239340 w 467858"/>
+              <a:gd name="connsiteY2" fmla="*/ 167599 h 182180"/>
+              <a:gd name="connsiteX3" fmla="*/ 63 w 467858"/>
+              <a:gd name="connsiteY3" fmla="*/ 140503 h 182180"/>
+              <a:gd name="connsiteX4" fmla="*/ 233863 w 467858"/>
+              <a:gd name="connsiteY4" fmla="*/ 14480 h 182180"/>
+              <a:gd name="connsiteX0" fmla="*/ 228519 w 467858"/>
+              <a:gd name="connsiteY0" fmla="*/ 14582 h 182180"/>
+              <a:gd name="connsiteX1" fmla="*/ 467795 w 467858"/>
+              <a:gd name="connsiteY1" fmla="*/ 41677 h 182180"/>
+              <a:gd name="connsiteX2" fmla="*/ 239340 w 467858"/>
+              <a:gd name="connsiteY2" fmla="*/ 167599 h 182180"/>
+              <a:gd name="connsiteX3" fmla="*/ 63 w 467858"/>
+              <a:gd name="connsiteY3" fmla="*/ 140503 h 182180"/>
+              <a:gd name="connsiteX4" fmla="*/ 228523 w 467858"/>
+              <a:gd name="connsiteY4" fmla="*/ 14580 h 182180"/>
+              <a:gd name="connsiteX0" fmla="*/ 235878 w 467858"/>
+              <a:gd name="connsiteY0" fmla="*/ 14517 h 182203"/>
+              <a:gd name="connsiteX1" fmla="*/ 467795 w 467858"/>
+              <a:gd name="connsiteY1" fmla="*/ 41700 h 182203"/>
+              <a:gd name="connsiteX2" fmla="*/ 239340 w 467858"/>
+              <a:gd name="connsiteY2" fmla="*/ 167622 h 182203"/>
+              <a:gd name="connsiteX3" fmla="*/ 63 w 467858"/>
+              <a:gd name="connsiteY3" fmla="*/ 140526 h 182203"/>
+              <a:gd name="connsiteX4" fmla="*/ 228523 w 467858"/>
+              <a:gd name="connsiteY4" fmla="*/ 14603 h 182203"/>
+              <a:gd name="connsiteX0" fmla="*/ 235878 w 467858"/>
+              <a:gd name="connsiteY0" fmla="*/ 11636 h 179322"/>
+              <a:gd name="connsiteX1" fmla="*/ 467795 w 467858"/>
+              <a:gd name="connsiteY1" fmla="*/ 38819 h 179322"/>
+              <a:gd name="connsiteX2" fmla="*/ 239340 w 467858"/>
+              <a:gd name="connsiteY2" fmla="*/ 164741 h 179322"/>
+              <a:gd name="connsiteX3" fmla="*/ 63 w 467858"/>
+              <a:gd name="connsiteY3" fmla="*/ 137645 h 179322"/>
+              <a:gd name="connsiteX4" fmla="*/ 228523 w 467858"/>
+              <a:gd name="connsiteY4" fmla="*/ 11722 h 179322"/>
+              <a:gd name="connsiteX0" fmla="*/ 235878 w 467982"/>
+              <a:gd name="connsiteY0" fmla="*/ 8982 h 176668"/>
+              <a:gd name="connsiteX1" fmla="*/ 467795 w 467982"/>
+              <a:gd name="connsiteY1" fmla="*/ 36165 h 176668"/>
+              <a:gd name="connsiteX2" fmla="*/ 239340 w 467982"/>
+              <a:gd name="connsiteY2" fmla="*/ 162087 h 176668"/>
+              <a:gd name="connsiteX3" fmla="*/ 63 w 467982"/>
+              <a:gd name="connsiteY3" fmla="*/ 134991 h 176668"/>
+              <a:gd name="connsiteX4" fmla="*/ 228523 w 467982"/>
+              <a:gd name="connsiteY4" fmla="*/ 9068 h 176668"/>
+              <a:gd name="connsiteX0" fmla="*/ 235878 w 471979"/>
+              <a:gd name="connsiteY0" fmla="*/ 8683 h 176369"/>
+              <a:gd name="connsiteX1" fmla="*/ 471971 w 471979"/>
+              <a:gd name="connsiteY1" fmla="*/ 47837 h 176369"/>
+              <a:gd name="connsiteX2" fmla="*/ 239340 w 471979"/>
+              <a:gd name="connsiteY2" fmla="*/ 161788 h 176369"/>
+              <a:gd name="connsiteX3" fmla="*/ 63 w 471979"/>
+              <a:gd name="connsiteY3" fmla="*/ 134692 h 176369"/>
+              <a:gd name="connsiteX4" fmla="*/ 228523 w 471979"/>
+              <a:gd name="connsiteY4" fmla="*/ 8769 h 176369"/>
+              <a:gd name="connsiteX0" fmla="*/ 235878 w 471979"/>
+              <a:gd name="connsiteY0" fmla="*/ 8683 h 176369"/>
+              <a:gd name="connsiteX1" fmla="*/ 471971 w 471979"/>
+              <a:gd name="connsiteY1" fmla="*/ 47837 h 176369"/>
+              <a:gd name="connsiteX2" fmla="*/ 239340 w 471979"/>
+              <a:gd name="connsiteY2" fmla="*/ 161788 h 176369"/>
+              <a:gd name="connsiteX3" fmla="*/ 63 w 471979"/>
+              <a:gd name="connsiteY3" fmla="*/ 134692 h 176369"/>
+              <a:gd name="connsiteX4" fmla="*/ 228523 w 471979"/>
+              <a:gd name="connsiteY4" fmla="*/ 8769 h 176369"/>
+              <a:gd name="connsiteX0" fmla="*/ 235878 w 471979"/>
+              <a:gd name="connsiteY0" fmla="*/ 8683 h 176369"/>
+              <a:gd name="connsiteX1" fmla="*/ 471971 w 471979"/>
+              <a:gd name="connsiteY1" fmla="*/ 47837 h 176369"/>
+              <a:gd name="connsiteX2" fmla="*/ 239340 w 471979"/>
+              <a:gd name="connsiteY2" fmla="*/ 161788 h 176369"/>
+              <a:gd name="connsiteX3" fmla="*/ 63 w 471979"/>
+              <a:gd name="connsiteY3" fmla="*/ 134692 h 176369"/>
+              <a:gd name="connsiteX4" fmla="*/ 228523 w 471979"/>
+              <a:gd name="connsiteY4" fmla="*/ 8769 h 176369"/>
+              <a:gd name="connsiteX0" fmla="*/ 235878 w 471979"/>
+              <a:gd name="connsiteY0" fmla="*/ 8683 h 176392"/>
+              <a:gd name="connsiteX1" fmla="*/ 471971 w 471979"/>
+              <a:gd name="connsiteY1" fmla="*/ 47837 h 176392"/>
+              <a:gd name="connsiteX2" fmla="*/ 231980 w 471979"/>
+              <a:gd name="connsiteY2" fmla="*/ 161875 h 176392"/>
+              <a:gd name="connsiteX3" fmla="*/ 63 w 471979"/>
+              <a:gd name="connsiteY3" fmla="*/ 134692 h 176392"/>
+              <a:gd name="connsiteX4" fmla="*/ 228523 w 471979"/>
+              <a:gd name="connsiteY4" fmla="*/ 8769 h 176392"/>
+              <a:gd name="connsiteX0" fmla="*/ 235878 w 471979"/>
+              <a:gd name="connsiteY0" fmla="*/ 8683 h 173509"/>
+              <a:gd name="connsiteX1" fmla="*/ 471971 w 471979"/>
+              <a:gd name="connsiteY1" fmla="*/ 47837 h 173509"/>
+              <a:gd name="connsiteX2" fmla="*/ 231980 w 471979"/>
+              <a:gd name="connsiteY2" fmla="*/ 161875 h 173509"/>
+              <a:gd name="connsiteX3" fmla="*/ 63 w 471979"/>
+              <a:gd name="connsiteY3" fmla="*/ 134692 h 173509"/>
+              <a:gd name="connsiteX4" fmla="*/ 228523 w 471979"/>
+              <a:gd name="connsiteY4" fmla="*/ 8769 h 173509"/>
+              <a:gd name="connsiteX0" fmla="*/ 236002 w 472103"/>
+              <a:gd name="connsiteY0" fmla="*/ 8683 h 170856"/>
+              <a:gd name="connsiteX1" fmla="*/ 472095 w 472103"/>
+              <a:gd name="connsiteY1" fmla="*/ 47837 h 170856"/>
+              <a:gd name="connsiteX2" fmla="*/ 232104 w 472103"/>
+              <a:gd name="connsiteY2" fmla="*/ 161875 h 170856"/>
+              <a:gd name="connsiteX3" fmla="*/ 187 w 472103"/>
+              <a:gd name="connsiteY3" fmla="*/ 134692 h 170856"/>
+              <a:gd name="connsiteX4" fmla="*/ 228647 w 472103"/>
+              <a:gd name="connsiteY4" fmla="*/ 8769 h 170856"/>
+              <a:gd name="connsiteX0" fmla="*/ 239999 w 476100"/>
+              <a:gd name="connsiteY0" fmla="*/ 8683 h 170556"/>
+              <a:gd name="connsiteX1" fmla="*/ 476092 w 476100"/>
+              <a:gd name="connsiteY1" fmla="*/ 47837 h 170556"/>
+              <a:gd name="connsiteX2" fmla="*/ 236101 w 476100"/>
+              <a:gd name="connsiteY2" fmla="*/ 161875 h 170556"/>
+              <a:gd name="connsiteX3" fmla="*/ 8 w 476100"/>
+              <a:gd name="connsiteY3" fmla="*/ 122720 h 170556"/>
+              <a:gd name="connsiteX4" fmla="*/ 232644 w 476100"/>
+              <a:gd name="connsiteY4" fmla="*/ 8769 h 170556"/>
+              <a:gd name="connsiteX0" fmla="*/ 239999 w 476100"/>
+              <a:gd name="connsiteY0" fmla="*/ 8683 h 170556"/>
+              <a:gd name="connsiteX1" fmla="*/ 476092 w 476100"/>
+              <a:gd name="connsiteY1" fmla="*/ 47837 h 170556"/>
+              <a:gd name="connsiteX2" fmla="*/ 236101 w 476100"/>
+              <a:gd name="connsiteY2" fmla="*/ 161875 h 170556"/>
+              <a:gd name="connsiteX3" fmla="*/ 8 w 476100"/>
+              <a:gd name="connsiteY3" fmla="*/ 122720 h 170556"/>
+              <a:gd name="connsiteX4" fmla="*/ 232644 w 476100"/>
+              <a:gd name="connsiteY4" fmla="*/ 8769 h 170556"/>
+              <a:gd name="connsiteX0" fmla="*/ 239999 w 476100"/>
+              <a:gd name="connsiteY0" fmla="*/ 8683 h 170556"/>
+              <a:gd name="connsiteX1" fmla="*/ 476092 w 476100"/>
+              <a:gd name="connsiteY1" fmla="*/ 47837 h 170556"/>
+              <a:gd name="connsiteX2" fmla="*/ 236101 w 476100"/>
+              <a:gd name="connsiteY2" fmla="*/ 161875 h 170556"/>
+              <a:gd name="connsiteX3" fmla="*/ 8 w 476100"/>
+              <a:gd name="connsiteY3" fmla="*/ 122720 h 170556"/>
+              <a:gd name="connsiteX4" fmla="*/ 232644 w 476100"/>
+              <a:gd name="connsiteY4" fmla="*/ 8769 h 170556"/>
+              <a:gd name="connsiteX0" fmla="*/ 239999 w 476100"/>
+              <a:gd name="connsiteY0" fmla="*/ 8683 h 170556"/>
+              <a:gd name="connsiteX1" fmla="*/ 476092 w 476100"/>
+              <a:gd name="connsiteY1" fmla="*/ 47837 h 170556"/>
+              <a:gd name="connsiteX2" fmla="*/ 236101 w 476100"/>
+              <a:gd name="connsiteY2" fmla="*/ 161875 h 170556"/>
+              <a:gd name="connsiteX3" fmla="*/ 8 w 476100"/>
+              <a:gd name="connsiteY3" fmla="*/ 122720 h 170556"/>
+              <a:gd name="connsiteX4" fmla="*/ 240003 w 476100"/>
+              <a:gd name="connsiteY4" fmla="*/ 8682 h 170556"/>
+            </a:gdLst>
+            <a:ahLst/>
+            <a:cxnLst>
+              <a:cxn ang="0">
+                <a:pos x="connsiteX0" y="connsiteY0"/>
+              </a:cxn>
+              <a:cxn ang="0">
+                <a:pos x="connsiteX1" y="connsiteY1"/>
+              </a:cxn>
+              <a:cxn ang="0">
+                <a:pos x="connsiteX2" y="connsiteY2"/>
+              </a:cxn>
+              <a:cxn ang="0">
+                <a:pos x="connsiteX3" y="connsiteY3"/>
+              </a:cxn>
+              <a:cxn ang="0">
+                <a:pos x="connsiteX4" y="connsiteY4"/>
+              </a:cxn>
+            </a:cxnLst>
+            <a:rect l="l" t="t" r="r" b="b"/>
+            <a:pathLst>
+              <a:path w="476100" h="170556">
+                <a:moveTo>
+                  <a:pt x="239999" y="8683"/>
+                </a:moveTo>
+                <a:cubicBezTo>
+                  <a:pt x="371467" y="-11998"/>
+                  <a:pt x="477169" y="5532"/>
+                  <a:pt x="476092" y="47837"/>
+                </a:cubicBezTo>
+                <a:cubicBezTo>
+                  <a:pt x="475015" y="90141"/>
+                  <a:pt x="367569" y="141198"/>
+                  <a:pt x="236101" y="161875"/>
+                </a:cubicBezTo>
+                <a:cubicBezTo>
+                  <a:pt x="104636" y="182554"/>
+                  <a:pt x="-1069" y="165027"/>
+                  <a:pt x="8" y="122720"/>
+                </a:cubicBezTo>
+                <a:cubicBezTo>
+                  <a:pt x="1085" y="80418"/>
+                  <a:pt x="108534" y="29362"/>
+                  <a:pt x="240003" y="8682"/>
+                </a:cubicBezTo>
+                <a:close/>
+              </a:path>
+            </a:pathLst>
+          </a:custGeom>
+          <a:solidFill>
+            <a:srgbClr val="FFFFFF"/>
+          </a:solidFill>
+          <a:ln>
+            <a:solidFill>
+              <a:srgbClr val="0070C0"/>
+            </a:solidFill>
+          </a:ln>
+        </p:spPr>
+        <p:style>
+          <a:lnRef idx="2">
+            <a:schemeClr val="accent1">
+              <a:shade val="50000"/>
+            </a:schemeClr>
+          </a:lnRef>
+          <a:fillRef idx="1">
+            <a:schemeClr val="accent1"/>
+          </a:fillRef>
+          <a:effectRef idx="0">
+            <a:schemeClr val="accent1"/>
+          </a:effectRef>
+          <a:fontRef idx="minor">
+            <a:schemeClr val="lt1"/>
+          </a:fontRef>
+        </p:style>
+        <p:txBody>
+          <a:bodyPr bIns="57600" rtlCol="0" anchor="b" anchorCtr="0"/>
+          <a:lstStyle/>
+          <a:p>
+            <a:pPr algn="ctr"/>
+            <a:r>
+              <a:rPr lang="en-US" sz="900" dirty="0">
+                <a:solidFill>
+                  <a:srgbClr val="0070C0"/>
+                </a:solidFill>
+              </a:rPr>
+              <a:t>▴</a:t>
+            </a:r>
+            <a:endParaRPr lang="en-US" sz="900" dirty="0"/>
+          </a:p>
+        </p:txBody>
+      </p:sp>
+      <p:sp>
+        <p:nvSpPr>
+          <p:cNvPr id="24" name="Oval 2"/>
+          <p:cNvSpPr>
+            <a:spLocks/>
+          </p:cNvSpPr>
+          <p:nvPr/>
+        </p:nvSpPr>
+        <p:spPr>
+          <a:xfrm flipV="1">
+            <a:off x="4324079" y="2191037"/>
+            <a:ext cx="370800" cy="180406"/>
+          </a:xfrm>
+          <a:custGeom>
+            <a:avLst/>
+            <a:gdLst>
+              <a:gd name="connsiteX0" fmla="*/ 0 w 204716"/>
+              <a:gd name="connsiteY0" fmla="*/ 177421 h 354842"/>
+              <a:gd name="connsiteX1" fmla="*/ 102358 w 204716"/>
+              <a:gd name="connsiteY1" fmla="*/ 0 h 354842"/>
+              <a:gd name="connsiteX2" fmla="*/ 204716 w 204716"/>
+              <a:gd name="connsiteY2" fmla="*/ 177421 h 354842"/>
+              <a:gd name="connsiteX3" fmla="*/ 102358 w 204716"/>
+              <a:gd name="connsiteY3" fmla="*/ 354842 h 354842"/>
+              <a:gd name="connsiteX4" fmla="*/ 0 w 204716"/>
+              <a:gd name="connsiteY4" fmla="*/ 177421 h 354842"/>
+              <a:gd name="connsiteX0" fmla="*/ 1269243 w 1473959"/>
+              <a:gd name="connsiteY0" fmla="*/ 2388358 h 2565779"/>
+              <a:gd name="connsiteX1" fmla="*/ 0 w 1473959"/>
+              <a:gd name="connsiteY1" fmla="*/ 0 h 2565779"/>
+              <a:gd name="connsiteX2" fmla="*/ 1371601 w 1473959"/>
+              <a:gd name="connsiteY2" fmla="*/ 2210937 h 2565779"/>
+              <a:gd name="connsiteX3" fmla="*/ 1473959 w 1473959"/>
+              <a:gd name="connsiteY3" fmla="*/ 2388358 h 2565779"/>
+              <a:gd name="connsiteX4" fmla="*/ 1371601 w 1473959"/>
+              <a:gd name="connsiteY4" fmla="*/ 2565779 h 2565779"/>
+              <a:gd name="connsiteX5" fmla="*/ 1269243 w 1473959"/>
+              <a:gd name="connsiteY5" fmla="*/ 2388358 h 2565779"/>
+              <a:gd name="connsiteX0" fmla="*/ 0 w 204716"/>
+              <a:gd name="connsiteY0" fmla="*/ 177421 h 354842"/>
+              <a:gd name="connsiteX1" fmla="*/ 102358 w 204716"/>
+              <a:gd name="connsiteY1" fmla="*/ 0 h 354842"/>
+              <a:gd name="connsiteX2" fmla="*/ 204716 w 204716"/>
+              <a:gd name="connsiteY2" fmla="*/ 177421 h 354842"/>
+              <a:gd name="connsiteX3" fmla="*/ 102358 w 204716"/>
+              <a:gd name="connsiteY3" fmla="*/ 354842 h 354842"/>
+              <a:gd name="connsiteX4" fmla="*/ 0 w 204716"/>
+              <a:gd name="connsiteY4" fmla="*/ 177421 h 354842"/>
+              <a:gd name="connsiteX0" fmla="*/ 6989 w 204716"/>
+              <a:gd name="connsiteY0" fmla="*/ 140246 h 354842"/>
+              <a:gd name="connsiteX1" fmla="*/ 102358 w 204716"/>
+              <a:gd name="connsiteY1" fmla="*/ 0 h 354842"/>
+              <a:gd name="connsiteX2" fmla="*/ 204716 w 204716"/>
+              <a:gd name="connsiteY2" fmla="*/ 177421 h 354842"/>
+              <a:gd name="connsiteX3" fmla="*/ 102358 w 204716"/>
+              <a:gd name="connsiteY3" fmla="*/ 354842 h 354842"/>
+              <a:gd name="connsiteX4" fmla="*/ 0 w 204716"/>
+              <a:gd name="connsiteY4" fmla="*/ 177421 h 354842"/>
+              <a:gd name="connsiteX0" fmla="*/ 6989 w 204716"/>
+              <a:gd name="connsiteY0" fmla="*/ 140246 h 354842"/>
+              <a:gd name="connsiteX1" fmla="*/ 102358 w 204716"/>
+              <a:gd name="connsiteY1" fmla="*/ 0 h 354842"/>
+              <a:gd name="connsiteX2" fmla="*/ 204716 w 204716"/>
+              <a:gd name="connsiteY2" fmla="*/ 177421 h 354842"/>
+              <a:gd name="connsiteX3" fmla="*/ 102358 w 204716"/>
+              <a:gd name="connsiteY3" fmla="*/ 354842 h 354842"/>
+              <a:gd name="connsiteX4" fmla="*/ 0 w 204716"/>
+              <a:gd name="connsiteY4" fmla="*/ 177421 h 354842"/>
+              <a:gd name="connsiteX0" fmla="*/ 6989 w 204716"/>
+              <a:gd name="connsiteY0" fmla="*/ 141062 h 355658"/>
+              <a:gd name="connsiteX1" fmla="*/ 102358 w 204716"/>
+              <a:gd name="connsiteY1" fmla="*/ 816 h 355658"/>
+              <a:gd name="connsiteX2" fmla="*/ 204716 w 204716"/>
+              <a:gd name="connsiteY2" fmla="*/ 178237 h 355658"/>
+              <a:gd name="connsiteX3" fmla="*/ 102358 w 204716"/>
+              <a:gd name="connsiteY3" fmla="*/ 355658 h 355658"/>
+              <a:gd name="connsiteX4" fmla="*/ 0 w 204716"/>
+              <a:gd name="connsiteY4" fmla="*/ 178237 h 355658"/>
+              <a:gd name="connsiteX0" fmla="*/ 6989 w 204716"/>
+              <a:gd name="connsiteY0" fmla="*/ 132297 h 346893"/>
+              <a:gd name="connsiteX1" fmla="*/ 166795 w 204716"/>
+              <a:gd name="connsiteY1" fmla="*/ 4166 h 346893"/>
+              <a:gd name="connsiteX2" fmla="*/ 204716 w 204716"/>
+              <a:gd name="connsiteY2" fmla="*/ 169472 h 346893"/>
+              <a:gd name="connsiteX3" fmla="*/ 102358 w 204716"/>
+              <a:gd name="connsiteY3" fmla="*/ 346893 h 346893"/>
+              <a:gd name="connsiteX4" fmla="*/ 0 w 204716"/>
+              <a:gd name="connsiteY4" fmla="*/ 169472 h 346893"/>
+              <a:gd name="connsiteX0" fmla="*/ 6989 w 206617"/>
+              <a:gd name="connsiteY0" fmla="*/ 132297 h 346893"/>
+              <a:gd name="connsiteX1" fmla="*/ 166795 w 206617"/>
+              <a:gd name="connsiteY1" fmla="*/ 4166 h 346893"/>
+              <a:gd name="connsiteX2" fmla="*/ 204716 w 206617"/>
+              <a:gd name="connsiteY2" fmla="*/ 169472 h 346893"/>
+              <a:gd name="connsiteX3" fmla="*/ 102358 w 206617"/>
+              <a:gd name="connsiteY3" fmla="*/ 346893 h 346893"/>
+              <a:gd name="connsiteX4" fmla="*/ 0 w 206617"/>
+              <a:gd name="connsiteY4" fmla="*/ 169472 h 346893"/>
+              <a:gd name="connsiteX0" fmla="*/ 6989 w 219308"/>
+              <a:gd name="connsiteY0" fmla="*/ 132297 h 346893"/>
+              <a:gd name="connsiteX1" fmla="*/ 166795 w 219308"/>
+              <a:gd name="connsiteY1" fmla="*/ 4166 h 346893"/>
+              <a:gd name="connsiteX2" fmla="*/ 204716 w 219308"/>
+              <a:gd name="connsiteY2" fmla="*/ 169472 h 346893"/>
+              <a:gd name="connsiteX3" fmla="*/ 102358 w 219308"/>
+              <a:gd name="connsiteY3" fmla="*/ 346893 h 346893"/>
+              <a:gd name="connsiteX4" fmla="*/ 0 w 219308"/>
+              <a:gd name="connsiteY4" fmla="*/ 169472 h 346893"/>
+              <a:gd name="connsiteX0" fmla="*/ 6989 w 217466"/>
+              <a:gd name="connsiteY0" fmla="*/ 132297 h 346893"/>
+              <a:gd name="connsiteX1" fmla="*/ 166795 w 217466"/>
+              <a:gd name="connsiteY1" fmla="*/ 4166 h 346893"/>
+              <a:gd name="connsiteX2" fmla="*/ 197726 w 217466"/>
+              <a:gd name="connsiteY2" fmla="*/ 206647 h 346893"/>
+              <a:gd name="connsiteX3" fmla="*/ 102358 w 217466"/>
+              <a:gd name="connsiteY3" fmla="*/ 346893 h 346893"/>
+              <a:gd name="connsiteX4" fmla="*/ 0 w 217466"/>
+              <a:gd name="connsiteY4" fmla="*/ 169472 h 346893"/>
+              <a:gd name="connsiteX0" fmla="*/ 6989 w 217466"/>
+              <a:gd name="connsiteY0" fmla="*/ 132297 h 346893"/>
+              <a:gd name="connsiteX1" fmla="*/ 166795 w 217466"/>
+              <a:gd name="connsiteY1" fmla="*/ 4166 h 346893"/>
+              <a:gd name="connsiteX2" fmla="*/ 197726 w 217466"/>
+              <a:gd name="connsiteY2" fmla="*/ 206647 h 346893"/>
+              <a:gd name="connsiteX3" fmla="*/ 102358 w 217466"/>
+              <a:gd name="connsiteY3" fmla="*/ 346893 h 346893"/>
+              <a:gd name="connsiteX4" fmla="*/ 0 w 217466"/>
+              <a:gd name="connsiteY4" fmla="*/ 169472 h 346893"/>
+              <a:gd name="connsiteX0" fmla="*/ 6989 w 217466"/>
+              <a:gd name="connsiteY0" fmla="*/ 132297 h 347709"/>
+              <a:gd name="connsiteX1" fmla="*/ 166795 w 217466"/>
+              <a:gd name="connsiteY1" fmla="*/ 4166 h 347709"/>
+              <a:gd name="connsiteX2" fmla="*/ 197726 w 217466"/>
+              <a:gd name="connsiteY2" fmla="*/ 206647 h 347709"/>
+              <a:gd name="connsiteX3" fmla="*/ 102358 w 217466"/>
+              <a:gd name="connsiteY3" fmla="*/ 346893 h 347709"/>
+              <a:gd name="connsiteX4" fmla="*/ 0 w 217466"/>
+              <a:gd name="connsiteY4" fmla="*/ 169472 h 347709"/>
+              <a:gd name="connsiteX0" fmla="*/ 6989 w 217466"/>
+              <a:gd name="connsiteY0" fmla="*/ 132297 h 338943"/>
+              <a:gd name="connsiteX1" fmla="*/ 166795 w 217466"/>
+              <a:gd name="connsiteY1" fmla="*/ 4166 h 338943"/>
+              <a:gd name="connsiteX2" fmla="*/ 197726 w 217466"/>
+              <a:gd name="connsiteY2" fmla="*/ 206647 h 338943"/>
+              <a:gd name="connsiteX3" fmla="*/ 37920 w 217466"/>
+              <a:gd name="connsiteY3" fmla="*/ 334778 h 338943"/>
+              <a:gd name="connsiteX4" fmla="*/ 0 w 217466"/>
+              <a:gd name="connsiteY4" fmla="*/ 169472 h 338943"/>
+              <a:gd name="connsiteX0" fmla="*/ 8890 w 219367"/>
+              <a:gd name="connsiteY0" fmla="*/ 132297 h 338943"/>
+              <a:gd name="connsiteX1" fmla="*/ 168696 w 219367"/>
+              <a:gd name="connsiteY1" fmla="*/ 4166 h 338943"/>
+              <a:gd name="connsiteX2" fmla="*/ 199627 w 219367"/>
+              <a:gd name="connsiteY2" fmla="*/ 206647 h 338943"/>
+              <a:gd name="connsiteX3" fmla="*/ 39821 w 219367"/>
+              <a:gd name="connsiteY3" fmla="*/ 334778 h 338943"/>
+              <a:gd name="connsiteX4" fmla="*/ 1901 w 219367"/>
+              <a:gd name="connsiteY4" fmla="*/ 169472 h 338943"/>
+              <a:gd name="connsiteX0" fmla="*/ 21581 w 232058"/>
+              <a:gd name="connsiteY0" fmla="*/ 132297 h 338943"/>
+              <a:gd name="connsiteX1" fmla="*/ 181387 w 232058"/>
+              <a:gd name="connsiteY1" fmla="*/ 4166 h 338943"/>
+              <a:gd name="connsiteX2" fmla="*/ 212318 w 232058"/>
+              <a:gd name="connsiteY2" fmla="*/ 206647 h 338943"/>
+              <a:gd name="connsiteX3" fmla="*/ 52512 w 232058"/>
+              <a:gd name="connsiteY3" fmla="*/ 334778 h 338943"/>
+              <a:gd name="connsiteX4" fmla="*/ 14592 w 232058"/>
+              <a:gd name="connsiteY4" fmla="*/ 169472 h 338943"/>
+              <a:gd name="connsiteX0" fmla="*/ 19740 w 230217"/>
+              <a:gd name="connsiteY0" fmla="*/ 132297 h 338943"/>
+              <a:gd name="connsiteX1" fmla="*/ 179546 w 230217"/>
+              <a:gd name="connsiteY1" fmla="*/ 4166 h 338943"/>
+              <a:gd name="connsiteX2" fmla="*/ 210477 w 230217"/>
+              <a:gd name="connsiteY2" fmla="*/ 206647 h 338943"/>
+              <a:gd name="connsiteX3" fmla="*/ 50671 w 230217"/>
+              <a:gd name="connsiteY3" fmla="*/ 334778 h 338943"/>
+              <a:gd name="connsiteX4" fmla="*/ 19740 w 230217"/>
+              <a:gd name="connsiteY4" fmla="*/ 132297 h 338943"/>
+              <a:gd name="connsiteX0" fmla="*/ 87141 w 230217"/>
+              <a:gd name="connsiteY0" fmla="*/ 95521 h 339042"/>
+              <a:gd name="connsiteX1" fmla="*/ 179546 w 230217"/>
+              <a:gd name="connsiteY1" fmla="*/ 4265 h 339042"/>
+              <a:gd name="connsiteX2" fmla="*/ 210477 w 230217"/>
+              <a:gd name="connsiteY2" fmla="*/ 206746 h 339042"/>
+              <a:gd name="connsiteX3" fmla="*/ 50671 w 230217"/>
+              <a:gd name="connsiteY3" fmla="*/ 334877 h 339042"/>
+              <a:gd name="connsiteX4" fmla="*/ 19740 w 230217"/>
+              <a:gd name="connsiteY4" fmla="*/ 132396 h 339042"/>
+              <a:gd name="connsiteX0" fmla="*/ 87141 w 230217"/>
+              <a:gd name="connsiteY0" fmla="*/ 95089 h 338610"/>
+              <a:gd name="connsiteX1" fmla="*/ 179546 w 230217"/>
+              <a:gd name="connsiteY1" fmla="*/ 3833 h 338610"/>
+              <a:gd name="connsiteX2" fmla="*/ 210477 w 230217"/>
+              <a:gd name="connsiteY2" fmla="*/ 206314 h 338610"/>
+              <a:gd name="connsiteX3" fmla="*/ 50671 w 230217"/>
+              <a:gd name="connsiteY3" fmla="*/ 334445 h 338610"/>
+              <a:gd name="connsiteX4" fmla="*/ 19740 w 230217"/>
+              <a:gd name="connsiteY4" fmla="*/ 131964 h 338610"/>
+              <a:gd name="connsiteX0" fmla="*/ 87141 w 241635"/>
+              <a:gd name="connsiteY0" fmla="*/ 91256 h 334777"/>
+              <a:gd name="connsiteX1" fmla="*/ 179546 w 241635"/>
+              <a:gd name="connsiteY1" fmla="*/ 0 h 334777"/>
+              <a:gd name="connsiteX2" fmla="*/ 210477 w 241635"/>
+              <a:gd name="connsiteY2" fmla="*/ 202481 h 334777"/>
+              <a:gd name="connsiteX3" fmla="*/ 50671 w 241635"/>
+              <a:gd name="connsiteY3" fmla="*/ 330612 h 334777"/>
+              <a:gd name="connsiteX4" fmla="*/ 19740 w 241635"/>
+              <a:gd name="connsiteY4" fmla="*/ 128131 h 334777"/>
+              <a:gd name="connsiteX0" fmla="*/ 87141 w 329396"/>
+              <a:gd name="connsiteY0" fmla="*/ 36419 h 279940"/>
+              <a:gd name="connsiteX1" fmla="*/ 329396 w 329396"/>
+              <a:gd name="connsiteY1" fmla="*/ 28494 h 279940"/>
+              <a:gd name="connsiteX2" fmla="*/ 210477 w 329396"/>
+              <a:gd name="connsiteY2" fmla="*/ 147644 h 279940"/>
+              <a:gd name="connsiteX3" fmla="*/ 50671 w 329396"/>
+              <a:gd name="connsiteY3" fmla="*/ 275775 h 279940"/>
+              <a:gd name="connsiteX4" fmla="*/ 19740 w 329396"/>
+              <a:gd name="connsiteY4" fmla="*/ 73294 h 279940"/>
+              <a:gd name="connsiteX0" fmla="*/ 87141 w 331021"/>
+              <a:gd name="connsiteY0" fmla="*/ 36419 h 279940"/>
+              <a:gd name="connsiteX1" fmla="*/ 329396 w 331021"/>
+              <a:gd name="connsiteY1" fmla="*/ 28494 h 279940"/>
+              <a:gd name="connsiteX2" fmla="*/ 210477 w 331021"/>
+              <a:gd name="connsiteY2" fmla="*/ 147644 h 279940"/>
+              <a:gd name="connsiteX3" fmla="*/ 50671 w 331021"/>
+              <a:gd name="connsiteY3" fmla="*/ 275775 h 279940"/>
+              <a:gd name="connsiteX4" fmla="*/ 19740 w 331021"/>
+              <a:gd name="connsiteY4" fmla="*/ 73294 h 279940"/>
+              <a:gd name="connsiteX0" fmla="*/ 87141 w 331273"/>
+              <a:gd name="connsiteY0" fmla="*/ 36419 h 279940"/>
+              <a:gd name="connsiteX1" fmla="*/ 329396 w 331273"/>
+              <a:gd name="connsiteY1" fmla="*/ 28494 h 279940"/>
+              <a:gd name="connsiteX2" fmla="*/ 210477 w 331273"/>
+              <a:gd name="connsiteY2" fmla="*/ 147644 h 279940"/>
+              <a:gd name="connsiteX3" fmla="*/ 50671 w 331273"/>
+              <a:gd name="connsiteY3" fmla="*/ 275775 h 279940"/>
+              <a:gd name="connsiteX4" fmla="*/ 19740 w 331273"/>
+              <a:gd name="connsiteY4" fmla="*/ 73294 h 279940"/>
+              <a:gd name="connsiteX0" fmla="*/ 87141 w 331237"/>
+              <a:gd name="connsiteY0" fmla="*/ 36419 h 280040"/>
+              <a:gd name="connsiteX1" fmla="*/ 329396 w 331237"/>
+              <a:gd name="connsiteY1" fmla="*/ 28494 h 280040"/>
+              <a:gd name="connsiteX2" fmla="*/ 143073 w 331237"/>
+              <a:gd name="connsiteY2" fmla="*/ 184517 h 280040"/>
+              <a:gd name="connsiteX3" fmla="*/ 50671 w 331237"/>
+              <a:gd name="connsiteY3" fmla="*/ 275775 h 280040"/>
+              <a:gd name="connsiteX4" fmla="*/ 19740 w 331237"/>
+              <a:gd name="connsiteY4" fmla="*/ 73294 h 280040"/>
+              <a:gd name="connsiteX0" fmla="*/ 87141 w 331236"/>
+              <a:gd name="connsiteY0" fmla="*/ 36419 h 279607"/>
+              <a:gd name="connsiteX1" fmla="*/ 329396 w 331236"/>
+              <a:gd name="connsiteY1" fmla="*/ 28494 h 279607"/>
+              <a:gd name="connsiteX2" fmla="*/ 143073 w 331236"/>
+              <a:gd name="connsiteY2" fmla="*/ 184517 h 279607"/>
+              <a:gd name="connsiteX3" fmla="*/ 50671 w 331236"/>
+              <a:gd name="connsiteY3" fmla="*/ 275775 h 279607"/>
+              <a:gd name="connsiteX4" fmla="*/ 19740 w 331236"/>
+              <a:gd name="connsiteY4" fmla="*/ 73294 h 279607"/>
+              <a:gd name="connsiteX0" fmla="*/ 98561 w 342656"/>
+              <a:gd name="connsiteY0" fmla="*/ 36419 h 275775"/>
+              <a:gd name="connsiteX1" fmla="*/ 340816 w 342656"/>
+              <a:gd name="connsiteY1" fmla="*/ 28494 h 275775"/>
+              <a:gd name="connsiteX2" fmla="*/ 154493 w 342656"/>
+              <a:gd name="connsiteY2" fmla="*/ 184517 h 275775"/>
+              <a:gd name="connsiteX3" fmla="*/ 62091 w 342656"/>
+              <a:gd name="connsiteY3" fmla="*/ 275775 h 275775"/>
+              <a:gd name="connsiteX4" fmla="*/ 31160 w 342656"/>
+              <a:gd name="connsiteY4" fmla="*/ 73294 h 275775"/>
+              <a:gd name="connsiteX0" fmla="*/ 186322 w 430417"/>
+              <a:gd name="connsiteY0" fmla="*/ 36419 h 220934"/>
+              <a:gd name="connsiteX1" fmla="*/ 428577 w 430417"/>
+              <a:gd name="connsiteY1" fmla="*/ 28494 h 220934"/>
+              <a:gd name="connsiteX2" fmla="*/ 242254 w 430417"/>
+              <a:gd name="connsiteY2" fmla="*/ 184517 h 220934"/>
+              <a:gd name="connsiteX3" fmla="*/ 0 w 430417"/>
+              <a:gd name="connsiteY3" fmla="*/ 192440 h 220934"/>
+              <a:gd name="connsiteX4" fmla="*/ 118921 w 430417"/>
+              <a:gd name="connsiteY4" fmla="*/ 73294 h 220934"/>
+              <a:gd name="connsiteX0" fmla="*/ 187947 w 432042"/>
+              <a:gd name="connsiteY0" fmla="*/ 36419 h 220934"/>
+              <a:gd name="connsiteX1" fmla="*/ 430202 w 432042"/>
+              <a:gd name="connsiteY1" fmla="*/ 28494 h 220934"/>
+              <a:gd name="connsiteX2" fmla="*/ 243879 w 432042"/>
+              <a:gd name="connsiteY2" fmla="*/ 184517 h 220934"/>
+              <a:gd name="connsiteX3" fmla="*/ 1625 w 432042"/>
+              <a:gd name="connsiteY3" fmla="*/ 192440 h 220934"/>
+              <a:gd name="connsiteX4" fmla="*/ 120546 w 432042"/>
+              <a:gd name="connsiteY4" fmla="*/ 73294 h 220934"/>
+              <a:gd name="connsiteX0" fmla="*/ 188199 w 432294"/>
+              <a:gd name="connsiteY0" fmla="*/ 36419 h 220934"/>
+              <a:gd name="connsiteX1" fmla="*/ 430454 w 432294"/>
+              <a:gd name="connsiteY1" fmla="*/ 28494 h 220934"/>
+              <a:gd name="connsiteX2" fmla="*/ 244131 w 432294"/>
+              <a:gd name="connsiteY2" fmla="*/ 184517 h 220934"/>
+              <a:gd name="connsiteX3" fmla="*/ 1877 w 432294"/>
+              <a:gd name="connsiteY3" fmla="*/ 192440 h 220934"/>
+              <a:gd name="connsiteX4" fmla="*/ 120798 w 432294"/>
+              <a:gd name="connsiteY4" fmla="*/ 73294 h 220934"/>
+              <a:gd name="connsiteX0" fmla="*/ 188164 w 432259"/>
+              <a:gd name="connsiteY0" fmla="*/ 36419 h 220934"/>
+              <a:gd name="connsiteX1" fmla="*/ 430419 w 432259"/>
+              <a:gd name="connsiteY1" fmla="*/ 28494 h 220934"/>
+              <a:gd name="connsiteX2" fmla="*/ 244096 w 432259"/>
+              <a:gd name="connsiteY2" fmla="*/ 184517 h 220934"/>
+              <a:gd name="connsiteX3" fmla="*/ 1842 w 432259"/>
+              <a:gd name="connsiteY3" fmla="*/ 192440 h 220934"/>
+              <a:gd name="connsiteX4" fmla="*/ 188166 w 432259"/>
+              <a:gd name="connsiteY4" fmla="*/ 36418 h 220934"/>
+              <a:gd name="connsiteX0" fmla="*/ 215738 w 432259"/>
+              <a:gd name="connsiteY0" fmla="*/ 34124 h 221199"/>
+              <a:gd name="connsiteX1" fmla="*/ 430419 w 432259"/>
+              <a:gd name="connsiteY1" fmla="*/ 28759 h 221199"/>
+              <a:gd name="connsiteX2" fmla="*/ 244096 w 432259"/>
+              <a:gd name="connsiteY2" fmla="*/ 184782 h 221199"/>
+              <a:gd name="connsiteX3" fmla="*/ 1842 w 432259"/>
+              <a:gd name="connsiteY3" fmla="*/ 192705 h 221199"/>
+              <a:gd name="connsiteX4" fmla="*/ 188166 w 432259"/>
+              <a:gd name="connsiteY4" fmla="*/ 36683 h 221199"/>
+              <a:gd name="connsiteX0" fmla="*/ 215738 w 432259"/>
+              <a:gd name="connsiteY0" fmla="*/ 27704 h 214779"/>
+              <a:gd name="connsiteX1" fmla="*/ 430419 w 432259"/>
+              <a:gd name="connsiteY1" fmla="*/ 22339 h 214779"/>
+              <a:gd name="connsiteX2" fmla="*/ 244096 w 432259"/>
+              <a:gd name="connsiteY2" fmla="*/ 178362 h 214779"/>
+              <a:gd name="connsiteX3" fmla="*/ 1842 w 432259"/>
+              <a:gd name="connsiteY3" fmla="*/ 186285 h 214779"/>
+              <a:gd name="connsiteX4" fmla="*/ 188166 w 432259"/>
+              <a:gd name="connsiteY4" fmla="*/ 30263 h 214779"/>
+              <a:gd name="connsiteX0" fmla="*/ 215738 w 433402"/>
+              <a:gd name="connsiteY0" fmla="*/ 12187 h 199262"/>
+              <a:gd name="connsiteX1" fmla="*/ 430419 w 433402"/>
+              <a:gd name="connsiteY1" fmla="*/ 6822 h 199262"/>
+              <a:gd name="connsiteX2" fmla="*/ 244096 w 433402"/>
+              <a:gd name="connsiteY2" fmla="*/ 162845 h 199262"/>
+              <a:gd name="connsiteX3" fmla="*/ 1842 w 433402"/>
+              <a:gd name="connsiteY3" fmla="*/ 170768 h 199262"/>
+              <a:gd name="connsiteX4" fmla="*/ 188166 w 433402"/>
+              <a:gd name="connsiteY4" fmla="*/ 14746 h 199262"/>
+              <a:gd name="connsiteX0" fmla="*/ 215738 w 452969"/>
+              <a:gd name="connsiteY0" fmla="*/ 10412 h 197487"/>
+              <a:gd name="connsiteX1" fmla="*/ 452969 w 452969"/>
+              <a:gd name="connsiteY1" fmla="*/ 45783 h 197487"/>
+              <a:gd name="connsiteX2" fmla="*/ 244096 w 452969"/>
+              <a:gd name="connsiteY2" fmla="*/ 161070 h 197487"/>
+              <a:gd name="connsiteX3" fmla="*/ 1842 w 452969"/>
+              <a:gd name="connsiteY3" fmla="*/ 168993 h 197487"/>
+              <a:gd name="connsiteX4" fmla="*/ 188166 w 452969"/>
+              <a:gd name="connsiteY4" fmla="*/ 12971 h 197487"/>
+              <a:gd name="connsiteX0" fmla="*/ 215738 w 452969"/>
+              <a:gd name="connsiteY0" fmla="*/ 10412 h 197487"/>
+              <a:gd name="connsiteX1" fmla="*/ 452969 w 452969"/>
+              <a:gd name="connsiteY1" fmla="*/ 45783 h 197487"/>
+              <a:gd name="connsiteX2" fmla="*/ 244096 w 452969"/>
+              <a:gd name="connsiteY2" fmla="*/ 161070 h 197487"/>
+              <a:gd name="connsiteX3" fmla="*/ 1842 w 452969"/>
+              <a:gd name="connsiteY3" fmla="*/ 168993 h 197487"/>
+              <a:gd name="connsiteX4" fmla="*/ 188166 w 452969"/>
+              <a:gd name="connsiteY4" fmla="*/ 12971 h 197487"/>
+              <a:gd name="connsiteX0" fmla="*/ 215738 w 452969"/>
+              <a:gd name="connsiteY0" fmla="*/ 10412 h 197487"/>
+              <a:gd name="connsiteX1" fmla="*/ 452969 w 452969"/>
+              <a:gd name="connsiteY1" fmla="*/ 45783 h 197487"/>
+              <a:gd name="connsiteX2" fmla="*/ 244096 w 452969"/>
+              <a:gd name="connsiteY2" fmla="*/ 161070 h 197487"/>
+              <a:gd name="connsiteX3" fmla="*/ 1842 w 452969"/>
+              <a:gd name="connsiteY3" fmla="*/ 168993 h 197487"/>
+              <a:gd name="connsiteX4" fmla="*/ 188166 w 452969"/>
+              <a:gd name="connsiteY4" fmla="*/ 12971 h 197487"/>
+              <a:gd name="connsiteX0" fmla="*/ 215738 w 452969"/>
+              <a:gd name="connsiteY0" fmla="*/ 10412 h 197753"/>
+              <a:gd name="connsiteX1" fmla="*/ 452969 w 452969"/>
+              <a:gd name="connsiteY1" fmla="*/ 45783 h 197753"/>
+              <a:gd name="connsiteX2" fmla="*/ 216521 w 452969"/>
+              <a:gd name="connsiteY2" fmla="*/ 163630 h 197753"/>
+              <a:gd name="connsiteX3" fmla="*/ 1842 w 452969"/>
+              <a:gd name="connsiteY3" fmla="*/ 168993 h 197753"/>
+              <a:gd name="connsiteX4" fmla="*/ 188166 w 452969"/>
+              <a:gd name="connsiteY4" fmla="*/ 12971 h 197753"/>
+              <a:gd name="connsiteX0" fmla="*/ 215738 w 452969"/>
+              <a:gd name="connsiteY0" fmla="*/ 10412 h 191332"/>
+              <a:gd name="connsiteX1" fmla="*/ 452969 w 452969"/>
+              <a:gd name="connsiteY1" fmla="*/ 45783 h 191332"/>
+              <a:gd name="connsiteX2" fmla="*/ 216521 w 452969"/>
+              <a:gd name="connsiteY2" fmla="*/ 163630 h 191332"/>
+              <a:gd name="connsiteX3" fmla="*/ 1842 w 452969"/>
+              <a:gd name="connsiteY3" fmla="*/ 168993 h 191332"/>
+              <a:gd name="connsiteX4" fmla="*/ 188166 w 452969"/>
+              <a:gd name="connsiteY4" fmla="*/ 12971 h 191332"/>
+              <a:gd name="connsiteX0" fmla="*/ 216878 w 454109"/>
+              <a:gd name="connsiteY0" fmla="*/ 10412 h 175814"/>
+              <a:gd name="connsiteX1" fmla="*/ 454109 w 454109"/>
+              <a:gd name="connsiteY1" fmla="*/ 45783 h 175814"/>
+              <a:gd name="connsiteX2" fmla="*/ 217661 w 454109"/>
+              <a:gd name="connsiteY2" fmla="*/ 163630 h 175814"/>
+              <a:gd name="connsiteX3" fmla="*/ 2982 w 454109"/>
+              <a:gd name="connsiteY3" fmla="*/ 168993 h 175814"/>
+              <a:gd name="connsiteX4" fmla="*/ 189306 w 454109"/>
+              <a:gd name="connsiteY4" fmla="*/ 12971 h 175814"/>
+              <a:gd name="connsiteX0" fmla="*/ 236447 w 473678"/>
+              <a:gd name="connsiteY0" fmla="*/ 10412 h 174039"/>
+              <a:gd name="connsiteX1" fmla="*/ 473678 w 473678"/>
+              <a:gd name="connsiteY1" fmla="*/ 45783 h 174039"/>
+              <a:gd name="connsiteX2" fmla="*/ 237230 w 473678"/>
+              <a:gd name="connsiteY2" fmla="*/ 163630 h 174039"/>
+              <a:gd name="connsiteX3" fmla="*/ 0 w 473678"/>
+              <a:gd name="connsiteY3" fmla="*/ 128257 h 174039"/>
+              <a:gd name="connsiteX4" fmla="*/ 208875 w 473678"/>
+              <a:gd name="connsiteY4" fmla="*/ 12971 h 174039"/>
+              <a:gd name="connsiteX0" fmla="*/ 236447 w 473678"/>
+              <a:gd name="connsiteY0" fmla="*/ 10412 h 174039"/>
+              <a:gd name="connsiteX1" fmla="*/ 473678 w 473678"/>
+              <a:gd name="connsiteY1" fmla="*/ 45783 h 174039"/>
+              <a:gd name="connsiteX2" fmla="*/ 237230 w 473678"/>
+              <a:gd name="connsiteY2" fmla="*/ 163630 h 174039"/>
+              <a:gd name="connsiteX3" fmla="*/ 0 w 473678"/>
+              <a:gd name="connsiteY3" fmla="*/ 128257 h 174039"/>
+              <a:gd name="connsiteX4" fmla="*/ 208875 w 473678"/>
+              <a:gd name="connsiteY4" fmla="*/ 12971 h 174039"/>
+              <a:gd name="connsiteX0" fmla="*/ 236447 w 473678"/>
+              <a:gd name="connsiteY0" fmla="*/ 10412 h 174039"/>
+              <a:gd name="connsiteX1" fmla="*/ 473678 w 473678"/>
+              <a:gd name="connsiteY1" fmla="*/ 45783 h 174039"/>
+              <a:gd name="connsiteX2" fmla="*/ 237230 w 473678"/>
+              <a:gd name="connsiteY2" fmla="*/ 163630 h 174039"/>
+              <a:gd name="connsiteX3" fmla="*/ 0 w 473678"/>
+              <a:gd name="connsiteY3" fmla="*/ 128257 h 174039"/>
+              <a:gd name="connsiteX4" fmla="*/ 208875 w 473678"/>
+              <a:gd name="connsiteY4" fmla="*/ 12971 h 174039"/>
+              <a:gd name="connsiteX0" fmla="*/ 236447 w 473678"/>
+              <a:gd name="connsiteY0" fmla="*/ 10412 h 174039"/>
+              <a:gd name="connsiteX1" fmla="*/ 473678 w 473678"/>
+              <a:gd name="connsiteY1" fmla="*/ 45783 h 174039"/>
+              <a:gd name="connsiteX2" fmla="*/ 237230 w 473678"/>
+              <a:gd name="connsiteY2" fmla="*/ 163630 h 174039"/>
+              <a:gd name="connsiteX3" fmla="*/ 0 w 473678"/>
+              <a:gd name="connsiteY3" fmla="*/ 128257 h 174039"/>
+              <a:gd name="connsiteX4" fmla="*/ 236451 w 473678"/>
+              <a:gd name="connsiteY4" fmla="*/ 10411 h 174039"/>
+              <a:gd name="connsiteX0" fmla="*/ 252120 w 473678"/>
+              <a:gd name="connsiteY0" fmla="*/ 10922 h 173794"/>
+              <a:gd name="connsiteX1" fmla="*/ 473678 w 473678"/>
+              <a:gd name="connsiteY1" fmla="*/ 45538 h 173794"/>
+              <a:gd name="connsiteX2" fmla="*/ 237230 w 473678"/>
+              <a:gd name="connsiteY2" fmla="*/ 163385 h 173794"/>
+              <a:gd name="connsiteX3" fmla="*/ 0 w 473678"/>
+              <a:gd name="connsiteY3" fmla="*/ 128012 h 173794"/>
+              <a:gd name="connsiteX4" fmla="*/ 236451 w 473678"/>
+              <a:gd name="connsiteY4" fmla="*/ 10166 h 173794"/>
+              <a:gd name="connsiteX0" fmla="*/ 252120 w 473678"/>
+              <a:gd name="connsiteY0" fmla="*/ 4639 h 167511"/>
+              <a:gd name="connsiteX1" fmla="*/ 473678 w 473678"/>
+              <a:gd name="connsiteY1" fmla="*/ 39255 h 167511"/>
+              <a:gd name="connsiteX2" fmla="*/ 237230 w 473678"/>
+              <a:gd name="connsiteY2" fmla="*/ 157102 h 167511"/>
+              <a:gd name="connsiteX3" fmla="*/ 0 w 473678"/>
+              <a:gd name="connsiteY3" fmla="*/ 121729 h 167511"/>
+              <a:gd name="connsiteX4" fmla="*/ 236451 w 473678"/>
+              <a:gd name="connsiteY4" fmla="*/ 3883 h 167511"/>
+              <a:gd name="connsiteX0" fmla="*/ 252120 w 475039"/>
+              <a:gd name="connsiteY0" fmla="*/ 1946 h 164818"/>
+              <a:gd name="connsiteX1" fmla="*/ 473678 w 475039"/>
+              <a:gd name="connsiteY1" fmla="*/ 36562 h 164818"/>
+              <a:gd name="connsiteX2" fmla="*/ 237230 w 475039"/>
+              <a:gd name="connsiteY2" fmla="*/ 154409 h 164818"/>
+              <a:gd name="connsiteX3" fmla="*/ 0 w 475039"/>
+              <a:gd name="connsiteY3" fmla="*/ 119036 h 164818"/>
+              <a:gd name="connsiteX4" fmla="*/ 236451 w 475039"/>
+              <a:gd name="connsiteY4" fmla="*/ 1190 h 164818"/>
+              <a:gd name="connsiteX0" fmla="*/ 252120 w 480143"/>
+              <a:gd name="connsiteY0" fmla="*/ 1880 h 164752"/>
+              <a:gd name="connsiteX1" fmla="*/ 479655 w 480143"/>
+              <a:gd name="connsiteY1" fmla="*/ 60824 h 164752"/>
+              <a:gd name="connsiteX2" fmla="*/ 237230 w 480143"/>
+              <a:gd name="connsiteY2" fmla="*/ 154343 h 164752"/>
+              <a:gd name="connsiteX3" fmla="*/ 0 w 480143"/>
+              <a:gd name="connsiteY3" fmla="*/ 118970 h 164752"/>
+              <a:gd name="connsiteX4" fmla="*/ 236451 w 480143"/>
+              <a:gd name="connsiteY4" fmla="*/ 1124 h 164752"/>
+              <a:gd name="connsiteX0" fmla="*/ 252120 w 480143"/>
+              <a:gd name="connsiteY0" fmla="*/ 1880 h 164752"/>
+              <a:gd name="connsiteX1" fmla="*/ 479655 w 480143"/>
+              <a:gd name="connsiteY1" fmla="*/ 60824 h 164752"/>
+              <a:gd name="connsiteX2" fmla="*/ 237230 w 480143"/>
+              <a:gd name="connsiteY2" fmla="*/ 154343 h 164752"/>
+              <a:gd name="connsiteX3" fmla="*/ 0 w 480143"/>
+              <a:gd name="connsiteY3" fmla="*/ 118970 h 164752"/>
+              <a:gd name="connsiteX4" fmla="*/ 236451 w 480143"/>
+              <a:gd name="connsiteY4" fmla="*/ 1124 h 164752"/>
+              <a:gd name="connsiteX0" fmla="*/ 252120 w 480143"/>
+              <a:gd name="connsiteY0" fmla="*/ 1880 h 164752"/>
+              <a:gd name="connsiteX1" fmla="*/ 479655 w 480143"/>
+              <a:gd name="connsiteY1" fmla="*/ 60824 h 164752"/>
+              <a:gd name="connsiteX2" fmla="*/ 237230 w 480143"/>
+              <a:gd name="connsiteY2" fmla="*/ 154343 h 164752"/>
+              <a:gd name="connsiteX3" fmla="*/ 0 w 480143"/>
+              <a:gd name="connsiteY3" fmla="*/ 118970 h 164752"/>
+              <a:gd name="connsiteX4" fmla="*/ 236451 w 480143"/>
+              <a:gd name="connsiteY4" fmla="*/ 1124 h 164752"/>
+              <a:gd name="connsiteX0" fmla="*/ 252120 w 480143"/>
+              <a:gd name="connsiteY0" fmla="*/ 1880 h 164507"/>
+              <a:gd name="connsiteX1" fmla="*/ 479655 w 480143"/>
+              <a:gd name="connsiteY1" fmla="*/ 60824 h 164507"/>
+              <a:gd name="connsiteX2" fmla="*/ 221556 w 480143"/>
+              <a:gd name="connsiteY2" fmla="*/ 153587 h 164507"/>
+              <a:gd name="connsiteX3" fmla="*/ 0 w 480143"/>
+              <a:gd name="connsiteY3" fmla="*/ 118970 h 164507"/>
+              <a:gd name="connsiteX4" fmla="*/ 236451 w 480143"/>
+              <a:gd name="connsiteY4" fmla="*/ 1124 h 164507"/>
+              <a:gd name="connsiteX0" fmla="*/ 252120 w 480143"/>
+              <a:gd name="connsiteY0" fmla="*/ 1880 h 158224"/>
+              <a:gd name="connsiteX1" fmla="*/ 479655 w 480143"/>
+              <a:gd name="connsiteY1" fmla="*/ 60824 h 158224"/>
+              <a:gd name="connsiteX2" fmla="*/ 221556 w 480143"/>
+              <a:gd name="connsiteY2" fmla="*/ 153587 h 158224"/>
+              <a:gd name="connsiteX3" fmla="*/ 0 w 480143"/>
+              <a:gd name="connsiteY3" fmla="*/ 118970 h 158224"/>
+              <a:gd name="connsiteX4" fmla="*/ 236451 w 480143"/>
+              <a:gd name="connsiteY4" fmla="*/ 1124 h 158224"/>
+              <a:gd name="connsiteX0" fmla="*/ 253481 w 481504"/>
+              <a:gd name="connsiteY0" fmla="*/ 1880 h 155531"/>
+              <a:gd name="connsiteX1" fmla="*/ 481016 w 481504"/>
+              <a:gd name="connsiteY1" fmla="*/ 60824 h 155531"/>
+              <a:gd name="connsiteX2" fmla="*/ 222917 w 481504"/>
+              <a:gd name="connsiteY2" fmla="*/ 153587 h 155531"/>
+              <a:gd name="connsiteX3" fmla="*/ 1361 w 481504"/>
+              <a:gd name="connsiteY3" fmla="*/ 118970 h 155531"/>
+              <a:gd name="connsiteX4" fmla="*/ 237812 w 481504"/>
+              <a:gd name="connsiteY4" fmla="*/ 1124 h 155531"/>
+              <a:gd name="connsiteX0" fmla="*/ 258585 w 486608"/>
+              <a:gd name="connsiteY0" fmla="*/ 1880 h 155465"/>
+              <a:gd name="connsiteX1" fmla="*/ 486120 w 486608"/>
+              <a:gd name="connsiteY1" fmla="*/ 60824 h 155465"/>
+              <a:gd name="connsiteX2" fmla="*/ 228021 w 486608"/>
+              <a:gd name="connsiteY2" fmla="*/ 153587 h 155465"/>
+              <a:gd name="connsiteX3" fmla="*/ 488 w 486608"/>
+              <a:gd name="connsiteY3" fmla="*/ 94641 h 155465"/>
+              <a:gd name="connsiteX4" fmla="*/ 242916 w 486608"/>
+              <a:gd name="connsiteY4" fmla="*/ 1124 h 155465"/>
+              <a:gd name="connsiteX0" fmla="*/ 258585 w 486608"/>
+              <a:gd name="connsiteY0" fmla="*/ 1880 h 155465"/>
+              <a:gd name="connsiteX1" fmla="*/ 486120 w 486608"/>
+              <a:gd name="connsiteY1" fmla="*/ 60824 h 155465"/>
+              <a:gd name="connsiteX2" fmla="*/ 228021 w 486608"/>
+              <a:gd name="connsiteY2" fmla="*/ 153587 h 155465"/>
+              <a:gd name="connsiteX3" fmla="*/ 488 w 486608"/>
+              <a:gd name="connsiteY3" fmla="*/ 94641 h 155465"/>
+              <a:gd name="connsiteX4" fmla="*/ 242916 w 486608"/>
+              <a:gd name="connsiteY4" fmla="*/ 1124 h 155465"/>
+              <a:gd name="connsiteX0" fmla="*/ 258585 w 486608"/>
+              <a:gd name="connsiteY0" fmla="*/ 1880 h 155465"/>
+              <a:gd name="connsiteX1" fmla="*/ 486120 w 486608"/>
+              <a:gd name="connsiteY1" fmla="*/ 60824 h 155465"/>
+              <a:gd name="connsiteX2" fmla="*/ 228021 w 486608"/>
+              <a:gd name="connsiteY2" fmla="*/ 153587 h 155465"/>
+              <a:gd name="connsiteX3" fmla="*/ 488 w 486608"/>
+              <a:gd name="connsiteY3" fmla="*/ 94641 h 155465"/>
+              <a:gd name="connsiteX4" fmla="*/ 242916 w 486608"/>
+              <a:gd name="connsiteY4" fmla="*/ 1124 h 155465"/>
+              <a:gd name="connsiteX0" fmla="*/ 258585 w 486608"/>
+              <a:gd name="connsiteY0" fmla="*/ 1880 h 155465"/>
+              <a:gd name="connsiteX1" fmla="*/ 486120 w 486608"/>
+              <a:gd name="connsiteY1" fmla="*/ 60824 h 155465"/>
+              <a:gd name="connsiteX2" fmla="*/ 228021 w 486608"/>
+              <a:gd name="connsiteY2" fmla="*/ 153587 h 155465"/>
+              <a:gd name="connsiteX3" fmla="*/ 488 w 486608"/>
+              <a:gd name="connsiteY3" fmla="*/ 94641 h 155465"/>
+              <a:gd name="connsiteX4" fmla="*/ 258589 w 486608"/>
+              <a:gd name="connsiteY4" fmla="*/ 1879 h 155465"/>
+              <a:gd name="connsiteX0" fmla="*/ 243234 w 486608"/>
+              <a:gd name="connsiteY0" fmla="*/ 1618 h 155959"/>
+              <a:gd name="connsiteX1" fmla="*/ 486120 w 486608"/>
+              <a:gd name="connsiteY1" fmla="*/ 61318 h 155959"/>
+              <a:gd name="connsiteX2" fmla="*/ 228021 w 486608"/>
+              <a:gd name="connsiteY2" fmla="*/ 154081 h 155959"/>
+              <a:gd name="connsiteX3" fmla="*/ 488 w 486608"/>
+              <a:gd name="connsiteY3" fmla="*/ 95135 h 155959"/>
+              <a:gd name="connsiteX4" fmla="*/ 258589 w 486608"/>
+              <a:gd name="connsiteY4" fmla="*/ 2373 h 155959"/>
+              <a:gd name="connsiteX0" fmla="*/ 243234 w 486538"/>
+              <a:gd name="connsiteY0" fmla="*/ 6455 h 160796"/>
+              <a:gd name="connsiteX1" fmla="*/ 486120 w 486538"/>
+              <a:gd name="connsiteY1" fmla="*/ 66155 h 160796"/>
+              <a:gd name="connsiteX2" fmla="*/ 228021 w 486538"/>
+              <a:gd name="connsiteY2" fmla="*/ 158918 h 160796"/>
+              <a:gd name="connsiteX3" fmla="*/ 488 w 486538"/>
+              <a:gd name="connsiteY3" fmla="*/ 99972 h 160796"/>
+              <a:gd name="connsiteX4" fmla="*/ 258589 w 486538"/>
+              <a:gd name="connsiteY4" fmla="*/ 7210 h 160796"/>
+              <a:gd name="connsiteX0" fmla="*/ 243234 w 486120"/>
+              <a:gd name="connsiteY0" fmla="*/ 9581 h 163922"/>
+              <a:gd name="connsiteX1" fmla="*/ 486120 w 486120"/>
+              <a:gd name="connsiteY1" fmla="*/ 69281 h 163922"/>
+              <a:gd name="connsiteX2" fmla="*/ 228021 w 486120"/>
+              <a:gd name="connsiteY2" fmla="*/ 162044 h 163922"/>
+              <a:gd name="connsiteX3" fmla="*/ 488 w 486120"/>
+              <a:gd name="connsiteY3" fmla="*/ 103098 h 163922"/>
+              <a:gd name="connsiteX4" fmla="*/ 258589 w 486120"/>
+              <a:gd name="connsiteY4" fmla="*/ 10336 h 163922"/>
+              <a:gd name="connsiteX0" fmla="*/ 243234 w 480315"/>
+              <a:gd name="connsiteY0" fmla="*/ 10179 h 164520"/>
+              <a:gd name="connsiteX1" fmla="*/ 480315 w 480315"/>
+              <a:gd name="connsiteY1" fmla="*/ 46043 h 164520"/>
+              <a:gd name="connsiteX2" fmla="*/ 228021 w 480315"/>
+              <a:gd name="connsiteY2" fmla="*/ 162642 h 164520"/>
+              <a:gd name="connsiteX3" fmla="*/ 488 w 480315"/>
+              <a:gd name="connsiteY3" fmla="*/ 103696 h 164520"/>
+              <a:gd name="connsiteX4" fmla="*/ 258589 w 480315"/>
+              <a:gd name="connsiteY4" fmla="*/ 10934 h 164520"/>
+              <a:gd name="connsiteX0" fmla="*/ 243234 w 480315"/>
+              <a:gd name="connsiteY0" fmla="*/ 10179 h 164520"/>
+              <a:gd name="connsiteX1" fmla="*/ 480315 w 480315"/>
+              <a:gd name="connsiteY1" fmla="*/ 46043 h 164520"/>
+              <a:gd name="connsiteX2" fmla="*/ 228021 w 480315"/>
+              <a:gd name="connsiteY2" fmla="*/ 162642 h 164520"/>
+              <a:gd name="connsiteX3" fmla="*/ 488 w 480315"/>
+              <a:gd name="connsiteY3" fmla="*/ 103696 h 164520"/>
+              <a:gd name="connsiteX4" fmla="*/ 258589 w 480315"/>
+              <a:gd name="connsiteY4" fmla="*/ 10934 h 164520"/>
+              <a:gd name="connsiteX0" fmla="*/ 243234 w 480315"/>
+              <a:gd name="connsiteY0" fmla="*/ 10179 h 164520"/>
+              <a:gd name="connsiteX1" fmla="*/ 480315 w 480315"/>
+              <a:gd name="connsiteY1" fmla="*/ 46043 h 164520"/>
+              <a:gd name="connsiteX2" fmla="*/ 228021 w 480315"/>
+              <a:gd name="connsiteY2" fmla="*/ 162642 h 164520"/>
+              <a:gd name="connsiteX3" fmla="*/ 488 w 480315"/>
+              <a:gd name="connsiteY3" fmla="*/ 103696 h 164520"/>
+              <a:gd name="connsiteX4" fmla="*/ 258589 w 480315"/>
+              <a:gd name="connsiteY4" fmla="*/ 10934 h 164520"/>
+              <a:gd name="connsiteX0" fmla="*/ 243234 w 480315"/>
+              <a:gd name="connsiteY0" fmla="*/ 10179 h 165014"/>
+              <a:gd name="connsiteX1" fmla="*/ 480315 w 480315"/>
+              <a:gd name="connsiteY1" fmla="*/ 46043 h 165014"/>
+              <a:gd name="connsiteX2" fmla="*/ 243374 w 480315"/>
+              <a:gd name="connsiteY2" fmla="*/ 163397 h 165014"/>
+              <a:gd name="connsiteX3" fmla="*/ 488 w 480315"/>
+              <a:gd name="connsiteY3" fmla="*/ 103696 h 165014"/>
+              <a:gd name="connsiteX4" fmla="*/ 258589 w 480315"/>
+              <a:gd name="connsiteY4" fmla="*/ 10934 h 165014"/>
+              <a:gd name="connsiteX0" fmla="*/ 243165 w 480246"/>
+              <a:gd name="connsiteY0" fmla="*/ 10179 h 169851"/>
+              <a:gd name="connsiteX1" fmla="*/ 480246 w 480246"/>
+              <a:gd name="connsiteY1" fmla="*/ 46043 h 169851"/>
+              <a:gd name="connsiteX2" fmla="*/ 243305 w 480246"/>
+              <a:gd name="connsiteY2" fmla="*/ 163397 h 169851"/>
+              <a:gd name="connsiteX3" fmla="*/ 419 w 480246"/>
+              <a:gd name="connsiteY3" fmla="*/ 103696 h 169851"/>
+              <a:gd name="connsiteX4" fmla="*/ 258520 w 480246"/>
+              <a:gd name="connsiteY4" fmla="*/ 10934 h 169851"/>
+              <a:gd name="connsiteX0" fmla="*/ 242746 w 479827"/>
+              <a:gd name="connsiteY0" fmla="*/ 10179 h 172977"/>
+              <a:gd name="connsiteX1" fmla="*/ 479827 w 479827"/>
+              <a:gd name="connsiteY1" fmla="*/ 46043 h 172977"/>
+              <a:gd name="connsiteX2" fmla="*/ 242886 w 479827"/>
+              <a:gd name="connsiteY2" fmla="*/ 163397 h 172977"/>
+              <a:gd name="connsiteX3" fmla="*/ 0 w 479827"/>
+              <a:gd name="connsiteY3" fmla="*/ 103696 h 172977"/>
+              <a:gd name="connsiteX4" fmla="*/ 258101 w 479827"/>
+              <a:gd name="connsiteY4" fmla="*/ 10934 h 172977"/>
+              <a:gd name="connsiteX0" fmla="*/ 236941 w 474022"/>
+              <a:gd name="connsiteY0" fmla="*/ 10179 h 173576"/>
+              <a:gd name="connsiteX1" fmla="*/ 474022 w 474022"/>
+              <a:gd name="connsiteY1" fmla="*/ 46043 h 173576"/>
+              <a:gd name="connsiteX2" fmla="*/ 237081 w 474022"/>
+              <a:gd name="connsiteY2" fmla="*/ 163397 h 173576"/>
+              <a:gd name="connsiteX3" fmla="*/ 0 w 474022"/>
+              <a:gd name="connsiteY3" fmla="*/ 127532 h 173576"/>
+              <a:gd name="connsiteX4" fmla="*/ 252296 w 474022"/>
+              <a:gd name="connsiteY4" fmla="*/ 10934 h 173576"/>
+              <a:gd name="connsiteX0" fmla="*/ 236941 w 474022"/>
+              <a:gd name="connsiteY0" fmla="*/ 10179 h 173576"/>
+              <a:gd name="connsiteX1" fmla="*/ 474022 w 474022"/>
+              <a:gd name="connsiteY1" fmla="*/ 46043 h 173576"/>
+              <a:gd name="connsiteX2" fmla="*/ 237081 w 474022"/>
+              <a:gd name="connsiteY2" fmla="*/ 163397 h 173576"/>
+              <a:gd name="connsiteX3" fmla="*/ 0 w 474022"/>
+              <a:gd name="connsiteY3" fmla="*/ 127532 h 173576"/>
+              <a:gd name="connsiteX4" fmla="*/ 252296 w 474022"/>
+              <a:gd name="connsiteY4" fmla="*/ 10934 h 173576"/>
+              <a:gd name="connsiteX0" fmla="*/ 236941 w 474022"/>
+              <a:gd name="connsiteY0" fmla="*/ 10179 h 173576"/>
+              <a:gd name="connsiteX1" fmla="*/ 474022 w 474022"/>
+              <a:gd name="connsiteY1" fmla="*/ 46043 h 173576"/>
+              <a:gd name="connsiteX2" fmla="*/ 237081 w 474022"/>
+              <a:gd name="connsiteY2" fmla="*/ 163397 h 173576"/>
+              <a:gd name="connsiteX3" fmla="*/ 0 w 474022"/>
+              <a:gd name="connsiteY3" fmla="*/ 127532 h 173576"/>
+              <a:gd name="connsiteX4" fmla="*/ 252296 w 474022"/>
+              <a:gd name="connsiteY4" fmla="*/ 10934 h 173576"/>
+              <a:gd name="connsiteX0" fmla="*/ 236941 w 474022"/>
+              <a:gd name="connsiteY0" fmla="*/ 10179 h 173576"/>
+              <a:gd name="connsiteX1" fmla="*/ 474022 w 474022"/>
+              <a:gd name="connsiteY1" fmla="*/ 46043 h 173576"/>
+              <a:gd name="connsiteX2" fmla="*/ 237081 w 474022"/>
+              <a:gd name="connsiteY2" fmla="*/ 163397 h 173576"/>
+              <a:gd name="connsiteX3" fmla="*/ 0 w 474022"/>
+              <a:gd name="connsiteY3" fmla="*/ 127532 h 173576"/>
+              <a:gd name="connsiteX4" fmla="*/ 236945 w 474022"/>
+              <a:gd name="connsiteY4" fmla="*/ 10178 h 173576"/>
+              <a:gd name="connsiteX0" fmla="*/ 231601 w 474022"/>
+              <a:gd name="connsiteY0" fmla="*/ 10248 h 173544"/>
+              <a:gd name="connsiteX1" fmla="*/ 474022 w 474022"/>
+              <a:gd name="connsiteY1" fmla="*/ 46011 h 173544"/>
+              <a:gd name="connsiteX2" fmla="*/ 237081 w 474022"/>
+              <a:gd name="connsiteY2" fmla="*/ 163365 h 173544"/>
+              <a:gd name="connsiteX3" fmla="*/ 0 w 474022"/>
+              <a:gd name="connsiteY3" fmla="*/ 127500 h 173544"/>
+              <a:gd name="connsiteX4" fmla="*/ 236945 w 474022"/>
+              <a:gd name="connsiteY4" fmla="*/ 10146 h 173544"/>
+              <a:gd name="connsiteX0" fmla="*/ 231601 w 474022"/>
+              <a:gd name="connsiteY0" fmla="*/ 12322 h 175618"/>
+              <a:gd name="connsiteX1" fmla="*/ 474022 w 474022"/>
+              <a:gd name="connsiteY1" fmla="*/ 48085 h 175618"/>
+              <a:gd name="connsiteX2" fmla="*/ 237081 w 474022"/>
+              <a:gd name="connsiteY2" fmla="*/ 165439 h 175618"/>
+              <a:gd name="connsiteX3" fmla="*/ 0 w 474022"/>
+              <a:gd name="connsiteY3" fmla="*/ 129574 h 175618"/>
+              <a:gd name="connsiteX4" fmla="*/ 236945 w 474022"/>
+              <a:gd name="connsiteY4" fmla="*/ 12220 h 175618"/>
+              <a:gd name="connsiteX0" fmla="*/ 231601 w 474022"/>
+              <a:gd name="connsiteY0" fmla="*/ 14197 h 177493"/>
+              <a:gd name="connsiteX1" fmla="*/ 474022 w 474022"/>
+              <a:gd name="connsiteY1" fmla="*/ 49960 h 177493"/>
+              <a:gd name="connsiteX2" fmla="*/ 237081 w 474022"/>
+              <a:gd name="connsiteY2" fmla="*/ 167314 h 177493"/>
+              <a:gd name="connsiteX3" fmla="*/ 0 w 474022"/>
+              <a:gd name="connsiteY3" fmla="*/ 131449 h 177493"/>
+              <a:gd name="connsiteX4" fmla="*/ 236945 w 474022"/>
+              <a:gd name="connsiteY4" fmla="*/ 14095 h 177493"/>
+              <a:gd name="connsiteX0" fmla="*/ 231601 w 470946"/>
+              <a:gd name="connsiteY0" fmla="*/ 14582 h 177878"/>
+              <a:gd name="connsiteX1" fmla="*/ 470877 w 470946"/>
+              <a:gd name="connsiteY1" fmla="*/ 41677 h 177878"/>
+              <a:gd name="connsiteX2" fmla="*/ 237081 w 470946"/>
+              <a:gd name="connsiteY2" fmla="*/ 167699 h 177878"/>
+              <a:gd name="connsiteX3" fmla="*/ 0 w 470946"/>
+              <a:gd name="connsiteY3" fmla="*/ 131834 h 177878"/>
+              <a:gd name="connsiteX4" fmla="*/ 236945 w 470946"/>
+              <a:gd name="connsiteY4" fmla="*/ 14480 h 177878"/>
+              <a:gd name="connsiteX0" fmla="*/ 231601 w 470938"/>
+              <a:gd name="connsiteY0" fmla="*/ 14582 h 177878"/>
+              <a:gd name="connsiteX1" fmla="*/ 470877 w 470938"/>
+              <a:gd name="connsiteY1" fmla="*/ 41677 h 177878"/>
+              <a:gd name="connsiteX2" fmla="*/ 237081 w 470938"/>
+              <a:gd name="connsiteY2" fmla="*/ 167699 h 177878"/>
+              <a:gd name="connsiteX3" fmla="*/ 0 w 470938"/>
+              <a:gd name="connsiteY3" fmla="*/ 131834 h 177878"/>
+              <a:gd name="connsiteX4" fmla="*/ 236945 w 470938"/>
+              <a:gd name="connsiteY4" fmla="*/ 14480 h 177878"/>
+              <a:gd name="connsiteX0" fmla="*/ 231601 w 470941"/>
+              <a:gd name="connsiteY0" fmla="*/ 14582 h 177878"/>
+              <a:gd name="connsiteX1" fmla="*/ 470877 w 470941"/>
+              <a:gd name="connsiteY1" fmla="*/ 41677 h 177878"/>
+              <a:gd name="connsiteX2" fmla="*/ 237081 w 470941"/>
+              <a:gd name="connsiteY2" fmla="*/ 167699 h 177878"/>
+              <a:gd name="connsiteX3" fmla="*/ 0 w 470941"/>
+              <a:gd name="connsiteY3" fmla="*/ 131834 h 177878"/>
+              <a:gd name="connsiteX4" fmla="*/ 236945 w 470941"/>
+              <a:gd name="connsiteY4" fmla="*/ 14480 h 177878"/>
+              <a:gd name="connsiteX0" fmla="*/ 231601 w 470940"/>
+              <a:gd name="connsiteY0" fmla="*/ 14582 h 177844"/>
+              <a:gd name="connsiteX1" fmla="*/ 470877 w 470940"/>
+              <a:gd name="connsiteY1" fmla="*/ 41677 h 177844"/>
+              <a:gd name="connsiteX2" fmla="*/ 242422 w 470940"/>
+              <a:gd name="connsiteY2" fmla="*/ 167599 h 177844"/>
+              <a:gd name="connsiteX3" fmla="*/ 0 w 470940"/>
+              <a:gd name="connsiteY3" fmla="*/ 131834 h 177844"/>
+              <a:gd name="connsiteX4" fmla="*/ 236945 w 470940"/>
+              <a:gd name="connsiteY4" fmla="*/ 14480 h 177844"/>
+              <a:gd name="connsiteX0" fmla="*/ 231601 w 470940"/>
+              <a:gd name="connsiteY0" fmla="*/ 14582 h 179919"/>
+              <a:gd name="connsiteX1" fmla="*/ 470877 w 470940"/>
+              <a:gd name="connsiteY1" fmla="*/ 41677 h 179919"/>
+              <a:gd name="connsiteX2" fmla="*/ 242422 w 470940"/>
+              <a:gd name="connsiteY2" fmla="*/ 167599 h 179919"/>
+              <a:gd name="connsiteX3" fmla="*/ 0 w 470940"/>
+              <a:gd name="connsiteY3" fmla="*/ 131834 h 179919"/>
+              <a:gd name="connsiteX4" fmla="*/ 236945 w 470940"/>
+              <a:gd name="connsiteY4" fmla="*/ 14480 h 179919"/>
+              <a:gd name="connsiteX0" fmla="*/ 231601 w 470940"/>
+              <a:gd name="connsiteY0" fmla="*/ 14582 h 181795"/>
+              <a:gd name="connsiteX1" fmla="*/ 470877 w 470940"/>
+              <a:gd name="connsiteY1" fmla="*/ 41677 h 181795"/>
+              <a:gd name="connsiteX2" fmla="*/ 242422 w 470940"/>
+              <a:gd name="connsiteY2" fmla="*/ 167599 h 181795"/>
+              <a:gd name="connsiteX3" fmla="*/ 0 w 470940"/>
+              <a:gd name="connsiteY3" fmla="*/ 131834 h 181795"/>
+              <a:gd name="connsiteX4" fmla="*/ 236945 w 470940"/>
+              <a:gd name="connsiteY4" fmla="*/ 14480 h 181795"/>
+              <a:gd name="connsiteX0" fmla="*/ 228526 w 467865"/>
+              <a:gd name="connsiteY0" fmla="*/ 14582 h 182180"/>
+              <a:gd name="connsiteX1" fmla="*/ 467802 w 467865"/>
+              <a:gd name="connsiteY1" fmla="*/ 41677 h 182180"/>
+              <a:gd name="connsiteX2" fmla="*/ 239347 w 467865"/>
+              <a:gd name="connsiteY2" fmla="*/ 167599 h 182180"/>
+              <a:gd name="connsiteX3" fmla="*/ 70 w 467865"/>
+              <a:gd name="connsiteY3" fmla="*/ 140503 h 182180"/>
+              <a:gd name="connsiteX4" fmla="*/ 233870 w 467865"/>
+              <a:gd name="connsiteY4" fmla="*/ 14480 h 182180"/>
+              <a:gd name="connsiteX0" fmla="*/ 228518 w 467857"/>
+              <a:gd name="connsiteY0" fmla="*/ 14582 h 182180"/>
+              <a:gd name="connsiteX1" fmla="*/ 467794 w 467857"/>
+              <a:gd name="connsiteY1" fmla="*/ 41677 h 182180"/>
+              <a:gd name="connsiteX2" fmla="*/ 239339 w 467857"/>
+              <a:gd name="connsiteY2" fmla="*/ 167599 h 182180"/>
+              <a:gd name="connsiteX3" fmla="*/ 62 w 467857"/>
+              <a:gd name="connsiteY3" fmla="*/ 140503 h 182180"/>
+              <a:gd name="connsiteX4" fmla="*/ 233862 w 467857"/>
+              <a:gd name="connsiteY4" fmla="*/ 14480 h 182180"/>
+              <a:gd name="connsiteX0" fmla="*/ 228519 w 467858"/>
+              <a:gd name="connsiteY0" fmla="*/ 14582 h 182180"/>
+              <a:gd name="connsiteX1" fmla="*/ 467795 w 467858"/>
+              <a:gd name="connsiteY1" fmla="*/ 41677 h 182180"/>
+              <a:gd name="connsiteX2" fmla="*/ 239340 w 467858"/>
+              <a:gd name="connsiteY2" fmla="*/ 167599 h 182180"/>
+              <a:gd name="connsiteX3" fmla="*/ 63 w 467858"/>
+              <a:gd name="connsiteY3" fmla="*/ 140503 h 182180"/>
+              <a:gd name="connsiteX4" fmla="*/ 233863 w 467858"/>
+              <a:gd name="connsiteY4" fmla="*/ 14480 h 182180"/>
+              <a:gd name="connsiteX0" fmla="*/ 228519 w 467858"/>
+              <a:gd name="connsiteY0" fmla="*/ 14582 h 182180"/>
+              <a:gd name="connsiteX1" fmla="*/ 467795 w 467858"/>
+              <a:gd name="connsiteY1" fmla="*/ 41677 h 182180"/>
+              <a:gd name="connsiteX2" fmla="*/ 239340 w 467858"/>
+              <a:gd name="connsiteY2" fmla="*/ 167599 h 182180"/>
+              <a:gd name="connsiteX3" fmla="*/ 63 w 467858"/>
+              <a:gd name="connsiteY3" fmla="*/ 140503 h 182180"/>
+              <a:gd name="connsiteX4" fmla="*/ 228523 w 467858"/>
+              <a:gd name="connsiteY4" fmla="*/ 14580 h 182180"/>
+              <a:gd name="connsiteX0" fmla="*/ 235878 w 467858"/>
+              <a:gd name="connsiteY0" fmla="*/ 14517 h 182203"/>
+              <a:gd name="connsiteX1" fmla="*/ 467795 w 467858"/>
+              <a:gd name="connsiteY1" fmla="*/ 41700 h 182203"/>
+              <a:gd name="connsiteX2" fmla="*/ 239340 w 467858"/>
+              <a:gd name="connsiteY2" fmla="*/ 167622 h 182203"/>
+              <a:gd name="connsiteX3" fmla="*/ 63 w 467858"/>
+              <a:gd name="connsiteY3" fmla="*/ 140526 h 182203"/>
+              <a:gd name="connsiteX4" fmla="*/ 228523 w 467858"/>
+              <a:gd name="connsiteY4" fmla="*/ 14603 h 182203"/>
+              <a:gd name="connsiteX0" fmla="*/ 235878 w 467858"/>
+              <a:gd name="connsiteY0" fmla="*/ 11636 h 179322"/>
+              <a:gd name="connsiteX1" fmla="*/ 467795 w 467858"/>
+              <a:gd name="connsiteY1" fmla="*/ 38819 h 179322"/>
+              <a:gd name="connsiteX2" fmla="*/ 239340 w 467858"/>
+              <a:gd name="connsiteY2" fmla="*/ 164741 h 179322"/>
+              <a:gd name="connsiteX3" fmla="*/ 63 w 467858"/>
+              <a:gd name="connsiteY3" fmla="*/ 137645 h 179322"/>
+              <a:gd name="connsiteX4" fmla="*/ 228523 w 467858"/>
+              <a:gd name="connsiteY4" fmla="*/ 11722 h 179322"/>
+              <a:gd name="connsiteX0" fmla="*/ 235878 w 467982"/>
+              <a:gd name="connsiteY0" fmla="*/ 8982 h 176668"/>
+              <a:gd name="connsiteX1" fmla="*/ 467795 w 467982"/>
+              <a:gd name="connsiteY1" fmla="*/ 36165 h 176668"/>
+              <a:gd name="connsiteX2" fmla="*/ 239340 w 467982"/>
+              <a:gd name="connsiteY2" fmla="*/ 162087 h 176668"/>
+              <a:gd name="connsiteX3" fmla="*/ 63 w 467982"/>
+              <a:gd name="connsiteY3" fmla="*/ 134991 h 176668"/>
+              <a:gd name="connsiteX4" fmla="*/ 228523 w 467982"/>
+              <a:gd name="connsiteY4" fmla="*/ 9068 h 176668"/>
+              <a:gd name="connsiteX0" fmla="*/ 235878 w 471979"/>
+              <a:gd name="connsiteY0" fmla="*/ 8683 h 176369"/>
+              <a:gd name="connsiteX1" fmla="*/ 471971 w 471979"/>
+              <a:gd name="connsiteY1" fmla="*/ 47837 h 176369"/>
+              <a:gd name="connsiteX2" fmla="*/ 239340 w 471979"/>
+              <a:gd name="connsiteY2" fmla="*/ 161788 h 176369"/>
+              <a:gd name="connsiteX3" fmla="*/ 63 w 471979"/>
+              <a:gd name="connsiteY3" fmla="*/ 134692 h 176369"/>
+              <a:gd name="connsiteX4" fmla="*/ 228523 w 471979"/>
+              <a:gd name="connsiteY4" fmla="*/ 8769 h 176369"/>
+              <a:gd name="connsiteX0" fmla="*/ 235878 w 471979"/>
+              <a:gd name="connsiteY0" fmla="*/ 8683 h 176369"/>
+              <a:gd name="connsiteX1" fmla="*/ 471971 w 471979"/>
+              <a:gd name="connsiteY1" fmla="*/ 47837 h 176369"/>
+              <a:gd name="connsiteX2" fmla="*/ 239340 w 471979"/>
+              <a:gd name="connsiteY2" fmla="*/ 161788 h 176369"/>
+              <a:gd name="connsiteX3" fmla="*/ 63 w 471979"/>
+              <a:gd name="connsiteY3" fmla="*/ 134692 h 176369"/>
+              <a:gd name="connsiteX4" fmla="*/ 228523 w 471979"/>
+              <a:gd name="connsiteY4" fmla="*/ 8769 h 176369"/>
+              <a:gd name="connsiteX0" fmla="*/ 235878 w 471979"/>
+              <a:gd name="connsiteY0" fmla="*/ 8683 h 176369"/>
+              <a:gd name="connsiteX1" fmla="*/ 471971 w 471979"/>
+              <a:gd name="connsiteY1" fmla="*/ 47837 h 176369"/>
+              <a:gd name="connsiteX2" fmla="*/ 239340 w 471979"/>
+              <a:gd name="connsiteY2" fmla="*/ 161788 h 176369"/>
+              <a:gd name="connsiteX3" fmla="*/ 63 w 471979"/>
+              <a:gd name="connsiteY3" fmla="*/ 134692 h 176369"/>
+              <a:gd name="connsiteX4" fmla="*/ 228523 w 471979"/>
+              <a:gd name="connsiteY4" fmla="*/ 8769 h 176369"/>
+              <a:gd name="connsiteX0" fmla="*/ 235878 w 471979"/>
+              <a:gd name="connsiteY0" fmla="*/ 8683 h 176392"/>
+              <a:gd name="connsiteX1" fmla="*/ 471971 w 471979"/>
+              <a:gd name="connsiteY1" fmla="*/ 47837 h 176392"/>
+              <a:gd name="connsiteX2" fmla="*/ 231980 w 471979"/>
+              <a:gd name="connsiteY2" fmla="*/ 161875 h 176392"/>
+              <a:gd name="connsiteX3" fmla="*/ 63 w 471979"/>
+              <a:gd name="connsiteY3" fmla="*/ 134692 h 176392"/>
+              <a:gd name="connsiteX4" fmla="*/ 228523 w 471979"/>
+              <a:gd name="connsiteY4" fmla="*/ 8769 h 176392"/>
+              <a:gd name="connsiteX0" fmla="*/ 235878 w 471979"/>
+              <a:gd name="connsiteY0" fmla="*/ 8683 h 173509"/>
+              <a:gd name="connsiteX1" fmla="*/ 471971 w 471979"/>
+              <a:gd name="connsiteY1" fmla="*/ 47837 h 173509"/>
+              <a:gd name="connsiteX2" fmla="*/ 231980 w 471979"/>
+              <a:gd name="connsiteY2" fmla="*/ 161875 h 173509"/>
+              <a:gd name="connsiteX3" fmla="*/ 63 w 471979"/>
+              <a:gd name="connsiteY3" fmla="*/ 134692 h 173509"/>
+              <a:gd name="connsiteX4" fmla="*/ 228523 w 471979"/>
+              <a:gd name="connsiteY4" fmla="*/ 8769 h 173509"/>
+              <a:gd name="connsiteX0" fmla="*/ 236002 w 472103"/>
+              <a:gd name="connsiteY0" fmla="*/ 8683 h 170856"/>
+              <a:gd name="connsiteX1" fmla="*/ 472095 w 472103"/>
+              <a:gd name="connsiteY1" fmla="*/ 47837 h 170856"/>
+              <a:gd name="connsiteX2" fmla="*/ 232104 w 472103"/>
+              <a:gd name="connsiteY2" fmla="*/ 161875 h 170856"/>
+              <a:gd name="connsiteX3" fmla="*/ 187 w 472103"/>
+              <a:gd name="connsiteY3" fmla="*/ 134692 h 170856"/>
+              <a:gd name="connsiteX4" fmla="*/ 228647 w 472103"/>
+              <a:gd name="connsiteY4" fmla="*/ 8769 h 170856"/>
+              <a:gd name="connsiteX0" fmla="*/ 239999 w 476100"/>
+              <a:gd name="connsiteY0" fmla="*/ 8683 h 170556"/>
+              <a:gd name="connsiteX1" fmla="*/ 476092 w 476100"/>
+              <a:gd name="connsiteY1" fmla="*/ 47837 h 170556"/>
+              <a:gd name="connsiteX2" fmla="*/ 236101 w 476100"/>
+              <a:gd name="connsiteY2" fmla="*/ 161875 h 170556"/>
+              <a:gd name="connsiteX3" fmla="*/ 8 w 476100"/>
+              <a:gd name="connsiteY3" fmla="*/ 122720 h 170556"/>
+              <a:gd name="connsiteX4" fmla="*/ 232644 w 476100"/>
+              <a:gd name="connsiteY4" fmla="*/ 8769 h 170556"/>
+              <a:gd name="connsiteX0" fmla="*/ 239999 w 476100"/>
+              <a:gd name="connsiteY0" fmla="*/ 8683 h 170556"/>
+              <a:gd name="connsiteX1" fmla="*/ 476092 w 476100"/>
+              <a:gd name="connsiteY1" fmla="*/ 47837 h 170556"/>
+              <a:gd name="connsiteX2" fmla="*/ 236101 w 476100"/>
+              <a:gd name="connsiteY2" fmla="*/ 161875 h 170556"/>
+              <a:gd name="connsiteX3" fmla="*/ 8 w 476100"/>
+              <a:gd name="connsiteY3" fmla="*/ 122720 h 170556"/>
+              <a:gd name="connsiteX4" fmla="*/ 232644 w 476100"/>
+              <a:gd name="connsiteY4" fmla="*/ 8769 h 170556"/>
+              <a:gd name="connsiteX0" fmla="*/ 239999 w 476100"/>
+              <a:gd name="connsiteY0" fmla="*/ 8683 h 170556"/>
+              <a:gd name="connsiteX1" fmla="*/ 476092 w 476100"/>
+              <a:gd name="connsiteY1" fmla="*/ 47837 h 170556"/>
+              <a:gd name="connsiteX2" fmla="*/ 236101 w 476100"/>
+              <a:gd name="connsiteY2" fmla="*/ 161875 h 170556"/>
+              <a:gd name="connsiteX3" fmla="*/ 8 w 476100"/>
+              <a:gd name="connsiteY3" fmla="*/ 122720 h 170556"/>
+              <a:gd name="connsiteX4" fmla="*/ 232644 w 476100"/>
+              <a:gd name="connsiteY4" fmla="*/ 8769 h 170556"/>
+              <a:gd name="connsiteX0" fmla="*/ 239999 w 476100"/>
+              <a:gd name="connsiteY0" fmla="*/ 8683 h 170556"/>
+              <a:gd name="connsiteX1" fmla="*/ 476092 w 476100"/>
+              <a:gd name="connsiteY1" fmla="*/ 47837 h 170556"/>
+              <a:gd name="connsiteX2" fmla="*/ 236101 w 476100"/>
+              <a:gd name="connsiteY2" fmla="*/ 161875 h 170556"/>
+              <a:gd name="connsiteX3" fmla="*/ 8 w 476100"/>
+              <a:gd name="connsiteY3" fmla="*/ 122720 h 170556"/>
+              <a:gd name="connsiteX4" fmla="*/ 240003 w 476100"/>
+              <a:gd name="connsiteY4" fmla="*/ 8682 h 170556"/>
+            </a:gdLst>
+            <a:ahLst/>
+            <a:cxnLst>
+              <a:cxn ang="0">
+                <a:pos x="connsiteX0" y="connsiteY0"/>
+              </a:cxn>
+              <a:cxn ang="0">
+                <a:pos x="connsiteX1" y="connsiteY1"/>
+              </a:cxn>
+              <a:cxn ang="0">
+                <a:pos x="connsiteX2" y="connsiteY2"/>
+              </a:cxn>
+              <a:cxn ang="0">
+                <a:pos x="connsiteX3" y="connsiteY3"/>
+              </a:cxn>
+              <a:cxn ang="0">
+                <a:pos x="connsiteX4" y="connsiteY4"/>
+              </a:cxn>
+            </a:cxnLst>
+            <a:rect l="l" t="t" r="r" b="b"/>
+            <a:pathLst>
+              <a:path w="476100" h="170556">
+                <a:moveTo>
+                  <a:pt x="239999" y="8683"/>
+                </a:moveTo>
+                <a:cubicBezTo>
+                  <a:pt x="371467" y="-11998"/>
+                  <a:pt x="477169" y="5532"/>
+                  <a:pt x="476092" y="47837"/>
+                </a:cubicBezTo>
+                <a:cubicBezTo>
+                  <a:pt x="475015" y="90141"/>
+                  <a:pt x="367569" y="141198"/>
+                  <a:pt x="236101" y="161875"/>
+                </a:cubicBezTo>
+                <a:cubicBezTo>
+                  <a:pt x="104636" y="182554"/>
+                  <a:pt x="-1069" y="165027"/>
+                  <a:pt x="8" y="122720"/>
+                </a:cubicBezTo>
+                <a:cubicBezTo>
+                  <a:pt x="1085" y="80418"/>
+                  <a:pt x="108534" y="29362"/>
+                  <a:pt x="240003" y="8682"/>
+                </a:cubicBezTo>
+                <a:close/>
+              </a:path>
+            </a:pathLst>
+          </a:custGeom>
+          <a:solidFill>
+            <a:srgbClr val="FFFFFF"/>
+          </a:solidFill>
+          <a:ln>
+            <a:solidFill>
+              <a:srgbClr val="0070C0"/>
+            </a:solidFill>
+          </a:ln>
+        </p:spPr>
+        <p:style>
+          <a:lnRef idx="2">
+            <a:schemeClr val="accent1">
+              <a:shade val="50000"/>
+            </a:schemeClr>
+          </a:lnRef>
+          <a:fillRef idx="1">
+            <a:schemeClr val="accent1"/>
+          </a:fillRef>
+          <a:effectRef idx="0">
+            <a:schemeClr val="accent1"/>
+          </a:effectRef>
+          <a:fontRef idx="minor">
+            <a:schemeClr val="lt1"/>
+          </a:fontRef>
+        </p:style>
+        <p:txBody>
+          <a:bodyPr rtlCol="0" anchor="ctr"/>
+          <a:lstStyle/>
+          <a:p>
+            <a:pPr algn="ctr"/>
+            <a:endParaRPr lang="en-US"/>
+          </a:p>
+        </p:txBody>
+      </p:sp>
+      <p:sp>
+        <p:nvSpPr>
+          <p:cNvPr id="25" name="Oval 2"/>
+          <p:cNvSpPr>
+            <a:spLocks/>
+          </p:cNvSpPr>
+          <p:nvPr/>
+        </p:nvSpPr>
+        <p:spPr>
+          <a:xfrm>
+            <a:off x="4490994" y="5015887"/>
+            <a:ext cx="370800" cy="180406"/>
+          </a:xfrm>
+          <a:custGeom>
+            <a:avLst/>
+            <a:gdLst>
+              <a:gd name="connsiteX0" fmla="*/ 0 w 204716"/>
+              <a:gd name="connsiteY0" fmla="*/ 177421 h 354842"/>
+              <a:gd name="connsiteX1" fmla="*/ 102358 w 204716"/>
+              <a:gd name="connsiteY1" fmla="*/ 0 h 354842"/>
+              <a:gd name="connsiteX2" fmla="*/ 204716 w 204716"/>
+              <a:gd name="connsiteY2" fmla="*/ 177421 h 354842"/>
+              <a:gd name="connsiteX3" fmla="*/ 102358 w 204716"/>
+              <a:gd name="connsiteY3" fmla="*/ 354842 h 354842"/>
+              <a:gd name="connsiteX4" fmla="*/ 0 w 204716"/>
+              <a:gd name="connsiteY4" fmla="*/ 177421 h 354842"/>
+              <a:gd name="connsiteX0" fmla="*/ 1269243 w 1473959"/>
+              <a:gd name="connsiteY0" fmla="*/ 2388358 h 2565779"/>
+              <a:gd name="connsiteX1" fmla="*/ 0 w 1473959"/>
+              <a:gd name="connsiteY1" fmla="*/ 0 h 2565779"/>
+              <a:gd name="connsiteX2" fmla="*/ 1371601 w 1473959"/>
+              <a:gd name="connsiteY2" fmla="*/ 2210937 h 2565779"/>
+              <a:gd name="connsiteX3" fmla="*/ 1473959 w 1473959"/>
+              <a:gd name="connsiteY3" fmla="*/ 2388358 h 2565779"/>
+              <a:gd name="connsiteX4" fmla="*/ 1371601 w 1473959"/>
+              <a:gd name="connsiteY4" fmla="*/ 2565779 h 2565779"/>
+              <a:gd name="connsiteX5" fmla="*/ 1269243 w 1473959"/>
+              <a:gd name="connsiteY5" fmla="*/ 2388358 h 2565779"/>
+              <a:gd name="connsiteX0" fmla="*/ 0 w 204716"/>
+              <a:gd name="connsiteY0" fmla="*/ 177421 h 354842"/>
+              <a:gd name="connsiteX1" fmla="*/ 102358 w 204716"/>
+              <a:gd name="connsiteY1" fmla="*/ 0 h 354842"/>
+              <a:gd name="connsiteX2" fmla="*/ 204716 w 204716"/>
+              <a:gd name="connsiteY2" fmla="*/ 177421 h 354842"/>
+              <a:gd name="connsiteX3" fmla="*/ 102358 w 204716"/>
+              <a:gd name="connsiteY3" fmla="*/ 354842 h 354842"/>
+              <a:gd name="connsiteX4" fmla="*/ 0 w 204716"/>
+              <a:gd name="connsiteY4" fmla="*/ 177421 h 354842"/>
+              <a:gd name="connsiteX0" fmla="*/ 6989 w 204716"/>
+              <a:gd name="connsiteY0" fmla="*/ 140246 h 354842"/>
+              <a:gd name="connsiteX1" fmla="*/ 102358 w 204716"/>
+              <a:gd name="connsiteY1" fmla="*/ 0 h 354842"/>
+              <a:gd name="connsiteX2" fmla="*/ 204716 w 204716"/>
+              <a:gd name="connsiteY2" fmla="*/ 177421 h 354842"/>
+              <a:gd name="connsiteX3" fmla="*/ 102358 w 204716"/>
+              <a:gd name="connsiteY3" fmla="*/ 354842 h 354842"/>
+              <a:gd name="connsiteX4" fmla="*/ 0 w 204716"/>
+              <a:gd name="connsiteY4" fmla="*/ 177421 h 354842"/>
+              <a:gd name="connsiteX0" fmla="*/ 6989 w 204716"/>
+              <a:gd name="connsiteY0" fmla="*/ 140246 h 354842"/>
+              <a:gd name="connsiteX1" fmla="*/ 102358 w 204716"/>
+              <a:gd name="connsiteY1" fmla="*/ 0 h 354842"/>
+              <a:gd name="connsiteX2" fmla="*/ 204716 w 204716"/>
+              <a:gd name="connsiteY2" fmla="*/ 177421 h 354842"/>
+              <a:gd name="connsiteX3" fmla="*/ 102358 w 204716"/>
+              <a:gd name="connsiteY3" fmla="*/ 354842 h 354842"/>
+              <a:gd name="connsiteX4" fmla="*/ 0 w 204716"/>
+              <a:gd name="connsiteY4" fmla="*/ 177421 h 354842"/>
+              <a:gd name="connsiteX0" fmla="*/ 6989 w 204716"/>
+              <a:gd name="connsiteY0" fmla="*/ 141062 h 355658"/>
+              <a:gd name="connsiteX1" fmla="*/ 102358 w 204716"/>
+              <a:gd name="connsiteY1" fmla="*/ 816 h 355658"/>
+              <a:gd name="connsiteX2" fmla="*/ 204716 w 204716"/>
+              <a:gd name="connsiteY2" fmla="*/ 178237 h 355658"/>
+              <a:gd name="connsiteX3" fmla="*/ 102358 w 204716"/>
+              <a:gd name="connsiteY3" fmla="*/ 355658 h 355658"/>
+              <a:gd name="connsiteX4" fmla="*/ 0 w 204716"/>
+              <a:gd name="connsiteY4" fmla="*/ 178237 h 355658"/>
+              <a:gd name="connsiteX0" fmla="*/ 6989 w 204716"/>
+              <a:gd name="connsiteY0" fmla="*/ 132297 h 346893"/>
+              <a:gd name="connsiteX1" fmla="*/ 166795 w 204716"/>
+              <a:gd name="connsiteY1" fmla="*/ 4166 h 346893"/>
+              <a:gd name="connsiteX2" fmla="*/ 204716 w 204716"/>
+              <a:gd name="connsiteY2" fmla="*/ 169472 h 346893"/>
+              <a:gd name="connsiteX3" fmla="*/ 102358 w 204716"/>
+              <a:gd name="connsiteY3" fmla="*/ 346893 h 346893"/>
+              <a:gd name="connsiteX4" fmla="*/ 0 w 204716"/>
+              <a:gd name="connsiteY4" fmla="*/ 169472 h 346893"/>
+              <a:gd name="connsiteX0" fmla="*/ 6989 w 206617"/>
+              <a:gd name="connsiteY0" fmla="*/ 132297 h 346893"/>
+              <a:gd name="connsiteX1" fmla="*/ 166795 w 206617"/>
+              <a:gd name="connsiteY1" fmla="*/ 4166 h 346893"/>
+              <a:gd name="connsiteX2" fmla="*/ 204716 w 206617"/>
+              <a:gd name="connsiteY2" fmla="*/ 169472 h 346893"/>
+              <a:gd name="connsiteX3" fmla="*/ 102358 w 206617"/>
+              <a:gd name="connsiteY3" fmla="*/ 346893 h 346893"/>
+              <a:gd name="connsiteX4" fmla="*/ 0 w 206617"/>
+              <a:gd name="connsiteY4" fmla="*/ 169472 h 346893"/>
+              <a:gd name="connsiteX0" fmla="*/ 6989 w 219308"/>
+              <a:gd name="connsiteY0" fmla="*/ 132297 h 346893"/>
+              <a:gd name="connsiteX1" fmla="*/ 166795 w 219308"/>
+              <a:gd name="connsiteY1" fmla="*/ 4166 h 346893"/>
+              <a:gd name="connsiteX2" fmla="*/ 204716 w 219308"/>
+              <a:gd name="connsiteY2" fmla="*/ 169472 h 346893"/>
+              <a:gd name="connsiteX3" fmla="*/ 102358 w 219308"/>
+              <a:gd name="connsiteY3" fmla="*/ 346893 h 346893"/>
+              <a:gd name="connsiteX4" fmla="*/ 0 w 219308"/>
+              <a:gd name="connsiteY4" fmla="*/ 169472 h 346893"/>
+              <a:gd name="connsiteX0" fmla="*/ 6989 w 217466"/>
+              <a:gd name="connsiteY0" fmla="*/ 132297 h 346893"/>
+              <a:gd name="connsiteX1" fmla="*/ 166795 w 217466"/>
+              <a:gd name="connsiteY1" fmla="*/ 4166 h 346893"/>
+              <a:gd name="connsiteX2" fmla="*/ 197726 w 217466"/>
+              <a:gd name="connsiteY2" fmla="*/ 206647 h 346893"/>
+              <a:gd name="connsiteX3" fmla="*/ 102358 w 217466"/>
+              <a:gd name="connsiteY3" fmla="*/ 346893 h 346893"/>
+              <a:gd name="connsiteX4" fmla="*/ 0 w 217466"/>
+              <a:gd name="connsiteY4" fmla="*/ 169472 h 346893"/>
+              <a:gd name="connsiteX0" fmla="*/ 6989 w 217466"/>
+              <a:gd name="connsiteY0" fmla="*/ 132297 h 346893"/>
+              <a:gd name="connsiteX1" fmla="*/ 166795 w 217466"/>
+              <a:gd name="connsiteY1" fmla="*/ 4166 h 346893"/>
+              <a:gd name="connsiteX2" fmla="*/ 197726 w 217466"/>
+              <a:gd name="connsiteY2" fmla="*/ 206647 h 346893"/>
+              <a:gd name="connsiteX3" fmla="*/ 102358 w 217466"/>
+              <a:gd name="connsiteY3" fmla="*/ 346893 h 346893"/>
+              <a:gd name="connsiteX4" fmla="*/ 0 w 217466"/>
+              <a:gd name="connsiteY4" fmla="*/ 169472 h 346893"/>
+              <a:gd name="connsiteX0" fmla="*/ 6989 w 217466"/>
+              <a:gd name="connsiteY0" fmla="*/ 132297 h 347709"/>
+              <a:gd name="connsiteX1" fmla="*/ 166795 w 217466"/>
+              <a:gd name="connsiteY1" fmla="*/ 4166 h 347709"/>
+              <a:gd name="connsiteX2" fmla="*/ 197726 w 217466"/>
+              <a:gd name="connsiteY2" fmla="*/ 206647 h 347709"/>
+              <a:gd name="connsiteX3" fmla="*/ 102358 w 217466"/>
+              <a:gd name="connsiteY3" fmla="*/ 346893 h 347709"/>
+              <a:gd name="connsiteX4" fmla="*/ 0 w 217466"/>
+              <a:gd name="connsiteY4" fmla="*/ 169472 h 347709"/>
+              <a:gd name="connsiteX0" fmla="*/ 6989 w 217466"/>
+              <a:gd name="connsiteY0" fmla="*/ 132297 h 338943"/>
+              <a:gd name="connsiteX1" fmla="*/ 166795 w 217466"/>
+              <a:gd name="connsiteY1" fmla="*/ 4166 h 338943"/>
+              <a:gd name="connsiteX2" fmla="*/ 197726 w 217466"/>
+              <a:gd name="connsiteY2" fmla="*/ 206647 h 338943"/>
+              <a:gd name="connsiteX3" fmla="*/ 37920 w 217466"/>
+              <a:gd name="connsiteY3" fmla="*/ 334778 h 338943"/>
+              <a:gd name="connsiteX4" fmla="*/ 0 w 217466"/>
+              <a:gd name="connsiteY4" fmla="*/ 169472 h 338943"/>
+              <a:gd name="connsiteX0" fmla="*/ 8890 w 219367"/>
+              <a:gd name="connsiteY0" fmla="*/ 132297 h 338943"/>
+              <a:gd name="connsiteX1" fmla="*/ 168696 w 219367"/>
+              <a:gd name="connsiteY1" fmla="*/ 4166 h 338943"/>
+              <a:gd name="connsiteX2" fmla="*/ 199627 w 219367"/>
+              <a:gd name="connsiteY2" fmla="*/ 206647 h 338943"/>
+              <a:gd name="connsiteX3" fmla="*/ 39821 w 219367"/>
+              <a:gd name="connsiteY3" fmla="*/ 334778 h 338943"/>
+              <a:gd name="connsiteX4" fmla="*/ 1901 w 219367"/>
+              <a:gd name="connsiteY4" fmla="*/ 169472 h 338943"/>
+              <a:gd name="connsiteX0" fmla="*/ 21581 w 232058"/>
+              <a:gd name="connsiteY0" fmla="*/ 132297 h 338943"/>
+              <a:gd name="connsiteX1" fmla="*/ 181387 w 232058"/>
+              <a:gd name="connsiteY1" fmla="*/ 4166 h 338943"/>
+              <a:gd name="connsiteX2" fmla="*/ 212318 w 232058"/>
+              <a:gd name="connsiteY2" fmla="*/ 206647 h 338943"/>
+              <a:gd name="connsiteX3" fmla="*/ 52512 w 232058"/>
+              <a:gd name="connsiteY3" fmla="*/ 334778 h 338943"/>
+              <a:gd name="connsiteX4" fmla="*/ 14592 w 232058"/>
+              <a:gd name="connsiteY4" fmla="*/ 169472 h 338943"/>
+              <a:gd name="connsiteX0" fmla="*/ 19740 w 230217"/>
+              <a:gd name="connsiteY0" fmla="*/ 132297 h 338943"/>
+              <a:gd name="connsiteX1" fmla="*/ 179546 w 230217"/>
+              <a:gd name="connsiteY1" fmla="*/ 4166 h 338943"/>
+              <a:gd name="connsiteX2" fmla="*/ 210477 w 230217"/>
+              <a:gd name="connsiteY2" fmla="*/ 206647 h 338943"/>
+              <a:gd name="connsiteX3" fmla="*/ 50671 w 230217"/>
+              <a:gd name="connsiteY3" fmla="*/ 334778 h 338943"/>
+              <a:gd name="connsiteX4" fmla="*/ 19740 w 230217"/>
+              <a:gd name="connsiteY4" fmla="*/ 132297 h 338943"/>
+              <a:gd name="connsiteX0" fmla="*/ 87141 w 230217"/>
+              <a:gd name="connsiteY0" fmla="*/ 95521 h 339042"/>
+              <a:gd name="connsiteX1" fmla="*/ 179546 w 230217"/>
+              <a:gd name="connsiteY1" fmla="*/ 4265 h 339042"/>
+              <a:gd name="connsiteX2" fmla="*/ 210477 w 230217"/>
+              <a:gd name="connsiteY2" fmla="*/ 206746 h 339042"/>
+              <a:gd name="connsiteX3" fmla="*/ 50671 w 230217"/>
+              <a:gd name="connsiteY3" fmla="*/ 334877 h 339042"/>
+              <a:gd name="connsiteX4" fmla="*/ 19740 w 230217"/>
+              <a:gd name="connsiteY4" fmla="*/ 132396 h 339042"/>
+              <a:gd name="connsiteX0" fmla="*/ 87141 w 230217"/>
+              <a:gd name="connsiteY0" fmla="*/ 95089 h 338610"/>
+              <a:gd name="connsiteX1" fmla="*/ 179546 w 230217"/>
+              <a:gd name="connsiteY1" fmla="*/ 3833 h 338610"/>
+              <a:gd name="connsiteX2" fmla="*/ 210477 w 230217"/>
+              <a:gd name="connsiteY2" fmla="*/ 206314 h 338610"/>
+              <a:gd name="connsiteX3" fmla="*/ 50671 w 230217"/>
+              <a:gd name="connsiteY3" fmla="*/ 334445 h 338610"/>
+              <a:gd name="connsiteX4" fmla="*/ 19740 w 230217"/>
+              <a:gd name="connsiteY4" fmla="*/ 131964 h 338610"/>
+              <a:gd name="connsiteX0" fmla="*/ 87141 w 241635"/>
+              <a:gd name="connsiteY0" fmla="*/ 91256 h 334777"/>
+              <a:gd name="connsiteX1" fmla="*/ 179546 w 241635"/>
+              <a:gd name="connsiteY1" fmla="*/ 0 h 334777"/>
+              <a:gd name="connsiteX2" fmla="*/ 210477 w 241635"/>
+              <a:gd name="connsiteY2" fmla="*/ 202481 h 334777"/>
+              <a:gd name="connsiteX3" fmla="*/ 50671 w 241635"/>
+              <a:gd name="connsiteY3" fmla="*/ 330612 h 334777"/>
+              <a:gd name="connsiteX4" fmla="*/ 19740 w 241635"/>
+              <a:gd name="connsiteY4" fmla="*/ 128131 h 334777"/>
+              <a:gd name="connsiteX0" fmla="*/ 87141 w 329396"/>
+              <a:gd name="connsiteY0" fmla="*/ 36419 h 279940"/>
+              <a:gd name="connsiteX1" fmla="*/ 329396 w 329396"/>
+              <a:gd name="connsiteY1" fmla="*/ 28494 h 279940"/>
+              <a:gd name="connsiteX2" fmla="*/ 210477 w 329396"/>
+              <a:gd name="connsiteY2" fmla="*/ 147644 h 279940"/>
+              <a:gd name="connsiteX3" fmla="*/ 50671 w 329396"/>
+              <a:gd name="connsiteY3" fmla="*/ 275775 h 279940"/>
+              <a:gd name="connsiteX4" fmla="*/ 19740 w 329396"/>
+              <a:gd name="connsiteY4" fmla="*/ 73294 h 279940"/>
+              <a:gd name="connsiteX0" fmla="*/ 87141 w 331021"/>
+              <a:gd name="connsiteY0" fmla="*/ 36419 h 279940"/>
+              <a:gd name="connsiteX1" fmla="*/ 329396 w 331021"/>
+              <a:gd name="connsiteY1" fmla="*/ 28494 h 279940"/>
+              <a:gd name="connsiteX2" fmla="*/ 210477 w 331021"/>
+              <a:gd name="connsiteY2" fmla="*/ 147644 h 279940"/>
+              <a:gd name="connsiteX3" fmla="*/ 50671 w 331021"/>
+              <a:gd name="connsiteY3" fmla="*/ 275775 h 279940"/>
+              <a:gd name="connsiteX4" fmla="*/ 19740 w 331021"/>
+              <a:gd name="connsiteY4" fmla="*/ 73294 h 279940"/>
+              <a:gd name="connsiteX0" fmla="*/ 87141 w 331273"/>
+              <a:gd name="connsiteY0" fmla="*/ 36419 h 279940"/>
+              <a:gd name="connsiteX1" fmla="*/ 329396 w 331273"/>
+              <a:gd name="connsiteY1" fmla="*/ 28494 h 279940"/>
+              <a:gd name="connsiteX2" fmla="*/ 210477 w 331273"/>
+              <a:gd name="connsiteY2" fmla="*/ 147644 h 279940"/>
+              <a:gd name="connsiteX3" fmla="*/ 50671 w 331273"/>
+              <a:gd name="connsiteY3" fmla="*/ 275775 h 279940"/>
+              <a:gd name="connsiteX4" fmla="*/ 19740 w 331273"/>
+              <a:gd name="connsiteY4" fmla="*/ 73294 h 279940"/>
+              <a:gd name="connsiteX0" fmla="*/ 87141 w 331237"/>
+              <a:gd name="connsiteY0" fmla="*/ 36419 h 280040"/>
+              <a:gd name="connsiteX1" fmla="*/ 329396 w 331237"/>
+              <a:gd name="connsiteY1" fmla="*/ 28494 h 280040"/>
+              <a:gd name="connsiteX2" fmla="*/ 143073 w 331237"/>
+              <a:gd name="connsiteY2" fmla="*/ 184517 h 280040"/>
+              <a:gd name="connsiteX3" fmla="*/ 50671 w 331237"/>
+              <a:gd name="connsiteY3" fmla="*/ 275775 h 280040"/>
+              <a:gd name="connsiteX4" fmla="*/ 19740 w 331237"/>
+              <a:gd name="connsiteY4" fmla="*/ 73294 h 280040"/>
+              <a:gd name="connsiteX0" fmla="*/ 87141 w 331236"/>
+              <a:gd name="connsiteY0" fmla="*/ 36419 h 279607"/>
+              <a:gd name="connsiteX1" fmla="*/ 329396 w 331236"/>
+              <a:gd name="connsiteY1" fmla="*/ 28494 h 279607"/>
+              <a:gd name="connsiteX2" fmla="*/ 143073 w 331236"/>
+              <a:gd name="connsiteY2" fmla="*/ 184517 h 279607"/>
+              <a:gd name="connsiteX3" fmla="*/ 50671 w 331236"/>
+              <a:gd name="connsiteY3" fmla="*/ 275775 h 279607"/>
+              <a:gd name="connsiteX4" fmla="*/ 19740 w 331236"/>
+              <a:gd name="connsiteY4" fmla="*/ 73294 h 279607"/>
+              <a:gd name="connsiteX0" fmla="*/ 98561 w 342656"/>
+              <a:gd name="connsiteY0" fmla="*/ 36419 h 275775"/>
+              <a:gd name="connsiteX1" fmla="*/ 340816 w 342656"/>
+              <a:gd name="connsiteY1" fmla="*/ 28494 h 275775"/>
+              <a:gd name="connsiteX2" fmla="*/ 154493 w 342656"/>
+              <a:gd name="connsiteY2" fmla="*/ 184517 h 275775"/>
+              <a:gd name="connsiteX3" fmla="*/ 62091 w 342656"/>
+              <a:gd name="connsiteY3" fmla="*/ 275775 h 275775"/>
+              <a:gd name="connsiteX4" fmla="*/ 31160 w 342656"/>
+              <a:gd name="connsiteY4" fmla="*/ 73294 h 275775"/>
+              <a:gd name="connsiteX0" fmla="*/ 186322 w 430417"/>
+              <a:gd name="connsiteY0" fmla="*/ 36419 h 220934"/>
+              <a:gd name="connsiteX1" fmla="*/ 428577 w 430417"/>
+              <a:gd name="connsiteY1" fmla="*/ 28494 h 220934"/>
+              <a:gd name="connsiteX2" fmla="*/ 242254 w 430417"/>
+              <a:gd name="connsiteY2" fmla="*/ 184517 h 220934"/>
+              <a:gd name="connsiteX3" fmla="*/ 0 w 430417"/>
+              <a:gd name="connsiteY3" fmla="*/ 192440 h 220934"/>
+              <a:gd name="connsiteX4" fmla="*/ 118921 w 430417"/>
+              <a:gd name="connsiteY4" fmla="*/ 73294 h 220934"/>
+              <a:gd name="connsiteX0" fmla="*/ 187947 w 432042"/>
+              <a:gd name="connsiteY0" fmla="*/ 36419 h 220934"/>
+              <a:gd name="connsiteX1" fmla="*/ 430202 w 432042"/>
+              <a:gd name="connsiteY1" fmla="*/ 28494 h 220934"/>
+              <a:gd name="connsiteX2" fmla="*/ 243879 w 432042"/>
+              <a:gd name="connsiteY2" fmla="*/ 184517 h 220934"/>
+              <a:gd name="connsiteX3" fmla="*/ 1625 w 432042"/>
+              <a:gd name="connsiteY3" fmla="*/ 192440 h 220934"/>
+              <a:gd name="connsiteX4" fmla="*/ 120546 w 432042"/>
+              <a:gd name="connsiteY4" fmla="*/ 73294 h 220934"/>
+              <a:gd name="connsiteX0" fmla="*/ 188199 w 432294"/>
+              <a:gd name="connsiteY0" fmla="*/ 36419 h 220934"/>
+              <a:gd name="connsiteX1" fmla="*/ 430454 w 432294"/>
+              <a:gd name="connsiteY1" fmla="*/ 28494 h 220934"/>
+              <a:gd name="connsiteX2" fmla="*/ 244131 w 432294"/>
+              <a:gd name="connsiteY2" fmla="*/ 184517 h 220934"/>
+              <a:gd name="connsiteX3" fmla="*/ 1877 w 432294"/>
+              <a:gd name="connsiteY3" fmla="*/ 192440 h 220934"/>
+              <a:gd name="connsiteX4" fmla="*/ 120798 w 432294"/>
+              <a:gd name="connsiteY4" fmla="*/ 73294 h 220934"/>
+              <a:gd name="connsiteX0" fmla="*/ 188164 w 432259"/>
+              <a:gd name="connsiteY0" fmla="*/ 36419 h 220934"/>
+              <a:gd name="connsiteX1" fmla="*/ 430419 w 432259"/>
+              <a:gd name="connsiteY1" fmla="*/ 28494 h 220934"/>
+              <a:gd name="connsiteX2" fmla="*/ 244096 w 432259"/>
+              <a:gd name="connsiteY2" fmla="*/ 184517 h 220934"/>
+              <a:gd name="connsiteX3" fmla="*/ 1842 w 432259"/>
+              <a:gd name="connsiteY3" fmla="*/ 192440 h 220934"/>
+              <a:gd name="connsiteX4" fmla="*/ 188166 w 432259"/>
+              <a:gd name="connsiteY4" fmla="*/ 36418 h 220934"/>
+              <a:gd name="connsiteX0" fmla="*/ 215738 w 432259"/>
+              <a:gd name="connsiteY0" fmla="*/ 34124 h 221199"/>
+              <a:gd name="connsiteX1" fmla="*/ 430419 w 432259"/>
+              <a:gd name="connsiteY1" fmla="*/ 28759 h 221199"/>
+              <a:gd name="connsiteX2" fmla="*/ 244096 w 432259"/>
+              <a:gd name="connsiteY2" fmla="*/ 184782 h 221199"/>
+              <a:gd name="connsiteX3" fmla="*/ 1842 w 432259"/>
+              <a:gd name="connsiteY3" fmla="*/ 192705 h 221199"/>
+              <a:gd name="connsiteX4" fmla="*/ 188166 w 432259"/>
+              <a:gd name="connsiteY4" fmla="*/ 36683 h 221199"/>
+              <a:gd name="connsiteX0" fmla="*/ 215738 w 432259"/>
+              <a:gd name="connsiteY0" fmla="*/ 27704 h 214779"/>
+              <a:gd name="connsiteX1" fmla="*/ 430419 w 432259"/>
+              <a:gd name="connsiteY1" fmla="*/ 22339 h 214779"/>
+              <a:gd name="connsiteX2" fmla="*/ 244096 w 432259"/>
+              <a:gd name="connsiteY2" fmla="*/ 178362 h 214779"/>
+              <a:gd name="connsiteX3" fmla="*/ 1842 w 432259"/>
+              <a:gd name="connsiteY3" fmla="*/ 186285 h 214779"/>
+              <a:gd name="connsiteX4" fmla="*/ 188166 w 432259"/>
+              <a:gd name="connsiteY4" fmla="*/ 30263 h 214779"/>
+              <a:gd name="connsiteX0" fmla="*/ 215738 w 433402"/>
+              <a:gd name="connsiteY0" fmla="*/ 12187 h 199262"/>
+              <a:gd name="connsiteX1" fmla="*/ 430419 w 433402"/>
+              <a:gd name="connsiteY1" fmla="*/ 6822 h 199262"/>
+              <a:gd name="connsiteX2" fmla="*/ 244096 w 433402"/>
+              <a:gd name="connsiteY2" fmla="*/ 162845 h 199262"/>
+              <a:gd name="connsiteX3" fmla="*/ 1842 w 433402"/>
+              <a:gd name="connsiteY3" fmla="*/ 170768 h 199262"/>
+              <a:gd name="connsiteX4" fmla="*/ 188166 w 433402"/>
+              <a:gd name="connsiteY4" fmla="*/ 14746 h 199262"/>
+              <a:gd name="connsiteX0" fmla="*/ 215738 w 452969"/>
+              <a:gd name="connsiteY0" fmla="*/ 10412 h 197487"/>
+              <a:gd name="connsiteX1" fmla="*/ 452969 w 452969"/>
+              <a:gd name="connsiteY1" fmla="*/ 45783 h 197487"/>
+              <a:gd name="connsiteX2" fmla="*/ 244096 w 452969"/>
+              <a:gd name="connsiteY2" fmla="*/ 161070 h 197487"/>
+              <a:gd name="connsiteX3" fmla="*/ 1842 w 452969"/>
+              <a:gd name="connsiteY3" fmla="*/ 168993 h 197487"/>
+              <a:gd name="connsiteX4" fmla="*/ 188166 w 452969"/>
+              <a:gd name="connsiteY4" fmla="*/ 12971 h 197487"/>
+              <a:gd name="connsiteX0" fmla="*/ 215738 w 452969"/>
+              <a:gd name="connsiteY0" fmla="*/ 10412 h 197487"/>
+              <a:gd name="connsiteX1" fmla="*/ 452969 w 452969"/>
+              <a:gd name="connsiteY1" fmla="*/ 45783 h 197487"/>
+              <a:gd name="connsiteX2" fmla="*/ 244096 w 452969"/>
+              <a:gd name="connsiteY2" fmla="*/ 161070 h 197487"/>
+              <a:gd name="connsiteX3" fmla="*/ 1842 w 452969"/>
+              <a:gd name="connsiteY3" fmla="*/ 168993 h 197487"/>
+              <a:gd name="connsiteX4" fmla="*/ 188166 w 452969"/>
+              <a:gd name="connsiteY4" fmla="*/ 12971 h 197487"/>
+              <a:gd name="connsiteX0" fmla="*/ 215738 w 452969"/>
+              <a:gd name="connsiteY0" fmla="*/ 10412 h 197487"/>
+              <a:gd name="connsiteX1" fmla="*/ 452969 w 452969"/>
+              <a:gd name="connsiteY1" fmla="*/ 45783 h 197487"/>
+              <a:gd name="connsiteX2" fmla="*/ 244096 w 452969"/>
+              <a:gd name="connsiteY2" fmla="*/ 161070 h 197487"/>
+              <a:gd name="connsiteX3" fmla="*/ 1842 w 452969"/>
+              <a:gd name="connsiteY3" fmla="*/ 168993 h 197487"/>
+              <a:gd name="connsiteX4" fmla="*/ 188166 w 452969"/>
+              <a:gd name="connsiteY4" fmla="*/ 12971 h 197487"/>
+              <a:gd name="connsiteX0" fmla="*/ 215738 w 452969"/>
+              <a:gd name="connsiteY0" fmla="*/ 10412 h 197753"/>
+              <a:gd name="connsiteX1" fmla="*/ 452969 w 452969"/>
+              <a:gd name="connsiteY1" fmla="*/ 45783 h 197753"/>
+              <a:gd name="connsiteX2" fmla="*/ 216521 w 452969"/>
+              <a:gd name="connsiteY2" fmla="*/ 163630 h 197753"/>
+              <a:gd name="connsiteX3" fmla="*/ 1842 w 452969"/>
+              <a:gd name="connsiteY3" fmla="*/ 168993 h 197753"/>
+              <a:gd name="connsiteX4" fmla="*/ 188166 w 452969"/>
+              <a:gd name="connsiteY4" fmla="*/ 12971 h 197753"/>
+              <a:gd name="connsiteX0" fmla="*/ 215738 w 452969"/>
+              <a:gd name="connsiteY0" fmla="*/ 10412 h 191332"/>
+              <a:gd name="connsiteX1" fmla="*/ 452969 w 452969"/>
+              <a:gd name="connsiteY1" fmla="*/ 45783 h 191332"/>
+              <a:gd name="connsiteX2" fmla="*/ 216521 w 452969"/>
+              <a:gd name="connsiteY2" fmla="*/ 163630 h 191332"/>
+              <a:gd name="connsiteX3" fmla="*/ 1842 w 452969"/>
+              <a:gd name="connsiteY3" fmla="*/ 168993 h 191332"/>
+              <a:gd name="connsiteX4" fmla="*/ 188166 w 452969"/>
+              <a:gd name="connsiteY4" fmla="*/ 12971 h 191332"/>
+              <a:gd name="connsiteX0" fmla="*/ 216878 w 454109"/>
+              <a:gd name="connsiteY0" fmla="*/ 10412 h 175814"/>
+              <a:gd name="connsiteX1" fmla="*/ 454109 w 454109"/>
+              <a:gd name="connsiteY1" fmla="*/ 45783 h 175814"/>
+              <a:gd name="connsiteX2" fmla="*/ 217661 w 454109"/>
+              <a:gd name="connsiteY2" fmla="*/ 163630 h 175814"/>
+              <a:gd name="connsiteX3" fmla="*/ 2982 w 454109"/>
+              <a:gd name="connsiteY3" fmla="*/ 168993 h 175814"/>
+              <a:gd name="connsiteX4" fmla="*/ 189306 w 454109"/>
+              <a:gd name="connsiteY4" fmla="*/ 12971 h 175814"/>
+              <a:gd name="connsiteX0" fmla="*/ 236447 w 473678"/>
+              <a:gd name="connsiteY0" fmla="*/ 10412 h 174039"/>
+              <a:gd name="connsiteX1" fmla="*/ 473678 w 473678"/>
+              <a:gd name="connsiteY1" fmla="*/ 45783 h 174039"/>
+              <a:gd name="connsiteX2" fmla="*/ 237230 w 473678"/>
+              <a:gd name="connsiteY2" fmla="*/ 163630 h 174039"/>
+              <a:gd name="connsiteX3" fmla="*/ 0 w 473678"/>
+              <a:gd name="connsiteY3" fmla="*/ 128257 h 174039"/>
+              <a:gd name="connsiteX4" fmla="*/ 208875 w 473678"/>
+              <a:gd name="connsiteY4" fmla="*/ 12971 h 174039"/>
+              <a:gd name="connsiteX0" fmla="*/ 236447 w 473678"/>
+              <a:gd name="connsiteY0" fmla="*/ 10412 h 174039"/>
+              <a:gd name="connsiteX1" fmla="*/ 473678 w 473678"/>
+              <a:gd name="connsiteY1" fmla="*/ 45783 h 174039"/>
+              <a:gd name="connsiteX2" fmla="*/ 237230 w 473678"/>
+              <a:gd name="connsiteY2" fmla="*/ 163630 h 174039"/>
+              <a:gd name="connsiteX3" fmla="*/ 0 w 473678"/>
+              <a:gd name="connsiteY3" fmla="*/ 128257 h 174039"/>
+              <a:gd name="connsiteX4" fmla="*/ 208875 w 473678"/>
+              <a:gd name="connsiteY4" fmla="*/ 12971 h 174039"/>
+              <a:gd name="connsiteX0" fmla="*/ 236447 w 473678"/>
+              <a:gd name="connsiteY0" fmla="*/ 10412 h 174039"/>
+              <a:gd name="connsiteX1" fmla="*/ 473678 w 473678"/>
+              <a:gd name="connsiteY1" fmla="*/ 45783 h 174039"/>
+              <a:gd name="connsiteX2" fmla="*/ 237230 w 473678"/>
+              <a:gd name="connsiteY2" fmla="*/ 163630 h 174039"/>
+              <a:gd name="connsiteX3" fmla="*/ 0 w 473678"/>
+              <a:gd name="connsiteY3" fmla="*/ 128257 h 174039"/>
+              <a:gd name="connsiteX4" fmla="*/ 208875 w 473678"/>
+              <a:gd name="connsiteY4" fmla="*/ 12971 h 174039"/>
+              <a:gd name="connsiteX0" fmla="*/ 236447 w 473678"/>
+              <a:gd name="connsiteY0" fmla="*/ 10412 h 174039"/>
+              <a:gd name="connsiteX1" fmla="*/ 473678 w 473678"/>
+              <a:gd name="connsiteY1" fmla="*/ 45783 h 174039"/>
+              <a:gd name="connsiteX2" fmla="*/ 237230 w 473678"/>
+              <a:gd name="connsiteY2" fmla="*/ 163630 h 174039"/>
+              <a:gd name="connsiteX3" fmla="*/ 0 w 473678"/>
+              <a:gd name="connsiteY3" fmla="*/ 128257 h 174039"/>
+              <a:gd name="connsiteX4" fmla="*/ 236451 w 473678"/>
+              <a:gd name="connsiteY4" fmla="*/ 10411 h 174039"/>
+              <a:gd name="connsiteX0" fmla="*/ 252120 w 473678"/>
+              <a:gd name="connsiteY0" fmla="*/ 10922 h 173794"/>
+              <a:gd name="connsiteX1" fmla="*/ 473678 w 473678"/>
+              <a:gd name="connsiteY1" fmla="*/ 45538 h 173794"/>
+              <a:gd name="connsiteX2" fmla="*/ 237230 w 473678"/>
+              <a:gd name="connsiteY2" fmla="*/ 163385 h 173794"/>
+              <a:gd name="connsiteX3" fmla="*/ 0 w 473678"/>
+              <a:gd name="connsiteY3" fmla="*/ 128012 h 173794"/>
+              <a:gd name="connsiteX4" fmla="*/ 236451 w 473678"/>
+              <a:gd name="connsiteY4" fmla="*/ 10166 h 173794"/>
+              <a:gd name="connsiteX0" fmla="*/ 252120 w 473678"/>
+              <a:gd name="connsiteY0" fmla="*/ 4639 h 167511"/>
+              <a:gd name="connsiteX1" fmla="*/ 473678 w 473678"/>
+              <a:gd name="connsiteY1" fmla="*/ 39255 h 167511"/>
+              <a:gd name="connsiteX2" fmla="*/ 237230 w 473678"/>
+              <a:gd name="connsiteY2" fmla="*/ 157102 h 167511"/>
+              <a:gd name="connsiteX3" fmla="*/ 0 w 473678"/>
+              <a:gd name="connsiteY3" fmla="*/ 121729 h 167511"/>
+              <a:gd name="connsiteX4" fmla="*/ 236451 w 473678"/>
+              <a:gd name="connsiteY4" fmla="*/ 3883 h 167511"/>
+              <a:gd name="connsiteX0" fmla="*/ 252120 w 475039"/>
+              <a:gd name="connsiteY0" fmla="*/ 1946 h 164818"/>
+              <a:gd name="connsiteX1" fmla="*/ 473678 w 475039"/>
+              <a:gd name="connsiteY1" fmla="*/ 36562 h 164818"/>
+              <a:gd name="connsiteX2" fmla="*/ 237230 w 475039"/>
+              <a:gd name="connsiteY2" fmla="*/ 154409 h 164818"/>
+              <a:gd name="connsiteX3" fmla="*/ 0 w 475039"/>
+              <a:gd name="connsiteY3" fmla="*/ 119036 h 164818"/>
+              <a:gd name="connsiteX4" fmla="*/ 236451 w 475039"/>
+              <a:gd name="connsiteY4" fmla="*/ 1190 h 164818"/>
+              <a:gd name="connsiteX0" fmla="*/ 252120 w 480143"/>
+              <a:gd name="connsiteY0" fmla="*/ 1880 h 164752"/>
+              <a:gd name="connsiteX1" fmla="*/ 479655 w 480143"/>
+              <a:gd name="connsiteY1" fmla="*/ 60824 h 164752"/>
+              <a:gd name="connsiteX2" fmla="*/ 237230 w 480143"/>
+              <a:gd name="connsiteY2" fmla="*/ 154343 h 164752"/>
+              <a:gd name="connsiteX3" fmla="*/ 0 w 480143"/>
+              <a:gd name="connsiteY3" fmla="*/ 118970 h 164752"/>
+              <a:gd name="connsiteX4" fmla="*/ 236451 w 480143"/>
+              <a:gd name="connsiteY4" fmla="*/ 1124 h 164752"/>
+              <a:gd name="connsiteX0" fmla="*/ 252120 w 480143"/>
+              <a:gd name="connsiteY0" fmla="*/ 1880 h 164752"/>
+              <a:gd name="connsiteX1" fmla="*/ 479655 w 480143"/>
+              <a:gd name="connsiteY1" fmla="*/ 60824 h 164752"/>
+              <a:gd name="connsiteX2" fmla="*/ 237230 w 480143"/>
+              <a:gd name="connsiteY2" fmla="*/ 154343 h 164752"/>
+              <a:gd name="connsiteX3" fmla="*/ 0 w 480143"/>
+              <a:gd name="connsiteY3" fmla="*/ 118970 h 164752"/>
+              <a:gd name="connsiteX4" fmla="*/ 236451 w 480143"/>
+              <a:gd name="connsiteY4" fmla="*/ 1124 h 164752"/>
+              <a:gd name="connsiteX0" fmla="*/ 252120 w 480143"/>
+              <a:gd name="connsiteY0" fmla="*/ 1880 h 164752"/>
+              <a:gd name="connsiteX1" fmla="*/ 479655 w 480143"/>
+              <a:gd name="connsiteY1" fmla="*/ 60824 h 164752"/>
+              <a:gd name="connsiteX2" fmla="*/ 237230 w 480143"/>
+              <a:gd name="connsiteY2" fmla="*/ 154343 h 164752"/>
+              <a:gd name="connsiteX3" fmla="*/ 0 w 480143"/>
+              <a:gd name="connsiteY3" fmla="*/ 118970 h 164752"/>
+              <a:gd name="connsiteX4" fmla="*/ 236451 w 480143"/>
+              <a:gd name="connsiteY4" fmla="*/ 1124 h 164752"/>
+              <a:gd name="connsiteX0" fmla="*/ 252120 w 480143"/>
+              <a:gd name="connsiteY0" fmla="*/ 1880 h 164507"/>
+              <a:gd name="connsiteX1" fmla="*/ 479655 w 480143"/>
+              <a:gd name="connsiteY1" fmla="*/ 60824 h 164507"/>
+              <a:gd name="connsiteX2" fmla="*/ 221556 w 480143"/>
+              <a:gd name="connsiteY2" fmla="*/ 153587 h 164507"/>
+              <a:gd name="connsiteX3" fmla="*/ 0 w 480143"/>
+              <a:gd name="connsiteY3" fmla="*/ 118970 h 164507"/>
+              <a:gd name="connsiteX4" fmla="*/ 236451 w 480143"/>
+              <a:gd name="connsiteY4" fmla="*/ 1124 h 164507"/>
+              <a:gd name="connsiteX0" fmla="*/ 252120 w 480143"/>
+              <a:gd name="connsiteY0" fmla="*/ 1880 h 158224"/>
+              <a:gd name="connsiteX1" fmla="*/ 479655 w 480143"/>
+              <a:gd name="connsiteY1" fmla="*/ 60824 h 158224"/>
+              <a:gd name="connsiteX2" fmla="*/ 221556 w 480143"/>
+              <a:gd name="connsiteY2" fmla="*/ 153587 h 158224"/>
+              <a:gd name="connsiteX3" fmla="*/ 0 w 480143"/>
+              <a:gd name="connsiteY3" fmla="*/ 118970 h 158224"/>
+              <a:gd name="connsiteX4" fmla="*/ 236451 w 480143"/>
+              <a:gd name="connsiteY4" fmla="*/ 1124 h 158224"/>
+              <a:gd name="connsiteX0" fmla="*/ 253481 w 481504"/>
+              <a:gd name="connsiteY0" fmla="*/ 1880 h 155531"/>
+              <a:gd name="connsiteX1" fmla="*/ 481016 w 481504"/>
+              <a:gd name="connsiteY1" fmla="*/ 60824 h 155531"/>
+              <a:gd name="connsiteX2" fmla="*/ 222917 w 481504"/>
+              <a:gd name="connsiteY2" fmla="*/ 153587 h 155531"/>
+              <a:gd name="connsiteX3" fmla="*/ 1361 w 481504"/>
+              <a:gd name="connsiteY3" fmla="*/ 118970 h 155531"/>
+              <a:gd name="connsiteX4" fmla="*/ 237812 w 481504"/>
+              <a:gd name="connsiteY4" fmla="*/ 1124 h 155531"/>
+              <a:gd name="connsiteX0" fmla="*/ 258585 w 486608"/>
+              <a:gd name="connsiteY0" fmla="*/ 1880 h 155465"/>
+              <a:gd name="connsiteX1" fmla="*/ 486120 w 486608"/>
+              <a:gd name="connsiteY1" fmla="*/ 60824 h 155465"/>
+              <a:gd name="connsiteX2" fmla="*/ 228021 w 486608"/>
+              <a:gd name="connsiteY2" fmla="*/ 153587 h 155465"/>
+              <a:gd name="connsiteX3" fmla="*/ 488 w 486608"/>
+              <a:gd name="connsiteY3" fmla="*/ 94641 h 155465"/>
+              <a:gd name="connsiteX4" fmla="*/ 242916 w 486608"/>
+              <a:gd name="connsiteY4" fmla="*/ 1124 h 155465"/>
+              <a:gd name="connsiteX0" fmla="*/ 258585 w 486608"/>
+              <a:gd name="connsiteY0" fmla="*/ 1880 h 155465"/>
+              <a:gd name="connsiteX1" fmla="*/ 486120 w 486608"/>
+              <a:gd name="connsiteY1" fmla="*/ 60824 h 155465"/>
+              <a:gd name="connsiteX2" fmla="*/ 228021 w 486608"/>
+              <a:gd name="connsiteY2" fmla="*/ 153587 h 155465"/>
+              <a:gd name="connsiteX3" fmla="*/ 488 w 486608"/>
+              <a:gd name="connsiteY3" fmla="*/ 94641 h 155465"/>
+              <a:gd name="connsiteX4" fmla="*/ 242916 w 486608"/>
+              <a:gd name="connsiteY4" fmla="*/ 1124 h 155465"/>
+              <a:gd name="connsiteX0" fmla="*/ 258585 w 486608"/>
+              <a:gd name="connsiteY0" fmla="*/ 1880 h 155465"/>
+              <a:gd name="connsiteX1" fmla="*/ 486120 w 486608"/>
+              <a:gd name="connsiteY1" fmla="*/ 60824 h 155465"/>
+              <a:gd name="connsiteX2" fmla="*/ 228021 w 486608"/>
+              <a:gd name="connsiteY2" fmla="*/ 153587 h 155465"/>
+              <a:gd name="connsiteX3" fmla="*/ 488 w 486608"/>
+              <a:gd name="connsiteY3" fmla="*/ 94641 h 155465"/>
+              <a:gd name="connsiteX4" fmla="*/ 242916 w 486608"/>
+              <a:gd name="connsiteY4" fmla="*/ 1124 h 155465"/>
+              <a:gd name="connsiteX0" fmla="*/ 258585 w 486608"/>
+              <a:gd name="connsiteY0" fmla="*/ 1880 h 155465"/>
+              <a:gd name="connsiteX1" fmla="*/ 486120 w 486608"/>
+              <a:gd name="connsiteY1" fmla="*/ 60824 h 155465"/>
+              <a:gd name="connsiteX2" fmla="*/ 228021 w 486608"/>
+              <a:gd name="connsiteY2" fmla="*/ 153587 h 155465"/>
+              <a:gd name="connsiteX3" fmla="*/ 488 w 486608"/>
+              <a:gd name="connsiteY3" fmla="*/ 94641 h 155465"/>
+              <a:gd name="connsiteX4" fmla="*/ 258589 w 486608"/>
+              <a:gd name="connsiteY4" fmla="*/ 1879 h 155465"/>
+              <a:gd name="connsiteX0" fmla="*/ 243234 w 486608"/>
+              <a:gd name="connsiteY0" fmla="*/ 1618 h 155959"/>
+              <a:gd name="connsiteX1" fmla="*/ 486120 w 486608"/>
+              <a:gd name="connsiteY1" fmla="*/ 61318 h 155959"/>
+              <a:gd name="connsiteX2" fmla="*/ 228021 w 486608"/>
+              <a:gd name="connsiteY2" fmla="*/ 154081 h 155959"/>
+              <a:gd name="connsiteX3" fmla="*/ 488 w 486608"/>
+              <a:gd name="connsiteY3" fmla="*/ 95135 h 155959"/>
+              <a:gd name="connsiteX4" fmla="*/ 258589 w 486608"/>
+              <a:gd name="connsiteY4" fmla="*/ 2373 h 155959"/>
+              <a:gd name="connsiteX0" fmla="*/ 243234 w 486538"/>
+              <a:gd name="connsiteY0" fmla="*/ 6455 h 160796"/>
+              <a:gd name="connsiteX1" fmla="*/ 486120 w 486538"/>
+              <a:gd name="connsiteY1" fmla="*/ 66155 h 160796"/>
+              <a:gd name="connsiteX2" fmla="*/ 228021 w 486538"/>
+              <a:gd name="connsiteY2" fmla="*/ 158918 h 160796"/>
+              <a:gd name="connsiteX3" fmla="*/ 488 w 486538"/>
+              <a:gd name="connsiteY3" fmla="*/ 99972 h 160796"/>
+              <a:gd name="connsiteX4" fmla="*/ 258589 w 486538"/>
+              <a:gd name="connsiteY4" fmla="*/ 7210 h 160796"/>
+              <a:gd name="connsiteX0" fmla="*/ 243234 w 486120"/>
+              <a:gd name="connsiteY0" fmla="*/ 9581 h 163922"/>
+              <a:gd name="connsiteX1" fmla="*/ 486120 w 486120"/>
+              <a:gd name="connsiteY1" fmla="*/ 69281 h 163922"/>
+              <a:gd name="connsiteX2" fmla="*/ 228021 w 486120"/>
+              <a:gd name="connsiteY2" fmla="*/ 162044 h 163922"/>
+              <a:gd name="connsiteX3" fmla="*/ 488 w 486120"/>
+              <a:gd name="connsiteY3" fmla="*/ 103098 h 163922"/>
+              <a:gd name="connsiteX4" fmla="*/ 258589 w 486120"/>
+              <a:gd name="connsiteY4" fmla="*/ 10336 h 163922"/>
+              <a:gd name="connsiteX0" fmla="*/ 243234 w 480315"/>
+              <a:gd name="connsiteY0" fmla="*/ 10179 h 164520"/>
+              <a:gd name="connsiteX1" fmla="*/ 480315 w 480315"/>
+              <a:gd name="connsiteY1" fmla="*/ 46043 h 164520"/>
+              <a:gd name="connsiteX2" fmla="*/ 228021 w 480315"/>
+              <a:gd name="connsiteY2" fmla="*/ 162642 h 164520"/>
+              <a:gd name="connsiteX3" fmla="*/ 488 w 480315"/>
+              <a:gd name="connsiteY3" fmla="*/ 103696 h 164520"/>
+              <a:gd name="connsiteX4" fmla="*/ 258589 w 480315"/>
+              <a:gd name="connsiteY4" fmla="*/ 10934 h 164520"/>
+              <a:gd name="connsiteX0" fmla="*/ 243234 w 480315"/>
+              <a:gd name="connsiteY0" fmla="*/ 10179 h 164520"/>
+              <a:gd name="connsiteX1" fmla="*/ 480315 w 480315"/>
+              <a:gd name="connsiteY1" fmla="*/ 46043 h 164520"/>
+              <a:gd name="connsiteX2" fmla="*/ 228021 w 480315"/>
+              <a:gd name="connsiteY2" fmla="*/ 162642 h 164520"/>
+              <a:gd name="connsiteX3" fmla="*/ 488 w 480315"/>
+              <a:gd name="connsiteY3" fmla="*/ 103696 h 164520"/>
+              <a:gd name="connsiteX4" fmla="*/ 258589 w 480315"/>
+              <a:gd name="connsiteY4" fmla="*/ 10934 h 164520"/>
+              <a:gd name="connsiteX0" fmla="*/ 243234 w 480315"/>
+              <a:gd name="connsiteY0" fmla="*/ 10179 h 164520"/>
+              <a:gd name="connsiteX1" fmla="*/ 480315 w 480315"/>
+              <a:gd name="connsiteY1" fmla="*/ 46043 h 164520"/>
+              <a:gd name="connsiteX2" fmla="*/ 228021 w 480315"/>
+              <a:gd name="connsiteY2" fmla="*/ 162642 h 164520"/>
+              <a:gd name="connsiteX3" fmla="*/ 488 w 480315"/>
+              <a:gd name="connsiteY3" fmla="*/ 103696 h 164520"/>
+              <a:gd name="connsiteX4" fmla="*/ 258589 w 480315"/>
+              <a:gd name="connsiteY4" fmla="*/ 10934 h 164520"/>
+              <a:gd name="connsiteX0" fmla="*/ 243234 w 480315"/>
+              <a:gd name="connsiteY0" fmla="*/ 10179 h 165014"/>
+              <a:gd name="connsiteX1" fmla="*/ 480315 w 480315"/>
+              <a:gd name="connsiteY1" fmla="*/ 46043 h 165014"/>
+              <a:gd name="connsiteX2" fmla="*/ 243374 w 480315"/>
+              <a:gd name="connsiteY2" fmla="*/ 163397 h 165014"/>
+              <a:gd name="connsiteX3" fmla="*/ 488 w 480315"/>
+              <a:gd name="connsiteY3" fmla="*/ 103696 h 165014"/>
+              <a:gd name="connsiteX4" fmla="*/ 258589 w 480315"/>
+              <a:gd name="connsiteY4" fmla="*/ 10934 h 165014"/>
+              <a:gd name="connsiteX0" fmla="*/ 243165 w 480246"/>
+              <a:gd name="connsiteY0" fmla="*/ 10179 h 169851"/>
+              <a:gd name="connsiteX1" fmla="*/ 480246 w 480246"/>
+              <a:gd name="connsiteY1" fmla="*/ 46043 h 169851"/>
+              <a:gd name="connsiteX2" fmla="*/ 243305 w 480246"/>
+              <a:gd name="connsiteY2" fmla="*/ 163397 h 169851"/>
+              <a:gd name="connsiteX3" fmla="*/ 419 w 480246"/>
+              <a:gd name="connsiteY3" fmla="*/ 103696 h 169851"/>
+              <a:gd name="connsiteX4" fmla="*/ 258520 w 480246"/>
+              <a:gd name="connsiteY4" fmla="*/ 10934 h 169851"/>
+              <a:gd name="connsiteX0" fmla="*/ 242746 w 479827"/>
+              <a:gd name="connsiteY0" fmla="*/ 10179 h 172977"/>
+              <a:gd name="connsiteX1" fmla="*/ 479827 w 479827"/>
+              <a:gd name="connsiteY1" fmla="*/ 46043 h 172977"/>
+              <a:gd name="connsiteX2" fmla="*/ 242886 w 479827"/>
+              <a:gd name="connsiteY2" fmla="*/ 163397 h 172977"/>
+              <a:gd name="connsiteX3" fmla="*/ 0 w 479827"/>
+              <a:gd name="connsiteY3" fmla="*/ 103696 h 172977"/>
+              <a:gd name="connsiteX4" fmla="*/ 258101 w 479827"/>
+              <a:gd name="connsiteY4" fmla="*/ 10934 h 172977"/>
+              <a:gd name="connsiteX0" fmla="*/ 236941 w 474022"/>
+              <a:gd name="connsiteY0" fmla="*/ 10179 h 173576"/>
+              <a:gd name="connsiteX1" fmla="*/ 474022 w 474022"/>
+              <a:gd name="connsiteY1" fmla="*/ 46043 h 173576"/>
+              <a:gd name="connsiteX2" fmla="*/ 237081 w 474022"/>
+              <a:gd name="connsiteY2" fmla="*/ 163397 h 173576"/>
+              <a:gd name="connsiteX3" fmla="*/ 0 w 474022"/>
+              <a:gd name="connsiteY3" fmla="*/ 127532 h 173576"/>
+              <a:gd name="connsiteX4" fmla="*/ 252296 w 474022"/>
+              <a:gd name="connsiteY4" fmla="*/ 10934 h 173576"/>
+              <a:gd name="connsiteX0" fmla="*/ 236941 w 474022"/>
+              <a:gd name="connsiteY0" fmla="*/ 10179 h 173576"/>
+              <a:gd name="connsiteX1" fmla="*/ 474022 w 474022"/>
+              <a:gd name="connsiteY1" fmla="*/ 46043 h 173576"/>
+              <a:gd name="connsiteX2" fmla="*/ 237081 w 474022"/>
+              <a:gd name="connsiteY2" fmla="*/ 163397 h 173576"/>
+              <a:gd name="connsiteX3" fmla="*/ 0 w 474022"/>
+              <a:gd name="connsiteY3" fmla="*/ 127532 h 173576"/>
+              <a:gd name="connsiteX4" fmla="*/ 252296 w 474022"/>
+              <a:gd name="connsiteY4" fmla="*/ 10934 h 173576"/>
+              <a:gd name="connsiteX0" fmla="*/ 236941 w 474022"/>
+              <a:gd name="connsiteY0" fmla="*/ 10179 h 173576"/>
+              <a:gd name="connsiteX1" fmla="*/ 474022 w 474022"/>
+              <a:gd name="connsiteY1" fmla="*/ 46043 h 173576"/>
+              <a:gd name="connsiteX2" fmla="*/ 237081 w 474022"/>
+              <a:gd name="connsiteY2" fmla="*/ 163397 h 173576"/>
+              <a:gd name="connsiteX3" fmla="*/ 0 w 474022"/>
+              <a:gd name="connsiteY3" fmla="*/ 127532 h 173576"/>
+              <a:gd name="connsiteX4" fmla="*/ 252296 w 474022"/>
+              <a:gd name="connsiteY4" fmla="*/ 10934 h 173576"/>
+              <a:gd name="connsiteX0" fmla="*/ 236941 w 474022"/>
+              <a:gd name="connsiteY0" fmla="*/ 10179 h 173576"/>
+              <a:gd name="connsiteX1" fmla="*/ 474022 w 474022"/>
+              <a:gd name="connsiteY1" fmla="*/ 46043 h 173576"/>
+              <a:gd name="connsiteX2" fmla="*/ 237081 w 474022"/>
+              <a:gd name="connsiteY2" fmla="*/ 163397 h 173576"/>
+              <a:gd name="connsiteX3" fmla="*/ 0 w 474022"/>
+              <a:gd name="connsiteY3" fmla="*/ 127532 h 173576"/>
+              <a:gd name="connsiteX4" fmla="*/ 236945 w 474022"/>
+              <a:gd name="connsiteY4" fmla="*/ 10178 h 173576"/>
+              <a:gd name="connsiteX0" fmla="*/ 231601 w 474022"/>
+              <a:gd name="connsiteY0" fmla="*/ 10248 h 173544"/>
+              <a:gd name="connsiteX1" fmla="*/ 474022 w 474022"/>
+              <a:gd name="connsiteY1" fmla="*/ 46011 h 173544"/>
+              <a:gd name="connsiteX2" fmla="*/ 237081 w 474022"/>
+              <a:gd name="connsiteY2" fmla="*/ 163365 h 173544"/>
+              <a:gd name="connsiteX3" fmla="*/ 0 w 474022"/>
+              <a:gd name="connsiteY3" fmla="*/ 127500 h 173544"/>
+              <a:gd name="connsiteX4" fmla="*/ 236945 w 474022"/>
+              <a:gd name="connsiteY4" fmla="*/ 10146 h 173544"/>
+              <a:gd name="connsiteX0" fmla="*/ 231601 w 474022"/>
+              <a:gd name="connsiteY0" fmla="*/ 12322 h 175618"/>
+              <a:gd name="connsiteX1" fmla="*/ 474022 w 474022"/>
+              <a:gd name="connsiteY1" fmla="*/ 48085 h 175618"/>
+              <a:gd name="connsiteX2" fmla="*/ 237081 w 474022"/>
+              <a:gd name="connsiteY2" fmla="*/ 165439 h 175618"/>
+              <a:gd name="connsiteX3" fmla="*/ 0 w 474022"/>
+              <a:gd name="connsiteY3" fmla="*/ 129574 h 175618"/>
+              <a:gd name="connsiteX4" fmla="*/ 236945 w 474022"/>
+              <a:gd name="connsiteY4" fmla="*/ 12220 h 175618"/>
+              <a:gd name="connsiteX0" fmla="*/ 231601 w 474022"/>
+              <a:gd name="connsiteY0" fmla="*/ 14197 h 177493"/>
+              <a:gd name="connsiteX1" fmla="*/ 474022 w 474022"/>
+              <a:gd name="connsiteY1" fmla="*/ 49960 h 177493"/>
+              <a:gd name="connsiteX2" fmla="*/ 237081 w 474022"/>
+              <a:gd name="connsiteY2" fmla="*/ 167314 h 177493"/>
+              <a:gd name="connsiteX3" fmla="*/ 0 w 474022"/>
+              <a:gd name="connsiteY3" fmla="*/ 131449 h 177493"/>
+              <a:gd name="connsiteX4" fmla="*/ 236945 w 474022"/>
+              <a:gd name="connsiteY4" fmla="*/ 14095 h 177493"/>
+              <a:gd name="connsiteX0" fmla="*/ 231601 w 470946"/>
+              <a:gd name="connsiteY0" fmla="*/ 14582 h 177878"/>
+              <a:gd name="connsiteX1" fmla="*/ 470877 w 470946"/>
+              <a:gd name="connsiteY1" fmla="*/ 41677 h 177878"/>
+              <a:gd name="connsiteX2" fmla="*/ 237081 w 470946"/>
+              <a:gd name="connsiteY2" fmla="*/ 167699 h 177878"/>
+              <a:gd name="connsiteX3" fmla="*/ 0 w 470946"/>
+              <a:gd name="connsiteY3" fmla="*/ 131834 h 177878"/>
+              <a:gd name="connsiteX4" fmla="*/ 236945 w 470946"/>
+              <a:gd name="connsiteY4" fmla="*/ 14480 h 177878"/>
+              <a:gd name="connsiteX0" fmla="*/ 231601 w 470938"/>
+              <a:gd name="connsiteY0" fmla="*/ 14582 h 177878"/>
+              <a:gd name="connsiteX1" fmla="*/ 470877 w 470938"/>
+              <a:gd name="connsiteY1" fmla="*/ 41677 h 177878"/>
+              <a:gd name="connsiteX2" fmla="*/ 237081 w 470938"/>
+              <a:gd name="connsiteY2" fmla="*/ 167699 h 177878"/>
+              <a:gd name="connsiteX3" fmla="*/ 0 w 470938"/>
+              <a:gd name="connsiteY3" fmla="*/ 131834 h 177878"/>
+              <a:gd name="connsiteX4" fmla="*/ 236945 w 470938"/>
+              <a:gd name="connsiteY4" fmla="*/ 14480 h 177878"/>
+              <a:gd name="connsiteX0" fmla="*/ 231601 w 470941"/>
+              <a:gd name="connsiteY0" fmla="*/ 14582 h 177878"/>
+              <a:gd name="connsiteX1" fmla="*/ 470877 w 470941"/>
+              <a:gd name="connsiteY1" fmla="*/ 41677 h 177878"/>
+              <a:gd name="connsiteX2" fmla="*/ 237081 w 470941"/>
+              <a:gd name="connsiteY2" fmla="*/ 167699 h 177878"/>
+              <a:gd name="connsiteX3" fmla="*/ 0 w 470941"/>
+              <a:gd name="connsiteY3" fmla="*/ 131834 h 177878"/>
+              <a:gd name="connsiteX4" fmla="*/ 236945 w 470941"/>
+              <a:gd name="connsiteY4" fmla="*/ 14480 h 177878"/>
+              <a:gd name="connsiteX0" fmla="*/ 231601 w 470940"/>
+              <a:gd name="connsiteY0" fmla="*/ 14582 h 177844"/>
+              <a:gd name="connsiteX1" fmla="*/ 470877 w 470940"/>
+              <a:gd name="connsiteY1" fmla="*/ 41677 h 177844"/>
+              <a:gd name="connsiteX2" fmla="*/ 242422 w 470940"/>
+              <a:gd name="connsiteY2" fmla="*/ 167599 h 177844"/>
+              <a:gd name="connsiteX3" fmla="*/ 0 w 470940"/>
+              <a:gd name="connsiteY3" fmla="*/ 131834 h 177844"/>
+              <a:gd name="connsiteX4" fmla="*/ 236945 w 470940"/>
+              <a:gd name="connsiteY4" fmla="*/ 14480 h 177844"/>
+              <a:gd name="connsiteX0" fmla="*/ 231601 w 470940"/>
+              <a:gd name="connsiteY0" fmla="*/ 14582 h 179919"/>
+              <a:gd name="connsiteX1" fmla="*/ 470877 w 470940"/>
+              <a:gd name="connsiteY1" fmla="*/ 41677 h 179919"/>
+              <a:gd name="connsiteX2" fmla="*/ 242422 w 470940"/>
+              <a:gd name="connsiteY2" fmla="*/ 167599 h 179919"/>
+              <a:gd name="connsiteX3" fmla="*/ 0 w 470940"/>
+              <a:gd name="connsiteY3" fmla="*/ 131834 h 179919"/>
+              <a:gd name="connsiteX4" fmla="*/ 236945 w 470940"/>
+              <a:gd name="connsiteY4" fmla="*/ 14480 h 179919"/>
+              <a:gd name="connsiteX0" fmla="*/ 231601 w 470940"/>
+              <a:gd name="connsiteY0" fmla="*/ 14582 h 181795"/>
+              <a:gd name="connsiteX1" fmla="*/ 470877 w 470940"/>
+              <a:gd name="connsiteY1" fmla="*/ 41677 h 181795"/>
+              <a:gd name="connsiteX2" fmla="*/ 242422 w 470940"/>
+              <a:gd name="connsiteY2" fmla="*/ 167599 h 181795"/>
+              <a:gd name="connsiteX3" fmla="*/ 0 w 470940"/>
+              <a:gd name="connsiteY3" fmla="*/ 131834 h 181795"/>
+              <a:gd name="connsiteX4" fmla="*/ 236945 w 470940"/>
+              <a:gd name="connsiteY4" fmla="*/ 14480 h 181795"/>
+              <a:gd name="connsiteX0" fmla="*/ 228526 w 467865"/>
+              <a:gd name="connsiteY0" fmla="*/ 14582 h 182180"/>
+              <a:gd name="connsiteX1" fmla="*/ 467802 w 467865"/>
+              <a:gd name="connsiteY1" fmla="*/ 41677 h 182180"/>
+              <a:gd name="connsiteX2" fmla="*/ 239347 w 467865"/>
+              <a:gd name="connsiteY2" fmla="*/ 167599 h 182180"/>
+              <a:gd name="connsiteX3" fmla="*/ 70 w 467865"/>
+              <a:gd name="connsiteY3" fmla="*/ 140503 h 182180"/>
+              <a:gd name="connsiteX4" fmla="*/ 233870 w 467865"/>
+              <a:gd name="connsiteY4" fmla="*/ 14480 h 182180"/>
+              <a:gd name="connsiteX0" fmla="*/ 228518 w 467857"/>
+              <a:gd name="connsiteY0" fmla="*/ 14582 h 182180"/>
+              <a:gd name="connsiteX1" fmla="*/ 467794 w 467857"/>
+              <a:gd name="connsiteY1" fmla="*/ 41677 h 182180"/>
+              <a:gd name="connsiteX2" fmla="*/ 239339 w 467857"/>
+              <a:gd name="connsiteY2" fmla="*/ 167599 h 182180"/>
+              <a:gd name="connsiteX3" fmla="*/ 62 w 467857"/>
+              <a:gd name="connsiteY3" fmla="*/ 140503 h 182180"/>
+              <a:gd name="connsiteX4" fmla="*/ 233862 w 467857"/>
+              <a:gd name="connsiteY4" fmla="*/ 14480 h 182180"/>
+              <a:gd name="connsiteX0" fmla="*/ 228519 w 467858"/>
+              <a:gd name="connsiteY0" fmla="*/ 14582 h 182180"/>
+              <a:gd name="connsiteX1" fmla="*/ 467795 w 467858"/>
+              <a:gd name="connsiteY1" fmla="*/ 41677 h 182180"/>
+              <a:gd name="connsiteX2" fmla="*/ 239340 w 467858"/>
+              <a:gd name="connsiteY2" fmla="*/ 167599 h 182180"/>
+              <a:gd name="connsiteX3" fmla="*/ 63 w 467858"/>
+              <a:gd name="connsiteY3" fmla="*/ 140503 h 182180"/>
+              <a:gd name="connsiteX4" fmla="*/ 233863 w 467858"/>
+              <a:gd name="connsiteY4" fmla="*/ 14480 h 182180"/>
+              <a:gd name="connsiteX0" fmla="*/ 228519 w 467858"/>
+              <a:gd name="connsiteY0" fmla="*/ 14582 h 182180"/>
+              <a:gd name="connsiteX1" fmla="*/ 467795 w 467858"/>
+              <a:gd name="connsiteY1" fmla="*/ 41677 h 182180"/>
+              <a:gd name="connsiteX2" fmla="*/ 239340 w 467858"/>
+              <a:gd name="connsiteY2" fmla="*/ 167599 h 182180"/>
+              <a:gd name="connsiteX3" fmla="*/ 63 w 467858"/>
+              <a:gd name="connsiteY3" fmla="*/ 140503 h 182180"/>
+              <a:gd name="connsiteX4" fmla="*/ 228523 w 467858"/>
+              <a:gd name="connsiteY4" fmla="*/ 14580 h 182180"/>
+              <a:gd name="connsiteX0" fmla="*/ 235878 w 467858"/>
+              <a:gd name="connsiteY0" fmla="*/ 14517 h 182203"/>
+              <a:gd name="connsiteX1" fmla="*/ 467795 w 467858"/>
+              <a:gd name="connsiteY1" fmla="*/ 41700 h 182203"/>
+              <a:gd name="connsiteX2" fmla="*/ 239340 w 467858"/>
+              <a:gd name="connsiteY2" fmla="*/ 167622 h 182203"/>
+              <a:gd name="connsiteX3" fmla="*/ 63 w 467858"/>
+              <a:gd name="connsiteY3" fmla="*/ 140526 h 182203"/>
+              <a:gd name="connsiteX4" fmla="*/ 228523 w 467858"/>
+              <a:gd name="connsiteY4" fmla="*/ 14603 h 182203"/>
+              <a:gd name="connsiteX0" fmla="*/ 235878 w 467858"/>
+              <a:gd name="connsiteY0" fmla="*/ 11636 h 179322"/>
+              <a:gd name="connsiteX1" fmla="*/ 467795 w 467858"/>
+              <a:gd name="connsiteY1" fmla="*/ 38819 h 179322"/>
+              <a:gd name="connsiteX2" fmla="*/ 239340 w 467858"/>
+              <a:gd name="connsiteY2" fmla="*/ 164741 h 179322"/>
+              <a:gd name="connsiteX3" fmla="*/ 63 w 467858"/>
+              <a:gd name="connsiteY3" fmla="*/ 137645 h 179322"/>
+              <a:gd name="connsiteX4" fmla="*/ 228523 w 467858"/>
+              <a:gd name="connsiteY4" fmla="*/ 11722 h 179322"/>
+              <a:gd name="connsiteX0" fmla="*/ 235878 w 467982"/>
+              <a:gd name="connsiteY0" fmla="*/ 8982 h 176668"/>
+              <a:gd name="connsiteX1" fmla="*/ 467795 w 467982"/>
+              <a:gd name="connsiteY1" fmla="*/ 36165 h 176668"/>
+              <a:gd name="connsiteX2" fmla="*/ 239340 w 467982"/>
+              <a:gd name="connsiteY2" fmla="*/ 162087 h 176668"/>
+              <a:gd name="connsiteX3" fmla="*/ 63 w 467982"/>
+              <a:gd name="connsiteY3" fmla="*/ 134991 h 176668"/>
+              <a:gd name="connsiteX4" fmla="*/ 228523 w 467982"/>
+              <a:gd name="connsiteY4" fmla="*/ 9068 h 176668"/>
+              <a:gd name="connsiteX0" fmla="*/ 235878 w 471979"/>
+              <a:gd name="connsiteY0" fmla="*/ 8683 h 176369"/>
+              <a:gd name="connsiteX1" fmla="*/ 471971 w 471979"/>
+              <a:gd name="connsiteY1" fmla="*/ 47837 h 176369"/>
+              <a:gd name="connsiteX2" fmla="*/ 239340 w 471979"/>
+              <a:gd name="connsiteY2" fmla="*/ 161788 h 176369"/>
+              <a:gd name="connsiteX3" fmla="*/ 63 w 471979"/>
+              <a:gd name="connsiteY3" fmla="*/ 134692 h 176369"/>
+              <a:gd name="connsiteX4" fmla="*/ 228523 w 471979"/>
+              <a:gd name="connsiteY4" fmla="*/ 8769 h 176369"/>
+              <a:gd name="connsiteX0" fmla="*/ 235878 w 471979"/>
+              <a:gd name="connsiteY0" fmla="*/ 8683 h 176369"/>
+              <a:gd name="connsiteX1" fmla="*/ 471971 w 471979"/>
+              <a:gd name="connsiteY1" fmla="*/ 47837 h 176369"/>
+              <a:gd name="connsiteX2" fmla="*/ 239340 w 471979"/>
+              <a:gd name="connsiteY2" fmla="*/ 161788 h 176369"/>
+              <a:gd name="connsiteX3" fmla="*/ 63 w 471979"/>
+              <a:gd name="connsiteY3" fmla="*/ 134692 h 176369"/>
+              <a:gd name="connsiteX4" fmla="*/ 228523 w 471979"/>
+              <a:gd name="connsiteY4" fmla="*/ 8769 h 176369"/>
+              <a:gd name="connsiteX0" fmla="*/ 235878 w 471979"/>
+              <a:gd name="connsiteY0" fmla="*/ 8683 h 176369"/>
+              <a:gd name="connsiteX1" fmla="*/ 471971 w 471979"/>
+              <a:gd name="connsiteY1" fmla="*/ 47837 h 176369"/>
+              <a:gd name="connsiteX2" fmla="*/ 239340 w 471979"/>
+              <a:gd name="connsiteY2" fmla="*/ 161788 h 176369"/>
+              <a:gd name="connsiteX3" fmla="*/ 63 w 471979"/>
+              <a:gd name="connsiteY3" fmla="*/ 134692 h 176369"/>
+              <a:gd name="connsiteX4" fmla="*/ 228523 w 471979"/>
+              <a:gd name="connsiteY4" fmla="*/ 8769 h 176369"/>
+              <a:gd name="connsiteX0" fmla="*/ 235878 w 471979"/>
+              <a:gd name="connsiteY0" fmla="*/ 8683 h 176392"/>
+              <a:gd name="connsiteX1" fmla="*/ 471971 w 471979"/>
+              <a:gd name="connsiteY1" fmla="*/ 47837 h 176392"/>
+              <a:gd name="connsiteX2" fmla="*/ 231980 w 471979"/>
+              <a:gd name="connsiteY2" fmla="*/ 161875 h 176392"/>
+              <a:gd name="connsiteX3" fmla="*/ 63 w 471979"/>
+              <a:gd name="connsiteY3" fmla="*/ 134692 h 176392"/>
+              <a:gd name="connsiteX4" fmla="*/ 228523 w 471979"/>
+              <a:gd name="connsiteY4" fmla="*/ 8769 h 176392"/>
+              <a:gd name="connsiteX0" fmla="*/ 235878 w 471979"/>
+              <a:gd name="connsiteY0" fmla="*/ 8683 h 173509"/>
+              <a:gd name="connsiteX1" fmla="*/ 471971 w 471979"/>
+              <a:gd name="connsiteY1" fmla="*/ 47837 h 173509"/>
+              <a:gd name="connsiteX2" fmla="*/ 231980 w 471979"/>
+              <a:gd name="connsiteY2" fmla="*/ 161875 h 173509"/>
+              <a:gd name="connsiteX3" fmla="*/ 63 w 471979"/>
+              <a:gd name="connsiteY3" fmla="*/ 134692 h 173509"/>
+              <a:gd name="connsiteX4" fmla="*/ 228523 w 471979"/>
+              <a:gd name="connsiteY4" fmla="*/ 8769 h 173509"/>
+              <a:gd name="connsiteX0" fmla="*/ 236002 w 472103"/>
+              <a:gd name="connsiteY0" fmla="*/ 8683 h 170856"/>
+              <a:gd name="connsiteX1" fmla="*/ 472095 w 472103"/>
+              <a:gd name="connsiteY1" fmla="*/ 47837 h 170856"/>
+              <a:gd name="connsiteX2" fmla="*/ 232104 w 472103"/>
+              <a:gd name="connsiteY2" fmla="*/ 161875 h 170856"/>
+              <a:gd name="connsiteX3" fmla="*/ 187 w 472103"/>
+              <a:gd name="connsiteY3" fmla="*/ 134692 h 170856"/>
+              <a:gd name="connsiteX4" fmla="*/ 228647 w 472103"/>
+              <a:gd name="connsiteY4" fmla="*/ 8769 h 170856"/>
+              <a:gd name="connsiteX0" fmla="*/ 239999 w 476100"/>
+              <a:gd name="connsiteY0" fmla="*/ 8683 h 170556"/>
+              <a:gd name="connsiteX1" fmla="*/ 476092 w 476100"/>
+              <a:gd name="connsiteY1" fmla="*/ 47837 h 170556"/>
+              <a:gd name="connsiteX2" fmla="*/ 236101 w 476100"/>
+              <a:gd name="connsiteY2" fmla="*/ 161875 h 170556"/>
+              <a:gd name="connsiteX3" fmla="*/ 8 w 476100"/>
+              <a:gd name="connsiteY3" fmla="*/ 122720 h 170556"/>
+              <a:gd name="connsiteX4" fmla="*/ 232644 w 476100"/>
+              <a:gd name="connsiteY4" fmla="*/ 8769 h 170556"/>
+              <a:gd name="connsiteX0" fmla="*/ 239999 w 476100"/>
+              <a:gd name="connsiteY0" fmla="*/ 8683 h 170556"/>
+              <a:gd name="connsiteX1" fmla="*/ 476092 w 476100"/>
+              <a:gd name="connsiteY1" fmla="*/ 47837 h 170556"/>
+              <a:gd name="connsiteX2" fmla="*/ 236101 w 476100"/>
+              <a:gd name="connsiteY2" fmla="*/ 161875 h 170556"/>
+              <a:gd name="connsiteX3" fmla="*/ 8 w 476100"/>
+              <a:gd name="connsiteY3" fmla="*/ 122720 h 170556"/>
+              <a:gd name="connsiteX4" fmla="*/ 232644 w 476100"/>
+              <a:gd name="connsiteY4" fmla="*/ 8769 h 170556"/>
+              <a:gd name="connsiteX0" fmla="*/ 239999 w 476100"/>
+              <a:gd name="connsiteY0" fmla="*/ 8683 h 170556"/>
+              <a:gd name="connsiteX1" fmla="*/ 476092 w 476100"/>
+              <a:gd name="connsiteY1" fmla="*/ 47837 h 170556"/>
+              <a:gd name="connsiteX2" fmla="*/ 236101 w 476100"/>
+              <a:gd name="connsiteY2" fmla="*/ 161875 h 170556"/>
+              <a:gd name="connsiteX3" fmla="*/ 8 w 476100"/>
+              <a:gd name="connsiteY3" fmla="*/ 122720 h 170556"/>
+              <a:gd name="connsiteX4" fmla="*/ 232644 w 476100"/>
+              <a:gd name="connsiteY4" fmla="*/ 8769 h 170556"/>
+              <a:gd name="connsiteX0" fmla="*/ 239999 w 476100"/>
+              <a:gd name="connsiteY0" fmla="*/ 8683 h 170556"/>
+              <a:gd name="connsiteX1" fmla="*/ 476092 w 476100"/>
+              <a:gd name="connsiteY1" fmla="*/ 47837 h 170556"/>
+              <a:gd name="connsiteX2" fmla="*/ 236101 w 476100"/>
+              <a:gd name="connsiteY2" fmla="*/ 161875 h 170556"/>
+              <a:gd name="connsiteX3" fmla="*/ 8 w 476100"/>
+              <a:gd name="connsiteY3" fmla="*/ 122720 h 170556"/>
+              <a:gd name="connsiteX4" fmla="*/ 240003 w 476100"/>
+              <a:gd name="connsiteY4" fmla="*/ 8682 h 170556"/>
+            </a:gdLst>
+            <a:ahLst/>
+            <a:cxnLst>
+              <a:cxn ang="0">
+                <a:pos x="connsiteX0" y="connsiteY0"/>
+              </a:cxn>
+              <a:cxn ang="0">
+                <a:pos x="connsiteX1" y="connsiteY1"/>
+              </a:cxn>
+              <a:cxn ang="0">
+                <a:pos x="connsiteX2" y="connsiteY2"/>
+              </a:cxn>
+              <a:cxn ang="0">
+                <a:pos x="connsiteX3" y="connsiteY3"/>
+              </a:cxn>
+              <a:cxn ang="0">
+                <a:pos x="connsiteX4" y="connsiteY4"/>
+              </a:cxn>
+            </a:cxnLst>
+            <a:rect l="l" t="t" r="r" b="b"/>
+            <a:pathLst>
+              <a:path w="476100" h="170556">
+                <a:moveTo>
+                  <a:pt x="239999" y="8683"/>
+                </a:moveTo>
+                <a:cubicBezTo>
+                  <a:pt x="371467" y="-11998"/>
+                  <a:pt x="477169" y="5532"/>
+                  <a:pt x="476092" y="47837"/>
+                </a:cubicBezTo>
+                <a:cubicBezTo>
+                  <a:pt x="475015" y="90141"/>
+                  <a:pt x="367569" y="141198"/>
+                  <a:pt x="236101" y="161875"/>
+                </a:cubicBezTo>
+                <a:cubicBezTo>
+                  <a:pt x="104636" y="182554"/>
+                  <a:pt x="-1069" y="165027"/>
+                  <a:pt x="8" y="122720"/>
+                </a:cubicBezTo>
+                <a:cubicBezTo>
+                  <a:pt x="1085" y="80418"/>
+                  <a:pt x="108534" y="29362"/>
+                  <a:pt x="240003" y="8682"/>
+                </a:cubicBezTo>
+                <a:close/>
+              </a:path>
+            </a:pathLst>
+          </a:custGeom>
+          <a:solidFill>
+            <a:srgbClr val="FFFFFF"/>
+          </a:solidFill>
+          <a:ln>
+            <a:solidFill>
+              <a:srgbClr val="0070C0"/>
+            </a:solidFill>
+          </a:ln>
+        </p:spPr>
+        <p:style>
+          <a:lnRef idx="2">
+            <a:schemeClr val="accent1">
+              <a:shade val="50000"/>
+            </a:schemeClr>
+          </a:lnRef>
+          <a:fillRef idx="1">
+            <a:schemeClr val="accent1"/>
+          </a:fillRef>
+          <a:effectRef idx="0">
+            <a:schemeClr val="accent1"/>
+          </a:effectRef>
+          <a:fontRef idx="minor">
+            <a:schemeClr val="lt1"/>
+          </a:fontRef>
+        </p:style>
+        <p:txBody>
+          <a:bodyPr bIns="57600" rtlCol="0" anchor="b" anchorCtr="0"/>
+          <a:lstStyle/>
+          <a:p>
+            <a:pPr algn="ctr"/>
+            <a:endParaRPr lang="en-US" sz="900" dirty="0"/>
+          </a:p>
+        </p:txBody>
+      </p:sp>
+      <p:sp>
+        <p:nvSpPr>
+          <p:cNvPr id="26" name="Oval 2"/>
+          <p:cNvSpPr>
+            <a:spLocks/>
+          </p:cNvSpPr>
+          <p:nvPr/>
+        </p:nvSpPr>
+        <p:spPr>
+          <a:xfrm flipV="1">
+            <a:off x="4490994" y="4825383"/>
+            <a:ext cx="370800" cy="180406"/>
+          </a:xfrm>
+          <a:custGeom>
+            <a:avLst/>
+            <a:gdLst>
+              <a:gd name="connsiteX0" fmla="*/ 0 w 204716"/>
+              <a:gd name="connsiteY0" fmla="*/ 177421 h 354842"/>
+              <a:gd name="connsiteX1" fmla="*/ 102358 w 204716"/>
+              <a:gd name="connsiteY1" fmla="*/ 0 h 354842"/>
+              <a:gd name="connsiteX2" fmla="*/ 204716 w 204716"/>
+              <a:gd name="connsiteY2" fmla="*/ 177421 h 354842"/>
+              <a:gd name="connsiteX3" fmla="*/ 102358 w 204716"/>
+              <a:gd name="connsiteY3" fmla="*/ 354842 h 354842"/>
+              <a:gd name="connsiteX4" fmla="*/ 0 w 204716"/>
+              <a:gd name="connsiteY4" fmla="*/ 177421 h 354842"/>
+              <a:gd name="connsiteX0" fmla="*/ 1269243 w 1473959"/>
+              <a:gd name="connsiteY0" fmla="*/ 2388358 h 2565779"/>
+              <a:gd name="connsiteX1" fmla="*/ 0 w 1473959"/>
+              <a:gd name="connsiteY1" fmla="*/ 0 h 2565779"/>
+              <a:gd name="connsiteX2" fmla="*/ 1371601 w 1473959"/>
+              <a:gd name="connsiteY2" fmla="*/ 2210937 h 2565779"/>
+              <a:gd name="connsiteX3" fmla="*/ 1473959 w 1473959"/>
+              <a:gd name="connsiteY3" fmla="*/ 2388358 h 2565779"/>
+              <a:gd name="connsiteX4" fmla="*/ 1371601 w 1473959"/>
+              <a:gd name="connsiteY4" fmla="*/ 2565779 h 2565779"/>
+              <a:gd name="connsiteX5" fmla="*/ 1269243 w 1473959"/>
+              <a:gd name="connsiteY5" fmla="*/ 2388358 h 2565779"/>
+              <a:gd name="connsiteX0" fmla="*/ 0 w 204716"/>
+              <a:gd name="connsiteY0" fmla="*/ 177421 h 354842"/>
+              <a:gd name="connsiteX1" fmla="*/ 102358 w 204716"/>
+              <a:gd name="connsiteY1" fmla="*/ 0 h 354842"/>
+              <a:gd name="connsiteX2" fmla="*/ 204716 w 204716"/>
+              <a:gd name="connsiteY2" fmla="*/ 177421 h 354842"/>
+              <a:gd name="connsiteX3" fmla="*/ 102358 w 204716"/>
+              <a:gd name="connsiteY3" fmla="*/ 354842 h 354842"/>
+              <a:gd name="connsiteX4" fmla="*/ 0 w 204716"/>
+              <a:gd name="connsiteY4" fmla="*/ 177421 h 354842"/>
+              <a:gd name="connsiteX0" fmla="*/ 6989 w 204716"/>
+              <a:gd name="connsiteY0" fmla="*/ 140246 h 354842"/>
+              <a:gd name="connsiteX1" fmla="*/ 102358 w 204716"/>
+              <a:gd name="connsiteY1" fmla="*/ 0 h 354842"/>
+              <a:gd name="connsiteX2" fmla="*/ 204716 w 204716"/>
+              <a:gd name="connsiteY2" fmla="*/ 177421 h 354842"/>
+              <a:gd name="connsiteX3" fmla="*/ 102358 w 204716"/>
+              <a:gd name="connsiteY3" fmla="*/ 354842 h 354842"/>
+              <a:gd name="connsiteX4" fmla="*/ 0 w 204716"/>
+              <a:gd name="connsiteY4" fmla="*/ 177421 h 354842"/>
+              <a:gd name="connsiteX0" fmla="*/ 6989 w 204716"/>
+              <a:gd name="connsiteY0" fmla="*/ 140246 h 354842"/>
+              <a:gd name="connsiteX1" fmla="*/ 102358 w 204716"/>
+              <a:gd name="connsiteY1" fmla="*/ 0 h 354842"/>
+              <a:gd name="connsiteX2" fmla="*/ 204716 w 204716"/>
+              <a:gd name="connsiteY2" fmla="*/ 177421 h 354842"/>
+              <a:gd name="connsiteX3" fmla="*/ 102358 w 204716"/>
+              <a:gd name="connsiteY3" fmla="*/ 354842 h 354842"/>
+              <a:gd name="connsiteX4" fmla="*/ 0 w 204716"/>
+              <a:gd name="connsiteY4" fmla="*/ 177421 h 354842"/>
+              <a:gd name="connsiteX0" fmla="*/ 6989 w 204716"/>
+              <a:gd name="connsiteY0" fmla="*/ 141062 h 355658"/>
+              <a:gd name="connsiteX1" fmla="*/ 102358 w 204716"/>
+              <a:gd name="connsiteY1" fmla="*/ 816 h 355658"/>
+              <a:gd name="connsiteX2" fmla="*/ 204716 w 204716"/>
+              <a:gd name="connsiteY2" fmla="*/ 178237 h 355658"/>
+              <a:gd name="connsiteX3" fmla="*/ 102358 w 204716"/>
+              <a:gd name="connsiteY3" fmla="*/ 355658 h 355658"/>
+              <a:gd name="connsiteX4" fmla="*/ 0 w 204716"/>
+              <a:gd name="connsiteY4" fmla="*/ 178237 h 355658"/>
+              <a:gd name="connsiteX0" fmla="*/ 6989 w 204716"/>
+              <a:gd name="connsiteY0" fmla="*/ 132297 h 346893"/>
+              <a:gd name="connsiteX1" fmla="*/ 166795 w 204716"/>
+              <a:gd name="connsiteY1" fmla="*/ 4166 h 346893"/>
+              <a:gd name="connsiteX2" fmla="*/ 204716 w 204716"/>
+              <a:gd name="connsiteY2" fmla="*/ 169472 h 346893"/>
+              <a:gd name="connsiteX3" fmla="*/ 102358 w 204716"/>
+              <a:gd name="connsiteY3" fmla="*/ 346893 h 346893"/>
+              <a:gd name="connsiteX4" fmla="*/ 0 w 204716"/>
+              <a:gd name="connsiteY4" fmla="*/ 169472 h 346893"/>
+              <a:gd name="connsiteX0" fmla="*/ 6989 w 206617"/>
+              <a:gd name="connsiteY0" fmla="*/ 132297 h 346893"/>
+              <a:gd name="connsiteX1" fmla="*/ 166795 w 206617"/>
+              <a:gd name="connsiteY1" fmla="*/ 4166 h 346893"/>
+              <a:gd name="connsiteX2" fmla="*/ 204716 w 206617"/>
+              <a:gd name="connsiteY2" fmla="*/ 169472 h 346893"/>
+              <a:gd name="connsiteX3" fmla="*/ 102358 w 206617"/>
+              <a:gd name="connsiteY3" fmla="*/ 346893 h 346893"/>
+              <a:gd name="connsiteX4" fmla="*/ 0 w 206617"/>
+              <a:gd name="connsiteY4" fmla="*/ 169472 h 346893"/>
+              <a:gd name="connsiteX0" fmla="*/ 6989 w 219308"/>
+              <a:gd name="connsiteY0" fmla="*/ 132297 h 346893"/>
+              <a:gd name="connsiteX1" fmla="*/ 166795 w 219308"/>
+              <a:gd name="connsiteY1" fmla="*/ 4166 h 346893"/>
+              <a:gd name="connsiteX2" fmla="*/ 204716 w 219308"/>
+              <a:gd name="connsiteY2" fmla="*/ 169472 h 346893"/>
+              <a:gd name="connsiteX3" fmla="*/ 102358 w 219308"/>
+              <a:gd name="connsiteY3" fmla="*/ 346893 h 346893"/>
+              <a:gd name="connsiteX4" fmla="*/ 0 w 219308"/>
+              <a:gd name="connsiteY4" fmla="*/ 169472 h 346893"/>
+              <a:gd name="connsiteX0" fmla="*/ 6989 w 217466"/>
+              <a:gd name="connsiteY0" fmla="*/ 132297 h 346893"/>
+              <a:gd name="connsiteX1" fmla="*/ 166795 w 217466"/>
+              <a:gd name="connsiteY1" fmla="*/ 4166 h 346893"/>
+              <a:gd name="connsiteX2" fmla="*/ 197726 w 217466"/>
+              <a:gd name="connsiteY2" fmla="*/ 206647 h 346893"/>
+              <a:gd name="connsiteX3" fmla="*/ 102358 w 217466"/>
+              <a:gd name="connsiteY3" fmla="*/ 346893 h 346893"/>
+              <a:gd name="connsiteX4" fmla="*/ 0 w 217466"/>
+              <a:gd name="connsiteY4" fmla="*/ 169472 h 346893"/>
+              <a:gd name="connsiteX0" fmla="*/ 6989 w 217466"/>
+              <a:gd name="connsiteY0" fmla="*/ 132297 h 346893"/>
+              <a:gd name="connsiteX1" fmla="*/ 166795 w 217466"/>
+              <a:gd name="connsiteY1" fmla="*/ 4166 h 346893"/>
+              <a:gd name="connsiteX2" fmla="*/ 197726 w 217466"/>
+              <a:gd name="connsiteY2" fmla="*/ 206647 h 346893"/>
+              <a:gd name="connsiteX3" fmla="*/ 102358 w 217466"/>
+              <a:gd name="connsiteY3" fmla="*/ 346893 h 346893"/>
+              <a:gd name="connsiteX4" fmla="*/ 0 w 217466"/>
+              <a:gd name="connsiteY4" fmla="*/ 169472 h 346893"/>
+              <a:gd name="connsiteX0" fmla="*/ 6989 w 217466"/>
+              <a:gd name="connsiteY0" fmla="*/ 132297 h 347709"/>
+              <a:gd name="connsiteX1" fmla="*/ 166795 w 217466"/>
+              <a:gd name="connsiteY1" fmla="*/ 4166 h 347709"/>
+              <a:gd name="connsiteX2" fmla="*/ 197726 w 217466"/>
+              <a:gd name="connsiteY2" fmla="*/ 206647 h 347709"/>
+              <a:gd name="connsiteX3" fmla="*/ 102358 w 217466"/>
+              <a:gd name="connsiteY3" fmla="*/ 346893 h 347709"/>
+              <a:gd name="connsiteX4" fmla="*/ 0 w 217466"/>
+              <a:gd name="connsiteY4" fmla="*/ 169472 h 347709"/>
+              <a:gd name="connsiteX0" fmla="*/ 6989 w 217466"/>
+              <a:gd name="connsiteY0" fmla="*/ 132297 h 338943"/>
+              <a:gd name="connsiteX1" fmla="*/ 166795 w 217466"/>
+              <a:gd name="connsiteY1" fmla="*/ 4166 h 338943"/>
+              <a:gd name="connsiteX2" fmla="*/ 197726 w 217466"/>
+              <a:gd name="connsiteY2" fmla="*/ 206647 h 338943"/>
+              <a:gd name="connsiteX3" fmla="*/ 37920 w 217466"/>
+              <a:gd name="connsiteY3" fmla="*/ 334778 h 338943"/>
+              <a:gd name="connsiteX4" fmla="*/ 0 w 217466"/>
+              <a:gd name="connsiteY4" fmla="*/ 169472 h 338943"/>
+              <a:gd name="connsiteX0" fmla="*/ 8890 w 219367"/>
+              <a:gd name="connsiteY0" fmla="*/ 132297 h 338943"/>
+              <a:gd name="connsiteX1" fmla="*/ 168696 w 219367"/>
+              <a:gd name="connsiteY1" fmla="*/ 4166 h 338943"/>
+              <a:gd name="connsiteX2" fmla="*/ 199627 w 219367"/>
+              <a:gd name="connsiteY2" fmla="*/ 206647 h 338943"/>
+              <a:gd name="connsiteX3" fmla="*/ 39821 w 219367"/>
+              <a:gd name="connsiteY3" fmla="*/ 334778 h 338943"/>
+              <a:gd name="connsiteX4" fmla="*/ 1901 w 219367"/>
+              <a:gd name="connsiteY4" fmla="*/ 169472 h 338943"/>
+              <a:gd name="connsiteX0" fmla="*/ 21581 w 232058"/>
+              <a:gd name="connsiteY0" fmla="*/ 132297 h 338943"/>
+              <a:gd name="connsiteX1" fmla="*/ 181387 w 232058"/>
+              <a:gd name="connsiteY1" fmla="*/ 4166 h 338943"/>
+              <a:gd name="connsiteX2" fmla="*/ 212318 w 232058"/>
+              <a:gd name="connsiteY2" fmla="*/ 206647 h 338943"/>
+              <a:gd name="connsiteX3" fmla="*/ 52512 w 232058"/>
+              <a:gd name="connsiteY3" fmla="*/ 334778 h 338943"/>
+              <a:gd name="connsiteX4" fmla="*/ 14592 w 232058"/>
+              <a:gd name="connsiteY4" fmla="*/ 169472 h 338943"/>
+              <a:gd name="connsiteX0" fmla="*/ 19740 w 230217"/>
+              <a:gd name="connsiteY0" fmla="*/ 132297 h 338943"/>
+              <a:gd name="connsiteX1" fmla="*/ 179546 w 230217"/>
+              <a:gd name="connsiteY1" fmla="*/ 4166 h 338943"/>
+              <a:gd name="connsiteX2" fmla="*/ 210477 w 230217"/>
+              <a:gd name="connsiteY2" fmla="*/ 206647 h 338943"/>
+              <a:gd name="connsiteX3" fmla="*/ 50671 w 230217"/>
+              <a:gd name="connsiteY3" fmla="*/ 334778 h 338943"/>
+              <a:gd name="connsiteX4" fmla="*/ 19740 w 230217"/>
+              <a:gd name="connsiteY4" fmla="*/ 132297 h 338943"/>
+              <a:gd name="connsiteX0" fmla="*/ 87141 w 230217"/>
+              <a:gd name="connsiteY0" fmla="*/ 95521 h 339042"/>
+              <a:gd name="connsiteX1" fmla="*/ 179546 w 230217"/>
+              <a:gd name="connsiteY1" fmla="*/ 4265 h 339042"/>
+              <a:gd name="connsiteX2" fmla="*/ 210477 w 230217"/>
+              <a:gd name="connsiteY2" fmla="*/ 206746 h 339042"/>
+              <a:gd name="connsiteX3" fmla="*/ 50671 w 230217"/>
+              <a:gd name="connsiteY3" fmla="*/ 334877 h 339042"/>
+              <a:gd name="connsiteX4" fmla="*/ 19740 w 230217"/>
+              <a:gd name="connsiteY4" fmla="*/ 132396 h 339042"/>
+              <a:gd name="connsiteX0" fmla="*/ 87141 w 230217"/>
+              <a:gd name="connsiteY0" fmla="*/ 95089 h 338610"/>
+              <a:gd name="connsiteX1" fmla="*/ 179546 w 230217"/>
+              <a:gd name="connsiteY1" fmla="*/ 3833 h 338610"/>
+              <a:gd name="connsiteX2" fmla="*/ 210477 w 230217"/>
+              <a:gd name="connsiteY2" fmla="*/ 206314 h 338610"/>
+              <a:gd name="connsiteX3" fmla="*/ 50671 w 230217"/>
+              <a:gd name="connsiteY3" fmla="*/ 334445 h 338610"/>
+              <a:gd name="connsiteX4" fmla="*/ 19740 w 230217"/>
+              <a:gd name="connsiteY4" fmla="*/ 131964 h 338610"/>
+              <a:gd name="connsiteX0" fmla="*/ 87141 w 241635"/>
+              <a:gd name="connsiteY0" fmla="*/ 91256 h 334777"/>
+              <a:gd name="connsiteX1" fmla="*/ 179546 w 241635"/>
+              <a:gd name="connsiteY1" fmla="*/ 0 h 334777"/>
+              <a:gd name="connsiteX2" fmla="*/ 210477 w 241635"/>
+              <a:gd name="connsiteY2" fmla="*/ 202481 h 334777"/>
+              <a:gd name="connsiteX3" fmla="*/ 50671 w 241635"/>
+              <a:gd name="connsiteY3" fmla="*/ 330612 h 334777"/>
+              <a:gd name="connsiteX4" fmla="*/ 19740 w 241635"/>
+              <a:gd name="connsiteY4" fmla="*/ 128131 h 334777"/>
+              <a:gd name="connsiteX0" fmla="*/ 87141 w 329396"/>
+              <a:gd name="connsiteY0" fmla="*/ 36419 h 279940"/>
+              <a:gd name="connsiteX1" fmla="*/ 329396 w 329396"/>
+              <a:gd name="connsiteY1" fmla="*/ 28494 h 279940"/>
+              <a:gd name="connsiteX2" fmla="*/ 210477 w 329396"/>
+              <a:gd name="connsiteY2" fmla="*/ 147644 h 279940"/>
+              <a:gd name="connsiteX3" fmla="*/ 50671 w 329396"/>
+              <a:gd name="connsiteY3" fmla="*/ 275775 h 279940"/>
+              <a:gd name="connsiteX4" fmla="*/ 19740 w 329396"/>
+              <a:gd name="connsiteY4" fmla="*/ 73294 h 279940"/>
+              <a:gd name="connsiteX0" fmla="*/ 87141 w 331021"/>
+              <a:gd name="connsiteY0" fmla="*/ 36419 h 279940"/>
+              <a:gd name="connsiteX1" fmla="*/ 329396 w 331021"/>
+              <a:gd name="connsiteY1" fmla="*/ 28494 h 279940"/>
+              <a:gd name="connsiteX2" fmla="*/ 210477 w 331021"/>
+              <a:gd name="connsiteY2" fmla="*/ 147644 h 279940"/>
+              <a:gd name="connsiteX3" fmla="*/ 50671 w 331021"/>
+              <a:gd name="connsiteY3" fmla="*/ 275775 h 279940"/>
+              <a:gd name="connsiteX4" fmla="*/ 19740 w 331021"/>
+              <a:gd name="connsiteY4" fmla="*/ 73294 h 279940"/>
+              <a:gd name="connsiteX0" fmla="*/ 87141 w 331273"/>
+              <a:gd name="connsiteY0" fmla="*/ 36419 h 279940"/>
+              <a:gd name="connsiteX1" fmla="*/ 329396 w 331273"/>
+              <a:gd name="connsiteY1" fmla="*/ 28494 h 279940"/>
+              <a:gd name="connsiteX2" fmla="*/ 210477 w 331273"/>
+              <a:gd name="connsiteY2" fmla="*/ 147644 h 279940"/>
+              <a:gd name="connsiteX3" fmla="*/ 50671 w 331273"/>
+              <a:gd name="connsiteY3" fmla="*/ 275775 h 279940"/>
+              <a:gd name="connsiteX4" fmla="*/ 19740 w 331273"/>
+              <a:gd name="connsiteY4" fmla="*/ 73294 h 279940"/>
+              <a:gd name="connsiteX0" fmla="*/ 87141 w 331237"/>
+              <a:gd name="connsiteY0" fmla="*/ 36419 h 280040"/>
+              <a:gd name="connsiteX1" fmla="*/ 329396 w 331237"/>
+              <a:gd name="connsiteY1" fmla="*/ 28494 h 280040"/>
+              <a:gd name="connsiteX2" fmla="*/ 143073 w 331237"/>
+              <a:gd name="connsiteY2" fmla="*/ 184517 h 280040"/>
+              <a:gd name="connsiteX3" fmla="*/ 50671 w 331237"/>
+              <a:gd name="connsiteY3" fmla="*/ 275775 h 280040"/>
+              <a:gd name="connsiteX4" fmla="*/ 19740 w 331237"/>
+              <a:gd name="connsiteY4" fmla="*/ 73294 h 280040"/>
+              <a:gd name="connsiteX0" fmla="*/ 87141 w 331236"/>
+              <a:gd name="connsiteY0" fmla="*/ 36419 h 279607"/>
+              <a:gd name="connsiteX1" fmla="*/ 329396 w 331236"/>
+              <a:gd name="connsiteY1" fmla="*/ 28494 h 279607"/>
+              <a:gd name="connsiteX2" fmla="*/ 143073 w 331236"/>
+              <a:gd name="connsiteY2" fmla="*/ 184517 h 279607"/>
+              <a:gd name="connsiteX3" fmla="*/ 50671 w 331236"/>
+              <a:gd name="connsiteY3" fmla="*/ 275775 h 279607"/>
+              <a:gd name="connsiteX4" fmla="*/ 19740 w 331236"/>
+              <a:gd name="connsiteY4" fmla="*/ 73294 h 279607"/>
+              <a:gd name="connsiteX0" fmla="*/ 98561 w 342656"/>
+              <a:gd name="connsiteY0" fmla="*/ 36419 h 275775"/>
+              <a:gd name="connsiteX1" fmla="*/ 340816 w 342656"/>
+              <a:gd name="connsiteY1" fmla="*/ 28494 h 275775"/>
+              <a:gd name="connsiteX2" fmla="*/ 154493 w 342656"/>
+              <a:gd name="connsiteY2" fmla="*/ 184517 h 275775"/>
+              <a:gd name="connsiteX3" fmla="*/ 62091 w 342656"/>
+              <a:gd name="connsiteY3" fmla="*/ 275775 h 275775"/>
+              <a:gd name="connsiteX4" fmla="*/ 31160 w 342656"/>
+              <a:gd name="connsiteY4" fmla="*/ 73294 h 275775"/>
+              <a:gd name="connsiteX0" fmla="*/ 186322 w 430417"/>
+              <a:gd name="connsiteY0" fmla="*/ 36419 h 220934"/>
+              <a:gd name="connsiteX1" fmla="*/ 428577 w 430417"/>
+              <a:gd name="connsiteY1" fmla="*/ 28494 h 220934"/>
+              <a:gd name="connsiteX2" fmla="*/ 242254 w 430417"/>
+              <a:gd name="connsiteY2" fmla="*/ 184517 h 220934"/>
+              <a:gd name="connsiteX3" fmla="*/ 0 w 430417"/>
+              <a:gd name="connsiteY3" fmla="*/ 192440 h 220934"/>
+              <a:gd name="connsiteX4" fmla="*/ 118921 w 430417"/>
+              <a:gd name="connsiteY4" fmla="*/ 73294 h 220934"/>
+              <a:gd name="connsiteX0" fmla="*/ 187947 w 432042"/>
+              <a:gd name="connsiteY0" fmla="*/ 36419 h 220934"/>
+              <a:gd name="connsiteX1" fmla="*/ 430202 w 432042"/>
+              <a:gd name="connsiteY1" fmla="*/ 28494 h 220934"/>
+              <a:gd name="connsiteX2" fmla="*/ 243879 w 432042"/>
+              <a:gd name="connsiteY2" fmla="*/ 184517 h 220934"/>
+              <a:gd name="connsiteX3" fmla="*/ 1625 w 432042"/>
+              <a:gd name="connsiteY3" fmla="*/ 192440 h 220934"/>
+              <a:gd name="connsiteX4" fmla="*/ 120546 w 432042"/>
+              <a:gd name="connsiteY4" fmla="*/ 73294 h 220934"/>
+              <a:gd name="connsiteX0" fmla="*/ 188199 w 432294"/>
+              <a:gd name="connsiteY0" fmla="*/ 36419 h 220934"/>
+              <a:gd name="connsiteX1" fmla="*/ 430454 w 432294"/>
+              <a:gd name="connsiteY1" fmla="*/ 28494 h 220934"/>
+              <a:gd name="connsiteX2" fmla="*/ 244131 w 432294"/>
+              <a:gd name="connsiteY2" fmla="*/ 184517 h 220934"/>
+              <a:gd name="connsiteX3" fmla="*/ 1877 w 432294"/>
+              <a:gd name="connsiteY3" fmla="*/ 192440 h 220934"/>
+              <a:gd name="connsiteX4" fmla="*/ 120798 w 432294"/>
+              <a:gd name="connsiteY4" fmla="*/ 73294 h 220934"/>
+              <a:gd name="connsiteX0" fmla="*/ 188164 w 432259"/>
+              <a:gd name="connsiteY0" fmla="*/ 36419 h 220934"/>
+              <a:gd name="connsiteX1" fmla="*/ 430419 w 432259"/>
+              <a:gd name="connsiteY1" fmla="*/ 28494 h 220934"/>
+              <a:gd name="connsiteX2" fmla="*/ 244096 w 432259"/>
+              <a:gd name="connsiteY2" fmla="*/ 184517 h 220934"/>
+              <a:gd name="connsiteX3" fmla="*/ 1842 w 432259"/>
+              <a:gd name="connsiteY3" fmla="*/ 192440 h 220934"/>
+              <a:gd name="connsiteX4" fmla="*/ 188166 w 432259"/>
+              <a:gd name="connsiteY4" fmla="*/ 36418 h 220934"/>
+              <a:gd name="connsiteX0" fmla="*/ 215738 w 432259"/>
+              <a:gd name="connsiteY0" fmla="*/ 34124 h 221199"/>
+              <a:gd name="connsiteX1" fmla="*/ 430419 w 432259"/>
+              <a:gd name="connsiteY1" fmla="*/ 28759 h 221199"/>
+              <a:gd name="connsiteX2" fmla="*/ 244096 w 432259"/>
+              <a:gd name="connsiteY2" fmla="*/ 184782 h 221199"/>
+              <a:gd name="connsiteX3" fmla="*/ 1842 w 432259"/>
+              <a:gd name="connsiteY3" fmla="*/ 192705 h 221199"/>
+              <a:gd name="connsiteX4" fmla="*/ 188166 w 432259"/>
+              <a:gd name="connsiteY4" fmla="*/ 36683 h 221199"/>
+              <a:gd name="connsiteX0" fmla="*/ 215738 w 432259"/>
+              <a:gd name="connsiteY0" fmla="*/ 27704 h 214779"/>
+              <a:gd name="connsiteX1" fmla="*/ 430419 w 432259"/>
+              <a:gd name="connsiteY1" fmla="*/ 22339 h 214779"/>
+              <a:gd name="connsiteX2" fmla="*/ 244096 w 432259"/>
+              <a:gd name="connsiteY2" fmla="*/ 178362 h 214779"/>
+              <a:gd name="connsiteX3" fmla="*/ 1842 w 432259"/>
+              <a:gd name="connsiteY3" fmla="*/ 186285 h 214779"/>
+              <a:gd name="connsiteX4" fmla="*/ 188166 w 432259"/>
+              <a:gd name="connsiteY4" fmla="*/ 30263 h 214779"/>
+              <a:gd name="connsiteX0" fmla="*/ 215738 w 433402"/>
+              <a:gd name="connsiteY0" fmla="*/ 12187 h 199262"/>
+              <a:gd name="connsiteX1" fmla="*/ 430419 w 433402"/>
+              <a:gd name="connsiteY1" fmla="*/ 6822 h 199262"/>
+              <a:gd name="connsiteX2" fmla="*/ 244096 w 433402"/>
+              <a:gd name="connsiteY2" fmla="*/ 162845 h 199262"/>
+              <a:gd name="connsiteX3" fmla="*/ 1842 w 433402"/>
+              <a:gd name="connsiteY3" fmla="*/ 170768 h 199262"/>
+              <a:gd name="connsiteX4" fmla="*/ 188166 w 433402"/>
+              <a:gd name="connsiteY4" fmla="*/ 14746 h 199262"/>
+              <a:gd name="connsiteX0" fmla="*/ 215738 w 452969"/>
+              <a:gd name="connsiteY0" fmla="*/ 10412 h 197487"/>
+              <a:gd name="connsiteX1" fmla="*/ 452969 w 452969"/>
+              <a:gd name="connsiteY1" fmla="*/ 45783 h 197487"/>
+              <a:gd name="connsiteX2" fmla="*/ 244096 w 452969"/>
+              <a:gd name="connsiteY2" fmla="*/ 161070 h 197487"/>
+              <a:gd name="connsiteX3" fmla="*/ 1842 w 452969"/>
+              <a:gd name="connsiteY3" fmla="*/ 168993 h 197487"/>
+              <a:gd name="connsiteX4" fmla="*/ 188166 w 452969"/>
+              <a:gd name="connsiteY4" fmla="*/ 12971 h 197487"/>
+              <a:gd name="connsiteX0" fmla="*/ 215738 w 452969"/>
+              <a:gd name="connsiteY0" fmla="*/ 10412 h 197487"/>
+              <a:gd name="connsiteX1" fmla="*/ 452969 w 452969"/>
+              <a:gd name="connsiteY1" fmla="*/ 45783 h 197487"/>
+              <a:gd name="connsiteX2" fmla="*/ 244096 w 452969"/>
+              <a:gd name="connsiteY2" fmla="*/ 161070 h 197487"/>
+              <a:gd name="connsiteX3" fmla="*/ 1842 w 452969"/>
+              <a:gd name="connsiteY3" fmla="*/ 168993 h 197487"/>
+              <a:gd name="connsiteX4" fmla="*/ 188166 w 452969"/>
+              <a:gd name="connsiteY4" fmla="*/ 12971 h 197487"/>
+              <a:gd name="connsiteX0" fmla="*/ 215738 w 452969"/>
+              <a:gd name="connsiteY0" fmla="*/ 10412 h 197487"/>
+              <a:gd name="connsiteX1" fmla="*/ 452969 w 452969"/>
+              <a:gd name="connsiteY1" fmla="*/ 45783 h 197487"/>
+              <a:gd name="connsiteX2" fmla="*/ 244096 w 452969"/>
+              <a:gd name="connsiteY2" fmla="*/ 161070 h 197487"/>
+              <a:gd name="connsiteX3" fmla="*/ 1842 w 452969"/>
+              <a:gd name="connsiteY3" fmla="*/ 168993 h 197487"/>
+              <a:gd name="connsiteX4" fmla="*/ 188166 w 452969"/>
+              <a:gd name="connsiteY4" fmla="*/ 12971 h 197487"/>
+              <a:gd name="connsiteX0" fmla="*/ 215738 w 452969"/>
+              <a:gd name="connsiteY0" fmla="*/ 10412 h 197753"/>
+              <a:gd name="connsiteX1" fmla="*/ 452969 w 452969"/>
+              <a:gd name="connsiteY1" fmla="*/ 45783 h 197753"/>
+              <a:gd name="connsiteX2" fmla="*/ 216521 w 452969"/>
+              <a:gd name="connsiteY2" fmla="*/ 163630 h 197753"/>
+              <a:gd name="connsiteX3" fmla="*/ 1842 w 452969"/>
+              <a:gd name="connsiteY3" fmla="*/ 168993 h 197753"/>
+              <a:gd name="connsiteX4" fmla="*/ 188166 w 452969"/>
+              <a:gd name="connsiteY4" fmla="*/ 12971 h 197753"/>
+              <a:gd name="connsiteX0" fmla="*/ 215738 w 452969"/>
+              <a:gd name="connsiteY0" fmla="*/ 10412 h 191332"/>
+              <a:gd name="connsiteX1" fmla="*/ 452969 w 452969"/>
+              <a:gd name="connsiteY1" fmla="*/ 45783 h 191332"/>
+              <a:gd name="connsiteX2" fmla="*/ 216521 w 452969"/>
+              <a:gd name="connsiteY2" fmla="*/ 163630 h 191332"/>
+              <a:gd name="connsiteX3" fmla="*/ 1842 w 452969"/>
+              <a:gd name="connsiteY3" fmla="*/ 168993 h 191332"/>
+              <a:gd name="connsiteX4" fmla="*/ 188166 w 452969"/>
+              <a:gd name="connsiteY4" fmla="*/ 12971 h 191332"/>
+              <a:gd name="connsiteX0" fmla="*/ 216878 w 454109"/>
+              <a:gd name="connsiteY0" fmla="*/ 10412 h 175814"/>
+              <a:gd name="connsiteX1" fmla="*/ 454109 w 454109"/>
+              <a:gd name="connsiteY1" fmla="*/ 45783 h 175814"/>
+              <a:gd name="connsiteX2" fmla="*/ 217661 w 454109"/>
+              <a:gd name="connsiteY2" fmla="*/ 163630 h 175814"/>
+              <a:gd name="connsiteX3" fmla="*/ 2982 w 454109"/>
+              <a:gd name="connsiteY3" fmla="*/ 168993 h 175814"/>
+              <a:gd name="connsiteX4" fmla="*/ 189306 w 454109"/>
+              <a:gd name="connsiteY4" fmla="*/ 12971 h 175814"/>
+              <a:gd name="connsiteX0" fmla="*/ 236447 w 473678"/>
+              <a:gd name="connsiteY0" fmla="*/ 10412 h 174039"/>
+              <a:gd name="connsiteX1" fmla="*/ 473678 w 473678"/>
+              <a:gd name="connsiteY1" fmla="*/ 45783 h 174039"/>
+              <a:gd name="connsiteX2" fmla="*/ 237230 w 473678"/>
+              <a:gd name="connsiteY2" fmla="*/ 163630 h 174039"/>
+              <a:gd name="connsiteX3" fmla="*/ 0 w 473678"/>
+              <a:gd name="connsiteY3" fmla="*/ 128257 h 174039"/>
+              <a:gd name="connsiteX4" fmla="*/ 208875 w 473678"/>
+              <a:gd name="connsiteY4" fmla="*/ 12971 h 174039"/>
+              <a:gd name="connsiteX0" fmla="*/ 236447 w 473678"/>
+              <a:gd name="connsiteY0" fmla="*/ 10412 h 174039"/>
+              <a:gd name="connsiteX1" fmla="*/ 473678 w 473678"/>
+              <a:gd name="connsiteY1" fmla="*/ 45783 h 174039"/>
+              <a:gd name="connsiteX2" fmla="*/ 237230 w 473678"/>
+              <a:gd name="connsiteY2" fmla="*/ 163630 h 174039"/>
+              <a:gd name="connsiteX3" fmla="*/ 0 w 473678"/>
+              <a:gd name="connsiteY3" fmla="*/ 128257 h 174039"/>
+              <a:gd name="connsiteX4" fmla="*/ 208875 w 473678"/>
+              <a:gd name="connsiteY4" fmla="*/ 12971 h 174039"/>
+              <a:gd name="connsiteX0" fmla="*/ 236447 w 473678"/>
+              <a:gd name="connsiteY0" fmla="*/ 10412 h 174039"/>
+              <a:gd name="connsiteX1" fmla="*/ 473678 w 473678"/>
+              <a:gd name="connsiteY1" fmla="*/ 45783 h 174039"/>
+              <a:gd name="connsiteX2" fmla="*/ 237230 w 473678"/>
+              <a:gd name="connsiteY2" fmla="*/ 163630 h 174039"/>
+              <a:gd name="connsiteX3" fmla="*/ 0 w 473678"/>
+              <a:gd name="connsiteY3" fmla="*/ 128257 h 174039"/>
+              <a:gd name="connsiteX4" fmla="*/ 208875 w 473678"/>
+              <a:gd name="connsiteY4" fmla="*/ 12971 h 174039"/>
+              <a:gd name="connsiteX0" fmla="*/ 236447 w 473678"/>
+              <a:gd name="connsiteY0" fmla="*/ 10412 h 174039"/>
+              <a:gd name="connsiteX1" fmla="*/ 473678 w 473678"/>
+              <a:gd name="connsiteY1" fmla="*/ 45783 h 174039"/>
+              <a:gd name="connsiteX2" fmla="*/ 237230 w 473678"/>
+              <a:gd name="connsiteY2" fmla="*/ 163630 h 174039"/>
+              <a:gd name="connsiteX3" fmla="*/ 0 w 473678"/>
+              <a:gd name="connsiteY3" fmla="*/ 128257 h 174039"/>
+              <a:gd name="connsiteX4" fmla="*/ 236451 w 473678"/>
+              <a:gd name="connsiteY4" fmla="*/ 10411 h 174039"/>
+              <a:gd name="connsiteX0" fmla="*/ 252120 w 473678"/>
+              <a:gd name="connsiteY0" fmla="*/ 10922 h 173794"/>
+              <a:gd name="connsiteX1" fmla="*/ 473678 w 473678"/>
+              <a:gd name="connsiteY1" fmla="*/ 45538 h 173794"/>
+              <a:gd name="connsiteX2" fmla="*/ 237230 w 473678"/>
+              <a:gd name="connsiteY2" fmla="*/ 163385 h 173794"/>
+              <a:gd name="connsiteX3" fmla="*/ 0 w 473678"/>
+              <a:gd name="connsiteY3" fmla="*/ 128012 h 173794"/>
+              <a:gd name="connsiteX4" fmla="*/ 236451 w 473678"/>
+              <a:gd name="connsiteY4" fmla="*/ 10166 h 173794"/>
+              <a:gd name="connsiteX0" fmla="*/ 252120 w 473678"/>
+              <a:gd name="connsiteY0" fmla="*/ 4639 h 167511"/>
+              <a:gd name="connsiteX1" fmla="*/ 473678 w 473678"/>
+              <a:gd name="connsiteY1" fmla="*/ 39255 h 167511"/>
+              <a:gd name="connsiteX2" fmla="*/ 237230 w 473678"/>
+              <a:gd name="connsiteY2" fmla="*/ 157102 h 167511"/>
+              <a:gd name="connsiteX3" fmla="*/ 0 w 473678"/>
+              <a:gd name="connsiteY3" fmla="*/ 121729 h 167511"/>
+              <a:gd name="connsiteX4" fmla="*/ 236451 w 473678"/>
+              <a:gd name="connsiteY4" fmla="*/ 3883 h 167511"/>
+              <a:gd name="connsiteX0" fmla="*/ 252120 w 475039"/>
+              <a:gd name="connsiteY0" fmla="*/ 1946 h 164818"/>
+              <a:gd name="connsiteX1" fmla="*/ 473678 w 475039"/>
+              <a:gd name="connsiteY1" fmla="*/ 36562 h 164818"/>
+              <a:gd name="connsiteX2" fmla="*/ 237230 w 475039"/>
+              <a:gd name="connsiteY2" fmla="*/ 154409 h 164818"/>
+              <a:gd name="connsiteX3" fmla="*/ 0 w 475039"/>
+              <a:gd name="connsiteY3" fmla="*/ 119036 h 164818"/>
+              <a:gd name="connsiteX4" fmla="*/ 236451 w 475039"/>
+              <a:gd name="connsiteY4" fmla="*/ 1190 h 164818"/>
+              <a:gd name="connsiteX0" fmla="*/ 252120 w 480143"/>
+              <a:gd name="connsiteY0" fmla="*/ 1880 h 164752"/>
+              <a:gd name="connsiteX1" fmla="*/ 479655 w 480143"/>
+              <a:gd name="connsiteY1" fmla="*/ 60824 h 164752"/>
+              <a:gd name="connsiteX2" fmla="*/ 237230 w 480143"/>
+              <a:gd name="connsiteY2" fmla="*/ 154343 h 164752"/>
+              <a:gd name="connsiteX3" fmla="*/ 0 w 480143"/>
+              <a:gd name="connsiteY3" fmla="*/ 118970 h 164752"/>
+              <a:gd name="connsiteX4" fmla="*/ 236451 w 480143"/>
+              <a:gd name="connsiteY4" fmla="*/ 1124 h 164752"/>
+              <a:gd name="connsiteX0" fmla="*/ 252120 w 480143"/>
+              <a:gd name="connsiteY0" fmla="*/ 1880 h 164752"/>
+              <a:gd name="connsiteX1" fmla="*/ 479655 w 480143"/>
+              <a:gd name="connsiteY1" fmla="*/ 60824 h 164752"/>
+              <a:gd name="connsiteX2" fmla="*/ 237230 w 480143"/>
+              <a:gd name="connsiteY2" fmla="*/ 154343 h 164752"/>
+              <a:gd name="connsiteX3" fmla="*/ 0 w 480143"/>
+              <a:gd name="connsiteY3" fmla="*/ 118970 h 164752"/>
+              <a:gd name="connsiteX4" fmla="*/ 236451 w 480143"/>
+              <a:gd name="connsiteY4" fmla="*/ 1124 h 164752"/>
+              <a:gd name="connsiteX0" fmla="*/ 252120 w 480143"/>
+              <a:gd name="connsiteY0" fmla="*/ 1880 h 164752"/>
+              <a:gd name="connsiteX1" fmla="*/ 479655 w 480143"/>
+              <a:gd name="connsiteY1" fmla="*/ 60824 h 164752"/>
+              <a:gd name="connsiteX2" fmla="*/ 237230 w 480143"/>
+              <a:gd name="connsiteY2" fmla="*/ 154343 h 164752"/>
+              <a:gd name="connsiteX3" fmla="*/ 0 w 480143"/>
+              <a:gd name="connsiteY3" fmla="*/ 118970 h 164752"/>
+              <a:gd name="connsiteX4" fmla="*/ 236451 w 480143"/>
+              <a:gd name="connsiteY4" fmla="*/ 1124 h 164752"/>
+              <a:gd name="connsiteX0" fmla="*/ 252120 w 480143"/>
+              <a:gd name="connsiteY0" fmla="*/ 1880 h 164507"/>
+              <a:gd name="connsiteX1" fmla="*/ 479655 w 480143"/>
+              <a:gd name="connsiteY1" fmla="*/ 60824 h 164507"/>
+              <a:gd name="connsiteX2" fmla="*/ 221556 w 480143"/>
+              <a:gd name="connsiteY2" fmla="*/ 153587 h 164507"/>
+              <a:gd name="connsiteX3" fmla="*/ 0 w 480143"/>
+              <a:gd name="connsiteY3" fmla="*/ 118970 h 164507"/>
+              <a:gd name="connsiteX4" fmla="*/ 236451 w 480143"/>
+              <a:gd name="connsiteY4" fmla="*/ 1124 h 164507"/>
+              <a:gd name="connsiteX0" fmla="*/ 252120 w 480143"/>
+              <a:gd name="connsiteY0" fmla="*/ 1880 h 158224"/>
+              <a:gd name="connsiteX1" fmla="*/ 479655 w 480143"/>
+              <a:gd name="connsiteY1" fmla="*/ 60824 h 158224"/>
+              <a:gd name="connsiteX2" fmla="*/ 221556 w 480143"/>
+              <a:gd name="connsiteY2" fmla="*/ 153587 h 158224"/>
+              <a:gd name="connsiteX3" fmla="*/ 0 w 480143"/>
+              <a:gd name="connsiteY3" fmla="*/ 118970 h 158224"/>
+              <a:gd name="connsiteX4" fmla="*/ 236451 w 480143"/>
+              <a:gd name="connsiteY4" fmla="*/ 1124 h 158224"/>
+              <a:gd name="connsiteX0" fmla="*/ 253481 w 481504"/>
+              <a:gd name="connsiteY0" fmla="*/ 1880 h 155531"/>
+              <a:gd name="connsiteX1" fmla="*/ 481016 w 481504"/>
+              <a:gd name="connsiteY1" fmla="*/ 60824 h 155531"/>
+              <a:gd name="connsiteX2" fmla="*/ 222917 w 481504"/>
+              <a:gd name="connsiteY2" fmla="*/ 153587 h 155531"/>
+              <a:gd name="connsiteX3" fmla="*/ 1361 w 481504"/>
+              <a:gd name="connsiteY3" fmla="*/ 118970 h 155531"/>
+              <a:gd name="connsiteX4" fmla="*/ 237812 w 481504"/>
+              <a:gd name="connsiteY4" fmla="*/ 1124 h 155531"/>
+              <a:gd name="connsiteX0" fmla="*/ 258585 w 486608"/>
+              <a:gd name="connsiteY0" fmla="*/ 1880 h 155465"/>
+              <a:gd name="connsiteX1" fmla="*/ 486120 w 486608"/>
+              <a:gd name="connsiteY1" fmla="*/ 60824 h 155465"/>
+              <a:gd name="connsiteX2" fmla="*/ 228021 w 486608"/>
+              <a:gd name="connsiteY2" fmla="*/ 153587 h 155465"/>
+              <a:gd name="connsiteX3" fmla="*/ 488 w 486608"/>
+              <a:gd name="connsiteY3" fmla="*/ 94641 h 155465"/>
+              <a:gd name="connsiteX4" fmla="*/ 242916 w 486608"/>
+              <a:gd name="connsiteY4" fmla="*/ 1124 h 155465"/>
+              <a:gd name="connsiteX0" fmla="*/ 258585 w 486608"/>
+              <a:gd name="connsiteY0" fmla="*/ 1880 h 155465"/>
+              <a:gd name="connsiteX1" fmla="*/ 486120 w 486608"/>
+              <a:gd name="connsiteY1" fmla="*/ 60824 h 155465"/>
+              <a:gd name="connsiteX2" fmla="*/ 228021 w 486608"/>
+              <a:gd name="connsiteY2" fmla="*/ 153587 h 155465"/>
+              <a:gd name="connsiteX3" fmla="*/ 488 w 486608"/>
+              <a:gd name="connsiteY3" fmla="*/ 94641 h 155465"/>
+              <a:gd name="connsiteX4" fmla="*/ 242916 w 486608"/>
+              <a:gd name="connsiteY4" fmla="*/ 1124 h 155465"/>
+              <a:gd name="connsiteX0" fmla="*/ 258585 w 486608"/>
+              <a:gd name="connsiteY0" fmla="*/ 1880 h 155465"/>
+              <a:gd name="connsiteX1" fmla="*/ 486120 w 486608"/>
+              <a:gd name="connsiteY1" fmla="*/ 60824 h 155465"/>
+              <a:gd name="connsiteX2" fmla="*/ 228021 w 486608"/>
+              <a:gd name="connsiteY2" fmla="*/ 153587 h 155465"/>
+              <a:gd name="connsiteX3" fmla="*/ 488 w 486608"/>
+              <a:gd name="connsiteY3" fmla="*/ 94641 h 155465"/>
+              <a:gd name="connsiteX4" fmla="*/ 242916 w 486608"/>
+              <a:gd name="connsiteY4" fmla="*/ 1124 h 155465"/>
+              <a:gd name="connsiteX0" fmla="*/ 258585 w 486608"/>
+              <a:gd name="connsiteY0" fmla="*/ 1880 h 155465"/>
+              <a:gd name="connsiteX1" fmla="*/ 486120 w 486608"/>
+              <a:gd name="connsiteY1" fmla="*/ 60824 h 155465"/>
+              <a:gd name="connsiteX2" fmla="*/ 228021 w 486608"/>
+              <a:gd name="connsiteY2" fmla="*/ 153587 h 155465"/>
+              <a:gd name="connsiteX3" fmla="*/ 488 w 486608"/>
+              <a:gd name="connsiteY3" fmla="*/ 94641 h 155465"/>
+              <a:gd name="connsiteX4" fmla="*/ 258589 w 486608"/>
+              <a:gd name="connsiteY4" fmla="*/ 1879 h 155465"/>
+              <a:gd name="connsiteX0" fmla="*/ 243234 w 486608"/>
+              <a:gd name="connsiteY0" fmla="*/ 1618 h 155959"/>
+              <a:gd name="connsiteX1" fmla="*/ 486120 w 486608"/>
+              <a:gd name="connsiteY1" fmla="*/ 61318 h 155959"/>
+              <a:gd name="connsiteX2" fmla="*/ 228021 w 486608"/>
+              <a:gd name="connsiteY2" fmla="*/ 154081 h 155959"/>
+              <a:gd name="connsiteX3" fmla="*/ 488 w 486608"/>
+              <a:gd name="connsiteY3" fmla="*/ 95135 h 155959"/>
+              <a:gd name="connsiteX4" fmla="*/ 258589 w 486608"/>
+              <a:gd name="connsiteY4" fmla="*/ 2373 h 155959"/>
+              <a:gd name="connsiteX0" fmla="*/ 243234 w 486538"/>
+              <a:gd name="connsiteY0" fmla="*/ 6455 h 160796"/>
+              <a:gd name="connsiteX1" fmla="*/ 486120 w 486538"/>
+              <a:gd name="connsiteY1" fmla="*/ 66155 h 160796"/>
+              <a:gd name="connsiteX2" fmla="*/ 228021 w 486538"/>
+              <a:gd name="connsiteY2" fmla="*/ 158918 h 160796"/>
+              <a:gd name="connsiteX3" fmla="*/ 488 w 486538"/>
+              <a:gd name="connsiteY3" fmla="*/ 99972 h 160796"/>
+              <a:gd name="connsiteX4" fmla="*/ 258589 w 486538"/>
+              <a:gd name="connsiteY4" fmla="*/ 7210 h 160796"/>
+              <a:gd name="connsiteX0" fmla="*/ 243234 w 486120"/>
+              <a:gd name="connsiteY0" fmla="*/ 9581 h 163922"/>
+              <a:gd name="connsiteX1" fmla="*/ 486120 w 486120"/>
+              <a:gd name="connsiteY1" fmla="*/ 69281 h 163922"/>
+              <a:gd name="connsiteX2" fmla="*/ 228021 w 486120"/>
+              <a:gd name="connsiteY2" fmla="*/ 162044 h 163922"/>
+              <a:gd name="connsiteX3" fmla="*/ 488 w 486120"/>
+              <a:gd name="connsiteY3" fmla="*/ 103098 h 163922"/>
+              <a:gd name="connsiteX4" fmla="*/ 258589 w 486120"/>
+              <a:gd name="connsiteY4" fmla="*/ 10336 h 163922"/>
+              <a:gd name="connsiteX0" fmla="*/ 243234 w 480315"/>
+              <a:gd name="connsiteY0" fmla="*/ 10179 h 164520"/>
+              <a:gd name="connsiteX1" fmla="*/ 480315 w 480315"/>
+              <a:gd name="connsiteY1" fmla="*/ 46043 h 164520"/>
+              <a:gd name="connsiteX2" fmla="*/ 228021 w 480315"/>
+              <a:gd name="connsiteY2" fmla="*/ 162642 h 164520"/>
+              <a:gd name="connsiteX3" fmla="*/ 488 w 480315"/>
+              <a:gd name="connsiteY3" fmla="*/ 103696 h 164520"/>
+              <a:gd name="connsiteX4" fmla="*/ 258589 w 480315"/>
+              <a:gd name="connsiteY4" fmla="*/ 10934 h 164520"/>
+              <a:gd name="connsiteX0" fmla="*/ 243234 w 480315"/>
+              <a:gd name="connsiteY0" fmla="*/ 10179 h 164520"/>
+              <a:gd name="connsiteX1" fmla="*/ 480315 w 480315"/>
+              <a:gd name="connsiteY1" fmla="*/ 46043 h 164520"/>
+              <a:gd name="connsiteX2" fmla="*/ 228021 w 480315"/>
+              <a:gd name="connsiteY2" fmla="*/ 162642 h 164520"/>
+              <a:gd name="connsiteX3" fmla="*/ 488 w 480315"/>
+              <a:gd name="connsiteY3" fmla="*/ 103696 h 164520"/>
+              <a:gd name="connsiteX4" fmla="*/ 258589 w 480315"/>
+              <a:gd name="connsiteY4" fmla="*/ 10934 h 164520"/>
+              <a:gd name="connsiteX0" fmla="*/ 243234 w 480315"/>
+              <a:gd name="connsiteY0" fmla="*/ 10179 h 164520"/>
+              <a:gd name="connsiteX1" fmla="*/ 480315 w 480315"/>
+              <a:gd name="connsiteY1" fmla="*/ 46043 h 164520"/>
+              <a:gd name="connsiteX2" fmla="*/ 228021 w 480315"/>
+              <a:gd name="connsiteY2" fmla="*/ 162642 h 164520"/>
+              <a:gd name="connsiteX3" fmla="*/ 488 w 480315"/>
+              <a:gd name="connsiteY3" fmla="*/ 103696 h 164520"/>
+              <a:gd name="connsiteX4" fmla="*/ 258589 w 480315"/>
+              <a:gd name="connsiteY4" fmla="*/ 10934 h 164520"/>
+              <a:gd name="connsiteX0" fmla="*/ 243234 w 480315"/>
+              <a:gd name="connsiteY0" fmla="*/ 10179 h 165014"/>
+              <a:gd name="connsiteX1" fmla="*/ 480315 w 480315"/>
+              <a:gd name="connsiteY1" fmla="*/ 46043 h 165014"/>
+              <a:gd name="connsiteX2" fmla="*/ 243374 w 480315"/>
+              <a:gd name="connsiteY2" fmla="*/ 163397 h 165014"/>
+              <a:gd name="connsiteX3" fmla="*/ 488 w 480315"/>
+              <a:gd name="connsiteY3" fmla="*/ 103696 h 165014"/>
+              <a:gd name="connsiteX4" fmla="*/ 258589 w 480315"/>
+              <a:gd name="connsiteY4" fmla="*/ 10934 h 165014"/>
+              <a:gd name="connsiteX0" fmla="*/ 243165 w 480246"/>
+              <a:gd name="connsiteY0" fmla="*/ 10179 h 169851"/>
+              <a:gd name="connsiteX1" fmla="*/ 480246 w 480246"/>
+              <a:gd name="connsiteY1" fmla="*/ 46043 h 169851"/>
+              <a:gd name="connsiteX2" fmla="*/ 243305 w 480246"/>
+              <a:gd name="connsiteY2" fmla="*/ 163397 h 169851"/>
+              <a:gd name="connsiteX3" fmla="*/ 419 w 480246"/>
+              <a:gd name="connsiteY3" fmla="*/ 103696 h 169851"/>
+              <a:gd name="connsiteX4" fmla="*/ 258520 w 480246"/>
+              <a:gd name="connsiteY4" fmla="*/ 10934 h 169851"/>
+              <a:gd name="connsiteX0" fmla="*/ 242746 w 479827"/>
+              <a:gd name="connsiteY0" fmla="*/ 10179 h 172977"/>
+              <a:gd name="connsiteX1" fmla="*/ 479827 w 479827"/>
+              <a:gd name="connsiteY1" fmla="*/ 46043 h 172977"/>
+              <a:gd name="connsiteX2" fmla="*/ 242886 w 479827"/>
+              <a:gd name="connsiteY2" fmla="*/ 163397 h 172977"/>
+              <a:gd name="connsiteX3" fmla="*/ 0 w 479827"/>
+              <a:gd name="connsiteY3" fmla="*/ 103696 h 172977"/>
+              <a:gd name="connsiteX4" fmla="*/ 258101 w 479827"/>
+              <a:gd name="connsiteY4" fmla="*/ 10934 h 172977"/>
+              <a:gd name="connsiteX0" fmla="*/ 236941 w 474022"/>
+              <a:gd name="connsiteY0" fmla="*/ 10179 h 173576"/>
+              <a:gd name="connsiteX1" fmla="*/ 474022 w 474022"/>
+              <a:gd name="connsiteY1" fmla="*/ 46043 h 173576"/>
+              <a:gd name="connsiteX2" fmla="*/ 237081 w 474022"/>
+              <a:gd name="connsiteY2" fmla="*/ 163397 h 173576"/>
+              <a:gd name="connsiteX3" fmla="*/ 0 w 474022"/>
+              <a:gd name="connsiteY3" fmla="*/ 127532 h 173576"/>
+              <a:gd name="connsiteX4" fmla="*/ 252296 w 474022"/>
+              <a:gd name="connsiteY4" fmla="*/ 10934 h 173576"/>
+              <a:gd name="connsiteX0" fmla="*/ 236941 w 474022"/>
+              <a:gd name="connsiteY0" fmla="*/ 10179 h 173576"/>
+              <a:gd name="connsiteX1" fmla="*/ 474022 w 474022"/>
+              <a:gd name="connsiteY1" fmla="*/ 46043 h 173576"/>
+              <a:gd name="connsiteX2" fmla="*/ 237081 w 474022"/>
+              <a:gd name="connsiteY2" fmla="*/ 163397 h 173576"/>
+              <a:gd name="connsiteX3" fmla="*/ 0 w 474022"/>
+              <a:gd name="connsiteY3" fmla="*/ 127532 h 173576"/>
+              <a:gd name="connsiteX4" fmla="*/ 252296 w 474022"/>
+              <a:gd name="connsiteY4" fmla="*/ 10934 h 173576"/>
+              <a:gd name="connsiteX0" fmla="*/ 236941 w 474022"/>
+              <a:gd name="connsiteY0" fmla="*/ 10179 h 173576"/>
+              <a:gd name="connsiteX1" fmla="*/ 474022 w 474022"/>
+              <a:gd name="connsiteY1" fmla="*/ 46043 h 173576"/>
+              <a:gd name="connsiteX2" fmla="*/ 237081 w 474022"/>
+              <a:gd name="connsiteY2" fmla="*/ 163397 h 173576"/>
+              <a:gd name="connsiteX3" fmla="*/ 0 w 474022"/>
+              <a:gd name="connsiteY3" fmla="*/ 127532 h 173576"/>
+              <a:gd name="connsiteX4" fmla="*/ 252296 w 474022"/>
+              <a:gd name="connsiteY4" fmla="*/ 10934 h 173576"/>
+              <a:gd name="connsiteX0" fmla="*/ 236941 w 474022"/>
+              <a:gd name="connsiteY0" fmla="*/ 10179 h 173576"/>
+              <a:gd name="connsiteX1" fmla="*/ 474022 w 474022"/>
+              <a:gd name="connsiteY1" fmla="*/ 46043 h 173576"/>
+              <a:gd name="connsiteX2" fmla="*/ 237081 w 474022"/>
+              <a:gd name="connsiteY2" fmla="*/ 163397 h 173576"/>
+              <a:gd name="connsiteX3" fmla="*/ 0 w 474022"/>
+              <a:gd name="connsiteY3" fmla="*/ 127532 h 173576"/>
+              <a:gd name="connsiteX4" fmla="*/ 236945 w 474022"/>
+              <a:gd name="connsiteY4" fmla="*/ 10178 h 173576"/>
+              <a:gd name="connsiteX0" fmla="*/ 231601 w 474022"/>
+              <a:gd name="connsiteY0" fmla="*/ 10248 h 173544"/>
+              <a:gd name="connsiteX1" fmla="*/ 474022 w 474022"/>
+              <a:gd name="connsiteY1" fmla="*/ 46011 h 173544"/>
+              <a:gd name="connsiteX2" fmla="*/ 237081 w 474022"/>
+              <a:gd name="connsiteY2" fmla="*/ 163365 h 173544"/>
+              <a:gd name="connsiteX3" fmla="*/ 0 w 474022"/>
+              <a:gd name="connsiteY3" fmla="*/ 127500 h 173544"/>
+              <a:gd name="connsiteX4" fmla="*/ 236945 w 474022"/>
+              <a:gd name="connsiteY4" fmla="*/ 10146 h 173544"/>
+              <a:gd name="connsiteX0" fmla="*/ 231601 w 474022"/>
+              <a:gd name="connsiteY0" fmla="*/ 12322 h 175618"/>
+              <a:gd name="connsiteX1" fmla="*/ 474022 w 474022"/>
+              <a:gd name="connsiteY1" fmla="*/ 48085 h 175618"/>
+              <a:gd name="connsiteX2" fmla="*/ 237081 w 474022"/>
+              <a:gd name="connsiteY2" fmla="*/ 165439 h 175618"/>
+              <a:gd name="connsiteX3" fmla="*/ 0 w 474022"/>
+              <a:gd name="connsiteY3" fmla="*/ 129574 h 175618"/>
+              <a:gd name="connsiteX4" fmla="*/ 236945 w 474022"/>
+              <a:gd name="connsiteY4" fmla="*/ 12220 h 175618"/>
+              <a:gd name="connsiteX0" fmla="*/ 231601 w 474022"/>
+              <a:gd name="connsiteY0" fmla="*/ 14197 h 177493"/>
+              <a:gd name="connsiteX1" fmla="*/ 474022 w 474022"/>
+              <a:gd name="connsiteY1" fmla="*/ 49960 h 177493"/>
+              <a:gd name="connsiteX2" fmla="*/ 237081 w 474022"/>
+              <a:gd name="connsiteY2" fmla="*/ 167314 h 177493"/>
+              <a:gd name="connsiteX3" fmla="*/ 0 w 474022"/>
+              <a:gd name="connsiteY3" fmla="*/ 131449 h 177493"/>
+              <a:gd name="connsiteX4" fmla="*/ 236945 w 474022"/>
+              <a:gd name="connsiteY4" fmla="*/ 14095 h 177493"/>
+              <a:gd name="connsiteX0" fmla="*/ 231601 w 470946"/>
+              <a:gd name="connsiteY0" fmla="*/ 14582 h 177878"/>
+              <a:gd name="connsiteX1" fmla="*/ 470877 w 470946"/>
+              <a:gd name="connsiteY1" fmla="*/ 41677 h 177878"/>
+              <a:gd name="connsiteX2" fmla="*/ 237081 w 470946"/>
+              <a:gd name="connsiteY2" fmla="*/ 167699 h 177878"/>
+              <a:gd name="connsiteX3" fmla="*/ 0 w 470946"/>
+              <a:gd name="connsiteY3" fmla="*/ 131834 h 177878"/>
+              <a:gd name="connsiteX4" fmla="*/ 236945 w 470946"/>
+              <a:gd name="connsiteY4" fmla="*/ 14480 h 177878"/>
+              <a:gd name="connsiteX0" fmla="*/ 231601 w 470938"/>
+              <a:gd name="connsiteY0" fmla="*/ 14582 h 177878"/>
+              <a:gd name="connsiteX1" fmla="*/ 470877 w 470938"/>
+              <a:gd name="connsiteY1" fmla="*/ 41677 h 177878"/>
+              <a:gd name="connsiteX2" fmla="*/ 237081 w 470938"/>
+              <a:gd name="connsiteY2" fmla="*/ 167699 h 177878"/>
+              <a:gd name="connsiteX3" fmla="*/ 0 w 470938"/>
+              <a:gd name="connsiteY3" fmla="*/ 131834 h 177878"/>
+              <a:gd name="connsiteX4" fmla="*/ 236945 w 470938"/>
+              <a:gd name="connsiteY4" fmla="*/ 14480 h 177878"/>
+              <a:gd name="connsiteX0" fmla="*/ 231601 w 470941"/>
+              <a:gd name="connsiteY0" fmla="*/ 14582 h 177878"/>
+              <a:gd name="connsiteX1" fmla="*/ 470877 w 470941"/>
+              <a:gd name="connsiteY1" fmla="*/ 41677 h 177878"/>
+              <a:gd name="connsiteX2" fmla="*/ 237081 w 470941"/>
+              <a:gd name="connsiteY2" fmla="*/ 167699 h 177878"/>
+              <a:gd name="connsiteX3" fmla="*/ 0 w 470941"/>
+              <a:gd name="connsiteY3" fmla="*/ 131834 h 177878"/>
+              <a:gd name="connsiteX4" fmla="*/ 236945 w 470941"/>
+              <a:gd name="connsiteY4" fmla="*/ 14480 h 177878"/>
+              <a:gd name="connsiteX0" fmla="*/ 231601 w 470940"/>
+              <a:gd name="connsiteY0" fmla="*/ 14582 h 177844"/>
+              <a:gd name="connsiteX1" fmla="*/ 470877 w 470940"/>
+              <a:gd name="connsiteY1" fmla="*/ 41677 h 177844"/>
+              <a:gd name="connsiteX2" fmla="*/ 242422 w 470940"/>
+              <a:gd name="connsiteY2" fmla="*/ 167599 h 177844"/>
+              <a:gd name="connsiteX3" fmla="*/ 0 w 470940"/>
+              <a:gd name="connsiteY3" fmla="*/ 131834 h 177844"/>
+              <a:gd name="connsiteX4" fmla="*/ 236945 w 470940"/>
+              <a:gd name="connsiteY4" fmla="*/ 14480 h 177844"/>
+              <a:gd name="connsiteX0" fmla="*/ 231601 w 470940"/>
+              <a:gd name="connsiteY0" fmla="*/ 14582 h 179919"/>
+              <a:gd name="connsiteX1" fmla="*/ 470877 w 470940"/>
+              <a:gd name="connsiteY1" fmla="*/ 41677 h 179919"/>
+              <a:gd name="connsiteX2" fmla="*/ 242422 w 470940"/>
+              <a:gd name="connsiteY2" fmla="*/ 167599 h 179919"/>
+              <a:gd name="connsiteX3" fmla="*/ 0 w 470940"/>
+              <a:gd name="connsiteY3" fmla="*/ 131834 h 179919"/>
+              <a:gd name="connsiteX4" fmla="*/ 236945 w 470940"/>
+              <a:gd name="connsiteY4" fmla="*/ 14480 h 179919"/>
+              <a:gd name="connsiteX0" fmla="*/ 231601 w 470940"/>
+              <a:gd name="connsiteY0" fmla="*/ 14582 h 181795"/>
+              <a:gd name="connsiteX1" fmla="*/ 470877 w 470940"/>
+              <a:gd name="connsiteY1" fmla="*/ 41677 h 181795"/>
+              <a:gd name="connsiteX2" fmla="*/ 242422 w 470940"/>
+              <a:gd name="connsiteY2" fmla="*/ 167599 h 181795"/>
+              <a:gd name="connsiteX3" fmla="*/ 0 w 470940"/>
+              <a:gd name="connsiteY3" fmla="*/ 131834 h 181795"/>
+              <a:gd name="connsiteX4" fmla="*/ 236945 w 470940"/>
+              <a:gd name="connsiteY4" fmla="*/ 14480 h 181795"/>
+              <a:gd name="connsiteX0" fmla="*/ 228526 w 467865"/>
+              <a:gd name="connsiteY0" fmla="*/ 14582 h 182180"/>
+              <a:gd name="connsiteX1" fmla="*/ 467802 w 467865"/>
+              <a:gd name="connsiteY1" fmla="*/ 41677 h 182180"/>
+              <a:gd name="connsiteX2" fmla="*/ 239347 w 467865"/>
+              <a:gd name="connsiteY2" fmla="*/ 167599 h 182180"/>
+              <a:gd name="connsiteX3" fmla="*/ 70 w 467865"/>
+              <a:gd name="connsiteY3" fmla="*/ 140503 h 182180"/>
+              <a:gd name="connsiteX4" fmla="*/ 233870 w 467865"/>
+              <a:gd name="connsiteY4" fmla="*/ 14480 h 182180"/>
+              <a:gd name="connsiteX0" fmla="*/ 228518 w 467857"/>
+              <a:gd name="connsiteY0" fmla="*/ 14582 h 182180"/>
+              <a:gd name="connsiteX1" fmla="*/ 467794 w 467857"/>
+              <a:gd name="connsiteY1" fmla="*/ 41677 h 182180"/>
+              <a:gd name="connsiteX2" fmla="*/ 239339 w 467857"/>
+              <a:gd name="connsiteY2" fmla="*/ 167599 h 182180"/>
+              <a:gd name="connsiteX3" fmla="*/ 62 w 467857"/>
+              <a:gd name="connsiteY3" fmla="*/ 140503 h 182180"/>
+              <a:gd name="connsiteX4" fmla="*/ 233862 w 467857"/>
+              <a:gd name="connsiteY4" fmla="*/ 14480 h 182180"/>
+              <a:gd name="connsiteX0" fmla="*/ 228519 w 467858"/>
+              <a:gd name="connsiteY0" fmla="*/ 14582 h 182180"/>
+              <a:gd name="connsiteX1" fmla="*/ 467795 w 467858"/>
+              <a:gd name="connsiteY1" fmla="*/ 41677 h 182180"/>
+              <a:gd name="connsiteX2" fmla="*/ 239340 w 467858"/>
+              <a:gd name="connsiteY2" fmla="*/ 167599 h 182180"/>
+              <a:gd name="connsiteX3" fmla="*/ 63 w 467858"/>
+              <a:gd name="connsiteY3" fmla="*/ 140503 h 182180"/>
+              <a:gd name="connsiteX4" fmla="*/ 233863 w 467858"/>
+              <a:gd name="connsiteY4" fmla="*/ 14480 h 182180"/>
+              <a:gd name="connsiteX0" fmla="*/ 228519 w 467858"/>
+              <a:gd name="connsiteY0" fmla="*/ 14582 h 182180"/>
+              <a:gd name="connsiteX1" fmla="*/ 467795 w 467858"/>
+              <a:gd name="connsiteY1" fmla="*/ 41677 h 182180"/>
+              <a:gd name="connsiteX2" fmla="*/ 239340 w 467858"/>
+              <a:gd name="connsiteY2" fmla="*/ 167599 h 182180"/>
+              <a:gd name="connsiteX3" fmla="*/ 63 w 467858"/>
+              <a:gd name="connsiteY3" fmla="*/ 140503 h 182180"/>
+              <a:gd name="connsiteX4" fmla="*/ 228523 w 467858"/>
+              <a:gd name="connsiteY4" fmla="*/ 14580 h 182180"/>
+              <a:gd name="connsiteX0" fmla="*/ 235878 w 467858"/>
+              <a:gd name="connsiteY0" fmla="*/ 14517 h 182203"/>
+              <a:gd name="connsiteX1" fmla="*/ 467795 w 467858"/>
+              <a:gd name="connsiteY1" fmla="*/ 41700 h 182203"/>
+              <a:gd name="connsiteX2" fmla="*/ 239340 w 467858"/>
+              <a:gd name="connsiteY2" fmla="*/ 167622 h 182203"/>
+              <a:gd name="connsiteX3" fmla="*/ 63 w 467858"/>
+              <a:gd name="connsiteY3" fmla="*/ 140526 h 182203"/>
+              <a:gd name="connsiteX4" fmla="*/ 228523 w 467858"/>
+              <a:gd name="connsiteY4" fmla="*/ 14603 h 182203"/>
+              <a:gd name="connsiteX0" fmla="*/ 235878 w 467858"/>
+              <a:gd name="connsiteY0" fmla="*/ 11636 h 179322"/>
+              <a:gd name="connsiteX1" fmla="*/ 467795 w 467858"/>
+              <a:gd name="connsiteY1" fmla="*/ 38819 h 179322"/>
+              <a:gd name="connsiteX2" fmla="*/ 239340 w 467858"/>
+              <a:gd name="connsiteY2" fmla="*/ 164741 h 179322"/>
+              <a:gd name="connsiteX3" fmla="*/ 63 w 467858"/>
+              <a:gd name="connsiteY3" fmla="*/ 137645 h 179322"/>
+              <a:gd name="connsiteX4" fmla="*/ 228523 w 467858"/>
+              <a:gd name="connsiteY4" fmla="*/ 11722 h 179322"/>
+              <a:gd name="connsiteX0" fmla="*/ 235878 w 467982"/>
+              <a:gd name="connsiteY0" fmla="*/ 8982 h 176668"/>
+              <a:gd name="connsiteX1" fmla="*/ 467795 w 467982"/>
+              <a:gd name="connsiteY1" fmla="*/ 36165 h 176668"/>
+              <a:gd name="connsiteX2" fmla="*/ 239340 w 467982"/>
+              <a:gd name="connsiteY2" fmla="*/ 162087 h 176668"/>
+              <a:gd name="connsiteX3" fmla="*/ 63 w 467982"/>
+              <a:gd name="connsiteY3" fmla="*/ 134991 h 176668"/>
+              <a:gd name="connsiteX4" fmla="*/ 228523 w 467982"/>
+              <a:gd name="connsiteY4" fmla="*/ 9068 h 176668"/>
+              <a:gd name="connsiteX0" fmla="*/ 235878 w 471979"/>
+              <a:gd name="connsiteY0" fmla="*/ 8683 h 176369"/>
+              <a:gd name="connsiteX1" fmla="*/ 471971 w 471979"/>
+              <a:gd name="connsiteY1" fmla="*/ 47837 h 176369"/>
+              <a:gd name="connsiteX2" fmla="*/ 239340 w 471979"/>
+              <a:gd name="connsiteY2" fmla="*/ 161788 h 176369"/>
+              <a:gd name="connsiteX3" fmla="*/ 63 w 471979"/>
+              <a:gd name="connsiteY3" fmla="*/ 134692 h 176369"/>
+              <a:gd name="connsiteX4" fmla="*/ 228523 w 471979"/>
+              <a:gd name="connsiteY4" fmla="*/ 8769 h 176369"/>
+              <a:gd name="connsiteX0" fmla="*/ 235878 w 471979"/>
+              <a:gd name="connsiteY0" fmla="*/ 8683 h 176369"/>
+              <a:gd name="connsiteX1" fmla="*/ 471971 w 471979"/>
+              <a:gd name="connsiteY1" fmla="*/ 47837 h 176369"/>
+              <a:gd name="connsiteX2" fmla="*/ 239340 w 471979"/>
+              <a:gd name="connsiteY2" fmla="*/ 161788 h 176369"/>
+              <a:gd name="connsiteX3" fmla="*/ 63 w 471979"/>
+              <a:gd name="connsiteY3" fmla="*/ 134692 h 176369"/>
+              <a:gd name="connsiteX4" fmla="*/ 228523 w 471979"/>
+              <a:gd name="connsiteY4" fmla="*/ 8769 h 176369"/>
+              <a:gd name="connsiteX0" fmla="*/ 235878 w 471979"/>
+              <a:gd name="connsiteY0" fmla="*/ 8683 h 176369"/>
+              <a:gd name="connsiteX1" fmla="*/ 471971 w 471979"/>
+              <a:gd name="connsiteY1" fmla="*/ 47837 h 176369"/>
+              <a:gd name="connsiteX2" fmla="*/ 239340 w 471979"/>
+              <a:gd name="connsiteY2" fmla="*/ 161788 h 176369"/>
+              <a:gd name="connsiteX3" fmla="*/ 63 w 471979"/>
+              <a:gd name="connsiteY3" fmla="*/ 134692 h 176369"/>
+              <a:gd name="connsiteX4" fmla="*/ 228523 w 471979"/>
+              <a:gd name="connsiteY4" fmla="*/ 8769 h 176369"/>
+              <a:gd name="connsiteX0" fmla="*/ 235878 w 471979"/>
+              <a:gd name="connsiteY0" fmla="*/ 8683 h 176392"/>
+              <a:gd name="connsiteX1" fmla="*/ 471971 w 471979"/>
+              <a:gd name="connsiteY1" fmla="*/ 47837 h 176392"/>
+              <a:gd name="connsiteX2" fmla="*/ 231980 w 471979"/>
+              <a:gd name="connsiteY2" fmla="*/ 161875 h 176392"/>
+              <a:gd name="connsiteX3" fmla="*/ 63 w 471979"/>
+              <a:gd name="connsiteY3" fmla="*/ 134692 h 176392"/>
+              <a:gd name="connsiteX4" fmla="*/ 228523 w 471979"/>
+              <a:gd name="connsiteY4" fmla="*/ 8769 h 176392"/>
+              <a:gd name="connsiteX0" fmla="*/ 235878 w 471979"/>
+              <a:gd name="connsiteY0" fmla="*/ 8683 h 173509"/>
+              <a:gd name="connsiteX1" fmla="*/ 471971 w 471979"/>
+              <a:gd name="connsiteY1" fmla="*/ 47837 h 173509"/>
+              <a:gd name="connsiteX2" fmla="*/ 231980 w 471979"/>
+              <a:gd name="connsiteY2" fmla="*/ 161875 h 173509"/>
+              <a:gd name="connsiteX3" fmla="*/ 63 w 471979"/>
+              <a:gd name="connsiteY3" fmla="*/ 134692 h 173509"/>
+              <a:gd name="connsiteX4" fmla="*/ 228523 w 471979"/>
+              <a:gd name="connsiteY4" fmla="*/ 8769 h 173509"/>
+              <a:gd name="connsiteX0" fmla="*/ 236002 w 472103"/>
+              <a:gd name="connsiteY0" fmla="*/ 8683 h 170856"/>
+              <a:gd name="connsiteX1" fmla="*/ 472095 w 472103"/>
+              <a:gd name="connsiteY1" fmla="*/ 47837 h 170856"/>
+              <a:gd name="connsiteX2" fmla="*/ 232104 w 472103"/>
+              <a:gd name="connsiteY2" fmla="*/ 161875 h 170856"/>
+              <a:gd name="connsiteX3" fmla="*/ 187 w 472103"/>
+              <a:gd name="connsiteY3" fmla="*/ 134692 h 170856"/>
+              <a:gd name="connsiteX4" fmla="*/ 228647 w 472103"/>
+              <a:gd name="connsiteY4" fmla="*/ 8769 h 170856"/>
+              <a:gd name="connsiteX0" fmla="*/ 239999 w 476100"/>
+              <a:gd name="connsiteY0" fmla="*/ 8683 h 170556"/>
+              <a:gd name="connsiteX1" fmla="*/ 476092 w 476100"/>
+              <a:gd name="connsiteY1" fmla="*/ 47837 h 170556"/>
+              <a:gd name="connsiteX2" fmla="*/ 236101 w 476100"/>
+              <a:gd name="connsiteY2" fmla="*/ 161875 h 170556"/>
+              <a:gd name="connsiteX3" fmla="*/ 8 w 476100"/>
+              <a:gd name="connsiteY3" fmla="*/ 122720 h 170556"/>
+              <a:gd name="connsiteX4" fmla="*/ 232644 w 476100"/>
+              <a:gd name="connsiteY4" fmla="*/ 8769 h 170556"/>
+              <a:gd name="connsiteX0" fmla="*/ 239999 w 476100"/>
+              <a:gd name="connsiteY0" fmla="*/ 8683 h 170556"/>
+              <a:gd name="connsiteX1" fmla="*/ 476092 w 476100"/>
+              <a:gd name="connsiteY1" fmla="*/ 47837 h 170556"/>
+              <a:gd name="connsiteX2" fmla="*/ 236101 w 476100"/>
+              <a:gd name="connsiteY2" fmla="*/ 161875 h 170556"/>
+              <a:gd name="connsiteX3" fmla="*/ 8 w 476100"/>
+              <a:gd name="connsiteY3" fmla="*/ 122720 h 170556"/>
+              <a:gd name="connsiteX4" fmla="*/ 232644 w 476100"/>
+              <a:gd name="connsiteY4" fmla="*/ 8769 h 170556"/>
+              <a:gd name="connsiteX0" fmla="*/ 239999 w 476100"/>
+              <a:gd name="connsiteY0" fmla="*/ 8683 h 170556"/>
+              <a:gd name="connsiteX1" fmla="*/ 476092 w 476100"/>
+              <a:gd name="connsiteY1" fmla="*/ 47837 h 170556"/>
+              <a:gd name="connsiteX2" fmla="*/ 236101 w 476100"/>
+              <a:gd name="connsiteY2" fmla="*/ 161875 h 170556"/>
+              <a:gd name="connsiteX3" fmla="*/ 8 w 476100"/>
+              <a:gd name="connsiteY3" fmla="*/ 122720 h 170556"/>
+              <a:gd name="connsiteX4" fmla="*/ 232644 w 476100"/>
+              <a:gd name="connsiteY4" fmla="*/ 8769 h 170556"/>
+              <a:gd name="connsiteX0" fmla="*/ 239999 w 476100"/>
+              <a:gd name="connsiteY0" fmla="*/ 8683 h 170556"/>
+              <a:gd name="connsiteX1" fmla="*/ 476092 w 476100"/>
+              <a:gd name="connsiteY1" fmla="*/ 47837 h 170556"/>
+              <a:gd name="connsiteX2" fmla="*/ 236101 w 476100"/>
+              <a:gd name="connsiteY2" fmla="*/ 161875 h 170556"/>
+              <a:gd name="connsiteX3" fmla="*/ 8 w 476100"/>
+              <a:gd name="connsiteY3" fmla="*/ 122720 h 170556"/>
+              <a:gd name="connsiteX4" fmla="*/ 240003 w 476100"/>
+              <a:gd name="connsiteY4" fmla="*/ 8682 h 170556"/>
+            </a:gdLst>
+            <a:ahLst/>
+            <a:cxnLst>
+              <a:cxn ang="0">
+                <a:pos x="connsiteX0" y="connsiteY0"/>
+              </a:cxn>
+              <a:cxn ang="0">
+                <a:pos x="connsiteX1" y="connsiteY1"/>
+              </a:cxn>
+              <a:cxn ang="0">
+                <a:pos x="connsiteX2" y="connsiteY2"/>
+              </a:cxn>
+              <a:cxn ang="0">
+                <a:pos x="connsiteX3" y="connsiteY3"/>
+              </a:cxn>
+              <a:cxn ang="0">
+                <a:pos x="connsiteX4" y="connsiteY4"/>
+              </a:cxn>
+            </a:cxnLst>
+            <a:rect l="l" t="t" r="r" b="b"/>
+            <a:pathLst>
+              <a:path w="476100" h="170556">
+                <a:moveTo>
+                  <a:pt x="239999" y="8683"/>
+                </a:moveTo>
+                <a:cubicBezTo>
+                  <a:pt x="371467" y="-11998"/>
+                  <a:pt x="477169" y="5532"/>
+                  <a:pt x="476092" y="47837"/>
+                </a:cubicBezTo>
+                <a:cubicBezTo>
+                  <a:pt x="475015" y="90141"/>
+                  <a:pt x="367569" y="141198"/>
+                  <a:pt x="236101" y="161875"/>
+                </a:cubicBezTo>
+                <a:cubicBezTo>
+                  <a:pt x="104636" y="182554"/>
+                  <a:pt x="-1069" y="165027"/>
+                  <a:pt x="8" y="122720"/>
+                </a:cubicBezTo>
+                <a:cubicBezTo>
+                  <a:pt x="1085" y="80418"/>
+                  <a:pt x="108534" y="29362"/>
+                  <a:pt x="240003" y="8682"/>
+                </a:cubicBezTo>
+                <a:close/>
+              </a:path>
+            </a:pathLst>
+          </a:custGeom>
+          <a:solidFill>
+            <a:srgbClr val="FFFFFF"/>
+          </a:solidFill>
+          <a:ln>
+            <a:solidFill>
+              <a:srgbClr val="0070C0"/>
+            </a:solidFill>
+          </a:ln>
+        </p:spPr>
+        <p:style>
+          <a:lnRef idx="2">
+            <a:schemeClr val="accent1">
+              <a:shade val="50000"/>
+            </a:schemeClr>
+          </a:lnRef>
+          <a:fillRef idx="1">
+            <a:schemeClr val="accent1"/>
+          </a:fillRef>
+          <a:effectRef idx="0">
+            <a:schemeClr val="accent1"/>
+          </a:effectRef>
+          <a:fontRef idx="minor">
+            <a:schemeClr val="lt1"/>
+          </a:fontRef>
+        </p:style>
+        <p:txBody>
+          <a:bodyPr rtlCol="0" anchor="ctr"/>
+          <a:lstStyle/>
+          <a:p>
+            <a:pPr algn="ctr"/>
+            <a:endParaRPr lang="en-US" dirty="0"/>
+          </a:p>
+        </p:txBody>
+      </p:sp>
+      <p:sp>
+        <p:nvSpPr>
+          <p:cNvPr id="27" name="TextBox 26"/>
+          <p:cNvSpPr txBox="1"/>
+          <p:nvPr/>
+        </p:nvSpPr>
+        <p:spPr>
+          <a:xfrm>
+            <a:off x="3797429" y="2996440"/>
+            <a:ext cx="1553759" cy="369332"/>
+          </a:xfrm>
+          <a:prstGeom prst="rect">
+            <a:avLst/>
+          </a:prstGeom>
+          <a:noFill/>
+        </p:spPr>
+        <p:txBody>
+          <a:bodyPr wrap="none" rtlCol="0">
+            <a:spAutoFit/>
+          </a:bodyPr>
+          <a:lstStyle/>
+          <a:p>
+            <a:r>
+              <a:rPr lang="en-US" dirty="0" smtClean="0"/>
+              <a:t>Symmetric top</a:t>
+            </a:r>
+          </a:p>
+        </p:txBody>
+      </p:sp>
+      <p:sp>
+        <p:nvSpPr>
+          <p:cNvPr id="28" name="TextBox 27"/>
+          <p:cNvSpPr txBox="1"/>
+          <p:nvPr/>
+        </p:nvSpPr>
+        <p:spPr>
+          <a:xfrm>
+            <a:off x="3794625" y="5293982"/>
+            <a:ext cx="1933606" cy="369332"/>
+          </a:xfrm>
+          <a:prstGeom prst="rect">
+            <a:avLst/>
+          </a:prstGeom>
+          <a:noFill/>
+        </p:spPr>
+        <p:txBody>
+          <a:bodyPr wrap="none" rtlCol="0">
+            <a:spAutoFit/>
+          </a:bodyPr>
+          <a:lstStyle/>
+          <a:p>
+            <a:r>
+              <a:rPr lang="en-US" dirty="0" smtClean="0"/>
+              <a:t>Symmetric bottom</a:t>
+            </a:r>
+          </a:p>
+        </p:txBody>
+      </p:sp>
+      <p:sp>
+        <p:nvSpPr>
+          <p:cNvPr id="29" name="TextBox 28"/>
+          <p:cNvSpPr txBox="1">
+            <a:spLocks/>
+          </p:cNvSpPr>
+          <p:nvPr/>
+        </p:nvSpPr>
+        <p:spPr>
+          <a:xfrm>
+            <a:off x="4653192" y="4855388"/>
+            <a:ext cx="45275" cy="138499"/>
+          </a:xfrm>
+          <a:prstGeom prst="rect">
+            <a:avLst/>
+          </a:prstGeom>
+          <a:noFill/>
+        </p:spPr>
+        <p:txBody>
+          <a:bodyPr wrap="square" lIns="0" tIns="0" rIns="0" bIns="0" rtlCol="0" anchor="b" anchorCtr="0">
+            <a:spAutoFit/>
+          </a:bodyPr>
+          <a:lstStyle/>
+          <a:p>
+            <a:r>
+              <a:rPr lang="en-US" sz="900" dirty="0">
+                <a:solidFill>
+                  <a:srgbClr val="0070C0"/>
+                </a:solidFill>
+              </a:rPr>
+              <a:t>▴</a:t>
+            </a:r>
+            <a:endParaRPr lang="en-US" sz="900" dirty="0"/>
+          </a:p>
+        </p:txBody>
+      </p:sp>
+    </p:spTree>
+    <p:extLst>
+      <p:ext uri="{BB962C8B-B14F-4D97-AF65-F5344CB8AC3E}">
+        <p14:creationId xmlns:p14="http://schemas.microsoft.com/office/powerpoint/2010/main" val="2003356102"/>
+      </p:ext>
+    </p:extLst>
+  </p:cSld>
+  <p:clrMapOvr>
+    <a:masterClrMapping/>
+  </p:clrMapOvr>
+</p:sld>
+</file>
+
+<file path=ppt/slides/slide4.xml><?xml version="1.0" encoding="utf-8"?>
+<p:sld xmlns:a="http://schemas.openxmlformats.org/drawingml/2006/main" xmlns:r="http://schemas.openxmlformats.org/officeDocument/2006/relationships" xmlns:p="http://schemas.openxmlformats.org/presentationml/2006/main">
+  <p:cSld>
+    <p:spTree>
+      <p:nvGrpSpPr>
+        <p:cNvPr id="1" name=""/>
+        <p:cNvGrpSpPr/>
+        <p:nvPr/>
+      </p:nvGrpSpPr>
+      <p:grpSpPr>
+        <a:xfrm>
+          <a:off x="0" y="0"/>
+          <a:ext cx="0" cy="0"/>
+          <a:chOff x="0" y="0"/>
+          <a:chExt cx="0" cy="0"/>
+        </a:xfrm>
+      </p:grpSpPr>
+      <p:sp>
+        <p:nvSpPr>
+          <p:cNvPr id="2" name="Title 1"/>
+          <p:cNvSpPr>
+            <a:spLocks noGrp="1"/>
+          </p:cNvSpPr>
+          <p:nvPr>
+            <p:ph type="title"/>
+          </p:nvPr>
+        </p:nvSpPr>
+        <p:spPr/>
+        <p:txBody>
+          <a:bodyPr/>
+          <a:lstStyle/>
+          <a:p>
+            <a:r>
+              <a:rPr lang="en-US" dirty="0" smtClean="0"/>
+              <a:t>Same Dimension</a:t>
+            </a:r>
+            <a:endParaRPr lang="en-US" dirty="0"/>
+          </a:p>
+        </p:txBody>
+      </p:sp>
+    </p:spTree>
+    <p:extLst>
+      <p:ext uri="{BB962C8B-B14F-4D97-AF65-F5344CB8AC3E}">
+        <p14:creationId xmlns:p14="http://schemas.microsoft.com/office/powerpoint/2010/main" val="3905670423"/>
+      </p:ext>
+    </p:extLst>
+  </p:cSld>
+  <p:clrMapOvr>
+    <a:masterClrMapping/>
+  </p:clrMapOvr>
+</p:sld>
+</file>
+
+<file path=ppt/slides/slide5.xml><?xml version="1.0" encoding="utf-8"?>
+<p:sld xmlns:a="http://schemas.openxmlformats.org/drawingml/2006/main" xmlns:r="http://schemas.openxmlformats.org/officeDocument/2006/relationships" xmlns:p="http://schemas.openxmlformats.org/presentationml/2006/main">
+  <p:cSld>
+    <p:spTree>
+      <p:nvGrpSpPr>
+        <p:cNvPr id="1" name=""/>
+        <p:cNvGrpSpPr/>
+        <p:nvPr/>
+      </p:nvGrpSpPr>
+      <p:grpSpPr>
+        <a:xfrm>
+          <a:off x="0" y="0"/>
+          <a:ext cx="0" cy="0"/>
+          <a:chOff x="0" y="0"/>
+          <a:chExt cx="0" cy="0"/>
+        </a:xfrm>
+      </p:grpSpPr>
+      <p:sp>
+        <p:nvSpPr>
+          <p:cNvPr id="2" name="Title 1"/>
+          <p:cNvSpPr>
+            <a:spLocks noGrp="1"/>
+          </p:cNvSpPr>
+          <p:nvPr>
+            <p:ph type="title"/>
+          </p:nvPr>
+        </p:nvSpPr>
+        <p:spPr/>
+        <p:txBody>
+          <a:bodyPr/>
+          <a:lstStyle/>
+          <a:p>
+            <a:r>
+              <a:rPr lang="en-US" dirty="0" smtClean="0"/>
+              <a:t>Fit to Slide</a:t>
+            </a:r>
+            <a:endParaRPr lang="en-US" dirty="0"/>
+          </a:p>
+        </p:txBody>
+      </p:sp>
+    </p:spTree>
+    <p:extLst>
+      <p:ext uri="{BB962C8B-B14F-4D97-AF65-F5344CB8AC3E}">
+        <p14:creationId xmlns:p14="http://schemas.microsoft.com/office/powerpoint/2010/main" val="1181865975"/>
+      </p:ext>
+    </p:extLst>
+  </p:cSld>
+  <p:clrMapOvr>
+    <a:masterClrMapping/>
+  </p:clrMapOvr>
+</p:sld>
+</file>
+
+<file path=ppt/slides/slide6.xml><?xml version="1.0" encoding="utf-8"?>
+<p:sld xmlns:a="http://schemas.openxmlformats.org/drawingml/2006/main" xmlns:r="http://schemas.openxmlformats.org/officeDocument/2006/relationships" xmlns:p="http://schemas.openxmlformats.org/presentationml/2006/main">
+  <p:cSld>
+    <p:spTree>
+      <p:nvGrpSpPr>
+        <p:cNvPr id="1" name=""/>
+        <p:cNvGrpSpPr/>
+        <p:nvPr/>
+      </p:nvGrpSpPr>
+      <p:grpSpPr>
+        <a:xfrm>
+          <a:off x="0" y="0"/>
+          <a:ext cx="0" cy="0"/>
+          <a:chOff x="0" y="0"/>
+          <a:chExt cx="0" cy="0"/>
+        </a:xfrm>
+      </p:grpSpPr>
+      <p:sp>
+        <p:nvSpPr>
+          <p:cNvPr id="2" name="Title 1"/>
+          <p:cNvSpPr>
+            <a:spLocks noGrp="1"/>
+          </p:cNvSpPr>
+          <p:nvPr>
+            <p:ph type="title"/>
+          </p:nvPr>
+        </p:nvSpPr>
+        <p:spPr/>
+        <p:txBody>
+          <a:bodyPr/>
+          <a:lstStyle/>
+          <a:p>
+            <a:r>
+              <a:rPr lang="en-US" dirty="0" smtClean="0"/>
+              <a:t>Aspect Ratio</a:t>
+            </a:r>
+            <a:endParaRPr lang="en-US" dirty="0"/>
+          </a:p>
+        </p:txBody>
+      </p:sp>
+    </p:spTree>
+    <p:extLst>
+      <p:ext uri="{BB962C8B-B14F-4D97-AF65-F5344CB8AC3E}">
+        <p14:creationId xmlns:p14="http://schemas.microsoft.com/office/powerpoint/2010/main" val="547675905"/>
+      </p:ext>
+    </p:extLst>
+  </p:cSld>
+  <p:clrMapOvr>
+    <a:masterClrMapping/>
+  </p:clrMapOvr>
+</p:sld>
+</file>
+
 <file path=ppt/theme/theme1.xml><?xml version="1.0" encoding="utf-8"?>
 <a:theme xmlns:a="http://schemas.openxmlformats.org/drawingml/2006/main" name="Office Theme">
   <a:themeElements>

--- a/doc/Icons-ResizeLab.pptx
+++ b/doc/Icons-ResizeLab.pptx
@@ -213,7 +213,7 @@
           <a:p>
             <a:fld id="{6699ACB9-486C-4D62-A3A7-AF98E13EFDA3}" type="datetimeFigureOut">
               <a:rPr lang="en-US" smtClean="0"/>
-              <a:t>3/7/2016</a:t>
+              <a:t>3/10/2016</a:t>
             </a:fld>
             <a:endParaRPr lang="en-US"/>
           </a:p>
@@ -565,6 +565,90 @@
 </p:notes>
 </file>
 
+<file path=ppt/notesSlides/notesSlide2.xml><?xml version="1.0" encoding="utf-8"?>
+<p:notes xmlns:a="http://schemas.openxmlformats.org/drawingml/2006/main" xmlns:r="http://schemas.openxmlformats.org/officeDocument/2006/relationships" xmlns:p="http://schemas.openxmlformats.org/presentationml/2006/main">
+  <p:cSld>
+    <p:spTree>
+      <p:nvGrpSpPr>
+        <p:cNvPr id="1" name=""/>
+        <p:cNvGrpSpPr/>
+        <p:nvPr/>
+      </p:nvGrpSpPr>
+      <p:grpSpPr>
+        <a:xfrm>
+          <a:off x="0" y="0"/>
+          <a:ext cx="0" cy="0"/>
+          <a:chOff x="0" y="0"/>
+          <a:chExt cx="0" cy="0"/>
+        </a:xfrm>
+      </p:grpSpPr>
+      <p:sp>
+        <p:nvSpPr>
+          <p:cNvPr id="2" name="Slide Image Placeholder 1"/>
+          <p:cNvSpPr>
+            <a:spLocks noGrp="1" noRot="1" noChangeAspect="1"/>
+          </p:cNvSpPr>
+          <p:nvPr>
+            <p:ph type="sldImg"/>
+          </p:nvPr>
+        </p:nvSpPr>
+        <p:spPr/>
+      </p:sp>
+      <p:sp>
+        <p:nvSpPr>
+          <p:cNvPr id="3" name="Notes Placeholder 2"/>
+          <p:cNvSpPr>
+            <a:spLocks noGrp="1"/>
+          </p:cNvSpPr>
+          <p:nvPr>
+            <p:ph type="body" idx="1"/>
+          </p:nvPr>
+        </p:nvSpPr>
+        <p:spPr/>
+        <p:txBody>
+          <a:bodyPr/>
+          <a:lstStyle/>
+          <a:p>
+            <a:endParaRPr lang="en-US" dirty="0"/>
+          </a:p>
+        </p:txBody>
+      </p:sp>
+      <p:sp>
+        <p:nvSpPr>
+          <p:cNvPr id="4" name="Slide Number Placeholder 3"/>
+          <p:cNvSpPr>
+            <a:spLocks noGrp="1"/>
+          </p:cNvSpPr>
+          <p:nvPr>
+            <p:ph type="sldNum" sz="quarter" idx="10"/>
+          </p:nvPr>
+        </p:nvSpPr>
+        <p:spPr/>
+        <p:txBody>
+          <a:bodyPr/>
+          <a:lstStyle/>
+          <a:p>
+            <a:fld id="{8EC77E60-82A0-4F8A-A861-433B3189FA8C}" type="slidenum">
+              <a:rPr lang="en-US" smtClean="0"/>
+              <a:t>5</a:t>
+            </a:fld>
+            <a:endParaRPr lang="en-US"/>
+          </a:p>
+        </p:txBody>
+      </p:sp>
+    </p:spTree>
+    <p:extLst>
+      <p:ext uri="{BB962C8B-B14F-4D97-AF65-F5344CB8AC3E}">
+        <p14:creationId xmlns:p14="http://schemas.microsoft.com/office/powerpoint/2010/main" val="675244805"/>
+      </p:ext>
+    </p:extLst>
+  </p:cSld>
+  <p:clrMapOvr>
+    <a:masterClrMapping/>
+  </p:clrMapOvr>
+</p:notes>
+</file>
+
 <file path=ppt/slideLayouts/slideLayout1.xml><?xml version="1.0" encoding="utf-8"?>
 <p:sldLayout xmlns:a="http://schemas.openxmlformats.org/drawingml/2006/main" xmlns:r="http://schemas.openxmlformats.org/officeDocument/2006/relationships" xmlns:p="http://schemas.openxmlformats.org/presentationml/2006/main" type="title" preserve="1">
   <p:cSld name="Title Slide">
@@ -747,7 +831,7 @@
             <a:fld id="{1D8BD707-D9CF-40AE-B4C6-C98DA3205C09}" type="datetimeFigureOut">
               <a:rPr lang="en-US" smtClean="0"/>
               <a:pPr/>
-              <a:t>3/7/2016</a:t>
+              <a:t>3/10/2016</a:t>
             </a:fld>
             <a:endParaRPr lang="en-US"/>
           </a:p>
@@ -914,7 +998,7 @@
             <a:fld id="{1D8BD707-D9CF-40AE-B4C6-C98DA3205C09}" type="datetimeFigureOut">
               <a:rPr lang="en-US" smtClean="0"/>
               <a:pPr/>
-              <a:t>3/7/2016</a:t>
+              <a:t>3/10/2016</a:t>
             </a:fld>
             <a:endParaRPr lang="en-US"/>
           </a:p>
@@ -1091,7 +1175,7 @@
             <a:fld id="{1D8BD707-D9CF-40AE-B4C6-C98DA3205C09}" type="datetimeFigureOut">
               <a:rPr lang="en-US" smtClean="0"/>
               <a:pPr/>
-              <a:t>3/7/2016</a:t>
+              <a:t>3/10/2016</a:t>
             </a:fld>
             <a:endParaRPr lang="en-US"/>
           </a:p>
@@ -1258,7 +1342,7 @@
             <a:fld id="{1D8BD707-D9CF-40AE-B4C6-C98DA3205C09}" type="datetimeFigureOut">
               <a:rPr lang="en-US" smtClean="0"/>
               <a:pPr/>
-              <a:t>3/7/2016</a:t>
+              <a:t>3/10/2016</a:t>
             </a:fld>
             <a:endParaRPr lang="en-US"/>
           </a:p>
@@ -1501,7 +1585,7 @@
             <a:fld id="{1D8BD707-D9CF-40AE-B4C6-C98DA3205C09}" type="datetimeFigureOut">
               <a:rPr lang="en-US" smtClean="0"/>
               <a:pPr/>
-              <a:t>3/7/2016</a:t>
+              <a:t>3/10/2016</a:t>
             </a:fld>
             <a:endParaRPr lang="en-US"/>
           </a:p>
@@ -1786,7 +1870,7 @@
             <a:fld id="{1D8BD707-D9CF-40AE-B4C6-C98DA3205C09}" type="datetimeFigureOut">
               <a:rPr lang="en-US" smtClean="0"/>
               <a:pPr/>
-              <a:t>3/7/2016</a:t>
+              <a:t>3/10/2016</a:t>
             </a:fld>
             <a:endParaRPr lang="en-US"/>
           </a:p>
@@ -2205,7 +2289,7 @@
             <a:fld id="{1D8BD707-D9CF-40AE-B4C6-C98DA3205C09}" type="datetimeFigureOut">
               <a:rPr lang="en-US" smtClean="0"/>
               <a:pPr/>
-              <a:t>3/7/2016</a:t>
+              <a:t>3/10/2016</a:t>
             </a:fld>
             <a:endParaRPr lang="en-US"/>
           </a:p>
@@ -2320,7 +2404,7 @@
             <a:fld id="{1D8BD707-D9CF-40AE-B4C6-C98DA3205C09}" type="datetimeFigureOut">
               <a:rPr lang="en-US" smtClean="0"/>
               <a:pPr/>
-              <a:t>3/7/2016</a:t>
+              <a:t>3/10/2016</a:t>
             </a:fld>
             <a:endParaRPr lang="en-US"/>
           </a:p>
@@ -2412,7 +2496,7 @@
             <a:fld id="{1D8BD707-D9CF-40AE-B4C6-C98DA3205C09}" type="datetimeFigureOut">
               <a:rPr lang="en-US" smtClean="0"/>
               <a:pPr/>
-              <a:t>3/7/2016</a:t>
+              <a:t>3/10/2016</a:t>
             </a:fld>
             <a:endParaRPr lang="en-US"/>
           </a:p>
@@ -2686,7 +2770,7 @@
             <a:fld id="{1D8BD707-D9CF-40AE-B4C6-C98DA3205C09}" type="datetimeFigureOut">
               <a:rPr lang="en-US" smtClean="0"/>
               <a:pPr/>
-              <a:t>3/7/2016</a:t>
+              <a:t>3/10/2016</a:t>
             </a:fld>
             <a:endParaRPr lang="en-US"/>
           </a:p>
@@ -2936,7 +3020,7 @@
             <a:fld id="{1D8BD707-D9CF-40AE-B4C6-C98DA3205C09}" type="datetimeFigureOut">
               <a:rPr lang="en-US" smtClean="0"/>
               <a:pPr/>
-              <a:t>3/7/2016</a:t>
+              <a:t>3/10/2016</a:t>
             </a:fld>
             <a:endParaRPr lang="en-US"/>
           </a:p>
@@ -3146,7 +3230,7 @@
             <a:fld id="{1D8BD707-D9CF-40AE-B4C6-C98DA3205C09}" type="datetimeFigureOut">
               <a:rPr lang="en-US" smtClean="0"/>
               <a:pPr/>
-              <a:t>3/7/2016</a:t>
+              <a:t>3/10/2016</a:t>
             </a:fld>
             <a:endParaRPr lang="en-US"/>
           </a:p>
@@ -4048,6 +4132,282 @@
           </a:p>
         </p:txBody>
       </p:sp>
+      <p:grpSp>
+        <p:nvGrpSpPr>
+          <p:cNvPr id="12" name="Group 11"/>
+          <p:cNvGrpSpPr>
+            <a:grpSpLocks/>
+          </p:cNvGrpSpPr>
+          <p:nvPr/>
+        </p:nvGrpSpPr>
+        <p:grpSpPr>
+          <a:xfrm>
+            <a:off x="5431008" y="3132572"/>
+            <a:ext cx="838200" cy="838200"/>
+            <a:chOff x="375266" y="5397326"/>
+            <a:chExt cx="838200" cy="838200"/>
+          </a:xfrm>
+        </p:grpSpPr>
+        <p:sp>
+          <p:nvSpPr>
+            <p:cNvPr id="13" name="Rectangle 12"/>
+            <p:cNvSpPr/>
+            <p:nvPr/>
+          </p:nvSpPr>
+          <p:spPr>
+            <a:xfrm>
+              <a:off x="375266" y="5397326"/>
+              <a:ext cx="838200" cy="838200"/>
+            </a:xfrm>
+            <a:prstGeom prst="rect">
+              <a:avLst/>
+            </a:prstGeom>
+            <a:noFill/>
+            <a:ln>
+              <a:noFill/>
+            </a:ln>
+          </p:spPr>
+          <p:style>
+            <a:lnRef idx="2">
+              <a:schemeClr val="accent1">
+                <a:shade val="50000"/>
+              </a:schemeClr>
+            </a:lnRef>
+            <a:fillRef idx="1">
+              <a:schemeClr val="accent1"/>
+            </a:fillRef>
+            <a:effectRef idx="0">
+              <a:schemeClr val="accent1"/>
+            </a:effectRef>
+            <a:fontRef idx="minor">
+              <a:schemeClr val="lt1"/>
+            </a:fontRef>
+          </p:style>
+          <p:txBody>
+            <a:bodyPr rtlCol="0" anchor="ctr"/>
+            <a:lstStyle/>
+            <a:p>
+              <a:pPr algn="ctr"/>
+              <a:endParaRPr lang="en-SG"/>
+            </a:p>
+          </p:txBody>
+        </p:sp>
+        <p:sp>
+          <p:nvSpPr>
+            <p:cNvPr id="14" name="Rectangle 4"/>
+            <p:cNvSpPr/>
+            <p:nvPr/>
+          </p:nvSpPr>
+          <p:spPr>
+            <a:xfrm rot="16200000">
+              <a:off x="444221" y="5470529"/>
+              <a:ext cx="700291" cy="690781"/>
+            </a:xfrm>
+            <a:custGeom>
+              <a:avLst/>
+              <a:gdLst/>
+              <a:ahLst/>
+              <a:cxnLst/>
+              <a:rect l="l" t="t" r="r" b="b"/>
+              <a:pathLst>
+                <a:path w="1752603" h="1752600">
+                  <a:moveTo>
+                    <a:pt x="533400" y="0"/>
+                  </a:moveTo>
+                  <a:lnTo>
+                    <a:pt x="533403" y="0"/>
+                  </a:lnTo>
+                  <a:lnTo>
+                    <a:pt x="1066800" y="0"/>
+                  </a:lnTo>
+                  <a:lnTo>
+                    <a:pt x="1752603" y="0"/>
+                  </a:lnTo>
+                  <a:lnTo>
+                    <a:pt x="1752603" y="1752600"/>
+                  </a:lnTo>
+                  <a:lnTo>
+                    <a:pt x="1219203" y="1752600"/>
+                  </a:lnTo>
+                  <a:lnTo>
+                    <a:pt x="533403" y="1752600"/>
+                  </a:lnTo>
+                  <a:lnTo>
+                    <a:pt x="3" y="1752600"/>
+                  </a:lnTo>
+                  <a:lnTo>
+                    <a:pt x="3" y="533430"/>
+                  </a:lnTo>
+                  <a:cubicBezTo>
+                    <a:pt x="0" y="533420"/>
+                    <a:pt x="0" y="533410"/>
+                    <a:pt x="0" y="533400"/>
+                  </a:cubicBezTo>
+                  <a:cubicBezTo>
+                    <a:pt x="0" y="238811"/>
+                    <a:pt x="238811" y="0"/>
+                    <a:pt x="533400" y="0"/>
+                  </a:cubicBezTo>
+                  <a:close/>
+                </a:path>
+              </a:pathLst>
+            </a:custGeom>
+            <a:noFill/>
+            <a:ln w="76200" cmpd="sng">
+              <a:solidFill>
+                <a:srgbClr val="0070C0"/>
+              </a:solidFill>
+              <a:miter lim="800000"/>
+            </a:ln>
+          </p:spPr>
+          <p:style>
+            <a:lnRef idx="2">
+              <a:schemeClr val="accent1">
+                <a:shade val="50000"/>
+              </a:schemeClr>
+            </a:lnRef>
+            <a:fillRef idx="1">
+              <a:schemeClr val="accent1"/>
+            </a:fillRef>
+            <a:effectRef idx="0">
+              <a:schemeClr val="accent1"/>
+            </a:effectRef>
+            <a:fontRef idx="minor">
+              <a:schemeClr val="lt1"/>
+            </a:fontRef>
+          </p:style>
+          <p:txBody>
+            <a:bodyPr rtlCol="0" anchor="ctr"/>
+            <a:lstStyle/>
+            <a:p>
+              <a:pPr algn="ctr"/>
+              <a:endParaRPr lang="en-US"/>
+            </a:p>
+          </p:txBody>
+        </p:sp>
+      </p:grpSp>
+      <p:sp>
+        <p:nvSpPr>
+          <p:cNvPr id="2" name="Teardrop 1"/>
+          <p:cNvSpPr/>
+          <p:nvPr/>
+        </p:nvSpPr>
+        <p:spPr>
+          <a:xfrm>
+            <a:off x="5557527" y="3593006"/>
+            <a:ext cx="252000" cy="252000"/>
+          </a:xfrm>
+          <a:prstGeom prst="teardrop">
+            <a:avLst/>
+          </a:prstGeom>
+          <a:solidFill>
+            <a:srgbClr val="E46B07"/>
+          </a:solidFill>
+          <a:ln>
+            <a:solidFill>
+              <a:srgbClr val="E46B07"/>
+            </a:solidFill>
+          </a:ln>
+        </p:spPr>
+        <p:style>
+          <a:lnRef idx="2">
+            <a:schemeClr val="accent1">
+              <a:shade val="50000"/>
+            </a:schemeClr>
+          </a:lnRef>
+          <a:fillRef idx="1">
+            <a:schemeClr val="accent1"/>
+          </a:fillRef>
+          <a:effectRef idx="0">
+            <a:schemeClr val="accent1"/>
+          </a:effectRef>
+          <a:fontRef idx="minor">
+            <a:schemeClr val="lt1"/>
+          </a:fontRef>
+        </p:style>
+        <p:txBody>
+          <a:bodyPr rtlCol="0" anchor="ctr"/>
+          <a:lstStyle/>
+          <a:p>
+            <a:pPr algn="ctr"/>
+            <a:endParaRPr lang="en-US"/>
+          </a:p>
+        </p:txBody>
+      </p:sp>
+      <p:cxnSp>
+        <p:nvCxnSpPr>
+          <p:cNvPr id="5" name="Straight Arrow Connector 4"/>
+          <p:cNvCxnSpPr/>
+          <p:nvPr/>
+        </p:nvCxnSpPr>
+        <p:spPr>
+          <a:xfrm flipV="1">
+            <a:off x="5651500" y="3267075"/>
+            <a:ext cx="6350" cy="280915"/>
+          </a:xfrm>
+          <a:prstGeom prst="straightConnector1">
+            <a:avLst/>
+          </a:prstGeom>
+          <a:ln w="38100">
+            <a:solidFill>
+              <a:srgbClr val="0070C0"/>
+            </a:solidFill>
+            <a:headEnd type="none"/>
+            <a:tailEnd type="triangle" w="lg" len="lg"/>
+          </a:ln>
+        </p:spPr>
+        <p:style>
+          <a:lnRef idx="1">
+            <a:schemeClr val="accent1"/>
+          </a:lnRef>
+          <a:fillRef idx="0">
+            <a:schemeClr val="accent1"/>
+          </a:fillRef>
+          <a:effectRef idx="0">
+            <a:schemeClr val="accent1"/>
+          </a:effectRef>
+          <a:fontRef idx="minor">
+            <a:schemeClr val="tx1"/>
+          </a:fontRef>
+        </p:style>
+      </p:cxnSp>
+      <p:cxnSp>
+        <p:nvCxnSpPr>
+          <p:cNvPr id="22" name="Straight Arrow Connector 21"/>
+          <p:cNvCxnSpPr/>
+          <p:nvPr/>
+        </p:nvCxnSpPr>
+        <p:spPr>
+          <a:xfrm rot="5400000" flipV="1">
+            <a:off x="5987391" y="3613144"/>
+            <a:ext cx="6350" cy="280915"/>
+          </a:xfrm>
+          <a:prstGeom prst="straightConnector1">
+            <a:avLst/>
+          </a:prstGeom>
+          <a:ln w="38100">
+            <a:solidFill>
+              <a:srgbClr val="0070C0"/>
+            </a:solidFill>
+            <a:headEnd type="none"/>
+            <a:tailEnd type="triangle" w="lg" len="lg"/>
+          </a:ln>
+        </p:spPr>
+        <p:style>
+          <a:lnRef idx="1">
+            <a:schemeClr val="accent1"/>
+          </a:lnRef>
+          <a:fillRef idx="0">
+            <a:schemeClr val="accent1"/>
+          </a:fillRef>
+          <a:effectRef idx="0">
+            <a:schemeClr val="accent1"/>
+          </a:effectRef>
+          <a:fontRef idx="minor">
+            <a:schemeClr val="tx1"/>
+          </a:fontRef>
+        </p:style>
+      </p:cxnSp>
     </p:spTree>
     <p:extLst>
       <p:ext uri="{BB962C8B-B14F-4D97-AF65-F5344CB8AC3E}">
@@ -4237,7 +4597,7 @@
         </p:nvGrpSpPr>
         <p:grpSpPr>
           <a:xfrm>
-            <a:off x="1137758" y="2082163"/>
+            <a:off x="1016785" y="1650784"/>
             <a:ext cx="374400" cy="378000"/>
             <a:chOff x="1137758" y="2082163"/>
             <a:chExt cx="374400" cy="374400"/>
@@ -5506,6 +5866,771 @@
           </a:fontRef>
         </p:style>
       </p:cxnSp>
+      <p:grpSp>
+        <p:nvGrpSpPr>
+          <p:cNvPr id="9" name="Group 8"/>
+          <p:cNvGrpSpPr/>
+          <p:nvPr/>
+        </p:nvGrpSpPr>
+        <p:grpSpPr>
+          <a:xfrm>
+            <a:off x="2152011" y="5449138"/>
+            <a:ext cx="277144" cy="327600"/>
+            <a:chOff x="2152011" y="5449138"/>
+            <a:chExt cx="277144" cy="327600"/>
+          </a:xfrm>
+        </p:grpSpPr>
+        <p:sp>
+          <p:nvSpPr>
+            <p:cNvPr id="58" name="Rounded Rectangle 57"/>
+            <p:cNvSpPr>
+              <a:spLocks noChangeAspect="1"/>
+            </p:cNvSpPr>
+            <p:nvPr/>
+          </p:nvSpPr>
+          <p:spPr>
+            <a:xfrm>
+              <a:off x="2231449" y="5478413"/>
+              <a:ext cx="187199" cy="89804"/>
+            </a:xfrm>
+            <a:prstGeom prst="roundRect">
+              <a:avLst/>
+            </a:prstGeom>
+            <a:solidFill>
+              <a:srgbClr val="F79645"/>
+            </a:solidFill>
+            <a:ln w="9525">
+              <a:solidFill>
+                <a:srgbClr val="F7974B"/>
+              </a:solidFill>
+            </a:ln>
+          </p:spPr>
+          <p:style>
+            <a:lnRef idx="2">
+              <a:schemeClr val="accent1">
+                <a:shade val="50000"/>
+              </a:schemeClr>
+            </a:lnRef>
+            <a:fillRef idx="1">
+              <a:schemeClr val="accent1"/>
+            </a:fillRef>
+            <a:effectRef idx="0">
+              <a:schemeClr val="accent1"/>
+            </a:effectRef>
+            <a:fontRef idx="minor">
+              <a:schemeClr val="lt1"/>
+            </a:fontRef>
+          </p:style>
+          <p:txBody>
+            <a:bodyPr tIns="25200" rtlCol="0" anchor="ctr" anchorCtr="0"/>
+            <a:lstStyle/>
+            <a:p>
+              <a:pPr algn="ctr"/>
+              <a:endParaRPr lang="en-US" sz="800" dirty="0">
+                <a:solidFill>
+                  <a:srgbClr val="0070C0"/>
+                </a:solidFill>
+              </a:endParaRPr>
+            </a:p>
+          </p:txBody>
+        </p:sp>
+        <p:sp>
+          <p:nvSpPr>
+            <p:cNvPr id="67" name="Rounded Rectangle 66"/>
+            <p:cNvSpPr>
+              <a:spLocks noChangeAspect="1"/>
+            </p:cNvSpPr>
+            <p:nvPr/>
+          </p:nvSpPr>
+          <p:spPr>
+            <a:xfrm>
+              <a:off x="2152011" y="5641858"/>
+              <a:ext cx="176400" cy="84623"/>
+            </a:xfrm>
+            <a:prstGeom prst="roundRect">
+              <a:avLst/>
+            </a:prstGeom>
+            <a:solidFill>
+              <a:srgbClr val="0070C0"/>
+            </a:solidFill>
+            <a:ln w="9525">
+              <a:solidFill>
+                <a:srgbClr val="0070C0"/>
+              </a:solidFill>
+            </a:ln>
+          </p:spPr>
+          <p:style>
+            <a:lnRef idx="2">
+              <a:schemeClr val="accent1">
+                <a:shade val="50000"/>
+              </a:schemeClr>
+            </a:lnRef>
+            <a:fillRef idx="1">
+              <a:schemeClr val="accent1"/>
+            </a:fillRef>
+            <a:effectRef idx="0">
+              <a:schemeClr val="accent1"/>
+            </a:effectRef>
+            <a:fontRef idx="minor">
+              <a:schemeClr val="lt1"/>
+            </a:fontRef>
+          </p:style>
+          <p:txBody>
+            <a:bodyPr rtlCol="0" anchor="ctr"/>
+            <a:lstStyle/>
+            <a:p>
+              <a:pPr algn="ctr"/>
+              <a:endParaRPr lang="en-US" dirty="0"/>
+            </a:p>
+          </p:txBody>
+        </p:sp>
+        <p:cxnSp>
+          <p:nvCxnSpPr>
+            <p:cNvPr id="68" name="Straight Connector 67"/>
+            <p:cNvCxnSpPr>
+              <a:cxnSpLocks/>
+            </p:cNvCxnSpPr>
+            <p:nvPr/>
+          </p:nvCxnSpPr>
+          <p:spPr>
+            <a:xfrm flipH="1">
+              <a:off x="2425919" y="5449138"/>
+              <a:ext cx="3236" cy="327600"/>
+            </a:xfrm>
+            <a:prstGeom prst="line">
+              <a:avLst/>
+            </a:prstGeom>
+            <a:ln w="9525">
+              <a:solidFill>
+                <a:srgbClr val="0070C0"/>
+              </a:solidFill>
+              <a:prstDash val="dash"/>
+            </a:ln>
+          </p:spPr>
+          <p:style>
+            <a:lnRef idx="1">
+              <a:schemeClr val="accent1"/>
+            </a:lnRef>
+            <a:fillRef idx="0">
+              <a:schemeClr val="accent1"/>
+            </a:fillRef>
+            <a:effectRef idx="0">
+              <a:schemeClr val="accent1"/>
+            </a:effectRef>
+            <a:fontRef idx="minor">
+              <a:schemeClr val="tx1"/>
+            </a:fontRef>
+          </p:style>
+        </p:cxnSp>
+        <p:cxnSp>
+          <p:nvCxnSpPr>
+            <p:cNvPr id="69" name="Straight Arrow Connector 68"/>
+            <p:cNvCxnSpPr/>
+            <p:nvPr/>
+          </p:nvCxnSpPr>
+          <p:spPr>
+            <a:xfrm rot="10800000" flipH="1">
+              <a:off x="2332318" y="5683553"/>
+              <a:ext cx="90000" cy="0"/>
+            </a:xfrm>
+            <a:prstGeom prst="straightConnector1">
+              <a:avLst/>
+            </a:prstGeom>
+            <a:ln w="6985">
+              <a:solidFill>
+                <a:srgbClr val="0070C0"/>
+              </a:solidFill>
+              <a:round/>
+              <a:headEnd w="sm" len="sm"/>
+              <a:tailEnd type="stealth" w="med" len="sm"/>
+            </a:ln>
+          </p:spPr>
+          <p:style>
+            <a:lnRef idx="1">
+              <a:schemeClr val="accent1"/>
+            </a:lnRef>
+            <a:fillRef idx="0">
+              <a:schemeClr val="accent1"/>
+            </a:fillRef>
+            <a:effectRef idx="0">
+              <a:schemeClr val="accent1"/>
+            </a:effectRef>
+            <a:fontRef idx="minor">
+              <a:schemeClr val="tx1"/>
+            </a:fontRef>
+          </p:style>
+        </p:cxnSp>
+      </p:grpSp>
+      <p:sp>
+        <p:nvSpPr>
+          <p:cNvPr id="54" name="Rounded Rectangle 53"/>
+          <p:cNvSpPr>
+            <a:spLocks noChangeAspect="1"/>
+          </p:cNvSpPr>
+          <p:nvPr/>
+        </p:nvSpPr>
+        <p:spPr>
+          <a:xfrm>
+            <a:off x="1954305" y="1679152"/>
+            <a:ext cx="187199" cy="89804"/>
+          </a:xfrm>
+          <a:prstGeom prst="roundRect">
+            <a:avLst/>
+          </a:prstGeom>
+          <a:solidFill>
+            <a:srgbClr val="F79645"/>
+          </a:solidFill>
+          <a:ln w="9525">
+            <a:solidFill>
+              <a:srgbClr val="F7974B"/>
+            </a:solidFill>
+          </a:ln>
+        </p:spPr>
+        <p:style>
+          <a:lnRef idx="2">
+            <a:schemeClr val="accent1">
+              <a:shade val="50000"/>
+            </a:schemeClr>
+          </a:lnRef>
+          <a:fillRef idx="1">
+            <a:schemeClr val="accent1"/>
+          </a:fillRef>
+          <a:effectRef idx="0">
+            <a:schemeClr val="accent1"/>
+          </a:effectRef>
+          <a:fontRef idx="minor">
+            <a:schemeClr val="lt1"/>
+          </a:fontRef>
+        </p:style>
+        <p:txBody>
+          <a:bodyPr tIns="25200" rtlCol="0" anchor="ctr" anchorCtr="0"/>
+          <a:lstStyle/>
+          <a:p>
+            <a:pPr algn="ctr"/>
+            <a:endParaRPr lang="en-US" sz="800" dirty="0">
+              <a:solidFill>
+                <a:srgbClr val="0070C0"/>
+              </a:solidFill>
+            </a:endParaRPr>
+          </a:p>
+        </p:txBody>
+      </p:sp>
+      <p:sp>
+        <p:nvSpPr>
+          <p:cNvPr id="55" name="Rounded Rectangle 54"/>
+          <p:cNvSpPr>
+            <a:spLocks noChangeAspect="1"/>
+          </p:cNvSpPr>
+          <p:nvPr/>
+        </p:nvSpPr>
+        <p:spPr>
+          <a:xfrm>
+            <a:off x="2055841" y="1842597"/>
+            <a:ext cx="176400" cy="84623"/>
+          </a:xfrm>
+          <a:prstGeom prst="roundRect">
+            <a:avLst/>
+          </a:prstGeom>
+          <a:solidFill>
+            <a:srgbClr val="0070C0"/>
+          </a:solidFill>
+          <a:ln w="9525">
+            <a:solidFill>
+              <a:srgbClr val="0070C0"/>
+            </a:solidFill>
+          </a:ln>
+        </p:spPr>
+        <p:style>
+          <a:lnRef idx="2">
+            <a:schemeClr val="accent1">
+              <a:shade val="50000"/>
+            </a:schemeClr>
+          </a:lnRef>
+          <a:fillRef idx="1">
+            <a:schemeClr val="accent1"/>
+          </a:fillRef>
+          <a:effectRef idx="0">
+            <a:schemeClr val="accent1"/>
+          </a:effectRef>
+          <a:fontRef idx="minor">
+            <a:schemeClr val="lt1"/>
+          </a:fontRef>
+        </p:style>
+        <p:txBody>
+          <a:bodyPr rtlCol="0" anchor="ctr"/>
+          <a:lstStyle/>
+          <a:p>
+            <a:pPr algn="ctr"/>
+            <a:endParaRPr lang="en-US" dirty="0"/>
+          </a:p>
+        </p:txBody>
+      </p:sp>
+      <p:cxnSp>
+        <p:nvCxnSpPr>
+          <p:cNvPr id="66" name="Straight Connector 65"/>
+          <p:cNvCxnSpPr>
+            <a:cxnSpLocks/>
+          </p:cNvCxnSpPr>
+          <p:nvPr/>
+        </p:nvCxnSpPr>
+        <p:spPr>
+          <a:xfrm flipH="1">
+            <a:off x="1942400" y="1649877"/>
+            <a:ext cx="3236" cy="327600"/>
+          </a:xfrm>
+          <a:prstGeom prst="line">
+            <a:avLst/>
+          </a:prstGeom>
+          <a:ln w="9525">
+            <a:solidFill>
+              <a:srgbClr val="0070C0"/>
+            </a:solidFill>
+            <a:prstDash val="dash"/>
+          </a:ln>
+        </p:spPr>
+        <p:style>
+          <a:lnRef idx="1">
+            <a:schemeClr val="accent1"/>
+          </a:lnRef>
+          <a:fillRef idx="0">
+            <a:schemeClr val="accent1"/>
+          </a:fillRef>
+          <a:effectRef idx="0">
+            <a:schemeClr val="accent1"/>
+          </a:effectRef>
+          <a:fontRef idx="minor">
+            <a:schemeClr val="tx1"/>
+          </a:fontRef>
+        </p:style>
+      </p:cxnSp>
+      <p:cxnSp>
+        <p:nvCxnSpPr>
+          <p:cNvPr id="70" name="Straight Arrow Connector 69"/>
+          <p:cNvCxnSpPr/>
+          <p:nvPr/>
+        </p:nvCxnSpPr>
+        <p:spPr>
+          <a:xfrm flipH="1" flipV="1">
+            <a:off x="1949606" y="1884292"/>
+            <a:ext cx="108000" cy="617"/>
+          </a:xfrm>
+          <a:prstGeom prst="straightConnector1">
+            <a:avLst/>
+          </a:prstGeom>
+          <a:ln w="6985">
+            <a:solidFill>
+              <a:srgbClr val="0070C0"/>
+            </a:solidFill>
+            <a:round/>
+            <a:headEnd w="sm" len="sm"/>
+            <a:tailEnd type="stealth" w="med" len="sm"/>
+          </a:ln>
+        </p:spPr>
+        <p:style>
+          <a:lnRef idx="1">
+            <a:schemeClr val="accent1"/>
+          </a:lnRef>
+          <a:fillRef idx="0">
+            <a:schemeClr val="accent1"/>
+          </a:fillRef>
+          <a:effectRef idx="0">
+            <a:schemeClr val="accent1"/>
+          </a:effectRef>
+          <a:fontRef idx="minor">
+            <a:schemeClr val="tx1"/>
+          </a:fontRef>
+        </p:style>
+      </p:cxnSp>
+      <p:grpSp>
+        <p:nvGrpSpPr>
+          <p:cNvPr id="16" name="Group 15"/>
+          <p:cNvGrpSpPr/>
+          <p:nvPr/>
+        </p:nvGrpSpPr>
+        <p:grpSpPr>
+          <a:xfrm>
+            <a:off x="5941131" y="2555399"/>
+            <a:ext cx="331200" cy="278952"/>
+            <a:chOff x="5941131" y="2555399"/>
+            <a:chExt cx="331200" cy="278952"/>
+          </a:xfrm>
+        </p:grpSpPr>
+        <p:sp>
+          <p:nvSpPr>
+            <p:cNvPr id="72" name="Rounded Rectangle 71"/>
+            <p:cNvSpPr>
+              <a:spLocks noChangeAspect="1"/>
+            </p:cNvSpPr>
+            <p:nvPr/>
+          </p:nvSpPr>
+          <p:spPr>
+            <a:xfrm>
+              <a:off x="6062460" y="2565367"/>
+              <a:ext cx="187199" cy="89804"/>
+            </a:xfrm>
+            <a:prstGeom prst="roundRect">
+              <a:avLst/>
+            </a:prstGeom>
+            <a:solidFill>
+              <a:srgbClr val="F79645"/>
+            </a:solidFill>
+            <a:ln w="9525">
+              <a:solidFill>
+                <a:srgbClr val="F7974B"/>
+              </a:solidFill>
+            </a:ln>
+          </p:spPr>
+          <p:style>
+            <a:lnRef idx="2">
+              <a:schemeClr val="accent1">
+                <a:shade val="50000"/>
+              </a:schemeClr>
+            </a:lnRef>
+            <a:fillRef idx="1">
+              <a:schemeClr val="accent1"/>
+            </a:fillRef>
+            <a:effectRef idx="0">
+              <a:schemeClr val="accent1"/>
+            </a:effectRef>
+            <a:fontRef idx="minor">
+              <a:schemeClr val="lt1"/>
+            </a:fontRef>
+          </p:style>
+          <p:txBody>
+            <a:bodyPr tIns="25200" rtlCol="0" anchor="ctr" anchorCtr="0"/>
+            <a:lstStyle/>
+            <a:p>
+              <a:pPr algn="ctr"/>
+              <a:endParaRPr lang="en-US" sz="800" dirty="0">
+                <a:solidFill>
+                  <a:srgbClr val="0070C0"/>
+                </a:solidFill>
+              </a:endParaRPr>
+            </a:p>
+          </p:txBody>
+        </p:sp>
+        <p:sp>
+          <p:nvSpPr>
+            <p:cNvPr id="73" name="Rounded Rectangle 72"/>
+            <p:cNvSpPr>
+              <a:spLocks noChangeAspect="1"/>
+            </p:cNvSpPr>
+            <p:nvPr/>
+          </p:nvSpPr>
+          <p:spPr>
+            <a:xfrm>
+              <a:off x="5968735" y="2746274"/>
+              <a:ext cx="183600" cy="88077"/>
+            </a:xfrm>
+            <a:prstGeom prst="roundRect">
+              <a:avLst/>
+            </a:prstGeom>
+            <a:solidFill>
+              <a:srgbClr val="0070C0"/>
+            </a:solidFill>
+            <a:ln w="9525">
+              <a:solidFill>
+                <a:srgbClr val="0070C0"/>
+              </a:solidFill>
+            </a:ln>
+          </p:spPr>
+          <p:style>
+            <a:lnRef idx="2">
+              <a:schemeClr val="accent1">
+                <a:shade val="50000"/>
+              </a:schemeClr>
+            </a:lnRef>
+            <a:fillRef idx="1">
+              <a:schemeClr val="accent1"/>
+            </a:fillRef>
+            <a:effectRef idx="0">
+              <a:schemeClr val="accent1"/>
+            </a:effectRef>
+            <a:fontRef idx="minor">
+              <a:schemeClr val="lt1"/>
+            </a:fontRef>
+          </p:style>
+          <p:txBody>
+            <a:bodyPr rtlCol="0" anchor="ctr"/>
+            <a:lstStyle/>
+            <a:p>
+              <a:pPr algn="ctr"/>
+              <a:endParaRPr lang="en-US" dirty="0"/>
+            </a:p>
+          </p:txBody>
+        </p:sp>
+        <p:cxnSp>
+          <p:nvCxnSpPr>
+            <p:cNvPr id="74" name="Straight Connector 73"/>
+            <p:cNvCxnSpPr>
+              <a:cxnSpLocks/>
+            </p:cNvCxnSpPr>
+            <p:nvPr/>
+          </p:nvCxnSpPr>
+          <p:spPr>
+            <a:xfrm rot="5400000" flipH="1">
+              <a:off x="6105113" y="2391418"/>
+              <a:ext cx="3236" cy="331200"/>
+            </a:xfrm>
+            <a:prstGeom prst="line">
+              <a:avLst/>
+            </a:prstGeom>
+            <a:ln w="9525">
+              <a:solidFill>
+                <a:srgbClr val="0070C0"/>
+              </a:solidFill>
+              <a:prstDash val="dash"/>
+            </a:ln>
+          </p:spPr>
+          <p:style>
+            <a:lnRef idx="1">
+              <a:schemeClr val="accent1"/>
+            </a:lnRef>
+            <a:fillRef idx="0">
+              <a:schemeClr val="accent1"/>
+            </a:fillRef>
+            <a:effectRef idx="0">
+              <a:schemeClr val="accent1"/>
+            </a:effectRef>
+            <a:fontRef idx="minor">
+              <a:schemeClr val="tx1"/>
+            </a:fontRef>
+          </p:style>
+        </p:cxnSp>
+        <p:cxnSp>
+          <p:nvCxnSpPr>
+            <p:cNvPr id="75" name="Straight Arrow Connector 74"/>
+            <p:cNvCxnSpPr/>
+            <p:nvPr/>
+          </p:nvCxnSpPr>
+          <p:spPr>
+            <a:xfrm flipV="1">
+              <a:off x="5994017" y="2555399"/>
+              <a:ext cx="4353" cy="190800"/>
+            </a:xfrm>
+            <a:prstGeom prst="straightConnector1">
+              <a:avLst/>
+            </a:prstGeom>
+            <a:ln w="6985">
+              <a:solidFill>
+                <a:srgbClr val="0070C0"/>
+              </a:solidFill>
+              <a:round/>
+              <a:headEnd w="sm" len="sm"/>
+              <a:tailEnd type="stealth" w="med" len="sm"/>
+            </a:ln>
+          </p:spPr>
+          <p:style>
+            <a:lnRef idx="1">
+              <a:schemeClr val="accent1"/>
+            </a:lnRef>
+            <a:fillRef idx="0">
+              <a:schemeClr val="accent1"/>
+            </a:fillRef>
+            <a:effectRef idx="0">
+              <a:schemeClr val="accent1"/>
+            </a:effectRef>
+            <a:fontRef idx="minor">
+              <a:schemeClr val="tx1"/>
+            </a:fontRef>
+          </p:style>
+        </p:cxnSp>
+      </p:grpSp>
+      <p:grpSp>
+        <p:nvGrpSpPr>
+          <p:cNvPr id="17" name="Group 16"/>
+          <p:cNvGrpSpPr/>
+          <p:nvPr/>
+        </p:nvGrpSpPr>
+        <p:grpSpPr>
+          <a:xfrm>
+            <a:off x="6060535" y="5140345"/>
+            <a:ext cx="331200" cy="281473"/>
+            <a:chOff x="6060535" y="5140345"/>
+            <a:chExt cx="331200" cy="281473"/>
+          </a:xfrm>
+        </p:grpSpPr>
+        <p:sp>
+          <p:nvSpPr>
+            <p:cNvPr id="77" name="Rounded Rectangle 76"/>
+            <p:cNvSpPr>
+              <a:spLocks noChangeAspect="1"/>
+            </p:cNvSpPr>
+            <p:nvPr/>
+          </p:nvSpPr>
+          <p:spPr>
+            <a:xfrm>
+              <a:off x="6181864" y="5321394"/>
+              <a:ext cx="187199" cy="89804"/>
+            </a:xfrm>
+            <a:prstGeom prst="roundRect">
+              <a:avLst/>
+            </a:prstGeom>
+            <a:solidFill>
+              <a:srgbClr val="F79645"/>
+            </a:solidFill>
+            <a:ln w="9525">
+              <a:solidFill>
+                <a:srgbClr val="F7974B"/>
+              </a:solidFill>
+            </a:ln>
+          </p:spPr>
+          <p:style>
+            <a:lnRef idx="2">
+              <a:schemeClr val="accent1">
+                <a:shade val="50000"/>
+              </a:schemeClr>
+            </a:lnRef>
+            <a:fillRef idx="1">
+              <a:schemeClr val="accent1"/>
+            </a:fillRef>
+            <a:effectRef idx="0">
+              <a:schemeClr val="accent1"/>
+            </a:effectRef>
+            <a:fontRef idx="minor">
+              <a:schemeClr val="lt1"/>
+            </a:fontRef>
+          </p:style>
+          <p:txBody>
+            <a:bodyPr tIns="25200" rtlCol="0" anchor="ctr" anchorCtr="0"/>
+            <a:lstStyle/>
+            <a:p>
+              <a:pPr algn="ctr"/>
+              <a:endParaRPr lang="en-US" sz="800" dirty="0">
+                <a:solidFill>
+                  <a:srgbClr val="0070C0"/>
+                </a:solidFill>
+              </a:endParaRPr>
+            </a:p>
+          </p:txBody>
+        </p:sp>
+        <p:sp>
+          <p:nvSpPr>
+            <p:cNvPr id="78" name="Rounded Rectangle 77"/>
+            <p:cNvSpPr>
+              <a:spLocks noChangeAspect="1"/>
+            </p:cNvSpPr>
+            <p:nvPr/>
+          </p:nvSpPr>
+          <p:spPr>
+            <a:xfrm>
+              <a:off x="6088139" y="5140345"/>
+              <a:ext cx="183600" cy="88077"/>
+            </a:xfrm>
+            <a:prstGeom prst="roundRect">
+              <a:avLst/>
+            </a:prstGeom>
+            <a:solidFill>
+              <a:srgbClr val="0070C0"/>
+            </a:solidFill>
+            <a:ln w="9525">
+              <a:solidFill>
+                <a:srgbClr val="0070C0"/>
+              </a:solidFill>
+            </a:ln>
+          </p:spPr>
+          <p:style>
+            <a:lnRef idx="2">
+              <a:schemeClr val="accent1">
+                <a:shade val="50000"/>
+              </a:schemeClr>
+            </a:lnRef>
+            <a:fillRef idx="1">
+              <a:schemeClr val="accent1"/>
+            </a:fillRef>
+            <a:effectRef idx="0">
+              <a:schemeClr val="accent1"/>
+            </a:effectRef>
+            <a:fontRef idx="minor">
+              <a:schemeClr val="lt1"/>
+            </a:fontRef>
+          </p:style>
+          <p:txBody>
+            <a:bodyPr rtlCol="0" anchor="ctr"/>
+            <a:lstStyle/>
+            <a:p>
+              <a:pPr algn="ctr"/>
+              <a:endParaRPr lang="en-US" dirty="0"/>
+            </a:p>
+          </p:txBody>
+        </p:sp>
+        <p:cxnSp>
+          <p:nvCxnSpPr>
+            <p:cNvPr id="79" name="Straight Connector 78"/>
+            <p:cNvCxnSpPr>
+              <a:cxnSpLocks/>
+            </p:cNvCxnSpPr>
+            <p:nvPr/>
+          </p:nvCxnSpPr>
+          <p:spPr>
+            <a:xfrm rot="5400000" flipH="1">
+              <a:off x="6224517" y="5254600"/>
+              <a:ext cx="3236" cy="331200"/>
+            </a:xfrm>
+            <a:prstGeom prst="line">
+              <a:avLst/>
+            </a:prstGeom>
+            <a:ln w="9525">
+              <a:solidFill>
+                <a:srgbClr val="0070C0"/>
+              </a:solidFill>
+              <a:prstDash val="dash"/>
+            </a:ln>
+          </p:spPr>
+          <p:style>
+            <a:lnRef idx="1">
+              <a:schemeClr val="accent1"/>
+            </a:lnRef>
+            <a:fillRef idx="0">
+              <a:schemeClr val="accent1"/>
+            </a:fillRef>
+            <a:effectRef idx="0">
+              <a:schemeClr val="accent1"/>
+            </a:effectRef>
+            <a:fontRef idx="minor">
+              <a:schemeClr val="tx1"/>
+            </a:fontRef>
+          </p:style>
+        </p:cxnSp>
+        <p:cxnSp>
+          <p:nvCxnSpPr>
+            <p:cNvPr id="87" name="Straight Arrow Connector 86"/>
+            <p:cNvCxnSpPr/>
+            <p:nvPr/>
+          </p:nvCxnSpPr>
+          <p:spPr>
+            <a:xfrm rot="10800000" flipV="1">
+              <a:off x="6113421" y="5231738"/>
+              <a:ext cx="4353" cy="180000"/>
+            </a:xfrm>
+            <a:prstGeom prst="straightConnector1">
+              <a:avLst/>
+            </a:prstGeom>
+            <a:ln w="6985">
+              <a:solidFill>
+                <a:srgbClr val="0070C0"/>
+              </a:solidFill>
+              <a:round/>
+              <a:headEnd w="sm" len="sm"/>
+              <a:tailEnd type="stealth" w="med" len="sm"/>
+            </a:ln>
+          </p:spPr>
+          <p:style>
+            <a:lnRef idx="1">
+              <a:schemeClr val="accent1"/>
+            </a:lnRef>
+            <a:fillRef idx="0">
+              <a:schemeClr val="accent1"/>
+            </a:fillRef>
+            <a:effectRef idx="0">
+              <a:schemeClr val="accent1"/>
+            </a:effectRef>
+            <a:fontRef idx="minor">
+              <a:schemeClr val="tx1"/>
+            </a:fontRef>
+          </p:style>
+        </p:cxnSp>
+      </p:grpSp>
     </p:spTree>
     <p:extLst>
       <p:ext uri="{BB962C8B-B14F-4D97-AF65-F5344CB8AC3E}">
@@ -11052,6 +12177,600 @@
           </a:p>
         </p:txBody>
       </p:sp>
+      <p:sp>
+        <p:nvSpPr>
+          <p:cNvPr id="3" name="TextBox 3"/>
+          <p:cNvSpPr txBox="1"/>
+          <p:nvPr/>
+        </p:nvSpPr>
+        <p:spPr>
+          <a:xfrm>
+            <a:off x="668740" y="3002507"/>
+            <a:ext cx="1349537" cy="369332"/>
+          </a:xfrm>
+          <a:prstGeom prst="rect">
+            <a:avLst/>
+          </a:prstGeom>
+          <a:noFill/>
+        </p:spPr>
+        <p:txBody>
+          <a:bodyPr wrap="none" rtlCol="0">
+            <a:spAutoFit/>
+          </a:bodyPr>
+          <a:lstStyle/>
+          <a:p>
+            <a:r>
+              <a:rPr lang="en-US" dirty="0" smtClean="0"/>
+              <a:t>Same height</a:t>
+            </a:r>
+          </a:p>
+        </p:txBody>
+      </p:sp>
+      <p:sp>
+        <p:nvSpPr>
+          <p:cNvPr id="4" name="TextBox 3"/>
+          <p:cNvSpPr txBox="1"/>
+          <p:nvPr/>
+        </p:nvSpPr>
+        <p:spPr>
+          <a:xfrm>
+            <a:off x="3633166" y="3002507"/>
+            <a:ext cx="1292341" cy="369332"/>
+          </a:xfrm>
+          <a:prstGeom prst="rect">
+            <a:avLst/>
+          </a:prstGeom>
+          <a:noFill/>
+        </p:spPr>
+        <p:txBody>
+          <a:bodyPr wrap="none" rtlCol="0">
+            <a:spAutoFit/>
+          </a:bodyPr>
+          <a:lstStyle/>
+          <a:p>
+            <a:r>
+              <a:rPr lang="en-US" dirty="0" smtClean="0"/>
+              <a:t>Same width</a:t>
+            </a:r>
+          </a:p>
+        </p:txBody>
+      </p:sp>
+      <p:sp>
+        <p:nvSpPr>
+          <p:cNvPr id="5" name="TextBox 3"/>
+          <p:cNvSpPr txBox="1"/>
+          <p:nvPr/>
+        </p:nvSpPr>
+        <p:spPr>
+          <a:xfrm>
+            <a:off x="6540396" y="3002507"/>
+            <a:ext cx="1736373" cy="369332"/>
+          </a:xfrm>
+          <a:prstGeom prst="rect">
+            <a:avLst/>
+          </a:prstGeom>
+          <a:noFill/>
+        </p:spPr>
+        <p:txBody>
+          <a:bodyPr wrap="none" rtlCol="0">
+            <a:spAutoFit/>
+          </a:bodyPr>
+          <a:lstStyle/>
+          <a:p>
+            <a:r>
+              <a:rPr lang="en-US" dirty="0" smtClean="0"/>
+              <a:t>Same dimension</a:t>
+            </a:r>
+          </a:p>
+        </p:txBody>
+      </p:sp>
+      <p:grpSp>
+        <p:nvGrpSpPr>
+          <p:cNvPr id="6" name="Group 5"/>
+          <p:cNvGrpSpPr/>
+          <p:nvPr/>
+        </p:nvGrpSpPr>
+        <p:grpSpPr>
+          <a:xfrm>
+            <a:off x="1133610" y="2374824"/>
+            <a:ext cx="331200" cy="332173"/>
+            <a:chOff x="1133610" y="2374824"/>
+            <a:chExt cx="331200" cy="332173"/>
+          </a:xfrm>
+        </p:grpSpPr>
+        <p:sp>
+          <p:nvSpPr>
+            <p:cNvPr id="16" name="Rounded Rectangle 76"/>
+            <p:cNvSpPr>
+              <a:spLocks/>
+            </p:cNvSpPr>
+            <p:nvPr/>
+          </p:nvSpPr>
+          <p:spPr>
+            <a:xfrm>
+              <a:off x="1133610" y="2591797"/>
+              <a:ext cx="331200" cy="115200"/>
+            </a:xfrm>
+            <a:prstGeom prst="roundRect">
+              <a:avLst/>
+            </a:prstGeom>
+            <a:solidFill>
+              <a:srgbClr val="F79645"/>
+            </a:solidFill>
+            <a:ln w="9525">
+              <a:solidFill>
+                <a:srgbClr val="F7974B"/>
+              </a:solidFill>
+            </a:ln>
+          </p:spPr>
+          <p:style>
+            <a:lnRef idx="2">
+              <a:schemeClr val="accent1">
+                <a:shade val="50000"/>
+              </a:schemeClr>
+            </a:lnRef>
+            <a:fillRef idx="1">
+              <a:schemeClr val="accent1"/>
+            </a:fillRef>
+            <a:effectRef idx="0">
+              <a:schemeClr val="accent1"/>
+            </a:effectRef>
+            <a:fontRef idx="minor">
+              <a:schemeClr val="lt1"/>
+            </a:fontRef>
+          </p:style>
+          <p:txBody>
+            <a:bodyPr tIns="25200" rtlCol="0" anchor="ctr" anchorCtr="0"/>
+            <a:lstStyle/>
+            <a:p>
+              <a:pPr algn="ctr"/>
+              <a:endParaRPr lang="en-US" sz="800" dirty="0">
+                <a:solidFill>
+                  <a:srgbClr val="0070C0"/>
+                </a:solidFill>
+              </a:endParaRPr>
+            </a:p>
+          </p:txBody>
+        </p:sp>
+        <p:sp>
+          <p:nvSpPr>
+            <p:cNvPr id="19" name="Rounded Rectangle 18"/>
+            <p:cNvSpPr>
+              <a:spLocks/>
+            </p:cNvSpPr>
+            <p:nvPr/>
+          </p:nvSpPr>
+          <p:spPr>
+            <a:xfrm>
+              <a:off x="1133610" y="2465283"/>
+              <a:ext cx="331200" cy="79200"/>
+            </a:xfrm>
+            <a:prstGeom prst="roundRect">
+              <a:avLst/>
+            </a:prstGeom>
+            <a:solidFill>
+              <a:srgbClr val="0070C0"/>
+            </a:solidFill>
+            <a:ln w="9525">
+              <a:solidFill>
+                <a:srgbClr val="0070C0"/>
+              </a:solidFill>
+            </a:ln>
+          </p:spPr>
+          <p:style>
+            <a:lnRef idx="2">
+              <a:schemeClr val="accent1">
+                <a:shade val="50000"/>
+              </a:schemeClr>
+            </a:lnRef>
+            <a:fillRef idx="1">
+              <a:schemeClr val="accent1"/>
+            </a:fillRef>
+            <a:effectRef idx="0">
+              <a:schemeClr val="accent1"/>
+            </a:effectRef>
+            <a:fontRef idx="minor">
+              <a:schemeClr val="lt1"/>
+            </a:fontRef>
+          </p:style>
+          <p:txBody>
+            <a:bodyPr rtlCol="0" anchor="ctr"/>
+            <a:lstStyle/>
+            <a:p>
+              <a:pPr algn="ctr"/>
+              <a:endParaRPr lang="en-US" dirty="0"/>
+            </a:p>
+          </p:txBody>
+        </p:sp>
+        <p:sp>
+          <p:nvSpPr>
+            <p:cNvPr id="14" name="Rounded Rectangle 13"/>
+            <p:cNvSpPr>
+              <a:spLocks/>
+            </p:cNvSpPr>
+            <p:nvPr/>
+          </p:nvSpPr>
+          <p:spPr>
+            <a:xfrm>
+              <a:off x="1133610" y="2374824"/>
+              <a:ext cx="331200" cy="46800"/>
+            </a:xfrm>
+            <a:prstGeom prst="roundRect">
+              <a:avLst/>
+            </a:prstGeom>
+            <a:solidFill>
+              <a:srgbClr val="0070C0"/>
+            </a:solidFill>
+            <a:ln w="9525">
+              <a:solidFill>
+                <a:srgbClr val="0070C0"/>
+              </a:solidFill>
+            </a:ln>
+          </p:spPr>
+          <p:style>
+            <a:lnRef idx="2">
+              <a:schemeClr val="accent1">
+                <a:shade val="50000"/>
+              </a:schemeClr>
+            </a:lnRef>
+            <a:fillRef idx="1">
+              <a:schemeClr val="accent1"/>
+            </a:fillRef>
+            <a:effectRef idx="0">
+              <a:schemeClr val="accent1"/>
+            </a:effectRef>
+            <a:fontRef idx="minor">
+              <a:schemeClr val="lt1"/>
+            </a:fontRef>
+          </p:style>
+          <p:txBody>
+            <a:bodyPr rtlCol="0" anchor="ctr"/>
+            <a:lstStyle/>
+            <a:p>
+              <a:pPr algn="ctr"/>
+              <a:endParaRPr lang="en-US" dirty="0"/>
+            </a:p>
+          </p:txBody>
+        </p:sp>
+      </p:grpSp>
+      <p:grpSp>
+        <p:nvGrpSpPr>
+          <p:cNvPr id="22" name="Group 21"/>
+          <p:cNvGrpSpPr/>
+          <p:nvPr/>
+        </p:nvGrpSpPr>
+        <p:grpSpPr>
+          <a:xfrm rot="5400000">
+            <a:off x="4113735" y="2481476"/>
+            <a:ext cx="331200" cy="332173"/>
+            <a:chOff x="1133610" y="2374824"/>
+            <a:chExt cx="331200" cy="332173"/>
+          </a:xfrm>
+        </p:grpSpPr>
+        <p:sp>
+          <p:nvSpPr>
+            <p:cNvPr id="23" name="Rounded Rectangle 76"/>
+            <p:cNvSpPr>
+              <a:spLocks/>
+            </p:cNvSpPr>
+            <p:nvPr/>
+          </p:nvSpPr>
+          <p:spPr>
+            <a:xfrm>
+              <a:off x="1133610" y="2591797"/>
+              <a:ext cx="331200" cy="115200"/>
+            </a:xfrm>
+            <a:prstGeom prst="roundRect">
+              <a:avLst/>
+            </a:prstGeom>
+            <a:solidFill>
+              <a:srgbClr val="F79645"/>
+            </a:solidFill>
+            <a:ln w="9525">
+              <a:solidFill>
+                <a:srgbClr val="F7974B"/>
+              </a:solidFill>
+            </a:ln>
+          </p:spPr>
+          <p:style>
+            <a:lnRef idx="2">
+              <a:schemeClr val="accent1">
+                <a:shade val="50000"/>
+              </a:schemeClr>
+            </a:lnRef>
+            <a:fillRef idx="1">
+              <a:schemeClr val="accent1"/>
+            </a:fillRef>
+            <a:effectRef idx="0">
+              <a:schemeClr val="accent1"/>
+            </a:effectRef>
+            <a:fontRef idx="minor">
+              <a:schemeClr val="lt1"/>
+            </a:fontRef>
+          </p:style>
+          <p:txBody>
+            <a:bodyPr tIns="25200" rtlCol="0" anchor="ctr" anchorCtr="0"/>
+            <a:lstStyle/>
+            <a:p>
+              <a:pPr algn="ctr"/>
+              <a:endParaRPr lang="en-US" sz="800" dirty="0">
+                <a:solidFill>
+                  <a:srgbClr val="0070C0"/>
+                </a:solidFill>
+              </a:endParaRPr>
+            </a:p>
+          </p:txBody>
+        </p:sp>
+        <p:sp>
+          <p:nvSpPr>
+            <p:cNvPr id="24" name="Rounded Rectangle 23"/>
+            <p:cNvSpPr>
+              <a:spLocks/>
+            </p:cNvSpPr>
+            <p:nvPr/>
+          </p:nvSpPr>
+          <p:spPr>
+            <a:xfrm>
+              <a:off x="1133610" y="2465283"/>
+              <a:ext cx="331200" cy="79200"/>
+            </a:xfrm>
+            <a:prstGeom prst="roundRect">
+              <a:avLst/>
+            </a:prstGeom>
+            <a:solidFill>
+              <a:srgbClr val="0070C0"/>
+            </a:solidFill>
+            <a:ln w="9525">
+              <a:solidFill>
+                <a:srgbClr val="0070C0"/>
+              </a:solidFill>
+            </a:ln>
+          </p:spPr>
+          <p:style>
+            <a:lnRef idx="2">
+              <a:schemeClr val="accent1">
+                <a:shade val="50000"/>
+              </a:schemeClr>
+            </a:lnRef>
+            <a:fillRef idx="1">
+              <a:schemeClr val="accent1"/>
+            </a:fillRef>
+            <a:effectRef idx="0">
+              <a:schemeClr val="accent1"/>
+            </a:effectRef>
+            <a:fontRef idx="minor">
+              <a:schemeClr val="lt1"/>
+            </a:fontRef>
+          </p:style>
+          <p:txBody>
+            <a:bodyPr rtlCol="0" anchor="ctr"/>
+            <a:lstStyle/>
+            <a:p>
+              <a:pPr algn="ctr"/>
+              <a:endParaRPr lang="en-US" dirty="0"/>
+            </a:p>
+          </p:txBody>
+        </p:sp>
+        <p:sp>
+          <p:nvSpPr>
+            <p:cNvPr id="25" name="Rounded Rectangle 24"/>
+            <p:cNvSpPr>
+              <a:spLocks/>
+            </p:cNvSpPr>
+            <p:nvPr/>
+          </p:nvSpPr>
+          <p:spPr>
+            <a:xfrm>
+              <a:off x="1133610" y="2374824"/>
+              <a:ext cx="331200" cy="46800"/>
+            </a:xfrm>
+            <a:prstGeom prst="roundRect">
+              <a:avLst/>
+            </a:prstGeom>
+            <a:solidFill>
+              <a:srgbClr val="0070C0"/>
+            </a:solidFill>
+            <a:ln w="9525">
+              <a:solidFill>
+                <a:srgbClr val="0070C0"/>
+              </a:solidFill>
+            </a:ln>
+          </p:spPr>
+          <p:style>
+            <a:lnRef idx="2">
+              <a:schemeClr val="accent1">
+                <a:shade val="50000"/>
+              </a:schemeClr>
+            </a:lnRef>
+            <a:fillRef idx="1">
+              <a:schemeClr val="accent1"/>
+            </a:fillRef>
+            <a:effectRef idx="0">
+              <a:schemeClr val="accent1"/>
+            </a:effectRef>
+            <a:fontRef idx="minor">
+              <a:schemeClr val="lt1"/>
+            </a:fontRef>
+          </p:style>
+          <p:txBody>
+            <a:bodyPr rtlCol="0" anchor="ctr"/>
+            <a:lstStyle/>
+            <a:p>
+              <a:pPr algn="ctr"/>
+              <a:endParaRPr lang="en-US" dirty="0"/>
+            </a:p>
+          </p:txBody>
+        </p:sp>
+      </p:grpSp>
+      <p:grpSp>
+        <p:nvGrpSpPr>
+          <p:cNvPr id="12" name="Group 11"/>
+          <p:cNvGrpSpPr/>
+          <p:nvPr/>
+        </p:nvGrpSpPr>
+        <p:grpSpPr>
+          <a:xfrm>
+            <a:off x="7272867" y="2482436"/>
+            <a:ext cx="329508" cy="332821"/>
+            <a:chOff x="6126239" y="2351808"/>
+            <a:chExt cx="329508" cy="332821"/>
+          </a:xfrm>
+        </p:grpSpPr>
+        <p:sp>
+          <p:nvSpPr>
+            <p:cNvPr id="20" name="Rounded Rectangle 76"/>
+            <p:cNvSpPr>
+              <a:spLocks/>
+            </p:cNvSpPr>
+            <p:nvPr/>
+          </p:nvSpPr>
+          <p:spPr>
+            <a:xfrm>
+              <a:off x="6126239" y="2591797"/>
+              <a:ext cx="327600" cy="92832"/>
+            </a:xfrm>
+            <a:prstGeom prst="roundRect">
+              <a:avLst/>
+            </a:prstGeom>
+            <a:solidFill>
+              <a:srgbClr val="F79645"/>
+            </a:solidFill>
+            <a:ln w="9525">
+              <a:solidFill>
+                <a:srgbClr val="F7974B"/>
+              </a:solidFill>
+            </a:ln>
+          </p:spPr>
+          <p:style>
+            <a:lnRef idx="2">
+              <a:schemeClr val="accent1">
+                <a:shade val="50000"/>
+              </a:schemeClr>
+            </a:lnRef>
+            <a:fillRef idx="1">
+              <a:schemeClr val="accent1"/>
+            </a:fillRef>
+            <a:effectRef idx="0">
+              <a:schemeClr val="accent1"/>
+            </a:effectRef>
+            <a:fontRef idx="minor">
+              <a:schemeClr val="lt1"/>
+            </a:fontRef>
+          </p:style>
+          <p:txBody>
+            <a:bodyPr tIns="25200" rtlCol="0" anchor="ctr" anchorCtr="0"/>
+            <a:lstStyle/>
+            <a:p>
+              <a:pPr algn="ctr"/>
+              <a:endParaRPr lang="en-US" sz="800" dirty="0">
+                <a:solidFill>
+                  <a:srgbClr val="0070C0"/>
+                </a:solidFill>
+              </a:endParaRPr>
+            </a:p>
+          </p:txBody>
+        </p:sp>
+        <p:sp>
+          <p:nvSpPr>
+            <p:cNvPr id="21" name="Rounded Rectangle 20"/>
+            <p:cNvSpPr>
+              <a:spLocks/>
+            </p:cNvSpPr>
+            <p:nvPr/>
+          </p:nvSpPr>
+          <p:spPr>
+            <a:xfrm>
+              <a:off x="6126239" y="2471802"/>
+              <a:ext cx="327600" cy="92832"/>
+            </a:xfrm>
+            <a:prstGeom prst="roundRect">
+              <a:avLst/>
+            </a:prstGeom>
+            <a:solidFill>
+              <a:srgbClr val="0070C0"/>
+            </a:solidFill>
+            <a:ln w="9525">
+              <a:solidFill>
+                <a:srgbClr val="0070C0"/>
+              </a:solidFill>
+            </a:ln>
+          </p:spPr>
+          <p:style>
+            <a:lnRef idx="2">
+              <a:schemeClr val="accent1">
+                <a:shade val="50000"/>
+              </a:schemeClr>
+            </a:lnRef>
+            <a:fillRef idx="1">
+              <a:schemeClr val="accent1"/>
+            </a:fillRef>
+            <a:effectRef idx="0">
+              <a:schemeClr val="accent1"/>
+            </a:effectRef>
+            <a:fontRef idx="minor">
+              <a:schemeClr val="lt1"/>
+            </a:fontRef>
+          </p:style>
+          <p:txBody>
+            <a:bodyPr rtlCol="0" anchor="ctr"/>
+            <a:lstStyle/>
+            <a:p>
+              <a:pPr algn="ctr"/>
+              <a:endParaRPr lang="en-US" dirty="0"/>
+            </a:p>
+          </p:txBody>
+        </p:sp>
+        <p:sp>
+          <p:nvSpPr>
+            <p:cNvPr id="27" name="Rounded Rectangle 26"/>
+            <p:cNvSpPr>
+              <a:spLocks/>
+            </p:cNvSpPr>
+            <p:nvPr/>
+          </p:nvSpPr>
+          <p:spPr>
+            <a:xfrm>
+              <a:off x="6128147" y="2351808"/>
+              <a:ext cx="327600" cy="92832"/>
+            </a:xfrm>
+            <a:prstGeom prst="roundRect">
+              <a:avLst/>
+            </a:prstGeom>
+            <a:solidFill>
+              <a:srgbClr val="0070C0"/>
+            </a:solidFill>
+            <a:ln w="9525">
+              <a:solidFill>
+                <a:srgbClr val="0070C0"/>
+              </a:solidFill>
+            </a:ln>
+          </p:spPr>
+          <p:style>
+            <a:lnRef idx="2">
+              <a:schemeClr val="accent1">
+                <a:shade val="50000"/>
+              </a:schemeClr>
+            </a:lnRef>
+            <a:fillRef idx="1">
+              <a:schemeClr val="accent1"/>
+            </a:fillRef>
+            <a:effectRef idx="0">
+              <a:schemeClr val="accent1"/>
+            </a:effectRef>
+            <a:fontRef idx="minor">
+              <a:schemeClr val="lt1"/>
+            </a:fontRef>
+          </p:style>
+          <p:txBody>
+            <a:bodyPr rtlCol="0" anchor="ctr"/>
+            <a:lstStyle/>
+            <a:p>
+              <a:pPr algn="ctr"/>
+              <a:endParaRPr lang="en-US" dirty="0"/>
+            </a:p>
+          </p:txBody>
+        </p:sp>
+      </p:grpSp>
     </p:spTree>
     <p:extLst>
       <p:ext uri="{BB962C8B-B14F-4D97-AF65-F5344CB8AC3E}">
@@ -11105,6 +12824,609 @@
           </a:p>
         </p:txBody>
       </p:sp>
+      <p:sp>
+        <p:nvSpPr>
+          <p:cNvPr id="5" name="TextBox 3"/>
+          <p:cNvSpPr txBox="1"/>
+          <p:nvPr/>
+        </p:nvSpPr>
+        <p:spPr>
+          <a:xfrm>
+            <a:off x="668740" y="3002507"/>
+            <a:ext cx="1301318" cy="369332"/>
+          </a:xfrm>
+          <a:prstGeom prst="rect">
+            <a:avLst/>
+          </a:prstGeom>
+          <a:noFill/>
+        </p:spPr>
+        <p:txBody>
+          <a:bodyPr wrap="none" rtlCol="0">
+            <a:spAutoFit/>
+          </a:bodyPr>
+          <a:lstStyle/>
+          <a:p>
+            <a:r>
+              <a:rPr lang="en-US" dirty="0" smtClean="0"/>
+              <a:t>Fit to Width</a:t>
+            </a:r>
+          </a:p>
+        </p:txBody>
+      </p:sp>
+      <p:sp>
+        <p:nvSpPr>
+          <p:cNvPr id="6" name="TextBox 3"/>
+          <p:cNvSpPr txBox="1"/>
+          <p:nvPr/>
+        </p:nvSpPr>
+        <p:spPr>
+          <a:xfrm>
+            <a:off x="3622397" y="3000184"/>
+            <a:ext cx="1340880" cy="369332"/>
+          </a:xfrm>
+          <a:prstGeom prst="rect">
+            <a:avLst/>
+          </a:prstGeom>
+          <a:noFill/>
+        </p:spPr>
+        <p:txBody>
+          <a:bodyPr wrap="none" rtlCol="0">
+            <a:spAutoFit/>
+          </a:bodyPr>
+          <a:lstStyle/>
+          <a:p>
+            <a:r>
+              <a:rPr lang="en-US" dirty="0" smtClean="0"/>
+              <a:t>Fit to Height</a:t>
+            </a:r>
+          </a:p>
+        </p:txBody>
+      </p:sp>
+      <p:sp>
+        <p:nvSpPr>
+          <p:cNvPr id="7" name="TextBox 3"/>
+          <p:cNvSpPr txBox="1"/>
+          <p:nvPr/>
+        </p:nvSpPr>
+        <p:spPr>
+          <a:xfrm>
+            <a:off x="6615616" y="3000184"/>
+            <a:ext cx="987130" cy="369332"/>
+          </a:xfrm>
+          <a:prstGeom prst="rect">
+            <a:avLst/>
+          </a:prstGeom>
+          <a:noFill/>
+        </p:spPr>
+        <p:txBody>
+          <a:bodyPr wrap="none" rtlCol="0">
+            <a:spAutoFit/>
+          </a:bodyPr>
+          <a:lstStyle/>
+          <a:p>
+            <a:r>
+              <a:rPr lang="en-US" dirty="0" smtClean="0"/>
+              <a:t>Fit to Fill</a:t>
+            </a:r>
+          </a:p>
+        </p:txBody>
+      </p:sp>
+      <p:grpSp>
+        <p:nvGrpSpPr>
+          <p:cNvPr id="28" name="Group 27"/>
+          <p:cNvGrpSpPr/>
+          <p:nvPr/>
+        </p:nvGrpSpPr>
+        <p:grpSpPr>
+          <a:xfrm>
+            <a:off x="1159405" y="2481097"/>
+            <a:ext cx="316800" cy="316800"/>
+            <a:chOff x="1159405" y="2481097"/>
+            <a:chExt cx="316800" cy="316800"/>
+          </a:xfrm>
+        </p:grpSpPr>
+        <p:sp>
+          <p:nvSpPr>
+            <p:cNvPr id="14" name="Rectangle 13"/>
+            <p:cNvSpPr>
+              <a:spLocks/>
+            </p:cNvSpPr>
+            <p:nvPr/>
+          </p:nvSpPr>
+          <p:spPr>
+            <a:xfrm>
+              <a:off x="1159405" y="2481097"/>
+              <a:ext cx="316800" cy="316800"/>
+            </a:xfrm>
+            <a:prstGeom prst="rect">
+              <a:avLst/>
+            </a:prstGeom>
+            <a:noFill/>
+            <a:ln>
+              <a:solidFill>
+                <a:srgbClr val="F79645"/>
+              </a:solidFill>
+            </a:ln>
+          </p:spPr>
+          <p:style>
+            <a:lnRef idx="2">
+              <a:schemeClr val="accent1">
+                <a:shade val="50000"/>
+              </a:schemeClr>
+            </a:lnRef>
+            <a:fillRef idx="1">
+              <a:schemeClr val="accent1"/>
+            </a:fillRef>
+            <a:effectRef idx="0">
+              <a:schemeClr val="accent1"/>
+            </a:effectRef>
+            <a:fontRef idx="minor">
+              <a:schemeClr val="lt1"/>
+            </a:fontRef>
+          </p:style>
+          <p:txBody>
+            <a:bodyPr rtlCol="0" anchor="ctr"/>
+            <a:lstStyle/>
+            <a:p>
+              <a:pPr algn="ctr"/>
+              <a:endParaRPr lang="en-US"/>
+            </a:p>
+          </p:txBody>
+        </p:sp>
+        <p:sp>
+          <p:nvSpPr>
+            <p:cNvPr id="15" name="Rounded Rectangle 14"/>
+            <p:cNvSpPr>
+              <a:spLocks noChangeAspect="1"/>
+            </p:cNvSpPr>
+            <p:nvPr/>
+          </p:nvSpPr>
+          <p:spPr>
+            <a:xfrm>
+              <a:off x="1260466" y="2595458"/>
+              <a:ext cx="124202" cy="88077"/>
+            </a:xfrm>
+            <a:prstGeom prst="roundRect">
+              <a:avLst/>
+            </a:prstGeom>
+            <a:solidFill>
+              <a:srgbClr val="0070C0"/>
+            </a:solidFill>
+            <a:ln w="9525">
+              <a:solidFill>
+                <a:srgbClr val="0070C0"/>
+              </a:solidFill>
+            </a:ln>
+          </p:spPr>
+          <p:style>
+            <a:lnRef idx="2">
+              <a:schemeClr val="accent1">
+                <a:shade val="50000"/>
+              </a:schemeClr>
+            </a:lnRef>
+            <a:fillRef idx="1">
+              <a:schemeClr val="accent1"/>
+            </a:fillRef>
+            <a:effectRef idx="0">
+              <a:schemeClr val="accent1"/>
+            </a:effectRef>
+            <a:fontRef idx="minor">
+              <a:schemeClr val="lt1"/>
+            </a:fontRef>
+          </p:style>
+          <p:txBody>
+            <a:bodyPr rtlCol="0" anchor="ctr"/>
+            <a:lstStyle/>
+            <a:p>
+              <a:pPr algn="ctr"/>
+              <a:endParaRPr lang="en-US" dirty="0"/>
+            </a:p>
+          </p:txBody>
+        </p:sp>
+        <p:cxnSp>
+          <p:nvCxnSpPr>
+            <p:cNvPr id="16" name="Straight Arrow Connector 69"/>
+            <p:cNvCxnSpPr/>
+            <p:nvPr/>
+          </p:nvCxnSpPr>
+          <p:spPr>
+            <a:xfrm flipH="1" flipV="1">
+              <a:off x="1171576" y="2643096"/>
+              <a:ext cx="90000" cy="618"/>
+            </a:xfrm>
+            <a:prstGeom prst="straightConnector1">
+              <a:avLst/>
+            </a:prstGeom>
+            <a:ln w="6985">
+              <a:solidFill>
+                <a:srgbClr val="0070C0"/>
+              </a:solidFill>
+              <a:round/>
+              <a:headEnd w="sm" len="sm"/>
+              <a:tailEnd type="stealth" w="med" len="sm"/>
+            </a:ln>
+          </p:spPr>
+          <p:style>
+            <a:lnRef idx="1">
+              <a:schemeClr val="accent1"/>
+            </a:lnRef>
+            <a:fillRef idx="0">
+              <a:schemeClr val="accent1"/>
+            </a:fillRef>
+            <a:effectRef idx="0">
+              <a:schemeClr val="accent1"/>
+            </a:effectRef>
+            <a:fontRef idx="minor">
+              <a:schemeClr val="tx1"/>
+            </a:fontRef>
+          </p:style>
+        </p:cxnSp>
+        <p:cxnSp>
+          <p:nvCxnSpPr>
+            <p:cNvPr id="19" name="Straight Arrow Connector 69"/>
+            <p:cNvCxnSpPr/>
+            <p:nvPr/>
+          </p:nvCxnSpPr>
+          <p:spPr>
+            <a:xfrm rot="10800000" flipH="1" flipV="1">
+              <a:off x="1379119" y="2642478"/>
+              <a:ext cx="90000" cy="618"/>
+            </a:xfrm>
+            <a:prstGeom prst="straightConnector1">
+              <a:avLst/>
+            </a:prstGeom>
+            <a:ln w="6985">
+              <a:solidFill>
+                <a:srgbClr val="0070C0"/>
+              </a:solidFill>
+              <a:round/>
+              <a:headEnd w="sm" len="sm"/>
+              <a:tailEnd type="stealth" w="med" len="sm"/>
+            </a:ln>
+          </p:spPr>
+          <p:style>
+            <a:lnRef idx="1">
+              <a:schemeClr val="accent1"/>
+            </a:lnRef>
+            <a:fillRef idx="0">
+              <a:schemeClr val="accent1"/>
+            </a:fillRef>
+            <a:effectRef idx="0">
+              <a:schemeClr val="accent1"/>
+            </a:effectRef>
+            <a:fontRef idx="minor">
+              <a:schemeClr val="tx1"/>
+            </a:fontRef>
+          </p:style>
+        </p:cxnSp>
+      </p:grpSp>
+      <p:grpSp>
+        <p:nvGrpSpPr>
+          <p:cNvPr id="34" name="Group 33"/>
+          <p:cNvGrpSpPr/>
+          <p:nvPr/>
+        </p:nvGrpSpPr>
+        <p:grpSpPr>
+          <a:xfrm>
+            <a:off x="4134437" y="2481097"/>
+            <a:ext cx="316800" cy="316800"/>
+            <a:chOff x="4134437" y="2481097"/>
+            <a:chExt cx="316800" cy="316800"/>
+          </a:xfrm>
+        </p:grpSpPr>
+        <p:sp>
+          <p:nvSpPr>
+            <p:cNvPr id="30" name="Rectangle 29"/>
+            <p:cNvSpPr>
+              <a:spLocks/>
+            </p:cNvSpPr>
+            <p:nvPr/>
+          </p:nvSpPr>
+          <p:spPr>
+            <a:xfrm>
+              <a:off x="4134437" y="2481097"/>
+              <a:ext cx="316800" cy="316800"/>
+            </a:xfrm>
+            <a:prstGeom prst="rect">
+              <a:avLst/>
+            </a:prstGeom>
+            <a:noFill/>
+            <a:ln>
+              <a:solidFill>
+                <a:srgbClr val="F79645"/>
+              </a:solidFill>
+            </a:ln>
+          </p:spPr>
+          <p:style>
+            <a:lnRef idx="2">
+              <a:schemeClr val="accent1">
+                <a:shade val="50000"/>
+              </a:schemeClr>
+            </a:lnRef>
+            <a:fillRef idx="1">
+              <a:schemeClr val="accent1"/>
+            </a:fillRef>
+            <a:effectRef idx="0">
+              <a:schemeClr val="accent1"/>
+            </a:effectRef>
+            <a:fontRef idx="minor">
+              <a:schemeClr val="lt1"/>
+            </a:fontRef>
+          </p:style>
+          <p:txBody>
+            <a:bodyPr rtlCol="0" anchor="ctr"/>
+            <a:lstStyle/>
+            <a:p>
+              <a:pPr algn="ctr"/>
+              <a:endParaRPr lang="en-US"/>
+            </a:p>
+          </p:txBody>
+        </p:sp>
+        <p:sp>
+          <p:nvSpPr>
+            <p:cNvPr id="31" name="Rounded Rectangle 30"/>
+            <p:cNvSpPr>
+              <a:spLocks noChangeAspect="1"/>
+            </p:cNvSpPr>
+            <p:nvPr/>
+          </p:nvSpPr>
+          <p:spPr>
+            <a:xfrm>
+              <a:off x="4235498" y="2597839"/>
+              <a:ext cx="124202" cy="88077"/>
+            </a:xfrm>
+            <a:prstGeom prst="roundRect">
+              <a:avLst/>
+            </a:prstGeom>
+            <a:solidFill>
+              <a:srgbClr val="0070C0"/>
+            </a:solidFill>
+            <a:ln w="9525">
+              <a:solidFill>
+                <a:srgbClr val="0070C0"/>
+              </a:solidFill>
+            </a:ln>
+          </p:spPr>
+          <p:style>
+            <a:lnRef idx="2">
+              <a:schemeClr val="accent1">
+                <a:shade val="50000"/>
+              </a:schemeClr>
+            </a:lnRef>
+            <a:fillRef idx="1">
+              <a:schemeClr val="accent1"/>
+            </a:fillRef>
+            <a:effectRef idx="0">
+              <a:schemeClr val="accent1"/>
+            </a:effectRef>
+            <a:fontRef idx="minor">
+              <a:schemeClr val="lt1"/>
+            </a:fontRef>
+          </p:style>
+          <p:txBody>
+            <a:bodyPr rtlCol="0" anchor="ctr"/>
+            <a:lstStyle/>
+            <a:p>
+              <a:pPr algn="ctr"/>
+              <a:endParaRPr lang="en-US" dirty="0"/>
+            </a:p>
+          </p:txBody>
+        </p:sp>
+        <p:cxnSp>
+          <p:nvCxnSpPr>
+            <p:cNvPr id="32" name="Straight Arrow Connector 69"/>
+            <p:cNvCxnSpPr/>
+            <p:nvPr/>
+          </p:nvCxnSpPr>
+          <p:spPr>
+            <a:xfrm rot="5400000" flipH="1" flipV="1">
+              <a:off x="4250823" y="2544714"/>
+              <a:ext cx="97200" cy="618"/>
+            </a:xfrm>
+            <a:prstGeom prst="straightConnector1">
+              <a:avLst/>
+            </a:prstGeom>
+            <a:ln w="6985">
+              <a:solidFill>
+                <a:srgbClr val="0070C0"/>
+              </a:solidFill>
+              <a:round/>
+              <a:headEnd w="sm" len="sm"/>
+              <a:tailEnd type="stealth" w="med" len="sm"/>
+            </a:ln>
+          </p:spPr>
+          <p:style>
+            <a:lnRef idx="1">
+              <a:schemeClr val="accent1"/>
+            </a:lnRef>
+            <a:fillRef idx="0">
+              <a:schemeClr val="accent1"/>
+            </a:fillRef>
+            <a:effectRef idx="0">
+              <a:schemeClr val="accent1"/>
+            </a:effectRef>
+            <a:fontRef idx="minor">
+              <a:schemeClr val="tx1"/>
+            </a:fontRef>
+          </p:style>
+        </p:cxnSp>
+        <p:cxnSp>
+          <p:nvCxnSpPr>
+            <p:cNvPr id="33" name="Straight Arrow Connector 69"/>
+            <p:cNvCxnSpPr/>
+            <p:nvPr/>
+          </p:nvCxnSpPr>
+          <p:spPr>
+            <a:xfrm rot="16200000" flipH="1" flipV="1">
+              <a:off x="4248999" y="2737877"/>
+              <a:ext cx="97200" cy="618"/>
+            </a:xfrm>
+            <a:prstGeom prst="straightConnector1">
+              <a:avLst/>
+            </a:prstGeom>
+            <a:ln w="6985">
+              <a:solidFill>
+                <a:srgbClr val="0070C0"/>
+              </a:solidFill>
+              <a:round/>
+              <a:headEnd w="sm" len="sm"/>
+              <a:tailEnd type="stealth" w="med" len="sm"/>
+            </a:ln>
+          </p:spPr>
+          <p:style>
+            <a:lnRef idx="1">
+              <a:schemeClr val="accent1"/>
+            </a:lnRef>
+            <a:fillRef idx="0">
+              <a:schemeClr val="accent1"/>
+            </a:fillRef>
+            <a:effectRef idx="0">
+              <a:schemeClr val="accent1"/>
+            </a:effectRef>
+            <a:fontRef idx="minor">
+              <a:schemeClr val="tx1"/>
+            </a:fontRef>
+          </p:style>
+        </p:cxnSp>
+      </p:grpSp>
+      <p:sp>
+        <p:nvSpPr>
+          <p:cNvPr id="36" name="Rectangle 35"/>
+          <p:cNvSpPr>
+            <a:spLocks/>
+          </p:cNvSpPr>
+          <p:nvPr/>
+        </p:nvSpPr>
+        <p:spPr>
+          <a:xfrm>
+            <a:off x="6950781" y="2529977"/>
+            <a:ext cx="316800" cy="316800"/>
+          </a:xfrm>
+          <a:prstGeom prst="rect">
+            <a:avLst/>
+          </a:prstGeom>
+          <a:noFill/>
+          <a:ln>
+            <a:solidFill>
+              <a:srgbClr val="F79645"/>
+            </a:solidFill>
+          </a:ln>
+        </p:spPr>
+        <p:style>
+          <a:lnRef idx="2">
+            <a:schemeClr val="accent1">
+              <a:shade val="50000"/>
+            </a:schemeClr>
+          </a:lnRef>
+          <a:fillRef idx="1">
+            <a:schemeClr val="accent1"/>
+          </a:fillRef>
+          <a:effectRef idx="0">
+            <a:schemeClr val="accent1"/>
+          </a:effectRef>
+          <a:fontRef idx="minor">
+            <a:schemeClr val="lt1"/>
+          </a:fontRef>
+        </p:style>
+        <p:txBody>
+          <a:bodyPr rtlCol="0" anchor="ctr"/>
+          <a:lstStyle/>
+          <a:p>
+            <a:pPr algn="ctr"/>
+            <a:endParaRPr lang="en-US"/>
+          </a:p>
+        </p:txBody>
+      </p:sp>
+      <p:sp>
+        <p:nvSpPr>
+          <p:cNvPr id="37" name="Rounded Rectangle 36"/>
+          <p:cNvSpPr>
+            <a:spLocks noChangeAspect="1"/>
+          </p:cNvSpPr>
+          <p:nvPr/>
+        </p:nvSpPr>
+        <p:spPr>
+          <a:xfrm>
+            <a:off x="7045492" y="2646719"/>
+            <a:ext cx="124202" cy="88077"/>
+          </a:xfrm>
+          <a:prstGeom prst="roundRect">
+            <a:avLst/>
+          </a:prstGeom>
+          <a:solidFill>
+            <a:srgbClr val="0070C0"/>
+          </a:solidFill>
+          <a:ln w="9525">
+            <a:solidFill>
+              <a:srgbClr val="0070C0"/>
+            </a:solidFill>
+          </a:ln>
+        </p:spPr>
+        <p:style>
+          <a:lnRef idx="2">
+            <a:schemeClr val="accent1">
+              <a:shade val="50000"/>
+            </a:schemeClr>
+          </a:lnRef>
+          <a:fillRef idx="1">
+            <a:schemeClr val="accent1"/>
+          </a:fillRef>
+          <a:effectRef idx="0">
+            <a:schemeClr val="accent1"/>
+          </a:effectRef>
+          <a:fontRef idx="minor">
+            <a:schemeClr val="lt1"/>
+          </a:fontRef>
+        </p:style>
+        <p:txBody>
+          <a:bodyPr rtlCol="0" anchor="ctr"/>
+          <a:lstStyle/>
+          <a:p>
+            <a:pPr algn="ctr"/>
+            <a:endParaRPr lang="en-US" dirty="0"/>
+          </a:p>
+        </p:txBody>
+      </p:sp>
+      <p:cxnSp>
+        <p:nvCxnSpPr>
+          <p:cNvPr id="39" name="Straight Arrow Connector 69"/>
+          <p:cNvCxnSpPr>
+            <a:cxnSpLocks/>
+          </p:cNvCxnSpPr>
+          <p:nvPr/>
+        </p:nvCxnSpPr>
+        <p:spPr>
+          <a:xfrm rot="60000" flipH="1">
+            <a:off x="6968436" y="2545259"/>
+            <a:ext cx="281867" cy="291600"/>
+          </a:xfrm>
+          <a:prstGeom prst="straightConnector1">
+            <a:avLst/>
+          </a:prstGeom>
+          <a:ln w="6985">
+            <a:solidFill>
+              <a:srgbClr val="0070C0"/>
+            </a:solidFill>
+            <a:round/>
+            <a:headEnd type="stealth" w="med" len="sm"/>
+            <a:tailEnd type="stealth" w="med" len="sm"/>
+          </a:ln>
+        </p:spPr>
+        <p:style>
+          <a:lnRef idx="1">
+            <a:schemeClr val="accent1"/>
+          </a:lnRef>
+          <a:fillRef idx="0">
+            <a:schemeClr val="accent1"/>
+          </a:fillRef>
+          <a:effectRef idx="0">
+            <a:schemeClr val="accent1"/>
+          </a:effectRef>
+          <a:fontRef idx="minor">
+            <a:schemeClr val="tx1"/>
+          </a:fontRef>
+        </p:style>
+      </p:cxnSp>
     </p:spTree>
     <p:extLst>
       <p:ext uri="{BB962C8B-B14F-4D97-AF65-F5344CB8AC3E}">
@@ -11158,6 +13480,1025 @@
           </a:p>
         </p:txBody>
       </p:sp>
+      <p:sp>
+        <p:nvSpPr>
+          <p:cNvPr id="3" name="TextBox 3"/>
+          <p:cNvSpPr txBox="1"/>
+          <p:nvPr/>
+        </p:nvSpPr>
+        <p:spPr>
+          <a:xfrm>
+            <a:off x="668740" y="3002507"/>
+            <a:ext cx="606256" cy="369332"/>
+          </a:xfrm>
+          <a:prstGeom prst="rect">
+            <a:avLst/>
+          </a:prstGeom>
+          <a:noFill/>
+        </p:spPr>
+        <p:txBody>
+          <a:bodyPr wrap="none" rtlCol="0">
+            <a:spAutoFit/>
+          </a:bodyPr>
+          <a:lstStyle/>
+          <a:p>
+            <a:r>
+              <a:rPr lang="en-US" dirty="0" smtClean="0"/>
+              <a:t>Lock</a:t>
+            </a:r>
+          </a:p>
+        </p:txBody>
+      </p:sp>
+      <p:sp>
+        <p:nvSpPr>
+          <p:cNvPr id="4" name="TextBox 3"/>
+          <p:cNvSpPr txBox="1"/>
+          <p:nvPr/>
+        </p:nvSpPr>
+        <p:spPr>
+          <a:xfrm>
+            <a:off x="3622397" y="3000184"/>
+            <a:ext cx="830677" cy="369332"/>
+          </a:xfrm>
+          <a:prstGeom prst="rect">
+            <a:avLst/>
+          </a:prstGeom>
+          <a:noFill/>
+        </p:spPr>
+        <p:txBody>
+          <a:bodyPr wrap="none" rtlCol="0">
+            <a:spAutoFit/>
+          </a:bodyPr>
+          <a:lstStyle/>
+          <a:p>
+            <a:r>
+              <a:rPr lang="en-US" dirty="0" smtClean="0"/>
+              <a:t>Unlock</a:t>
+            </a:r>
+          </a:p>
+        </p:txBody>
+      </p:sp>
+      <p:sp>
+        <p:nvSpPr>
+          <p:cNvPr id="5" name="TextBox 3"/>
+          <p:cNvSpPr txBox="1"/>
+          <p:nvPr/>
+        </p:nvSpPr>
+        <p:spPr>
+          <a:xfrm>
+            <a:off x="6615616" y="3000184"/>
+            <a:ext cx="897362" cy="369332"/>
+          </a:xfrm>
+          <a:prstGeom prst="rect">
+            <a:avLst/>
+          </a:prstGeom>
+          <a:noFill/>
+        </p:spPr>
+        <p:txBody>
+          <a:bodyPr wrap="none" rtlCol="0">
+            <a:spAutoFit/>
+          </a:bodyPr>
+          <a:lstStyle/>
+          <a:p>
+            <a:r>
+              <a:rPr lang="en-US" dirty="0" smtClean="0"/>
+              <a:t>Restore</a:t>
+            </a:r>
+          </a:p>
+        </p:txBody>
+      </p:sp>
+      <p:sp>
+        <p:nvSpPr>
+          <p:cNvPr id="7" name="Rounded Rectangle 76"/>
+          <p:cNvSpPr>
+            <a:spLocks noChangeAspect="1"/>
+          </p:cNvSpPr>
+          <p:nvPr/>
+        </p:nvSpPr>
+        <p:spPr>
+          <a:xfrm>
+            <a:off x="796302" y="2795165"/>
+            <a:ext cx="331200" cy="158214"/>
+          </a:xfrm>
+          <a:prstGeom prst="roundRect">
+            <a:avLst/>
+          </a:prstGeom>
+          <a:solidFill>
+            <a:srgbClr val="F79645"/>
+          </a:solidFill>
+          <a:ln w="9525">
+            <a:solidFill>
+              <a:srgbClr val="F79645"/>
+            </a:solidFill>
+          </a:ln>
+        </p:spPr>
+        <p:style>
+          <a:lnRef idx="2">
+            <a:schemeClr val="accent1">
+              <a:shade val="50000"/>
+            </a:schemeClr>
+          </a:lnRef>
+          <a:fillRef idx="1">
+            <a:schemeClr val="accent1"/>
+          </a:fillRef>
+          <a:effectRef idx="0">
+            <a:schemeClr val="accent1"/>
+          </a:effectRef>
+          <a:fontRef idx="minor">
+            <a:schemeClr val="lt1"/>
+          </a:fontRef>
+        </p:style>
+        <p:txBody>
+          <a:bodyPr tIns="25200" rtlCol="0" anchor="ctr" anchorCtr="0"/>
+          <a:lstStyle/>
+          <a:p>
+            <a:pPr algn="ctr"/>
+            <a:endParaRPr lang="en-US" sz="800" dirty="0">
+              <a:solidFill>
+                <a:srgbClr val="0070C0"/>
+              </a:solidFill>
+            </a:endParaRPr>
+          </a:p>
+        </p:txBody>
+      </p:sp>
+      <p:sp>
+        <p:nvSpPr>
+          <p:cNvPr id="24" name="Arc 23"/>
+          <p:cNvSpPr>
+            <a:spLocks/>
+          </p:cNvSpPr>
+          <p:nvPr/>
+        </p:nvSpPr>
+        <p:spPr>
+          <a:xfrm>
+            <a:off x="841375" y="2626373"/>
+            <a:ext cx="238125" cy="331200"/>
+          </a:xfrm>
+          <a:prstGeom prst="arc">
+            <a:avLst>
+              <a:gd name="adj1" fmla="val 10860918"/>
+              <a:gd name="adj2" fmla="val 20659"/>
+            </a:avLst>
+          </a:prstGeom>
+          <a:ln w="28575">
+            <a:solidFill>
+              <a:srgbClr val="0070C0"/>
+            </a:solidFill>
+          </a:ln>
+        </p:spPr>
+        <p:style>
+          <a:lnRef idx="1">
+            <a:schemeClr val="accent1"/>
+          </a:lnRef>
+          <a:fillRef idx="0">
+            <a:schemeClr val="accent1"/>
+          </a:fillRef>
+          <a:effectRef idx="0">
+            <a:schemeClr val="accent1"/>
+          </a:effectRef>
+          <a:fontRef idx="minor">
+            <a:schemeClr val="tx1"/>
+          </a:fontRef>
+        </p:style>
+        <p:txBody>
+          <a:bodyPr rtlCol="0" anchor="ctr"/>
+          <a:lstStyle/>
+          <a:p>
+            <a:pPr algn="ctr"/>
+            <a:endParaRPr lang="en-US"/>
+          </a:p>
+        </p:txBody>
+      </p:sp>
+      <p:sp>
+        <p:nvSpPr>
+          <p:cNvPr id="27" name="Freeform 26"/>
+          <p:cNvSpPr/>
+          <p:nvPr/>
+        </p:nvSpPr>
+        <p:spPr>
+          <a:xfrm>
+            <a:off x="939042" y="2833730"/>
+            <a:ext cx="45720" cy="81084"/>
+          </a:xfrm>
+          <a:custGeom>
+            <a:avLst/>
+            <a:gdLst>
+              <a:gd name="connsiteX0" fmla="*/ 22860 w 45720"/>
+              <a:gd name="connsiteY0" fmla="*/ 0 h 81084"/>
+              <a:gd name="connsiteX1" fmla="*/ 45720 w 45720"/>
+              <a:gd name="connsiteY1" fmla="*/ 22860 h 81084"/>
+              <a:gd name="connsiteX2" fmla="*/ 39024 w 45720"/>
+              <a:gd name="connsiteY2" fmla="*/ 39025 h 81084"/>
+              <a:gd name="connsiteX3" fmla="*/ 24395 w 45720"/>
+              <a:gd name="connsiteY3" fmla="*/ 45084 h 81084"/>
+              <a:gd name="connsiteX4" fmla="*/ 27659 w 45720"/>
+              <a:gd name="connsiteY4" fmla="*/ 45084 h 81084"/>
+              <a:gd name="connsiteX5" fmla="*/ 30059 w 45720"/>
+              <a:gd name="connsiteY5" fmla="*/ 47484 h 81084"/>
+              <a:gd name="connsiteX6" fmla="*/ 30059 w 45720"/>
+              <a:gd name="connsiteY6" fmla="*/ 78684 h 81084"/>
+              <a:gd name="connsiteX7" fmla="*/ 27659 w 45720"/>
+              <a:gd name="connsiteY7" fmla="*/ 81084 h 81084"/>
+              <a:gd name="connsiteX8" fmla="*/ 18059 w 45720"/>
+              <a:gd name="connsiteY8" fmla="*/ 81084 h 81084"/>
+              <a:gd name="connsiteX9" fmla="*/ 15659 w 45720"/>
+              <a:gd name="connsiteY9" fmla="*/ 78684 h 81084"/>
+              <a:gd name="connsiteX10" fmla="*/ 15659 w 45720"/>
+              <a:gd name="connsiteY10" fmla="*/ 47484 h 81084"/>
+              <a:gd name="connsiteX11" fmla="*/ 18059 w 45720"/>
+              <a:gd name="connsiteY11" fmla="*/ 45084 h 81084"/>
+              <a:gd name="connsiteX12" fmla="*/ 21325 w 45720"/>
+              <a:gd name="connsiteY12" fmla="*/ 45084 h 81084"/>
+              <a:gd name="connsiteX13" fmla="*/ 6696 w 45720"/>
+              <a:gd name="connsiteY13" fmla="*/ 39025 h 81084"/>
+              <a:gd name="connsiteX14" fmla="*/ 0 w 45720"/>
+              <a:gd name="connsiteY14" fmla="*/ 22860 h 81084"/>
+              <a:gd name="connsiteX15" fmla="*/ 22860 w 45720"/>
+              <a:gd name="connsiteY15" fmla="*/ 0 h 81084"/>
+            </a:gdLst>
+            <a:ahLst/>
+            <a:cxnLst>
+              <a:cxn ang="0">
+                <a:pos x="connsiteX0" y="connsiteY0"/>
+              </a:cxn>
+              <a:cxn ang="0">
+                <a:pos x="connsiteX1" y="connsiteY1"/>
+              </a:cxn>
+              <a:cxn ang="0">
+                <a:pos x="connsiteX2" y="connsiteY2"/>
+              </a:cxn>
+              <a:cxn ang="0">
+                <a:pos x="connsiteX3" y="connsiteY3"/>
+              </a:cxn>
+              <a:cxn ang="0">
+                <a:pos x="connsiteX4" y="connsiteY4"/>
+              </a:cxn>
+              <a:cxn ang="0">
+                <a:pos x="connsiteX5" y="connsiteY5"/>
+              </a:cxn>
+              <a:cxn ang="0">
+                <a:pos x="connsiteX6" y="connsiteY6"/>
+              </a:cxn>
+              <a:cxn ang="0">
+                <a:pos x="connsiteX7" y="connsiteY7"/>
+              </a:cxn>
+              <a:cxn ang="0">
+                <a:pos x="connsiteX8" y="connsiteY8"/>
+              </a:cxn>
+              <a:cxn ang="0">
+                <a:pos x="connsiteX9" y="connsiteY9"/>
+              </a:cxn>
+              <a:cxn ang="0">
+                <a:pos x="connsiteX10" y="connsiteY10"/>
+              </a:cxn>
+              <a:cxn ang="0">
+                <a:pos x="connsiteX11" y="connsiteY11"/>
+              </a:cxn>
+              <a:cxn ang="0">
+                <a:pos x="connsiteX12" y="connsiteY12"/>
+              </a:cxn>
+              <a:cxn ang="0">
+                <a:pos x="connsiteX13" y="connsiteY13"/>
+              </a:cxn>
+              <a:cxn ang="0">
+                <a:pos x="connsiteX14" y="connsiteY14"/>
+              </a:cxn>
+              <a:cxn ang="0">
+                <a:pos x="connsiteX15" y="connsiteY15"/>
+              </a:cxn>
+            </a:cxnLst>
+            <a:rect l="l" t="t" r="r" b="b"/>
+            <a:pathLst>
+              <a:path w="45720" h="81084">
+                <a:moveTo>
+                  <a:pt x="22860" y="0"/>
+                </a:moveTo>
+                <a:cubicBezTo>
+                  <a:pt x="35485" y="0"/>
+                  <a:pt x="45720" y="10235"/>
+                  <a:pt x="45720" y="22860"/>
+                </a:cubicBezTo>
+                <a:cubicBezTo>
+                  <a:pt x="45720" y="29173"/>
+                  <a:pt x="43161" y="34888"/>
+                  <a:pt x="39024" y="39025"/>
+                </a:cubicBezTo>
+                <a:lnTo>
+                  <a:pt x="24395" y="45084"/>
+                </a:lnTo>
+                <a:lnTo>
+                  <a:pt x="27659" y="45084"/>
+                </a:lnTo>
+                <a:cubicBezTo>
+                  <a:pt x="28984" y="45084"/>
+                  <a:pt x="30059" y="46159"/>
+                  <a:pt x="30059" y="47484"/>
+                </a:cubicBezTo>
+                <a:lnTo>
+                  <a:pt x="30059" y="78684"/>
+                </a:lnTo>
+                <a:cubicBezTo>
+                  <a:pt x="30059" y="80009"/>
+                  <a:pt x="28984" y="81084"/>
+                  <a:pt x="27659" y="81084"/>
+                </a:cubicBezTo>
+                <a:lnTo>
+                  <a:pt x="18059" y="81084"/>
+                </a:lnTo>
+                <a:cubicBezTo>
+                  <a:pt x="16734" y="81084"/>
+                  <a:pt x="15659" y="80009"/>
+                  <a:pt x="15659" y="78684"/>
+                </a:cubicBezTo>
+                <a:lnTo>
+                  <a:pt x="15659" y="47484"/>
+                </a:lnTo>
+                <a:cubicBezTo>
+                  <a:pt x="15659" y="46159"/>
+                  <a:pt x="16734" y="45084"/>
+                  <a:pt x="18059" y="45084"/>
+                </a:cubicBezTo>
+                <a:lnTo>
+                  <a:pt x="21325" y="45084"/>
+                </a:lnTo>
+                <a:lnTo>
+                  <a:pt x="6696" y="39025"/>
+                </a:lnTo>
+                <a:cubicBezTo>
+                  <a:pt x="2559" y="34888"/>
+                  <a:pt x="0" y="29173"/>
+                  <a:pt x="0" y="22860"/>
+                </a:cubicBezTo>
+                <a:cubicBezTo>
+                  <a:pt x="0" y="10235"/>
+                  <a:pt x="10235" y="0"/>
+                  <a:pt x="22860" y="0"/>
+                </a:cubicBezTo>
+                <a:close/>
+              </a:path>
+            </a:pathLst>
+          </a:custGeom>
+          <a:solidFill>
+            <a:schemeClr val="bg1"/>
+          </a:solidFill>
+          <a:ln w="3175">
+            <a:solidFill>
+              <a:schemeClr val="bg1"/>
+            </a:solidFill>
+          </a:ln>
+        </p:spPr>
+        <p:style>
+          <a:lnRef idx="2">
+            <a:schemeClr val="accent1">
+              <a:shade val="50000"/>
+            </a:schemeClr>
+          </a:lnRef>
+          <a:fillRef idx="1">
+            <a:schemeClr val="accent1"/>
+          </a:fillRef>
+          <a:effectRef idx="0">
+            <a:schemeClr val="accent1"/>
+          </a:effectRef>
+          <a:fontRef idx="minor">
+            <a:schemeClr val="lt1"/>
+          </a:fontRef>
+        </p:style>
+        <p:txBody>
+          <a:bodyPr rtlCol="0" anchor="ctr"/>
+          <a:lstStyle/>
+          <a:p>
+            <a:pPr algn="ctr"/>
+            <a:endParaRPr lang="en-US"/>
+          </a:p>
+        </p:txBody>
+      </p:sp>
+      <p:sp>
+        <p:nvSpPr>
+          <p:cNvPr id="29" name="Freeform 28"/>
+          <p:cNvSpPr/>
+          <p:nvPr/>
+        </p:nvSpPr>
+        <p:spPr>
+          <a:xfrm>
+            <a:off x="3928665" y="2821682"/>
+            <a:ext cx="45720" cy="81084"/>
+          </a:xfrm>
+          <a:custGeom>
+            <a:avLst/>
+            <a:gdLst>
+              <a:gd name="connsiteX0" fmla="*/ 22860 w 45720"/>
+              <a:gd name="connsiteY0" fmla="*/ 0 h 81084"/>
+              <a:gd name="connsiteX1" fmla="*/ 45720 w 45720"/>
+              <a:gd name="connsiteY1" fmla="*/ 22860 h 81084"/>
+              <a:gd name="connsiteX2" fmla="*/ 39024 w 45720"/>
+              <a:gd name="connsiteY2" fmla="*/ 39025 h 81084"/>
+              <a:gd name="connsiteX3" fmla="*/ 24395 w 45720"/>
+              <a:gd name="connsiteY3" fmla="*/ 45084 h 81084"/>
+              <a:gd name="connsiteX4" fmla="*/ 27659 w 45720"/>
+              <a:gd name="connsiteY4" fmla="*/ 45084 h 81084"/>
+              <a:gd name="connsiteX5" fmla="*/ 30059 w 45720"/>
+              <a:gd name="connsiteY5" fmla="*/ 47484 h 81084"/>
+              <a:gd name="connsiteX6" fmla="*/ 30059 w 45720"/>
+              <a:gd name="connsiteY6" fmla="*/ 78684 h 81084"/>
+              <a:gd name="connsiteX7" fmla="*/ 27659 w 45720"/>
+              <a:gd name="connsiteY7" fmla="*/ 81084 h 81084"/>
+              <a:gd name="connsiteX8" fmla="*/ 18059 w 45720"/>
+              <a:gd name="connsiteY8" fmla="*/ 81084 h 81084"/>
+              <a:gd name="connsiteX9" fmla="*/ 15659 w 45720"/>
+              <a:gd name="connsiteY9" fmla="*/ 78684 h 81084"/>
+              <a:gd name="connsiteX10" fmla="*/ 15659 w 45720"/>
+              <a:gd name="connsiteY10" fmla="*/ 47484 h 81084"/>
+              <a:gd name="connsiteX11" fmla="*/ 18059 w 45720"/>
+              <a:gd name="connsiteY11" fmla="*/ 45084 h 81084"/>
+              <a:gd name="connsiteX12" fmla="*/ 21325 w 45720"/>
+              <a:gd name="connsiteY12" fmla="*/ 45084 h 81084"/>
+              <a:gd name="connsiteX13" fmla="*/ 6696 w 45720"/>
+              <a:gd name="connsiteY13" fmla="*/ 39025 h 81084"/>
+              <a:gd name="connsiteX14" fmla="*/ 0 w 45720"/>
+              <a:gd name="connsiteY14" fmla="*/ 22860 h 81084"/>
+              <a:gd name="connsiteX15" fmla="*/ 22860 w 45720"/>
+              <a:gd name="connsiteY15" fmla="*/ 0 h 81084"/>
+            </a:gdLst>
+            <a:ahLst/>
+            <a:cxnLst>
+              <a:cxn ang="0">
+                <a:pos x="connsiteX0" y="connsiteY0"/>
+              </a:cxn>
+              <a:cxn ang="0">
+                <a:pos x="connsiteX1" y="connsiteY1"/>
+              </a:cxn>
+              <a:cxn ang="0">
+                <a:pos x="connsiteX2" y="connsiteY2"/>
+              </a:cxn>
+              <a:cxn ang="0">
+                <a:pos x="connsiteX3" y="connsiteY3"/>
+              </a:cxn>
+              <a:cxn ang="0">
+                <a:pos x="connsiteX4" y="connsiteY4"/>
+              </a:cxn>
+              <a:cxn ang="0">
+                <a:pos x="connsiteX5" y="connsiteY5"/>
+              </a:cxn>
+              <a:cxn ang="0">
+                <a:pos x="connsiteX6" y="connsiteY6"/>
+              </a:cxn>
+              <a:cxn ang="0">
+                <a:pos x="connsiteX7" y="connsiteY7"/>
+              </a:cxn>
+              <a:cxn ang="0">
+                <a:pos x="connsiteX8" y="connsiteY8"/>
+              </a:cxn>
+              <a:cxn ang="0">
+                <a:pos x="connsiteX9" y="connsiteY9"/>
+              </a:cxn>
+              <a:cxn ang="0">
+                <a:pos x="connsiteX10" y="connsiteY10"/>
+              </a:cxn>
+              <a:cxn ang="0">
+                <a:pos x="connsiteX11" y="connsiteY11"/>
+              </a:cxn>
+              <a:cxn ang="0">
+                <a:pos x="connsiteX12" y="connsiteY12"/>
+              </a:cxn>
+              <a:cxn ang="0">
+                <a:pos x="connsiteX13" y="connsiteY13"/>
+              </a:cxn>
+              <a:cxn ang="0">
+                <a:pos x="connsiteX14" y="connsiteY14"/>
+              </a:cxn>
+              <a:cxn ang="0">
+                <a:pos x="connsiteX15" y="connsiteY15"/>
+              </a:cxn>
+            </a:cxnLst>
+            <a:rect l="l" t="t" r="r" b="b"/>
+            <a:pathLst>
+              <a:path w="45720" h="81084">
+                <a:moveTo>
+                  <a:pt x="22860" y="0"/>
+                </a:moveTo>
+                <a:cubicBezTo>
+                  <a:pt x="35485" y="0"/>
+                  <a:pt x="45720" y="10235"/>
+                  <a:pt x="45720" y="22860"/>
+                </a:cubicBezTo>
+                <a:cubicBezTo>
+                  <a:pt x="45720" y="29173"/>
+                  <a:pt x="43161" y="34888"/>
+                  <a:pt x="39024" y="39025"/>
+                </a:cubicBezTo>
+                <a:lnTo>
+                  <a:pt x="24395" y="45084"/>
+                </a:lnTo>
+                <a:lnTo>
+                  <a:pt x="27659" y="45084"/>
+                </a:lnTo>
+                <a:cubicBezTo>
+                  <a:pt x="28984" y="45084"/>
+                  <a:pt x="30059" y="46159"/>
+                  <a:pt x="30059" y="47484"/>
+                </a:cubicBezTo>
+                <a:lnTo>
+                  <a:pt x="30059" y="78684"/>
+                </a:lnTo>
+                <a:cubicBezTo>
+                  <a:pt x="30059" y="80009"/>
+                  <a:pt x="28984" y="81084"/>
+                  <a:pt x="27659" y="81084"/>
+                </a:cubicBezTo>
+                <a:lnTo>
+                  <a:pt x="18059" y="81084"/>
+                </a:lnTo>
+                <a:cubicBezTo>
+                  <a:pt x="16734" y="81084"/>
+                  <a:pt x="15659" y="80009"/>
+                  <a:pt x="15659" y="78684"/>
+                </a:cubicBezTo>
+                <a:lnTo>
+                  <a:pt x="15659" y="47484"/>
+                </a:lnTo>
+                <a:cubicBezTo>
+                  <a:pt x="15659" y="46159"/>
+                  <a:pt x="16734" y="45084"/>
+                  <a:pt x="18059" y="45084"/>
+                </a:cubicBezTo>
+                <a:lnTo>
+                  <a:pt x="21325" y="45084"/>
+                </a:lnTo>
+                <a:lnTo>
+                  <a:pt x="6696" y="39025"/>
+                </a:lnTo>
+                <a:cubicBezTo>
+                  <a:pt x="2559" y="34888"/>
+                  <a:pt x="0" y="29173"/>
+                  <a:pt x="0" y="22860"/>
+                </a:cubicBezTo>
+                <a:cubicBezTo>
+                  <a:pt x="0" y="10235"/>
+                  <a:pt x="10235" y="0"/>
+                  <a:pt x="22860" y="0"/>
+                </a:cubicBezTo>
+                <a:close/>
+              </a:path>
+            </a:pathLst>
+          </a:custGeom>
+          <a:solidFill>
+            <a:schemeClr val="bg1"/>
+          </a:solidFill>
+          <a:ln w="3175">
+            <a:solidFill>
+              <a:schemeClr val="bg1"/>
+            </a:solidFill>
+          </a:ln>
+        </p:spPr>
+        <p:style>
+          <a:lnRef idx="2">
+            <a:schemeClr val="accent1">
+              <a:shade val="50000"/>
+            </a:schemeClr>
+          </a:lnRef>
+          <a:fillRef idx="1">
+            <a:schemeClr val="accent1"/>
+          </a:fillRef>
+          <a:effectRef idx="0">
+            <a:schemeClr val="accent1"/>
+          </a:effectRef>
+          <a:fontRef idx="minor">
+            <a:schemeClr val="lt1"/>
+          </a:fontRef>
+        </p:style>
+        <p:txBody>
+          <a:bodyPr rtlCol="0" anchor="ctr"/>
+          <a:lstStyle/>
+          <a:p>
+            <a:pPr algn="ctr"/>
+            <a:endParaRPr lang="en-US"/>
+          </a:p>
+        </p:txBody>
+      </p:sp>
+      <p:sp>
+        <p:nvSpPr>
+          <p:cNvPr id="35" name="Rounded Rectangle 76"/>
+          <p:cNvSpPr>
+            <a:spLocks noChangeAspect="1"/>
+          </p:cNvSpPr>
+          <p:nvPr/>
+        </p:nvSpPr>
+        <p:spPr>
+          <a:xfrm>
+            <a:off x="3808785" y="2790971"/>
+            <a:ext cx="331200" cy="158214"/>
+          </a:xfrm>
+          <a:prstGeom prst="roundRect">
+            <a:avLst/>
+          </a:prstGeom>
+          <a:solidFill>
+            <a:srgbClr val="F79645"/>
+          </a:solidFill>
+          <a:ln w="9525">
+            <a:solidFill>
+              <a:srgbClr val="F79645"/>
+            </a:solidFill>
+          </a:ln>
+        </p:spPr>
+        <p:style>
+          <a:lnRef idx="2">
+            <a:schemeClr val="accent1">
+              <a:shade val="50000"/>
+            </a:schemeClr>
+          </a:lnRef>
+          <a:fillRef idx="1">
+            <a:schemeClr val="accent1"/>
+          </a:fillRef>
+          <a:effectRef idx="0">
+            <a:schemeClr val="accent1"/>
+          </a:effectRef>
+          <a:fontRef idx="minor">
+            <a:schemeClr val="lt1"/>
+          </a:fontRef>
+        </p:style>
+        <p:txBody>
+          <a:bodyPr tIns="25200" rtlCol="0" anchor="ctr" anchorCtr="0"/>
+          <a:lstStyle/>
+          <a:p>
+            <a:pPr algn="ctr"/>
+            <a:endParaRPr lang="en-US" sz="800" dirty="0">
+              <a:solidFill>
+                <a:srgbClr val="0070C0"/>
+              </a:solidFill>
+            </a:endParaRPr>
+          </a:p>
+        </p:txBody>
+      </p:sp>
+      <p:sp>
+        <p:nvSpPr>
+          <p:cNvPr id="36" name="Arc 35"/>
+          <p:cNvSpPr>
+            <a:spLocks/>
+          </p:cNvSpPr>
+          <p:nvPr/>
+        </p:nvSpPr>
+        <p:spPr>
+          <a:xfrm>
+            <a:off x="3853858" y="2622179"/>
+            <a:ext cx="238125" cy="331200"/>
+          </a:xfrm>
+          <a:prstGeom prst="arc">
+            <a:avLst>
+              <a:gd name="adj1" fmla="val 10860918"/>
+              <a:gd name="adj2" fmla="val 19231020"/>
+            </a:avLst>
+          </a:prstGeom>
+          <a:ln w="28575">
+            <a:solidFill>
+              <a:srgbClr val="0070C0"/>
+            </a:solidFill>
+          </a:ln>
+        </p:spPr>
+        <p:style>
+          <a:lnRef idx="1">
+            <a:schemeClr val="accent1"/>
+          </a:lnRef>
+          <a:fillRef idx="0">
+            <a:schemeClr val="accent1"/>
+          </a:fillRef>
+          <a:effectRef idx="0">
+            <a:schemeClr val="accent1"/>
+          </a:effectRef>
+          <a:fontRef idx="minor">
+            <a:schemeClr val="tx1"/>
+          </a:fontRef>
+        </p:style>
+        <p:txBody>
+          <a:bodyPr rtlCol="0" anchor="ctr"/>
+          <a:lstStyle/>
+          <a:p>
+            <a:pPr algn="ctr"/>
+            <a:endParaRPr lang="en-US"/>
+          </a:p>
+        </p:txBody>
+      </p:sp>
+      <p:sp>
+        <p:nvSpPr>
+          <p:cNvPr id="37" name="Freeform 36"/>
+          <p:cNvSpPr/>
+          <p:nvPr/>
+        </p:nvSpPr>
+        <p:spPr>
+          <a:xfrm>
+            <a:off x="3951525" y="2829536"/>
+            <a:ext cx="45720" cy="81084"/>
+          </a:xfrm>
+          <a:custGeom>
+            <a:avLst/>
+            <a:gdLst>
+              <a:gd name="connsiteX0" fmla="*/ 22860 w 45720"/>
+              <a:gd name="connsiteY0" fmla="*/ 0 h 81084"/>
+              <a:gd name="connsiteX1" fmla="*/ 45720 w 45720"/>
+              <a:gd name="connsiteY1" fmla="*/ 22860 h 81084"/>
+              <a:gd name="connsiteX2" fmla="*/ 39024 w 45720"/>
+              <a:gd name="connsiteY2" fmla="*/ 39025 h 81084"/>
+              <a:gd name="connsiteX3" fmla="*/ 24395 w 45720"/>
+              <a:gd name="connsiteY3" fmla="*/ 45084 h 81084"/>
+              <a:gd name="connsiteX4" fmla="*/ 27659 w 45720"/>
+              <a:gd name="connsiteY4" fmla="*/ 45084 h 81084"/>
+              <a:gd name="connsiteX5" fmla="*/ 30059 w 45720"/>
+              <a:gd name="connsiteY5" fmla="*/ 47484 h 81084"/>
+              <a:gd name="connsiteX6" fmla="*/ 30059 w 45720"/>
+              <a:gd name="connsiteY6" fmla="*/ 78684 h 81084"/>
+              <a:gd name="connsiteX7" fmla="*/ 27659 w 45720"/>
+              <a:gd name="connsiteY7" fmla="*/ 81084 h 81084"/>
+              <a:gd name="connsiteX8" fmla="*/ 18059 w 45720"/>
+              <a:gd name="connsiteY8" fmla="*/ 81084 h 81084"/>
+              <a:gd name="connsiteX9" fmla="*/ 15659 w 45720"/>
+              <a:gd name="connsiteY9" fmla="*/ 78684 h 81084"/>
+              <a:gd name="connsiteX10" fmla="*/ 15659 w 45720"/>
+              <a:gd name="connsiteY10" fmla="*/ 47484 h 81084"/>
+              <a:gd name="connsiteX11" fmla="*/ 18059 w 45720"/>
+              <a:gd name="connsiteY11" fmla="*/ 45084 h 81084"/>
+              <a:gd name="connsiteX12" fmla="*/ 21325 w 45720"/>
+              <a:gd name="connsiteY12" fmla="*/ 45084 h 81084"/>
+              <a:gd name="connsiteX13" fmla="*/ 6696 w 45720"/>
+              <a:gd name="connsiteY13" fmla="*/ 39025 h 81084"/>
+              <a:gd name="connsiteX14" fmla="*/ 0 w 45720"/>
+              <a:gd name="connsiteY14" fmla="*/ 22860 h 81084"/>
+              <a:gd name="connsiteX15" fmla="*/ 22860 w 45720"/>
+              <a:gd name="connsiteY15" fmla="*/ 0 h 81084"/>
+            </a:gdLst>
+            <a:ahLst/>
+            <a:cxnLst>
+              <a:cxn ang="0">
+                <a:pos x="connsiteX0" y="connsiteY0"/>
+              </a:cxn>
+              <a:cxn ang="0">
+                <a:pos x="connsiteX1" y="connsiteY1"/>
+              </a:cxn>
+              <a:cxn ang="0">
+                <a:pos x="connsiteX2" y="connsiteY2"/>
+              </a:cxn>
+              <a:cxn ang="0">
+                <a:pos x="connsiteX3" y="connsiteY3"/>
+              </a:cxn>
+              <a:cxn ang="0">
+                <a:pos x="connsiteX4" y="connsiteY4"/>
+              </a:cxn>
+              <a:cxn ang="0">
+                <a:pos x="connsiteX5" y="connsiteY5"/>
+              </a:cxn>
+              <a:cxn ang="0">
+                <a:pos x="connsiteX6" y="connsiteY6"/>
+              </a:cxn>
+              <a:cxn ang="0">
+                <a:pos x="connsiteX7" y="connsiteY7"/>
+              </a:cxn>
+              <a:cxn ang="0">
+                <a:pos x="connsiteX8" y="connsiteY8"/>
+              </a:cxn>
+              <a:cxn ang="0">
+                <a:pos x="connsiteX9" y="connsiteY9"/>
+              </a:cxn>
+              <a:cxn ang="0">
+                <a:pos x="connsiteX10" y="connsiteY10"/>
+              </a:cxn>
+              <a:cxn ang="0">
+                <a:pos x="connsiteX11" y="connsiteY11"/>
+              </a:cxn>
+              <a:cxn ang="0">
+                <a:pos x="connsiteX12" y="connsiteY12"/>
+              </a:cxn>
+              <a:cxn ang="0">
+                <a:pos x="connsiteX13" y="connsiteY13"/>
+              </a:cxn>
+              <a:cxn ang="0">
+                <a:pos x="connsiteX14" y="connsiteY14"/>
+              </a:cxn>
+              <a:cxn ang="0">
+                <a:pos x="connsiteX15" y="connsiteY15"/>
+              </a:cxn>
+            </a:cxnLst>
+            <a:rect l="l" t="t" r="r" b="b"/>
+            <a:pathLst>
+              <a:path w="45720" h="81084">
+                <a:moveTo>
+                  <a:pt x="22860" y="0"/>
+                </a:moveTo>
+                <a:cubicBezTo>
+                  <a:pt x="35485" y="0"/>
+                  <a:pt x="45720" y="10235"/>
+                  <a:pt x="45720" y="22860"/>
+                </a:cubicBezTo>
+                <a:cubicBezTo>
+                  <a:pt x="45720" y="29173"/>
+                  <a:pt x="43161" y="34888"/>
+                  <a:pt x="39024" y="39025"/>
+                </a:cubicBezTo>
+                <a:lnTo>
+                  <a:pt x="24395" y="45084"/>
+                </a:lnTo>
+                <a:lnTo>
+                  <a:pt x="27659" y="45084"/>
+                </a:lnTo>
+                <a:cubicBezTo>
+                  <a:pt x="28984" y="45084"/>
+                  <a:pt x="30059" y="46159"/>
+                  <a:pt x="30059" y="47484"/>
+                </a:cubicBezTo>
+                <a:lnTo>
+                  <a:pt x="30059" y="78684"/>
+                </a:lnTo>
+                <a:cubicBezTo>
+                  <a:pt x="30059" y="80009"/>
+                  <a:pt x="28984" y="81084"/>
+                  <a:pt x="27659" y="81084"/>
+                </a:cubicBezTo>
+                <a:lnTo>
+                  <a:pt x="18059" y="81084"/>
+                </a:lnTo>
+                <a:cubicBezTo>
+                  <a:pt x="16734" y="81084"/>
+                  <a:pt x="15659" y="80009"/>
+                  <a:pt x="15659" y="78684"/>
+                </a:cubicBezTo>
+                <a:lnTo>
+                  <a:pt x="15659" y="47484"/>
+                </a:lnTo>
+                <a:cubicBezTo>
+                  <a:pt x="15659" y="46159"/>
+                  <a:pt x="16734" y="45084"/>
+                  <a:pt x="18059" y="45084"/>
+                </a:cubicBezTo>
+                <a:lnTo>
+                  <a:pt x="21325" y="45084"/>
+                </a:lnTo>
+                <a:lnTo>
+                  <a:pt x="6696" y="39025"/>
+                </a:lnTo>
+                <a:cubicBezTo>
+                  <a:pt x="2559" y="34888"/>
+                  <a:pt x="0" y="29173"/>
+                  <a:pt x="0" y="22860"/>
+                </a:cubicBezTo>
+                <a:cubicBezTo>
+                  <a:pt x="0" y="10235"/>
+                  <a:pt x="10235" y="0"/>
+                  <a:pt x="22860" y="0"/>
+                </a:cubicBezTo>
+                <a:close/>
+              </a:path>
+            </a:pathLst>
+          </a:custGeom>
+          <a:solidFill>
+            <a:schemeClr val="bg1"/>
+          </a:solidFill>
+          <a:ln w="3175">
+            <a:solidFill>
+              <a:schemeClr val="bg1"/>
+            </a:solidFill>
+          </a:ln>
+        </p:spPr>
+        <p:style>
+          <a:lnRef idx="2">
+            <a:schemeClr val="accent1">
+              <a:shade val="50000"/>
+            </a:schemeClr>
+          </a:lnRef>
+          <a:fillRef idx="1">
+            <a:schemeClr val="accent1"/>
+          </a:fillRef>
+          <a:effectRef idx="0">
+            <a:schemeClr val="accent1"/>
+          </a:effectRef>
+          <a:fontRef idx="minor">
+            <a:schemeClr val="lt1"/>
+          </a:fontRef>
+        </p:style>
+        <p:txBody>
+          <a:bodyPr rtlCol="0" anchor="ctr"/>
+          <a:lstStyle/>
+          <a:p>
+            <a:pPr algn="ctr"/>
+            <a:endParaRPr lang="en-US"/>
+          </a:p>
+        </p:txBody>
+      </p:sp>
+      <p:grpSp>
+        <p:nvGrpSpPr>
+          <p:cNvPr id="52" name="Group 51"/>
+          <p:cNvGrpSpPr/>
+          <p:nvPr/>
+        </p:nvGrpSpPr>
+        <p:grpSpPr>
+          <a:xfrm>
+            <a:off x="6885579" y="2677320"/>
+            <a:ext cx="259211" cy="321096"/>
+            <a:chOff x="6885579" y="2677320"/>
+            <a:chExt cx="259211" cy="321096"/>
+          </a:xfrm>
+        </p:grpSpPr>
+        <p:sp>
+          <p:nvSpPr>
+            <p:cNvPr id="48" name="Arc 47"/>
+            <p:cNvSpPr>
+              <a:spLocks noChangeAspect="1"/>
+            </p:cNvSpPr>
+            <p:nvPr/>
+          </p:nvSpPr>
+          <p:spPr>
+            <a:xfrm rot="574443">
+              <a:off x="6885579" y="2784400"/>
+              <a:ext cx="214016" cy="214016"/>
+            </a:xfrm>
+            <a:prstGeom prst="arc">
+              <a:avLst>
+                <a:gd name="adj1" fmla="val 18889809"/>
+                <a:gd name="adj2" fmla="val 10574258"/>
+              </a:avLst>
+            </a:prstGeom>
+            <a:ln w="57150" cap="sq">
+              <a:solidFill>
+                <a:schemeClr val="accent6"/>
+              </a:solidFill>
+              <a:headEnd type="none" w="med" len="med"/>
+              <a:tailEnd type="none" w="med" len="med"/>
+            </a:ln>
+          </p:spPr>
+          <p:style>
+            <a:lnRef idx="1">
+              <a:schemeClr val="accent1"/>
+            </a:lnRef>
+            <a:fillRef idx="0">
+              <a:schemeClr val="accent1"/>
+            </a:fillRef>
+            <a:effectRef idx="0">
+              <a:schemeClr val="accent1"/>
+            </a:effectRef>
+            <a:fontRef idx="minor">
+              <a:schemeClr val="tx1"/>
+            </a:fontRef>
+          </p:style>
+          <p:txBody>
+            <a:bodyPr rtlCol="0" anchor="ctr"/>
+            <a:lstStyle/>
+            <a:p>
+              <a:pPr algn="ctr"/>
+              <a:endParaRPr lang="en-SG">
+                <a:solidFill>
+                  <a:srgbClr val="0070C0"/>
+                </a:solidFill>
+              </a:endParaRPr>
+            </a:p>
+          </p:txBody>
+        </p:sp>
+        <p:sp>
+          <p:nvSpPr>
+            <p:cNvPr id="49" name="Isosceles Triangle 48"/>
+            <p:cNvSpPr/>
+            <p:nvPr/>
+          </p:nvSpPr>
+          <p:spPr>
+            <a:xfrm rot="19672056">
+              <a:off x="6943190" y="2677320"/>
+              <a:ext cx="201600" cy="190800"/>
+            </a:xfrm>
+            <a:prstGeom prst="triangle">
+              <a:avLst/>
+            </a:prstGeom>
+            <a:solidFill>
+              <a:schemeClr val="accent6"/>
+            </a:solidFill>
+            <a:ln>
+              <a:noFill/>
+            </a:ln>
+          </p:spPr>
+          <p:style>
+            <a:lnRef idx="2">
+              <a:schemeClr val="accent1">
+                <a:shade val="50000"/>
+              </a:schemeClr>
+            </a:lnRef>
+            <a:fillRef idx="1">
+              <a:schemeClr val="accent1"/>
+            </a:fillRef>
+            <a:effectRef idx="0">
+              <a:schemeClr val="accent1"/>
+            </a:effectRef>
+            <a:fontRef idx="minor">
+              <a:schemeClr val="lt1"/>
+            </a:fontRef>
+          </p:style>
+          <p:txBody>
+            <a:bodyPr rtlCol="0" anchor="ctr"/>
+            <a:lstStyle/>
+            <a:p>
+              <a:pPr algn="ctr"/>
+              <a:endParaRPr lang="en-SG">
+                <a:solidFill>
+                  <a:srgbClr val="0070C0"/>
+                </a:solidFill>
+              </a:endParaRPr>
+            </a:p>
+          </p:txBody>
+        </p:sp>
+      </p:grpSp>
     </p:spTree>
     <p:extLst>
       <p:ext uri="{BB962C8B-B14F-4D97-AF65-F5344CB8AC3E}">
@@ -11168,6 +14509,13 @@
   <p:clrMapOvr>
     <a:masterClrMapping/>
   </p:clrMapOvr>
+  <p:timing>
+    <p:tnLst>
+      <p:par>
+        <p:cTn id="1" dur="indefinite" restart="never" nodeType="tmRoot"/>
+      </p:par>
+    </p:tnLst>
+  </p:timing>
 </p:sld>
 </file>
 

--- a/doc/Icons-ResizeLab.pptx
+++ b/doc/Icons-ResizeLab.pptx
@@ -5866,23 +5866,165 @@
           </a:fontRef>
         </p:style>
       </p:cxnSp>
+      <p:sp>
+        <p:nvSpPr>
+          <p:cNvPr id="58" name="Rounded Rectangle 57"/>
+          <p:cNvSpPr>
+            <a:spLocks/>
+          </p:cNvSpPr>
+          <p:nvPr/>
+        </p:nvSpPr>
+        <p:spPr>
+          <a:xfrm>
+            <a:off x="2231449" y="5478413"/>
+            <a:ext cx="187199" cy="89804"/>
+          </a:xfrm>
+          <a:prstGeom prst="roundRect">
+            <a:avLst/>
+          </a:prstGeom>
+          <a:solidFill>
+            <a:srgbClr val="F79645"/>
+          </a:solidFill>
+          <a:ln w="9525">
+            <a:solidFill>
+              <a:srgbClr val="F7974B"/>
+            </a:solidFill>
+          </a:ln>
+        </p:spPr>
+        <p:style>
+          <a:lnRef idx="2">
+            <a:schemeClr val="accent1">
+              <a:shade val="50000"/>
+            </a:schemeClr>
+          </a:lnRef>
+          <a:fillRef idx="1">
+            <a:schemeClr val="accent1"/>
+          </a:fillRef>
+          <a:effectRef idx="0">
+            <a:schemeClr val="accent1"/>
+          </a:effectRef>
+          <a:fontRef idx="minor">
+            <a:schemeClr val="lt1"/>
+          </a:fontRef>
+        </p:style>
+        <p:txBody>
+          <a:bodyPr tIns="25200" rtlCol="0" anchor="ctr" anchorCtr="0"/>
+          <a:lstStyle/>
+          <a:p>
+            <a:pPr algn="ctr"/>
+            <a:endParaRPr lang="en-US" sz="800" dirty="0">
+              <a:solidFill>
+                <a:srgbClr val="0070C0"/>
+              </a:solidFill>
+            </a:endParaRPr>
+          </a:p>
+        </p:txBody>
+      </p:sp>
+      <p:sp>
+        <p:nvSpPr>
+          <p:cNvPr id="67" name="Rounded Rectangle 66"/>
+          <p:cNvSpPr>
+            <a:spLocks/>
+          </p:cNvSpPr>
+          <p:nvPr/>
+        </p:nvSpPr>
+        <p:spPr>
+          <a:xfrm>
+            <a:off x="2101211" y="5641858"/>
+            <a:ext cx="176400" cy="84623"/>
+          </a:xfrm>
+          <a:prstGeom prst="roundRect">
+            <a:avLst/>
+          </a:prstGeom>
+          <a:solidFill>
+            <a:srgbClr val="0070C0"/>
+          </a:solidFill>
+          <a:ln w="9525">
+            <a:solidFill>
+              <a:srgbClr val="0070C0"/>
+            </a:solidFill>
+          </a:ln>
+        </p:spPr>
+        <p:style>
+          <a:lnRef idx="2">
+            <a:schemeClr val="accent1">
+              <a:shade val="50000"/>
+            </a:schemeClr>
+          </a:lnRef>
+          <a:fillRef idx="1">
+            <a:schemeClr val="accent1"/>
+          </a:fillRef>
+          <a:effectRef idx="0">
+            <a:schemeClr val="accent1"/>
+          </a:effectRef>
+          <a:fontRef idx="minor">
+            <a:schemeClr val="lt1"/>
+          </a:fontRef>
+        </p:style>
+        <p:txBody>
+          <a:bodyPr rtlCol="0" anchor="ctr"/>
+          <a:lstStyle/>
+          <a:p>
+            <a:pPr algn="ctr"/>
+            <a:endParaRPr lang="en-US" dirty="0"/>
+          </a:p>
+        </p:txBody>
+      </p:sp>
+      <p:cxnSp>
+        <p:nvCxnSpPr>
+          <p:cNvPr id="68" name="Straight Connector 67"/>
+          <p:cNvCxnSpPr>
+            <a:cxnSpLocks/>
+          </p:cNvCxnSpPr>
+          <p:nvPr/>
+        </p:nvCxnSpPr>
+        <p:spPr>
+          <a:xfrm flipH="1">
+            <a:off x="2425919" y="5449138"/>
+            <a:ext cx="3236" cy="327600"/>
+          </a:xfrm>
+          <a:prstGeom prst="line">
+            <a:avLst/>
+          </a:prstGeom>
+          <a:ln w="9525">
+            <a:solidFill>
+              <a:srgbClr val="0070C0"/>
+            </a:solidFill>
+            <a:prstDash val="solid"/>
+          </a:ln>
+        </p:spPr>
+        <p:style>
+          <a:lnRef idx="1">
+            <a:schemeClr val="accent1"/>
+          </a:lnRef>
+          <a:fillRef idx="0">
+            <a:schemeClr val="accent1"/>
+          </a:fillRef>
+          <a:effectRef idx="0">
+            <a:schemeClr val="accent1"/>
+          </a:effectRef>
+          <a:fontRef idx="minor">
+            <a:schemeClr val="tx1"/>
+          </a:fontRef>
+        </p:style>
+      </p:cxnSp>
       <p:grpSp>
         <p:nvGrpSpPr>
-          <p:cNvPr id="9" name="Group 8"/>
+          <p:cNvPr id="13" name="Group 12"/>
           <p:cNvGrpSpPr/>
           <p:nvPr/>
         </p:nvGrpSpPr>
         <p:grpSpPr>
           <a:xfrm>
-            <a:off x="2152011" y="5449138"/>
-            <a:ext cx="277144" cy="327600"/>
-            <a:chOff x="2152011" y="5449138"/>
-            <a:chExt cx="277144" cy="327600"/>
+            <a:off x="1942400" y="1718929"/>
+            <a:ext cx="289841" cy="327600"/>
+            <a:chOff x="1942400" y="1718929"/>
+            <a:chExt cx="289841" cy="327600"/>
           </a:xfrm>
         </p:grpSpPr>
         <p:sp>
           <p:nvSpPr>
-            <p:cNvPr id="58" name="Rounded Rectangle 57"/>
+            <p:cNvPr id="54" name="Rounded Rectangle 53"/>
             <p:cNvSpPr>
               <a:spLocks noChangeAspect="1"/>
             </p:cNvSpPr>
@@ -5890,7 +6032,7 @@
           </p:nvSpPr>
           <p:spPr>
             <a:xfrm>
-              <a:off x="2231449" y="5478413"/>
+              <a:off x="1954305" y="1748204"/>
               <a:ext cx="187199" cy="89804"/>
             </a:xfrm>
             <a:prstGeom prst="roundRect">
@@ -5936,7 +6078,7 @@
         </p:sp>
         <p:sp>
           <p:nvSpPr>
-            <p:cNvPr id="67" name="Rounded Rectangle 66"/>
+            <p:cNvPr id="55" name="Rounded Rectangle 54"/>
             <p:cNvSpPr>
               <a:spLocks noChangeAspect="1"/>
             </p:cNvSpPr>
@@ -5944,7 +6086,7 @@
           </p:nvSpPr>
           <p:spPr>
             <a:xfrm>
-              <a:off x="2152011" y="5641858"/>
+              <a:off x="2055841" y="1911649"/>
               <a:ext cx="176400" cy="84623"/>
             </a:xfrm>
             <a:prstGeom prst="roundRect">
@@ -5986,7 +6128,7 @@
         </p:sp>
         <p:cxnSp>
           <p:nvCxnSpPr>
-            <p:cNvPr id="68" name="Straight Connector 67"/>
+            <p:cNvPr id="66" name="Straight Connector 65"/>
             <p:cNvCxnSpPr>
               <a:cxnSpLocks/>
             </p:cNvCxnSpPr>
@@ -5994,7 +6136,7 @@
           </p:nvCxnSpPr>
           <p:spPr>
             <a:xfrm flipH="1">
-              <a:off x="2425919" y="5449138"/>
+              <a:off x="1942400" y="1718929"/>
               <a:ext cx="3236" cy="327600"/>
             </a:xfrm>
             <a:prstGeom prst="line">
@@ -6024,14 +6166,14 @@
         </p:cxnSp>
         <p:cxnSp>
           <p:nvCxnSpPr>
-            <p:cNvPr id="69" name="Straight Arrow Connector 68"/>
+            <p:cNvPr id="70" name="Straight Arrow Connector 69"/>
             <p:cNvCxnSpPr/>
             <p:nvPr/>
           </p:nvCxnSpPr>
           <p:spPr>
-            <a:xfrm rot="10800000" flipH="1">
-              <a:off x="2332318" y="5683553"/>
-              <a:ext cx="90000" cy="0"/>
+            <a:xfrm flipH="1" flipV="1">
+              <a:off x="1949606" y="1953344"/>
+              <a:ext cx="108000" cy="617"/>
             </a:xfrm>
             <a:prstGeom prst="straightConnector1">
               <a:avLst/>
@@ -6063,15 +6205,15 @@
       </p:grpSp>
       <p:sp>
         <p:nvSpPr>
-          <p:cNvPr id="54" name="Rounded Rectangle 53"/>
+          <p:cNvPr id="72" name="Rounded Rectangle 71"/>
           <p:cNvSpPr>
-            <a:spLocks noChangeAspect="1"/>
+            <a:spLocks/>
           </p:cNvSpPr>
           <p:nvPr/>
         </p:nvSpPr>
         <p:spPr>
           <a:xfrm>
-            <a:off x="1954305" y="1679152"/>
+            <a:off x="6062460" y="2565367"/>
             <a:ext cx="187199" cy="89804"/>
           </a:xfrm>
           <a:prstGeom prst="roundRect">
@@ -6117,15 +6259,299 @@
       </p:sp>
       <p:sp>
         <p:nvSpPr>
-          <p:cNvPr id="55" name="Rounded Rectangle 54"/>
+          <p:cNvPr id="73" name="Rounded Rectangle 72"/>
           <p:cNvSpPr>
-            <a:spLocks noChangeAspect="1"/>
+            <a:spLocks/>
           </p:cNvSpPr>
           <p:nvPr/>
         </p:nvSpPr>
         <p:spPr>
           <a:xfrm>
-            <a:off x="2055841" y="1842597"/>
+            <a:off x="5968735" y="2797074"/>
+            <a:ext cx="183600" cy="88077"/>
+          </a:xfrm>
+          <a:prstGeom prst="roundRect">
+            <a:avLst/>
+          </a:prstGeom>
+          <a:solidFill>
+            <a:srgbClr val="0070C0"/>
+          </a:solidFill>
+          <a:ln w="9525">
+            <a:solidFill>
+              <a:srgbClr val="0070C0"/>
+            </a:solidFill>
+          </a:ln>
+        </p:spPr>
+        <p:style>
+          <a:lnRef idx="2">
+            <a:schemeClr val="accent1">
+              <a:shade val="50000"/>
+            </a:schemeClr>
+          </a:lnRef>
+          <a:fillRef idx="1">
+            <a:schemeClr val="accent1"/>
+          </a:fillRef>
+          <a:effectRef idx="0">
+            <a:schemeClr val="accent1"/>
+          </a:effectRef>
+          <a:fontRef idx="minor">
+            <a:schemeClr val="lt1"/>
+          </a:fontRef>
+        </p:style>
+        <p:txBody>
+          <a:bodyPr rtlCol="0" anchor="ctr"/>
+          <a:lstStyle/>
+          <a:p>
+            <a:pPr algn="ctr"/>
+            <a:endParaRPr lang="en-US" dirty="0"/>
+          </a:p>
+        </p:txBody>
+      </p:sp>
+      <p:cxnSp>
+        <p:nvCxnSpPr>
+          <p:cNvPr id="74" name="Straight Connector 73"/>
+          <p:cNvCxnSpPr>
+            <a:cxnSpLocks/>
+          </p:cNvCxnSpPr>
+          <p:nvPr/>
+        </p:nvCxnSpPr>
+        <p:spPr>
+          <a:xfrm rot="5400000" flipH="1">
+            <a:off x="6106731" y="2391418"/>
+            <a:ext cx="0" cy="331200"/>
+          </a:xfrm>
+          <a:prstGeom prst="line">
+            <a:avLst/>
+          </a:prstGeom>
+          <a:ln w="9525">
+            <a:solidFill>
+              <a:srgbClr val="0070C0"/>
+            </a:solidFill>
+            <a:prstDash val="solid"/>
+          </a:ln>
+        </p:spPr>
+        <p:style>
+          <a:lnRef idx="1">
+            <a:schemeClr val="accent1"/>
+          </a:lnRef>
+          <a:fillRef idx="0">
+            <a:schemeClr val="accent1"/>
+          </a:fillRef>
+          <a:effectRef idx="0">
+            <a:schemeClr val="accent1"/>
+          </a:effectRef>
+          <a:fontRef idx="minor">
+            <a:schemeClr val="tx1"/>
+          </a:fontRef>
+        </p:style>
+      </p:cxnSp>
+      <p:sp>
+        <p:nvSpPr>
+          <p:cNvPr id="77" name="Rounded Rectangle 76"/>
+          <p:cNvSpPr>
+            <a:spLocks/>
+          </p:cNvSpPr>
+          <p:nvPr/>
+        </p:nvSpPr>
+        <p:spPr>
+          <a:xfrm>
+            <a:off x="6181864" y="5321394"/>
+            <a:ext cx="187199" cy="89804"/>
+          </a:xfrm>
+          <a:prstGeom prst="roundRect">
+            <a:avLst/>
+          </a:prstGeom>
+          <a:solidFill>
+            <a:srgbClr val="F79645"/>
+          </a:solidFill>
+          <a:ln w="9525">
+            <a:solidFill>
+              <a:srgbClr val="F7974B"/>
+            </a:solidFill>
+          </a:ln>
+        </p:spPr>
+        <p:style>
+          <a:lnRef idx="2">
+            <a:schemeClr val="accent1">
+              <a:shade val="50000"/>
+            </a:schemeClr>
+          </a:lnRef>
+          <a:fillRef idx="1">
+            <a:schemeClr val="accent1"/>
+          </a:fillRef>
+          <a:effectRef idx="0">
+            <a:schemeClr val="accent1"/>
+          </a:effectRef>
+          <a:fontRef idx="minor">
+            <a:schemeClr val="lt1"/>
+          </a:fontRef>
+        </p:style>
+        <p:txBody>
+          <a:bodyPr tIns="25200" rtlCol="0" anchor="ctr" anchorCtr="0"/>
+          <a:lstStyle/>
+          <a:p>
+            <a:pPr algn="ctr"/>
+            <a:endParaRPr lang="en-US" sz="800" dirty="0">
+              <a:solidFill>
+                <a:srgbClr val="0070C0"/>
+              </a:solidFill>
+            </a:endParaRPr>
+          </a:p>
+        </p:txBody>
+      </p:sp>
+      <p:sp>
+        <p:nvSpPr>
+          <p:cNvPr id="78" name="Rounded Rectangle 77"/>
+          <p:cNvSpPr>
+            <a:spLocks/>
+          </p:cNvSpPr>
+          <p:nvPr/>
+        </p:nvSpPr>
+        <p:spPr>
+          <a:xfrm>
+            <a:off x="6088139" y="5092720"/>
+            <a:ext cx="183600" cy="88077"/>
+          </a:xfrm>
+          <a:prstGeom prst="roundRect">
+            <a:avLst/>
+          </a:prstGeom>
+          <a:solidFill>
+            <a:srgbClr val="0070C0"/>
+          </a:solidFill>
+          <a:ln w="9525">
+            <a:solidFill>
+              <a:srgbClr val="0070C0"/>
+            </a:solidFill>
+          </a:ln>
+        </p:spPr>
+        <p:style>
+          <a:lnRef idx="2">
+            <a:schemeClr val="accent1">
+              <a:shade val="50000"/>
+            </a:schemeClr>
+          </a:lnRef>
+          <a:fillRef idx="1">
+            <a:schemeClr val="accent1"/>
+          </a:fillRef>
+          <a:effectRef idx="0">
+            <a:schemeClr val="accent1"/>
+          </a:effectRef>
+          <a:fontRef idx="minor">
+            <a:schemeClr val="lt1"/>
+          </a:fontRef>
+        </p:style>
+        <p:txBody>
+          <a:bodyPr rtlCol="0" anchor="ctr"/>
+          <a:lstStyle/>
+          <a:p>
+            <a:pPr algn="ctr"/>
+            <a:endParaRPr lang="en-US" dirty="0"/>
+          </a:p>
+        </p:txBody>
+      </p:sp>
+      <p:cxnSp>
+        <p:nvCxnSpPr>
+          <p:cNvPr id="79" name="Straight Connector 78"/>
+          <p:cNvCxnSpPr>
+            <a:cxnSpLocks/>
+          </p:cNvCxnSpPr>
+          <p:nvPr/>
+        </p:nvCxnSpPr>
+        <p:spPr>
+          <a:xfrm rot="5400000" flipH="1">
+            <a:off x="6226135" y="5254600"/>
+            <a:ext cx="0" cy="331200"/>
+          </a:xfrm>
+          <a:prstGeom prst="line">
+            <a:avLst/>
+          </a:prstGeom>
+          <a:ln w="9525">
+            <a:solidFill>
+              <a:srgbClr val="0070C0"/>
+            </a:solidFill>
+            <a:prstDash val="solid"/>
+          </a:ln>
+        </p:spPr>
+        <p:style>
+          <a:lnRef idx="1">
+            <a:schemeClr val="accent1"/>
+          </a:lnRef>
+          <a:fillRef idx="0">
+            <a:schemeClr val="accent1"/>
+          </a:fillRef>
+          <a:effectRef idx="0">
+            <a:schemeClr val="accent1"/>
+          </a:effectRef>
+          <a:fontRef idx="minor">
+            <a:schemeClr val="tx1"/>
+          </a:fontRef>
+        </p:style>
+      </p:cxnSp>
+      <p:sp>
+        <p:nvSpPr>
+          <p:cNvPr id="71" name="Rounded Rectangle 70"/>
+          <p:cNvSpPr>
+            <a:spLocks/>
+          </p:cNvSpPr>
+          <p:nvPr/>
+        </p:nvSpPr>
+        <p:spPr>
+          <a:xfrm>
+            <a:off x="1959068" y="2124449"/>
+            <a:ext cx="187199" cy="89804"/>
+          </a:xfrm>
+          <a:prstGeom prst="roundRect">
+            <a:avLst/>
+          </a:prstGeom>
+          <a:solidFill>
+            <a:srgbClr val="F79645"/>
+          </a:solidFill>
+          <a:ln w="9525">
+            <a:solidFill>
+              <a:srgbClr val="F7974B"/>
+            </a:solidFill>
+          </a:ln>
+        </p:spPr>
+        <p:style>
+          <a:lnRef idx="2">
+            <a:schemeClr val="accent1">
+              <a:shade val="50000"/>
+            </a:schemeClr>
+          </a:lnRef>
+          <a:fillRef idx="1">
+            <a:schemeClr val="accent1"/>
+          </a:fillRef>
+          <a:effectRef idx="0">
+            <a:schemeClr val="accent1"/>
+          </a:effectRef>
+          <a:fontRef idx="minor">
+            <a:schemeClr val="lt1"/>
+          </a:fontRef>
+        </p:style>
+        <p:txBody>
+          <a:bodyPr tIns="25200" rtlCol="0" anchor="ctr" anchorCtr="0"/>
+          <a:lstStyle/>
+          <a:p>
+            <a:pPr algn="ctr"/>
+            <a:endParaRPr lang="en-US" sz="800" dirty="0">
+              <a:solidFill>
+                <a:srgbClr val="0070C0"/>
+              </a:solidFill>
+            </a:endParaRPr>
+          </a:p>
+        </p:txBody>
+      </p:sp>
+      <p:sp>
+        <p:nvSpPr>
+          <p:cNvPr id="76" name="Rounded Rectangle 75"/>
+          <p:cNvSpPr>
+            <a:spLocks/>
+          </p:cNvSpPr>
+          <p:nvPr/>
+        </p:nvSpPr>
+        <p:spPr>
+          <a:xfrm>
+            <a:off x="2096319" y="2297418"/>
             <a:ext cx="176400" cy="84623"/>
           </a:xfrm>
           <a:prstGeom prst="roundRect">
@@ -6167,7 +6593,7 @@
       </p:sp>
       <p:cxnSp>
         <p:nvCxnSpPr>
-          <p:cNvPr id="66" name="Straight Connector 65"/>
+          <p:cNvPr id="88" name="Straight Connector 87"/>
           <p:cNvCxnSpPr>
             <a:cxnSpLocks/>
           </p:cNvCxnSpPr>
@@ -6175,17 +6601,17 @@
         </p:nvCxnSpPr>
         <p:spPr>
           <a:xfrm flipH="1">
-            <a:off x="1942400" y="1649877"/>
+            <a:off x="1947163" y="2095174"/>
             <a:ext cx="3236" cy="327600"/>
           </a:xfrm>
           <a:prstGeom prst="line">
             <a:avLst/>
           </a:prstGeom>
-          <a:ln w="9525">
+          <a:ln w="9525" cmpd="sng">
             <a:solidFill>
               <a:srgbClr val="0070C0"/>
             </a:solidFill>
-            <a:prstDash val="dash"/>
+            <a:prstDash val="solid"/>
           </a:ln>
         </p:spPr>
         <p:style>
@@ -6203,434 +6629,218 @@
           </a:fontRef>
         </p:style>
       </p:cxnSp>
-      <p:cxnSp>
-        <p:nvCxnSpPr>
-          <p:cNvPr id="70" name="Straight Arrow Connector 69"/>
-          <p:cNvCxnSpPr/>
+      <p:sp>
+        <p:nvSpPr>
+          <p:cNvPr id="90" name="Rounded Rectangle 89"/>
+          <p:cNvSpPr>
+            <a:spLocks/>
+          </p:cNvSpPr>
           <p:nvPr/>
-        </p:nvCxnSpPr>
+        </p:nvSpPr>
         <p:spPr>
-          <a:xfrm flipH="1" flipV="1">
-            <a:off x="1949606" y="1884292"/>
-            <a:ext cx="108000" cy="617"/>
+          <a:xfrm>
+            <a:off x="1951066" y="2297416"/>
+            <a:ext cx="176400" cy="84623"/>
           </a:xfrm>
-          <a:prstGeom prst="straightConnector1">
+          <a:prstGeom prst="roundRect">
             <a:avLst/>
           </a:prstGeom>
-          <a:ln w="6985">
+          <a:solidFill>
+            <a:srgbClr val="0070C0">
+              <a:alpha val="30000"/>
+            </a:srgbClr>
+          </a:solidFill>
+          <a:ln w="9525">
             <a:solidFill>
               <a:srgbClr val="0070C0"/>
             </a:solidFill>
-            <a:round/>
-            <a:headEnd w="sm" len="sm"/>
-            <a:tailEnd type="stealth" w="med" len="sm"/>
+            <a:prstDash val="dash"/>
           </a:ln>
         </p:spPr>
         <p:style>
-          <a:lnRef idx="1">
-            <a:schemeClr val="accent1"/>
+          <a:lnRef idx="2">
+            <a:schemeClr val="accent1">
+              <a:shade val="50000"/>
+            </a:schemeClr>
           </a:lnRef>
-          <a:fillRef idx="0">
+          <a:fillRef idx="1">
             <a:schemeClr val="accent1"/>
           </a:fillRef>
           <a:effectRef idx="0">
             <a:schemeClr val="accent1"/>
           </a:effectRef>
           <a:fontRef idx="minor">
-            <a:schemeClr val="tx1"/>
+            <a:schemeClr val="lt1"/>
           </a:fontRef>
         </p:style>
-      </p:cxnSp>
-      <p:grpSp>
-        <p:nvGrpSpPr>
-          <p:cNvPr id="16" name="Group 15"/>
-          <p:cNvGrpSpPr/>
+        <p:txBody>
+          <a:bodyPr rtlCol="0" anchor="ctr"/>
+          <a:lstStyle/>
+          <a:p>
+            <a:pPr algn="ctr"/>
+            <a:endParaRPr lang="en-US" dirty="0"/>
+          </a:p>
+        </p:txBody>
+      </p:sp>
+      <p:sp>
+        <p:nvSpPr>
+          <p:cNvPr id="91" name="Rounded Rectangle 90"/>
+          <p:cNvSpPr>
+            <a:spLocks/>
+          </p:cNvSpPr>
           <p:nvPr/>
-        </p:nvGrpSpPr>
-        <p:grpSpPr>
+        </p:nvSpPr>
+        <p:spPr>
           <a:xfrm>
-            <a:off x="5941131" y="2555399"/>
-            <a:ext cx="331200" cy="278952"/>
-            <a:chOff x="5941131" y="2555399"/>
-            <a:chExt cx="331200" cy="278952"/>
+            <a:off x="2247294" y="5641858"/>
+            <a:ext cx="176400" cy="84623"/>
           </a:xfrm>
-        </p:grpSpPr>
-        <p:sp>
-          <p:nvSpPr>
-            <p:cNvPr id="72" name="Rounded Rectangle 71"/>
-            <p:cNvSpPr>
-              <a:spLocks noChangeAspect="1"/>
-            </p:cNvSpPr>
-            <p:nvPr/>
-          </p:nvSpPr>
-          <p:spPr>
-            <a:xfrm>
-              <a:off x="6062460" y="2565367"/>
-              <a:ext cx="187199" cy="89804"/>
-            </a:xfrm>
-            <a:prstGeom prst="roundRect">
-              <a:avLst/>
-            </a:prstGeom>
-            <a:solidFill>
-              <a:srgbClr val="F79645"/>
-            </a:solidFill>
-            <a:ln w="9525">
-              <a:solidFill>
-                <a:srgbClr val="F7974B"/>
-              </a:solidFill>
-            </a:ln>
-          </p:spPr>
-          <p:style>
-            <a:lnRef idx="2">
-              <a:schemeClr val="accent1">
-                <a:shade val="50000"/>
-              </a:schemeClr>
-            </a:lnRef>
-            <a:fillRef idx="1">
-              <a:schemeClr val="accent1"/>
-            </a:fillRef>
-            <a:effectRef idx="0">
-              <a:schemeClr val="accent1"/>
-            </a:effectRef>
-            <a:fontRef idx="minor">
-              <a:schemeClr val="lt1"/>
-            </a:fontRef>
-          </p:style>
-          <p:txBody>
-            <a:bodyPr tIns="25200" rtlCol="0" anchor="ctr" anchorCtr="0"/>
-            <a:lstStyle/>
-            <a:p>
-              <a:pPr algn="ctr"/>
-              <a:endParaRPr lang="en-US" sz="800" dirty="0">
-                <a:solidFill>
-                  <a:srgbClr val="0070C0"/>
-                </a:solidFill>
-              </a:endParaRPr>
-            </a:p>
-          </p:txBody>
-        </p:sp>
-        <p:sp>
-          <p:nvSpPr>
-            <p:cNvPr id="73" name="Rounded Rectangle 72"/>
-            <p:cNvSpPr>
-              <a:spLocks noChangeAspect="1"/>
-            </p:cNvSpPr>
-            <p:nvPr/>
-          </p:nvSpPr>
-          <p:spPr>
-            <a:xfrm>
-              <a:off x="5968735" y="2746274"/>
-              <a:ext cx="183600" cy="88077"/>
-            </a:xfrm>
-            <a:prstGeom prst="roundRect">
-              <a:avLst/>
-            </a:prstGeom>
+          <a:prstGeom prst="roundRect">
+            <a:avLst/>
+          </a:prstGeom>
+          <a:solidFill>
+            <a:srgbClr val="0070C0">
+              <a:alpha val="30000"/>
+            </a:srgbClr>
+          </a:solidFill>
+          <a:ln w="9525">
             <a:solidFill>
               <a:srgbClr val="0070C0"/>
             </a:solidFill>
-            <a:ln w="9525">
-              <a:solidFill>
-                <a:srgbClr val="0070C0"/>
-              </a:solidFill>
-            </a:ln>
-          </p:spPr>
-          <p:style>
-            <a:lnRef idx="2">
-              <a:schemeClr val="accent1">
-                <a:shade val="50000"/>
-              </a:schemeClr>
-            </a:lnRef>
-            <a:fillRef idx="1">
-              <a:schemeClr val="accent1"/>
-            </a:fillRef>
-            <a:effectRef idx="0">
-              <a:schemeClr val="accent1"/>
-            </a:effectRef>
-            <a:fontRef idx="minor">
-              <a:schemeClr val="lt1"/>
-            </a:fontRef>
-          </p:style>
-          <p:txBody>
-            <a:bodyPr rtlCol="0" anchor="ctr"/>
-            <a:lstStyle/>
-            <a:p>
-              <a:pPr algn="ctr"/>
-              <a:endParaRPr lang="en-US" dirty="0"/>
-            </a:p>
-          </p:txBody>
-        </p:sp>
-        <p:cxnSp>
-          <p:nvCxnSpPr>
-            <p:cNvPr id="74" name="Straight Connector 73"/>
-            <p:cNvCxnSpPr>
-              <a:cxnSpLocks/>
-            </p:cNvCxnSpPr>
-            <p:nvPr/>
-          </p:nvCxnSpPr>
-          <p:spPr>
-            <a:xfrm rot="5400000" flipH="1">
-              <a:off x="6105113" y="2391418"/>
-              <a:ext cx="3236" cy="331200"/>
-            </a:xfrm>
-            <a:prstGeom prst="line">
-              <a:avLst/>
-            </a:prstGeom>
-            <a:ln w="9525">
-              <a:solidFill>
-                <a:srgbClr val="0070C0"/>
-              </a:solidFill>
-              <a:prstDash val="dash"/>
-            </a:ln>
-          </p:spPr>
-          <p:style>
-            <a:lnRef idx="1">
-              <a:schemeClr val="accent1"/>
-            </a:lnRef>
-            <a:fillRef idx="0">
-              <a:schemeClr val="accent1"/>
-            </a:fillRef>
-            <a:effectRef idx="0">
-              <a:schemeClr val="accent1"/>
-            </a:effectRef>
-            <a:fontRef idx="minor">
-              <a:schemeClr val="tx1"/>
-            </a:fontRef>
-          </p:style>
-        </p:cxnSp>
-        <p:cxnSp>
-          <p:nvCxnSpPr>
-            <p:cNvPr id="75" name="Straight Arrow Connector 74"/>
-            <p:cNvCxnSpPr/>
-            <p:nvPr/>
-          </p:nvCxnSpPr>
-          <p:spPr>
-            <a:xfrm flipV="1">
-              <a:off x="5994017" y="2555399"/>
-              <a:ext cx="4353" cy="190800"/>
-            </a:xfrm>
-            <a:prstGeom prst="straightConnector1">
-              <a:avLst/>
-            </a:prstGeom>
-            <a:ln w="6985">
-              <a:solidFill>
-                <a:srgbClr val="0070C0"/>
-              </a:solidFill>
-              <a:round/>
-              <a:headEnd w="sm" len="sm"/>
-              <a:tailEnd type="stealth" w="med" len="sm"/>
-            </a:ln>
-          </p:spPr>
-          <p:style>
-            <a:lnRef idx="1">
-              <a:schemeClr val="accent1"/>
-            </a:lnRef>
-            <a:fillRef idx="0">
-              <a:schemeClr val="accent1"/>
-            </a:fillRef>
-            <a:effectRef idx="0">
-              <a:schemeClr val="accent1"/>
-            </a:effectRef>
-            <a:fontRef idx="minor">
-              <a:schemeClr val="tx1"/>
-            </a:fontRef>
-          </p:style>
-        </p:cxnSp>
-      </p:grpSp>
-      <p:grpSp>
-        <p:nvGrpSpPr>
-          <p:cNvPr id="17" name="Group 16"/>
-          <p:cNvGrpSpPr/>
+            <a:prstDash val="dash"/>
+          </a:ln>
+        </p:spPr>
+        <p:style>
+          <a:lnRef idx="2">
+            <a:schemeClr val="accent1">
+              <a:shade val="50000"/>
+            </a:schemeClr>
+          </a:lnRef>
+          <a:fillRef idx="1">
+            <a:schemeClr val="accent1"/>
+          </a:fillRef>
+          <a:effectRef idx="0">
+            <a:schemeClr val="accent1"/>
+          </a:effectRef>
+          <a:fontRef idx="minor">
+            <a:schemeClr val="lt1"/>
+          </a:fontRef>
+        </p:style>
+        <p:txBody>
+          <a:bodyPr rtlCol="0" anchor="ctr"/>
+          <a:lstStyle/>
+          <a:p>
+            <a:pPr algn="ctr"/>
+            <a:endParaRPr lang="en-US" dirty="0"/>
+          </a:p>
+        </p:txBody>
+      </p:sp>
+      <p:sp>
+        <p:nvSpPr>
+          <p:cNvPr id="92" name="Rounded Rectangle 91"/>
+          <p:cNvSpPr>
+            <a:spLocks/>
+          </p:cNvSpPr>
           <p:nvPr/>
-        </p:nvGrpSpPr>
-        <p:grpSpPr>
+        </p:nvSpPr>
+        <p:spPr>
           <a:xfrm>
-            <a:off x="6060535" y="5140345"/>
-            <a:ext cx="331200" cy="281473"/>
-            <a:chOff x="6060535" y="5140345"/>
-            <a:chExt cx="331200" cy="281473"/>
+            <a:off x="5972335" y="2555399"/>
+            <a:ext cx="176400" cy="267175"/>
           </a:xfrm>
-        </p:grpSpPr>
-        <p:sp>
-          <p:nvSpPr>
-            <p:cNvPr id="77" name="Rounded Rectangle 76"/>
-            <p:cNvSpPr>
-              <a:spLocks noChangeAspect="1"/>
-            </p:cNvSpPr>
-            <p:nvPr/>
-          </p:nvSpPr>
-          <p:spPr>
-            <a:xfrm>
-              <a:off x="6181864" y="5321394"/>
-              <a:ext cx="187199" cy="89804"/>
-            </a:xfrm>
-            <a:prstGeom prst="roundRect">
-              <a:avLst/>
-            </a:prstGeom>
-            <a:solidFill>
-              <a:srgbClr val="F79645"/>
-            </a:solidFill>
-            <a:ln w="9525">
-              <a:solidFill>
-                <a:srgbClr val="F7974B"/>
-              </a:solidFill>
-            </a:ln>
-          </p:spPr>
-          <p:style>
-            <a:lnRef idx="2">
-              <a:schemeClr val="accent1">
-                <a:shade val="50000"/>
-              </a:schemeClr>
-            </a:lnRef>
-            <a:fillRef idx="1">
-              <a:schemeClr val="accent1"/>
-            </a:fillRef>
-            <a:effectRef idx="0">
-              <a:schemeClr val="accent1"/>
-            </a:effectRef>
-            <a:fontRef idx="minor">
-              <a:schemeClr val="lt1"/>
-            </a:fontRef>
-          </p:style>
-          <p:txBody>
-            <a:bodyPr tIns="25200" rtlCol="0" anchor="ctr" anchorCtr="0"/>
-            <a:lstStyle/>
-            <a:p>
-              <a:pPr algn="ctr"/>
-              <a:endParaRPr lang="en-US" sz="800" dirty="0">
-                <a:solidFill>
-                  <a:srgbClr val="0070C0"/>
-                </a:solidFill>
-              </a:endParaRPr>
-            </a:p>
-          </p:txBody>
-        </p:sp>
-        <p:sp>
-          <p:nvSpPr>
-            <p:cNvPr id="78" name="Rounded Rectangle 77"/>
-            <p:cNvSpPr>
-              <a:spLocks noChangeAspect="1"/>
-            </p:cNvSpPr>
-            <p:nvPr/>
-          </p:nvSpPr>
-          <p:spPr>
-            <a:xfrm>
-              <a:off x="6088139" y="5140345"/>
-              <a:ext cx="183600" cy="88077"/>
-            </a:xfrm>
-            <a:prstGeom prst="roundRect">
-              <a:avLst/>
-            </a:prstGeom>
+          <a:prstGeom prst="roundRect">
+            <a:avLst/>
+          </a:prstGeom>
+          <a:solidFill>
+            <a:srgbClr val="0070C0">
+              <a:alpha val="30000"/>
+            </a:srgbClr>
+          </a:solidFill>
+          <a:ln w="9525">
             <a:solidFill>
               <a:srgbClr val="0070C0"/>
             </a:solidFill>
-            <a:ln w="9525">
-              <a:solidFill>
-                <a:srgbClr val="0070C0"/>
-              </a:solidFill>
-            </a:ln>
-          </p:spPr>
-          <p:style>
-            <a:lnRef idx="2">
-              <a:schemeClr val="accent1">
-                <a:shade val="50000"/>
-              </a:schemeClr>
-            </a:lnRef>
-            <a:fillRef idx="1">
-              <a:schemeClr val="accent1"/>
-            </a:fillRef>
-            <a:effectRef idx="0">
-              <a:schemeClr val="accent1"/>
-            </a:effectRef>
-            <a:fontRef idx="minor">
-              <a:schemeClr val="lt1"/>
-            </a:fontRef>
-          </p:style>
-          <p:txBody>
-            <a:bodyPr rtlCol="0" anchor="ctr"/>
-            <a:lstStyle/>
-            <a:p>
-              <a:pPr algn="ctr"/>
-              <a:endParaRPr lang="en-US" dirty="0"/>
-            </a:p>
-          </p:txBody>
-        </p:sp>
-        <p:cxnSp>
-          <p:nvCxnSpPr>
-            <p:cNvPr id="79" name="Straight Connector 78"/>
-            <p:cNvCxnSpPr>
-              <a:cxnSpLocks/>
-            </p:cNvCxnSpPr>
-            <p:nvPr/>
-          </p:nvCxnSpPr>
-          <p:spPr>
-            <a:xfrm rot="5400000" flipH="1">
-              <a:off x="6224517" y="5254600"/>
-              <a:ext cx="3236" cy="331200"/>
-            </a:xfrm>
-            <a:prstGeom prst="line">
-              <a:avLst/>
-            </a:prstGeom>
-            <a:ln w="9525">
-              <a:solidFill>
-                <a:srgbClr val="0070C0"/>
-              </a:solidFill>
-              <a:prstDash val="dash"/>
-            </a:ln>
-          </p:spPr>
-          <p:style>
-            <a:lnRef idx="1">
-              <a:schemeClr val="accent1"/>
-            </a:lnRef>
-            <a:fillRef idx="0">
-              <a:schemeClr val="accent1"/>
-            </a:fillRef>
-            <a:effectRef idx="0">
-              <a:schemeClr val="accent1"/>
-            </a:effectRef>
-            <a:fontRef idx="minor">
-              <a:schemeClr val="tx1"/>
-            </a:fontRef>
-          </p:style>
-        </p:cxnSp>
-        <p:cxnSp>
-          <p:nvCxnSpPr>
-            <p:cNvPr id="87" name="Straight Arrow Connector 86"/>
-            <p:cNvCxnSpPr/>
-            <p:nvPr/>
-          </p:nvCxnSpPr>
-          <p:spPr>
-            <a:xfrm rot="10800000" flipV="1">
-              <a:off x="6113421" y="5231738"/>
-              <a:ext cx="4353" cy="180000"/>
-            </a:xfrm>
-            <a:prstGeom prst="straightConnector1">
-              <a:avLst/>
-            </a:prstGeom>
-            <a:ln w="6985">
-              <a:solidFill>
-                <a:srgbClr val="0070C0"/>
-              </a:solidFill>
-              <a:round/>
-              <a:headEnd w="sm" len="sm"/>
-              <a:tailEnd type="stealth" w="med" len="sm"/>
-            </a:ln>
-          </p:spPr>
-          <p:style>
-            <a:lnRef idx="1">
-              <a:schemeClr val="accent1"/>
-            </a:lnRef>
-            <a:fillRef idx="0">
-              <a:schemeClr val="accent1"/>
-            </a:fillRef>
-            <a:effectRef idx="0">
-              <a:schemeClr val="accent1"/>
-            </a:effectRef>
-            <a:fontRef idx="minor">
-              <a:schemeClr val="tx1"/>
-            </a:fontRef>
-          </p:style>
-        </p:cxnSp>
-      </p:grpSp>
+            <a:prstDash val="dash"/>
+          </a:ln>
+        </p:spPr>
+        <p:style>
+          <a:lnRef idx="2">
+            <a:schemeClr val="accent1">
+              <a:shade val="50000"/>
+            </a:schemeClr>
+          </a:lnRef>
+          <a:fillRef idx="1">
+            <a:schemeClr val="accent1"/>
+          </a:fillRef>
+          <a:effectRef idx="0">
+            <a:schemeClr val="accent1"/>
+          </a:effectRef>
+          <a:fontRef idx="minor">
+            <a:schemeClr val="lt1"/>
+          </a:fontRef>
+        </p:style>
+        <p:txBody>
+          <a:bodyPr rtlCol="0" anchor="ctr"/>
+          <a:lstStyle/>
+          <a:p>
+            <a:pPr algn="ctr"/>
+            <a:endParaRPr lang="en-US" dirty="0"/>
+          </a:p>
+        </p:txBody>
+      </p:sp>
+      <p:sp>
+        <p:nvSpPr>
+          <p:cNvPr id="93" name="Rounded Rectangle 92"/>
+          <p:cNvSpPr>
+            <a:spLocks/>
+          </p:cNvSpPr>
+          <p:nvPr/>
+        </p:nvSpPr>
+        <p:spPr>
+          <a:xfrm>
+            <a:off x="6095339" y="5151407"/>
+            <a:ext cx="176400" cy="267175"/>
+          </a:xfrm>
+          <a:prstGeom prst="roundRect">
+            <a:avLst/>
+          </a:prstGeom>
+          <a:solidFill>
+            <a:srgbClr val="0070C0">
+              <a:alpha val="30000"/>
+            </a:srgbClr>
+          </a:solidFill>
+          <a:ln w="9525">
+            <a:solidFill>
+              <a:srgbClr val="0070C0"/>
+            </a:solidFill>
+            <a:prstDash val="dash"/>
+          </a:ln>
+        </p:spPr>
+        <p:style>
+          <a:lnRef idx="2">
+            <a:schemeClr val="accent1">
+              <a:shade val="50000"/>
+            </a:schemeClr>
+          </a:lnRef>
+          <a:fillRef idx="1">
+            <a:schemeClr val="accent1"/>
+          </a:fillRef>
+          <a:effectRef idx="0">
+            <a:schemeClr val="accent1"/>
+          </a:effectRef>
+          <a:fontRef idx="minor">
+            <a:schemeClr val="lt1"/>
+          </a:fontRef>
+        </p:style>
+        <p:txBody>
+          <a:bodyPr rtlCol="0" anchor="ctr"/>
+          <a:lstStyle/>
+          <a:p>
+            <a:pPr algn="ctr"/>
+            <a:endParaRPr lang="en-US" dirty="0"/>
+          </a:p>
+        </p:txBody>
+      </p:sp>
     </p:spTree>
     <p:extLst>
       <p:ext uri="{BB962C8B-B14F-4D97-AF65-F5344CB8AC3E}">
@@ -12911,195 +13121,180 @@
           </a:p>
         </p:txBody>
       </p:sp>
-      <p:grpSp>
-        <p:nvGrpSpPr>
-          <p:cNvPr id="28" name="Group 27"/>
-          <p:cNvGrpSpPr/>
+      <p:sp>
+        <p:nvSpPr>
+          <p:cNvPr id="14" name="Rectangle 13"/>
+          <p:cNvSpPr>
+            <a:spLocks/>
+          </p:cNvSpPr>
           <p:nvPr/>
-        </p:nvGrpSpPr>
-        <p:grpSpPr>
+        </p:nvSpPr>
+        <p:spPr>
           <a:xfrm>
             <a:off x="1159405" y="2481097"/>
             <a:ext cx="316800" cy="316800"/>
-            <a:chOff x="1159405" y="2481097"/>
-            <a:chExt cx="316800" cy="316800"/>
           </a:xfrm>
-        </p:grpSpPr>
-        <p:sp>
-          <p:nvSpPr>
-            <p:cNvPr id="14" name="Rectangle 13"/>
-            <p:cNvSpPr>
-              <a:spLocks/>
-            </p:cNvSpPr>
-            <p:nvPr/>
-          </p:nvSpPr>
-          <p:spPr>
-            <a:xfrm>
-              <a:off x="1159405" y="2481097"/>
-              <a:ext cx="316800" cy="316800"/>
-            </a:xfrm>
-            <a:prstGeom prst="rect">
-              <a:avLst/>
-            </a:prstGeom>
-            <a:noFill/>
-            <a:ln>
-              <a:solidFill>
-                <a:srgbClr val="F79645"/>
-              </a:solidFill>
-            </a:ln>
-          </p:spPr>
-          <p:style>
-            <a:lnRef idx="2">
-              <a:schemeClr val="accent1">
-                <a:shade val="50000"/>
-              </a:schemeClr>
-            </a:lnRef>
-            <a:fillRef idx="1">
-              <a:schemeClr val="accent1"/>
-            </a:fillRef>
-            <a:effectRef idx="0">
-              <a:schemeClr val="accent1"/>
-            </a:effectRef>
-            <a:fontRef idx="minor">
-              <a:schemeClr val="lt1"/>
-            </a:fontRef>
-          </p:style>
-          <p:txBody>
-            <a:bodyPr rtlCol="0" anchor="ctr"/>
-            <a:lstStyle/>
-            <a:p>
-              <a:pPr algn="ctr"/>
-              <a:endParaRPr lang="en-US"/>
-            </a:p>
-          </p:txBody>
-        </p:sp>
-        <p:sp>
-          <p:nvSpPr>
-            <p:cNvPr id="15" name="Rounded Rectangle 14"/>
-            <p:cNvSpPr>
-              <a:spLocks noChangeAspect="1"/>
-            </p:cNvSpPr>
-            <p:nvPr/>
-          </p:nvSpPr>
-          <p:spPr>
-            <a:xfrm>
-              <a:off x="1260466" y="2595458"/>
-              <a:ext cx="124202" cy="88077"/>
-            </a:xfrm>
-            <a:prstGeom prst="roundRect">
-              <a:avLst/>
-            </a:prstGeom>
+          <a:prstGeom prst="rect">
+            <a:avLst/>
+          </a:prstGeom>
+          <a:noFill/>
+          <a:ln>
+            <a:solidFill>
+              <a:srgbClr val="F79645"/>
+            </a:solidFill>
+          </a:ln>
+        </p:spPr>
+        <p:style>
+          <a:lnRef idx="2">
+            <a:schemeClr val="accent1">
+              <a:shade val="50000"/>
+            </a:schemeClr>
+          </a:lnRef>
+          <a:fillRef idx="1">
+            <a:schemeClr val="accent1"/>
+          </a:fillRef>
+          <a:effectRef idx="0">
+            <a:schemeClr val="accent1"/>
+          </a:effectRef>
+          <a:fontRef idx="minor">
+            <a:schemeClr val="lt1"/>
+          </a:fontRef>
+        </p:style>
+        <p:txBody>
+          <a:bodyPr rtlCol="0" anchor="ctr"/>
+          <a:lstStyle/>
+          <a:p>
+            <a:pPr algn="ctr"/>
+            <a:endParaRPr lang="en-US"/>
+          </a:p>
+        </p:txBody>
+      </p:sp>
+      <p:sp>
+        <p:nvSpPr>
+          <p:cNvPr id="15" name="Rounded Rectangle 14"/>
+          <p:cNvSpPr>
+            <a:spLocks noChangeAspect="1"/>
+          </p:cNvSpPr>
+          <p:nvPr/>
+        </p:nvSpPr>
+        <p:spPr>
+          <a:xfrm>
+            <a:off x="1260466" y="2595458"/>
+            <a:ext cx="124202" cy="88077"/>
+          </a:xfrm>
+          <a:prstGeom prst="roundRect">
+            <a:avLst/>
+          </a:prstGeom>
+          <a:solidFill>
+            <a:srgbClr val="0070C0"/>
+          </a:solidFill>
+          <a:ln w="9525">
             <a:solidFill>
               <a:srgbClr val="0070C0"/>
             </a:solidFill>
-            <a:ln w="9525">
-              <a:solidFill>
-                <a:srgbClr val="0070C0"/>
-              </a:solidFill>
-            </a:ln>
-          </p:spPr>
-          <p:style>
-            <a:lnRef idx="2">
-              <a:schemeClr val="accent1">
-                <a:shade val="50000"/>
-              </a:schemeClr>
-            </a:lnRef>
-            <a:fillRef idx="1">
-              <a:schemeClr val="accent1"/>
-            </a:fillRef>
-            <a:effectRef idx="0">
-              <a:schemeClr val="accent1"/>
-            </a:effectRef>
-            <a:fontRef idx="minor">
-              <a:schemeClr val="lt1"/>
-            </a:fontRef>
-          </p:style>
-          <p:txBody>
-            <a:bodyPr rtlCol="0" anchor="ctr"/>
-            <a:lstStyle/>
-            <a:p>
-              <a:pPr algn="ctr"/>
-              <a:endParaRPr lang="en-US" dirty="0"/>
-            </a:p>
-          </p:txBody>
-        </p:sp>
-        <p:cxnSp>
-          <p:nvCxnSpPr>
-            <p:cNvPr id="16" name="Straight Arrow Connector 69"/>
-            <p:cNvCxnSpPr/>
-            <p:nvPr/>
-          </p:nvCxnSpPr>
-          <p:spPr>
-            <a:xfrm flipH="1" flipV="1">
-              <a:off x="1171576" y="2643096"/>
-              <a:ext cx="90000" cy="618"/>
-            </a:xfrm>
-            <a:prstGeom prst="straightConnector1">
-              <a:avLst/>
-            </a:prstGeom>
-            <a:ln w="6985">
-              <a:solidFill>
-                <a:srgbClr val="0070C0"/>
-              </a:solidFill>
-              <a:round/>
-              <a:headEnd w="sm" len="sm"/>
-              <a:tailEnd type="stealth" w="med" len="sm"/>
-            </a:ln>
-          </p:spPr>
-          <p:style>
-            <a:lnRef idx="1">
-              <a:schemeClr val="accent1"/>
-            </a:lnRef>
-            <a:fillRef idx="0">
-              <a:schemeClr val="accent1"/>
-            </a:fillRef>
-            <a:effectRef idx="0">
-              <a:schemeClr val="accent1"/>
-            </a:effectRef>
-            <a:fontRef idx="minor">
-              <a:schemeClr val="tx1"/>
-            </a:fontRef>
-          </p:style>
-        </p:cxnSp>
-        <p:cxnSp>
-          <p:nvCxnSpPr>
-            <p:cNvPr id="19" name="Straight Arrow Connector 69"/>
-            <p:cNvCxnSpPr/>
-            <p:nvPr/>
-          </p:nvCxnSpPr>
-          <p:spPr>
-            <a:xfrm rot="10800000" flipH="1" flipV="1">
-              <a:off x="1379119" y="2642478"/>
-              <a:ext cx="90000" cy="618"/>
-            </a:xfrm>
-            <a:prstGeom prst="straightConnector1">
-              <a:avLst/>
-            </a:prstGeom>
-            <a:ln w="6985">
-              <a:solidFill>
-                <a:srgbClr val="0070C0"/>
-              </a:solidFill>
-              <a:round/>
-              <a:headEnd w="sm" len="sm"/>
-              <a:tailEnd type="stealth" w="med" len="sm"/>
-            </a:ln>
-          </p:spPr>
-          <p:style>
-            <a:lnRef idx="1">
-              <a:schemeClr val="accent1"/>
-            </a:lnRef>
-            <a:fillRef idx="0">
-              <a:schemeClr val="accent1"/>
-            </a:fillRef>
-            <a:effectRef idx="0">
-              <a:schemeClr val="accent1"/>
-            </a:effectRef>
-            <a:fontRef idx="minor">
-              <a:schemeClr val="tx1"/>
-            </a:fontRef>
-          </p:style>
-        </p:cxnSp>
-      </p:grpSp>
+          </a:ln>
+        </p:spPr>
+        <p:style>
+          <a:lnRef idx="2">
+            <a:schemeClr val="accent1">
+              <a:shade val="50000"/>
+            </a:schemeClr>
+          </a:lnRef>
+          <a:fillRef idx="1">
+            <a:schemeClr val="accent1"/>
+          </a:fillRef>
+          <a:effectRef idx="0">
+            <a:schemeClr val="accent1"/>
+          </a:effectRef>
+          <a:fontRef idx="minor">
+            <a:schemeClr val="lt1"/>
+          </a:fontRef>
+        </p:style>
+        <p:txBody>
+          <a:bodyPr rtlCol="0" anchor="ctr"/>
+          <a:lstStyle/>
+          <a:p>
+            <a:pPr algn="ctr"/>
+            <a:endParaRPr lang="en-US" dirty="0"/>
+          </a:p>
+        </p:txBody>
+      </p:sp>
+      <p:cxnSp>
+        <p:nvCxnSpPr>
+          <p:cNvPr id="16" name="Straight Arrow Connector 69"/>
+          <p:cNvCxnSpPr/>
+          <p:nvPr/>
+        </p:nvCxnSpPr>
+        <p:spPr>
+          <a:xfrm flipH="1" flipV="1">
+            <a:off x="1171576" y="2643096"/>
+            <a:ext cx="90000" cy="618"/>
+          </a:xfrm>
+          <a:prstGeom prst="straightConnector1">
+            <a:avLst/>
+          </a:prstGeom>
+          <a:ln w="6985">
+            <a:solidFill>
+              <a:srgbClr val="0070C0"/>
+            </a:solidFill>
+            <a:round/>
+            <a:headEnd w="sm" len="sm"/>
+            <a:tailEnd type="stealth" w="med" len="sm"/>
+          </a:ln>
+        </p:spPr>
+        <p:style>
+          <a:lnRef idx="1">
+            <a:schemeClr val="accent1"/>
+          </a:lnRef>
+          <a:fillRef idx="0">
+            <a:schemeClr val="accent1"/>
+          </a:fillRef>
+          <a:effectRef idx="0">
+            <a:schemeClr val="accent1"/>
+          </a:effectRef>
+          <a:fontRef idx="minor">
+            <a:schemeClr val="tx1"/>
+          </a:fontRef>
+        </p:style>
+      </p:cxnSp>
+      <p:cxnSp>
+        <p:nvCxnSpPr>
+          <p:cNvPr id="19" name="Straight Arrow Connector 69"/>
+          <p:cNvCxnSpPr/>
+          <p:nvPr/>
+        </p:nvCxnSpPr>
+        <p:spPr>
+          <a:xfrm rot="10800000" flipH="1" flipV="1">
+            <a:off x="1379119" y="2642478"/>
+            <a:ext cx="90000" cy="618"/>
+          </a:xfrm>
+          <a:prstGeom prst="straightConnector1">
+            <a:avLst/>
+          </a:prstGeom>
+          <a:ln w="6985">
+            <a:solidFill>
+              <a:srgbClr val="0070C0"/>
+            </a:solidFill>
+            <a:round/>
+            <a:headEnd w="sm" len="sm"/>
+            <a:tailEnd type="stealth" w="med" len="sm"/>
+          </a:ln>
+        </p:spPr>
+        <p:style>
+          <a:lnRef idx="1">
+            <a:schemeClr val="accent1"/>
+          </a:lnRef>
+          <a:fillRef idx="0">
+            <a:schemeClr val="accent1"/>
+          </a:fillRef>
+          <a:effectRef idx="0">
+            <a:schemeClr val="accent1"/>
+          </a:effectRef>
+          <a:fontRef idx="minor">
+            <a:schemeClr val="tx1"/>
+          </a:fontRef>
+        </p:style>
+      </p:cxnSp>
       <p:grpSp>
         <p:nvGrpSpPr>
           <p:cNvPr id="34" name="Group 33"/>
@@ -13427,6 +13622,474 @@
           </a:fontRef>
         </p:style>
       </p:cxnSp>
+      <p:grpSp>
+        <p:nvGrpSpPr>
+          <p:cNvPr id="4" name="Group 3"/>
+          <p:cNvGrpSpPr/>
+          <p:nvPr/>
+        </p:nvGrpSpPr>
+        <p:grpSpPr>
+          <a:xfrm>
+            <a:off x="1833303" y="2488241"/>
+            <a:ext cx="316800" cy="316800"/>
+            <a:chOff x="1833303" y="2488241"/>
+            <a:chExt cx="316800" cy="316800"/>
+          </a:xfrm>
+        </p:grpSpPr>
+        <p:sp>
+          <p:nvSpPr>
+            <p:cNvPr id="20" name="Rectangle 19"/>
+            <p:cNvSpPr>
+              <a:spLocks/>
+            </p:cNvSpPr>
+            <p:nvPr/>
+          </p:nvSpPr>
+          <p:spPr>
+            <a:xfrm>
+              <a:off x="1833303" y="2488241"/>
+              <a:ext cx="316800" cy="316800"/>
+            </a:xfrm>
+            <a:prstGeom prst="rect">
+              <a:avLst/>
+            </a:prstGeom>
+            <a:noFill/>
+            <a:ln>
+              <a:solidFill>
+                <a:srgbClr val="F79645"/>
+              </a:solidFill>
+            </a:ln>
+          </p:spPr>
+          <p:style>
+            <a:lnRef idx="2">
+              <a:schemeClr val="accent1">
+                <a:shade val="50000"/>
+              </a:schemeClr>
+            </a:lnRef>
+            <a:fillRef idx="1">
+              <a:schemeClr val="accent1"/>
+            </a:fillRef>
+            <a:effectRef idx="0">
+              <a:schemeClr val="accent1"/>
+            </a:effectRef>
+            <a:fontRef idx="minor">
+              <a:schemeClr val="lt1"/>
+            </a:fontRef>
+          </p:style>
+          <p:txBody>
+            <a:bodyPr rtlCol="0" anchor="ctr"/>
+            <a:lstStyle/>
+            <a:p>
+              <a:pPr algn="ctr"/>
+              <a:endParaRPr lang="en-US"/>
+            </a:p>
+          </p:txBody>
+        </p:sp>
+        <p:sp>
+          <p:nvSpPr>
+            <p:cNvPr id="3" name="Oval 2"/>
+            <p:cNvSpPr>
+              <a:spLocks/>
+            </p:cNvSpPr>
+            <p:nvPr/>
+          </p:nvSpPr>
+          <p:spPr>
+            <a:xfrm>
+              <a:off x="1957503" y="2612441"/>
+              <a:ext cx="68400" cy="68400"/>
+            </a:xfrm>
+            <a:prstGeom prst="ellipse">
+              <a:avLst/>
+            </a:prstGeom>
+            <a:solidFill>
+              <a:srgbClr val="0070C0"/>
+            </a:solidFill>
+            <a:ln>
+              <a:solidFill>
+                <a:srgbClr val="0070C0"/>
+              </a:solidFill>
+            </a:ln>
+          </p:spPr>
+          <p:style>
+            <a:lnRef idx="2">
+              <a:schemeClr val="accent1">
+                <a:shade val="50000"/>
+              </a:schemeClr>
+            </a:lnRef>
+            <a:fillRef idx="1">
+              <a:schemeClr val="accent1"/>
+            </a:fillRef>
+            <a:effectRef idx="0">
+              <a:schemeClr val="accent1"/>
+            </a:effectRef>
+            <a:fontRef idx="minor">
+              <a:schemeClr val="lt1"/>
+            </a:fontRef>
+          </p:style>
+          <p:txBody>
+            <a:bodyPr rtlCol="0" anchor="ctr"/>
+            <a:lstStyle/>
+            <a:p>
+              <a:pPr algn="ctr"/>
+              <a:endParaRPr lang="en-US"/>
+            </a:p>
+          </p:txBody>
+        </p:sp>
+        <p:sp>
+          <p:nvSpPr>
+            <p:cNvPr id="22" name="Oval 21"/>
+            <p:cNvSpPr>
+              <a:spLocks/>
+            </p:cNvSpPr>
+            <p:nvPr/>
+          </p:nvSpPr>
+          <p:spPr>
+            <a:xfrm>
+              <a:off x="1853103" y="2604264"/>
+              <a:ext cx="277200" cy="86400"/>
+            </a:xfrm>
+            <a:prstGeom prst="ellipse">
+              <a:avLst/>
+            </a:prstGeom>
+            <a:solidFill>
+              <a:srgbClr val="0070C0">
+                <a:alpha val="30000"/>
+              </a:srgbClr>
+            </a:solidFill>
+            <a:ln w="9525">
+              <a:solidFill>
+                <a:srgbClr val="0070C0"/>
+              </a:solidFill>
+              <a:prstDash val="dash"/>
+            </a:ln>
+          </p:spPr>
+          <p:style>
+            <a:lnRef idx="2">
+              <a:schemeClr val="accent1">
+                <a:shade val="50000"/>
+              </a:schemeClr>
+            </a:lnRef>
+            <a:fillRef idx="1">
+              <a:schemeClr val="accent1"/>
+            </a:fillRef>
+            <a:effectRef idx="0">
+              <a:schemeClr val="accent1"/>
+            </a:effectRef>
+            <a:fontRef idx="minor">
+              <a:schemeClr val="lt1"/>
+            </a:fontRef>
+          </p:style>
+          <p:txBody>
+            <a:bodyPr rtlCol="0" anchor="ctr"/>
+            <a:lstStyle/>
+            <a:p>
+              <a:pPr algn="ctr"/>
+              <a:endParaRPr lang="en-US"/>
+            </a:p>
+          </p:txBody>
+        </p:sp>
+      </p:grpSp>
+      <p:sp>
+        <p:nvSpPr>
+          <p:cNvPr id="25" name="Rectangle 24"/>
+          <p:cNvSpPr>
+            <a:spLocks/>
+          </p:cNvSpPr>
+          <p:nvPr/>
+        </p:nvSpPr>
+        <p:spPr>
+          <a:xfrm rot="5400000">
+            <a:off x="4631767" y="2478716"/>
+            <a:ext cx="316800" cy="316800"/>
+          </a:xfrm>
+          <a:prstGeom prst="rect">
+            <a:avLst/>
+          </a:prstGeom>
+          <a:noFill/>
+          <a:ln>
+            <a:solidFill>
+              <a:srgbClr val="F79645"/>
+            </a:solidFill>
+          </a:ln>
+        </p:spPr>
+        <p:style>
+          <a:lnRef idx="2">
+            <a:schemeClr val="accent1">
+              <a:shade val="50000"/>
+            </a:schemeClr>
+          </a:lnRef>
+          <a:fillRef idx="1">
+            <a:schemeClr val="accent1"/>
+          </a:fillRef>
+          <a:effectRef idx="0">
+            <a:schemeClr val="accent1"/>
+          </a:effectRef>
+          <a:fontRef idx="minor">
+            <a:schemeClr val="lt1"/>
+          </a:fontRef>
+        </p:style>
+        <p:txBody>
+          <a:bodyPr rtlCol="0" anchor="ctr"/>
+          <a:lstStyle/>
+          <a:p>
+            <a:pPr algn="ctr"/>
+            <a:endParaRPr lang="en-US"/>
+          </a:p>
+        </p:txBody>
+      </p:sp>
+      <p:sp>
+        <p:nvSpPr>
+          <p:cNvPr id="26" name="Oval 25"/>
+          <p:cNvSpPr>
+            <a:spLocks/>
+          </p:cNvSpPr>
+          <p:nvPr/>
+        </p:nvSpPr>
+        <p:spPr>
+          <a:xfrm rot="5400000">
+            <a:off x="4755967" y="2602916"/>
+            <a:ext cx="68400" cy="68400"/>
+          </a:xfrm>
+          <a:prstGeom prst="ellipse">
+            <a:avLst/>
+          </a:prstGeom>
+          <a:solidFill>
+            <a:srgbClr val="0070C0"/>
+          </a:solidFill>
+          <a:ln>
+            <a:solidFill>
+              <a:srgbClr val="0070C0"/>
+            </a:solidFill>
+          </a:ln>
+        </p:spPr>
+        <p:style>
+          <a:lnRef idx="2">
+            <a:schemeClr val="accent1">
+              <a:shade val="50000"/>
+            </a:schemeClr>
+          </a:lnRef>
+          <a:fillRef idx="1">
+            <a:schemeClr val="accent1"/>
+          </a:fillRef>
+          <a:effectRef idx="0">
+            <a:schemeClr val="accent1"/>
+          </a:effectRef>
+          <a:fontRef idx="minor">
+            <a:schemeClr val="lt1"/>
+          </a:fontRef>
+        </p:style>
+        <p:txBody>
+          <a:bodyPr rtlCol="0" anchor="ctr"/>
+          <a:lstStyle/>
+          <a:p>
+            <a:pPr algn="ctr"/>
+            <a:endParaRPr lang="en-US"/>
+          </a:p>
+        </p:txBody>
+      </p:sp>
+      <p:sp>
+        <p:nvSpPr>
+          <p:cNvPr id="27" name="Oval 26"/>
+          <p:cNvSpPr>
+            <a:spLocks/>
+          </p:cNvSpPr>
+          <p:nvPr/>
+        </p:nvSpPr>
+        <p:spPr>
+          <a:xfrm rot="5400000">
+            <a:off x="4650744" y="2593916"/>
+            <a:ext cx="277200" cy="86400"/>
+          </a:xfrm>
+          <a:prstGeom prst="ellipse">
+            <a:avLst/>
+          </a:prstGeom>
+          <a:solidFill>
+            <a:srgbClr val="0070C0">
+              <a:alpha val="30000"/>
+            </a:srgbClr>
+          </a:solidFill>
+          <a:ln w="9525">
+            <a:solidFill>
+              <a:srgbClr val="0070C0"/>
+            </a:solidFill>
+            <a:prstDash val="dash"/>
+          </a:ln>
+        </p:spPr>
+        <p:style>
+          <a:lnRef idx="2">
+            <a:schemeClr val="accent1">
+              <a:shade val="50000"/>
+            </a:schemeClr>
+          </a:lnRef>
+          <a:fillRef idx="1">
+            <a:schemeClr val="accent1"/>
+          </a:fillRef>
+          <a:effectRef idx="0">
+            <a:schemeClr val="accent1"/>
+          </a:effectRef>
+          <a:fontRef idx="minor">
+            <a:schemeClr val="lt1"/>
+          </a:fontRef>
+        </p:style>
+        <p:txBody>
+          <a:bodyPr rtlCol="0" anchor="ctr"/>
+          <a:lstStyle/>
+          <a:p>
+            <a:pPr algn="ctr"/>
+            <a:endParaRPr lang="en-US"/>
+          </a:p>
+        </p:txBody>
+      </p:sp>
+      <p:sp>
+        <p:nvSpPr>
+          <p:cNvPr id="35" name="Rectangle 34"/>
+          <p:cNvSpPr>
+            <a:spLocks/>
+          </p:cNvSpPr>
+          <p:nvPr/>
+        </p:nvSpPr>
+        <p:spPr>
+          <a:xfrm>
+            <a:off x="7677537" y="2529977"/>
+            <a:ext cx="316800" cy="316800"/>
+          </a:xfrm>
+          <a:prstGeom prst="rect">
+            <a:avLst/>
+          </a:prstGeom>
+          <a:noFill/>
+          <a:ln>
+            <a:solidFill>
+              <a:srgbClr val="F79645"/>
+            </a:solidFill>
+          </a:ln>
+        </p:spPr>
+        <p:style>
+          <a:lnRef idx="2">
+            <a:schemeClr val="accent1">
+              <a:shade val="50000"/>
+            </a:schemeClr>
+          </a:lnRef>
+          <a:fillRef idx="1">
+            <a:schemeClr val="accent1"/>
+          </a:fillRef>
+          <a:effectRef idx="0">
+            <a:schemeClr val="accent1"/>
+          </a:effectRef>
+          <a:fontRef idx="minor">
+            <a:schemeClr val="lt1"/>
+          </a:fontRef>
+        </p:style>
+        <p:txBody>
+          <a:bodyPr rtlCol="0" anchor="ctr"/>
+          <a:lstStyle/>
+          <a:p>
+            <a:pPr algn="ctr"/>
+            <a:endParaRPr lang="en-US"/>
+          </a:p>
+        </p:txBody>
+      </p:sp>
+      <p:sp>
+        <p:nvSpPr>
+          <p:cNvPr id="38" name="Oval 37"/>
+          <p:cNvSpPr>
+            <a:spLocks/>
+          </p:cNvSpPr>
+          <p:nvPr/>
+        </p:nvSpPr>
+        <p:spPr>
+          <a:xfrm>
+            <a:off x="7801737" y="2654177"/>
+            <a:ext cx="68400" cy="68400"/>
+          </a:xfrm>
+          <a:prstGeom prst="ellipse">
+            <a:avLst/>
+          </a:prstGeom>
+          <a:solidFill>
+            <a:srgbClr val="0070C0"/>
+          </a:solidFill>
+          <a:ln>
+            <a:solidFill>
+              <a:srgbClr val="0070C0"/>
+            </a:solidFill>
+          </a:ln>
+        </p:spPr>
+        <p:style>
+          <a:lnRef idx="2">
+            <a:schemeClr val="accent1">
+              <a:shade val="50000"/>
+            </a:schemeClr>
+          </a:lnRef>
+          <a:fillRef idx="1">
+            <a:schemeClr val="accent1"/>
+          </a:fillRef>
+          <a:effectRef idx="0">
+            <a:schemeClr val="accent1"/>
+          </a:effectRef>
+          <a:fontRef idx="minor">
+            <a:schemeClr val="lt1"/>
+          </a:fontRef>
+        </p:style>
+        <p:txBody>
+          <a:bodyPr rtlCol="0" anchor="ctr"/>
+          <a:lstStyle/>
+          <a:p>
+            <a:pPr algn="ctr"/>
+            <a:endParaRPr lang="en-US"/>
+          </a:p>
+        </p:txBody>
+      </p:sp>
+      <p:sp>
+        <p:nvSpPr>
+          <p:cNvPr id="40" name="Oval 39"/>
+          <p:cNvSpPr>
+            <a:spLocks/>
+          </p:cNvSpPr>
+          <p:nvPr/>
+        </p:nvSpPr>
+        <p:spPr>
+          <a:xfrm>
+            <a:off x="7697337" y="2545996"/>
+            <a:ext cx="277200" cy="284400"/>
+          </a:xfrm>
+          <a:prstGeom prst="ellipse">
+            <a:avLst/>
+          </a:prstGeom>
+          <a:solidFill>
+            <a:srgbClr val="0070C0">
+              <a:alpha val="30000"/>
+            </a:srgbClr>
+          </a:solidFill>
+          <a:ln w="9525">
+            <a:solidFill>
+              <a:srgbClr val="0070C0"/>
+            </a:solidFill>
+            <a:prstDash val="dash"/>
+          </a:ln>
+        </p:spPr>
+        <p:style>
+          <a:lnRef idx="2">
+            <a:schemeClr val="accent1">
+              <a:shade val="50000"/>
+            </a:schemeClr>
+          </a:lnRef>
+          <a:fillRef idx="1">
+            <a:schemeClr val="accent1"/>
+          </a:fillRef>
+          <a:effectRef idx="0">
+            <a:schemeClr val="accent1"/>
+          </a:effectRef>
+          <a:fontRef idx="minor">
+            <a:schemeClr val="lt1"/>
+          </a:fontRef>
+        </p:style>
+        <p:txBody>
+          <a:bodyPr rtlCol="0" anchor="ctr"/>
+          <a:lstStyle/>
+          <a:p>
+            <a:pPr algn="ctr"/>
+            <a:endParaRPr lang="en-US"/>
+          </a:p>
+        </p:txBody>
+      </p:sp>
     </p:spTree>
     <p:extLst>
       <p:ext uri="{BB962C8B-B14F-4D97-AF65-F5344CB8AC3E}">

--- a/doc/Icons-ResizeLab.pptx
+++ b/doc/Icons-ResizeLab.pptx
@@ -213,7 +213,7 @@
           <a:p>
             <a:fld id="{6699ACB9-486C-4D62-A3A7-AF98E13EFDA3}" type="datetimeFigureOut">
               <a:rPr lang="en-US" smtClean="0"/>
-              <a:t>3/10/2016</a:t>
+              <a:t>3/17/2016</a:t>
             </a:fld>
             <a:endParaRPr lang="en-US"/>
           </a:p>
@@ -831,7 +831,7 @@
             <a:fld id="{1D8BD707-D9CF-40AE-B4C6-C98DA3205C09}" type="datetimeFigureOut">
               <a:rPr lang="en-US" smtClean="0"/>
               <a:pPr/>
-              <a:t>3/10/2016</a:t>
+              <a:t>3/17/2016</a:t>
             </a:fld>
             <a:endParaRPr lang="en-US"/>
           </a:p>
@@ -998,7 +998,7 @@
             <a:fld id="{1D8BD707-D9CF-40AE-B4C6-C98DA3205C09}" type="datetimeFigureOut">
               <a:rPr lang="en-US" smtClean="0"/>
               <a:pPr/>
-              <a:t>3/10/2016</a:t>
+              <a:t>3/17/2016</a:t>
             </a:fld>
             <a:endParaRPr lang="en-US"/>
           </a:p>
@@ -1175,7 +1175,7 @@
             <a:fld id="{1D8BD707-D9CF-40AE-B4C6-C98DA3205C09}" type="datetimeFigureOut">
               <a:rPr lang="en-US" smtClean="0"/>
               <a:pPr/>
-              <a:t>3/10/2016</a:t>
+              <a:t>3/17/2016</a:t>
             </a:fld>
             <a:endParaRPr lang="en-US"/>
           </a:p>
@@ -1342,7 +1342,7 @@
             <a:fld id="{1D8BD707-D9CF-40AE-B4C6-C98DA3205C09}" type="datetimeFigureOut">
               <a:rPr lang="en-US" smtClean="0"/>
               <a:pPr/>
-              <a:t>3/10/2016</a:t>
+              <a:t>3/17/2016</a:t>
             </a:fld>
             <a:endParaRPr lang="en-US"/>
           </a:p>
@@ -1585,7 +1585,7 @@
             <a:fld id="{1D8BD707-D9CF-40AE-B4C6-C98DA3205C09}" type="datetimeFigureOut">
               <a:rPr lang="en-US" smtClean="0"/>
               <a:pPr/>
-              <a:t>3/10/2016</a:t>
+              <a:t>3/17/2016</a:t>
             </a:fld>
             <a:endParaRPr lang="en-US"/>
           </a:p>
@@ -1870,7 +1870,7 @@
             <a:fld id="{1D8BD707-D9CF-40AE-B4C6-C98DA3205C09}" type="datetimeFigureOut">
               <a:rPr lang="en-US" smtClean="0"/>
               <a:pPr/>
-              <a:t>3/10/2016</a:t>
+              <a:t>3/17/2016</a:t>
             </a:fld>
             <a:endParaRPr lang="en-US"/>
           </a:p>
@@ -2289,7 +2289,7 @@
             <a:fld id="{1D8BD707-D9CF-40AE-B4C6-C98DA3205C09}" type="datetimeFigureOut">
               <a:rPr lang="en-US" smtClean="0"/>
               <a:pPr/>
-              <a:t>3/10/2016</a:t>
+              <a:t>3/17/2016</a:t>
             </a:fld>
             <a:endParaRPr lang="en-US"/>
           </a:p>
@@ -2404,7 +2404,7 @@
             <a:fld id="{1D8BD707-D9CF-40AE-B4C6-C98DA3205C09}" type="datetimeFigureOut">
               <a:rPr lang="en-US" smtClean="0"/>
               <a:pPr/>
-              <a:t>3/10/2016</a:t>
+              <a:t>3/17/2016</a:t>
             </a:fld>
             <a:endParaRPr lang="en-US"/>
           </a:p>
@@ -2496,7 +2496,7 @@
             <a:fld id="{1D8BD707-D9CF-40AE-B4C6-C98DA3205C09}" type="datetimeFigureOut">
               <a:rPr lang="en-US" smtClean="0"/>
               <a:pPr/>
-              <a:t>3/10/2016</a:t>
+              <a:t>3/17/2016</a:t>
             </a:fld>
             <a:endParaRPr lang="en-US"/>
           </a:p>
@@ -2770,7 +2770,7 @@
             <a:fld id="{1D8BD707-D9CF-40AE-B4C6-C98DA3205C09}" type="datetimeFigureOut">
               <a:rPr lang="en-US" smtClean="0"/>
               <a:pPr/>
-              <a:t>3/10/2016</a:t>
+              <a:t>3/17/2016</a:t>
             </a:fld>
             <a:endParaRPr lang="en-US"/>
           </a:p>
@@ -3020,7 +3020,7 @@
             <a:fld id="{1D8BD707-D9CF-40AE-B4C6-C98DA3205C09}" type="datetimeFigureOut">
               <a:rPr lang="en-US" smtClean="0"/>
               <a:pPr/>
-              <a:t>3/10/2016</a:t>
+              <a:t>3/17/2016</a:t>
             </a:fld>
             <a:endParaRPr lang="en-US"/>
           </a:p>
@@ -3230,7 +3230,7 @@
             <a:fld id="{1D8BD707-D9CF-40AE-B4C6-C98DA3205C09}" type="datetimeFigureOut">
               <a:rPr lang="en-US" smtClean="0"/>
               <a:pPr/>
-              <a:t>3/10/2016</a:t>
+              <a:t>3/17/2016</a:t>
             </a:fld>
             <a:endParaRPr lang="en-US"/>
           </a:p>
@@ -13624,7 +13624,7 @@
       </p:cxnSp>
       <p:grpSp>
         <p:nvGrpSpPr>
-          <p:cNvPr id="4" name="Group 3"/>
+          <p:cNvPr id="8" name="Group 7"/>
           <p:cNvGrpSpPr/>
           <p:nvPr/>
         </p:nvGrpSpPr>
@@ -13638,7 +13638,7 @@
         </p:grpSpPr>
         <p:sp>
           <p:nvSpPr>
-            <p:cNvPr id="20" name="Rectangle 19"/>
+            <p:cNvPr id="28" name="Rectangle 27"/>
             <p:cNvSpPr>
               <a:spLocks/>
             </p:cNvSpPr>
@@ -13686,7 +13686,7 @@
         </p:sp>
         <p:sp>
           <p:nvSpPr>
-            <p:cNvPr id="3" name="Oval 2"/>
+            <p:cNvPr id="29" name="Oval 28"/>
             <p:cNvSpPr>
               <a:spLocks/>
             </p:cNvSpPr>
@@ -13736,7 +13736,7 @@
         </p:sp>
         <p:sp>
           <p:nvSpPr>
-            <p:cNvPr id="22" name="Oval 21"/>
+            <p:cNvPr id="41" name="Oval 40"/>
             <p:cNvSpPr>
               <a:spLocks/>
             </p:cNvSpPr>
@@ -13759,7 +13759,7 @@
               <a:solidFill>
                 <a:srgbClr val="0070C0"/>
               </a:solidFill>
-              <a:prstDash val="dash"/>
+              <a:prstDash val="sysDash"/>
             </a:ln>
           </p:spPr>
           <p:style>
@@ -13788,308 +13788,338 @@
           </p:txBody>
         </p:sp>
       </p:grpSp>
-      <p:sp>
-        <p:nvSpPr>
-          <p:cNvPr id="25" name="Rectangle 24"/>
-          <p:cNvSpPr>
-            <a:spLocks/>
-          </p:cNvSpPr>
+      <p:grpSp>
+        <p:nvGrpSpPr>
+          <p:cNvPr id="9" name="Group 8"/>
+          <p:cNvGrpSpPr/>
           <p:nvPr/>
-        </p:nvSpPr>
-        <p:spPr>
-          <a:xfrm rot="5400000">
+        </p:nvGrpSpPr>
+        <p:grpSpPr>
+          <a:xfrm>
             <a:off x="4631767" y="2478716"/>
             <a:ext cx="316800" cy="316800"/>
+            <a:chOff x="4631767" y="2478716"/>
+            <a:chExt cx="316800" cy="316800"/>
           </a:xfrm>
-          <a:prstGeom prst="rect">
-            <a:avLst/>
-          </a:prstGeom>
-          <a:noFill/>
-          <a:ln>
-            <a:solidFill>
-              <a:srgbClr val="F79645"/>
-            </a:solidFill>
-          </a:ln>
-        </p:spPr>
-        <p:style>
-          <a:lnRef idx="2">
-            <a:schemeClr val="accent1">
-              <a:shade val="50000"/>
-            </a:schemeClr>
-          </a:lnRef>
-          <a:fillRef idx="1">
-            <a:schemeClr val="accent1"/>
-          </a:fillRef>
-          <a:effectRef idx="0">
-            <a:schemeClr val="accent1"/>
-          </a:effectRef>
-          <a:fontRef idx="minor">
-            <a:schemeClr val="lt1"/>
-          </a:fontRef>
-        </p:style>
-        <p:txBody>
-          <a:bodyPr rtlCol="0" anchor="ctr"/>
-          <a:lstStyle/>
-          <a:p>
-            <a:pPr algn="ctr"/>
-            <a:endParaRPr lang="en-US"/>
-          </a:p>
-        </p:txBody>
-      </p:sp>
-      <p:sp>
-        <p:nvSpPr>
-          <p:cNvPr id="26" name="Oval 25"/>
-          <p:cNvSpPr>
-            <a:spLocks/>
-          </p:cNvSpPr>
-          <p:nvPr/>
-        </p:nvSpPr>
-        <p:spPr>
-          <a:xfrm rot="5400000">
-            <a:off x="4755967" y="2602916"/>
-            <a:ext cx="68400" cy="68400"/>
-          </a:xfrm>
-          <a:prstGeom prst="ellipse">
-            <a:avLst/>
-          </a:prstGeom>
-          <a:solidFill>
-            <a:srgbClr val="0070C0"/>
-          </a:solidFill>
-          <a:ln>
+        </p:grpSpPr>
+        <p:sp>
+          <p:nvSpPr>
+            <p:cNvPr id="42" name="Rectangle 41"/>
+            <p:cNvSpPr>
+              <a:spLocks/>
+            </p:cNvSpPr>
+            <p:nvPr/>
+          </p:nvSpPr>
+          <p:spPr>
+            <a:xfrm rot="5400000">
+              <a:off x="4631767" y="2478716"/>
+              <a:ext cx="316800" cy="316800"/>
+            </a:xfrm>
+            <a:prstGeom prst="rect">
+              <a:avLst/>
+            </a:prstGeom>
+            <a:noFill/>
+            <a:ln>
+              <a:solidFill>
+                <a:srgbClr val="F79645"/>
+              </a:solidFill>
+            </a:ln>
+          </p:spPr>
+          <p:style>
+            <a:lnRef idx="2">
+              <a:schemeClr val="accent1">
+                <a:shade val="50000"/>
+              </a:schemeClr>
+            </a:lnRef>
+            <a:fillRef idx="1">
+              <a:schemeClr val="accent1"/>
+            </a:fillRef>
+            <a:effectRef idx="0">
+              <a:schemeClr val="accent1"/>
+            </a:effectRef>
+            <a:fontRef idx="minor">
+              <a:schemeClr val="lt1"/>
+            </a:fontRef>
+          </p:style>
+          <p:txBody>
+            <a:bodyPr rtlCol="0" anchor="ctr"/>
+            <a:lstStyle/>
+            <a:p>
+              <a:pPr algn="ctr"/>
+              <a:endParaRPr lang="en-US"/>
+            </a:p>
+          </p:txBody>
+        </p:sp>
+        <p:sp>
+          <p:nvSpPr>
+            <p:cNvPr id="43" name="Oval 42"/>
+            <p:cNvSpPr>
+              <a:spLocks/>
+            </p:cNvSpPr>
+            <p:nvPr/>
+          </p:nvSpPr>
+          <p:spPr>
+            <a:xfrm rot="5400000">
+              <a:off x="4755967" y="2602916"/>
+              <a:ext cx="68400" cy="68400"/>
+            </a:xfrm>
+            <a:prstGeom prst="ellipse">
+              <a:avLst/>
+            </a:prstGeom>
             <a:solidFill>
               <a:srgbClr val="0070C0"/>
             </a:solidFill>
-          </a:ln>
-        </p:spPr>
-        <p:style>
-          <a:lnRef idx="2">
-            <a:schemeClr val="accent1">
-              <a:shade val="50000"/>
-            </a:schemeClr>
-          </a:lnRef>
-          <a:fillRef idx="1">
-            <a:schemeClr val="accent1"/>
-          </a:fillRef>
-          <a:effectRef idx="0">
-            <a:schemeClr val="accent1"/>
-          </a:effectRef>
-          <a:fontRef idx="minor">
-            <a:schemeClr val="lt1"/>
-          </a:fontRef>
-        </p:style>
-        <p:txBody>
-          <a:bodyPr rtlCol="0" anchor="ctr"/>
-          <a:lstStyle/>
-          <a:p>
-            <a:pPr algn="ctr"/>
-            <a:endParaRPr lang="en-US"/>
-          </a:p>
-        </p:txBody>
-      </p:sp>
-      <p:sp>
-        <p:nvSpPr>
-          <p:cNvPr id="27" name="Oval 26"/>
-          <p:cNvSpPr>
-            <a:spLocks/>
-          </p:cNvSpPr>
+            <a:ln>
+              <a:solidFill>
+                <a:srgbClr val="0070C0"/>
+              </a:solidFill>
+            </a:ln>
+          </p:spPr>
+          <p:style>
+            <a:lnRef idx="2">
+              <a:schemeClr val="accent1">
+                <a:shade val="50000"/>
+              </a:schemeClr>
+            </a:lnRef>
+            <a:fillRef idx="1">
+              <a:schemeClr val="accent1"/>
+            </a:fillRef>
+            <a:effectRef idx="0">
+              <a:schemeClr val="accent1"/>
+            </a:effectRef>
+            <a:fontRef idx="minor">
+              <a:schemeClr val="lt1"/>
+            </a:fontRef>
+          </p:style>
+          <p:txBody>
+            <a:bodyPr rtlCol="0" anchor="ctr"/>
+            <a:lstStyle/>
+            <a:p>
+              <a:pPr algn="ctr"/>
+              <a:endParaRPr lang="en-US"/>
+            </a:p>
+          </p:txBody>
+        </p:sp>
+        <p:sp>
+          <p:nvSpPr>
+            <p:cNvPr id="44" name="Oval 43"/>
+            <p:cNvSpPr>
+              <a:spLocks/>
+            </p:cNvSpPr>
+            <p:nvPr/>
+          </p:nvSpPr>
+          <p:spPr>
+            <a:xfrm rot="5400000">
+              <a:off x="4650744" y="2593916"/>
+              <a:ext cx="277200" cy="86400"/>
+            </a:xfrm>
+            <a:prstGeom prst="ellipse">
+              <a:avLst/>
+            </a:prstGeom>
+            <a:solidFill>
+              <a:srgbClr val="0070C0">
+                <a:alpha val="30000"/>
+              </a:srgbClr>
+            </a:solidFill>
+            <a:ln w="9525">
+              <a:solidFill>
+                <a:srgbClr val="0070C0"/>
+              </a:solidFill>
+              <a:prstDash val="sysDash"/>
+            </a:ln>
+          </p:spPr>
+          <p:style>
+            <a:lnRef idx="2">
+              <a:schemeClr val="accent1">
+                <a:shade val="50000"/>
+              </a:schemeClr>
+            </a:lnRef>
+            <a:fillRef idx="1">
+              <a:schemeClr val="accent1"/>
+            </a:fillRef>
+            <a:effectRef idx="0">
+              <a:schemeClr val="accent1"/>
+            </a:effectRef>
+            <a:fontRef idx="minor">
+              <a:schemeClr val="lt1"/>
+            </a:fontRef>
+          </p:style>
+          <p:txBody>
+            <a:bodyPr rtlCol="0" anchor="ctr"/>
+            <a:lstStyle/>
+            <a:p>
+              <a:pPr algn="ctr"/>
+              <a:endParaRPr lang="en-US"/>
+            </a:p>
+          </p:txBody>
+        </p:sp>
+      </p:grpSp>
+      <p:grpSp>
+        <p:nvGrpSpPr>
+          <p:cNvPr id="10" name="Group 9"/>
+          <p:cNvGrpSpPr/>
           <p:nvPr/>
-        </p:nvSpPr>
-        <p:spPr>
-          <a:xfrm rot="5400000">
-            <a:off x="4650744" y="2593916"/>
-            <a:ext cx="277200" cy="86400"/>
+        </p:nvGrpSpPr>
+        <p:grpSpPr>
+          <a:xfrm>
+            <a:off x="7677537" y="2529977"/>
+            <a:ext cx="316800" cy="316800"/>
+            <a:chOff x="7677537" y="2529977"/>
+            <a:chExt cx="316800" cy="316800"/>
           </a:xfrm>
-          <a:prstGeom prst="ellipse">
-            <a:avLst/>
-          </a:prstGeom>
-          <a:solidFill>
-            <a:srgbClr val="0070C0">
-              <a:alpha val="30000"/>
-            </a:srgbClr>
-          </a:solidFill>
-          <a:ln w="9525">
+        </p:grpSpPr>
+        <p:sp>
+          <p:nvSpPr>
+            <p:cNvPr id="45" name="Rectangle 44"/>
+            <p:cNvSpPr>
+              <a:spLocks/>
+            </p:cNvSpPr>
+            <p:nvPr/>
+          </p:nvSpPr>
+          <p:spPr>
+            <a:xfrm>
+              <a:off x="7677537" y="2529977"/>
+              <a:ext cx="316800" cy="316800"/>
+            </a:xfrm>
+            <a:prstGeom prst="rect">
+              <a:avLst/>
+            </a:prstGeom>
+            <a:noFill/>
+            <a:ln>
+              <a:solidFill>
+                <a:srgbClr val="F79645"/>
+              </a:solidFill>
+            </a:ln>
+          </p:spPr>
+          <p:style>
+            <a:lnRef idx="2">
+              <a:schemeClr val="accent1">
+                <a:shade val="50000"/>
+              </a:schemeClr>
+            </a:lnRef>
+            <a:fillRef idx="1">
+              <a:schemeClr val="accent1"/>
+            </a:fillRef>
+            <a:effectRef idx="0">
+              <a:schemeClr val="accent1"/>
+            </a:effectRef>
+            <a:fontRef idx="minor">
+              <a:schemeClr val="lt1"/>
+            </a:fontRef>
+          </p:style>
+          <p:txBody>
+            <a:bodyPr rtlCol="0" anchor="ctr"/>
+            <a:lstStyle/>
+            <a:p>
+              <a:pPr algn="ctr"/>
+              <a:endParaRPr lang="en-US"/>
+            </a:p>
+          </p:txBody>
+        </p:sp>
+        <p:sp>
+          <p:nvSpPr>
+            <p:cNvPr id="46" name="Oval 45"/>
+            <p:cNvSpPr>
+              <a:spLocks/>
+            </p:cNvSpPr>
+            <p:nvPr/>
+          </p:nvSpPr>
+          <p:spPr>
+            <a:xfrm>
+              <a:off x="7801737" y="2654177"/>
+              <a:ext cx="68400" cy="68400"/>
+            </a:xfrm>
+            <a:prstGeom prst="ellipse">
+              <a:avLst/>
+            </a:prstGeom>
             <a:solidFill>
               <a:srgbClr val="0070C0"/>
             </a:solidFill>
-            <a:prstDash val="dash"/>
-          </a:ln>
-        </p:spPr>
-        <p:style>
-          <a:lnRef idx="2">
-            <a:schemeClr val="accent1">
-              <a:shade val="50000"/>
-            </a:schemeClr>
-          </a:lnRef>
-          <a:fillRef idx="1">
-            <a:schemeClr val="accent1"/>
-          </a:fillRef>
-          <a:effectRef idx="0">
-            <a:schemeClr val="accent1"/>
-          </a:effectRef>
-          <a:fontRef idx="minor">
-            <a:schemeClr val="lt1"/>
-          </a:fontRef>
-        </p:style>
-        <p:txBody>
-          <a:bodyPr rtlCol="0" anchor="ctr"/>
-          <a:lstStyle/>
-          <a:p>
-            <a:pPr algn="ctr"/>
-            <a:endParaRPr lang="en-US"/>
-          </a:p>
-        </p:txBody>
-      </p:sp>
-      <p:sp>
-        <p:nvSpPr>
-          <p:cNvPr id="35" name="Rectangle 34"/>
-          <p:cNvSpPr>
-            <a:spLocks/>
-          </p:cNvSpPr>
-          <p:nvPr/>
-        </p:nvSpPr>
-        <p:spPr>
-          <a:xfrm>
-            <a:off x="7677537" y="2529977"/>
-            <a:ext cx="316800" cy="316800"/>
-          </a:xfrm>
-          <a:prstGeom prst="rect">
-            <a:avLst/>
-          </a:prstGeom>
-          <a:noFill/>
-          <a:ln>
+            <a:ln>
+              <a:solidFill>
+                <a:srgbClr val="0070C0"/>
+              </a:solidFill>
+            </a:ln>
+          </p:spPr>
+          <p:style>
+            <a:lnRef idx="2">
+              <a:schemeClr val="accent1">
+                <a:shade val="50000"/>
+              </a:schemeClr>
+            </a:lnRef>
+            <a:fillRef idx="1">
+              <a:schemeClr val="accent1"/>
+            </a:fillRef>
+            <a:effectRef idx="0">
+              <a:schemeClr val="accent1"/>
+            </a:effectRef>
+            <a:fontRef idx="minor">
+              <a:schemeClr val="lt1"/>
+            </a:fontRef>
+          </p:style>
+          <p:txBody>
+            <a:bodyPr rtlCol="0" anchor="ctr"/>
+            <a:lstStyle/>
+            <a:p>
+              <a:pPr algn="ctr"/>
+              <a:endParaRPr lang="en-US"/>
+            </a:p>
+          </p:txBody>
+        </p:sp>
+        <p:sp>
+          <p:nvSpPr>
+            <p:cNvPr id="47" name="Oval 46"/>
+            <p:cNvSpPr>
+              <a:spLocks/>
+            </p:cNvSpPr>
+            <p:nvPr/>
+          </p:nvSpPr>
+          <p:spPr>
+            <a:xfrm>
+              <a:off x="7697337" y="2545996"/>
+              <a:ext cx="277200" cy="284400"/>
+            </a:xfrm>
+            <a:prstGeom prst="ellipse">
+              <a:avLst/>
+            </a:prstGeom>
             <a:solidFill>
-              <a:srgbClr val="F79645"/>
+              <a:srgbClr val="0070C0">
+                <a:alpha val="30000"/>
+              </a:srgbClr>
             </a:solidFill>
-          </a:ln>
-        </p:spPr>
-        <p:style>
-          <a:lnRef idx="2">
-            <a:schemeClr val="accent1">
-              <a:shade val="50000"/>
-            </a:schemeClr>
-          </a:lnRef>
-          <a:fillRef idx="1">
-            <a:schemeClr val="accent1"/>
-          </a:fillRef>
-          <a:effectRef idx="0">
-            <a:schemeClr val="accent1"/>
-          </a:effectRef>
-          <a:fontRef idx="minor">
-            <a:schemeClr val="lt1"/>
-          </a:fontRef>
-        </p:style>
-        <p:txBody>
-          <a:bodyPr rtlCol="0" anchor="ctr"/>
-          <a:lstStyle/>
-          <a:p>
-            <a:pPr algn="ctr"/>
-            <a:endParaRPr lang="en-US"/>
-          </a:p>
-        </p:txBody>
-      </p:sp>
-      <p:sp>
-        <p:nvSpPr>
-          <p:cNvPr id="38" name="Oval 37"/>
-          <p:cNvSpPr>
-            <a:spLocks/>
-          </p:cNvSpPr>
-          <p:nvPr/>
-        </p:nvSpPr>
-        <p:spPr>
-          <a:xfrm>
-            <a:off x="7801737" y="2654177"/>
-            <a:ext cx="68400" cy="68400"/>
-          </a:xfrm>
-          <a:prstGeom prst="ellipse">
-            <a:avLst/>
-          </a:prstGeom>
-          <a:solidFill>
-            <a:srgbClr val="0070C0"/>
-          </a:solidFill>
-          <a:ln>
-            <a:solidFill>
-              <a:srgbClr val="0070C0"/>
-            </a:solidFill>
-          </a:ln>
-        </p:spPr>
-        <p:style>
-          <a:lnRef idx="2">
-            <a:schemeClr val="accent1">
-              <a:shade val="50000"/>
-            </a:schemeClr>
-          </a:lnRef>
-          <a:fillRef idx="1">
-            <a:schemeClr val="accent1"/>
-          </a:fillRef>
-          <a:effectRef idx="0">
-            <a:schemeClr val="accent1"/>
-          </a:effectRef>
-          <a:fontRef idx="minor">
-            <a:schemeClr val="lt1"/>
-          </a:fontRef>
-        </p:style>
-        <p:txBody>
-          <a:bodyPr rtlCol="0" anchor="ctr"/>
-          <a:lstStyle/>
-          <a:p>
-            <a:pPr algn="ctr"/>
-            <a:endParaRPr lang="en-US"/>
-          </a:p>
-        </p:txBody>
-      </p:sp>
-      <p:sp>
-        <p:nvSpPr>
-          <p:cNvPr id="40" name="Oval 39"/>
-          <p:cNvSpPr>
-            <a:spLocks/>
-          </p:cNvSpPr>
-          <p:nvPr/>
-        </p:nvSpPr>
-        <p:spPr>
-          <a:xfrm>
-            <a:off x="7697337" y="2545996"/>
-            <a:ext cx="277200" cy="284400"/>
-          </a:xfrm>
-          <a:prstGeom prst="ellipse">
-            <a:avLst/>
-          </a:prstGeom>
-          <a:solidFill>
-            <a:srgbClr val="0070C0">
-              <a:alpha val="30000"/>
-            </a:srgbClr>
-          </a:solidFill>
-          <a:ln w="9525">
-            <a:solidFill>
-              <a:srgbClr val="0070C0"/>
-            </a:solidFill>
-            <a:prstDash val="dash"/>
-          </a:ln>
-        </p:spPr>
-        <p:style>
-          <a:lnRef idx="2">
-            <a:schemeClr val="accent1">
-              <a:shade val="50000"/>
-            </a:schemeClr>
-          </a:lnRef>
-          <a:fillRef idx="1">
-            <a:schemeClr val="accent1"/>
-          </a:fillRef>
-          <a:effectRef idx="0">
-            <a:schemeClr val="accent1"/>
-          </a:effectRef>
-          <a:fontRef idx="minor">
-            <a:schemeClr val="lt1"/>
-          </a:fontRef>
-        </p:style>
-        <p:txBody>
-          <a:bodyPr rtlCol="0" anchor="ctr"/>
-          <a:lstStyle/>
-          <a:p>
-            <a:pPr algn="ctr"/>
-            <a:endParaRPr lang="en-US"/>
-          </a:p>
-        </p:txBody>
-      </p:sp>
+            <a:ln w="9525">
+              <a:solidFill>
+                <a:srgbClr val="0070C0"/>
+              </a:solidFill>
+              <a:prstDash val="sysDash"/>
+            </a:ln>
+          </p:spPr>
+          <p:style>
+            <a:lnRef idx="2">
+              <a:schemeClr val="accent1">
+                <a:shade val="50000"/>
+              </a:schemeClr>
+            </a:lnRef>
+            <a:fillRef idx="1">
+              <a:schemeClr val="accent1"/>
+            </a:fillRef>
+            <a:effectRef idx="0">
+              <a:schemeClr val="accent1"/>
+            </a:effectRef>
+            <a:fontRef idx="minor">
+              <a:schemeClr val="lt1"/>
+            </a:fontRef>
+          </p:style>
+          <p:txBody>
+            <a:bodyPr rtlCol="0" anchor="ctr"/>
+            <a:lstStyle/>
+            <a:p>
+              <a:pPr algn="ctr"/>
+              <a:endParaRPr lang="en-US"/>
+            </a:p>
+          </p:txBody>
+        </p:sp>
+      </p:grpSp>
     </p:spTree>
     <p:extLst>
       <p:ext uri="{BB962C8B-B14F-4D97-AF65-F5344CB8AC3E}">

--- a/doc/Icons-ResizeLab.pptx
+++ b/doc/Icons-ResizeLab.pptx
@@ -215,7 +215,7 @@
           <a:p>
             <a:fld id="{6699ACB9-486C-4D62-A3A7-AF98E13EFDA3}" type="datetimeFigureOut">
               <a:rPr lang="en-US" smtClean="0"/>
-              <a:t>3/20/2016</a:t>
+              <a:t>3/24/2016</a:t>
             </a:fld>
             <a:endParaRPr lang="en-US"/>
           </a:p>
@@ -917,7 +917,7 @@
             <a:fld id="{1D8BD707-D9CF-40AE-B4C6-C98DA3205C09}" type="datetimeFigureOut">
               <a:rPr lang="en-US" smtClean="0"/>
               <a:pPr/>
-              <a:t>3/20/2016</a:t>
+              <a:t>3/24/2016</a:t>
             </a:fld>
             <a:endParaRPr lang="en-US"/>
           </a:p>
@@ -1084,7 +1084,7 @@
             <a:fld id="{1D8BD707-D9CF-40AE-B4C6-C98DA3205C09}" type="datetimeFigureOut">
               <a:rPr lang="en-US" smtClean="0"/>
               <a:pPr/>
-              <a:t>3/20/2016</a:t>
+              <a:t>3/24/2016</a:t>
             </a:fld>
             <a:endParaRPr lang="en-US"/>
           </a:p>
@@ -1261,7 +1261,7 @@
             <a:fld id="{1D8BD707-D9CF-40AE-B4C6-C98DA3205C09}" type="datetimeFigureOut">
               <a:rPr lang="en-US" smtClean="0"/>
               <a:pPr/>
-              <a:t>3/20/2016</a:t>
+              <a:t>3/24/2016</a:t>
             </a:fld>
             <a:endParaRPr lang="en-US"/>
           </a:p>
@@ -1428,7 +1428,7 @@
             <a:fld id="{1D8BD707-D9CF-40AE-B4C6-C98DA3205C09}" type="datetimeFigureOut">
               <a:rPr lang="en-US" smtClean="0"/>
               <a:pPr/>
-              <a:t>3/20/2016</a:t>
+              <a:t>3/24/2016</a:t>
             </a:fld>
             <a:endParaRPr lang="en-US"/>
           </a:p>
@@ -1671,7 +1671,7 @@
             <a:fld id="{1D8BD707-D9CF-40AE-B4C6-C98DA3205C09}" type="datetimeFigureOut">
               <a:rPr lang="en-US" smtClean="0"/>
               <a:pPr/>
-              <a:t>3/20/2016</a:t>
+              <a:t>3/24/2016</a:t>
             </a:fld>
             <a:endParaRPr lang="en-US"/>
           </a:p>
@@ -1956,7 +1956,7 @@
             <a:fld id="{1D8BD707-D9CF-40AE-B4C6-C98DA3205C09}" type="datetimeFigureOut">
               <a:rPr lang="en-US" smtClean="0"/>
               <a:pPr/>
-              <a:t>3/20/2016</a:t>
+              <a:t>3/24/2016</a:t>
             </a:fld>
             <a:endParaRPr lang="en-US"/>
           </a:p>
@@ -2375,7 +2375,7 @@
             <a:fld id="{1D8BD707-D9CF-40AE-B4C6-C98DA3205C09}" type="datetimeFigureOut">
               <a:rPr lang="en-US" smtClean="0"/>
               <a:pPr/>
-              <a:t>3/20/2016</a:t>
+              <a:t>3/24/2016</a:t>
             </a:fld>
             <a:endParaRPr lang="en-US"/>
           </a:p>
@@ -2490,7 +2490,7 @@
             <a:fld id="{1D8BD707-D9CF-40AE-B4C6-C98DA3205C09}" type="datetimeFigureOut">
               <a:rPr lang="en-US" smtClean="0"/>
               <a:pPr/>
-              <a:t>3/20/2016</a:t>
+              <a:t>3/24/2016</a:t>
             </a:fld>
             <a:endParaRPr lang="en-US"/>
           </a:p>
@@ -2582,7 +2582,7 @@
             <a:fld id="{1D8BD707-D9CF-40AE-B4C6-C98DA3205C09}" type="datetimeFigureOut">
               <a:rPr lang="en-US" smtClean="0"/>
               <a:pPr/>
-              <a:t>3/20/2016</a:t>
+              <a:t>3/24/2016</a:t>
             </a:fld>
             <a:endParaRPr lang="en-US"/>
           </a:p>
@@ -2856,7 +2856,7 @@
             <a:fld id="{1D8BD707-D9CF-40AE-B4C6-C98DA3205C09}" type="datetimeFigureOut">
               <a:rPr lang="en-US" smtClean="0"/>
               <a:pPr/>
-              <a:t>3/20/2016</a:t>
+              <a:t>3/24/2016</a:t>
             </a:fld>
             <a:endParaRPr lang="en-US"/>
           </a:p>
@@ -3106,7 +3106,7 @@
             <a:fld id="{1D8BD707-D9CF-40AE-B4C6-C98DA3205C09}" type="datetimeFigureOut">
               <a:rPr lang="en-US" smtClean="0"/>
               <a:pPr/>
-              <a:t>3/20/2016</a:t>
+              <a:t>3/24/2016</a:t>
             </a:fld>
             <a:endParaRPr lang="en-US"/>
           </a:p>
@@ -3321,7 +3321,7 @@
             <a:fld id="{1D8BD707-D9CF-40AE-B4C6-C98DA3205C09}" type="datetimeFigureOut">
               <a:rPr lang="en-US" smtClean="0"/>
               <a:pPr/>
-              <a:t>3/20/2016</a:t>
+              <a:t>3/24/2016</a:t>
             </a:fld>
             <a:endParaRPr lang="en-US"/>
           </a:p>
@@ -17916,472 +17916,6 @@
       </p:sp>
       <p:grpSp>
         <p:nvGrpSpPr>
-          <p:cNvPr id="11" name="Group 10"/>
-          <p:cNvGrpSpPr/>
-          <p:nvPr/>
-        </p:nvGrpSpPr>
-        <p:grpSpPr>
-          <a:xfrm>
-            <a:off x="1748325" y="2477117"/>
-            <a:ext cx="763108" cy="616291"/>
-            <a:chOff x="1590542" y="2477117"/>
-            <a:chExt cx="763108" cy="616291"/>
-          </a:xfrm>
-        </p:grpSpPr>
-        <p:sp>
-          <p:nvSpPr>
-            <p:cNvPr id="18" name="Rectangle 17"/>
-            <p:cNvSpPr>
-              <a:spLocks/>
-            </p:cNvSpPr>
-            <p:nvPr/>
-          </p:nvSpPr>
-          <p:spPr>
-            <a:xfrm flipV="1">
-              <a:off x="1737360" y="2477117"/>
-              <a:ext cx="616290" cy="434647"/>
-            </a:xfrm>
-            <a:prstGeom prst="rect">
-              <a:avLst/>
-            </a:prstGeom>
-            <a:solidFill>
-              <a:srgbClr val="0070C0"/>
-            </a:solidFill>
-            <a:ln w="19050">
-              <a:solidFill>
-                <a:srgbClr val="0070C0"/>
-              </a:solidFill>
-              <a:prstDash val="solid"/>
-            </a:ln>
-          </p:spPr>
-          <p:style>
-            <a:lnRef idx="2">
-              <a:schemeClr val="accent1">
-                <a:shade val="50000"/>
-              </a:schemeClr>
-            </a:lnRef>
-            <a:fillRef idx="1">
-              <a:schemeClr val="accent1"/>
-            </a:fillRef>
-            <a:effectRef idx="0">
-              <a:schemeClr val="accent1"/>
-            </a:effectRef>
-            <a:fontRef idx="minor">
-              <a:schemeClr val="lt1"/>
-            </a:fontRef>
-          </p:style>
-          <p:txBody>
-            <a:bodyPr rtlCol="0" anchor="ctr"/>
-            <a:lstStyle/>
-            <a:p>
-              <a:pPr algn="ctr"/>
-              <a:endParaRPr lang="en-US" sz="1000" b="1" dirty="0"/>
-            </a:p>
-          </p:txBody>
-        </p:sp>
-        <p:sp>
-          <p:nvSpPr>
-            <p:cNvPr id="20" name="Rectangle 19"/>
-            <p:cNvSpPr>
-              <a:spLocks/>
-            </p:cNvSpPr>
-            <p:nvPr/>
-          </p:nvSpPr>
-          <p:spPr>
-            <a:xfrm flipV="1">
-              <a:off x="1737360" y="2785262"/>
-              <a:ext cx="616290" cy="308146"/>
-            </a:xfrm>
-            <a:prstGeom prst="rect">
-              <a:avLst/>
-            </a:prstGeom>
-            <a:solidFill>
-              <a:schemeClr val="bg1"/>
-            </a:solidFill>
-            <a:ln w="19050">
-              <a:solidFill>
-                <a:srgbClr val="0070C0"/>
-              </a:solidFill>
-            </a:ln>
-          </p:spPr>
-          <p:style>
-            <a:lnRef idx="2">
-              <a:schemeClr val="accent1">
-                <a:shade val="50000"/>
-              </a:schemeClr>
-            </a:lnRef>
-            <a:fillRef idx="1">
-              <a:schemeClr val="accent1"/>
-            </a:fillRef>
-            <a:effectRef idx="0">
-              <a:schemeClr val="accent1"/>
-            </a:effectRef>
-            <a:fontRef idx="minor">
-              <a:schemeClr val="lt1"/>
-            </a:fontRef>
-          </p:style>
-          <p:txBody>
-            <a:bodyPr rtlCol="0" anchor="ctr"/>
-            <a:lstStyle/>
-            <a:p>
-              <a:pPr algn="ctr"/>
-              <a:endParaRPr lang="en-US" dirty="0"/>
-            </a:p>
-          </p:txBody>
-        </p:sp>
-        <p:cxnSp>
-          <p:nvCxnSpPr>
-            <p:cNvPr id="21" name="Straight Connector 20"/>
-            <p:cNvCxnSpPr>
-              <a:cxnSpLocks/>
-            </p:cNvCxnSpPr>
-            <p:nvPr/>
-          </p:nvCxnSpPr>
-          <p:spPr>
-            <a:xfrm>
-              <a:off x="1737360" y="3093408"/>
-              <a:ext cx="616290" cy="0"/>
-            </a:xfrm>
-            <a:prstGeom prst="line">
-              <a:avLst/>
-            </a:prstGeom>
-            <a:ln w="38100" cmpd="sng">
-              <a:solidFill>
-                <a:srgbClr val="FF6600"/>
-              </a:solidFill>
-              <a:prstDash val="solid"/>
-              <a:headEnd type="triangle" w="med" len="med"/>
-              <a:tailEnd type="triangle" w="med" len="med"/>
-            </a:ln>
-          </p:spPr>
-          <p:style>
-            <a:lnRef idx="1">
-              <a:schemeClr val="accent1"/>
-            </a:lnRef>
-            <a:fillRef idx="0">
-              <a:schemeClr val="accent1"/>
-            </a:fillRef>
-            <a:effectRef idx="0">
-              <a:schemeClr val="accent1"/>
-            </a:effectRef>
-            <a:fontRef idx="minor">
-              <a:schemeClr val="tx1"/>
-            </a:fontRef>
-          </p:style>
-        </p:cxnSp>
-        <p:cxnSp>
-          <p:nvCxnSpPr>
-            <p:cNvPr id="22" name="Straight Arrow Connector 21"/>
-            <p:cNvCxnSpPr/>
-            <p:nvPr/>
-          </p:nvCxnSpPr>
-          <p:spPr>
-            <a:xfrm flipV="1">
-              <a:off x="2045505" y="2537922"/>
-              <a:ext cx="0" cy="213425"/>
-            </a:xfrm>
-            <a:prstGeom prst="straightConnector1">
-              <a:avLst/>
-            </a:prstGeom>
-            <a:ln w="38100">
-              <a:solidFill>
-                <a:schemeClr val="bg1"/>
-              </a:solidFill>
-              <a:headEnd type="none" w="med" len="med"/>
-              <a:tailEnd type="triangle" w="med" len="med"/>
-            </a:ln>
-          </p:spPr>
-          <p:style>
-            <a:lnRef idx="1">
-              <a:schemeClr val="accent1"/>
-            </a:lnRef>
-            <a:fillRef idx="0">
-              <a:schemeClr val="accent1"/>
-            </a:fillRef>
-            <a:effectRef idx="0">
-              <a:schemeClr val="accent1"/>
-            </a:effectRef>
-            <a:fontRef idx="minor">
-              <a:schemeClr val="tx1"/>
-            </a:fontRef>
-          </p:style>
-        </p:cxnSp>
-        <p:cxnSp>
-          <p:nvCxnSpPr>
-            <p:cNvPr id="30" name="Straight Connector 29"/>
-            <p:cNvCxnSpPr>
-              <a:cxnSpLocks/>
-            </p:cNvCxnSpPr>
-            <p:nvPr/>
-          </p:nvCxnSpPr>
-          <p:spPr>
-            <a:xfrm rot="16200000">
-              <a:off x="1282397" y="2785262"/>
-              <a:ext cx="616290" cy="0"/>
-            </a:xfrm>
-            <a:prstGeom prst="line">
-              <a:avLst/>
-            </a:prstGeom>
-            <a:ln w="38100" cmpd="sng">
-              <a:solidFill>
-                <a:srgbClr val="FF6600"/>
-              </a:solidFill>
-              <a:prstDash val="solid"/>
-              <a:headEnd type="triangle" w="med" len="med"/>
-              <a:tailEnd type="triangle" w="med" len="med"/>
-            </a:ln>
-          </p:spPr>
-          <p:style>
-            <a:lnRef idx="1">
-              <a:schemeClr val="accent1"/>
-            </a:lnRef>
-            <a:fillRef idx="0">
-              <a:schemeClr val="accent1"/>
-            </a:fillRef>
-            <a:effectRef idx="0">
-              <a:schemeClr val="accent1"/>
-            </a:effectRef>
-            <a:fontRef idx="minor">
-              <a:schemeClr val="tx1"/>
-            </a:fontRef>
-          </p:style>
-        </p:cxnSp>
-      </p:grpSp>
-      <p:grpSp>
-        <p:nvGrpSpPr>
-          <p:cNvPr id="32" name="Group 31"/>
-          <p:cNvGrpSpPr/>
-          <p:nvPr/>
-        </p:nvGrpSpPr>
-        <p:grpSpPr>
-          <a:xfrm rot="5400000">
-            <a:off x="4090647" y="2548448"/>
-            <a:ext cx="640722" cy="588704"/>
-            <a:chOff x="1712929" y="2528391"/>
-            <a:chExt cx="640722" cy="588704"/>
-          </a:xfrm>
-        </p:grpSpPr>
-        <p:sp>
-          <p:nvSpPr>
-            <p:cNvPr id="33" name="Rectangle 32"/>
-            <p:cNvSpPr>
-              <a:spLocks/>
-            </p:cNvSpPr>
-            <p:nvPr/>
-          </p:nvSpPr>
-          <p:spPr>
-            <a:xfrm flipV="1">
-              <a:off x="1804325" y="2537919"/>
-              <a:ext cx="549326" cy="373843"/>
-            </a:xfrm>
-            <a:prstGeom prst="rect">
-              <a:avLst/>
-            </a:prstGeom>
-            <a:solidFill>
-              <a:srgbClr val="0070C0"/>
-            </a:solidFill>
-            <a:ln w="19050">
-              <a:solidFill>
-                <a:srgbClr val="0070C0"/>
-              </a:solidFill>
-              <a:prstDash val="solid"/>
-            </a:ln>
-          </p:spPr>
-          <p:style>
-            <a:lnRef idx="2">
-              <a:schemeClr val="accent1">
-                <a:shade val="50000"/>
-              </a:schemeClr>
-            </a:lnRef>
-            <a:fillRef idx="1">
-              <a:schemeClr val="accent1"/>
-            </a:fillRef>
-            <a:effectRef idx="0">
-              <a:schemeClr val="accent1"/>
-            </a:effectRef>
-            <a:fontRef idx="minor">
-              <a:schemeClr val="lt1"/>
-            </a:fontRef>
-          </p:style>
-          <p:txBody>
-            <a:bodyPr rtlCol="0" anchor="ctr"/>
-            <a:lstStyle/>
-            <a:p>
-              <a:pPr algn="ctr"/>
-              <a:endParaRPr lang="en-US" sz="1000" b="1" dirty="0"/>
-            </a:p>
-          </p:txBody>
-        </p:sp>
-        <p:sp>
-          <p:nvSpPr>
-            <p:cNvPr id="34" name="Rectangle 33"/>
-            <p:cNvSpPr>
-              <a:spLocks/>
-            </p:cNvSpPr>
-            <p:nvPr/>
-          </p:nvSpPr>
-          <p:spPr>
-            <a:xfrm flipV="1">
-              <a:off x="1804322" y="2785262"/>
-              <a:ext cx="549328" cy="308146"/>
-            </a:xfrm>
-            <a:prstGeom prst="rect">
-              <a:avLst/>
-            </a:prstGeom>
-            <a:solidFill>
-              <a:schemeClr val="bg1"/>
-            </a:solidFill>
-            <a:ln w="19050">
-              <a:solidFill>
-                <a:srgbClr val="0070C0"/>
-              </a:solidFill>
-            </a:ln>
-          </p:spPr>
-          <p:style>
-            <a:lnRef idx="2">
-              <a:schemeClr val="accent1">
-                <a:shade val="50000"/>
-              </a:schemeClr>
-            </a:lnRef>
-            <a:fillRef idx="1">
-              <a:schemeClr val="accent1"/>
-            </a:fillRef>
-            <a:effectRef idx="0">
-              <a:schemeClr val="accent1"/>
-            </a:effectRef>
-            <a:fontRef idx="minor">
-              <a:schemeClr val="lt1"/>
-            </a:fontRef>
-          </p:style>
-          <p:txBody>
-            <a:bodyPr rtlCol="0" anchor="ctr"/>
-            <a:lstStyle/>
-            <a:p>
-              <a:pPr algn="ctr"/>
-              <a:endParaRPr lang="en-US" dirty="0"/>
-            </a:p>
-          </p:txBody>
-        </p:sp>
-        <p:cxnSp>
-          <p:nvCxnSpPr>
-            <p:cNvPr id="38" name="Straight Connector 37"/>
-            <p:cNvCxnSpPr>
-              <a:cxnSpLocks/>
-            </p:cNvCxnSpPr>
-            <p:nvPr/>
-          </p:nvCxnSpPr>
-          <p:spPr>
-            <a:xfrm rot="16200000">
-              <a:off x="2078986" y="2818744"/>
-              <a:ext cx="0" cy="549328"/>
-            </a:xfrm>
-            <a:prstGeom prst="line">
-              <a:avLst/>
-            </a:prstGeom>
-            <a:ln w="38100" cmpd="sng">
-              <a:solidFill>
-                <a:srgbClr val="FF6600"/>
-              </a:solidFill>
-              <a:prstDash val="solid"/>
-              <a:headEnd type="triangle" w="med" len="med"/>
-              <a:tailEnd type="triangle" w="med" len="med"/>
-            </a:ln>
-          </p:spPr>
-          <p:style>
-            <a:lnRef idx="1">
-              <a:schemeClr val="accent1"/>
-            </a:lnRef>
-            <a:fillRef idx="0">
-              <a:schemeClr val="accent1"/>
-            </a:fillRef>
-            <a:effectRef idx="0">
-              <a:schemeClr val="accent1"/>
-            </a:effectRef>
-            <a:fontRef idx="minor">
-              <a:schemeClr val="tx1"/>
-            </a:fontRef>
-          </p:style>
-        </p:cxnSp>
-        <p:cxnSp>
-          <p:nvCxnSpPr>
-            <p:cNvPr id="39" name="Straight Arrow Connector 38"/>
-            <p:cNvCxnSpPr/>
-            <p:nvPr/>
-          </p:nvCxnSpPr>
-          <p:spPr>
-            <a:xfrm flipV="1">
-              <a:off x="2075989" y="2537922"/>
-              <a:ext cx="0" cy="213425"/>
-            </a:xfrm>
-            <a:prstGeom prst="straightConnector1">
-              <a:avLst/>
-            </a:prstGeom>
-            <a:ln w="38100">
-              <a:solidFill>
-                <a:schemeClr val="bg1"/>
-              </a:solidFill>
-              <a:headEnd type="none" w="med" len="med"/>
-              <a:tailEnd type="triangle" w="med" len="med"/>
-            </a:ln>
-          </p:spPr>
-          <p:style>
-            <a:lnRef idx="1">
-              <a:schemeClr val="accent1"/>
-            </a:lnRef>
-            <a:fillRef idx="0">
-              <a:schemeClr val="accent1"/>
-            </a:fillRef>
-            <a:effectRef idx="0">
-              <a:schemeClr val="accent1"/>
-            </a:effectRef>
-            <a:fontRef idx="minor">
-              <a:schemeClr val="tx1"/>
-            </a:fontRef>
-          </p:style>
-        </p:cxnSp>
-        <p:cxnSp>
-          <p:nvCxnSpPr>
-            <p:cNvPr id="40" name="Straight Connector 39"/>
-            <p:cNvCxnSpPr>
-              <a:cxnSpLocks/>
-            </p:cNvCxnSpPr>
-            <p:nvPr/>
-          </p:nvCxnSpPr>
-          <p:spPr>
-            <a:xfrm rot="16200000">
-              <a:off x="1418577" y="2822743"/>
-              <a:ext cx="588704" cy="0"/>
-            </a:xfrm>
-            <a:prstGeom prst="line">
-              <a:avLst/>
-            </a:prstGeom>
-            <a:ln w="38100" cmpd="sng">
-              <a:solidFill>
-                <a:srgbClr val="FF6600"/>
-              </a:solidFill>
-              <a:prstDash val="solid"/>
-              <a:headEnd type="triangle" w="med" len="med"/>
-              <a:tailEnd type="triangle" w="med" len="med"/>
-            </a:ln>
-          </p:spPr>
-          <p:style>
-            <a:lnRef idx="1">
-              <a:schemeClr val="accent1"/>
-            </a:lnRef>
-            <a:fillRef idx="0">
-              <a:schemeClr val="accent1"/>
-            </a:fillRef>
-            <a:effectRef idx="0">
-              <a:schemeClr val="accent1"/>
-            </a:effectRef>
-            <a:fontRef idx="minor">
-              <a:schemeClr val="tx1"/>
-            </a:fontRef>
-          </p:style>
-        </p:cxnSp>
-      </p:grpSp>
-      <p:grpSp>
-        <p:nvGrpSpPr>
           <p:cNvPr id="6" name="Group 5"/>
           <p:cNvGrpSpPr/>
           <p:nvPr/>
@@ -18933,6 +18467,1771 @@
                 <a:schemeClr val="tx1"/>
               </a:solidFill>
             </a:endParaRPr>
+          </a:p>
+        </p:txBody>
+      </p:sp>
+      <p:grpSp>
+        <p:nvGrpSpPr>
+          <p:cNvPr id="8" name="Group 7"/>
+          <p:cNvGrpSpPr>
+            <a:grpSpLocks noChangeAspect="1"/>
+          </p:cNvGrpSpPr>
+          <p:nvPr/>
+        </p:nvGrpSpPr>
+        <p:grpSpPr>
+          <a:xfrm>
+            <a:off x="2056512" y="2490835"/>
+            <a:ext cx="548545" cy="550800"/>
+            <a:chOff x="2056512" y="2490835"/>
+            <a:chExt cx="548545" cy="550800"/>
+          </a:xfrm>
+        </p:grpSpPr>
+        <p:grpSp>
+          <p:nvGrpSpPr>
+            <p:cNvPr id="11" name="Group 10"/>
+            <p:cNvGrpSpPr>
+              <a:grpSpLocks noChangeAspect="1"/>
+            </p:cNvGrpSpPr>
+            <p:nvPr/>
+          </p:nvGrpSpPr>
+          <p:grpSpPr>
+            <a:xfrm>
+              <a:off x="2124948" y="2559552"/>
+              <a:ext cx="411673" cy="413366"/>
+              <a:chOff x="1590542" y="2477117"/>
+              <a:chExt cx="763108" cy="616291"/>
+            </a:xfrm>
+          </p:grpSpPr>
+          <p:sp>
+            <p:nvSpPr>
+              <p:cNvPr id="18" name="Rectangle 17"/>
+              <p:cNvSpPr>
+                <a:spLocks/>
+              </p:cNvSpPr>
+              <p:nvPr/>
+            </p:nvSpPr>
+            <p:spPr>
+              <a:xfrm flipV="1">
+                <a:off x="1737360" y="2477117"/>
+                <a:ext cx="616290" cy="434647"/>
+              </a:xfrm>
+              <a:prstGeom prst="rect">
+                <a:avLst/>
+              </a:prstGeom>
+              <a:solidFill>
+                <a:srgbClr val="0070C0"/>
+              </a:solidFill>
+              <a:ln w="19050">
+                <a:solidFill>
+                  <a:srgbClr val="0070C0"/>
+                </a:solidFill>
+                <a:prstDash val="solid"/>
+              </a:ln>
+            </p:spPr>
+            <p:style>
+              <a:lnRef idx="2">
+                <a:schemeClr val="accent1">
+                  <a:shade val="50000"/>
+                </a:schemeClr>
+              </a:lnRef>
+              <a:fillRef idx="1">
+                <a:schemeClr val="accent1"/>
+              </a:fillRef>
+              <a:effectRef idx="0">
+                <a:schemeClr val="accent1"/>
+              </a:effectRef>
+              <a:fontRef idx="minor">
+                <a:schemeClr val="lt1"/>
+              </a:fontRef>
+            </p:style>
+            <p:txBody>
+              <a:bodyPr rtlCol="0" anchor="ctr"/>
+              <a:lstStyle/>
+              <a:p>
+                <a:pPr algn="ctr"/>
+                <a:endParaRPr lang="en-US" sz="1000" b="1" dirty="0"/>
+              </a:p>
+            </p:txBody>
+          </p:sp>
+          <p:sp>
+            <p:nvSpPr>
+              <p:cNvPr id="20" name="Rectangle 19"/>
+              <p:cNvSpPr>
+                <a:spLocks/>
+              </p:cNvSpPr>
+              <p:nvPr/>
+            </p:nvSpPr>
+            <p:spPr>
+              <a:xfrm flipV="1">
+                <a:off x="1737360" y="2785262"/>
+                <a:ext cx="616290" cy="308146"/>
+              </a:xfrm>
+              <a:prstGeom prst="rect">
+                <a:avLst/>
+              </a:prstGeom>
+              <a:solidFill>
+                <a:schemeClr val="bg1"/>
+              </a:solidFill>
+              <a:ln w="19050">
+                <a:solidFill>
+                  <a:srgbClr val="0070C0"/>
+                </a:solidFill>
+              </a:ln>
+            </p:spPr>
+            <p:style>
+              <a:lnRef idx="2">
+                <a:schemeClr val="accent1">
+                  <a:shade val="50000"/>
+                </a:schemeClr>
+              </a:lnRef>
+              <a:fillRef idx="1">
+                <a:schemeClr val="accent1"/>
+              </a:fillRef>
+              <a:effectRef idx="0">
+                <a:schemeClr val="accent1"/>
+              </a:effectRef>
+              <a:fontRef idx="minor">
+                <a:schemeClr val="lt1"/>
+              </a:fontRef>
+            </p:style>
+            <p:txBody>
+              <a:bodyPr rtlCol="0" anchor="ctr"/>
+              <a:lstStyle/>
+              <a:p>
+                <a:pPr algn="ctr"/>
+                <a:endParaRPr lang="en-US" dirty="0"/>
+              </a:p>
+            </p:txBody>
+          </p:sp>
+          <p:cxnSp>
+            <p:nvCxnSpPr>
+              <p:cNvPr id="21" name="Straight Connector 20"/>
+              <p:cNvCxnSpPr>
+                <a:cxnSpLocks/>
+              </p:cNvCxnSpPr>
+              <p:nvPr/>
+            </p:nvCxnSpPr>
+            <p:spPr>
+              <a:xfrm>
+                <a:off x="1737360" y="3093408"/>
+                <a:ext cx="616290" cy="0"/>
+              </a:xfrm>
+              <a:prstGeom prst="line">
+                <a:avLst/>
+              </a:prstGeom>
+              <a:ln w="38100" cmpd="sng">
+                <a:solidFill>
+                  <a:srgbClr val="FF6600"/>
+                </a:solidFill>
+                <a:prstDash val="solid"/>
+                <a:headEnd type="triangle" w="med" len="med"/>
+                <a:tailEnd type="triangle" w="med" len="med"/>
+              </a:ln>
+            </p:spPr>
+            <p:style>
+              <a:lnRef idx="1">
+                <a:schemeClr val="accent1"/>
+              </a:lnRef>
+              <a:fillRef idx="0">
+                <a:schemeClr val="accent1"/>
+              </a:fillRef>
+              <a:effectRef idx="0">
+                <a:schemeClr val="accent1"/>
+              </a:effectRef>
+              <a:fontRef idx="minor">
+                <a:schemeClr val="tx1"/>
+              </a:fontRef>
+            </p:style>
+          </p:cxnSp>
+          <p:cxnSp>
+            <p:nvCxnSpPr>
+              <p:cNvPr id="22" name="Straight Arrow Connector 21"/>
+              <p:cNvCxnSpPr/>
+              <p:nvPr/>
+            </p:nvCxnSpPr>
+            <p:spPr>
+              <a:xfrm flipV="1">
+                <a:off x="2045505" y="2537922"/>
+                <a:ext cx="0" cy="213425"/>
+              </a:xfrm>
+              <a:prstGeom prst="straightConnector1">
+                <a:avLst/>
+              </a:prstGeom>
+              <a:ln w="38100">
+                <a:solidFill>
+                  <a:schemeClr val="bg1"/>
+                </a:solidFill>
+                <a:headEnd type="none" w="med" len="med"/>
+                <a:tailEnd type="triangle" w="med" len="med"/>
+              </a:ln>
+            </p:spPr>
+            <p:style>
+              <a:lnRef idx="1">
+                <a:schemeClr val="accent1"/>
+              </a:lnRef>
+              <a:fillRef idx="0">
+                <a:schemeClr val="accent1"/>
+              </a:fillRef>
+              <a:effectRef idx="0">
+                <a:schemeClr val="accent1"/>
+              </a:effectRef>
+              <a:fontRef idx="minor">
+                <a:schemeClr val="tx1"/>
+              </a:fontRef>
+            </p:style>
+          </p:cxnSp>
+          <p:cxnSp>
+            <p:nvCxnSpPr>
+              <p:cNvPr id="30" name="Straight Connector 29"/>
+              <p:cNvCxnSpPr>
+                <a:cxnSpLocks/>
+              </p:cNvCxnSpPr>
+              <p:nvPr/>
+            </p:nvCxnSpPr>
+            <p:spPr>
+              <a:xfrm rot="16200000">
+                <a:off x="1282397" y="2785262"/>
+                <a:ext cx="616290" cy="0"/>
+              </a:xfrm>
+              <a:prstGeom prst="line">
+                <a:avLst/>
+              </a:prstGeom>
+              <a:ln w="38100" cmpd="sng">
+                <a:solidFill>
+                  <a:srgbClr val="FF6600"/>
+                </a:solidFill>
+                <a:prstDash val="solid"/>
+                <a:headEnd type="triangle" w="med" len="med"/>
+                <a:tailEnd type="triangle" w="med" len="med"/>
+              </a:ln>
+            </p:spPr>
+            <p:style>
+              <a:lnRef idx="1">
+                <a:schemeClr val="accent1"/>
+              </a:lnRef>
+              <a:fillRef idx="0">
+                <a:schemeClr val="accent1"/>
+              </a:fillRef>
+              <a:effectRef idx="0">
+                <a:schemeClr val="accent1"/>
+              </a:effectRef>
+              <a:fontRef idx="minor">
+                <a:schemeClr val="tx1"/>
+              </a:fontRef>
+            </p:style>
+          </p:cxnSp>
+        </p:grpSp>
+        <p:sp>
+          <p:nvSpPr>
+            <p:cNvPr id="50" name="Rectangle 49"/>
+            <p:cNvSpPr>
+              <a:spLocks noChangeAspect="1"/>
+            </p:cNvSpPr>
+            <p:nvPr/>
+          </p:nvSpPr>
+          <p:spPr>
+            <a:xfrm>
+              <a:off x="2056512" y="2490835"/>
+              <a:ext cx="548545" cy="550800"/>
+            </a:xfrm>
+            <a:prstGeom prst="rect">
+              <a:avLst/>
+            </a:prstGeom>
+            <a:noFill/>
+            <a:ln w="9525">
+              <a:noFill/>
+            </a:ln>
+          </p:spPr>
+          <p:style>
+            <a:lnRef idx="2">
+              <a:schemeClr val="accent1">
+                <a:shade val="50000"/>
+              </a:schemeClr>
+            </a:lnRef>
+            <a:fillRef idx="1">
+              <a:schemeClr val="accent1"/>
+            </a:fillRef>
+            <a:effectRef idx="0">
+              <a:schemeClr val="accent1"/>
+            </a:effectRef>
+            <a:fontRef idx="minor">
+              <a:schemeClr val="lt1"/>
+            </a:fontRef>
+          </p:style>
+          <p:txBody>
+            <a:bodyPr rtlCol="0" anchor="ctr"/>
+            <a:lstStyle/>
+            <a:p>
+              <a:pPr algn="ctr"/>
+              <a:endParaRPr lang="en-US"/>
+            </a:p>
+          </p:txBody>
+        </p:sp>
+      </p:grpSp>
+      <p:grpSp>
+        <p:nvGrpSpPr>
+          <p:cNvPr id="14" name="Group 13"/>
+          <p:cNvGrpSpPr/>
+          <p:nvPr/>
+        </p:nvGrpSpPr>
+        <p:grpSpPr>
+          <a:xfrm>
+            <a:off x="4356114" y="2494820"/>
+            <a:ext cx="548545" cy="550800"/>
+            <a:chOff x="4356114" y="2494820"/>
+            <a:chExt cx="548545" cy="550800"/>
+          </a:xfrm>
+        </p:grpSpPr>
+        <p:grpSp>
+          <p:nvGrpSpPr>
+            <p:cNvPr id="32" name="Group 31"/>
+            <p:cNvGrpSpPr>
+              <a:grpSpLocks/>
+            </p:cNvGrpSpPr>
+            <p:nvPr/>
+          </p:nvGrpSpPr>
+          <p:grpSpPr>
+            <a:xfrm rot="5400000">
+              <a:off x="4426986" y="2561420"/>
+              <a:ext cx="410400" cy="414000"/>
+              <a:chOff x="1712929" y="2528392"/>
+              <a:chExt cx="640722" cy="588704"/>
+            </a:xfrm>
+          </p:grpSpPr>
+          <p:sp>
+            <p:nvSpPr>
+              <p:cNvPr id="33" name="Rectangle 32"/>
+              <p:cNvSpPr>
+                <a:spLocks/>
+              </p:cNvSpPr>
+              <p:nvPr/>
+            </p:nvSpPr>
+            <p:spPr>
+              <a:xfrm flipV="1">
+                <a:off x="1804325" y="2537920"/>
+                <a:ext cx="549326" cy="373843"/>
+              </a:xfrm>
+              <a:prstGeom prst="rect">
+                <a:avLst/>
+              </a:prstGeom>
+              <a:solidFill>
+                <a:srgbClr val="0070C0"/>
+              </a:solidFill>
+              <a:ln w="19050">
+                <a:solidFill>
+                  <a:srgbClr val="0070C0"/>
+                </a:solidFill>
+                <a:prstDash val="solid"/>
+              </a:ln>
+            </p:spPr>
+            <p:style>
+              <a:lnRef idx="2">
+                <a:schemeClr val="accent1">
+                  <a:shade val="50000"/>
+                </a:schemeClr>
+              </a:lnRef>
+              <a:fillRef idx="1">
+                <a:schemeClr val="accent1"/>
+              </a:fillRef>
+              <a:effectRef idx="0">
+                <a:schemeClr val="accent1"/>
+              </a:effectRef>
+              <a:fontRef idx="minor">
+                <a:schemeClr val="lt1"/>
+              </a:fontRef>
+            </p:style>
+            <p:txBody>
+              <a:bodyPr rtlCol="0" anchor="ctr"/>
+              <a:lstStyle/>
+              <a:p>
+                <a:pPr algn="ctr"/>
+                <a:endParaRPr lang="en-US" sz="1000" b="1" dirty="0"/>
+              </a:p>
+            </p:txBody>
+          </p:sp>
+          <p:sp>
+            <p:nvSpPr>
+              <p:cNvPr id="34" name="Rectangle 33"/>
+              <p:cNvSpPr>
+                <a:spLocks/>
+              </p:cNvSpPr>
+              <p:nvPr/>
+            </p:nvSpPr>
+            <p:spPr>
+              <a:xfrm flipV="1">
+                <a:off x="1804322" y="2785262"/>
+                <a:ext cx="549328" cy="308146"/>
+              </a:xfrm>
+              <a:prstGeom prst="rect">
+                <a:avLst/>
+              </a:prstGeom>
+              <a:solidFill>
+                <a:schemeClr val="bg1"/>
+              </a:solidFill>
+              <a:ln w="19050">
+                <a:solidFill>
+                  <a:srgbClr val="0070C0"/>
+                </a:solidFill>
+              </a:ln>
+            </p:spPr>
+            <p:style>
+              <a:lnRef idx="2">
+                <a:schemeClr val="accent1">
+                  <a:shade val="50000"/>
+                </a:schemeClr>
+              </a:lnRef>
+              <a:fillRef idx="1">
+                <a:schemeClr val="accent1"/>
+              </a:fillRef>
+              <a:effectRef idx="0">
+                <a:schemeClr val="accent1"/>
+              </a:effectRef>
+              <a:fontRef idx="minor">
+                <a:schemeClr val="lt1"/>
+              </a:fontRef>
+            </p:style>
+            <p:txBody>
+              <a:bodyPr rtlCol="0" anchor="ctr"/>
+              <a:lstStyle/>
+              <a:p>
+                <a:pPr algn="ctr"/>
+                <a:endParaRPr lang="en-US" dirty="0"/>
+              </a:p>
+            </p:txBody>
+          </p:sp>
+          <p:cxnSp>
+            <p:nvCxnSpPr>
+              <p:cNvPr id="38" name="Straight Connector 37"/>
+              <p:cNvCxnSpPr>
+                <a:cxnSpLocks/>
+              </p:cNvCxnSpPr>
+              <p:nvPr/>
+            </p:nvCxnSpPr>
+            <p:spPr>
+              <a:xfrm rot="16200000">
+                <a:off x="2078986" y="2818744"/>
+                <a:ext cx="0" cy="549328"/>
+              </a:xfrm>
+              <a:prstGeom prst="line">
+                <a:avLst/>
+              </a:prstGeom>
+              <a:ln w="38100" cmpd="sng">
+                <a:solidFill>
+                  <a:srgbClr val="FF6600"/>
+                </a:solidFill>
+                <a:prstDash val="solid"/>
+                <a:headEnd type="triangle" w="med" len="med"/>
+                <a:tailEnd type="triangle" w="med" len="med"/>
+              </a:ln>
+            </p:spPr>
+            <p:style>
+              <a:lnRef idx="1">
+                <a:schemeClr val="accent1"/>
+              </a:lnRef>
+              <a:fillRef idx="0">
+                <a:schemeClr val="accent1"/>
+              </a:fillRef>
+              <a:effectRef idx="0">
+                <a:schemeClr val="accent1"/>
+              </a:effectRef>
+              <a:fontRef idx="minor">
+                <a:schemeClr val="tx1"/>
+              </a:fontRef>
+            </p:style>
+          </p:cxnSp>
+          <p:cxnSp>
+            <p:nvCxnSpPr>
+              <p:cNvPr id="39" name="Straight Arrow Connector 38"/>
+              <p:cNvCxnSpPr/>
+              <p:nvPr/>
+            </p:nvCxnSpPr>
+            <p:spPr>
+              <a:xfrm flipV="1">
+                <a:off x="2075989" y="2537922"/>
+                <a:ext cx="0" cy="213425"/>
+              </a:xfrm>
+              <a:prstGeom prst="straightConnector1">
+                <a:avLst/>
+              </a:prstGeom>
+              <a:ln w="38100">
+                <a:solidFill>
+                  <a:schemeClr val="bg1"/>
+                </a:solidFill>
+                <a:headEnd type="none" w="med" len="med"/>
+                <a:tailEnd type="triangle" w="med" len="med"/>
+              </a:ln>
+            </p:spPr>
+            <p:style>
+              <a:lnRef idx="1">
+                <a:schemeClr val="accent1"/>
+              </a:lnRef>
+              <a:fillRef idx="0">
+                <a:schemeClr val="accent1"/>
+              </a:fillRef>
+              <a:effectRef idx="0">
+                <a:schemeClr val="accent1"/>
+              </a:effectRef>
+              <a:fontRef idx="minor">
+                <a:schemeClr val="tx1"/>
+              </a:fontRef>
+            </p:style>
+          </p:cxnSp>
+          <p:cxnSp>
+            <p:nvCxnSpPr>
+              <p:cNvPr id="40" name="Straight Connector 39"/>
+              <p:cNvCxnSpPr>
+                <a:cxnSpLocks/>
+              </p:cNvCxnSpPr>
+              <p:nvPr/>
+            </p:nvCxnSpPr>
+            <p:spPr>
+              <a:xfrm rot="16200000">
+                <a:off x="1418577" y="2822744"/>
+                <a:ext cx="588704" cy="0"/>
+              </a:xfrm>
+              <a:prstGeom prst="line">
+                <a:avLst/>
+              </a:prstGeom>
+              <a:ln w="38100" cmpd="sng">
+                <a:solidFill>
+                  <a:srgbClr val="FF6600"/>
+                </a:solidFill>
+                <a:prstDash val="solid"/>
+                <a:headEnd type="triangle" w="med" len="med"/>
+                <a:tailEnd type="triangle" w="med" len="med"/>
+              </a:ln>
+            </p:spPr>
+            <p:style>
+              <a:lnRef idx="1">
+                <a:schemeClr val="accent1"/>
+              </a:lnRef>
+              <a:fillRef idx="0">
+                <a:schemeClr val="accent1"/>
+              </a:fillRef>
+              <a:effectRef idx="0">
+                <a:schemeClr val="accent1"/>
+              </a:effectRef>
+              <a:fontRef idx="minor">
+                <a:schemeClr val="tx1"/>
+              </a:fontRef>
+            </p:style>
+          </p:cxnSp>
+        </p:grpSp>
+        <p:sp>
+          <p:nvSpPr>
+            <p:cNvPr id="122" name="Rectangle 121"/>
+            <p:cNvSpPr>
+              <a:spLocks/>
+            </p:cNvSpPr>
+            <p:nvPr/>
+          </p:nvSpPr>
+          <p:spPr>
+            <a:xfrm>
+              <a:off x="4356114" y="2494820"/>
+              <a:ext cx="548545" cy="550800"/>
+            </a:xfrm>
+            <a:prstGeom prst="rect">
+              <a:avLst/>
+            </a:prstGeom>
+            <a:noFill/>
+            <a:ln w="9525">
+              <a:noFill/>
+            </a:ln>
+          </p:spPr>
+          <p:style>
+            <a:lnRef idx="2">
+              <a:schemeClr val="accent1">
+                <a:shade val="50000"/>
+              </a:schemeClr>
+            </a:lnRef>
+            <a:fillRef idx="1">
+              <a:schemeClr val="accent1"/>
+            </a:fillRef>
+            <a:effectRef idx="0">
+              <a:schemeClr val="accent1"/>
+            </a:effectRef>
+            <a:fontRef idx="minor">
+              <a:schemeClr val="lt1"/>
+            </a:fontRef>
+          </p:style>
+          <p:txBody>
+            <a:bodyPr rtlCol="0" anchor="ctr"/>
+            <a:lstStyle/>
+            <a:p>
+              <a:pPr algn="ctr"/>
+              <a:endParaRPr lang="en-US"/>
+            </a:p>
+          </p:txBody>
+        </p:sp>
+      </p:grpSp>
+      <p:grpSp>
+        <p:nvGrpSpPr>
+          <p:cNvPr id="123" name="Group 7_Copy"/>
+          <p:cNvGrpSpPr/>
+          <p:nvPr/>
+        </p:nvGrpSpPr>
+        <p:grpSpPr>
+          <a:xfrm>
+            <a:off x="2056512" y="2490835"/>
+            <a:ext cx="548545" cy="550800"/>
+            <a:chOff x="2056512" y="2490835"/>
+            <a:chExt cx="548545" cy="550800"/>
+          </a:xfrm>
+        </p:grpSpPr>
+        <p:grpSp>
+          <p:nvGrpSpPr>
+            <p:cNvPr id="124" name="Group 123"/>
+            <p:cNvGrpSpPr>
+              <a:grpSpLocks noChangeAspect="1"/>
+            </p:cNvGrpSpPr>
+            <p:nvPr/>
+          </p:nvGrpSpPr>
+          <p:grpSpPr>
+            <a:xfrm>
+              <a:off x="2124948" y="2559552"/>
+              <a:ext cx="411673" cy="413366"/>
+              <a:chOff x="1590542" y="2477117"/>
+              <a:chExt cx="763108" cy="616291"/>
+            </a:xfrm>
+          </p:grpSpPr>
+          <p:sp>
+            <p:nvSpPr>
+              <p:cNvPr id="126" name="Rectangle 125"/>
+              <p:cNvSpPr>
+                <a:spLocks/>
+              </p:cNvSpPr>
+              <p:nvPr/>
+            </p:nvSpPr>
+            <p:spPr>
+              <a:xfrm flipV="1">
+                <a:off x="1737360" y="2477117"/>
+                <a:ext cx="616290" cy="434647"/>
+              </a:xfrm>
+              <a:prstGeom prst="rect">
+                <a:avLst/>
+              </a:prstGeom>
+              <a:solidFill>
+                <a:srgbClr val="0070C0"/>
+              </a:solidFill>
+              <a:ln w="19050">
+                <a:solidFill>
+                  <a:srgbClr val="0070C0"/>
+                </a:solidFill>
+                <a:prstDash val="solid"/>
+              </a:ln>
+            </p:spPr>
+            <p:style>
+              <a:lnRef idx="2">
+                <a:schemeClr val="accent1">
+                  <a:shade val="50000"/>
+                </a:schemeClr>
+              </a:lnRef>
+              <a:fillRef idx="1">
+                <a:schemeClr val="accent1"/>
+              </a:fillRef>
+              <a:effectRef idx="0">
+                <a:schemeClr val="accent1"/>
+              </a:effectRef>
+              <a:fontRef idx="minor">
+                <a:schemeClr val="lt1"/>
+              </a:fontRef>
+            </p:style>
+            <p:txBody>
+              <a:bodyPr rtlCol="0" anchor="ctr"/>
+              <a:lstStyle/>
+              <a:p>
+                <a:pPr algn="ctr"/>
+                <a:endParaRPr lang="en-US" sz="1000" b="1" dirty="0"/>
+              </a:p>
+            </p:txBody>
+          </p:sp>
+          <p:sp>
+            <p:nvSpPr>
+              <p:cNvPr id="127" name="Rectangle 126"/>
+              <p:cNvSpPr>
+                <a:spLocks/>
+              </p:cNvSpPr>
+              <p:nvPr/>
+            </p:nvSpPr>
+            <p:spPr>
+              <a:xfrm flipV="1">
+                <a:off x="1737360" y="2785262"/>
+                <a:ext cx="616290" cy="308146"/>
+              </a:xfrm>
+              <a:prstGeom prst="rect">
+                <a:avLst/>
+              </a:prstGeom>
+              <a:solidFill>
+                <a:schemeClr val="bg1"/>
+              </a:solidFill>
+              <a:ln w="19050">
+                <a:solidFill>
+                  <a:srgbClr val="0070C0"/>
+                </a:solidFill>
+              </a:ln>
+            </p:spPr>
+            <p:style>
+              <a:lnRef idx="2">
+                <a:schemeClr val="accent1">
+                  <a:shade val="50000"/>
+                </a:schemeClr>
+              </a:lnRef>
+              <a:fillRef idx="1">
+                <a:schemeClr val="accent1"/>
+              </a:fillRef>
+              <a:effectRef idx="0">
+                <a:schemeClr val="accent1"/>
+              </a:effectRef>
+              <a:fontRef idx="minor">
+                <a:schemeClr val="lt1"/>
+              </a:fontRef>
+            </p:style>
+            <p:txBody>
+              <a:bodyPr rtlCol="0" anchor="ctr"/>
+              <a:lstStyle/>
+              <a:p>
+                <a:pPr algn="ctr"/>
+                <a:endParaRPr lang="en-US" dirty="0"/>
+              </a:p>
+            </p:txBody>
+          </p:sp>
+          <p:cxnSp>
+            <p:nvCxnSpPr>
+              <p:cNvPr id="128" name="Straight Connector 127"/>
+              <p:cNvCxnSpPr>
+                <a:cxnSpLocks/>
+              </p:cNvCxnSpPr>
+              <p:nvPr/>
+            </p:nvCxnSpPr>
+            <p:spPr>
+              <a:xfrm>
+                <a:off x="1737360" y="3093408"/>
+                <a:ext cx="616290" cy="0"/>
+              </a:xfrm>
+              <a:prstGeom prst="line">
+                <a:avLst/>
+              </a:prstGeom>
+              <a:ln w="38100" cmpd="sng">
+                <a:solidFill>
+                  <a:srgbClr val="FF6600"/>
+                </a:solidFill>
+                <a:prstDash val="solid"/>
+                <a:headEnd type="triangle" w="med" len="med"/>
+                <a:tailEnd type="triangle" w="med" len="med"/>
+              </a:ln>
+            </p:spPr>
+            <p:style>
+              <a:lnRef idx="1">
+                <a:schemeClr val="accent1"/>
+              </a:lnRef>
+              <a:fillRef idx="0">
+                <a:schemeClr val="accent1"/>
+              </a:fillRef>
+              <a:effectRef idx="0">
+                <a:schemeClr val="accent1"/>
+              </a:effectRef>
+              <a:fontRef idx="minor">
+                <a:schemeClr val="tx1"/>
+              </a:fontRef>
+            </p:style>
+          </p:cxnSp>
+          <p:cxnSp>
+            <p:nvCxnSpPr>
+              <p:cNvPr id="129" name="Straight Arrow Connector 128"/>
+              <p:cNvCxnSpPr/>
+              <p:nvPr/>
+            </p:nvCxnSpPr>
+            <p:spPr>
+              <a:xfrm flipV="1">
+                <a:off x="2045505" y="2537922"/>
+                <a:ext cx="0" cy="213425"/>
+              </a:xfrm>
+              <a:prstGeom prst="straightConnector1">
+                <a:avLst/>
+              </a:prstGeom>
+              <a:ln w="38100">
+                <a:solidFill>
+                  <a:schemeClr val="bg1"/>
+                </a:solidFill>
+                <a:headEnd type="none" w="med" len="med"/>
+                <a:tailEnd type="triangle" w="med" len="med"/>
+              </a:ln>
+            </p:spPr>
+            <p:style>
+              <a:lnRef idx="1">
+                <a:schemeClr val="accent1"/>
+              </a:lnRef>
+              <a:fillRef idx="0">
+                <a:schemeClr val="accent1"/>
+              </a:fillRef>
+              <a:effectRef idx="0">
+                <a:schemeClr val="accent1"/>
+              </a:effectRef>
+              <a:fontRef idx="minor">
+                <a:schemeClr val="tx1"/>
+              </a:fontRef>
+            </p:style>
+          </p:cxnSp>
+          <p:cxnSp>
+            <p:nvCxnSpPr>
+              <p:cNvPr id="130" name="Straight Connector 129"/>
+              <p:cNvCxnSpPr>
+                <a:cxnSpLocks/>
+              </p:cNvCxnSpPr>
+              <p:nvPr/>
+            </p:nvCxnSpPr>
+            <p:spPr>
+              <a:xfrm rot="16200000">
+                <a:off x="1282397" y="2785262"/>
+                <a:ext cx="616290" cy="0"/>
+              </a:xfrm>
+              <a:prstGeom prst="line">
+                <a:avLst/>
+              </a:prstGeom>
+              <a:ln w="38100" cmpd="sng">
+                <a:solidFill>
+                  <a:srgbClr val="FF6600"/>
+                </a:solidFill>
+                <a:prstDash val="solid"/>
+                <a:headEnd type="triangle" w="med" len="med"/>
+                <a:tailEnd type="triangle" w="med" len="med"/>
+              </a:ln>
+            </p:spPr>
+            <p:style>
+              <a:lnRef idx="1">
+                <a:schemeClr val="accent1"/>
+              </a:lnRef>
+              <a:fillRef idx="0">
+                <a:schemeClr val="accent1"/>
+              </a:fillRef>
+              <a:effectRef idx="0">
+                <a:schemeClr val="accent1"/>
+              </a:effectRef>
+              <a:fontRef idx="minor">
+                <a:schemeClr val="tx1"/>
+              </a:fontRef>
+            </p:style>
+          </p:cxnSp>
+        </p:grpSp>
+        <p:sp>
+          <p:nvSpPr>
+            <p:cNvPr id="125" name="Rectangle 124"/>
+            <p:cNvSpPr>
+              <a:spLocks noChangeAspect="1"/>
+            </p:cNvSpPr>
+            <p:nvPr/>
+          </p:nvSpPr>
+          <p:spPr>
+            <a:xfrm>
+              <a:off x="2056512" y="2490835"/>
+              <a:ext cx="548545" cy="550800"/>
+            </a:xfrm>
+            <a:prstGeom prst="rect">
+              <a:avLst/>
+            </a:prstGeom>
+            <a:noFill/>
+            <a:ln w="9525">
+              <a:noFill/>
+            </a:ln>
+          </p:spPr>
+          <p:style>
+            <a:lnRef idx="2">
+              <a:schemeClr val="accent1">
+                <a:shade val="50000"/>
+              </a:schemeClr>
+            </a:lnRef>
+            <a:fillRef idx="1">
+              <a:schemeClr val="accent1"/>
+            </a:fillRef>
+            <a:effectRef idx="0">
+              <a:schemeClr val="accent1"/>
+            </a:effectRef>
+            <a:fontRef idx="minor">
+              <a:schemeClr val="lt1"/>
+            </a:fontRef>
+          </p:style>
+          <p:txBody>
+            <a:bodyPr rtlCol="0" anchor="ctr"/>
+            <a:lstStyle/>
+            <a:p>
+              <a:pPr algn="ctr"/>
+              <a:endParaRPr lang="en-US"/>
+            </a:p>
+          </p:txBody>
+        </p:sp>
+      </p:grpSp>
+      <p:grpSp>
+        <p:nvGrpSpPr>
+          <p:cNvPr id="131" name="Group 7_Copy"/>
+          <p:cNvGrpSpPr/>
+          <p:nvPr/>
+        </p:nvGrpSpPr>
+        <p:grpSpPr>
+          <a:xfrm>
+            <a:off x="2056512" y="2490835"/>
+            <a:ext cx="548545" cy="550800"/>
+            <a:chOff x="2056512" y="2490835"/>
+            <a:chExt cx="548545" cy="550800"/>
+          </a:xfrm>
+        </p:grpSpPr>
+        <p:grpSp>
+          <p:nvGrpSpPr>
+            <p:cNvPr id="132" name="Group 131"/>
+            <p:cNvGrpSpPr>
+              <a:grpSpLocks noChangeAspect="1"/>
+            </p:cNvGrpSpPr>
+            <p:nvPr/>
+          </p:nvGrpSpPr>
+          <p:grpSpPr>
+            <a:xfrm>
+              <a:off x="2124948" y="2559552"/>
+              <a:ext cx="411673" cy="413366"/>
+              <a:chOff x="1590542" y="2477117"/>
+              <a:chExt cx="763108" cy="616291"/>
+            </a:xfrm>
+          </p:grpSpPr>
+          <p:sp>
+            <p:nvSpPr>
+              <p:cNvPr id="134" name="Rectangle 133"/>
+              <p:cNvSpPr>
+                <a:spLocks/>
+              </p:cNvSpPr>
+              <p:nvPr/>
+            </p:nvSpPr>
+            <p:spPr>
+              <a:xfrm flipV="1">
+                <a:off x="1737360" y="2477117"/>
+                <a:ext cx="616290" cy="434647"/>
+              </a:xfrm>
+              <a:prstGeom prst="rect">
+                <a:avLst/>
+              </a:prstGeom>
+              <a:solidFill>
+                <a:srgbClr val="0070C0"/>
+              </a:solidFill>
+              <a:ln w="19050">
+                <a:solidFill>
+                  <a:srgbClr val="0070C0"/>
+                </a:solidFill>
+                <a:prstDash val="solid"/>
+              </a:ln>
+            </p:spPr>
+            <p:style>
+              <a:lnRef idx="2">
+                <a:schemeClr val="accent1">
+                  <a:shade val="50000"/>
+                </a:schemeClr>
+              </a:lnRef>
+              <a:fillRef idx="1">
+                <a:schemeClr val="accent1"/>
+              </a:fillRef>
+              <a:effectRef idx="0">
+                <a:schemeClr val="accent1"/>
+              </a:effectRef>
+              <a:fontRef idx="minor">
+                <a:schemeClr val="lt1"/>
+              </a:fontRef>
+            </p:style>
+            <p:txBody>
+              <a:bodyPr rtlCol="0" anchor="ctr"/>
+              <a:lstStyle/>
+              <a:p>
+                <a:pPr algn="ctr"/>
+                <a:endParaRPr lang="en-US" sz="1000" b="1" dirty="0"/>
+              </a:p>
+            </p:txBody>
+          </p:sp>
+          <p:sp>
+            <p:nvSpPr>
+              <p:cNvPr id="135" name="Rectangle 134"/>
+              <p:cNvSpPr>
+                <a:spLocks/>
+              </p:cNvSpPr>
+              <p:nvPr/>
+            </p:nvSpPr>
+            <p:spPr>
+              <a:xfrm flipV="1">
+                <a:off x="1737360" y="2785262"/>
+                <a:ext cx="616290" cy="308146"/>
+              </a:xfrm>
+              <a:prstGeom prst="rect">
+                <a:avLst/>
+              </a:prstGeom>
+              <a:solidFill>
+                <a:schemeClr val="bg1"/>
+              </a:solidFill>
+              <a:ln w="19050">
+                <a:solidFill>
+                  <a:srgbClr val="0070C0"/>
+                </a:solidFill>
+              </a:ln>
+            </p:spPr>
+            <p:style>
+              <a:lnRef idx="2">
+                <a:schemeClr val="accent1">
+                  <a:shade val="50000"/>
+                </a:schemeClr>
+              </a:lnRef>
+              <a:fillRef idx="1">
+                <a:schemeClr val="accent1"/>
+              </a:fillRef>
+              <a:effectRef idx="0">
+                <a:schemeClr val="accent1"/>
+              </a:effectRef>
+              <a:fontRef idx="minor">
+                <a:schemeClr val="lt1"/>
+              </a:fontRef>
+            </p:style>
+            <p:txBody>
+              <a:bodyPr rtlCol="0" anchor="ctr"/>
+              <a:lstStyle/>
+              <a:p>
+                <a:pPr algn="ctr"/>
+                <a:endParaRPr lang="en-US" dirty="0"/>
+              </a:p>
+            </p:txBody>
+          </p:sp>
+          <p:cxnSp>
+            <p:nvCxnSpPr>
+              <p:cNvPr id="136" name="Straight Connector 135"/>
+              <p:cNvCxnSpPr>
+                <a:cxnSpLocks/>
+              </p:cNvCxnSpPr>
+              <p:nvPr/>
+            </p:nvCxnSpPr>
+            <p:spPr>
+              <a:xfrm>
+                <a:off x="1737360" y="3093408"/>
+                <a:ext cx="616290" cy="0"/>
+              </a:xfrm>
+              <a:prstGeom prst="line">
+                <a:avLst/>
+              </a:prstGeom>
+              <a:ln w="38100" cmpd="sng">
+                <a:solidFill>
+                  <a:srgbClr val="FF6600"/>
+                </a:solidFill>
+                <a:prstDash val="solid"/>
+                <a:headEnd type="triangle" w="med" len="med"/>
+                <a:tailEnd type="triangle" w="med" len="med"/>
+              </a:ln>
+            </p:spPr>
+            <p:style>
+              <a:lnRef idx="1">
+                <a:schemeClr val="accent1"/>
+              </a:lnRef>
+              <a:fillRef idx="0">
+                <a:schemeClr val="accent1"/>
+              </a:fillRef>
+              <a:effectRef idx="0">
+                <a:schemeClr val="accent1"/>
+              </a:effectRef>
+              <a:fontRef idx="minor">
+                <a:schemeClr val="tx1"/>
+              </a:fontRef>
+            </p:style>
+          </p:cxnSp>
+          <p:cxnSp>
+            <p:nvCxnSpPr>
+              <p:cNvPr id="137" name="Straight Arrow Connector 136"/>
+              <p:cNvCxnSpPr/>
+              <p:nvPr/>
+            </p:nvCxnSpPr>
+            <p:spPr>
+              <a:xfrm flipV="1">
+                <a:off x="2045505" y="2537922"/>
+                <a:ext cx="0" cy="213425"/>
+              </a:xfrm>
+              <a:prstGeom prst="straightConnector1">
+                <a:avLst/>
+              </a:prstGeom>
+              <a:ln w="38100">
+                <a:solidFill>
+                  <a:schemeClr val="bg1"/>
+                </a:solidFill>
+                <a:headEnd type="none" w="med" len="med"/>
+                <a:tailEnd type="triangle" w="med" len="med"/>
+              </a:ln>
+            </p:spPr>
+            <p:style>
+              <a:lnRef idx="1">
+                <a:schemeClr val="accent1"/>
+              </a:lnRef>
+              <a:fillRef idx="0">
+                <a:schemeClr val="accent1"/>
+              </a:fillRef>
+              <a:effectRef idx="0">
+                <a:schemeClr val="accent1"/>
+              </a:effectRef>
+              <a:fontRef idx="minor">
+                <a:schemeClr val="tx1"/>
+              </a:fontRef>
+            </p:style>
+          </p:cxnSp>
+          <p:cxnSp>
+            <p:nvCxnSpPr>
+              <p:cNvPr id="138" name="Straight Connector 137"/>
+              <p:cNvCxnSpPr>
+                <a:cxnSpLocks/>
+              </p:cNvCxnSpPr>
+              <p:nvPr/>
+            </p:nvCxnSpPr>
+            <p:spPr>
+              <a:xfrm rot="16200000">
+                <a:off x="1282397" y="2785262"/>
+                <a:ext cx="616290" cy="0"/>
+              </a:xfrm>
+              <a:prstGeom prst="line">
+                <a:avLst/>
+              </a:prstGeom>
+              <a:ln w="38100" cmpd="sng">
+                <a:solidFill>
+                  <a:srgbClr val="FF6600"/>
+                </a:solidFill>
+                <a:prstDash val="solid"/>
+                <a:headEnd type="triangle" w="med" len="med"/>
+                <a:tailEnd type="triangle" w="med" len="med"/>
+              </a:ln>
+            </p:spPr>
+            <p:style>
+              <a:lnRef idx="1">
+                <a:schemeClr val="accent1"/>
+              </a:lnRef>
+              <a:fillRef idx="0">
+                <a:schemeClr val="accent1"/>
+              </a:fillRef>
+              <a:effectRef idx="0">
+                <a:schemeClr val="accent1"/>
+              </a:effectRef>
+              <a:fontRef idx="minor">
+                <a:schemeClr val="tx1"/>
+              </a:fontRef>
+            </p:style>
+          </p:cxnSp>
+        </p:grpSp>
+        <p:sp>
+          <p:nvSpPr>
+            <p:cNvPr id="133" name="Rectangle 132"/>
+            <p:cNvSpPr>
+              <a:spLocks noChangeAspect="1"/>
+            </p:cNvSpPr>
+            <p:nvPr/>
+          </p:nvSpPr>
+          <p:spPr>
+            <a:xfrm>
+              <a:off x="2056512" y="2490835"/>
+              <a:ext cx="548545" cy="550800"/>
+            </a:xfrm>
+            <a:prstGeom prst="rect">
+              <a:avLst/>
+            </a:prstGeom>
+            <a:noFill/>
+            <a:ln w="9525">
+              <a:noFill/>
+            </a:ln>
+          </p:spPr>
+          <p:style>
+            <a:lnRef idx="2">
+              <a:schemeClr val="accent1">
+                <a:shade val="50000"/>
+              </a:schemeClr>
+            </a:lnRef>
+            <a:fillRef idx="1">
+              <a:schemeClr val="accent1"/>
+            </a:fillRef>
+            <a:effectRef idx="0">
+              <a:schemeClr val="accent1"/>
+            </a:effectRef>
+            <a:fontRef idx="minor">
+              <a:schemeClr val="lt1"/>
+            </a:fontRef>
+          </p:style>
+          <p:txBody>
+            <a:bodyPr rtlCol="0" anchor="ctr"/>
+            <a:lstStyle/>
+            <a:p>
+              <a:pPr algn="ctr"/>
+              <a:endParaRPr lang="en-US"/>
+            </a:p>
+          </p:txBody>
+        </p:sp>
+      </p:grpSp>
+      <p:grpSp>
+        <p:nvGrpSpPr>
+          <p:cNvPr id="139" name="Group 7_Copy"/>
+          <p:cNvGrpSpPr>
+            <a:grpSpLocks noChangeAspect="1"/>
+          </p:cNvGrpSpPr>
+          <p:nvPr/>
+        </p:nvGrpSpPr>
+        <p:grpSpPr>
+          <a:xfrm>
+            <a:off x="2056512" y="2490835"/>
+            <a:ext cx="548545" cy="550800"/>
+            <a:chOff x="2056512" y="2490835"/>
+            <a:chExt cx="548545" cy="550800"/>
+          </a:xfrm>
+        </p:grpSpPr>
+        <p:grpSp>
+          <p:nvGrpSpPr>
+            <p:cNvPr id="140" name="Group 139"/>
+            <p:cNvGrpSpPr>
+              <a:grpSpLocks noChangeAspect="1"/>
+            </p:cNvGrpSpPr>
+            <p:nvPr/>
+          </p:nvGrpSpPr>
+          <p:grpSpPr>
+            <a:xfrm>
+              <a:off x="2124948" y="2559552"/>
+              <a:ext cx="411673" cy="413366"/>
+              <a:chOff x="1590542" y="2477117"/>
+              <a:chExt cx="763108" cy="616291"/>
+            </a:xfrm>
+          </p:grpSpPr>
+          <p:sp>
+            <p:nvSpPr>
+              <p:cNvPr id="142" name="Rectangle 141"/>
+              <p:cNvSpPr>
+                <a:spLocks/>
+              </p:cNvSpPr>
+              <p:nvPr/>
+            </p:nvSpPr>
+            <p:spPr>
+              <a:xfrm flipV="1">
+                <a:off x="1737360" y="2477117"/>
+                <a:ext cx="616290" cy="434647"/>
+              </a:xfrm>
+              <a:prstGeom prst="rect">
+                <a:avLst/>
+              </a:prstGeom>
+              <a:solidFill>
+                <a:srgbClr val="0070C0"/>
+              </a:solidFill>
+              <a:ln w="19050">
+                <a:solidFill>
+                  <a:srgbClr val="0070C0"/>
+                </a:solidFill>
+                <a:prstDash val="solid"/>
+              </a:ln>
+            </p:spPr>
+            <p:style>
+              <a:lnRef idx="2">
+                <a:schemeClr val="accent1">
+                  <a:shade val="50000"/>
+                </a:schemeClr>
+              </a:lnRef>
+              <a:fillRef idx="1">
+                <a:schemeClr val="accent1"/>
+              </a:fillRef>
+              <a:effectRef idx="0">
+                <a:schemeClr val="accent1"/>
+              </a:effectRef>
+              <a:fontRef idx="minor">
+                <a:schemeClr val="lt1"/>
+              </a:fontRef>
+            </p:style>
+            <p:txBody>
+              <a:bodyPr rtlCol="0" anchor="ctr"/>
+              <a:lstStyle/>
+              <a:p>
+                <a:pPr algn="ctr"/>
+                <a:endParaRPr lang="en-US" sz="1000" b="1" dirty="0"/>
+              </a:p>
+            </p:txBody>
+          </p:sp>
+          <p:sp>
+            <p:nvSpPr>
+              <p:cNvPr id="143" name="Rectangle 142"/>
+              <p:cNvSpPr>
+                <a:spLocks/>
+              </p:cNvSpPr>
+              <p:nvPr/>
+            </p:nvSpPr>
+            <p:spPr>
+              <a:xfrm flipV="1">
+                <a:off x="1737360" y="2785262"/>
+                <a:ext cx="616290" cy="308146"/>
+              </a:xfrm>
+              <a:prstGeom prst="rect">
+                <a:avLst/>
+              </a:prstGeom>
+              <a:solidFill>
+                <a:schemeClr val="bg1"/>
+              </a:solidFill>
+              <a:ln w="19050">
+                <a:solidFill>
+                  <a:srgbClr val="0070C0"/>
+                </a:solidFill>
+              </a:ln>
+            </p:spPr>
+            <p:style>
+              <a:lnRef idx="2">
+                <a:schemeClr val="accent1">
+                  <a:shade val="50000"/>
+                </a:schemeClr>
+              </a:lnRef>
+              <a:fillRef idx="1">
+                <a:schemeClr val="accent1"/>
+              </a:fillRef>
+              <a:effectRef idx="0">
+                <a:schemeClr val="accent1"/>
+              </a:effectRef>
+              <a:fontRef idx="minor">
+                <a:schemeClr val="lt1"/>
+              </a:fontRef>
+            </p:style>
+            <p:txBody>
+              <a:bodyPr rtlCol="0" anchor="ctr"/>
+              <a:lstStyle/>
+              <a:p>
+                <a:pPr algn="ctr"/>
+                <a:endParaRPr lang="en-US" dirty="0"/>
+              </a:p>
+            </p:txBody>
+          </p:sp>
+          <p:cxnSp>
+            <p:nvCxnSpPr>
+              <p:cNvPr id="144" name="Straight Connector 143"/>
+              <p:cNvCxnSpPr>
+                <a:cxnSpLocks/>
+              </p:cNvCxnSpPr>
+              <p:nvPr/>
+            </p:nvCxnSpPr>
+            <p:spPr>
+              <a:xfrm>
+                <a:off x="1737360" y="3093408"/>
+                <a:ext cx="616290" cy="0"/>
+              </a:xfrm>
+              <a:prstGeom prst="line">
+                <a:avLst/>
+              </a:prstGeom>
+              <a:ln w="38100" cmpd="sng">
+                <a:solidFill>
+                  <a:srgbClr val="FF6600"/>
+                </a:solidFill>
+                <a:prstDash val="solid"/>
+                <a:headEnd type="triangle" w="med" len="med"/>
+                <a:tailEnd type="triangle" w="med" len="med"/>
+              </a:ln>
+            </p:spPr>
+            <p:style>
+              <a:lnRef idx="1">
+                <a:schemeClr val="accent1"/>
+              </a:lnRef>
+              <a:fillRef idx="0">
+                <a:schemeClr val="accent1"/>
+              </a:fillRef>
+              <a:effectRef idx="0">
+                <a:schemeClr val="accent1"/>
+              </a:effectRef>
+              <a:fontRef idx="minor">
+                <a:schemeClr val="tx1"/>
+              </a:fontRef>
+            </p:style>
+          </p:cxnSp>
+          <p:cxnSp>
+            <p:nvCxnSpPr>
+              <p:cNvPr id="145" name="Straight Arrow Connector 144"/>
+              <p:cNvCxnSpPr/>
+              <p:nvPr/>
+            </p:nvCxnSpPr>
+            <p:spPr>
+              <a:xfrm flipV="1">
+                <a:off x="2045505" y="2537922"/>
+                <a:ext cx="0" cy="213425"/>
+              </a:xfrm>
+              <a:prstGeom prst="straightConnector1">
+                <a:avLst/>
+              </a:prstGeom>
+              <a:ln w="38100">
+                <a:solidFill>
+                  <a:schemeClr val="bg1"/>
+                </a:solidFill>
+                <a:headEnd type="none" w="med" len="med"/>
+                <a:tailEnd type="triangle" w="med" len="med"/>
+              </a:ln>
+            </p:spPr>
+            <p:style>
+              <a:lnRef idx="1">
+                <a:schemeClr val="accent1"/>
+              </a:lnRef>
+              <a:fillRef idx="0">
+                <a:schemeClr val="accent1"/>
+              </a:fillRef>
+              <a:effectRef idx="0">
+                <a:schemeClr val="accent1"/>
+              </a:effectRef>
+              <a:fontRef idx="minor">
+                <a:schemeClr val="tx1"/>
+              </a:fontRef>
+            </p:style>
+          </p:cxnSp>
+          <p:cxnSp>
+            <p:nvCxnSpPr>
+              <p:cNvPr id="146" name="Straight Connector 145"/>
+              <p:cNvCxnSpPr>
+                <a:cxnSpLocks/>
+              </p:cNvCxnSpPr>
+              <p:nvPr/>
+            </p:nvCxnSpPr>
+            <p:spPr>
+              <a:xfrm rot="16200000">
+                <a:off x="1282397" y="2785262"/>
+                <a:ext cx="616290" cy="0"/>
+              </a:xfrm>
+              <a:prstGeom prst="line">
+                <a:avLst/>
+              </a:prstGeom>
+              <a:ln w="38100" cmpd="sng">
+                <a:solidFill>
+                  <a:srgbClr val="FF6600"/>
+                </a:solidFill>
+                <a:prstDash val="solid"/>
+                <a:headEnd type="triangle" w="med" len="med"/>
+                <a:tailEnd type="triangle" w="med" len="med"/>
+              </a:ln>
+            </p:spPr>
+            <p:style>
+              <a:lnRef idx="1">
+                <a:schemeClr val="accent1"/>
+              </a:lnRef>
+              <a:fillRef idx="0">
+                <a:schemeClr val="accent1"/>
+              </a:fillRef>
+              <a:effectRef idx="0">
+                <a:schemeClr val="accent1"/>
+              </a:effectRef>
+              <a:fontRef idx="minor">
+                <a:schemeClr val="tx1"/>
+              </a:fontRef>
+            </p:style>
+          </p:cxnSp>
+        </p:grpSp>
+        <p:sp>
+          <p:nvSpPr>
+            <p:cNvPr id="141" name="Rectangle 140"/>
+            <p:cNvSpPr>
+              <a:spLocks noChangeAspect="1"/>
+            </p:cNvSpPr>
+            <p:nvPr/>
+          </p:nvSpPr>
+          <p:spPr>
+            <a:xfrm>
+              <a:off x="2056512" y="2490835"/>
+              <a:ext cx="548545" cy="550800"/>
+            </a:xfrm>
+            <a:prstGeom prst="rect">
+              <a:avLst/>
+            </a:prstGeom>
+            <a:noFill/>
+            <a:ln w="9525">
+              <a:noFill/>
+            </a:ln>
+          </p:spPr>
+          <p:style>
+            <a:lnRef idx="2">
+              <a:schemeClr val="accent1">
+                <a:shade val="50000"/>
+              </a:schemeClr>
+            </a:lnRef>
+            <a:fillRef idx="1">
+              <a:schemeClr val="accent1"/>
+            </a:fillRef>
+            <a:effectRef idx="0">
+              <a:schemeClr val="accent1"/>
+            </a:effectRef>
+            <a:fontRef idx="minor">
+              <a:schemeClr val="lt1"/>
+            </a:fontRef>
+          </p:style>
+          <p:txBody>
+            <a:bodyPr rtlCol="0" anchor="ctr"/>
+            <a:lstStyle/>
+            <a:p>
+              <a:pPr algn="ctr"/>
+              <a:endParaRPr lang="en-US"/>
+            </a:p>
+          </p:txBody>
+        </p:sp>
+      </p:grpSp>
+      <p:grpSp>
+        <p:nvGrpSpPr>
+          <p:cNvPr id="148" name="Group 147"/>
+          <p:cNvGrpSpPr>
+            <a:grpSpLocks noChangeAspect="1"/>
+          </p:cNvGrpSpPr>
+          <p:nvPr/>
+        </p:nvGrpSpPr>
+        <p:grpSpPr>
+          <a:xfrm>
+            <a:off x="2124948" y="2559552"/>
+            <a:ext cx="411673" cy="413366"/>
+            <a:chOff x="1590542" y="2477117"/>
+            <a:chExt cx="763108" cy="616291"/>
+          </a:xfrm>
+        </p:grpSpPr>
+        <p:sp>
+          <p:nvSpPr>
+            <p:cNvPr id="150" name="Rectangle 149"/>
+            <p:cNvSpPr>
+              <a:spLocks/>
+            </p:cNvSpPr>
+            <p:nvPr/>
+          </p:nvSpPr>
+          <p:spPr>
+            <a:xfrm flipV="1">
+              <a:off x="1737360" y="2477117"/>
+              <a:ext cx="616290" cy="434647"/>
+            </a:xfrm>
+            <a:prstGeom prst="rect">
+              <a:avLst/>
+            </a:prstGeom>
+            <a:solidFill>
+              <a:srgbClr val="0070C0"/>
+            </a:solidFill>
+            <a:ln w="19050">
+              <a:solidFill>
+                <a:srgbClr val="0070C0"/>
+              </a:solidFill>
+              <a:prstDash val="solid"/>
+            </a:ln>
+          </p:spPr>
+          <p:style>
+            <a:lnRef idx="2">
+              <a:schemeClr val="accent1">
+                <a:shade val="50000"/>
+              </a:schemeClr>
+            </a:lnRef>
+            <a:fillRef idx="1">
+              <a:schemeClr val="accent1"/>
+            </a:fillRef>
+            <a:effectRef idx="0">
+              <a:schemeClr val="accent1"/>
+            </a:effectRef>
+            <a:fontRef idx="minor">
+              <a:schemeClr val="lt1"/>
+            </a:fontRef>
+          </p:style>
+          <p:txBody>
+            <a:bodyPr rtlCol="0" anchor="ctr"/>
+            <a:lstStyle/>
+            <a:p>
+              <a:pPr algn="ctr"/>
+              <a:endParaRPr lang="en-US" sz="1000" b="1" dirty="0"/>
+            </a:p>
+          </p:txBody>
+        </p:sp>
+        <p:sp>
+          <p:nvSpPr>
+            <p:cNvPr id="151" name="Rectangle 150"/>
+            <p:cNvSpPr>
+              <a:spLocks/>
+            </p:cNvSpPr>
+            <p:nvPr/>
+          </p:nvSpPr>
+          <p:spPr>
+            <a:xfrm flipV="1">
+              <a:off x="1737360" y="2785262"/>
+              <a:ext cx="616290" cy="308146"/>
+            </a:xfrm>
+            <a:prstGeom prst="rect">
+              <a:avLst/>
+            </a:prstGeom>
+            <a:solidFill>
+              <a:schemeClr val="bg1"/>
+            </a:solidFill>
+            <a:ln w="19050">
+              <a:solidFill>
+                <a:srgbClr val="0070C0"/>
+              </a:solidFill>
+            </a:ln>
+          </p:spPr>
+          <p:style>
+            <a:lnRef idx="2">
+              <a:schemeClr val="accent1">
+                <a:shade val="50000"/>
+              </a:schemeClr>
+            </a:lnRef>
+            <a:fillRef idx="1">
+              <a:schemeClr val="accent1"/>
+            </a:fillRef>
+            <a:effectRef idx="0">
+              <a:schemeClr val="accent1"/>
+            </a:effectRef>
+            <a:fontRef idx="minor">
+              <a:schemeClr val="lt1"/>
+            </a:fontRef>
+          </p:style>
+          <p:txBody>
+            <a:bodyPr rtlCol="0" anchor="ctr"/>
+            <a:lstStyle/>
+            <a:p>
+              <a:pPr algn="ctr"/>
+              <a:endParaRPr lang="en-US" dirty="0"/>
+            </a:p>
+          </p:txBody>
+        </p:sp>
+        <p:cxnSp>
+          <p:nvCxnSpPr>
+            <p:cNvPr id="152" name="Straight Connector 151"/>
+            <p:cNvCxnSpPr>
+              <a:cxnSpLocks/>
+            </p:cNvCxnSpPr>
+            <p:nvPr/>
+          </p:nvCxnSpPr>
+          <p:spPr>
+            <a:xfrm>
+              <a:off x="1737360" y="3093408"/>
+              <a:ext cx="616290" cy="0"/>
+            </a:xfrm>
+            <a:prstGeom prst="line">
+              <a:avLst/>
+            </a:prstGeom>
+            <a:ln w="38100" cmpd="sng">
+              <a:solidFill>
+                <a:srgbClr val="FF6600"/>
+              </a:solidFill>
+              <a:prstDash val="solid"/>
+              <a:headEnd type="triangle" w="med" len="med"/>
+              <a:tailEnd type="triangle" w="med" len="med"/>
+            </a:ln>
+          </p:spPr>
+          <p:style>
+            <a:lnRef idx="1">
+              <a:schemeClr val="accent1"/>
+            </a:lnRef>
+            <a:fillRef idx="0">
+              <a:schemeClr val="accent1"/>
+            </a:fillRef>
+            <a:effectRef idx="0">
+              <a:schemeClr val="accent1"/>
+            </a:effectRef>
+            <a:fontRef idx="minor">
+              <a:schemeClr val="tx1"/>
+            </a:fontRef>
+          </p:style>
+        </p:cxnSp>
+        <p:cxnSp>
+          <p:nvCxnSpPr>
+            <p:cNvPr id="153" name="Straight Arrow Connector 152"/>
+            <p:cNvCxnSpPr/>
+            <p:nvPr/>
+          </p:nvCxnSpPr>
+          <p:spPr>
+            <a:xfrm flipV="1">
+              <a:off x="2045505" y="2537922"/>
+              <a:ext cx="0" cy="213425"/>
+            </a:xfrm>
+            <a:prstGeom prst="straightConnector1">
+              <a:avLst/>
+            </a:prstGeom>
+            <a:ln w="38100">
+              <a:solidFill>
+                <a:schemeClr val="bg1"/>
+              </a:solidFill>
+              <a:headEnd type="none" w="med" len="med"/>
+              <a:tailEnd type="triangle" w="med" len="med"/>
+            </a:ln>
+          </p:spPr>
+          <p:style>
+            <a:lnRef idx="1">
+              <a:schemeClr val="accent1"/>
+            </a:lnRef>
+            <a:fillRef idx="0">
+              <a:schemeClr val="accent1"/>
+            </a:fillRef>
+            <a:effectRef idx="0">
+              <a:schemeClr val="accent1"/>
+            </a:effectRef>
+            <a:fontRef idx="minor">
+              <a:schemeClr val="tx1"/>
+            </a:fontRef>
+          </p:style>
+        </p:cxnSp>
+        <p:cxnSp>
+          <p:nvCxnSpPr>
+            <p:cNvPr id="154" name="Straight Connector 153"/>
+            <p:cNvCxnSpPr>
+              <a:cxnSpLocks/>
+            </p:cNvCxnSpPr>
+            <p:nvPr/>
+          </p:nvCxnSpPr>
+          <p:spPr>
+            <a:xfrm rot="16200000">
+              <a:off x="1282397" y="2785262"/>
+              <a:ext cx="616290" cy="0"/>
+            </a:xfrm>
+            <a:prstGeom prst="line">
+              <a:avLst/>
+            </a:prstGeom>
+            <a:ln w="38100" cmpd="sng">
+              <a:solidFill>
+                <a:srgbClr val="FF6600"/>
+              </a:solidFill>
+              <a:prstDash val="solid"/>
+              <a:headEnd type="triangle" w="med" len="med"/>
+              <a:tailEnd type="triangle" w="med" len="med"/>
+            </a:ln>
+          </p:spPr>
+          <p:style>
+            <a:lnRef idx="1">
+              <a:schemeClr val="accent1"/>
+            </a:lnRef>
+            <a:fillRef idx="0">
+              <a:schemeClr val="accent1"/>
+            </a:fillRef>
+            <a:effectRef idx="0">
+              <a:schemeClr val="accent1"/>
+            </a:effectRef>
+            <a:fontRef idx="minor">
+              <a:schemeClr val="tx1"/>
+            </a:fontRef>
+          </p:style>
+        </p:cxnSp>
+      </p:grpSp>
+      <p:sp>
+        <p:nvSpPr>
+          <p:cNvPr id="149" name="Rectangle 148"/>
+          <p:cNvSpPr>
+            <a:spLocks noChangeAspect="1"/>
+          </p:cNvSpPr>
+          <p:nvPr/>
+        </p:nvSpPr>
+        <p:spPr>
+          <a:xfrm>
+            <a:off x="2056512" y="2490835"/>
+            <a:ext cx="548545" cy="550800"/>
+          </a:xfrm>
+          <a:prstGeom prst="rect">
+            <a:avLst/>
+          </a:prstGeom>
+          <a:noFill/>
+          <a:ln w="9525">
+            <a:noFill/>
+          </a:ln>
+        </p:spPr>
+        <p:style>
+          <a:lnRef idx="2">
+            <a:schemeClr val="accent1">
+              <a:shade val="50000"/>
+            </a:schemeClr>
+          </a:lnRef>
+          <a:fillRef idx="1">
+            <a:schemeClr val="accent1"/>
+          </a:fillRef>
+          <a:effectRef idx="0">
+            <a:schemeClr val="accent1"/>
+          </a:effectRef>
+          <a:fontRef idx="minor">
+            <a:schemeClr val="lt1"/>
+          </a:fontRef>
+        </p:style>
+        <p:txBody>
+          <a:bodyPr rtlCol="0" anchor="ctr"/>
+          <a:lstStyle/>
+          <a:p>
+            <a:pPr algn="ctr"/>
+            <a:endParaRPr lang="en-US"/>
           </a:p>
         </p:txBody>
       </p:sp>
@@ -19926,7 +21225,7 @@
       </p:grpSp>
       <p:grpSp>
         <p:nvGrpSpPr>
-          <p:cNvPr id="3" name="Group 2"/>
+          <p:cNvPr id="7" name="Group 6"/>
           <p:cNvGrpSpPr/>
           <p:nvPr/>
         </p:nvGrpSpPr>

--- a/doc/Icons-ResizeLab.pptx
+++ b/doc/Icons-ResizeLab.pptx
@@ -18472,304 +18472,6 @@
       </p:sp>
       <p:grpSp>
         <p:nvGrpSpPr>
-          <p:cNvPr id="8" name="Group 7"/>
-          <p:cNvGrpSpPr>
-            <a:grpSpLocks noChangeAspect="1"/>
-          </p:cNvGrpSpPr>
-          <p:nvPr/>
-        </p:nvGrpSpPr>
-        <p:grpSpPr>
-          <a:xfrm>
-            <a:off x="2056512" y="2490835"/>
-            <a:ext cx="548545" cy="550800"/>
-            <a:chOff x="2056512" y="2490835"/>
-            <a:chExt cx="548545" cy="550800"/>
-          </a:xfrm>
-        </p:grpSpPr>
-        <p:grpSp>
-          <p:nvGrpSpPr>
-            <p:cNvPr id="11" name="Group 10"/>
-            <p:cNvGrpSpPr>
-              <a:grpSpLocks noChangeAspect="1"/>
-            </p:cNvGrpSpPr>
-            <p:nvPr/>
-          </p:nvGrpSpPr>
-          <p:grpSpPr>
-            <a:xfrm>
-              <a:off x="2124948" y="2559552"/>
-              <a:ext cx="411673" cy="413366"/>
-              <a:chOff x="1590542" y="2477117"/>
-              <a:chExt cx="763108" cy="616291"/>
-            </a:xfrm>
-          </p:grpSpPr>
-          <p:sp>
-            <p:nvSpPr>
-              <p:cNvPr id="18" name="Rectangle 17"/>
-              <p:cNvSpPr>
-                <a:spLocks/>
-              </p:cNvSpPr>
-              <p:nvPr/>
-            </p:nvSpPr>
-            <p:spPr>
-              <a:xfrm flipV="1">
-                <a:off x="1737360" y="2477117"/>
-                <a:ext cx="616290" cy="434647"/>
-              </a:xfrm>
-              <a:prstGeom prst="rect">
-                <a:avLst/>
-              </a:prstGeom>
-              <a:solidFill>
-                <a:srgbClr val="0070C0"/>
-              </a:solidFill>
-              <a:ln w="19050">
-                <a:solidFill>
-                  <a:srgbClr val="0070C0"/>
-                </a:solidFill>
-                <a:prstDash val="solid"/>
-              </a:ln>
-            </p:spPr>
-            <p:style>
-              <a:lnRef idx="2">
-                <a:schemeClr val="accent1">
-                  <a:shade val="50000"/>
-                </a:schemeClr>
-              </a:lnRef>
-              <a:fillRef idx="1">
-                <a:schemeClr val="accent1"/>
-              </a:fillRef>
-              <a:effectRef idx="0">
-                <a:schemeClr val="accent1"/>
-              </a:effectRef>
-              <a:fontRef idx="minor">
-                <a:schemeClr val="lt1"/>
-              </a:fontRef>
-            </p:style>
-            <p:txBody>
-              <a:bodyPr rtlCol="0" anchor="ctr"/>
-              <a:lstStyle/>
-              <a:p>
-                <a:pPr algn="ctr"/>
-                <a:endParaRPr lang="en-US" sz="1000" b="1" dirty="0"/>
-              </a:p>
-            </p:txBody>
-          </p:sp>
-          <p:sp>
-            <p:nvSpPr>
-              <p:cNvPr id="20" name="Rectangle 19"/>
-              <p:cNvSpPr>
-                <a:spLocks/>
-              </p:cNvSpPr>
-              <p:nvPr/>
-            </p:nvSpPr>
-            <p:spPr>
-              <a:xfrm flipV="1">
-                <a:off x="1737360" y="2785262"/>
-                <a:ext cx="616290" cy="308146"/>
-              </a:xfrm>
-              <a:prstGeom prst="rect">
-                <a:avLst/>
-              </a:prstGeom>
-              <a:solidFill>
-                <a:schemeClr val="bg1"/>
-              </a:solidFill>
-              <a:ln w="19050">
-                <a:solidFill>
-                  <a:srgbClr val="0070C0"/>
-                </a:solidFill>
-              </a:ln>
-            </p:spPr>
-            <p:style>
-              <a:lnRef idx="2">
-                <a:schemeClr val="accent1">
-                  <a:shade val="50000"/>
-                </a:schemeClr>
-              </a:lnRef>
-              <a:fillRef idx="1">
-                <a:schemeClr val="accent1"/>
-              </a:fillRef>
-              <a:effectRef idx="0">
-                <a:schemeClr val="accent1"/>
-              </a:effectRef>
-              <a:fontRef idx="minor">
-                <a:schemeClr val="lt1"/>
-              </a:fontRef>
-            </p:style>
-            <p:txBody>
-              <a:bodyPr rtlCol="0" anchor="ctr"/>
-              <a:lstStyle/>
-              <a:p>
-                <a:pPr algn="ctr"/>
-                <a:endParaRPr lang="en-US" dirty="0"/>
-              </a:p>
-            </p:txBody>
-          </p:sp>
-          <p:cxnSp>
-            <p:nvCxnSpPr>
-              <p:cNvPr id="21" name="Straight Connector 20"/>
-              <p:cNvCxnSpPr>
-                <a:cxnSpLocks/>
-              </p:cNvCxnSpPr>
-              <p:nvPr/>
-            </p:nvCxnSpPr>
-            <p:spPr>
-              <a:xfrm>
-                <a:off x="1737360" y="3093408"/>
-                <a:ext cx="616290" cy="0"/>
-              </a:xfrm>
-              <a:prstGeom prst="line">
-                <a:avLst/>
-              </a:prstGeom>
-              <a:ln w="38100" cmpd="sng">
-                <a:solidFill>
-                  <a:srgbClr val="FF6600"/>
-                </a:solidFill>
-                <a:prstDash val="solid"/>
-                <a:headEnd type="triangle" w="med" len="med"/>
-                <a:tailEnd type="triangle" w="med" len="med"/>
-              </a:ln>
-            </p:spPr>
-            <p:style>
-              <a:lnRef idx="1">
-                <a:schemeClr val="accent1"/>
-              </a:lnRef>
-              <a:fillRef idx="0">
-                <a:schemeClr val="accent1"/>
-              </a:fillRef>
-              <a:effectRef idx="0">
-                <a:schemeClr val="accent1"/>
-              </a:effectRef>
-              <a:fontRef idx="minor">
-                <a:schemeClr val="tx1"/>
-              </a:fontRef>
-            </p:style>
-          </p:cxnSp>
-          <p:cxnSp>
-            <p:nvCxnSpPr>
-              <p:cNvPr id="22" name="Straight Arrow Connector 21"/>
-              <p:cNvCxnSpPr/>
-              <p:nvPr/>
-            </p:nvCxnSpPr>
-            <p:spPr>
-              <a:xfrm flipV="1">
-                <a:off x="2045505" y="2537922"/>
-                <a:ext cx="0" cy="213425"/>
-              </a:xfrm>
-              <a:prstGeom prst="straightConnector1">
-                <a:avLst/>
-              </a:prstGeom>
-              <a:ln w="38100">
-                <a:solidFill>
-                  <a:schemeClr val="bg1"/>
-                </a:solidFill>
-                <a:headEnd type="none" w="med" len="med"/>
-                <a:tailEnd type="triangle" w="med" len="med"/>
-              </a:ln>
-            </p:spPr>
-            <p:style>
-              <a:lnRef idx="1">
-                <a:schemeClr val="accent1"/>
-              </a:lnRef>
-              <a:fillRef idx="0">
-                <a:schemeClr val="accent1"/>
-              </a:fillRef>
-              <a:effectRef idx="0">
-                <a:schemeClr val="accent1"/>
-              </a:effectRef>
-              <a:fontRef idx="minor">
-                <a:schemeClr val="tx1"/>
-              </a:fontRef>
-            </p:style>
-          </p:cxnSp>
-          <p:cxnSp>
-            <p:nvCxnSpPr>
-              <p:cNvPr id="30" name="Straight Connector 29"/>
-              <p:cNvCxnSpPr>
-                <a:cxnSpLocks/>
-              </p:cNvCxnSpPr>
-              <p:nvPr/>
-            </p:nvCxnSpPr>
-            <p:spPr>
-              <a:xfrm rot="16200000">
-                <a:off x="1282397" y="2785262"/>
-                <a:ext cx="616290" cy="0"/>
-              </a:xfrm>
-              <a:prstGeom prst="line">
-                <a:avLst/>
-              </a:prstGeom>
-              <a:ln w="38100" cmpd="sng">
-                <a:solidFill>
-                  <a:srgbClr val="FF6600"/>
-                </a:solidFill>
-                <a:prstDash val="solid"/>
-                <a:headEnd type="triangle" w="med" len="med"/>
-                <a:tailEnd type="triangle" w="med" len="med"/>
-              </a:ln>
-            </p:spPr>
-            <p:style>
-              <a:lnRef idx="1">
-                <a:schemeClr val="accent1"/>
-              </a:lnRef>
-              <a:fillRef idx="0">
-                <a:schemeClr val="accent1"/>
-              </a:fillRef>
-              <a:effectRef idx="0">
-                <a:schemeClr val="accent1"/>
-              </a:effectRef>
-              <a:fontRef idx="minor">
-                <a:schemeClr val="tx1"/>
-              </a:fontRef>
-            </p:style>
-          </p:cxnSp>
-        </p:grpSp>
-        <p:sp>
-          <p:nvSpPr>
-            <p:cNvPr id="50" name="Rectangle 49"/>
-            <p:cNvSpPr>
-              <a:spLocks noChangeAspect="1"/>
-            </p:cNvSpPr>
-            <p:nvPr/>
-          </p:nvSpPr>
-          <p:spPr>
-            <a:xfrm>
-              <a:off x="2056512" y="2490835"/>
-              <a:ext cx="548545" cy="550800"/>
-            </a:xfrm>
-            <a:prstGeom prst="rect">
-              <a:avLst/>
-            </a:prstGeom>
-            <a:noFill/>
-            <a:ln w="9525">
-              <a:noFill/>
-            </a:ln>
-          </p:spPr>
-          <p:style>
-            <a:lnRef idx="2">
-              <a:schemeClr val="accent1">
-                <a:shade val="50000"/>
-              </a:schemeClr>
-            </a:lnRef>
-            <a:fillRef idx="1">
-              <a:schemeClr val="accent1"/>
-            </a:fillRef>
-            <a:effectRef idx="0">
-              <a:schemeClr val="accent1"/>
-            </a:effectRef>
-            <a:fontRef idx="minor">
-              <a:schemeClr val="lt1"/>
-            </a:fontRef>
-          </p:style>
-          <p:txBody>
-            <a:bodyPr rtlCol="0" anchor="ctr"/>
-            <a:lstStyle/>
-            <a:p>
-              <a:pPr algn="ctr"/>
-              <a:endParaRPr lang="en-US"/>
-            </a:p>
-          </p:txBody>
-        </p:sp>
-      </p:grpSp>
-      <p:grpSp>
-        <p:nvGrpSpPr>
           <p:cNvPr id="14" name="Group 13"/>
           <p:cNvGrpSpPr/>
           <p:nvPr/>
@@ -19066,896 +18768,6 @@
       </p:grpSp>
       <p:grpSp>
         <p:nvGrpSpPr>
-          <p:cNvPr id="123" name="Group 7_Copy"/>
-          <p:cNvGrpSpPr/>
-          <p:nvPr/>
-        </p:nvGrpSpPr>
-        <p:grpSpPr>
-          <a:xfrm>
-            <a:off x="2056512" y="2490835"/>
-            <a:ext cx="548545" cy="550800"/>
-            <a:chOff x="2056512" y="2490835"/>
-            <a:chExt cx="548545" cy="550800"/>
-          </a:xfrm>
-        </p:grpSpPr>
-        <p:grpSp>
-          <p:nvGrpSpPr>
-            <p:cNvPr id="124" name="Group 123"/>
-            <p:cNvGrpSpPr>
-              <a:grpSpLocks noChangeAspect="1"/>
-            </p:cNvGrpSpPr>
-            <p:nvPr/>
-          </p:nvGrpSpPr>
-          <p:grpSpPr>
-            <a:xfrm>
-              <a:off x="2124948" y="2559552"/>
-              <a:ext cx="411673" cy="413366"/>
-              <a:chOff x="1590542" y="2477117"/>
-              <a:chExt cx="763108" cy="616291"/>
-            </a:xfrm>
-          </p:grpSpPr>
-          <p:sp>
-            <p:nvSpPr>
-              <p:cNvPr id="126" name="Rectangle 125"/>
-              <p:cNvSpPr>
-                <a:spLocks/>
-              </p:cNvSpPr>
-              <p:nvPr/>
-            </p:nvSpPr>
-            <p:spPr>
-              <a:xfrm flipV="1">
-                <a:off x="1737360" y="2477117"/>
-                <a:ext cx="616290" cy="434647"/>
-              </a:xfrm>
-              <a:prstGeom prst="rect">
-                <a:avLst/>
-              </a:prstGeom>
-              <a:solidFill>
-                <a:srgbClr val="0070C0"/>
-              </a:solidFill>
-              <a:ln w="19050">
-                <a:solidFill>
-                  <a:srgbClr val="0070C0"/>
-                </a:solidFill>
-                <a:prstDash val="solid"/>
-              </a:ln>
-            </p:spPr>
-            <p:style>
-              <a:lnRef idx="2">
-                <a:schemeClr val="accent1">
-                  <a:shade val="50000"/>
-                </a:schemeClr>
-              </a:lnRef>
-              <a:fillRef idx="1">
-                <a:schemeClr val="accent1"/>
-              </a:fillRef>
-              <a:effectRef idx="0">
-                <a:schemeClr val="accent1"/>
-              </a:effectRef>
-              <a:fontRef idx="minor">
-                <a:schemeClr val="lt1"/>
-              </a:fontRef>
-            </p:style>
-            <p:txBody>
-              <a:bodyPr rtlCol="0" anchor="ctr"/>
-              <a:lstStyle/>
-              <a:p>
-                <a:pPr algn="ctr"/>
-                <a:endParaRPr lang="en-US" sz="1000" b="1" dirty="0"/>
-              </a:p>
-            </p:txBody>
-          </p:sp>
-          <p:sp>
-            <p:nvSpPr>
-              <p:cNvPr id="127" name="Rectangle 126"/>
-              <p:cNvSpPr>
-                <a:spLocks/>
-              </p:cNvSpPr>
-              <p:nvPr/>
-            </p:nvSpPr>
-            <p:spPr>
-              <a:xfrm flipV="1">
-                <a:off x="1737360" y="2785262"/>
-                <a:ext cx="616290" cy="308146"/>
-              </a:xfrm>
-              <a:prstGeom prst="rect">
-                <a:avLst/>
-              </a:prstGeom>
-              <a:solidFill>
-                <a:schemeClr val="bg1"/>
-              </a:solidFill>
-              <a:ln w="19050">
-                <a:solidFill>
-                  <a:srgbClr val="0070C0"/>
-                </a:solidFill>
-              </a:ln>
-            </p:spPr>
-            <p:style>
-              <a:lnRef idx="2">
-                <a:schemeClr val="accent1">
-                  <a:shade val="50000"/>
-                </a:schemeClr>
-              </a:lnRef>
-              <a:fillRef idx="1">
-                <a:schemeClr val="accent1"/>
-              </a:fillRef>
-              <a:effectRef idx="0">
-                <a:schemeClr val="accent1"/>
-              </a:effectRef>
-              <a:fontRef idx="minor">
-                <a:schemeClr val="lt1"/>
-              </a:fontRef>
-            </p:style>
-            <p:txBody>
-              <a:bodyPr rtlCol="0" anchor="ctr"/>
-              <a:lstStyle/>
-              <a:p>
-                <a:pPr algn="ctr"/>
-                <a:endParaRPr lang="en-US" dirty="0"/>
-              </a:p>
-            </p:txBody>
-          </p:sp>
-          <p:cxnSp>
-            <p:nvCxnSpPr>
-              <p:cNvPr id="128" name="Straight Connector 127"/>
-              <p:cNvCxnSpPr>
-                <a:cxnSpLocks/>
-              </p:cNvCxnSpPr>
-              <p:nvPr/>
-            </p:nvCxnSpPr>
-            <p:spPr>
-              <a:xfrm>
-                <a:off x="1737360" y="3093408"/>
-                <a:ext cx="616290" cy="0"/>
-              </a:xfrm>
-              <a:prstGeom prst="line">
-                <a:avLst/>
-              </a:prstGeom>
-              <a:ln w="38100" cmpd="sng">
-                <a:solidFill>
-                  <a:srgbClr val="FF6600"/>
-                </a:solidFill>
-                <a:prstDash val="solid"/>
-                <a:headEnd type="triangle" w="med" len="med"/>
-                <a:tailEnd type="triangle" w="med" len="med"/>
-              </a:ln>
-            </p:spPr>
-            <p:style>
-              <a:lnRef idx="1">
-                <a:schemeClr val="accent1"/>
-              </a:lnRef>
-              <a:fillRef idx="0">
-                <a:schemeClr val="accent1"/>
-              </a:fillRef>
-              <a:effectRef idx="0">
-                <a:schemeClr val="accent1"/>
-              </a:effectRef>
-              <a:fontRef idx="minor">
-                <a:schemeClr val="tx1"/>
-              </a:fontRef>
-            </p:style>
-          </p:cxnSp>
-          <p:cxnSp>
-            <p:nvCxnSpPr>
-              <p:cNvPr id="129" name="Straight Arrow Connector 128"/>
-              <p:cNvCxnSpPr/>
-              <p:nvPr/>
-            </p:nvCxnSpPr>
-            <p:spPr>
-              <a:xfrm flipV="1">
-                <a:off x="2045505" y="2537922"/>
-                <a:ext cx="0" cy="213425"/>
-              </a:xfrm>
-              <a:prstGeom prst="straightConnector1">
-                <a:avLst/>
-              </a:prstGeom>
-              <a:ln w="38100">
-                <a:solidFill>
-                  <a:schemeClr val="bg1"/>
-                </a:solidFill>
-                <a:headEnd type="none" w="med" len="med"/>
-                <a:tailEnd type="triangle" w="med" len="med"/>
-              </a:ln>
-            </p:spPr>
-            <p:style>
-              <a:lnRef idx="1">
-                <a:schemeClr val="accent1"/>
-              </a:lnRef>
-              <a:fillRef idx="0">
-                <a:schemeClr val="accent1"/>
-              </a:fillRef>
-              <a:effectRef idx="0">
-                <a:schemeClr val="accent1"/>
-              </a:effectRef>
-              <a:fontRef idx="minor">
-                <a:schemeClr val="tx1"/>
-              </a:fontRef>
-            </p:style>
-          </p:cxnSp>
-          <p:cxnSp>
-            <p:nvCxnSpPr>
-              <p:cNvPr id="130" name="Straight Connector 129"/>
-              <p:cNvCxnSpPr>
-                <a:cxnSpLocks/>
-              </p:cNvCxnSpPr>
-              <p:nvPr/>
-            </p:nvCxnSpPr>
-            <p:spPr>
-              <a:xfrm rot="16200000">
-                <a:off x="1282397" y="2785262"/>
-                <a:ext cx="616290" cy="0"/>
-              </a:xfrm>
-              <a:prstGeom prst="line">
-                <a:avLst/>
-              </a:prstGeom>
-              <a:ln w="38100" cmpd="sng">
-                <a:solidFill>
-                  <a:srgbClr val="FF6600"/>
-                </a:solidFill>
-                <a:prstDash val="solid"/>
-                <a:headEnd type="triangle" w="med" len="med"/>
-                <a:tailEnd type="triangle" w="med" len="med"/>
-              </a:ln>
-            </p:spPr>
-            <p:style>
-              <a:lnRef idx="1">
-                <a:schemeClr val="accent1"/>
-              </a:lnRef>
-              <a:fillRef idx="0">
-                <a:schemeClr val="accent1"/>
-              </a:fillRef>
-              <a:effectRef idx="0">
-                <a:schemeClr val="accent1"/>
-              </a:effectRef>
-              <a:fontRef idx="minor">
-                <a:schemeClr val="tx1"/>
-              </a:fontRef>
-            </p:style>
-          </p:cxnSp>
-        </p:grpSp>
-        <p:sp>
-          <p:nvSpPr>
-            <p:cNvPr id="125" name="Rectangle 124"/>
-            <p:cNvSpPr>
-              <a:spLocks noChangeAspect="1"/>
-            </p:cNvSpPr>
-            <p:nvPr/>
-          </p:nvSpPr>
-          <p:spPr>
-            <a:xfrm>
-              <a:off x="2056512" y="2490835"/>
-              <a:ext cx="548545" cy="550800"/>
-            </a:xfrm>
-            <a:prstGeom prst="rect">
-              <a:avLst/>
-            </a:prstGeom>
-            <a:noFill/>
-            <a:ln w="9525">
-              <a:noFill/>
-            </a:ln>
-          </p:spPr>
-          <p:style>
-            <a:lnRef idx="2">
-              <a:schemeClr val="accent1">
-                <a:shade val="50000"/>
-              </a:schemeClr>
-            </a:lnRef>
-            <a:fillRef idx="1">
-              <a:schemeClr val="accent1"/>
-            </a:fillRef>
-            <a:effectRef idx="0">
-              <a:schemeClr val="accent1"/>
-            </a:effectRef>
-            <a:fontRef idx="minor">
-              <a:schemeClr val="lt1"/>
-            </a:fontRef>
-          </p:style>
-          <p:txBody>
-            <a:bodyPr rtlCol="0" anchor="ctr"/>
-            <a:lstStyle/>
-            <a:p>
-              <a:pPr algn="ctr"/>
-              <a:endParaRPr lang="en-US"/>
-            </a:p>
-          </p:txBody>
-        </p:sp>
-      </p:grpSp>
-      <p:grpSp>
-        <p:nvGrpSpPr>
-          <p:cNvPr id="131" name="Group 7_Copy"/>
-          <p:cNvGrpSpPr/>
-          <p:nvPr/>
-        </p:nvGrpSpPr>
-        <p:grpSpPr>
-          <a:xfrm>
-            <a:off x="2056512" y="2490835"/>
-            <a:ext cx="548545" cy="550800"/>
-            <a:chOff x="2056512" y="2490835"/>
-            <a:chExt cx="548545" cy="550800"/>
-          </a:xfrm>
-        </p:grpSpPr>
-        <p:grpSp>
-          <p:nvGrpSpPr>
-            <p:cNvPr id="132" name="Group 131"/>
-            <p:cNvGrpSpPr>
-              <a:grpSpLocks noChangeAspect="1"/>
-            </p:cNvGrpSpPr>
-            <p:nvPr/>
-          </p:nvGrpSpPr>
-          <p:grpSpPr>
-            <a:xfrm>
-              <a:off x="2124948" y="2559552"/>
-              <a:ext cx="411673" cy="413366"/>
-              <a:chOff x="1590542" y="2477117"/>
-              <a:chExt cx="763108" cy="616291"/>
-            </a:xfrm>
-          </p:grpSpPr>
-          <p:sp>
-            <p:nvSpPr>
-              <p:cNvPr id="134" name="Rectangle 133"/>
-              <p:cNvSpPr>
-                <a:spLocks/>
-              </p:cNvSpPr>
-              <p:nvPr/>
-            </p:nvSpPr>
-            <p:spPr>
-              <a:xfrm flipV="1">
-                <a:off x="1737360" y="2477117"/>
-                <a:ext cx="616290" cy="434647"/>
-              </a:xfrm>
-              <a:prstGeom prst="rect">
-                <a:avLst/>
-              </a:prstGeom>
-              <a:solidFill>
-                <a:srgbClr val="0070C0"/>
-              </a:solidFill>
-              <a:ln w="19050">
-                <a:solidFill>
-                  <a:srgbClr val="0070C0"/>
-                </a:solidFill>
-                <a:prstDash val="solid"/>
-              </a:ln>
-            </p:spPr>
-            <p:style>
-              <a:lnRef idx="2">
-                <a:schemeClr val="accent1">
-                  <a:shade val="50000"/>
-                </a:schemeClr>
-              </a:lnRef>
-              <a:fillRef idx="1">
-                <a:schemeClr val="accent1"/>
-              </a:fillRef>
-              <a:effectRef idx="0">
-                <a:schemeClr val="accent1"/>
-              </a:effectRef>
-              <a:fontRef idx="minor">
-                <a:schemeClr val="lt1"/>
-              </a:fontRef>
-            </p:style>
-            <p:txBody>
-              <a:bodyPr rtlCol="0" anchor="ctr"/>
-              <a:lstStyle/>
-              <a:p>
-                <a:pPr algn="ctr"/>
-                <a:endParaRPr lang="en-US" sz="1000" b="1" dirty="0"/>
-              </a:p>
-            </p:txBody>
-          </p:sp>
-          <p:sp>
-            <p:nvSpPr>
-              <p:cNvPr id="135" name="Rectangle 134"/>
-              <p:cNvSpPr>
-                <a:spLocks/>
-              </p:cNvSpPr>
-              <p:nvPr/>
-            </p:nvSpPr>
-            <p:spPr>
-              <a:xfrm flipV="1">
-                <a:off x="1737360" y="2785262"/>
-                <a:ext cx="616290" cy="308146"/>
-              </a:xfrm>
-              <a:prstGeom prst="rect">
-                <a:avLst/>
-              </a:prstGeom>
-              <a:solidFill>
-                <a:schemeClr val="bg1"/>
-              </a:solidFill>
-              <a:ln w="19050">
-                <a:solidFill>
-                  <a:srgbClr val="0070C0"/>
-                </a:solidFill>
-              </a:ln>
-            </p:spPr>
-            <p:style>
-              <a:lnRef idx="2">
-                <a:schemeClr val="accent1">
-                  <a:shade val="50000"/>
-                </a:schemeClr>
-              </a:lnRef>
-              <a:fillRef idx="1">
-                <a:schemeClr val="accent1"/>
-              </a:fillRef>
-              <a:effectRef idx="0">
-                <a:schemeClr val="accent1"/>
-              </a:effectRef>
-              <a:fontRef idx="minor">
-                <a:schemeClr val="lt1"/>
-              </a:fontRef>
-            </p:style>
-            <p:txBody>
-              <a:bodyPr rtlCol="0" anchor="ctr"/>
-              <a:lstStyle/>
-              <a:p>
-                <a:pPr algn="ctr"/>
-                <a:endParaRPr lang="en-US" dirty="0"/>
-              </a:p>
-            </p:txBody>
-          </p:sp>
-          <p:cxnSp>
-            <p:nvCxnSpPr>
-              <p:cNvPr id="136" name="Straight Connector 135"/>
-              <p:cNvCxnSpPr>
-                <a:cxnSpLocks/>
-              </p:cNvCxnSpPr>
-              <p:nvPr/>
-            </p:nvCxnSpPr>
-            <p:spPr>
-              <a:xfrm>
-                <a:off x="1737360" y="3093408"/>
-                <a:ext cx="616290" cy="0"/>
-              </a:xfrm>
-              <a:prstGeom prst="line">
-                <a:avLst/>
-              </a:prstGeom>
-              <a:ln w="38100" cmpd="sng">
-                <a:solidFill>
-                  <a:srgbClr val="FF6600"/>
-                </a:solidFill>
-                <a:prstDash val="solid"/>
-                <a:headEnd type="triangle" w="med" len="med"/>
-                <a:tailEnd type="triangle" w="med" len="med"/>
-              </a:ln>
-            </p:spPr>
-            <p:style>
-              <a:lnRef idx="1">
-                <a:schemeClr val="accent1"/>
-              </a:lnRef>
-              <a:fillRef idx="0">
-                <a:schemeClr val="accent1"/>
-              </a:fillRef>
-              <a:effectRef idx="0">
-                <a:schemeClr val="accent1"/>
-              </a:effectRef>
-              <a:fontRef idx="minor">
-                <a:schemeClr val="tx1"/>
-              </a:fontRef>
-            </p:style>
-          </p:cxnSp>
-          <p:cxnSp>
-            <p:nvCxnSpPr>
-              <p:cNvPr id="137" name="Straight Arrow Connector 136"/>
-              <p:cNvCxnSpPr/>
-              <p:nvPr/>
-            </p:nvCxnSpPr>
-            <p:spPr>
-              <a:xfrm flipV="1">
-                <a:off x="2045505" y="2537922"/>
-                <a:ext cx="0" cy="213425"/>
-              </a:xfrm>
-              <a:prstGeom prst="straightConnector1">
-                <a:avLst/>
-              </a:prstGeom>
-              <a:ln w="38100">
-                <a:solidFill>
-                  <a:schemeClr val="bg1"/>
-                </a:solidFill>
-                <a:headEnd type="none" w="med" len="med"/>
-                <a:tailEnd type="triangle" w="med" len="med"/>
-              </a:ln>
-            </p:spPr>
-            <p:style>
-              <a:lnRef idx="1">
-                <a:schemeClr val="accent1"/>
-              </a:lnRef>
-              <a:fillRef idx="0">
-                <a:schemeClr val="accent1"/>
-              </a:fillRef>
-              <a:effectRef idx="0">
-                <a:schemeClr val="accent1"/>
-              </a:effectRef>
-              <a:fontRef idx="minor">
-                <a:schemeClr val="tx1"/>
-              </a:fontRef>
-            </p:style>
-          </p:cxnSp>
-          <p:cxnSp>
-            <p:nvCxnSpPr>
-              <p:cNvPr id="138" name="Straight Connector 137"/>
-              <p:cNvCxnSpPr>
-                <a:cxnSpLocks/>
-              </p:cNvCxnSpPr>
-              <p:nvPr/>
-            </p:nvCxnSpPr>
-            <p:spPr>
-              <a:xfrm rot="16200000">
-                <a:off x="1282397" y="2785262"/>
-                <a:ext cx="616290" cy="0"/>
-              </a:xfrm>
-              <a:prstGeom prst="line">
-                <a:avLst/>
-              </a:prstGeom>
-              <a:ln w="38100" cmpd="sng">
-                <a:solidFill>
-                  <a:srgbClr val="FF6600"/>
-                </a:solidFill>
-                <a:prstDash val="solid"/>
-                <a:headEnd type="triangle" w="med" len="med"/>
-                <a:tailEnd type="triangle" w="med" len="med"/>
-              </a:ln>
-            </p:spPr>
-            <p:style>
-              <a:lnRef idx="1">
-                <a:schemeClr val="accent1"/>
-              </a:lnRef>
-              <a:fillRef idx="0">
-                <a:schemeClr val="accent1"/>
-              </a:fillRef>
-              <a:effectRef idx="0">
-                <a:schemeClr val="accent1"/>
-              </a:effectRef>
-              <a:fontRef idx="minor">
-                <a:schemeClr val="tx1"/>
-              </a:fontRef>
-            </p:style>
-          </p:cxnSp>
-        </p:grpSp>
-        <p:sp>
-          <p:nvSpPr>
-            <p:cNvPr id="133" name="Rectangle 132"/>
-            <p:cNvSpPr>
-              <a:spLocks noChangeAspect="1"/>
-            </p:cNvSpPr>
-            <p:nvPr/>
-          </p:nvSpPr>
-          <p:spPr>
-            <a:xfrm>
-              <a:off x="2056512" y="2490835"/>
-              <a:ext cx="548545" cy="550800"/>
-            </a:xfrm>
-            <a:prstGeom prst="rect">
-              <a:avLst/>
-            </a:prstGeom>
-            <a:noFill/>
-            <a:ln w="9525">
-              <a:noFill/>
-            </a:ln>
-          </p:spPr>
-          <p:style>
-            <a:lnRef idx="2">
-              <a:schemeClr val="accent1">
-                <a:shade val="50000"/>
-              </a:schemeClr>
-            </a:lnRef>
-            <a:fillRef idx="1">
-              <a:schemeClr val="accent1"/>
-            </a:fillRef>
-            <a:effectRef idx="0">
-              <a:schemeClr val="accent1"/>
-            </a:effectRef>
-            <a:fontRef idx="minor">
-              <a:schemeClr val="lt1"/>
-            </a:fontRef>
-          </p:style>
-          <p:txBody>
-            <a:bodyPr rtlCol="0" anchor="ctr"/>
-            <a:lstStyle/>
-            <a:p>
-              <a:pPr algn="ctr"/>
-              <a:endParaRPr lang="en-US"/>
-            </a:p>
-          </p:txBody>
-        </p:sp>
-      </p:grpSp>
-      <p:grpSp>
-        <p:nvGrpSpPr>
-          <p:cNvPr id="139" name="Group 7_Copy"/>
-          <p:cNvGrpSpPr>
-            <a:grpSpLocks noChangeAspect="1"/>
-          </p:cNvGrpSpPr>
-          <p:nvPr/>
-        </p:nvGrpSpPr>
-        <p:grpSpPr>
-          <a:xfrm>
-            <a:off x="2056512" y="2490835"/>
-            <a:ext cx="548545" cy="550800"/>
-            <a:chOff x="2056512" y="2490835"/>
-            <a:chExt cx="548545" cy="550800"/>
-          </a:xfrm>
-        </p:grpSpPr>
-        <p:grpSp>
-          <p:nvGrpSpPr>
-            <p:cNvPr id="140" name="Group 139"/>
-            <p:cNvGrpSpPr>
-              <a:grpSpLocks noChangeAspect="1"/>
-            </p:cNvGrpSpPr>
-            <p:nvPr/>
-          </p:nvGrpSpPr>
-          <p:grpSpPr>
-            <a:xfrm>
-              <a:off x="2124948" y="2559552"/>
-              <a:ext cx="411673" cy="413366"/>
-              <a:chOff x="1590542" y="2477117"/>
-              <a:chExt cx="763108" cy="616291"/>
-            </a:xfrm>
-          </p:grpSpPr>
-          <p:sp>
-            <p:nvSpPr>
-              <p:cNvPr id="142" name="Rectangle 141"/>
-              <p:cNvSpPr>
-                <a:spLocks/>
-              </p:cNvSpPr>
-              <p:nvPr/>
-            </p:nvSpPr>
-            <p:spPr>
-              <a:xfrm flipV="1">
-                <a:off x="1737360" y="2477117"/>
-                <a:ext cx="616290" cy="434647"/>
-              </a:xfrm>
-              <a:prstGeom prst="rect">
-                <a:avLst/>
-              </a:prstGeom>
-              <a:solidFill>
-                <a:srgbClr val="0070C0"/>
-              </a:solidFill>
-              <a:ln w="19050">
-                <a:solidFill>
-                  <a:srgbClr val="0070C0"/>
-                </a:solidFill>
-                <a:prstDash val="solid"/>
-              </a:ln>
-            </p:spPr>
-            <p:style>
-              <a:lnRef idx="2">
-                <a:schemeClr val="accent1">
-                  <a:shade val="50000"/>
-                </a:schemeClr>
-              </a:lnRef>
-              <a:fillRef idx="1">
-                <a:schemeClr val="accent1"/>
-              </a:fillRef>
-              <a:effectRef idx="0">
-                <a:schemeClr val="accent1"/>
-              </a:effectRef>
-              <a:fontRef idx="minor">
-                <a:schemeClr val="lt1"/>
-              </a:fontRef>
-            </p:style>
-            <p:txBody>
-              <a:bodyPr rtlCol="0" anchor="ctr"/>
-              <a:lstStyle/>
-              <a:p>
-                <a:pPr algn="ctr"/>
-                <a:endParaRPr lang="en-US" sz="1000" b="1" dirty="0"/>
-              </a:p>
-            </p:txBody>
-          </p:sp>
-          <p:sp>
-            <p:nvSpPr>
-              <p:cNvPr id="143" name="Rectangle 142"/>
-              <p:cNvSpPr>
-                <a:spLocks/>
-              </p:cNvSpPr>
-              <p:nvPr/>
-            </p:nvSpPr>
-            <p:spPr>
-              <a:xfrm flipV="1">
-                <a:off x="1737360" y="2785262"/>
-                <a:ext cx="616290" cy="308146"/>
-              </a:xfrm>
-              <a:prstGeom prst="rect">
-                <a:avLst/>
-              </a:prstGeom>
-              <a:solidFill>
-                <a:schemeClr val="bg1"/>
-              </a:solidFill>
-              <a:ln w="19050">
-                <a:solidFill>
-                  <a:srgbClr val="0070C0"/>
-                </a:solidFill>
-              </a:ln>
-            </p:spPr>
-            <p:style>
-              <a:lnRef idx="2">
-                <a:schemeClr val="accent1">
-                  <a:shade val="50000"/>
-                </a:schemeClr>
-              </a:lnRef>
-              <a:fillRef idx="1">
-                <a:schemeClr val="accent1"/>
-              </a:fillRef>
-              <a:effectRef idx="0">
-                <a:schemeClr val="accent1"/>
-              </a:effectRef>
-              <a:fontRef idx="minor">
-                <a:schemeClr val="lt1"/>
-              </a:fontRef>
-            </p:style>
-            <p:txBody>
-              <a:bodyPr rtlCol="0" anchor="ctr"/>
-              <a:lstStyle/>
-              <a:p>
-                <a:pPr algn="ctr"/>
-                <a:endParaRPr lang="en-US" dirty="0"/>
-              </a:p>
-            </p:txBody>
-          </p:sp>
-          <p:cxnSp>
-            <p:nvCxnSpPr>
-              <p:cNvPr id="144" name="Straight Connector 143"/>
-              <p:cNvCxnSpPr>
-                <a:cxnSpLocks/>
-              </p:cNvCxnSpPr>
-              <p:nvPr/>
-            </p:nvCxnSpPr>
-            <p:spPr>
-              <a:xfrm>
-                <a:off x="1737360" y="3093408"/>
-                <a:ext cx="616290" cy="0"/>
-              </a:xfrm>
-              <a:prstGeom prst="line">
-                <a:avLst/>
-              </a:prstGeom>
-              <a:ln w="38100" cmpd="sng">
-                <a:solidFill>
-                  <a:srgbClr val="FF6600"/>
-                </a:solidFill>
-                <a:prstDash val="solid"/>
-                <a:headEnd type="triangle" w="med" len="med"/>
-                <a:tailEnd type="triangle" w="med" len="med"/>
-              </a:ln>
-            </p:spPr>
-            <p:style>
-              <a:lnRef idx="1">
-                <a:schemeClr val="accent1"/>
-              </a:lnRef>
-              <a:fillRef idx="0">
-                <a:schemeClr val="accent1"/>
-              </a:fillRef>
-              <a:effectRef idx="0">
-                <a:schemeClr val="accent1"/>
-              </a:effectRef>
-              <a:fontRef idx="minor">
-                <a:schemeClr val="tx1"/>
-              </a:fontRef>
-            </p:style>
-          </p:cxnSp>
-          <p:cxnSp>
-            <p:nvCxnSpPr>
-              <p:cNvPr id="145" name="Straight Arrow Connector 144"/>
-              <p:cNvCxnSpPr/>
-              <p:nvPr/>
-            </p:nvCxnSpPr>
-            <p:spPr>
-              <a:xfrm flipV="1">
-                <a:off x="2045505" y="2537922"/>
-                <a:ext cx="0" cy="213425"/>
-              </a:xfrm>
-              <a:prstGeom prst="straightConnector1">
-                <a:avLst/>
-              </a:prstGeom>
-              <a:ln w="38100">
-                <a:solidFill>
-                  <a:schemeClr val="bg1"/>
-                </a:solidFill>
-                <a:headEnd type="none" w="med" len="med"/>
-                <a:tailEnd type="triangle" w="med" len="med"/>
-              </a:ln>
-            </p:spPr>
-            <p:style>
-              <a:lnRef idx="1">
-                <a:schemeClr val="accent1"/>
-              </a:lnRef>
-              <a:fillRef idx="0">
-                <a:schemeClr val="accent1"/>
-              </a:fillRef>
-              <a:effectRef idx="0">
-                <a:schemeClr val="accent1"/>
-              </a:effectRef>
-              <a:fontRef idx="minor">
-                <a:schemeClr val="tx1"/>
-              </a:fontRef>
-            </p:style>
-          </p:cxnSp>
-          <p:cxnSp>
-            <p:nvCxnSpPr>
-              <p:cNvPr id="146" name="Straight Connector 145"/>
-              <p:cNvCxnSpPr>
-                <a:cxnSpLocks/>
-              </p:cNvCxnSpPr>
-              <p:nvPr/>
-            </p:nvCxnSpPr>
-            <p:spPr>
-              <a:xfrm rot="16200000">
-                <a:off x="1282397" y="2785262"/>
-                <a:ext cx="616290" cy="0"/>
-              </a:xfrm>
-              <a:prstGeom prst="line">
-                <a:avLst/>
-              </a:prstGeom>
-              <a:ln w="38100" cmpd="sng">
-                <a:solidFill>
-                  <a:srgbClr val="FF6600"/>
-                </a:solidFill>
-                <a:prstDash val="solid"/>
-                <a:headEnd type="triangle" w="med" len="med"/>
-                <a:tailEnd type="triangle" w="med" len="med"/>
-              </a:ln>
-            </p:spPr>
-            <p:style>
-              <a:lnRef idx="1">
-                <a:schemeClr val="accent1"/>
-              </a:lnRef>
-              <a:fillRef idx="0">
-                <a:schemeClr val="accent1"/>
-              </a:fillRef>
-              <a:effectRef idx="0">
-                <a:schemeClr val="accent1"/>
-              </a:effectRef>
-              <a:fontRef idx="minor">
-                <a:schemeClr val="tx1"/>
-              </a:fontRef>
-            </p:style>
-          </p:cxnSp>
-        </p:grpSp>
-        <p:sp>
-          <p:nvSpPr>
-            <p:cNvPr id="141" name="Rectangle 140"/>
-            <p:cNvSpPr>
-              <a:spLocks noChangeAspect="1"/>
-            </p:cNvSpPr>
-            <p:nvPr/>
-          </p:nvSpPr>
-          <p:spPr>
-            <a:xfrm>
-              <a:off x="2056512" y="2490835"/>
-              <a:ext cx="548545" cy="550800"/>
-            </a:xfrm>
-            <a:prstGeom prst="rect">
-              <a:avLst/>
-            </a:prstGeom>
-            <a:noFill/>
-            <a:ln w="9525">
-              <a:noFill/>
-            </a:ln>
-          </p:spPr>
-          <p:style>
-            <a:lnRef idx="2">
-              <a:schemeClr val="accent1">
-                <a:shade val="50000"/>
-              </a:schemeClr>
-            </a:lnRef>
-            <a:fillRef idx="1">
-              <a:schemeClr val="accent1"/>
-            </a:fillRef>
-            <a:effectRef idx="0">
-              <a:schemeClr val="accent1"/>
-            </a:effectRef>
-            <a:fontRef idx="minor">
-              <a:schemeClr val="lt1"/>
-            </a:fontRef>
-          </p:style>
-          <p:txBody>
-            <a:bodyPr rtlCol="0" anchor="ctr"/>
-            <a:lstStyle/>
-            <a:p>
-              <a:pPr algn="ctr"/>
-              <a:endParaRPr lang="en-US"/>
-            </a:p>
-          </p:txBody>
-        </p:sp>
-      </p:grpSp>
-      <p:grpSp>
-        <p:nvGrpSpPr>
           <p:cNvPr id="148" name="Group 147"/>
           <p:cNvGrpSpPr>
             <a:grpSpLocks noChangeAspect="1"/>
@@ -19964,7 +18776,7 @@
         </p:nvGrpSpPr>
         <p:grpSpPr>
           <a:xfrm>
-            <a:off x="2124948" y="2559552"/>
+            <a:off x="2028617" y="2535522"/>
             <a:ext cx="411673" cy="413366"/>
             <a:chOff x="1590542" y="2477117"/>
             <a:chExt cx="763108" cy="616291"/>

--- a/doc/Icons-ResizeLab.pptx
+++ b/doc/Icons-ResizeLab.pptx
@@ -215,7 +215,7 @@
           <a:p>
             <a:fld id="{6699ACB9-486C-4D62-A3A7-AF98E13EFDA3}" type="datetimeFigureOut">
               <a:rPr lang="en-US" smtClean="0"/>
-              <a:t>3/24/2016</a:t>
+              <a:t>3/29/2016</a:t>
             </a:fld>
             <a:endParaRPr lang="en-US"/>
           </a:p>
@@ -917,7 +917,7 @@
             <a:fld id="{1D8BD707-D9CF-40AE-B4C6-C98DA3205C09}" type="datetimeFigureOut">
               <a:rPr lang="en-US" smtClean="0"/>
               <a:pPr/>
-              <a:t>3/24/2016</a:t>
+              <a:t>3/29/2016</a:t>
             </a:fld>
             <a:endParaRPr lang="en-US"/>
           </a:p>
@@ -1084,7 +1084,7 @@
             <a:fld id="{1D8BD707-D9CF-40AE-B4C6-C98DA3205C09}" type="datetimeFigureOut">
               <a:rPr lang="en-US" smtClean="0"/>
               <a:pPr/>
-              <a:t>3/24/2016</a:t>
+              <a:t>3/29/2016</a:t>
             </a:fld>
             <a:endParaRPr lang="en-US"/>
           </a:p>
@@ -1261,7 +1261,7 @@
             <a:fld id="{1D8BD707-D9CF-40AE-B4C6-C98DA3205C09}" type="datetimeFigureOut">
               <a:rPr lang="en-US" smtClean="0"/>
               <a:pPr/>
-              <a:t>3/24/2016</a:t>
+              <a:t>3/29/2016</a:t>
             </a:fld>
             <a:endParaRPr lang="en-US"/>
           </a:p>
@@ -1428,7 +1428,7 @@
             <a:fld id="{1D8BD707-D9CF-40AE-B4C6-C98DA3205C09}" type="datetimeFigureOut">
               <a:rPr lang="en-US" smtClean="0"/>
               <a:pPr/>
-              <a:t>3/24/2016</a:t>
+              <a:t>3/29/2016</a:t>
             </a:fld>
             <a:endParaRPr lang="en-US"/>
           </a:p>
@@ -1671,7 +1671,7 @@
             <a:fld id="{1D8BD707-D9CF-40AE-B4C6-C98DA3205C09}" type="datetimeFigureOut">
               <a:rPr lang="en-US" smtClean="0"/>
               <a:pPr/>
-              <a:t>3/24/2016</a:t>
+              <a:t>3/29/2016</a:t>
             </a:fld>
             <a:endParaRPr lang="en-US"/>
           </a:p>
@@ -1956,7 +1956,7 @@
             <a:fld id="{1D8BD707-D9CF-40AE-B4C6-C98DA3205C09}" type="datetimeFigureOut">
               <a:rPr lang="en-US" smtClean="0"/>
               <a:pPr/>
-              <a:t>3/24/2016</a:t>
+              <a:t>3/29/2016</a:t>
             </a:fld>
             <a:endParaRPr lang="en-US"/>
           </a:p>
@@ -2375,7 +2375,7 @@
             <a:fld id="{1D8BD707-D9CF-40AE-B4C6-C98DA3205C09}" type="datetimeFigureOut">
               <a:rPr lang="en-US" smtClean="0"/>
               <a:pPr/>
-              <a:t>3/24/2016</a:t>
+              <a:t>3/29/2016</a:t>
             </a:fld>
             <a:endParaRPr lang="en-US"/>
           </a:p>
@@ -2490,7 +2490,7 @@
             <a:fld id="{1D8BD707-D9CF-40AE-B4C6-C98DA3205C09}" type="datetimeFigureOut">
               <a:rPr lang="en-US" smtClean="0"/>
               <a:pPr/>
-              <a:t>3/24/2016</a:t>
+              <a:t>3/29/2016</a:t>
             </a:fld>
             <a:endParaRPr lang="en-US"/>
           </a:p>
@@ -2582,7 +2582,7 @@
             <a:fld id="{1D8BD707-D9CF-40AE-B4C6-C98DA3205C09}" type="datetimeFigureOut">
               <a:rPr lang="en-US" smtClean="0"/>
               <a:pPr/>
-              <a:t>3/24/2016</a:t>
+              <a:t>3/29/2016</a:t>
             </a:fld>
             <a:endParaRPr lang="en-US"/>
           </a:p>
@@ -2856,7 +2856,7 @@
             <a:fld id="{1D8BD707-D9CF-40AE-B4C6-C98DA3205C09}" type="datetimeFigureOut">
               <a:rPr lang="en-US" smtClean="0"/>
               <a:pPr/>
-              <a:t>3/24/2016</a:t>
+              <a:t>3/29/2016</a:t>
             </a:fld>
             <a:endParaRPr lang="en-US"/>
           </a:p>
@@ -3106,7 +3106,7 @@
             <a:fld id="{1D8BD707-D9CF-40AE-B4C6-C98DA3205C09}" type="datetimeFigureOut">
               <a:rPr lang="en-US" smtClean="0"/>
               <a:pPr/>
-              <a:t>3/24/2016</a:t>
+              <a:t>3/29/2016</a:t>
             </a:fld>
             <a:endParaRPr lang="en-US"/>
           </a:p>
@@ -3321,7 +3321,7 @@
             <a:fld id="{1D8BD707-D9CF-40AE-B4C6-C98DA3205C09}" type="datetimeFigureOut">
               <a:rPr lang="en-US" smtClean="0"/>
               <a:pPr/>
-              <a:t>3/24/2016</a:t>
+              <a:t>3/29/2016</a:t>
             </a:fld>
             <a:endParaRPr lang="en-US"/>
           </a:p>
@@ -20037,7 +20037,7 @@
       </p:grpSp>
       <p:grpSp>
         <p:nvGrpSpPr>
-          <p:cNvPr id="7" name="Group 6"/>
+          <p:cNvPr id="3" name="Group 2"/>
           <p:cNvGrpSpPr/>
           <p:nvPr/>
         </p:nvGrpSpPr>
@@ -20059,7 +20059,7 @@
           </p:nvGrpSpPr>
           <p:grpSpPr>
             <a:xfrm>
-              <a:off x="1324914" y="3444911"/>
+              <a:off x="1324913" y="3446711"/>
               <a:ext cx="504000" cy="504001"/>
               <a:chOff x="2033802" y="3546473"/>
               <a:chExt cx="553819" cy="510616"/>
@@ -20506,278 +20506,6 @@
       </p:sp>
       <p:grpSp>
         <p:nvGrpSpPr>
-          <p:cNvPr id="66" name="Group 65"/>
-          <p:cNvGrpSpPr/>
-          <p:nvPr/>
-        </p:nvGrpSpPr>
-        <p:grpSpPr>
-          <a:xfrm>
-            <a:off x="2033804" y="3546474"/>
-            <a:ext cx="553819" cy="550544"/>
-            <a:chOff x="2033804" y="3546474"/>
-            <a:chExt cx="553819" cy="550544"/>
-          </a:xfrm>
-        </p:grpSpPr>
-        <p:sp>
-          <p:nvSpPr>
-            <p:cNvPr id="59" name="Rectangle 58"/>
-            <p:cNvSpPr>
-              <a:spLocks/>
-            </p:cNvSpPr>
-            <p:nvPr/>
-          </p:nvSpPr>
-          <p:spPr>
-            <a:xfrm rot="10800000" flipV="1">
-              <a:off x="2033804" y="3546474"/>
-              <a:ext cx="553819" cy="259665"/>
-            </a:xfrm>
-            <a:prstGeom prst="rect">
-              <a:avLst/>
-            </a:prstGeom>
-            <a:solidFill>
-              <a:srgbClr val="0070C0"/>
-            </a:solidFill>
-            <a:ln w="19050">
-              <a:solidFill>
-                <a:srgbClr val="0070C0"/>
-              </a:solidFill>
-              <a:miter lim="800000"/>
-            </a:ln>
-          </p:spPr>
-          <p:style>
-            <a:lnRef idx="2">
-              <a:schemeClr val="accent1">
-                <a:shade val="50000"/>
-              </a:schemeClr>
-            </a:lnRef>
-            <a:fillRef idx="1">
-              <a:schemeClr val="accent1"/>
-            </a:fillRef>
-            <a:effectRef idx="0">
-              <a:schemeClr val="accent1"/>
-            </a:effectRef>
-            <a:fontRef idx="minor">
-              <a:schemeClr val="lt1"/>
-            </a:fontRef>
-          </p:style>
-          <p:txBody>
-            <a:bodyPr rtlCol="0" anchor="ctr"/>
-            <a:lstStyle/>
-            <a:p>
-              <a:pPr algn="ctr"/>
-              <a:r>
-                <a:rPr lang="en-US" dirty="0">
-                  <a:solidFill>
-                    <a:schemeClr val="bg1"/>
-                  </a:solidFill>
-                </a:rPr>
-                <a:t>2</a:t>
-              </a:r>
-            </a:p>
-          </p:txBody>
-        </p:sp>
-        <p:sp>
-          <p:nvSpPr>
-            <p:cNvPr id="60" name="Rectangle 59"/>
-            <p:cNvSpPr>
-              <a:spLocks/>
-            </p:cNvSpPr>
-            <p:nvPr/>
-          </p:nvSpPr>
-          <p:spPr>
-            <a:xfrm rot="10800000" flipV="1">
-              <a:off x="2033807" y="3851858"/>
-              <a:ext cx="283261" cy="245160"/>
-            </a:xfrm>
-            <a:prstGeom prst="rect">
-              <a:avLst/>
-            </a:prstGeom>
-            <a:solidFill>
-              <a:schemeClr val="bg1"/>
-            </a:solidFill>
-            <a:ln w="19050">
-              <a:solidFill>
-                <a:srgbClr val="FF6600"/>
-              </a:solidFill>
-              <a:miter lim="800000"/>
-            </a:ln>
-          </p:spPr>
-          <p:style>
-            <a:lnRef idx="2">
-              <a:schemeClr val="accent1">
-                <a:shade val="50000"/>
-              </a:schemeClr>
-            </a:lnRef>
-            <a:fillRef idx="1">
-              <a:schemeClr val="accent1"/>
-            </a:fillRef>
-            <a:effectRef idx="0">
-              <a:schemeClr val="accent1"/>
-            </a:effectRef>
-            <a:fontRef idx="minor">
-              <a:schemeClr val="lt1"/>
-            </a:fontRef>
-          </p:style>
-          <p:txBody>
-            <a:bodyPr rtlCol="0" anchor="ctr"/>
-            <a:lstStyle/>
-            <a:p>
-              <a:pPr algn="ctr"/>
-              <a:r>
-                <a:rPr lang="en-US" dirty="0" smtClean="0">
-                  <a:solidFill>
-                    <a:srgbClr val="FF6600"/>
-                  </a:solidFill>
-                </a:rPr>
-                <a:t>1</a:t>
-              </a:r>
-              <a:endParaRPr lang="en-US" dirty="0">
-                <a:solidFill>
-                  <a:srgbClr val="FF6600"/>
-                </a:solidFill>
-              </a:endParaRPr>
-            </a:p>
-          </p:txBody>
-        </p:sp>
-      </p:grpSp>
-      <p:grpSp>
-        <p:nvGrpSpPr>
-          <p:cNvPr id="19" name="Group 18"/>
-          <p:cNvGrpSpPr/>
-          <p:nvPr/>
-        </p:nvGrpSpPr>
-        <p:grpSpPr>
-          <a:xfrm>
-            <a:off x="3920414" y="3508072"/>
-            <a:ext cx="553813" cy="550544"/>
-            <a:chOff x="2033807" y="3546474"/>
-            <a:chExt cx="553813" cy="550544"/>
-          </a:xfrm>
-        </p:grpSpPr>
-        <p:sp>
-          <p:nvSpPr>
-            <p:cNvPr id="20" name="Rectangle 19"/>
-            <p:cNvSpPr>
-              <a:spLocks/>
-            </p:cNvSpPr>
-            <p:nvPr/>
-          </p:nvSpPr>
-          <p:spPr>
-            <a:xfrm rot="10800000" flipV="1">
-              <a:off x="2361541" y="3546474"/>
-              <a:ext cx="226079" cy="549016"/>
-            </a:xfrm>
-            <a:prstGeom prst="rect">
-              <a:avLst/>
-            </a:prstGeom>
-            <a:solidFill>
-              <a:srgbClr val="0070C0"/>
-            </a:solidFill>
-            <a:ln w="19050">
-              <a:solidFill>
-                <a:srgbClr val="0070C0"/>
-              </a:solidFill>
-              <a:miter lim="800000"/>
-            </a:ln>
-          </p:spPr>
-          <p:style>
-            <a:lnRef idx="2">
-              <a:schemeClr val="accent1">
-                <a:shade val="50000"/>
-              </a:schemeClr>
-            </a:lnRef>
-            <a:fillRef idx="1">
-              <a:schemeClr val="accent1"/>
-            </a:fillRef>
-            <a:effectRef idx="0">
-              <a:schemeClr val="accent1"/>
-            </a:effectRef>
-            <a:fontRef idx="minor">
-              <a:schemeClr val="lt1"/>
-            </a:fontRef>
-          </p:style>
-          <p:txBody>
-            <a:bodyPr rtlCol="0" anchor="ctr"/>
-            <a:lstStyle/>
-            <a:p>
-              <a:pPr algn="ctr"/>
-              <a:r>
-                <a:rPr lang="en-US" dirty="0">
-                  <a:solidFill>
-                    <a:schemeClr val="bg1"/>
-                  </a:solidFill>
-                </a:rPr>
-                <a:t>2</a:t>
-              </a:r>
-            </a:p>
-          </p:txBody>
-        </p:sp>
-        <p:sp>
-          <p:nvSpPr>
-            <p:cNvPr id="21" name="Rectangle 20"/>
-            <p:cNvSpPr>
-              <a:spLocks/>
-            </p:cNvSpPr>
-            <p:nvPr/>
-          </p:nvSpPr>
-          <p:spPr>
-            <a:xfrm rot="10800000" flipV="1">
-              <a:off x="2033807" y="3820982"/>
-              <a:ext cx="276936" cy="276036"/>
-            </a:xfrm>
-            <a:prstGeom prst="rect">
-              <a:avLst/>
-            </a:prstGeom>
-            <a:solidFill>
-              <a:schemeClr val="bg1"/>
-            </a:solidFill>
-            <a:ln w="19050">
-              <a:solidFill>
-                <a:srgbClr val="FF6600"/>
-              </a:solidFill>
-              <a:miter lim="800000"/>
-            </a:ln>
-          </p:spPr>
-          <p:style>
-            <a:lnRef idx="2">
-              <a:schemeClr val="accent1">
-                <a:shade val="50000"/>
-              </a:schemeClr>
-            </a:lnRef>
-            <a:fillRef idx="1">
-              <a:schemeClr val="accent1"/>
-            </a:fillRef>
-            <a:effectRef idx="0">
-              <a:schemeClr val="accent1"/>
-            </a:effectRef>
-            <a:fontRef idx="minor">
-              <a:schemeClr val="lt1"/>
-            </a:fontRef>
-          </p:style>
-          <p:txBody>
-            <a:bodyPr rtlCol="0" anchor="ctr"/>
-            <a:lstStyle/>
-            <a:p>
-              <a:pPr algn="ctr"/>
-              <a:r>
-                <a:rPr lang="en-US" dirty="0" smtClean="0">
-                  <a:solidFill>
-                    <a:srgbClr val="FF6600"/>
-                  </a:solidFill>
-                </a:rPr>
-                <a:t>1</a:t>
-              </a:r>
-              <a:endParaRPr lang="en-US" dirty="0">
-                <a:solidFill>
-                  <a:srgbClr val="FF6600"/>
-                </a:solidFill>
-              </a:endParaRPr>
-            </a:p>
-          </p:txBody>
-        </p:sp>
-      </p:grpSp>
-      <p:grpSp>
-        <p:nvGrpSpPr>
           <p:cNvPr id="22" name="Group 21"/>
           <p:cNvGrpSpPr/>
           <p:nvPr/>
@@ -20908,6 +20636,404 @@
                   <a:srgbClr val="FF6600"/>
                 </a:solidFill>
               </a:endParaRPr>
+            </a:p>
+          </p:txBody>
+        </p:sp>
+      </p:grpSp>
+      <p:grpSp>
+        <p:nvGrpSpPr>
+          <p:cNvPr id="3" name="Group 2"/>
+          <p:cNvGrpSpPr/>
+          <p:nvPr/>
+        </p:nvGrpSpPr>
+        <p:grpSpPr>
+          <a:xfrm>
+            <a:off x="2003739" y="3500075"/>
+            <a:ext cx="548545" cy="550800"/>
+            <a:chOff x="2003739" y="3500075"/>
+            <a:chExt cx="548545" cy="550800"/>
+          </a:xfrm>
+        </p:grpSpPr>
+        <p:grpSp>
+          <p:nvGrpSpPr>
+            <p:cNvPr id="66" name="Group 65"/>
+            <p:cNvGrpSpPr>
+              <a:grpSpLocks noChangeAspect="1"/>
+            </p:cNvGrpSpPr>
+            <p:nvPr/>
+          </p:nvGrpSpPr>
+          <p:grpSpPr>
+            <a:xfrm>
+              <a:off x="2052854" y="3551649"/>
+              <a:ext cx="450315" cy="447652"/>
+              <a:chOff x="2033804" y="3546474"/>
+              <a:chExt cx="553819" cy="550544"/>
+            </a:xfrm>
+          </p:grpSpPr>
+          <p:sp>
+            <p:nvSpPr>
+              <p:cNvPr id="59" name="Rectangle 58"/>
+              <p:cNvSpPr>
+                <a:spLocks/>
+              </p:cNvSpPr>
+              <p:nvPr/>
+            </p:nvSpPr>
+            <p:spPr>
+              <a:xfrm rot="10800000" flipV="1">
+                <a:off x="2033804" y="3546474"/>
+                <a:ext cx="553819" cy="259665"/>
+              </a:xfrm>
+              <a:prstGeom prst="rect">
+                <a:avLst/>
+              </a:prstGeom>
+              <a:solidFill>
+                <a:srgbClr val="0070C0"/>
+              </a:solidFill>
+              <a:ln w="19050">
+                <a:solidFill>
+                  <a:srgbClr val="0070C0"/>
+                </a:solidFill>
+                <a:miter lim="800000"/>
+              </a:ln>
+            </p:spPr>
+            <p:style>
+              <a:lnRef idx="2">
+                <a:schemeClr val="accent1">
+                  <a:shade val="50000"/>
+                </a:schemeClr>
+              </a:lnRef>
+              <a:fillRef idx="1">
+                <a:schemeClr val="accent1"/>
+              </a:fillRef>
+              <a:effectRef idx="0">
+                <a:schemeClr val="accent1"/>
+              </a:effectRef>
+              <a:fontRef idx="minor">
+                <a:schemeClr val="lt1"/>
+              </a:fontRef>
+            </p:style>
+            <p:txBody>
+              <a:bodyPr rtlCol="0" anchor="ctr"/>
+              <a:lstStyle/>
+              <a:p>
+                <a:pPr algn="ctr"/>
+                <a:r>
+                  <a:rPr lang="en-US" dirty="0">
+                    <a:solidFill>
+                      <a:schemeClr val="bg1"/>
+                    </a:solidFill>
+                  </a:rPr>
+                  <a:t>2</a:t>
+                </a:r>
+              </a:p>
+            </p:txBody>
+          </p:sp>
+          <p:sp>
+            <p:nvSpPr>
+              <p:cNvPr id="60" name="Rectangle 59"/>
+              <p:cNvSpPr>
+                <a:spLocks/>
+              </p:cNvSpPr>
+              <p:nvPr/>
+            </p:nvSpPr>
+            <p:spPr>
+              <a:xfrm rot="10800000" flipV="1">
+                <a:off x="2033807" y="3851858"/>
+                <a:ext cx="283261" cy="245160"/>
+              </a:xfrm>
+              <a:prstGeom prst="rect">
+                <a:avLst/>
+              </a:prstGeom>
+              <a:solidFill>
+                <a:schemeClr val="bg1"/>
+              </a:solidFill>
+              <a:ln w="19050">
+                <a:solidFill>
+                  <a:srgbClr val="FF6600"/>
+                </a:solidFill>
+                <a:miter lim="800000"/>
+              </a:ln>
+            </p:spPr>
+            <p:style>
+              <a:lnRef idx="2">
+                <a:schemeClr val="accent1">
+                  <a:shade val="50000"/>
+                </a:schemeClr>
+              </a:lnRef>
+              <a:fillRef idx="1">
+                <a:schemeClr val="accent1"/>
+              </a:fillRef>
+              <a:effectRef idx="0">
+                <a:schemeClr val="accent1"/>
+              </a:effectRef>
+              <a:fontRef idx="minor">
+                <a:schemeClr val="lt1"/>
+              </a:fontRef>
+            </p:style>
+            <p:txBody>
+              <a:bodyPr rtlCol="0" anchor="ctr"/>
+              <a:lstStyle/>
+              <a:p>
+                <a:pPr algn="ctr"/>
+                <a:r>
+                  <a:rPr lang="en-US" dirty="0" smtClean="0">
+                    <a:solidFill>
+                      <a:srgbClr val="FF6600"/>
+                    </a:solidFill>
+                  </a:rPr>
+                  <a:t>1</a:t>
+                </a:r>
+                <a:endParaRPr lang="en-US" dirty="0">
+                  <a:solidFill>
+                    <a:srgbClr val="FF6600"/>
+                  </a:solidFill>
+                </a:endParaRPr>
+              </a:p>
+            </p:txBody>
+          </p:sp>
+        </p:grpSp>
+        <p:sp>
+          <p:nvSpPr>
+            <p:cNvPr id="15" name="Rectangle 39"/>
+            <p:cNvSpPr>
+              <a:spLocks/>
+            </p:cNvSpPr>
+            <p:nvPr/>
+          </p:nvSpPr>
+          <p:spPr>
+            <a:xfrm>
+              <a:off x="2003739" y="3500075"/>
+              <a:ext cx="548545" cy="550800"/>
+            </a:xfrm>
+            <a:prstGeom prst="rect">
+              <a:avLst/>
+            </a:prstGeom>
+            <a:noFill/>
+            <a:ln w="9525">
+              <a:noFill/>
+            </a:ln>
+          </p:spPr>
+          <p:style>
+            <a:lnRef idx="2">
+              <a:schemeClr val="accent1">
+                <a:shade val="50000"/>
+              </a:schemeClr>
+            </a:lnRef>
+            <a:fillRef idx="1">
+              <a:schemeClr val="accent1"/>
+            </a:fillRef>
+            <a:effectRef idx="0">
+              <a:schemeClr val="accent1"/>
+            </a:effectRef>
+            <a:fontRef idx="minor">
+              <a:schemeClr val="lt1"/>
+            </a:fontRef>
+          </p:style>
+          <p:txBody>
+            <a:bodyPr rtlCol="0" anchor="ctr"/>
+            <a:lstStyle/>
+            <a:p>
+              <a:pPr algn="ctr"/>
+              <a:endParaRPr lang="en-US"/>
+            </a:p>
+          </p:txBody>
+        </p:sp>
+      </p:grpSp>
+      <p:grpSp>
+        <p:nvGrpSpPr>
+          <p:cNvPr id="4" name="Group 3"/>
+          <p:cNvGrpSpPr/>
+          <p:nvPr/>
+        </p:nvGrpSpPr>
+        <p:grpSpPr>
+          <a:xfrm>
+            <a:off x="3871322" y="3440458"/>
+            <a:ext cx="548545" cy="550800"/>
+            <a:chOff x="3871322" y="3440458"/>
+            <a:chExt cx="548545" cy="550800"/>
+          </a:xfrm>
+        </p:grpSpPr>
+        <p:grpSp>
+          <p:nvGrpSpPr>
+            <p:cNvPr id="19" name="Group 18"/>
+            <p:cNvGrpSpPr>
+              <a:grpSpLocks noChangeAspect="1"/>
+            </p:cNvGrpSpPr>
+            <p:nvPr/>
+          </p:nvGrpSpPr>
+          <p:grpSpPr>
+            <a:xfrm>
+              <a:off x="3920436" y="3492032"/>
+              <a:ext cx="450315" cy="447652"/>
+              <a:chOff x="2033807" y="3546474"/>
+              <a:chExt cx="553813" cy="550544"/>
+            </a:xfrm>
+          </p:grpSpPr>
+          <p:sp>
+            <p:nvSpPr>
+              <p:cNvPr id="20" name="Rectangle 19"/>
+              <p:cNvSpPr>
+                <a:spLocks/>
+              </p:cNvSpPr>
+              <p:nvPr/>
+            </p:nvSpPr>
+            <p:spPr>
+              <a:xfrm rot="10800000" flipV="1">
+                <a:off x="2361541" y="3546474"/>
+                <a:ext cx="226079" cy="549016"/>
+              </a:xfrm>
+              <a:prstGeom prst="rect">
+                <a:avLst/>
+              </a:prstGeom>
+              <a:solidFill>
+                <a:srgbClr val="0070C0"/>
+              </a:solidFill>
+              <a:ln w="19050">
+                <a:solidFill>
+                  <a:srgbClr val="0070C0"/>
+                </a:solidFill>
+                <a:miter lim="800000"/>
+              </a:ln>
+            </p:spPr>
+            <p:style>
+              <a:lnRef idx="2">
+                <a:schemeClr val="accent1">
+                  <a:shade val="50000"/>
+                </a:schemeClr>
+              </a:lnRef>
+              <a:fillRef idx="1">
+                <a:schemeClr val="accent1"/>
+              </a:fillRef>
+              <a:effectRef idx="0">
+                <a:schemeClr val="accent1"/>
+              </a:effectRef>
+              <a:fontRef idx="minor">
+                <a:schemeClr val="lt1"/>
+              </a:fontRef>
+            </p:style>
+            <p:txBody>
+              <a:bodyPr rtlCol="0" anchor="ctr"/>
+              <a:lstStyle/>
+              <a:p>
+                <a:pPr algn="ctr"/>
+                <a:r>
+                  <a:rPr lang="en-US" dirty="0">
+                    <a:solidFill>
+                      <a:schemeClr val="bg1"/>
+                    </a:solidFill>
+                  </a:rPr>
+                  <a:t>2</a:t>
+                </a:r>
+              </a:p>
+            </p:txBody>
+          </p:sp>
+          <p:sp>
+            <p:nvSpPr>
+              <p:cNvPr id="21" name="Rectangle 20"/>
+              <p:cNvSpPr>
+                <a:spLocks/>
+              </p:cNvSpPr>
+              <p:nvPr/>
+            </p:nvSpPr>
+            <p:spPr>
+              <a:xfrm rot="10800000" flipV="1">
+                <a:off x="2033807" y="3820982"/>
+                <a:ext cx="276936" cy="276036"/>
+              </a:xfrm>
+              <a:prstGeom prst="rect">
+                <a:avLst/>
+              </a:prstGeom>
+              <a:solidFill>
+                <a:schemeClr val="bg1"/>
+              </a:solidFill>
+              <a:ln w="19050">
+                <a:solidFill>
+                  <a:srgbClr val="FF6600"/>
+                </a:solidFill>
+                <a:miter lim="800000"/>
+              </a:ln>
+            </p:spPr>
+            <p:style>
+              <a:lnRef idx="2">
+                <a:schemeClr val="accent1">
+                  <a:shade val="50000"/>
+                </a:schemeClr>
+              </a:lnRef>
+              <a:fillRef idx="1">
+                <a:schemeClr val="accent1"/>
+              </a:fillRef>
+              <a:effectRef idx="0">
+                <a:schemeClr val="accent1"/>
+              </a:effectRef>
+              <a:fontRef idx="minor">
+                <a:schemeClr val="lt1"/>
+              </a:fontRef>
+            </p:style>
+            <p:txBody>
+              <a:bodyPr rtlCol="0" anchor="ctr"/>
+              <a:lstStyle/>
+              <a:p>
+                <a:pPr algn="ctr"/>
+                <a:r>
+                  <a:rPr lang="en-US" dirty="0" smtClean="0">
+                    <a:solidFill>
+                      <a:srgbClr val="FF6600"/>
+                    </a:solidFill>
+                  </a:rPr>
+                  <a:t>1</a:t>
+                </a:r>
+                <a:endParaRPr lang="en-US" dirty="0">
+                  <a:solidFill>
+                    <a:srgbClr val="FF6600"/>
+                  </a:solidFill>
+                </a:endParaRPr>
+              </a:p>
+            </p:txBody>
+          </p:sp>
+        </p:grpSp>
+        <p:sp>
+          <p:nvSpPr>
+            <p:cNvPr id="16" name="Rectangle 39"/>
+            <p:cNvSpPr>
+              <a:spLocks/>
+            </p:cNvSpPr>
+            <p:nvPr/>
+          </p:nvSpPr>
+          <p:spPr>
+            <a:xfrm>
+              <a:off x="3871322" y="3440458"/>
+              <a:ext cx="548545" cy="550800"/>
+            </a:xfrm>
+            <a:prstGeom prst="rect">
+              <a:avLst/>
+            </a:prstGeom>
+            <a:noFill/>
+            <a:ln w="9525">
+              <a:noFill/>
+            </a:ln>
+          </p:spPr>
+          <p:style>
+            <a:lnRef idx="2">
+              <a:schemeClr val="accent1">
+                <a:shade val="50000"/>
+              </a:schemeClr>
+            </a:lnRef>
+            <a:fillRef idx="1">
+              <a:schemeClr val="accent1"/>
+            </a:fillRef>
+            <a:effectRef idx="0">
+              <a:schemeClr val="accent1"/>
+            </a:effectRef>
+            <a:fontRef idx="minor">
+              <a:schemeClr val="lt1"/>
+            </a:fontRef>
+          </p:style>
+          <p:txBody>
+            <a:bodyPr rtlCol="0" anchor="ctr"/>
+            <a:lstStyle/>
+            <a:p>
+              <a:pPr algn="ctr"/>
+              <a:endParaRPr lang="en-US"/>
             </a:p>
           </p:txBody>
         </p:sp>

--- a/doc/Icons-ResizeLab.pptx
+++ b/doc/Icons-ResizeLab.pptx
@@ -133,6 +133,10 @@
 </p:presentation>
 </file>
 
+<file path=ppt/revisionInfo.xml><?xml version="1.0" encoding="utf-8"?>
+<p1510:revInfo xmlns:a="http://schemas.openxmlformats.org/drawingml/2006/main" xmlns:r="http://schemas.openxmlformats.org/officeDocument/2006/relationships" xmlns:p1510="http://schemas.microsoft.com/office/powerpoint/2015/10/main"/>
+</file>
+
 <file path=ppt/notesMasters/notesMaster1.xml><?xml version="1.0" encoding="utf-8"?>
 <p:notesMaster xmlns:a="http://schemas.openxmlformats.org/drawingml/2006/main" xmlns:r="http://schemas.openxmlformats.org/officeDocument/2006/relationships" xmlns:p="http://schemas.openxmlformats.org/presentationml/2006/main">
   <p:cSld>
@@ -215,7 +219,7 @@
           <a:p>
             <a:fld id="{6699ACB9-486C-4D62-A3A7-AF98E13EFDA3}" type="datetimeFigureOut">
               <a:rPr lang="en-US" smtClean="0"/>
-              <a:t>3/29/2016</a:t>
+              <a:t>6/9/2017</a:t>
             </a:fld>
             <a:endParaRPr lang="en-US"/>
           </a:p>
@@ -279,38 +283,37 @@
           <a:p>
             <a:pPr lvl="0"/>
             <a:r>
-              <a:rPr lang="en-US" smtClean="0"/>
+              <a:rPr lang="en-US"/>
               <a:t>Click to edit Master text styles</a:t>
             </a:r>
           </a:p>
           <a:p>
             <a:pPr lvl="1"/>
             <a:r>
-              <a:rPr lang="en-US" smtClean="0"/>
+              <a:rPr lang="en-US"/>
               <a:t>Second level</a:t>
             </a:r>
           </a:p>
           <a:p>
             <a:pPr lvl="2"/>
             <a:r>
-              <a:rPr lang="en-US" smtClean="0"/>
+              <a:rPr lang="en-US"/>
               <a:t>Third level</a:t>
             </a:r>
           </a:p>
           <a:p>
             <a:pPr lvl="3"/>
             <a:r>
-              <a:rPr lang="en-US" smtClean="0"/>
+              <a:rPr lang="en-US"/>
               <a:t>Fourth level</a:t>
             </a:r>
           </a:p>
           <a:p>
             <a:pPr lvl="4"/>
             <a:r>
-              <a:rPr lang="en-US" smtClean="0"/>
+              <a:rPr lang="en-US"/>
               <a:t>Fifth level</a:t>
             </a:r>
-            <a:endParaRPr lang="en-US"/>
           </a:p>
         </p:txBody>
       </p:sp>
@@ -773,10 +776,9 @@
           <a:lstStyle/>
           <a:p>
             <a:r>
-              <a:rPr lang="en-US" smtClean="0"/>
+              <a:rPr lang="en-US"/>
               <a:t>Click to edit Master title style</a:t>
             </a:r>
-            <a:endParaRPr lang="en-US"/>
           </a:p>
         </p:txBody>
       </p:sp>
@@ -892,10 +894,9 @@
           </a:lstStyle>
           <a:p>
             <a:r>
-              <a:rPr lang="en-US" smtClean="0"/>
+              <a:rPr lang="en-US"/>
               <a:t>Click to edit Master subtitle style</a:t>
             </a:r>
-            <a:endParaRPr lang="en-US"/>
           </a:p>
         </p:txBody>
       </p:sp>
@@ -917,7 +918,7 @@
             <a:fld id="{1D8BD707-D9CF-40AE-B4C6-C98DA3205C09}" type="datetimeFigureOut">
               <a:rPr lang="en-US" smtClean="0"/>
               <a:pPr/>
-              <a:t>3/29/2016</a:t>
+              <a:t>6/9/2017</a:t>
             </a:fld>
             <a:endParaRPr lang="en-US"/>
           </a:p>
@@ -1007,10 +1008,9 @@
           <a:lstStyle/>
           <a:p>
             <a:r>
-              <a:rPr lang="en-US" smtClean="0"/>
+              <a:rPr lang="en-US"/>
               <a:t>Click to edit Master title style</a:t>
             </a:r>
-            <a:endParaRPr lang="en-US"/>
           </a:p>
         </p:txBody>
       </p:sp>
@@ -1031,38 +1031,37 @@
           <a:p>
             <a:pPr lvl="0"/>
             <a:r>
-              <a:rPr lang="en-US" smtClean="0"/>
+              <a:rPr lang="en-US"/>
               <a:t>Click to edit Master text styles</a:t>
             </a:r>
           </a:p>
           <a:p>
             <a:pPr lvl="1"/>
             <a:r>
-              <a:rPr lang="en-US" smtClean="0"/>
+              <a:rPr lang="en-US"/>
               <a:t>Second level</a:t>
             </a:r>
           </a:p>
           <a:p>
             <a:pPr lvl="2"/>
             <a:r>
-              <a:rPr lang="en-US" smtClean="0"/>
+              <a:rPr lang="en-US"/>
               <a:t>Third level</a:t>
             </a:r>
           </a:p>
           <a:p>
             <a:pPr lvl="3"/>
             <a:r>
-              <a:rPr lang="en-US" smtClean="0"/>
+              <a:rPr lang="en-US"/>
               <a:t>Fourth level</a:t>
             </a:r>
           </a:p>
           <a:p>
             <a:pPr lvl="4"/>
             <a:r>
-              <a:rPr lang="en-US" smtClean="0"/>
+              <a:rPr lang="en-US"/>
               <a:t>Fifth level</a:t>
             </a:r>
-            <a:endParaRPr lang="en-US"/>
           </a:p>
         </p:txBody>
       </p:sp>
@@ -1084,7 +1083,7 @@
             <a:fld id="{1D8BD707-D9CF-40AE-B4C6-C98DA3205C09}" type="datetimeFigureOut">
               <a:rPr lang="en-US" smtClean="0"/>
               <a:pPr/>
-              <a:t>3/29/2016</a:t>
+              <a:t>6/9/2017</a:t>
             </a:fld>
             <a:endParaRPr lang="en-US"/>
           </a:p>
@@ -1179,10 +1178,9 @@
           <a:lstStyle/>
           <a:p>
             <a:r>
-              <a:rPr lang="en-US" smtClean="0"/>
+              <a:rPr lang="en-US"/>
               <a:t>Click to edit Master title style</a:t>
             </a:r>
-            <a:endParaRPr lang="en-US"/>
           </a:p>
         </p:txBody>
       </p:sp>
@@ -1208,38 +1206,37 @@
           <a:p>
             <a:pPr lvl="0"/>
             <a:r>
-              <a:rPr lang="en-US" smtClean="0"/>
+              <a:rPr lang="en-US"/>
               <a:t>Click to edit Master text styles</a:t>
             </a:r>
           </a:p>
           <a:p>
             <a:pPr lvl="1"/>
             <a:r>
-              <a:rPr lang="en-US" smtClean="0"/>
+              <a:rPr lang="en-US"/>
               <a:t>Second level</a:t>
             </a:r>
           </a:p>
           <a:p>
             <a:pPr lvl="2"/>
             <a:r>
-              <a:rPr lang="en-US" smtClean="0"/>
+              <a:rPr lang="en-US"/>
               <a:t>Third level</a:t>
             </a:r>
           </a:p>
           <a:p>
             <a:pPr lvl="3"/>
             <a:r>
-              <a:rPr lang="en-US" smtClean="0"/>
+              <a:rPr lang="en-US"/>
               <a:t>Fourth level</a:t>
             </a:r>
           </a:p>
           <a:p>
             <a:pPr lvl="4"/>
             <a:r>
-              <a:rPr lang="en-US" smtClean="0"/>
+              <a:rPr lang="en-US"/>
               <a:t>Fifth level</a:t>
             </a:r>
-            <a:endParaRPr lang="en-US"/>
           </a:p>
         </p:txBody>
       </p:sp>
@@ -1261,7 +1258,7 @@
             <a:fld id="{1D8BD707-D9CF-40AE-B4C6-C98DA3205C09}" type="datetimeFigureOut">
               <a:rPr lang="en-US" smtClean="0"/>
               <a:pPr/>
-              <a:t>3/29/2016</a:t>
+              <a:t>6/9/2017</a:t>
             </a:fld>
             <a:endParaRPr lang="en-US"/>
           </a:p>
@@ -1351,10 +1348,9 @@
           <a:lstStyle/>
           <a:p>
             <a:r>
-              <a:rPr lang="en-US" smtClean="0"/>
+              <a:rPr lang="en-US"/>
               <a:t>Click to edit Master title style</a:t>
             </a:r>
-            <a:endParaRPr lang="en-US"/>
           </a:p>
         </p:txBody>
       </p:sp>
@@ -1375,38 +1371,37 @@
           <a:p>
             <a:pPr lvl="0"/>
             <a:r>
-              <a:rPr lang="en-US" smtClean="0"/>
+              <a:rPr lang="en-US"/>
               <a:t>Click to edit Master text styles</a:t>
             </a:r>
           </a:p>
           <a:p>
             <a:pPr lvl="1"/>
             <a:r>
-              <a:rPr lang="en-US" smtClean="0"/>
+              <a:rPr lang="en-US"/>
               <a:t>Second level</a:t>
             </a:r>
           </a:p>
           <a:p>
             <a:pPr lvl="2"/>
             <a:r>
-              <a:rPr lang="en-US" smtClean="0"/>
+              <a:rPr lang="en-US"/>
               <a:t>Third level</a:t>
             </a:r>
           </a:p>
           <a:p>
             <a:pPr lvl="3"/>
             <a:r>
-              <a:rPr lang="en-US" smtClean="0"/>
+              <a:rPr lang="en-US"/>
               <a:t>Fourth level</a:t>
             </a:r>
           </a:p>
           <a:p>
             <a:pPr lvl="4"/>
             <a:r>
-              <a:rPr lang="en-US" smtClean="0"/>
+              <a:rPr lang="en-US"/>
               <a:t>Fifth level</a:t>
             </a:r>
-            <a:endParaRPr lang="en-US"/>
           </a:p>
         </p:txBody>
       </p:sp>
@@ -1428,7 +1423,7 @@
             <a:fld id="{1D8BD707-D9CF-40AE-B4C6-C98DA3205C09}" type="datetimeFigureOut">
               <a:rPr lang="en-US" smtClean="0"/>
               <a:pPr/>
-              <a:t>3/29/2016</a:t>
+              <a:t>6/9/2017</a:t>
             </a:fld>
             <a:endParaRPr lang="en-US"/>
           </a:p>
@@ -1527,10 +1522,9 @@
           </a:lstStyle>
           <a:p>
             <a:r>
-              <a:rPr lang="en-US" smtClean="0"/>
+              <a:rPr lang="en-US"/>
               <a:t>Click to edit Master title style</a:t>
             </a:r>
-            <a:endParaRPr lang="en-US"/>
           </a:p>
         </p:txBody>
       </p:sp>
@@ -1647,7 +1641,7 @@
           <a:p>
             <a:pPr lvl="0"/>
             <a:r>
-              <a:rPr lang="en-US" smtClean="0"/>
+              <a:rPr lang="en-US"/>
               <a:t>Click to edit Master text styles</a:t>
             </a:r>
           </a:p>
@@ -1671,7 +1665,7 @@
             <a:fld id="{1D8BD707-D9CF-40AE-B4C6-C98DA3205C09}" type="datetimeFigureOut">
               <a:rPr lang="en-US" smtClean="0"/>
               <a:pPr/>
-              <a:t>3/29/2016</a:t>
+              <a:t>6/9/2017</a:t>
             </a:fld>
             <a:endParaRPr lang="en-US"/>
           </a:p>
@@ -1761,10 +1755,9 @@
           <a:lstStyle/>
           <a:p>
             <a:r>
-              <a:rPr lang="en-US" smtClean="0"/>
+              <a:rPr lang="en-US"/>
               <a:t>Click to edit Master title style</a:t>
             </a:r>
-            <a:endParaRPr lang="en-US"/>
           </a:p>
         </p:txBody>
       </p:sp>
@@ -1818,38 +1811,37 @@
           <a:p>
             <a:pPr lvl="0"/>
             <a:r>
-              <a:rPr lang="en-US" smtClean="0"/>
+              <a:rPr lang="en-US"/>
               <a:t>Click to edit Master text styles</a:t>
             </a:r>
           </a:p>
           <a:p>
             <a:pPr lvl="1"/>
             <a:r>
-              <a:rPr lang="en-US" smtClean="0"/>
+              <a:rPr lang="en-US"/>
               <a:t>Second level</a:t>
             </a:r>
           </a:p>
           <a:p>
             <a:pPr lvl="2"/>
             <a:r>
-              <a:rPr lang="en-US" smtClean="0"/>
+              <a:rPr lang="en-US"/>
               <a:t>Third level</a:t>
             </a:r>
           </a:p>
           <a:p>
             <a:pPr lvl="3"/>
             <a:r>
-              <a:rPr lang="en-US" smtClean="0"/>
+              <a:rPr lang="en-US"/>
               <a:t>Fourth level</a:t>
             </a:r>
           </a:p>
           <a:p>
             <a:pPr lvl="4"/>
             <a:r>
-              <a:rPr lang="en-US" smtClean="0"/>
+              <a:rPr lang="en-US"/>
               <a:t>Fifth level</a:t>
             </a:r>
-            <a:endParaRPr lang="en-US"/>
           </a:p>
         </p:txBody>
       </p:sp>
@@ -1903,38 +1895,37 @@
           <a:p>
             <a:pPr lvl="0"/>
             <a:r>
-              <a:rPr lang="en-US" smtClean="0"/>
+              <a:rPr lang="en-US"/>
               <a:t>Click to edit Master text styles</a:t>
             </a:r>
           </a:p>
           <a:p>
             <a:pPr lvl="1"/>
             <a:r>
-              <a:rPr lang="en-US" smtClean="0"/>
+              <a:rPr lang="en-US"/>
               <a:t>Second level</a:t>
             </a:r>
           </a:p>
           <a:p>
             <a:pPr lvl="2"/>
             <a:r>
-              <a:rPr lang="en-US" smtClean="0"/>
+              <a:rPr lang="en-US"/>
               <a:t>Third level</a:t>
             </a:r>
           </a:p>
           <a:p>
             <a:pPr lvl="3"/>
             <a:r>
-              <a:rPr lang="en-US" smtClean="0"/>
+              <a:rPr lang="en-US"/>
               <a:t>Fourth level</a:t>
             </a:r>
           </a:p>
           <a:p>
             <a:pPr lvl="4"/>
             <a:r>
-              <a:rPr lang="en-US" smtClean="0"/>
+              <a:rPr lang="en-US"/>
               <a:t>Fifth level</a:t>
             </a:r>
-            <a:endParaRPr lang="en-US"/>
           </a:p>
         </p:txBody>
       </p:sp>
@@ -1956,7 +1947,7 @@
             <a:fld id="{1D8BD707-D9CF-40AE-B4C6-C98DA3205C09}" type="datetimeFigureOut">
               <a:rPr lang="en-US" smtClean="0"/>
               <a:pPr/>
-              <a:t>3/29/2016</a:t>
+              <a:t>6/9/2017</a:t>
             </a:fld>
             <a:endParaRPr lang="en-US"/>
           </a:p>
@@ -2050,10 +2041,9 @@
           </a:lstStyle>
           <a:p>
             <a:r>
-              <a:rPr lang="en-US" smtClean="0"/>
+              <a:rPr lang="en-US"/>
               <a:t>Click to edit Master title style</a:t>
             </a:r>
-            <a:endParaRPr lang="en-US"/>
           </a:p>
         </p:txBody>
       </p:sp>
@@ -2116,7 +2106,7 @@
           <a:p>
             <a:pPr lvl="0"/>
             <a:r>
-              <a:rPr lang="en-US" smtClean="0"/>
+              <a:rPr lang="en-US"/>
               <a:t>Click to edit Master text styles</a:t>
             </a:r>
           </a:p>
@@ -2172,38 +2162,37 @@
           <a:p>
             <a:pPr lvl="0"/>
             <a:r>
-              <a:rPr lang="en-US" smtClean="0"/>
+              <a:rPr lang="en-US"/>
               <a:t>Click to edit Master text styles</a:t>
             </a:r>
           </a:p>
           <a:p>
             <a:pPr lvl="1"/>
             <a:r>
-              <a:rPr lang="en-US" smtClean="0"/>
+              <a:rPr lang="en-US"/>
               <a:t>Second level</a:t>
             </a:r>
           </a:p>
           <a:p>
             <a:pPr lvl="2"/>
             <a:r>
-              <a:rPr lang="en-US" smtClean="0"/>
+              <a:rPr lang="en-US"/>
               <a:t>Third level</a:t>
             </a:r>
           </a:p>
           <a:p>
             <a:pPr lvl="3"/>
             <a:r>
-              <a:rPr lang="en-US" smtClean="0"/>
+              <a:rPr lang="en-US"/>
               <a:t>Fourth level</a:t>
             </a:r>
           </a:p>
           <a:p>
             <a:pPr lvl="4"/>
             <a:r>
-              <a:rPr lang="en-US" smtClean="0"/>
+              <a:rPr lang="en-US"/>
               <a:t>Fifth level</a:t>
             </a:r>
-            <a:endParaRPr lang="en-US"/>
           </a:p>
         </p:txBody>
       </p:sp>
@@ -2266,7 +2255,7 @@
           <a:p>
             <a:pPr lvl="0"/>
             <a:r>
-              <a:rPr lang="en-US" smtClean="0"/>
+              <a:rPr lang="en-US"/>
               <a:t>Click to edit Master text styles</a:t>
             </a:r>
           </a:p>
@@ -2322,38 +2311,37 @@
           <a:p>
             <a:pPr lvl="0"/>
             <a:r>
-              <a:rPr lang="en-US" smtClean="0"/>
+              <a:rPr lang="en-US"/>
               <a:t>Click to edit Master text styles</a:t>
             </a:r>
           </a:p>
           <a:p>
             <a:pPr lvl="1"/>
             <a:r>
-              <a:rPr lang="en-US" smtClean="0"/>
+              <a:rPr lang="en-US"/>
               <a:t>Second level</a:t>
             </a:r>
           </a:p>
           <a:p>
             <a:pPr lvl="2"/>
             <a:r>
-              <a:rPr lang="en-US" smtClean="0"/>
+              <a:rPr lang="en-US"/>
               <a:t>Third level</a:t>
             </a:r>
           </a:p>
           <a:p>
             <a:pPr lvl="3"/>
             <a:r>
-              <a:rPr lang="en-US" smtClean="0"/>
+              <a:rPr lang="en-US"/>
               <a:t>Fourth level</a:t>
             </a:r>
           </a:p>
           <a:p>
             <a:pPr lvl="4"/>
             <a:r>
-              <a:rPr lang="en-US" smtClean="0"/>
+              <a:rPr lang="en-US"/>
               <a:t>Fifth level</a:t>
             </a:r>
-            <a:endParaRPr lang="en-US"/>
           </a:p>
         </p:txBody>
       </p:sp>
@@ -2375,7 +2363,7 @@
             <a:fld id="{1D8BD707-D9CF-40AE-B4C6-C98DA3205C09}" type="datetimeFigureOut">
               <a:rPr lang="en-US" smtClean="0"/>
               <a:pPr/>
-              <a:t>3/29/2016</a:t>
+              <a:t>6/9/2017</a:t>
             </a:fld>
             <a:endParaRPr lang="en-US"/>
           </a:p>
@@ -2465,10 +2453,9 @@
           <a:lstStyle/>
           <a:p>
             <a:r>
-              <a:rPr lang="en-US" smtClean="0"/>
+              <a:rPr lang="en-US"/>
               <a:t>Click to edit Master title style</a:t>
             </a:r>
-            <a:endParaRPr lang="en-US"/>
           </a:p>
         </p:txBody>
       </p:sp>
@@ -2490,7 +2477,7 @@
             <a:fld id="{1D8BD707-D9CF-40AE-B4C6-C98DA3205C09}" type="datetimeFigureOut">
               <a:rPr lang="en-US" smtClean="0"/>
               <a:pPr/>
-              <a:t>3/29/2016</a:t>
+              <a:t>6/9/2017</a:t>
             </a:fld>
             <a:endParaRPr lang="en-US"/>
           </a:p>
@@ -2582,7 +2569,7 @@
             <a:fld id="{1D8BD707-D9CF-40AE-B4C6-C98DA3205C09}" type="datetimeFigureOut">
               <a:rPr lang="en-US" smtClean="0"/>
               <a:pPr/>
-              <a:t>3/29/2016</a:t>
+              <a:t>6/9/2017</a:t>
             </a:fld>
             <a:endParaRPr lang="en-US"/>
           </a:p>
@@ -2681,10 +2668,9 @@
           </a:lstStyle>
           <a:p>
             <a:r>
-              <a:rPr lang="en-US" smtClean="0"/>
+              <a:rPr lang="en-US"/>
               <a:t>Click to edit Master title style</a:t>
             </a:r>
-            <a:endParaRPr lang="en-US"/>
           </a:p>
         </p:txBody>
       </p:sp>
@@ -2738,38 +2724,37 @@
           <a:p>
             <a:pPr lvl="0"/>
             <a:r>
-              <a:rPr lang="en-US" smtClean="0"/>
+              <a:rPr lang="en-US"/>
               <a:t>Click to edit Master text styles</a:t>
             </a:r>
           </a:p>
           <a:p>
             <a:pPr lvl="1"/>
             <a:r>
-              <a:rPr lang="en-US" smtClean="0"/>
+              <a:rPr lang="en-US"/>
               <a:t>Second level</a:t>
             </a:r>
           </a:p>
           <a:p>
             <a:pPr lvl="2"/>
             <a:r>
-              <a:rPr lang="en-US" smtClean="0"/>
+              <a:rPr lang="en-US"/>
               <a:t>Third level</a:t>
             </a:r>
           </a:p>
           <a:p>
             <a:pPr lvl="3"/>
             <a:r>
-              <a:rPr lang="en-US" smtClean="0"/>
+              <a:rPr lang="en-US"/>
               <a:t>Fourth level</a:t>
             </a:r>
           </a:p>
           <a:p>
             <a:pPr lvl="4"/>
             <a:r>
-              <a:rPr lang="en-US" smtClean="0"/>
+              <a:rPr lang="en-US"/>
               <a:t>Fifth level</a:t>
             </a:r>
-            <a:endParaRPr lang="en-US"/>
           </a:p>
         </p:txBody>
       </p:sp>
@@ -2832,7 +2817,7 @@
           <a:p>
             <a:pPr lvl="0"/>
             <a:r>
-              <a:rPr lang="en-US" smtClean="0"/>
+              <a:rPr lang="en-US"/>
               <a:t>Click to edit Master text styles</a:t>
             </a:r>
           </a:p>
@@ -2856,7 +2841,7 @@
             <a:fld id="{1D8BD707-D9CF-40AE-B4C6-C98DA3205C09}" type="datetimeFigureOut">
               <a:rPr lang="en-US" smtClean="0"/>
               <a:pPr/>
-              <a:t>3/29/2016</a:t>
+              <a:t>6/9/2017</a:t>
             </a:fld>
             <a:endParaRPr lang="en-US"/>
           </a:p>
@@ -2955,10 +2940,9 @@
           </a:lstStyle>
           <a:p>
             <a:r>
-              <a:rPr lang="en-US" smtClean="0"/>
+              <a:rPr lang="en-US"/>
               <a:t>Click to edit Master title style</a:t>
             </a:r>
-            <a:endParaRPr lang="en-US"/>
           </a:p>
         </p:txBody>
       </p:sp>
@@ -3082,7 +3066,7 @@
           <a:p>
             <a:pPr lvl="0"/>
             <a:r>
-              <a:rPr lang="en-US" smtClean="0"/>
+              <a:rPr lang="en-US"/>
               <a:t>Click to edit Master text styles</a:t>
             </a:r>
           </a:p>
@@ -3106,7 +3090,7 @@
             <a:fld id="{1D8BD707-D9CF-40AE-B4C6-C98DA3205C09}" type="datetimeFigureOut">
               <a:rPr lang="en-US" smtClean="0"/>
               <a:pPr/>
-              <a:t>3/29/2016</a:t>
+              <a:t>6/9/2017</a:t>
             </a:fld>
             <a:endParaRPr lang="en-US"/>
           </a:p>
@@ -3216,10 +3200,9 @@
           <a:lstStyle/>
           <a:p>
             <a:r>
-              <a:rPr lang="en-US" smtClean="0"/>
+              <a:rPr lang="en-US"/>
               <a:t>Click to edit Master title style</a:t>
             </a:r>
-            <a:endParaRPr lang="en-US"/>
           </a:p>
         </p:txBody>
       </p:sp>
@@ -3250,38 +3233,37 @@
           <a:p>
             <a:pPr lvl="0"/>
             <a:r>
-              <a:rPr lang="en-US" smtClean="0"/>
+              <a:rPr lang="en-US"/>
               <a:t>Click to edit Master text styles</a:t>
             </a:r>
           </a:p>
           <a:p>
             <a:pPr lvl="1"/>
             <a:r>
-              <a:rPr lang="en-US" smtClean="0"/>
+              <a:rPr lang="en-US"/>
               <a:t>Second level</a:t>
             </a:r>
           </a:p>
           <a:p>
             <a:pPr lvl="2"/>
             <a:r>
-              <a:rPr lang="en-US" smtClean="0"/>
+              <a:rPr lang="en-US"/>
               <a:t>Third level</a:t>
             </a:r>
           </a:p>
           <a:p>
             <a:pPr lvl="3"/>
             <a:r>
-              <a:rPr lang="en-US" smtClean="0"/>
+              <a:rPr lang="en-US"/>
               <a:t>Fourth level</a:t>
             </a:r>
           </a:p>
           <a:p>
             <a:pPr lvl="4"/>
             <a:r>
-              <a:rPr lang="en-US" smtClean="0"/>
+              <a:rPr lang="en-US"/>
               <a:t>Fifth level</a:t>
             </a:r>
-            <a:endParaRPr lang="en-US"/>
           </a:p>
         </p:txBody>
       </p:sp>
@@ -3321,7 +3303,7 @@
             <a:fld id="{1D8BD707-D9CF-40AE-B4C6-C98DA3205C09}" type="datetimeFigureOut">
               <a:rPr lang="en-US" smtClean="0"/>
               <a:pPr/>
-              <a:t>3/29/2016</a:t>
+              <a:t>6/9/2017</a:t>
             </a:fld>
             <a:endParaRPr lang="en-US"/>
           </a:p>
@@ -5745,9 +5727,7 @@
             </a:prstGeom>
             <a:ln w="38100">
               <a:solidFill>
-                <a:schemeClr val="accent6">
-                  <a:lumMod val="75000"/>
-                </a:schemeClr>
+                <a:srgbClr val="F79646"/>
               </a:solidFill>
               <a:headEnd type="none"/>
               <a:tailEnd type="triangle" w="lg" len="lg"/>
@@ -5977,7 +5957,7 @@
             <a:lstStyle/>
             <a:p>
               <a:r>
-                <a:rPr lang="en-US" sz="1050" dirty="0" smtClean="0"/>
+                <a:rPr lang="en-US" sz="1050" dirty="0"/>
                 <a:t>MAIN SETTINGS</a:t>
               </a:r>
               <a:endParaRPr lang="en-SG" sz="1050" dirty="0"/>
@@ -6343,7 +6323,7 @@
           <a:lstStyle/>
           <a:p>
             <a:r>
-              <a:rPr lang="en-US" sz="1050" dirty="0" smtClean="0"/>
+              <a:rPr lang="en-US" sz="1050" dirty="0"/>
               <a:t>STRETCH/SHRINK TO  ALIGN …</a:t>
             </a:r>
             <a:endParaRPr lang="en-SG" sz="1050" dirty="0"/>
@@ -6391,7 +6371,7 @@
           <a:p>
             <a:pPr algn="ctr"/>
             <a:r>
-              <a:rPr lang="en-US" sz="700" dirty="0" smtClean="0">
+              <a:rPr lang="en-US" sz="700" dirty="0">
                 <a:solidFill>
                   <a:schemeClr val="tx1"/>
                 </a:solidFill>
@@ -6447,7 +6427,7 @@
           <a:p>
             <a:pPr algn="ctr"/>
             <a:r>
-              <a:rPr lang="en-US" sz="700" dirty="0" smtClean="0">
+              <a:rPr lang="en-US" sz="700" dirty="0">
                 <a:solidFill>
                   <a:schemeClr val="tx1"/>
                 </a:solidFill>
@@ -6503,7 +6483,7 @@
           <a:p>
             <a:pPr algn="ctr"/>
             <a:r>
-              <a:rPr lang="en-US" sz="700" dirty="0" smtClean="0">
+              <a:rPr lang="en-US" sz="700" dirty="0">
                 <a:solidFill>
                   <a:schemeClr val="tx1"/>
                 </a:solidFill>
@@ -6559,7 +6539,7 @@
           <a:p>
             <a:pPr algn="ctr"/>
             <a:r>
-              <a:rPr lang="en-US" sz="700" dirty="0" smtClean="0">
+              <a:rPr lang="en-US" sz="700" dirty="0">
                 <a:solidFill>
                   <a:schemeClr val="tx1"/>
                 </a:solidFill>
@@ -6690,7 +6670,7 @@
             <a:lstStyle/>
             <a:p>
               <a:r>
-                <a:rPr lang="en-US" sz="1050" dirty="0" smtClean="0"/>
+                <a:rPr lang="en-US" sz="1050" dirty="0"/>
                 <a:t>EQUALIZE …</a:t>
               </a:r>
               <a:endParaRPr lang="en-SG" sz="1050" dirty="0"/>
@@ -6931,7 +6911,7 @@
           <a:p>
             <a:pPr algn="ctr"/>
             <a:r>
-              <a:rPr lang="en-US" sz="700" dirty="0" smtClean="0">
+              <a:rPr lang="en-US" sz="700" dirty="0">
                 <a:solidFill>
                   <a:schemeClr val="tx1"/>
                 </a:solidFill>
@@ -6987,7 +6967,7 @@
           <a:p>
             <a:pPr algn="ctr"/>
             <a:r>
-              <a:rPr lang="en-US" sz="700" dirty="0" smtClean="0">
+              <a:rPr lang="en-US" sz="700" dirty="0">
                 <a:solidFill>
                   <a:schemeClr val="tx1"/>
                 </a:solidFill>
@@ -7043,7 +7023,7 @@
           <a:p>
             <a:pPr algn="ctr"/>
             <a:r>
-              <a:rPr lang="en-US" sz="700" dirty="0" smtClean="0">
+              <a:rPr lang="en-US" sz="700" dirty="0">
                 <a:solidFill>
                   <a:schemeClr val="tx1"/>
                 </a:solidFill>
@@ -7174,7 +7154,7 @@
             <a:lstStyle/>
             <a:p>
               <a:r>
-                <a:rPr lang="en-US" sz="1050" dirty="0" smtClean="0"/>
+                <a:rPr lang="en-US" sz="1050" dirty="0"/>
                 <a:t>FIT … TO SLIDE</a:t>
               </a:r>
               <a:endParaRPr lang="en-SG" sz="1050" dirty="0"/>
@@ -7223,7 +7203,7 @@
           <a:p>
             <a:pPr algn="ctr"/>
             <a:r>
-              <a:rPr lang="en-US" sz="700" dirty="0" smtClean="0">
+              <a:rPr lang="en-US" sz="700" dirty="0">
                 <a:solidFill>
                   <a:schemeClr val="tx1"/>
                 </a:solidFill>
@@ -7279,7 +7259,7 @@
           <a:p>
             <a:pPr algn="ctr"/>
             <a:r>
-              <a:rPr lang="en-US" sz="700" dirty="0" smtClean="0">
+              <a:rPr lang="en-US" sz="700" dirty="0">
                 <a:solidFill>
                   <a:schemeClr val="tx1"/>
                 </a:solidFill>
@@ -7335,7 +7315,7 @@
           <a:p>
             <a:pPr algn="ctr"/>
             <a:r>
-              <a:rPr lang="en-US" sz="700" dirty="0" smtClean="0">
+              <a:rPr lang="en-US" sz="700" dirty="0">
                 <a:solidFill>
                   <a:schemeClr val="tx1"/>
                 </a:solidFill>
@@ -7574,7 +7554,7 @@
             <a:lstStyle/>
             <a:p>
               <a:r>
-                <a:rPr lang="en-US" sz="1050" dirty="0" smtClean="0"/>
+                <a:rPr lang="en-US" sz="1050" dirty="0"/>
                 <a:t>ADJUST SLIGHTLY…</a:t>
               </a:r>
               <a:endParaRPr lang="en-SG" sz="1050" dirty="0"/>
@@ -7698,7 +7678,7 @@
             <a:lstStyle/>
             <a:p>
               <a:r>
-                <a:rPr lang="en-US" sz="1050" dirty="0" smtClean="0"/>
+                <a:rPr lang="en-US" sz="1050" dirty="0"/>
                 <a:t>ADJUST ASPECT RATIO …</a:t>
               </a:r>
               <a:endParaRPr lang="en-SG" sz="1050" dirty="0"/>
@@ -7747,7 +7727,7 @@
           <a:p>
             <a:pPr algn="ctr"/>
             <a:r>
-              <a:rPr lang="en-US" sz="700" dirty="0" smtClean="0">
+              <a:rPr lang="en-US" sz="700" dirty="0">
                 <a:solidFill>
                   <a:schemeClr val="tx1"/>
                 </a:solidFill>
@@ -7803,7 +7783,7 @@
           <a:p>
             <a:pPr algn="ctr"/>
             <a:r>
-              <a:rPr lang="en-US" sz="700" dirty="0" smtClean="0">
+              <a:rPr lang="en-US" sz="700" dirty="0">
                 <a:solidFill>
                   <a:schemeClr val="tx1"/>
                 </a:solidFill>
@@ -7859,7 +7839,7 @@
           <a:p>
             <a:pPr algn="ctr"/>
             <a:r>
-              <a:rPr lang="en-US" sz="700" dirty="0" smtClean="0">
+              <a:rPr lang="en-US" sz="700" dirty="0">
                 <a:solidFill>
                   <a:schemeClr val="tx1"/>
                 </a:solidFill>
@@ -8235,7 +8215,7 @@
           <a:p>
             <a:pPr algn="ctr"/>
             <a:r>
-              <a:rPr lang="en-US" sz="700" dirty="0" smtClean="0">
+              <a:rPr lang="en-US" sz="700" dirty="0">
                 <a:solidFill>
                   <a:schemeClr val="tx1"/>
                 </a:solidFill>
@@ -8419,7 +8399,7 @@
           <a:p>
             <a:pPr algn="ctr"/>
             <a:r>
-              <a:rPr lang="en-US" sz="700" dirty="0" smtClean="0">
+              <a:rPr lang="en-US" sz="700" dirty="0">
                 <a:solidFill>
                   <a:schemeClr val="tx1"/>
                 </a:solidFill>
@@ -8550,7 +8530,7 @@
             <a:lstStyle/>
             <a:p>
               <a:r>
-                <a:rPr lang="en-US" sz="1050" dirty="0" smtClean="0"/>
+                <a:rPr lang="en-US" sz="1050" dirty="0"/>
                 <a:t>RESIZE PROPORTIONALLY BY …</a:t>
               </a:r>
               <a:endParaRPr lang="en-SG" sz="1050" dirty="0"/>
@@ -8599,7 +8579,7 @@
           <a:p>
             <a:pPr algn="ctr"/>
             <a:r>
-              <a:rPr lang="en-US" sz="700" dirty="0" smtClean="0">
+              <a:rPr lang="en-US" sz="700" dirty="0">
                 <a:solidFill>
                   <a:schemeClr val="tx1"/>
                 </a:solidFill>
@@ -8655,7 +8635,7 @@
           <a:p>
             <a:pPr algn="ctr"/>
             <a:r>
-              <a:rPr lang="en-US" sz="700" dirty="0" smtClean="0">
+              <a:rPr lang="en-US" sz="700" dirty="0">
                 <a:solidFill>
                   <a:schemeClr val="tx1"/>
                 </a:solidFill>
@@ -8711,7 +8691,7 @@
           <a:p>
             <a:pPr algn="ctr"/>
             <a:r>
-              <a:rPr lang="en-US" sz="700" dirty="0" smtClean="0">
+              <a:rPr lang="en-US" sz="700" dirty="0">
                 <a:solidFill>
                   <a:schemeClr val="tx1"/>
                 </a:solidFill>
@@ -8959,7 +8939,7 @@
           <a:p>
             <a:pPr algn="ctr"/>
             <a:r>
-              <a:rPr lang="en-US" sz="700" dirty="0" smtClean="0">
+              <a:rPr lang="en-US" sz="700" dirty="0">
                 <a:solidFill>
                   <a:schemeClr val="tx1"/>
                 </a:solidFill>
@@ -9015,7 +8995,7 @@
           <a:p>
             <a:pPr algn="ctr"/>
             <a:r>
-              <a:rPr lang="en-US" sz="700" dirty="0" smtClean="0">
+              <a:rPr lang="en-US" sz="700" dirty="0">
                 <a:solidFill>
                   <a:schemeClr val="tx1"/>
                 </a:solidFill>
@@ -9071,7 +9051,7 @@
           <a:p>
             <a:pPr algn="ctr"/>
             <a:r>
-              <a:rPr lang="en-US" sz="700" dirty="0" smtClean="0">
+              <a:rPr lang="en-US" sz="700" dirty="0">
                 <a:solidFill>
                   <a:schemeClr val="tx1"/>
                 </a:solidFill>
@@ -9127,7 +9107,7 @@
           <a:p>
             <a:pPr algn="ctr"/>
             <a:r>
-              <a:rPr lang="en-US" sz="700" dirty="0" smtClean="0">
+              <a:rPr lang="en-US" sz="700" dirty="0">
                 <a:solidFill>
                   <a:schemeClr val="tx1"/>
                 </a:solidFill>
@@ -9421,7 +9401,7 @@
           <a:lstStyle/>
           <a:p>
             <a:r>
-              <a:rPr lang="en-US" dirty="0" smtClean="0">
+              <a:rPr lang="en-US" dirty="0">
                 <a:solidFill>
                   <a:schemeClr val="bg1">
                     <a:lumMod val="65000"/>
@@ -9450,13 +9430,6 @@
   <p:clrMapOvr>
     <a:masterClrMapping/>
   </p:clrMapOvr>
-  <p:timing>
-    <p:tnLst>
-      <p:par>
-        <p:cTn id="1" dur="indefinite" restart="never" nodeType="tmRoot"/>
-      </p:par>
-    </p:tnLst>
-  </p:timing>
 </p:sld>
 </file>
 
@@ -9498,10 +9471,9 @@
           <a:lstStyle/>
           <a:p>
             <a:r>
-              <a:rPr lang="en-US" dirty="0" smtClean="0"/>
+              <a:rPr lang="en-US" dirty="0"/>
               <a:t>Stretch / Shrink</a:t>
             </a:r>
-            <a:endParaRPr lang="en-US" dirty="0"/>
           </a:p>
         </p:txBody>
       </p:sp>
@@ -9528,7 +9500,7 @@
           <a:lstStyle/>
           <a:p>
             <a:r>
-              <a:rPr lang="en-US" dirty="0" smtClean="0"/>
+              <a:rPr lang="en-US" dirty="0"/>
               <a:t>Stretch left</a:t>
             </a:r>
           </a:p>
@@ -9557,7 +9529,7 @@
           <a:lstStyle/>
           <a:p>
             <a:r>
-              <a:rPr lang="en-US" dirty="0" smtClean="0"/>
+              <a:rPr lang="en-US" dirty="0"/>
               <a:t>Stretch right</a:t>
             </a:r>
           </a:p>
@@ -9586,7 +9558,7 @@
           <a:lstStyle/>
           <a:p>
             <a:r>
-              <a:rPr lang="en-US" dirty="0" smtClean="0"/>
+              <a:rPr lang="en-US" dirty="0"/>
               <a:t>Stretch top</a:t>
             </a:r>
           </a:p>
@@ -9615,7 +9587,7 @@
           <a:lstStyle/>
           <a:p>
             <a:r>
-              <a:rPr lang="en-US" dirty="0" smtClean="0"/>
+              <a:rPr lang="en-US" dirty="0"/>
               <a:t>Stretch bottom</a:t>
             </a:r>
           </a:p>
@@ -9682,18 +9654,13 @@
             <a:p>
               <a:pPr algn="ctr"/>
               <a:r>
-                <a:rPr lang="en-US" sz="800" dirty="0" smtClean="0">
+                <a:rPr lang="en-US" sz="800" dirty="0">
                   <a:solidFill>
                     <a:srgbClr val="0070C0"/>
                   </a:solidFill>
                 </a:rPr>
                 <a:t>▴</a:t>
               </a:r>
-              <a:endParaRPr lang="en-US" sz="800" dirty="0">
-                <a:solidFill>
-                  <a:srgbClr val="0070C0"/>
-                </a:solidFill>
-              </a:endParaRPr>
             </a:p>
           </p:txBody>
         </p:sp>
@@ -10004,18 +9971,13 @@
             <a:p>
               <a:pPr algn="ctr"/>
               <a:r>
-                <a:rPr lang="en-US" sz="800" dirty="0" smtClean="0">
+                <a:rPr lang="en-US" sz="800" dirty="0">
                   <a:solidFill>
                     <a:srgbClr val="0070C0"/>
                   </a:solidFill>
                 </a:rPr>
                 <a:t>▴</a:t>
               </a:r>
-              <a:endParaRPr lang="en-US" sz="800" dirty="0">
-                <a:solidFill>
-                  <a:srgbClr val="0070C0"/>
-                </a:solidFill>
-              </a:endParaRPr>
             </a:p>
           </p:txBody>
         </p:sp>
@@ -10328,18 +10290,13 @@
             <a:p>
               <a:pPr algn="ctr"/>
               <a:r>
-                <a:rPr lang="en-US" sz="800" dirty="0" smtClean="0">
+                <a:rPr lang="en-US" sz="800" dirty="0">
                   <a:solidFill>
                     <a:srgbClr val="0070C0"/>
                   </a:solidFill>
                 </a:rPr>
                 <a:t>▴</a:t>
               </a:r>
-              <a:endParaRPr lang="en-US" sz="800" dirty="0">
-                <a:solidFill>
-                  <a:srgbClr val="0070C0"/>
-                </a:solidFill>
-              </a:endParaRPr>
             </a:p>
           </p:txBody>
         </p:sp>
@@ -10650,18 +10607,13 @@
             <a:p>
               <a:pPr algn="ctr"/>
               <a:r>
-                <a:rPr lang="en-US" sz="800" dirty="0" smtClean="0">
+                <a:rPr lang="en-US" sz="800" dirty="0">
                   <a:solidFill>
                     <a:srgbClr val="0070C0"/>
                   </a:solidFill>
                 </a:rPr>
                 <a:t>▴</a:t>
               </a:r>
-              <a:endParaRPr lang="en-US" sz="800" dirty="0">
-                <a:solidFill>
-                  <a:srgbClr val="0070C0"/>
-                </a:solidFill>
-              </a:endParaRPr>
             </a:p>
           </p:txBody>
         </p:sp>
@@ -12966,13 +12918,6 @@
   <p:clrMapOvr>
     <a:masterClrMapping/>
   </p:clrMapOvr>
-  <p:timing>
-    <p:tnLst>
-      <p:par>
-        <p:cTn id="1" dur="indefinite" restart="never" nodeType="tmRoot"/>
-      </p:par>
-    </p:tnLst>
-  </p:timing>
 </p:sld>
 </file>
 
@@ -13009,10 +12954,9 @@
           <a:lstStyle/>
           <a:p>
             <a:r>
-              <a:rPr lang="en-US" dirty="0" smtClean="0"/>
+              <a:rPr lang="en-US" dirty="0"/>
               <a:t>Equalize</a:t>
             </a:r>
-            <a:endParaRPr lang="en-US" dirty="0"/>
           </a:p>
         </p:txBody>
       </p:sp>
@@ -13039,7 +12983,7 @@
           <a:lstStyle/>
           <a:p>
             <a:r>
-              <a:rPr lang="en-US" dirty="0" smtClean="0"/>
+              <a:rPr lang="en-US" dirty="0"/>
               <a:t>height</a:t>
             </a:r>
           </a:p>
@@ -13068,7 +13012,7 @@
           <a:lstStyle/>
           <a:p>
             <a:r>
-              <a:rPr lang="en-US" dirty="0" smtClean="0"/>
+              <a:rPr lang="en-US" dirty="0"/>
               <a:t>width</a:t>
             </a:r>
           </a:p>
@@ -13097,7 +13041,7 @@
           <a:lstStyle/>
           <a:p>
             <a:r>
-              <a:rPr lang="en-US" dirty="0" smtClean="0"/>
+              <a:rPr lang="en-US" dirty="0"/>
               <a:t>both</a:t>
             </a:r>
           </a:p>
@@ -14667,13 +14611,6 @@
   <p:clrMapOvr>
     <a:masterClrMapping/>
   </p:clrMapOvr>
-  <p:timing>
-    <p:tnLst>
-      <p:par>
-        <p:cTn id="1" dur="indefinite" restart="never" nodeType="tmRoot"/>
-      </p:par>
-    </p:tnLst>
-  </p:timing>
 </p:sld>
 </file>
 
@@ -14710,10 +14647,9 @@
           <a:lstStyle/>
           <a:p>
             <a:r>
-              <a:rPr lang="en-US" dirty="0" smtClean="0"/>
+              <a:rPr lang="en-US" dirty="0"/>
               <a:t>Fit to Slide</a:t>
             </a:r>
-            <a:endParaRPr lang="en-US" dirty="0"/>
           </a:p>
         </p:txBody>
       </p:sp>
@@ -14740,7 +14676,7 @@
           <a:lstStyle/>
           <a:p>
             <a:r>
-              <a:rPr lang="en-US" dirty="0" smtClean="0"/>
+              <a:rPr lang="en-US" dirty="0"/>
               <a:t>Fit to Width</a:t>
             </a:r>
           </a:p>
@@ -14769,7 +14705,7 @@
           <a:lstStyle/>
           <a:p>
             <a:r>
-              <a:rPr lang="en-US" dirty="0" smtClean="0"/>
+              <a:rPr lang="en-US" dirty="0"/>
               <a:t>Fit to Height</a:t>
             </a:r>
           </a:p>
@@ -14798,7 +14734,7 @@
           <a:lstStyle/>
           <a:p>
             <a:r>
-              <a:rPr lang="en-US" dirty="0" smtClean="0"/>
+              <a:rPr lang="en-US" dirty="0"/>
               <a:t>Fit to Fill</a:t>
             </a:r>
           </a:p>
@@ -16677,13 +16613,6 @@
   <p:clrMapOvr>
     <a:masterClrMapping/>
   </p:clrMapOvr>
-  <p:timing>
-    <p:tnLst>
-      <p:par>
-        <p:cTn id="1" dur="indefinite" restart="never" nodeType="tmRoot"/>
-      </p:par>
-    </p:tnLst>
-  </p:timing>
 </p:sld>
 </file>
 
@@ -16720,10 +16649,9 @@
           <a:lstStyle/>
           <a:p>
             <a:r>
-              <a:rPr lang="en-US" dirty="0" smtClean="0"/>
+              <a:rPr lang="en-US" dirty="0"/>
               <a:t>Adjust Aspect Ratio</a:t>
             </a:r>
-            <a:endParaRPr lang="en-US" dirty="0"/>
           </a:p>
         </p:txBody>
       </p:sp>
@@ -16750,7 +16678,7 @@
           <a:lstStyle/>
           <a:p>
             <a:r>
-              <a:rPr lang="en-US" dirty="0" smtClean="0"/>
+              <a:rPr lang="en-US" dirty="0"/>
               <a:t>Lock</a:t>
             </a:r>
           </a:p>
@@ -16779,7 +16707,7 @@
           <a:lstStyle/>
           <a:p>
             <a:r>
-              <a:rPr lang="en-US" dirty="0" smtClean="0"/>
+              <a:rPr lang="en-US" dirty="0"/>
               <a:t>Unlock</a:t>
             </a:r>
           </a:p>
@@ -16808,7 +16736,7 @@
           <a:lstStyle/>
           <a:p>
             <a:r>
-              <a:rPr lang="en-US" dirty="0" smtClean="0"/>
+              <a:rPr lang="en-US" dirty="0"/>
               <a:t>Restore</a:t>
             </a:r>
           </a:p>
@@ -17787,7 +17715,7 @@
           <a:p>
             <a:pPr algn="ctr"/>
             <a:r>
-              <a:rPr lang="en-US" sz="1100" dirty="0" smtClean="0">
+              <a:rPr lang="en-US" sz="1100" dirty="0">
                 <a:solidFill>
                   <a:schemeClr val="tx1"/>
                 </a:solidFill>
@@ -17843,7 +17771,7 @@
           <a:p>
             <a:pPr algn="ctr"/>
             <a:r>
-              <a:rPr lang="en-US" sz="1100" dirty="0" smtClean="0">
+              <a:rPr lang="en-US" sz="1100" dirty="0">
                 <a:solidFill>
                   <a:schemeClr val="tx1"/>
                 </a:solidFill>
@@ -17899,7 +17827,7 @@
           <a:p>
             <a:pPr algn="ctr"/>
             <a:r>
-              <a:rPr lang="en-US" sz="1100" dirty="0" smtClean="0">
+              <a:rPr lang="en-US" sz="1100" dirty="0">
                 <a:solidFill>
                   <a:schemeClr val="tx1"/>
                 </a:solidFill>
@@ -18455,7 +18383,7 @@
           <a:p>
             <a:pPr algn="ctr"/>
             <a:r>
-              <a:rPr lang="en-US" sz="1100" dirty="0" smtClean="0">
+              <a:rPr lang="en-US" sz="1100" dirty="0">
                 <a:solidFill>
                   <a:schemeClr val="tx1"/>
                 </a:solidFill>
@@ -19057,13 +18985,6 @@
   <p:clrMapOvr>
     <a:masterClrMapping/>
   </p:clrMapOvr>
-  <p:timing>
-    <p:tnLst>
-      <p:par>
-        <p:cTn id="1" dur="indefinite" restart="never" nodeType="tmRoot"/>
-      </p:par>
-    </p:tnLst>
-  </p:timing>
 </p:sld>
 </file>
 
@@ -19100,7 +19021,7 @@
           <a:lstStyle/>
           <a:p>
             <a:r>
-              <a:rPr lang="en-US" dirty="0" smtClean="0"/>
+              <a:rPr lang="en-US" dirty="0"/>
               <a:t>ADJUST SLIGHTLY</a:t>
             </a:r>
             <a:endParaRPr lang="en-SG" dirty="0"/>
@@ -19148,7 +19069,7 @@
           <a:p>
             <a:pPr algn="ctr"/>
             <a:r>
-              <a:rPr lang="en-US" sz="1050" dirty="0" smtClean="0">
+              <a:rPr lang="en-US" sz="1050" dirty="0">
                 <a:solidFill>
                   <a:schemeClr val="tx1"/>
                 </a:solidFill>
@@ -19204,7 +19125,7 @@
           <a:p>
             <a:pPr algn="ctr"/>
             <a:r>
-              <a:rPr lang="en-US" sz="1050" dirty="0" smtClean="0">
+              <a:rPr lang="en-US" sz="1050" dirty="0">
                 <a:solidFill>
                   <a:schemeClr val="tx1"/>
                 </a:solidFill>
@@ -19438,7 +19359,7 @@
           <a:p>
             <a:pPr algn="ctr"/>
             <a:r>
-              <a:rPr lang="en-US" sz="1050" dirty="0" smtClean="0">
+              <a:rPr lang="en-US" sz="1050" dirty="0">
                 <a:solidFill>
                   <a:schemeClr val="tx1"/>
                 </a:solidFill>
@@ -19494,7 +19415,7 @@
           <a:p>
             <a:pPr algn="ctr"/>
             <a:r>
-              <a:rPr lang="en-US" sz="1050" dirty="0" smtClean="0">
+              <a:rPr lang="en-US" sz="1050" dirty="0">
                 <a:solidFill>
                   <a:schemeClr val="tx1"/>
                 </a:solidFill>
@@ -20286,13 +20207,6 @@
   <p:clrMapOvr>
     <a:masterClrMapping/>
   </p:clrMapOvr>
-  <p:timing>
-    <p:tnLst>
-      <p:par>
-        <p:cTn id="1" dur="indefinite" restart="never" nodeType="tmRoot"/>
-      </p:par>
-    </p:tnLst>
-  </p:timing>
 </p:sld>
 </file>
 
@@ -20377,7 +20291,7 @@
           <a:p>
             <a:pPr algn="ctr"/>
             <a:r>
-              <a:rPr lang="en-US" sz="1050" dirty="0" smtClean="0">
+              <a:rPr lang="en-US" sz="1050" dirty="0">
                 <a:solidFill>
                   <a:schemeClr val="tx1"/>
                 </a:solidFill>
@@ -20433,7 +20347,7 @@
           <a:p>
             <a:pPr algn="ctr"/>
             <a:r>
-              <a:rPr lang="en-US" sz="1050" dirty="0" smtClean="0">
+              <a:rPr lang="en-US" sz="1050" dirty="0">
                 <a:solidFill>
                   <a:schemeClr val="tx1"/>
                 </a:solidFill>
@@ -20489,7 +20403,7 @@
           <a:p>
             <a:pPr algn="ctr"/>
             <a:r>
-              <a:rPr lang="en-US" sz="1050" dirty="0" smtClean="0">
+              <a:rPr lang="en-US" sz="1050" dirty="0">
                 <a:solidFill>
                   <a:schemeClr val="tx1"/>
                 </a:solidFill>
@@ -20624,18 +20538,13 @@
             <a:p>
               <a:pPr algn="ctr"/>
               <a:r>
-                <a:rPr lang="en-US" dirty="0" smtClean="0">
+                <a:rPr lang="en-US" dirty="0">
                   <a:solidFill>
                     <a:srgbClr val="FF6600"/>
                   </a:solidFill>
                 </a:rPr>
                 <a:t>1</a:t>
               </a:r>
-              <a:endParaRPr lang="en-US" dirty="0">
-                <a:solidFill>
-                  <a:srgbClr val="FF6600"/>
-                </a:solidFill>
-              </a:endParaRPr>
             </a:p>
           </p:txBody>
         </p:sp>
@@ -20776,18 +20685,13 @@
               <a:p>
                 <a:pPr algn="ctr"/>
                 <a:r>
-                  <a:rPr lang="en-US" dirty="0" smtClean="0">
+                  <a:rPr lang="en-US" dirty="0">
                     <a:solidFill>
                       <a:srgbClr val="FF6600"/>
                     </a:solidFill>
                   </a:rPr>
                   <a:t>1</a:t>
                 </a:r>
-                <a:endParaRPr lang="en-US" dirty="0">
-                  <a:solidFill>
-                    <a:srgbClr val="FF6600"/>
-                  </a:solidFill>
-                </a:endParaRPr>
               </a:p>
             </p:txBody>
           </p:sp>
@@ -20975,18 +20879,13 @@
               <a:p>
                 <a:pPr algn="ctr"/>
                 <a:r>
-                  <a:rPr lang="en-US" dirty="0" smtClean="0">
+                  <a:rPr lang="en-US" dirty="0">
                     <a:solidFill>
                       <a:srgbClr val="FF6600"/>
                     </a:solidFill>
                   </a:rPr>
                   <a:t>1</a:t>
                 </a:r>
-                <a:endParaRPr lang="en-US" dirty="0">
-                  <a:solidFill>
-                    <a:srgbClr val="FF6600"/>
-                  </a:solidFill>
-                </a:endParaRPr>
               </a:p>
             </p:txBody>
           </p:sp>
@@ -21048,13 +20947,6 @@
   <p:clrMapOvr>
     <a:masterClrMapping/>
   </p:clrMapOvr>
-  <p:timing>
-    <p:tnLst>
-      <p:par>
-        <p:cTn id="1" dur="indefinite" restart="never" nodeType="tmRoot"/>
-      </p:par>
-    </p:tnLst>
-  </p:timing>
 </p:sld>
 </file>
 
@@ -21091,10 +20983,9 @@
           <a:lstStyle/>
           <a:p>
             <a:r>
-              <a:rPr lang="en-US" dirty="0" smtClean="0"/>
+              <a:rPr lang="en-US" dirty="0"/>
               <a:t>Make Symmetric</a:t>
             </a:r>
-            <a:endParaRPr lang="en-US" dirty="0"/>
           </a:p>
         </p:txBody>
       </p:sp>
@@ -21679,7 +21570,7 @@
           <a:lstStyle/>
           <a:p>
             <a:r>
-              <a:rPr lang="en-US" dirty="0" smtClean="0"/>
+              <a:rPr lang="en-US" dirty="0"/>
               <a:t>Symmetric left</a:t>
             </a:r>
           </a:p>
@@ -22266,7 +22157,7 @@
           <a:lstStyle/>
           <a:p>
             <a:r>
-              <a:rPr lang="en-US" dirty="0" smtClean="0"/>
+              <a:rPr lang="en-US" dirty="0"/>
               <a:t>Symmetric right</a:t>
             </a:r>
           </a:p>
@@ -26467,7 +26358,7 @@
           <a:lstStyle/>
           <a:p>
             <a:r>
-              <a:rPr lang="en-US" dirty="0" smtClean="0"/>
+              <a:rPr lang="en-US" dirty="0"/>
               <a:t>Symmetric top</a:t>
             </a:r>
           </a:p>
@@ -26496,7 +26387,7 @@
           <a:lstStyle/>
           <a:p>
             <a:r>
-              <a:rPr lang="en-US" dirty="0" smtClean="0"/>
+              <a:rPr lang="en-US" dirty="0"/>
               <a:t>Symmetric bottom</a:t>
             </a:r>
           </a:p>
@@ -26548,13 +26439,6 @@
   <p:clrMapOvr>
     <a:masterClrMapping/>
   </p:clrMapOvr>
-  <p:timing>
-    <p:tnLst>
-      <p:par>
-        <p:cTn id="1" dur="indefinite" restart="never" nodeType="tmRoot"/>
-      </p:par>
-    </p:tnLst>
-  </p:timing>
 </p:sld>
 </file>
 
